--- a/presentazione.pptx
+++ b/presentazione.pptx
@@ -15,13 +15,16 @@
     <p:sldId id="274" r:id="rId9"/>
     <p:sldId id="273" r:id="rId10"/>
     <p:sldId id="275" r:id="rId11"/>
-    <p:sldId id="262" r:id="rId12"/>
-    <p:sldId id="263" r:id="rId13"/>
-    <p:sldId id="276" r:id="rId14"/>
-    <p:sldId id="265" r:id="rId15"/>
-    <p:sldId id="266" r:id="rId16"/>
-    <p:sldId id="272" r:id="rId17"/>
-    <p:sldId id="267" r:id="rId18"/>
+    <p:sldId id="278" r:id="rId12"/>
+    <p:sldId id="279" r:id="rId13"/>
+    <p:sldId id="262" r:id="rId14"/>
+    <p:sldId id="263" r:id="rId15"/>
+    <p:sldId id="276" r:id="rId16"/>
+    <p:sldId id="265" r:id="rId17"/>
+    <p:sldId id="266" r:id="rId18"/>
+    <p:sldId id="280" r:id="rId19"/>
+    <p:sldId id="272" r:id="rId20"/>
+    <p:sldId id="267" r:id="rId21"/>
   </p:sldIdLst>
   <p:sldSz cx="12192000" cy="6858000"/>
   <p:notesSz cx="6858000" cy="9144000"/>
@@ -184,7 +187,7 @@
           </a:lstStyle>
           <a:p>
             <a:r>
-              <a:rPr lang="it-IT" smtClean="0"/>
+              <a:rPr lang="it-IT"/>
               <a:t>Fare clic per modificare lo stile del titolo</a:t>
             </a:r>
             <a:endParaRPr lang="en-US" dirty="0"/>
@@ -257,7 +260,7 @@
           </a:lstStyle>
           <a:p>
             <a:r>
-              <a:rPr lang="it-IT" smtClean="0"/>
+              <a:rPr lang="it-IT"/>
               <a:t>Fare clic per modificare lo stile del sottotitolo dello schema</a:t>
             </a:r>
             <a:endParaRPr lang="en-US" dirty="0"/>
@@ -322,7 +325,7 @@
           <a:p>
             <a:fld id="{86EE8AF4-64DE-464C-B663-24FA85AF1999}" type="datetimeFigureOut">
               <a:rPr lang="it-IT" smtClean="0"/>
-              <a:t>03/01/2021</a:t>
+              <a:t>04/01/2021</a:t>
             </a:fld>
             <a:endParaRPr lang="it-IT"/>
           </a:p>
@@ -416,7 +419,7 @@
           <a:lstStyle/>
           <a:p>
             <a:r>
-              <a:rPr lang="it-IT" smtClean="0"/>
+              <a:rPr lang="it-IT"/>
               <a:t>Fare clic per modificare lo stile del titolo</a:t>
             </a:r>
             <a:endParaRPr lang="en-US" dirty="0"/>
@@ -440,35 +443,35 @@
           <a:p>
             <a:pPr lvl="0"/>
             <a:r>
-              <a:rPr lang="it-IT" smtClean="0"/>
+              <a:rPr lang="it-IT"/>
               <a:t>Modifica gli stili del testo dello schema</a:t>
             </a:r>
           </a:p>
           <a:p>
             <a:pPr lvl="1"/>
             <a:r>
-              <a:rPr lang="it-IT" smtClean="0"/>
+              <a:rPr lang="it-IT"/>
               <a:t>Secondo livello</a:t>
             </a:r>
           </a:p>
           <a:p>
             <a:pPr lvl="2"/>
             <a:r>
-              <a:rPr lang="it-IT" smtClean="0"/>
+              <a:rPr lang="it-IT"/>
               <a:t>Terzo livello</a:t>
             </a:r>
           </a:p>
           <a:p>
             <a:pPr lvl="3"/>
             <a:r>
-              <a:rPr lang="it-IT" smtClean="0"/>
+              <a:rPr lang="it-IT"/>
               <a:t>Quarto livello</a:t>
             </a:r>
           </a:p>
           <a:p>
             <a:pPr lvl="4"/>
             <a:r>
-              <a:rPr lang="it-IT" smtClean="0"/>
+              <a:rPr lang="it-IT"/>
               <a:t>Quinto livello</a:t>
             </a:r>
             <a:endParaRPr lang="en-US" dirty="0"/>
@@ -492,7 +495,7 @@
           <a:p>
             <a:fld id="{86EE8AF4-64DE-464C-B663-24FA85AF1999}" type="datetimeFigureOut">
               <a:rPr lang="it-IT" smtClean="0"/>
-              <a:t>03/01/2021</a:t>
+              <a:t>04/01/2021</a:t>
             </a:fld>
             <a:endParaRPr lang="it-IT"/>
           </a:p>
@@ -632,7 +635,7 @@
           <a:lstStyle/>
           <a:p>
             <a:r>
-              <a:rPr lang="it-IT" smtClean="0"/>
+              <a:rPr lang="it-IT"/>
               <a:t>Fare clic per modificare lo stile del titolo</a:t>
             </a:r>
             <a:endParaRPr lang="en-US" dirty="0"/>
@@ -661,35 +664,35 @@
           <a:p>
             <a:pPr lvl="0"/>
             <a:r>
-              <a:rPr lang="it-IT" smtClean="0"/>
+              <a:rPr lang="it-IT"/>
               <a:t>Modifica gli stili del testo dello schema</a:t>
             </a:r>
           </a:p>
           <a:p>
             <a:pPr lvl="1"/>
             <a:r>
-              <a:rPr lang="it-IT" smtClean="0"/>
+              <a:rPr lang="it-IT"/>
               <a:t>Secondo livello</a:t>
             </a:r>
           </a:p>
           <a:p>
             <a:pPr lvl="2"/>
             <a:r>
-              <a:rPr lang="it-IT" smtClean="0"/>
+              <a:rPr lang="it-IT"/>
               <a:t>Terzo livello</a:t>
             </a:r>
           </a:p>
           <a:p>
             <a:pPr lvl="3"/>
             <a:r>
-              <a:rPr lang="it-IT" smtClean="0"/>
+              <a:rPr lang="it-IT"/>
               <a:t>Quarto livello</a:t>
             </a:r>
           </a:p>
           <a:p>
             <a:pPr lvl="4"/>
             <a:r>
-              <a:rPr lang="it-IT" smtClean="0"/>
+              <a:rPr lang="it-IT"/>
               <a:t>Quinto livello</a:t>
             </a:r>
             <a:endParaRPr lang="en-US" dirty="0"/>
@@ -713,7 +716,7 @@
           <a:p>
             <a:fld id="{86EE8AF4-64DE-464C-B663-24FA85AF1999}" type="datetimeFigureOut">
               <a:rPr lang="it-IT" smtClean="0"/>
-              <a:t>03/01/2021</a:t>
+              <a:t>04/01/2021</a:t>
             </a:fld>
             <a:endParaRPr lang="it-IT"/>
           </a:p>
@@ -848,7 +851,7 @@
           <a:lstStyle/>
           <a:p>
             <a:r>
-              <a:rPr lang="it-IT" smtClean="0"/>
+              <a:rPr lang="it-IT"/>
               <a:t>Fare clic per modificare lo stile del titolo</a:t>
             </a:r>
             <a:endParaRPr lang="en-US" dirty="0"/>
@@ -872,35 +875,35 @@
           <a:p>
             <a:pPr lvl="0"/>
             <a:r>
-              <a:rPr lang="it-IT" smtClean="0"/>
+              <a:rPr lang="it-IT"/>
               <a:t>Modifica gli stili del testo dello schema</a:t>
             </a:r>
           </a:p>
           <a:p>
             <a:pPr lvl="1"/>
             <a:r>
-              <a:rPr lang="it-IT" smtClean="0"/>
+              <a:rPr lang="it-IT"/>
               <a:t>Secondo livello</a:t>
             </a:r>
           </a:p>
           <a:p>
             <a:pPr lvl="2"/>
             <a:r>
-              <a:rPr lang="it-IT" smtClean="0"/>
+              <a:rPr lang="it-IT"/>
               <a:t>Terzo livello</a:t>
             </a:r>
           </a:p>
           <a:p>
             <a:pPr lvl="3"/>
             <a:r>
-              <a:rPr lang="it-IT" smtClean="0"/>
+              <a:rPr lang="it-IT"/>
               <a:t>Quarto livello</a:t>
             </a:r>
           </a:p>
           <a:p>
             <a:pPr lvl="4"/>
             <a:r>
-              <a:rPr lang="it-IT" smtClean="0"/>
+              <a:rPr lang="it-IT"/>
               <a:t>Quinto livello</a:t>
             </a:r>
             <a:endParaRPr lang="en-US" dirty="0"/>
@@ -924,7 +927,7 @@
           <a:p>
             <a:fld id="{86EE8AF4-64DE-464C-B663-24FA85AF1999}" type="datetimeFigureOut">
               <a:rPr lang="it-IT" smtClean="0"/>
-              <a:t>03/01/2021</a:t>
+              <a:t>04/01/2021</a:t>
             </a:fld>
             <a:endParaRPr lang="it-IT"/>
           </a:p>
@@ -1073,7 +1076,7 @@
           </a:lstStyle>
           <a:p>
             <a:r>
-              <a:rPr lang="it-IT" smtClean="0"/>
+              <a:rPr lang="it-IT"/>
               <a:t>Fare clic per modificare lo stile del titolo</a:t>
             </a:r>
             <a:endParaRPr lang="en-US" dirty="0"/>
@@ -1196,7 +1199,7 @@
           <a:p>
             <a:pPr lvl="0"/>
             <a:r>
-              <a:rPr lang="it-IT" smtClean="0"/>
+              <a:rPr lang="it-IT"/>
               <a:t>Modifica gli stili del testo dello schema</a:t>
             </a:r>
           </a:p>
@@ -1219,7 +1222,7 @@
           <a:p>
             <a:fld id="{86EE8AF4-64DE-464C-B663-24FA85AF1999}" type="datetimeFigureOut">
               <a:rPr lang="it-IT" smtClean="0"/>
-              <a:t>03/01/2021</a:t>
+              <a:t>04/01/2021</a:t>
             </a:fld>
             <a:endParaRPr lang="it-IT"/>
           </a:p>
@@ -1354,7 +1357,7 @@
           <a:lstStyle/>
           <a:p>
             <a:r>
-              <a:rPr lang="it-IT" smtClean="0"/>
+              <a:rPr lang="it-IT"/>
               <a:t>Fare clic per modificare lo stile del titolo</a:t>
             </a:r>
             <a:endParaRPr lang="en-US" dirty="0"/>
@@ -1411,35 +1414,35 @@
           <a:p>
             <a:pPr lvl="0"/>
             <a:r>
-              <a:rPr lang="it-IT" smtClean="0"/>
+              <a:rPr lang="it-IT"/>
               <a:t>Modifica gli stili del testo dello schema</a:t>
             </a:r>
           </a:p>
           <a:p>
             <a:pPr lvl="1"/>
             <a:r>
-              <a:rPr lang="it-IT" smtClean="0"/>
+              <a:rPr lang="it-IT"/>
               <a:t>Secondo livello</a:t>
             </a:r>
           </a:p>
           <a:p>
             <a:pPr lvl="2"/>
             <a:r>
-              <a:rPr lang="it-IT" smtClean="0"/>
+              <a:rPr lang="it-IT"/>
               <a:t>Terzo livello</a:t>
             </a:r>
           </a:p>
           <a:p>
             <a:pPr lvl="3"/>
             <a:r>
-              <a:rPr lang="it-IT" smtClean="0"/>
+              <a:rPr lang="it-IT"/>
               <a:t>Quarto livello</a:t>
             </a:r>
           </a:p>
           <a:p>
             <a:pPr lvl="4"/>
             <a:r>
-              <a:rPr lang="it-IT" smtClean="0"/>
+              <a:rPr lang="it-IT"/>
               <a:t>Quinto livello</a:t>
             </a:r>
             <a:endParaRPr lang="en-US" dirty="0"/>
@@ -1496,35 +1499,35 @@
           <a:p>
             <a:pPr lvl="0"/>
             <a:r>
-              <a:rPr lang="it-IT" smtClean="0"/>
+              <a:rPr lang="it-IT"/>
               <a:t>Modifica gli stili del testo dello schema</a:t>
             </a:r>
           </a:p>
           <a:p>
             <a:pPr lvl="1"/>
             <a:r>
-              <a:rPr lang="it-IT" smtClean="0"/>
+              <a:rPr lang="it-IT"/>
               <a:t>Secondo livello</a:t>
             </a:r>
           </a:p>
           <a:p>
             <a:pPr lvl="2"/>
             <a:r>
-              <a:rPr lang="it-IT" smtClean="0"/>
+              <a:rPr lang="it-IT"/>
               <a:t>Terzo livello</a:t>
             </a:r>
           </a:p>
           <a:p>
             <a:pPr lvl="3"/>
             <a:r>
-              <a:rPr lang="it-IT" smtClean="0"/>
+              <a:rPr lang="it-IT"/>
               <a:t>Quarto livello</a:t>
             </a:r>
           </a:p>
           <a:p>
             <a:pPr lvl="4"/>
             <a:r>
-              <a:rPr lang="it-IT" smtClean="0"/>
+              <a:rPr lang="it-IT"/>
               <a:t>Quinto livello</a:t>
             </a:r>
             <a:endParaRPr lang="en-US" dirty="0"/>
@@ -1548,7 +1551,7 @@
           <a:p>
             <a:fld id="{86EE8AF4-64DE-464C-B663-24FA85AF1999}" type="datetimeFigureOut">
               <a:rPr lang="it-IT" smtClean="0"/>
-              <a:t>03/01/2021</a:t>
+              <a:t>04/01/2021</a:t>
             </a:fld>
             <a:endParaRPr lang="it-IT"/>
           </a:p>
@@ -1683,7 +1686,7 @@
           <a:lstStyle/>
           <a:p>
             <a:r>
-              <a:rPr lang="it-IT" smtClean="0"/>
+              <a:rPr lang="it-IT"/>
               <a:t>Fare clic per modificare lo stile del titolo</a:t>
             </a:r>
             <a:endParaRPr lang="en-US" dirty="0"/>
@@ -1758,7 +1761,7 @@
           <a:p>
             <a:pPr lvl="0"/>
             <a:r>
-              <a:rPr lang="it-IT" smtClean="0"/>
+              <a:rPr lang="it-IT"/>
               <a:t>Modifica gli stili del testo dello schema</a:t>
             </a:r>
           </a:p>
@@ -1814,35 +1817,35 @@
           <a:p>
             <a:pPr lvl="0"/>
             <a:r>
-              <a:rPr lang="it-IT" smtClean="0"/>
+              <a:rPr lang="it-IT"/>
               <a:t>Modifica gli stili del testo dello schema</a:t>
             </a:r>
           </a:p>
           <a:p>
             <a:pPr lvl="1"/>
             <a:r>
-              <a:rPr lang="it-IT" smtClean="0"/>
+              <a:rPr lang="it-IT"/>
               <a:t>Secondo livello</a:t>
             </a:r>
           </a:p>
           <a:p>
             <a:pPr lvl="2"/>
             <a:r>
-              <a:rPr lang="it-IT" smtClean="0"/>
+              <a:rPr lang="it-IT"/>
               <a:t>Terzo livello</a:t>
             </a:r>
           </a:p>
           <a:p>
             <a:pPr lvl="3"/>
             <a:r>
-              <a:rPr lang="it-IT" smtClean="0"/>
+              <a:rPr lang="it-IT"/>
               <a:t>Quarto livello</a:t>
             </a:r>
           </a:p>
           <a:p>
             <a:pPr lvl="4"/>
             <a:r>
-              <a:rPr lang="it-IT" smtClean="0"/>
+              <a:rPr lang="it-IT"/>
               <a:t>Quinto livello</a:t>
             </a:r>
             <a:endParaRPr lang="en-US" dirty="0"/>
@@ -1932,7 +1935,7 @@
               <a:buNone/>
             </a:pPr>
             <a:r>
-              <a:rPr lang="it-IT" smtClean="0"/>
+              <a:rPr lang="it-IT"/>
               <a:t>Modifica gli stili del testo dello schema</a:t>
             </a:r>
           </a:p>
@@ -1988,35 +1991,35 @@
           <a:p>
             <a:pPr lvl="0"/>
             <a:r>
-              <a:rPr lang="it-IT" smtClean="0"/>
+              <a:rPr lang="it-IT"/>
               <a:t>Modifica gli stili del testo dello schema</a:t>
             </a:r>
           </a:p>
           <a:p>
             <a:pPr lvl="1"/>
             <a:r>
-              <a:rPr lang="it-IT" smtClean="0"/>
+              <a:rPr lang="it-IT"/>
               <a:t>Secondo livello</a:t>
             </a:r>
           </a:p>
           <a:p>
             <a:pPr lvl="2"/>
             <a:r>
-              <a:rPr lang="it-IT" smtClean="0"/>
+              <a:rPr lang="it-IT"/>
               <a:t>Terzo livello</a:t>
             </a:r>
           </a:p>
           <a:p>
             <a:pPr lvl="3"/>
             <a:r>
-              <a:rPr lang="it-IT" smtClean="0"/>
+              <a:rPr lang="it-IT"/>
               <a:t>Quarto livello</a:t>
             </a:r>
           </a:p>
           <a:p>
             <a:pPr lvl="4"/>
             <a:r>
-              <a:rPr lang="it-IT" smtClean="0"/>
+              <a:rPr lang="it-IT"/>
               <a:t>Quinto livello</a:t>
             </a:r>
             <a:endParaRPr lang="en-US" dirty="0"/>
@@ -2040,7 +2043,7 @@
           <a:p>
             <a:fld id="{86EE8AF4-64DE-464C-B663-24FA85AF1999}" type="datetimeFigureOut">
               <a:rPr lang="it-IT" smtClean="0"/>
-              <a:t>03/01/2021</a:t>
+              <a:t>04/01/2021</a:t>
             </a:fld>
             <a:endParaRPr lang="it-IT"/>
           </a:p>
@@ -2175,7 +2178,7 @@
           <a:lstStyle/>
           <a:p>
             <a:r>
-              <a:rPr lang="it-IT" smtClean="0"/>
+              <a:rPr lang="it-IT"/>
               <a:t>Fare clic per modificare lo stile del titolo</a:t>
             </a:r>
             <a:endParaRPr lang="en-US" dirty="0"/>
@@ -2199,7 +2202,7 @@
           <a:p>
             <a:fld id="{86EE8AF4-64DE-464C-B663-24FA85AF1999}" type="datetimeFigureOut">
               <a:rPr lang="it-IT" smtClean="0"/>
-              <a:t>03/01/2021</a:t>
+              <a:t>04/01/2021</a:t>
             </a:fld>
             <a:endParaRPr lang="it-IT"/>
           </a:p>
@@ -2335,7 +2338,7 @@
           <a:p>
             <a:fld id="{86EE8AF4-64DE-464C-B663-24FA85AF1999}" type="datetimeFigureOut">
               <a:rPr lang="it-IT" smtClean="0"/>
-              <a:t>03/01/2021</a:t>
+              <a:t>04/01/2021</a:t>
             </a:fld>
             <a:endParaRPr lang="it-IT"/>
           </a:p>
@@ -2481,7 +2484,7 @@
           </a:lstStyle>
           <a:p>
             <a:r>
-              <a:rPr lang="it-IT" smtClean="0"/>
+              <a:rPr lang="it-IT"/>
               <a:t>Fare clic per modificare lo stile del titolo</a:t>
             </a:r>
             <a:endParaRPr lang="en-US" dirty="0"/>
@@ -2538,35 +2541,35 @@
           <a:p>
             <a:pPr lvl="0"/>
             <a:r>
-              <a:rPr lang="it-IT" smtClean="0"/>
+              <a:rPr lang="it-IT"/>
               <a:t>Modifica gli stili del testo dello schema</a:t>
             </a:r>
           </a:p>
           <a:p>
             <a:pPr lvl="1"/>
             <a:r>
-              <a:rPr lang="it-IT" smtClean="0"/>
+              <a:rPr lang="it-IT"/>
               <a:t>Secondo livello</a:t>
             </a:r>
           </a:p>
           <a:p>
             <a:pPr lvl="2"/>
             <a:r>
-              <a:rPr lang="it-IT" smtClean="0"/>
+              <a:rPr lang="it-IT"/>
               <a:t>Terzo livello</a:t>
             </a:r>
           </a:p>
           <a:p>
             <a:pPr lvl="3"/>
             <a:r>
-              <a:rPr lang="it-IT" smtClean="0"/>
+              <a:rPr lang="it-IT"/>
               <a:t>Quarto livello</a:t>
             </a:r>
           </a:p>
           <a:p>
             <a:pPr lvl="4"/>
             <a:r>
-              <a:rPr lang="it-IT" smtClean="0"/>
+              <a:rPr lang="it-IT"/>
               <a:t>Quinto livello</a:t>
             </a:r>
             <a:endParaRPr lang="en-US" dirty="0"/>
@@ -2640,7 +2643,7 @@
           <a:p>
             <a:pPr lvl="0"/>
             <a:r>
-              <a:rPr lang="it-IT" smtClean="0"/>
+              <a:rPr lang="it-IT"/>
               <a:t>Modifica gli stili del testo dello schema</a:t>
             </a:r>
           </a:p>
@@ -2663,7 +2666,7 @@
           <a:p>
             <a:fld id="{86EE8AF4-64DE-464C-B663-24FA85AF1999}" type="datetimeFigureOut">
               <a:rPr lang="it-IT" smtClean="0"/>
-              <a:t>03/01/2021</a:t>
+              <a:t>04/01/2021</a:t>
             </a:fld>
             <a:endParaRPr lang="it-IT"/>
           </a:p>
@@ -2810,7 +2813,7 @@
           </a:lstStyle>
           <a:p>
             <a:r>
-              <a:rPr lang="it-IT" smtClean="0"/>
+              <a:rPr lang="it-IT"/>
               <a:t>Fare clic per modificare lo stile del titolo</a:t>
             </a:r>
             <a:endParaRPr lang="en-US" dirty="0"/>
@@ -2875,7 +2878,7 @@
           </a:lstStyle>
           <a:p>
             <a:r>
-              <a:rPr lang="it-IT" smtClean="0"/>
+              <a:rPr lang="it-IT"/>
               <a:t>Fare clic sull'icona per inserire un'immagine</a:t>
             </a:r>
             <a:endParaRPr lang="en-US" dirty="0"/>
@@ -2955,7 +2958,7 @@
           <a:p>
             <a:pPr lvl="0"/>
             <a:r>
-              <a:rPr lang="it-IT" smtClean="0"/>
+              <a:rPr lang="it-IT"/>
               <a:t>Modifica gli stili del testo dello schema</a:t>
             </a:r>
           </a:p>
@@ -2978,7 +2981,7 @@
           <a:p>
             <a:fld id="{86EE8AF4-64DE-464C-B663-24FA85AF1999}" type="datetimeFigureOut">
               <a:rPr lang="it-IT" smtClean="0"/>
-              <a:t>03/01/2021</a:t>
+              <a:t>04/01/2021</a:t>
             </a:fld>
             <a:endParaRPr lang="it-IT"/>
           </a:p>
@@ -3125,7 +3128,7 @@
           <a:lstStyle/>
           <a:p>
             <a:r>
-              <a:rPr lang="it-IT" smtClean="0"/>
+              <a:rPr lang="it-IT"/>
               <a:t>Fare clic per modificare lo stile del titolo</a:t>
             </a:r>
             <a:endParaRPr lang="en-US" dirty="0"/>
@@ -3159,35 +3162,35 @@
           <a:p>
             <a:pPr lvl="0"/>
             <a:r>
-              <a:rPr lang="it-IT" smtClean="0"/>
+              <a:rPr lang="it-IT"/>
               <a:t>Modifica gli stili del testo dello schema</a:t>
             </a:r>
           </a:p>
           <a:p>
             <a:pPr lvl="1"/>
             <a:r>
-              <a:rPr lang="it-IT" smtClean="0"/>
+              <a:rPr lang="it-IT"/>
               <a:t>Secondo livello</a:t>
             </a:r>
           </a:p>
           <a:p>
             <a:pPr lvl="2"/>
             <a:r>
-              <a:rPr lang="it-IT" smtClean="0"/>
+              <a:rPr lang="it-IT"/>
               <a:t>Terzo livello</a:t>
             </a:r>
           </a:p>
           <a:p>
             <a:pPr lvl="3"/>
             <a:r>
-              <a:rPr lang="it-IT" smtClean="0"/>
+              <a:rPr lang="it-IT"/>
               <a:t>Quarto livello</a:t>
             </a:r>
           </a:p>
           <a:p>
             <a:pPr lvl="4"/>
             <a:r>
-              <a:rPr lang="it-IT" smtClean="0"/>
+              <a:rPr lang="it-IT"/>
               <a:t>Quinto livello</a:t>
             </a:r>
             <a:endParaRPr lang="en-US" dirty="0"/>
@@ -3230,7 +3233,7 @@
           <a:p>
             <a:fld id="{86EE8AF4-64DE-464C-B663-24FA85AF1999}" type="datetimeFigureOut">
               <a:rPr lang="it-IT" smtClean="0"/>
-              <a:t>03/01/2021</a:t>
+              <a:t>04/01/2021</a:t>
             </a:fld>
             <a:endParaRPr lang="it-IT"/>
           </a:p>
@@ -3746,14 +3749,10 @@
           <a:p>
             <a:r>
               <a:rPr lang="it-IT" sz="6000" dirty="0"/>
-              <a:t>Costruzione di portafogli </a:t>
-            </a:r>
-            <a:r>
-              <a:rPr lang="it-IT" sz="6000" dirty="0" smtClean="0"/>
-              <a:t>diversificati mediante algoritmi di </a:t>
-            </a:r>
-            <a:r>
-              <a:rPr lang="it-IT" sz="6000" i="1" dirty="0" err="1" smtClean="0"/>
+              <a:t>Costruzione di portafogli diversificati mediante algoritmi di </a:t>
+            </a:r>
+            <a:r>
+              <a:rPr lang="it-IT" sz="6000" i="1" dirty="0" err="1"/>
               <a:t>clustering</a:t>
             </a:r>
             <a:endParaRPr lang="it-IT" sz="6000" i="1" dirty="0"/>
@@ -3775,32 +3774,16 @@
           <a:bodyPr/>
           <a:lstStyle/>
           <a:p>
-            <a:r>
-              <a:rPr lang="it-IT" dirty="0" smtClean="0">
-                <a:solidFill>
-                  <a:schemeClr val="tx1"/>
-                </a:solidFill>
-              </a:rPr>
-              <a:t>Verena </a:t>
-            </a:r>
             <a:r>
               <a:rPr lang="it-IT" dirty="0">
                 <a:solidFill>
                   <a:schemeClr val="tx1"/>
                 </a:solidFill>
               </a:rPr>
-              <a:t>Brufatto,</a:t>
-            </a:r>
-            <a:r>
-              <a:rPr lang="it-IT" dirty="0" smtClean="0">
-                <a:solidFill>
-                  <a:schemeClr val="tx1"/>
-                </a:solidFill>
-              </a:rPr>
-              <a:t> Mattia Longhi, Giada </a:t>
-            </a:r>
-            <a:r>
-              <a:rPr lang="it-IT" dirty="0" err="1" smtClean="0">
+              <a:t>Verena Brufatto, Mattia Longhi, Giada </a:t>
+            </a:r>
+            <a:r>
+              <a:rPr lang="it-IT" dirty="0" err="1">
                 <a:solidFill>
                   <a:schemeClr val="tx1"/>
                 </a:solidFill>
@@ -3825,13 +3808,6 @@
   <p:clrMapOvr>
     <a:masterClrMapping/>
   </p:clrMapOvr>
-  <p:timing>
-    <p:tnLst>
-      <p:par>
-        <p:cTn id="1" dur="indefinite" restart="never" nodeType="tmRoot"/>
-      </p:par>
-    </p:tnLst>
-  </p:timing>
 </p:sld>
 </file>
 
@@ -3873,11 +3849,11 @@
           <a:lstStyle/>
           <a:p>
             <a:r>
-              <a:rPr lang="it-IT" dirty="0" smtClean="0"/>
+              <a:rPr lang="it-IT" dirty="0"/>
               <a:t>K-</a:t>
             </a:r>
             <a:r>
-              <a:rPr lang="it-IT" dirty="0" err="1" smtClean="0"/>
+              <a:rPr lang="it-IT" dirty="0" err="1"/>
               <a:t>Means</a:t>
             </a:r>
             <a:endParaRPr lang="it-IT" dirty="0"/>
@@ -3909,10 +3885,10 @@
             <a:pPr marL="0" indent="0">
               <a:buNone/>
             </a:pPr>
-            <a:endParaRPr lang="it-IT" dirty="0" smtClean="0"/>
-          </a:p>
-          <a:p>
-            <a:endParaRPr lang="it-IT" sz="1900" dirty="0" smtClean="0"/>
+            <a:endParaRPr lang="it-IT" dirty="0"/>
+          </a:p>
+          <a:p>
+            <a:endParaRPr lang="it-IT" sz="1900" dirty="0"/>
           </a:p>
         </p:txBody>
       </p:sp>
@@ -4007,17 +3983,6 @@
           <a:lstStyle/>
           <a:p>
             <a:r>
-              <a:rPr lang="it-IT" sz="1900" spc="10" dirty="0" smtClean="0">
-                <a:solidFill>
-                  <a:schemeClr val="tx1">
-                    <a:lumMod val="65000"/>
-                    <a:lumOff val="35000"/>
-                  </a:schemeClr>
-                </a:solidFill>
-              </a:rPr>
-              <a:t>                      Pesi </a:t>
-            </a:r>
-            <a:r>
               <a:rPr lang="it-IT" sz="1900" spc="10" dirty="0">
                 <a:solidFill>
                   <a:schemeClr val="tx1">
@@ -4026,7 +3991,7 @@
                   </a:schemeClr>
                 </a:solidFill>
               </a:rPr>
-              <a:t>del portafoglio </a:t>
+              <a:t>                      Pesi del portafoglio </a:t>
             </a:r>
             <a:r>
               <a:rPr lang="it-IT" sz="1900" i="1" spc="10" dirty="0" err="1">
@@ -4060,13 +4025,6 @@
   <p:clrMapOvr>
     <a:masterClrMapping/>
   </p:clrMapOvr>
-  <p:timing>
-    <p:tnLst>
-      <p:par>
-        <p:cTn id="1" dur="indefinite" restart="never" nodeType="tmRoot"/>
-      </p:par>
-    </p:tnLst>
-  </p:timing>
 </p:sld>
 </file>
 
@@ -4099,6 +4057,563 @@
         </p:nvSpPr>
         <p:spPr>
           <a:xfrm>
+            <a:off x="812915" y="453321"/>
+            <a:ext cx="9692640" cy="787555"/>
+          </a:xfrm>
+        </p:spPr>
+        <p:txBody>
+          <a:bodyPr/>
+          <a:lstStyle/>
+          <a:p>
+            <a:r>
+              <a:rPr lang="it-IT" dirty="0" err="1"/>
+              <a:t>Bounded</a:t>
+            </a:r>
+            <a:r>
+              <a:rPr lang="it-IT" dirty="0"/>
+              <a:t> K-</a:t>
+            </a:r>
+            <a:r>
+              <a:rPr lang="it-IT" dirty="0" err="1"/>
+              <a:t>Means</a:t>
+            </a:r>
+            <a:endParaRPr lang="it-IT" dirty="0"/>
+          </a:p>
+        </p:txBody>
+      </p:sp>
+      <p:sp>
+        <p:nvSpPr>
+          <p:cNvPr id="7" name="Segnaposto contenuto 6"/>
+          <p:cNvSpPr>
+            <a:spLocks noGrp="1"/>
+          </p:cNvSpPr>
+          <p:nvPr>
+            <p:ph idx="1"/>
+          </p:nvPr>
+        </p:nvSpPr>
+        <p:spPr>
+          <a:xfrm>
+            <a:off x="627320" y="1423841"/>
+            <a:ext cx="5890437" cy="4010317"/>
+          </a:xfrm>
+        </p:spPr>
+        <p:txBody>
+          <a:bodyPr>
+            <a:normAutofit/>
+          </a:bodyPr>
+          <a:lstStyle/>
+          <a:p>
+            <a:pPr marL="0" indent="0">
+              <a:buNone/>
+            </a:pPr>
+            <a:endParaRPr lang="it-IT" dirty="0"/>
+          </a:p>
+          <a:p>
+            <a:r>
+              <a:rPr lang="it-IT" altLang="it-IT" sz="1900" dirty="0"/>
+              <a:t>K-</a:t>
+            </a:r>
+            <a:r>
+              <a:rPr lang="it-IT" altLang="it-IT" sz="1900" dirty="0" err="1"/>
+              <a:t>Means</a:t>
+            </a:r>
+            <a:r>
+              <a:rPr lang="it-IT" altLang="it-IT" sz="1900" dirty="0"/>
+              <a:t> non permette il controllo sulla numerosità dei cluster </a:t>
+            </a:r>
+            <a:r>
+              <a:rPr lang="it-IT" altLang="it-IT" sz="1900" dirty="0">
+                <a:sym typeface="Wingdings" panose="05000000000000000000" pitchFamily="2" charset="2"/>
+              </a:rPr>
+              <a:t> </a:t>
+            </a:r>
+            <a:r>
+              <a:rPr lang="it-IT" altLang="it-IT" sz="1900" dirty="0" err="1">
+                <a:sym typeface="Wingdings" panose="05000000000000000000" pitchFamily="2" charset="2"/>
+              </a:rPr>
+              <a:t>Bounded</a:t>
+            </a:r>
+            <a:r>
+              <a:rPr lang="it-IT" altLang="it-IT" sz="1900" dirty="0">
+                <a:sym typeface="Wingdings" panose="05000000000000000000" pitchFamily="2" charset="2"/>
+              </a:rPr>
+              <a:t> K-</a:t>
+            </a:r>
+            <a:r>
+              <a:rPr lang="it-IT" altLang="it-IT" sz="1900" dirty="0" err="1">
+                <a:sym typeface="Wingdings" panose="05000000000000000000" pitchFamily="2" charset="2"/>
+              </a:rPr>
+              <a:t>Means</a:t>
+            </a:r>
+            <a:r>
+              <a:rPr lang="it-IT" altLang="it-IT" sz="1900" dirty="0"/>
+              <a:t> </a:t>
+            </a:r>
+          </a:p>
+          <a:p>
+            <a:r>
+              <a:rPr lang="it-IT" altLang="it-IT" sz="1900" dirty="0"/>
+              <a:t>La differenza è che questo algoritmo permette di limitare la numerosità dei cluster: </a:t>
+            </a:r>
+            <a:endParaRPr lang="it-IT" altLang="it-IT" sz="1900" i="1" dirty="0">
+              <a:latin typeface="Cambria Math" panose="02040503050406030204" pitchFamily="18" charset="0"/>
+            </a:endParaRPr>
+          </a:p>
+          <a:p>
+            <a:pPr marL="0" indent="0">
+              <a:buNone/>
+            </a:pPr>
+            <a:endParaRPr lang="it-IT" sz="1900" dirty="0"/>
+          </a:p>
+          <a:p>
+            <a:r>
+              <a:rPr lang="it-IT" sz="1900" dirty="0"/>
+              <a:t>Il numero ottimale di cluster è selezionato come il punto in cui il tasso di decrescita del SSE rispetto al numero di </a:t>
+            </a:r>
+            <a:r>
+              <a:rPr lang="it-IT" sz="1900" i="1" dirty="0"/>
+              <a:t>cluster</a:t>
+            </a:r>
+            <a:r>
+              <a:rPr lang="it-IT" sz="1900" dirty="0"/>
+              <a:t> subisce un rallentamento significativo (</a:t>
+            </a:r>
+            <a:r>
+              <a:rPr lang="it-IT" sz="1900" i="1" dirty="0" err="1"/>
+              <a:t>elbow</a:t>
+            </a:r>
+            <a:r>
+              <a:rPr lang="it-IT" sz="1900" i="1" dirty="0"/>
+              <a:t> rule) ???</a:t>
+            </a:r>
+          </a:p>
+        </p:txBody>
+      </p:sp>
+      <p:pic>
+        <p:nvPicPr>
+          <p:cNvPr id="3" name="Immagine 2">
+            <a:extLst>
+              <a:ext uri="{FF2B5EF4-FFF2-40B4-BE49-F238E27FC236}">
+                <a16:creationId xmlns:a16="http://schemas.microsoft.com/office/drawing/2014/main" id="{42411AE9-563C-4467-8080-93F883D6FDDA}"/>
+              </a:ext>
+            </a:extLst>
+          </p:cNvPr>
+          <p:cNvPicPr>
+            <a:picLocks noChangeAspect="1"/>
+          </p:cNvPicPr>
+          <p:nvPr/>
+        </p:nvPicPr>
+        <p:blipFill>
+          <a:blip r:embed="rId2"/>
+          <a:stretch>
+            <a:fillRect/>
+          </a:stretch>
+        </p:blipFill>
+        <p:spPr>
+          <a:xfrm>
+            <a:off x="6837915" y="2417889"/>
+            <a:ext cx="4029075" cy="2705100"/>
+          </a:xfrm>
+          <a:prstGeom prst="rect">
+            <a:avLst/>
+          </a:prstGeom>
+        </p:spPr>
+      </p:pic>
+      <p:pic>
+        <p:nvPicPr>
+          <p:cNvPr id="8" name="Immagine 7">
+            <a:extLst>
+              <a:ext uri="{FF2B5EF4-FFF2-40B4-BE49-F238E27FC236}">
+                <a16:creationId xmlns:a16="http://schemas.microsoft.com/office/drawing/2014/main" id="{B9EE2415-B2E8-4946-8298-EA1D9D8C3F46}"/>
+              </a:ext>
+            </a:extLst>
+          </p:cNvPr>
+          <p:cNvPicPr>
+            <a:picLocks noChangeAspect="1"/>
+          </p:cNvPicPr>
+          <p:nvPr/>
+        </p:nvPicPr>
+        <p:blipFill>
+          <a:blip r:embed="rId3"/>
+          <a:stretch>
+            <a:fillRect/>
+          </a:stretch>
+        </p:blipFill>
+        <p:spPr>
+          <a:xfrm>
+            <a:off x="812915" y="3376207"/>
+            <a:ext cx="5519248" cy="394232"/>
+          </a:xfrm>
+          <a:prstGeom prst="rect">
+            <a:avLst/>
+          </a:prstGeom>
+        </p:spPr>
+      </p:pic>
+    </p:spTree>
+    <p:extLst>
+      <p:ext uri="{BB962C8B-B14F-4D97-AF65-F5344CB8AC3E}">
+        <p14:creationId xmlns:p14="http://schemas.microsoft.com/office/powerpoint/2010/main" val="2039099879"/>
+      </p:ext>
+    </p:extLst>
+  </p:cSld>
+  <p:clrMapOvr>
+    <a:masterClrMapping/>
+  </p:clrMapOvr>
+</p:sld>
+</file>
+
+<file path=ppt/slides/slide12.xml><?xml version="1.0" encoding="utf-8"?>
+<p:sld xmlns:a="http://schemas.openxmlformats.org/drawingml/2006/main" xmlns:r="http://schemas.openxmlformats.org/officeDocument/2006/relationships" xmlns:p="http://schemas.openxmlformats.org/presentationml/2006/main">
+  <p:cSld>
+    <p:spTree>
+      <p:nvGrpSpPr>
+        <p:cNvPr id="1" name=""/>
+        <p:cNvGrpSpPr/>
+        <p:nvPr/>
+      </p:nvGrpSpPr>
+      <p:grpSpPr>
+        <a:xfrm>
+          <a:off x="0" y="0"/>
+          <a:ext cx="0" cy="0"/>
+          <a:chOff x="0" y="0"/>
+          <a:chExt cx="0" cy="0"/>
+        </a:xfrm>
+      </p:grpSpPr>
+      <p:sp>
+        <p:nvSpPr>
+          <p:cNvPr id="4" name="Titolo 3"/>
+          <p:cNvSpPr>
+            <a:spLocks noGrp="1"/>
+          </p:cNvSpPr>
+          <p:nvPr>
+            <p:ph type="title"/>
+          </p:nvPr>
+        </p:nvSpPr>
+        <p:spPr>
+          <a:xfrm>
+            <a:off x="993760" y="37218"/>
+            <a:ext cx="8911687" cy="959722"/>
+          </a:xfrm>
+        </p:spPr>
+        <p:txBody>
+          <a:bodyPr/>
+          <a:lstStyle/>
+          <a:p>
+            <a:r>
+              <a:rPr lang="it-IT" dirty="0" err="1"/>
+              <a:t>Bounded</a:t>
+            </a:r>
+            <a:r>
+              <a:rPr lang="it-IT" dirty="0"/>
+              <a:t> K-</a:t>
+            </a:r>
+            <a:r>
+              <a:rPr lang="it-IT" dirty="0" err="1"/>
+              <a:t>Means</a:t>
+            </a:r>
+            <a:endParaRPr lang="it-IT" dirty="0"/>
+          </a:p>
+        </p:txBody>
+      </p:sp>
+      <p:sp>
+        <p:nvSpPr>
+          <p:cNvPr id="7" name="Segnaposto contenuto 6"/>
+          <p:cNvSpPr>
+            <a:spLocks noGrp="1"/>
+          </p:cNvSpPr>
+          <p:nvPr>
+            <p:ph idx="1"/>
+          </p:nvPr>
+        </p:nvSpPr>
+        <p:spPr>
+          <a:xfrm>
+            <a:off x="5974430" y="2862469"/>
+            <a:ext cx="5487651" cy="3608569"/>
+          </a:xfrm>
+        </p:spPr>
+        <p:txBody>
+          <a:bodyPr>
+            <a:normAutofit/>
+          </a:bodyPr>
+          <a:lstStyle/>
+          <a:p>
+            <a:pPr marL="0" indent="0">
+              <a:buNone/>
+            </a:pPr>
+            <a:endParaRPr lang="it-IT" dirty="0"/>
+          </a:p>
+          <a:p>
+            <a:endParaRPr lang="it-IT" sz="1900" dirty="0"/>
+          </a:p>
+        </p:txBody>
+      </p:sp>
+      <p:sp>
+        <p:nvSpPr>
+          <p:cNvPr id="5" name="AutoShape 4" descr="data:image/png;base64,iVBORw0KGgoAAAANSUhEUgAAAYQAAAEGCAYAAABlxeIAAAAABHNCSVQICAgIfAhkiAAAAAlwSFlzAAALEgAACxIB0t1+/AAAADh0RVh0U29mdHdhcmUAbWF0cGxvdGxpYiB2ZXJzaW9uMy4yLjIsIGh0dHA6Ly9tYXRwbG90bGliLm9yZy+WH4yJAAAgAElEQVR4nO3df5Rc9Xnf8fezq5FZAWVRtS6w6AfuoeJYkcXCBgTKaYG6Eb8MW8AFDrUbxw3FtVvgOGpFkgPCpEWJjkNig+FQh5NQq5jakhccRFUSSMD4CLP6hSxAMQEDWqlGBlb80GKtVk//mDur2dl7Z+7Mzp25d+bzOmfPzs7cmXk0DPe531/P19wdERGRjmYHICIi6aCEICIigBKCiIgElBBERARQQhARkcCMZgdQrTlz5viCBQuaHYaISKZs3rz5l+7eU+6YzCWEBQsWMDQ01OwwREQyxcxer3RMYl1GZjbXzJ4ys5fMbKeZ3RhyzHlmtt/MtgU/tyYVj4iIlJdkC+EQ8FV332JmxwKbzewJd3+x5Lhn3P3SBOMQEZEYEmshuPted98S3H4feAnoTer9RERkehoyy8jMFgB9wHMhD59jZtvN7HEzWxTx/OvNbMjMhvbt25dgpCIi7SvxhGBmxwDrgJvc/b2Sh7cA8919CfBNYDDsNdz9fnfvd/f+np6yg+QiIlKjRGcZmVmOfDJY6+7rSx8vThDuvsHMvmVmc9z9l0nGJSLZMLh1mDUbd7FnZJSTurtYsXwhA33qeU5KYgnBzAz4c+Ald/+TiGNOAH7h7m5mZ5FvsbydVEwikh2DW4e5Zf0ORsfGARgeGeWW9TsAlBQSkmQLYRnwOWCHmW0L7vs9YB6Au98HXAV8ycwOAaPANa563CICrNm4ayIZFIyOjbNm4y4lhIQklhDc/UeAVTjmbuDupGIQkezaMzJa1f0yfaplJCKpdFJ3V1X3y/QpIYhIKq1YvpCuXOek+7pynaxYvrBJEbW+zNUyEpH2UBgn0CyjxlFCEJHUGujrVQJoIHUZiYgIoBaCiEjqNWqBnhKCiEiKNXKBnrqMRERSrNwCvXpTQhARSbFGLtBTQhARSbFGLtBTQhARSbFGLtDToLKISIo1coGeEoKISMo1aoGeuoxERARQQhARkYASgoiIAEoIIiISUEIQERFACUFERAJKCCIiAighiIhIQAlBREQAJQQREQkoIYiICKCEICIiASUEEREBlBBERCSghCAiIoASgoiIBJQQREQEUEIQEZGAEoKIiABKCCIiEkgsIZjZXDN7ysxeMrOdZnZjyDFmZt8ws1fM7AUzOyOpeEREpLwZCb72IeCr7r7FzI4FNpvZE+7+YtExFwGnBj9nA/cGv0VEpMESayG4+1533xLcfh94CegtOexy4EHP2wR0m9mJScUkIiLRGjKGYGYLgD7guZKHeoE3i/7ezdSkgZldb2ZDZja0b9++pMIUEWlriScEMzsGWAfc5O7vlT4c8hSfcof7/e7e7+79PT09SYQpItL2Ek0IZpYjnwzWuvv6kEN2A3OL/j4Z2JNkTCIiEi7JWUYG/Dnwkrv/ScRhjwKfD2YbLQX2u/vepGISEZFoSc4yWgZ8DthhZtuC+34PmAfg7vcBG4CLgVeAA8AXEoxHRETKSCwhuPuPCB8jKD7GgS8nFYOIiMSnlcoiIgIoIYiISEAJQUREACUEEREJKCGIiAighCAiIgElBBERAZQQREQkoIQgIiKAEoKIiASUEEREBFBCEBGRgBKCiIgASggiIhJQQhAREUAJQUREAkoIIiICKCGIiEhACUFERAAlBBERCSghiIgIoIQgIiIBJQQREQGUEEREJKCEICIigBKCiIgElBBERARQQhARkYASgoiIAEoIIiISmNHsAESSNLh1mDUbd7FnZJSTurtYsXwhA329zQ5LJJWUEKRlDW4d5pb1OxgdGwdgeGSUW9bvAFBSEAmRWJeRmT1gZm+Z2U8jHj/PzPab2bbg59akYpH2tGbjrolkUDA6Ns6ajbuaFJFIuiXZQvgL4G7gwTLHPOPulyYYg7SxPSOjVd3fTOrakjRIrIXg7k8D7yT1+iKVnNTdVdX9zVLo2hoeGcU50rU1uHW42aFJm2n2LKNzzGy7mT1uZouiDjKz681syMyG9u3b18j4JMNWLF9IV65z0n1duU5WLF/YpIjCqWtL0qKZCWELMN/dlwDfBAajDnT3+9293937e3p6GhagZNtAXy93XrGY3u4uDOjt7uLOKxanrismS11b0toqjiGYmQHXAZ9w96+Z2TzgBHf/yXTe2N3fK7q9wcy+ZWZz3P2X03ldaYys9HkP9PWmMq5iJ3V3MRxy8k9b15a0vjgthG8B5wDXBn+/D9wz3Tc2sxOCZIOZnRXE8vZ0X1eSpz7v+spK15a0vjizjM529zPMbCuAu79rZjMrPcnMHgLOA+aY2W7gNiAXvMZ9wFXAl8zsEDAKXOPuXts/QxqpXJ932q/GoxS3eI7rymEGIwfGGtL6Kbx2Flpc0triJIQxM+sEHMDMeoDDlZ7k7tdWePxu8tNSJWNarc+7dAHbyOjYxGONWsyWha4taX1xuoy+AfwA+LiZ/TfgR8B/TzSqFBncOsyy1U9yysrHWLb6SXWLkJ3pnHGFtXiKacaPtIuKCcHd1wL/BbgT2AsMuPv3kg4sDdRXHq7V+rzjtGyy2voRqUbFhGBmS4Fhd78n6ObZbWZnJx9a82l+eLisTOeMK07LJqutH5FqxBlDuBc4o+jvD0Pua0mt1ldeT63U571i+cJJYwilstz6EalGnDEEK5794+6HaZMqqa3WVy7hSls83V05jp+Va4nWj0g14pzYXzWz/0y+VQDwH4FXkwspPcKuHHW12JpaqcUjUqs4LYQbgHOBYWA3cDZwfZJBpUWr9ZWLiJRjWVsL1t/f70NDQ80OQ0QkU8xss7v3lzsmTi2jHuB3gAXFx7v7b083QBERSY84YwiPAM8Afw1Er94REZFMi5MQZrn7f008EhERaao4g8p/ZWYXJx6JiIg0VZyEcCP5pDBqZu+Z2ftm9l7FZ4mISKZU7DJy92MbEYhI0rKyqY9Is8RacWxmxwOnAkcV7nP3p5MKSqTeSktcN6qstUiWxClu9++Bp4GNwO3B71XJhiVSXypUKFJZnBbCjcCvA5vc/XwzO418YsgMdRWIChWKVBZnUPkjd/8IwMw+5u4vA5kp5qM9DQRUqFAkjjgJYbeZdQODwBNm9giwJ9mw6kddBQKtt6mPSBLizDL618HNVWb2FHAc8H8SjaqO1FUgoI3sReKITAhm9o/c/T0zm110947g9zHAO4lGVicndXcxHHLyV1dB+1GJa5HyynUZ/a/g92ZgKOR3JqirQEQknsgWgrtfamYG/At3f6OBMdWVugpEROIpO4bg7m5mPwDObFA8iVBXgcSh6cnS7uLMMtpkZr+eeCQiTaTpySLxFqadD/wHM3sd+BAw8o2HTyUamTRVu10tl5ue3Mr/bpFicRLCRYlHIanSjnV/ND1ZJEaXkbu/7u6vA6OAF/1Ii6rHYr7BrcMsW/0kp6x8jGWrn0x914tWMovEK253mZn9DHgN+Dvg58DjCcclCYh7kp7u1XIW++M1PVkk3qDyHcBS4O/d/RTgXwLPJhqV1F01J+npXi1nsVzIQF8vd16xmN7uLgzo7e7izisWt2wXmUiYOGMIY+7+tpl1mFmHuz9lZn+UeGRSV9UMmq5YvnDSGAJUd7Wc1f54TU+WdhcnIYyY2THAM8BaM3sLOJRsWFJv1Zykp7uYT+VCRLIpTkJ4Gugmvy/CvyVf3O5rlZ5kZg8AlwJvufuvhTxuwJ8BFwMHgN9y9y3xQ5dqVHuSns7V8nRbGCLSHHHGEIz8Lml/S76o3cPu/naM5/0FcGGZxy8ivy3nqcD1wL0xXlNq1MhBU/XHi2RTnPLXtwO3m9mngKuBvzOz3e7+6QrPe9rMFpQ55HLgQXd38quhu83sRHffGz98iavRNZ3UHy+SPXG6jAreAv4f8Dbw8Tq8dy/wZtHfu4P7lBASopN0/bTbSm5pDxUTgpl9iXzLoAf4PvA77v5iHd7bQu4LXfBmZteT71Zi3rx5dXjr9pPGE1gaY4qjHVdyS3uIM4YwH7jJ3Re5+211SgaQbxHMLfr7ZCK25nT3+9293937e3p66vT27SONC8XSGFNcWVxnIRJHnNIVK919WwLv/SjwectbCuzX+EEy0ngCS2NMcWV1nYVIJdWMIVTFzB4CzgPmmNlu4DYgB+Du9wEbyE85fYX8tNMvJBVLu0vjCSyNMcWldRbSqhJLCO5+bYXHHfhyUu8vR6TxBJbGmOLSOgtpVXHGECTj0li4rVkx1aMKq9ZZSKtKrIUg6dGoNQjVzBoqjml4ZJROs0ljCEmcXOs5O0hTeKUVWb7nJjv6+/t9aGio2WGkRuEkXDipjrvT24QpnKUnW8hf8Ve6cq71ebVYtvrJ0G6q3u4unl15QV3fSyRtzGyzu/eXO0ZdRhlWPHUTYDxI7s2YwlnrrKFVj+5s2GyjLA9kizSCEkKGhZ2ECxo9hbOWk+3g1mFGRseqfl6ttCuaSHkaQ8iwSifNRl75Vpo1FDa+UC5hJXGSLjc7KKurpkXqSQkhw6JOwsWPN0qlk23YYG5U66bwegX1OllHDa4DKkUhghJCpoWdhAsaPa203EymZaufDB0n6DA4HDKn4eiZnROvV++6QWGzg6LiC9tNrh7UGpG0UkLIsLCpm82aZVSIJ+w9o7quwpIBwIcHx1m2+smJbqWkT9aNHGxWYTxJMyWEjEvjfPjSK+DuWTnePRA+eBylUrdSPU/WjVw13YgEJ1IrzTKSWOKu8A2rYvrBR4fo7Jhc7TzXaXR35cq+5+jYOJ0WViW9vifrRq6a1tRXSTMlBKmomlLVYVfAY4ed8dL+IYdLl5w45URcatw98ZN1I0tRaOqrpJm6jKSiaro54l7pjh12nnp5H3desXhiDCRMd1cOMybev7srx6rLFtX9ZF3Prrdyg8YqjCdpphaCVFRNN0c1V7p7RkYZ6Ovl2ZUX8KdXnz6lJZDrMD48eGjS+MP+0TFuenhbzYXpqlFLIbxKrSkVxpM0UwtBKqpm0DXsCtgI3xu1+Plh01YPlCQDil4n6dk5tc4GitOaSuNEABFQC0FiqGbQNewK+Lql82I9v9BaeG31JTy78gJGKsxMSrI8R621mTRoLFmmFoJUNNDXy9Dr7/DQc28y7k6nGVeeOfUqt7Tv/K6rT584pn/+7KpLXceZrprUibbWE3uWN/4RUQtBKhrcOsy6zcMT1VTH3Vm3eXhSn3qcvvNCSyNOVdbBrcN88NGhirEldaKtdTZQGjcjEolLCaHF1GNHsFJR3SfFg7txuliq6YZZs3EXY1FLmQO5DuPAwUN1/bcW1Hpi16CxZJm6jFpIUmURynWTVLOiuJpumHLvacBxXblJM5DqPcg8nV3mNGgsWaUWQguJcyVfi0rdJOVWFHeYTbxvNd0wUcf2dnfx2upLOPpjMxgbn9yCqHWQOapVVTrIrZO8tDolhBYS50q+lqQQ1n1SKmxFceH+wvtW0w0TdqwB55/WA1Q/6Bt10q9mFbZIq1NCSIl69P3HuZKv5Qq60C9ervZQb3cXZ8w7ruz7VtO/PtDXy5Vn9lLc7nBg7aY3+IPBHVW1Nsqd9GudXirSijSGkAL16vsvtz9CwXSmaf7q0OHQ+7tynZx/Wg/f2fRGxfetpn/9qZf3TVnQVkgK1y2dx7rNw7FKQJQ76WvdgMgRaiGkQL2uUouvwKNUakVEtVSi9m/uNOPOKxbz2At7y75uLdNDo07KDhN1kAr/1uK1DaWtq3InfRWbEzlCCSEFok5Y5bbHjFKuNlClaZPlulaiN7lxBvp6Ky4gq2UefrmT8vDIKGs27uL803oqrm0od9JfsXwhudLS3B2mdQPSlpQQUiDqhGVQ8+BmLfPhy7VUyp1UpzsAG9UqWbF8IeFzl/KGR0ZZu+mN0Jhv/+HOidf88FeHyHVOfqVJybH0Tcq9qUgLM/fyi3/Spr+/34eGhpodRl0Nbh3m5oe3hRaA6+3u4tmVFzQkjlNWPhYagwF3XX16aNnmSuWrS48NK3cRNu5x/Kwct31mEUOvv8PaTW+ExlWNXIdxzFEzGDkwNmW/57DYG/m5izSCmW129/5yx6iFkAIDfb2RJ7ywrpokViNDdEvFybcerjyzd1KL48oze2MlA8hftX/1f2+fEmvU2MS7B8a4Zf0O+ufP5q6rTy87LhLH2GFn1swZU9YUaFBZ5AglhJSIOuGVnqSTmDdfSDDlTuzDI6Os25xfS/Da6ktYsXwh6zYPVzXOUbwmoaDcibd4uuqzKy+I/Izi9vCEvddxEVNpNags7UgJISXiLtqazoyksJbFHwzu4OaHt8W+yi+8T9SVfTWvMbh1mI6IFc4FxSfxqM/ouqXzJrVcotZLhCXXDw9OLaCnQWVpV1qHkBJxa+fU2sURttZhxfe3Tyn/UEnhfabTpbJnZHQinvEKY1gdZpyy8rGJz6MwZlHuMwobl4hKrmH//mOOmqEyFdKWlBBSJM6irVrr7Ydd0VebDIrf57iuHCOj5aeaRukw46aHt8U6tnQ66Z1XLK442Dvd5FppYx6RVpXoLCMzuxD4M6AT+La7ry55/DzgEeC14K717v61cq/ZirOMqhF29ZvrNI6eOYP9o2ORJ7+oGUTVOn5WjpEDY5hBherUieg047D7pH9nuU3ty9EMI2kncWYZJdZCMLNO4B7gXwG7gefN7FF3f7Hk0Gfc/dKk4mg1pVe/s2Z28uHB8Ymr9aiyF1Eti2oVFqCVu44w8q2ASt1BtShtMQy9/s6kEhbVlP0IK/WhzWyknSU5qHwW8Iq7v+ruB4HvApcn+H5tozDr5q6rT+fAwakDu2GDzHEqltZDpxl3XX06h6eZDOLMHBodG+eh596seZC9dPHe8bNyfGxGBzdPs1y4SFYlmRB6gTeL/t4d3FfqHDPbbmaPm9misBcys+vNbMjMhvbt25dErJm0ZuOu2OsXSk9+SRl3Z8X3tzNzRvVfrQ5jYqbQdUvnTVldHPV+YeIOehcn14/GDjMyOqYy2NK2kkwIYf83l/7fuwWY7+5LgG8Cg2Ev5O73u3u/u/f39PTUOczsKnfSCxtkLt7wZboLvcoZG/fIyqjluDOxcKx//uyp35YQURvzVLuOQGWwRZJNCLuBuUV/nwzsKT7A3d9z9w+C2xuAnJnNSTCmllKuBlKlfvCwLqRch9HRgDo+USfx7llH1g/E2VO5K9fJtWfPrcum9lqxLJJsQngeONXMTjGzmcA1wKPFB5jZCWb5s4OZnRXE83aCMbWU80/rCa3Ldt3SeRUHVMOK3x1z1IzEZw51mvH1f7MktDvog48OTXTRVNpTuVCs7w8HFtdlU3uVwRZJcJaRux8ys68AG8lPO33A3Xea2Q3B4/cBVwFfMrNDwChwjWet2l6TDG4dZt3m4Um9KoVk8IcDi2O9RumMpUZ88NeePZeBvl5WPbpzyjqGscM+UaoialZU2JTQemxqrxlHIgkvTAu6gTaU3Hdf0e27gbuTjKFVhfV5FzaOCRM2Vx+ouMNaPS37p7MnktX+iEVtwyOjLFj5WOhjpSfoWtcfhIm7mE2klan8dUaVK1X92upLJt0XVcrhqFxHxY1tktBpxsdmGAfG4g8895acoAe3Dk8pvZHrNNZctUQncZEQKn/dwqrp846aQdOMZAD5qaLVJIPCIHnxif72H+6cUnpjbNy5/Yc76xWmSNtRQsiouNVRIfszZRxY8b3JeylEJbNmJTmRVqCEkFHVbJEZ1Zro7splZrfIwoCziCRH1U4zrNzsmuIB1+O6cuQ6bVIXS1euk1WX5beo/M6mNxoV8rQUt3S6I6qtRu2FICKVKSG0gNLZNuef1jOp4NvI6Bi5DpuoVFo8g2agr5f++bO5Zf0LjFbRr5+E7q4c+z8aiyycV9zSWXXZIlZ8b/ukxWu5DmPVZaHVT0QkBiWEjAvb+CZsU/rCnsJbb/3NiQRy88PbJhLIwUPNn21WOJmHbdxTuovZQF8vQ6+/w0PPvcm4O51mXH3WXM0wEpkGjSFkXNR6hDDFO5UV78n8nU1vJFKquhYDfb2suWoJxxeVsejuyrHms5OnkxYW5hXiHndn3eZhFaMTmQatQ8i4aja+KRS0q8e+CEk4flaOrbf+ZqxjtbmNSHW0DqENlCtwV/r38MhoapMBVDdlVMXoROpPCSHjotYjXLd03kSLwIhVSToVTln5WKzNaVSMTqT+lBAyLmo9Qv/82RPHNDIZTHddQ2Fco3QhWqlqFuaJSDwaQ2hBYbWLGiXXYeQ6q6tTFKW7K8e226LHFOpZ3E6k1cUZQ9C00xZSOEHGGSfo7e5KpOT12GHnUJ02VQhbeFasHmWvReQIdRm1iOLppJUUulZmzeyseGwtstXmFJECJYQWEbYeIUphr+APDza+S6kaxWsRRCR5SggtotrplsMjo00pbDez06a8b67D6CzZzDnXadz2GZWhEGkkJYQWUct0S2fqrKCuXGeiBeLGxp27rj590qyoNZ9dwtc/u2TyfdroRqThNKjcIsL2BM51GMccNYORA2OR/frOkQHmcltr1mstw0ndXZGDwUoAIs2lhNAiKu0JXEuph3IVVAuiEkV3V45fHTqsTetFMkTrENpE1L7KUZvqRL1GacKBqa2JwuuCNq0XSQutQ5AJlVoQcV8j6vio11UCEMkOtRBERNqAqp2KiEhsSggiIgIoIYiISEAJQUREACUEEREJaNppm9DeASJSiRJCGyhdlDY8Msot63cAWicgIkeoy6gNhJXGLpTAFhEpUEJoA1GlsastmS0irS3RhGBmF5rZLjN7xcxWhjxuZvaN4PEXzOyMJONpV1GlsWspmS0irSuxhGBmncA9wEXAJ4FrzeyTJYddBJwa/FwP3JtUPO1sxfKFdOUmb5epyqMiUirJFsJZwCvu/qq7HwS+C1xecszlwIOetwnoNrMTE4ypLQ309XLnFYsnbUBTTZVTEWkPSc4y6gXeLPp7N3B2jGN6gb3FB5nZ9eRbEMybN6/ugbaDcpVKRUQg2RZC2Ja9paVV4xyDu9/v7v3u3t/T01OX4EREZLIkE8JuYG7R3ycDe2o4RkREGiDJhPA8cKqZnWJmM4FrgEdLjnkU+Hww22gpsN/d95a+kIiIJC+xMQR3P2RmXwE2Ap3AA+6+08xuCB6/D9gAXAy8AhwAvpBUPCIiUl6ipSvcfQP5k37xffcV3Xbgy0nGICIi8WRuC00z2we83uw4AnOAXzY7iAqyECNkI84sxAiKs56yECPEi3O+u5edlZO5hJAmZjZUaY/SZstCjJCNOLMQIyjOespCjFC/OFXLSEREACUEEREJKCFMz/3NDiCGLMQI2YgzCzGC4qynLMQIdYpTYwgiIgKohSAiIgElBBERAZQQyjKz2Wb2hJn9LPh9fMgxc83sKTN7ycx2mtmNRY+tMrNhM9sW/Fxc5/hq3oCo0nMbGON1QWwvmNmPzWxJ0WM/N7MdwWc3lFSMMeM8z8z2F/23vDXucxsY44qi+H5qZuNmNjt4rJGf5QNm9paZ/TTi8TR8LyvFmJbvZaU46/u9dHf9RPwAfwysDG6vBP4o5JgTgTOC28cCfw98Mvh7FfC7CcXWCfwD8AlgJrC98L5Fx1wMPE6+quxS4Lm4z21gjOcCxwe3LyrEGPz9c2BOA/47x4nzPOCvanluo2IsOf4zwJON/iyD9/rnwBnATyMeb+r3MmaMTf9exoyzrt9LtRDKuxz4y+D2XwIDpQe4+1533xLcfh94ifyeDkmbzgZEcZ7bkBjd/cfu/m7w5ybyFW8bbTqfR2o+yxLXAg8lEEdF7v408E6ZQ5r9vawYY0q+l3E+yyg1fZZKCOX9Ew+qrwa/P17uYDNbAPQBzxXd/ZWg2flAWJfTNERtLhTnmDjPbVSMxb5I/sqxwIH/a2abLb9JUlLixnmOmW03s8fNbFGVz21UjJjZLOBCYF3R3Y36LONo9veyWs36XsZVt+9losXtssDM/ho4IeSh36/ydY4h/z/gTe7+XnD3vcAd5L9AdwBfB3679mgnv2XIfXE3IIq1MVEdxH4fMzuf/P94v1F09zJ332NmHweeMLOXgyumZsS5hXwtmA+CsaBB8nuBp+6zJN9d9Ky7F19ZNuqzjKPZ38vYmvy9jKOu38u2byG4+6fd/ddCfh4BfhE0ZQl+vxX2GmaWI58M1rr7+qLX/oW7j7v7YeB/kG/G1ct0NiBq1MZEsd7HzD4FfBu43N3fLtzv7nuC328BP6C+n19Vcbr7e+7+QXB7A5AzszlxntuoGItcQ0l3UQM/yzia/b2MJQXfy4rq/r1sxMBIVn+ANUweVP7jkGMMeBD405DHTiy6fTPw3TrGNgN4FTiFI4NGi0qOuYTJg3c/ifvcBsY4j/x+GOeW3H80cGzR7R8DFyb03zlOnCdwZCHnWcAbweeams8yOO448n3ORzfjsyx6zwVED4Q29XsZM8amfy9jxlnX72Vi/4hW+AH+MfA3wM+C37OD+08CNgS3f4N8U+wFYFvwc3Hw2P8EdgSPPUpRgqhTfBeTn9X0D8DvB/fdANwQ3DbgnuDxHUB/uecm9BlWivHbwLtFn91QcP8ngi/xdmBnkjHGjPMrQRzbyQ8ynlvuuc2IMfj7tyi58GjCZ/kQsBcYI3+l+sUUfi8rxZiW72WlOOv6vVTpChERATSGICIiASUEEREBlBBERCSghCAiIoASgoiIBJQQREQEUEIQEZGAEoJICDNbYGYvm9m3g70F1prZp83sWcvvj3GWmR0dFC183sy2mtnlRc99xsy2BD/nBvefZ2Z/a2bfD157rZmF1ZwRaQotTBMJEVSufYV89dqdwPPkV4N+EbgM+ALwIvCiu3/HzLqBnwTHO3DY3T8ys1OBh9y938zOAx4BFpGvK/MssMLdf9TAf5pIpLavdipSxmvuvgPAzHYCf+PubmY7yNeXORm4zMx+Nzj+KPI1cPYAd5vZ6cA48M+KXvMn7r47eM1twesoIUgqKCGIRPtV0e3DRc85vJ4AAACPSURBVH8fJv//zjhwpbvvKn6Sma0CfgEsId8t+1HEa46j/wclRTSGIFK7jcB/KowDmFlfcP9xwF7Plz3/HPntDEVSTwlBpHZ3ADnghWAT9DuC+78F/Dsz20S+u+jDJsUnUhUNKouICKAWgoiIBJQQREQEUEIQEZGAEoKIiABKCCIiElBCEBERQAlBREQC/x/zeozQg7cqcwAAAABJRU5ErkJggg=="/>
+          <p:cNvSpPr>
+            <a:spLocks noChangeAspect="1" noChangeArrowheads="1"/>
+          </p:cNvSpPr>
+          <p:nvPr/>
+        </p:nvSpPr>
+        <p:spPr bwMode="auto">
+          <a:xfrm>
+            <a:off x="63500" y="-144463"/>
+            <a:ext cx="304800" cy="304801"/>
+          </a:xfrm>
+          <a:prstGeom prst="rect">
+            <a:avLst/>
+          </a:prstGeom>
+          <a:noFill/>
+          <a:extLst>
+            <a:ext uri="{909E8E84-426E-40DD-AFC4-6F175D3DCCD1}">
+              <a14:hiddenFill xmlns:a14="http://schemas.microsoft.com/office/drawing/2010/main">
+                <a:solidFill>
+                  <a:srgbClr val="FFFFFF"/>
+                </a:solidFill>
+              </a14:hiddenFill>
+            </a:ext>
+          </a:extLst>
+        </p:spPr>
+        <p:txBody>
+          <a:bodyPr vert="horz" wrap="square" lIns="91440" tIns="45720" rIns="91440" bIns="45720" numCol="1" anchor="t" anchorCtr="0" compatLnSpc="1">
+            <a:prstTxWarp prst="textNoShape">
+              <a:avLst/>
+            </a:prstTxWarp>
+          </a:bodyPr>
+          <a:lstStyle/>
+          <a:p>
+            <a:endParaRPr lang="it-IT"/>
+          </a:p>
+        </p:txBody>
+      </p:sp>
+      <p:sp>
+        <p:nvSpPr>
+          <p:cNvPr id="11" name="Rettangolo 10"/>
+          <p:cNvSpPr/>
+          <p:nvPr/>
+        </p:nvSpPr>
+        <p:spPr>
+          <a:xfrm>
+            <a:off x="5815837" y="517079"/>
+            <a:ext cx="4715070" cy="384721"/>
+          </a:xfrm>
+          <a:prstGeom prst="rect">
+            <a:avLst/>
+          </a:prstGeom>
+        </p:spPr>
+        <p:txBody>
+          <a:bodyPr wrap="square">
+            <a:spAutoFit/>
+          </a:bodyPr>
+          <a:lstStyle/>
+          <a:p>
+            <a:r>
+              <a:rPr lang="it-IT" sz="1900" spc="10" dirty="0">
+                <a:solidFill>
+                  <a:schemeClr val="tx1">
+                    <a:lumMod val="65000"/>
+                    <a:lumOff val="35000"/>
+                  </a:schemeClr>
+                </a:solidFill>
+              </a:rPr>
+              <a:t>                      Pesi del portafogli statico</a:t>
+            </a:r>
+          </a:p>
+        </p:txBody>
+      </p:sp>
+      <p:pic>
+        <p:nvPicPr>
+          <p:cNvPr id="8" name="Immagine 7">
+            <a:extLst>
+              <a:ext uri="{FF2B5EF4-FFF2-40B4-BE49-F238E27FC236}">
+                <a16:creationId xmlns:a16="http://schemas.microsoft.com/office/drawing/2014/main" id="{0F2D73E5-EFE3-492D-8270-ABD46444678E}"/>
+              </a:ext>
+            </a:extLst>
+          </p:cNvPr>
+          <p:cNvPicPr>
+            <a:picLocks noChangeAspect="1"/>
+          </p:cNvPicPr>
+          <p:nvPr/>
+        </p:nvPicPr>
+        <p:blipFill>
+          <a:blip r:embed="rId2"/>
+          <a:stretch>
+            <a:fillRect/>
+          </a:stretch>
+        </p:blipFill>
+        <p:spPr>
+          <a:xfrm>
+            <a:off x="993760" y="1340542"/>
+            <a:ext cx="4332164" cy="2555597"/>
+          </a:xfrm>
+          <a:prstGeom prst="rect">
+            <a:avLst/>
+          </a:prstGeom>
+        </p:spPr>
+      </p:pic>
+      <p:pic>
+        <p:nvPicPr>
+          <p:cNvPr id="10" name="Immagine 9">
+            <a:extLst>
+              <a:ext uri="{FF2B5EF4-FFF2-40B4-BE49-F238E27FC236}">
+                <a16:creationId xmlns:a16="http://schemas.microsoft.com/office/drawing/2014/main" id="{52A46187-DDFF-4ED3-B3A8-51695C2FA829}"/>
+              </a:ext>
+            </a:extLst>
+          </p:cNvPr>
+          <p:cNvPicPr>
+            <a:picLocks noChangeAspect="1"/>
+          </p:cNvPicPr>
+          <p:nvPr/>
+        </p:nvPicPr>
+        <p:blipFill>
+          <a:blip r:embed="rId3"/>
+          <a:stretch>
+            <a:fillRect/>
+          </a:stretch>
+        </p:blipFill>
+        <p:spPr>
+          <a:xfrm>
+            <a:off x="6977955" y="976017"/>
+            <a:ext cx="3571875" cy="3190875"/>
+          </a:xfrm>
+          <a:prstGeom prst="rect">
+            <a:avLst/>
+          </a:prstGeom>
+        </p:spPr>
+      </p:pic>
+      <p:pic>
+        <p:nvPicPr>
+          <p:cNvPr id="13" name="Immagine 12">
+            <a:extLst>
+              <a:ext uri="{FF2B5EF4-FFF2-40B4-BE49-F238E27FC236}">
+                <a16:creationId xmlns:a16="http://schemas.microsoft.com/office/drawing/2014/main" id="{E7143EF6-B491-4E84-BC12-CEC8FD71F7B2}"/>
+              </a:ext>
+            </a:extLst>
+          </p:cNvPr>
+          <p:cNvPicPr>
+            <a:picLocks noChangeAspect="1"/>
+          </p:cNvPicPr>
+          <p:nvPr/>
+        </p:nvPicPr>
+        <p:blipFill>
+          <a:blip r:embed="rId4"/>
+          <a:stretch>
+            <a:fillRect/>
+          </a:stretch>
+        </p:blipFill>
+        <p:spPr>
+          <a:xfrm>
+            <a:off x="1024139" y="4574802"/>
+            <a:ext cx="9525691" cy="1896236"/>
+          </a:xfrm>
+          <a:prstGeom prst="rect">
+            <a:avLst/>
+          </a:prstGeom>
+        </p:spPr>
+      </p:pic>
+      <p:sp>
+        <p:nvSpPr>
+          <p:cNvPr id="14" name="CasellaDiTesto 13">
+            <a:extLst>
+              <a:ext uri="{FF2B5EF4-FFF2-40B4-BE49-F238E27FC236}">
+                <a16:creationId xmlns:a16="http://schemas.microsoft.com/office/drawing/2014/main" id="{EDF48C25-E1CB-4E43-85B8-F039B8FDD053}"/>
+              </a:ext>
+            </a:extLst>
+          </p:cNvPr>
+          <p:cNvSpPr txBox="1"/>
+          <p:nvPr/>
+        </p:nvSpPr>
+        <p:spPr>
+          <a:xfrm>
+            <a:off x="1024139" y="4166892"/>
+            <a:ext cx="3044278" cy="384721"/>
+          </a:xfrm>
+          <a:prstGeom prst="rect">
+            <a:avLst/>
+          </a:prstGeom>
+          <a:noFill/>
+        </p:spPr>
+        <p:txBody>
+          <a:bodyPr wrap="square" rtlCol="0">
+            <a:spAutoFit/>
+          </a:bodyPr>
+          <a:lstStyle/>
+          <a:p>
+            <a:r>
+              <a:rPr lang="it-IT" sz="1900" spc="10" dirty="0">
+                <a:solidFill>
+                  <a:schemeClr val="tx1">
+                    <a:lumMod val="65000"/>
+                    <a:lumOff val="35000"/>
+                  </a:schemeClr>
+                </a:solidFill>
+              </a:rPr>
+              <a:t>Pesi portafoglio </a:t>
+            </a:r>
+            <a:r>
+              <a:rPr lang="it-IT" sz="1900" i="1" spc="10" dirty="0" err="1">
+                <a:solidFill>
+                  <a:schemeClr val="tx1">
+                    <a:lumMod val="65000"/>
+                    <a:lumOff val="35000"/>
+                  </a:schemeClr>
+                </a:solidFill>
+              </a:rPr>
+              <a:t>rolling</a:t>
+            </a:r>
+            <a:endParaRPr lang="it-IT" sz="1900" i="1" spc="10" dirty="0">
+              <a:solidFill>
+                <a:schemeClr val="tx1">
+                  <a:lumMod val="65000"/>
+                  <a:lumOff val="35000"/>
+                </a:schemeClr>
+              </a:solidFill>
+            </a:endParaRPr>
+          </a:p>
+        </p:txBody>
+      </p:sp>
+    </p:spTree>
+    <p:extLst>
+      <p:ext uri="{BB962C8B-B14F-4D97-AF65-F5344CB8AC3E}">
+        <p14:creationId xmlns:p14="http://schemas.microsoft.com/office/powerpoint/2010/main" val="141028710"/>
+      </p:ext>
+    </p:extLst>
+  </p:cSld>
+  <p:clrMapOvr>
+    <a:masterClrMapping/>
+  </p:clrMapOvr>
+</p:sld>
+</file>
+
+<file path=ppt/slides/slide13.xml><?xml version="1.0" encoding="utf-8"?>
+<p:sld xmlns:a="http://schemas.openxmlformats.org/drawingml/2006/main" xmlns:r="http://schemas.openxmlformats.org/officeDocument/2006/relationships" xmlns:p="http://schemas.openxmlformats.org/presentationml/2006/main">
+  <p:cSld>
+    <p:spTree>
+      <p:nvGrpSpPr>
+        <p:cNvPr id="1" name=""/>
+        <p:cNvGrpSpPr/>
+        <p:nvPr/>
+      </p:nvGrpSpPr>
+      <p:grpSpPr>
+        <a:xfrm>
+          <a:off x="0" y="0"/>
+          <a:ext cx="0" cy="0"/>
+          <a:chOff x="0" y="0"/>
+          <a:chExt cx="0" cy="0"/>
+        </a:xfrm>
+      </p:grpSpPr>
+      <p:sp>
+        <p:nvSpPr>
+          <p:cNvPr id="4" name="Titolo 3"/>
+          <p:cNvSpPr>
+            <a:spLocks noGrp="1"/>
+          </p:cNvSpPr>
+          <p:nvPr>
+            <p:ph type="title"/>
+          </p:nvPr>
+        </p:nvSpPr>
+        <p:spPr>
+          <a:xfrm>
             <a:off x="537128" y="223283"/>
             <a:ext cx="8911687" cy="720863"/>
           </a:xfrm>
@@ -4108,23 +4623,23 @@
           <a:lstStyle/>
           <a:p>
             <a:r>
-              <a:rPr lang="it-IT" dirty="0" err="1" smtClean="0"/>
+              <a:rPr lang="it-IT" dirty="0" err="1"/>
               <a:t>Hierarchical</a:t>
             </a:r>
             <a:r>
-              <a:rPr lang="it-IT" dirty="0" smtClean="0"/>
+              <a:rPr lang="it-IT" dirty="0"/>
               <a:t> </a:t>
             </a:r>
             <a:r>
-              <a:rPr lang="it-IT" dirty="0" err="1" smtClean="0"/>
+              <a:rPr lang="it-IT" dirty="0" err="1"/>
               <a:t>Risk</a:t>
             </a:r>
             <a:r>
-              <a:rPr lang="it-IT" dirty="0" smtClean="0"/>
+              <a:rPr lang="it-IT" dirty="0"/>
               <a:t> </a:t>
             </a:r>
             <a:r>
-              <a:rPr lang="it-IT" dirty="0" err="1" smtClean="0"/>
+              <a:rPr lang="it-IT" dirty="0" err="1"/>
               <a:t>Parity</a:t>
             </a:r>
             <a:endParaRPr lang="it-IT" dirty="0"/>
@@ -4158,16 +4673,12 @@
                 <a:pPr marL="0" indent="0">
                   <a:buNone/>
                 </a:pPr>
-                <a:endParaRPr lang="it-IT" dirty="0" smtClean="0"/>
+                <a:endParaRPr lang="it-IT" dirty="0"/>
               </a:p>
               <a:p>
                 <a:r>
-                  <a:rPr lang="it-IT" sz="2900" dirty="0" smtClean="0"/>
-                  <a:t>Si applica </a:t>
-                </a:r>
-                <a:r>
                   <a:rPr lang="it-IT" sz="2900" dirty="0"/>
-                  <a:t>un algoritmo di </a:t>
+                  <a:t>Si applica un algoritmo di </a:t>
                 </a:r>
                 <a:r>
                   <a:rPr lang="it-IT" sz="2900" i="1" dirty="0" err="1"/>
@@ -4175,15 +4686,7 @@
                 </a:r>
                 <a:r>
                   <a:rPr lang="it-IT" sz="2900" dirty="0"/>
-                  <a:t> gerarchico alla matrice di covarianza dei </a:t>
-                </a:r>
-                <a:r>
-                  <a:rPr lang="it-IT" sz="2900" dirty="0" smtClean="0"/>
-                  <a:t>rendimenti azionari, </a:t>
-                </a:r>
-                <a:r>
-                  <a:rPr lang="it-IT" sz="2900" dirty="0"/>
-                  <a:t>utilizzando una matrice di distanza </a:t>
+                  <a:t> gerarchico alla matrice di covarianza dei rendimenti azionari, utilizzando una matrice di distanza </a:t>
                 </a:r>
                 <a14:m>
                   <m:oMath xmlns:m="http://schemas.openxmlformats.org/officeDocument/2006/math">
@@ -4209,15 +4712,7 @@
                 </a14:m>
                 <a:r>
                   <a:rPr lang="it-IT" sz="2900" dirty="0"/>
-                  <a:t> basata </a:t>
-                </a:r>
-                <a:r>
-                  <a:rPr lang="it-IT" sz="2900" dirty="0" smtClean="0"/>
-                  <a:t>sull’indice di correlazione </a:t>
-                </a:r>
-                <a:r>
-                  <a:rPr lang="it-IT" sz="2900" dirty="0"/>
-                  <a:t>dei rendimenti degli </a:t>
+                  <a:t> basata sull’indice di correlazione dei rendimenti degli </a:t>
                 </a:r>
                 <a:r>
                   <a:rPr lang="it-IT" sz="2900" i="1" dirty="0" err="1"/>
@@ -4429,7 +4924,7 @@
                   <a:buNone/>
                 </a:pPr>
                 <a:r>
-                  <a:rPr lang="it-IT" sz="2900" dirty="0" smtClean="0"/>
+                  <a:rPr lang="it-IT" sz="2900" dirty="0"/>
                   <a:t>      dove </a:t>
                 </a:r>
                 <a14:m>
@@ -4502,16 +4997,11 @@
                   <a:rPr lang="it-IT" sz="2900" i="1" dirty="0"/>
                   <a:t>. </a:t>
                 </a:r>
-                <a:endParaRPr lang="it-IT" sz="2900" i="1" dirty="0" smtClean="0"/>
               </a:p>
               <a:p>
                 <a:r>
-                  <a:rPr lang="it-IT" sz="2900" dirty="0" smtClean="0"/>
-                  <a:t>Si </a:t>
-                </a:r>
-                <a:r>
                   <a:rPr lang="it-IT" sz="2900" dirty="0"/>
-                  <a:t>forma poi il primo </a:t>
+                  <a:t>Si forma poi il primo </a:t>
                 </a:r>
                 <a:r>
                   <a:rPr lang="it-IT" sz="2900" i="1" dirty="0"/>
@@ -4751,15 +5241,7 @@
                 </a:r>
                 <a:r>
                   <a:rPr lang="it-IT" sz="2900" dirty="0"/>
-                  <a:t>viene quindi </a:t>
-                </a:r>
-                <a:r>
-                  <a:rPr lang="it-IT" sz="2900" dirty="0" smtClean="0"/>
-                  <a:t>aggiornata </a:t>
-                </a:r>
-                <a:r>
-                  <a:rPr lang="it-IT" sz="2900" dirty="0"/>
-                  <a:t>rimuovendo le righe e le colonne corrispondenti al primo </a:t>
+                  <a:t>viene quindi aggiornata rimuovendo le righe e le colonne corrispondenti al primo </a:t>
                 </a:r>
                 <a:r>
                   <a:rPr lang="it-IT" sz="2900" i="1" dirty="0"/>
@@ -4775,33 +5257,28 @@
                 </a:r>
                 <a:r>
                   <a:rPr lang="it-IT" sz="2900" dirty="0"/>
-                  <a:t> e </a:t>
-                </a:r>
-                <a:r>
-                  <a:rPr lang="it-IT" sz="2900" dirty="0" smtClean="0"/>
-                  <a:t>l</a:t>
-                </a:r>
-                <a:r>
-                  <a:rPr lang="it-IT" sz="2900" i="1" dirty="0" smtClean="0"/>
+                  <a:t> e l</a:t>
+                </a:r>
+                <a:r>
+                  <a:rPr lang="it-IT" sz="2900" i="1" dirty="0"/>
                   <a:t>’</a:t>
                 </a:r>
                 <a:r>
-                  <a:rPr lang="it-IT" sz="2900" dirty="0" smtClean="0"/>
+                  <a:rPr lang="it-IT" sz="2900" dirty="0"/>
                   <a:t>i-esimo</a:t>
                 </a:r>
                 <a:r>
-                  <a:rPr lang="it-IT" sz="2900" i="1" dirty="0" smtClean="0"/>
+                  <a:rPr lang="it-IT" sz="2900" i="1" dirty="0"/>
                   <a:t> </a:t>
                 </a:r>
                 <a:r>
-                  <a:rPr lang="it-IT" sz="2900" i="1" dirty="0" err="1" smtClean="0"/>
+                  <a:rPr lang="it-IT" sz="2900" i="1" dirty="0" err="1"/>
                   <a:t>asset</a:t>
                 </a:r>
                 <a:r>
-                  <a:rPr lang="it-IT" sz="2900" dirty="0" smtClean="0"/>
+                  <a:rPr lang="it-IT" sz="2900" dirty="0"/>
                   <a:t>:</a:t>
                 </a:r>
-                <a:endParaRPr lang="it-IT" sz="2900" dirty="0"/>
               </a:p>
               <a:p>
                 <a:pPr marL="0" indent="0">
@@ -5048,12 +5525,8 @@
               </a:p>
               <a:p>
                 <a:r>
-                  <a:rPr lang="it-IT" sz="2900" dirty="0" smtClean="0"/>
-                  <a:t>La </a:t>
-                </a:r>
-                <a:r>
                   <a:rPr lang="it-IT" sz="2900" dirty="0"/>
-                  <a:t>procedura viene ripetuta ricorsivamente fino ad ottenere il </a:t>
+                  <a:t>La procedura viene ripetuta ricorsivamente fino ad ottenere il </a:t>
                 </a:r>
                 <a:r>
                   <a:rPr lang="it-IT" sz="2900" i="1" dirty="0"/>
@@ -5069,14 +5542,10 @@
                 </a:r>
                 <a:r>
                   <a:rPr lang="it-IT" sz="2900" dirty="0"/>
-                  <a:t> </a:t>
-                </a:r>
-                <a:r>
-                  <a:rPr lang="it-IT" sz="2900" dirty="0" smtClean="0"/>
-                  <a:t>disponibili</a:t>
-                </a:r>
-                <a:r>
-                  <a:rPr lang="it-IT" sz="2900" i="1" dirty="0" smtClean="0"/>
+                  <a:t> disponibili</a:t>
+                </a:r>
+                <a:r>
+                  <a:rPr lang="it-IT" sz="2900" i="1" dirty="0"/>
                   <a:t>. </a:t>
                 </a:r>
                 <a:endParaRPr lang="it-IT" sz="2900" dirty="0"/>
@@ -5084,11 +5553,7 @@
               <a:p>
                 <a:r>
                   <a:rPr lang="it-IT" sz="2900" dirty="0"/>
-                  <a:t>Utilizzando </a:t>
-                </a:r>
-                <a:r>
-                  <a:rPr lang="it-IT" sz="2900" dirty="0" smtClean="0"/>
-                  <a:t>l’ordine dei </a:t>
+                  <a:t>Utilizzando l’ordine dei </a:t>
                 </a:r>
                 <a:r>
                   <a:rPr lang="it-IT" sz="2900" i="1" dirty="0"/>
@@ -5096,11 +5561,7 @@
                 </a:r>
                 <a:r>
                   <a:rPr lang="it-IT" sz="2900" dirty="0"/>
-                  <a:t>si riorganizza la matrice di covarianza in modo da ottenere una matrice quasi-diagonale in cui </a:t>
-                </a:r>
-                <a:r>
-                  <a:rPr lang="it-IT" sz="2900" dirty="0" smtClean="0"/>
-                  <a:t>gli </a:t>
+                  <a:t>si riorganizza la matrice di covarianza in modo da ottenere una matrice quasi-diagonale in cui gli </a:t>
                 </a:r>
                 <a:r>
                   <a:rPr lang="it-IT" sz="2900" i="1" dirty="0" err="1"/>
@@ -5111,12 +5572,8 @@
                   <a:t> </a:t>
                 </a:r>
                 <a:r>
-                  <a:rPr lang="it-IT" sz="2900" dirty="0" smtClean="0"/>
-                  <a:t>simili sono posti </a:t>
-                </a:r>
-                <a:r>
                   <a:rPr lang="it-IT" sz="2900" dirty="0"/>
-                  <a:t>nei pressi della diagonale.</a:t>
+                  <a:t>simili sono posti nei pressi della diagonale.</a:t>
                 </a:r>
               </a:p>
               <a:p>
@@ -5137,31 +5594,31 @@
                   <a:t>, in cui il peso è inversamente proporzionale al rischio degli </a:t>
                 </a:r>
                 <a:r>
-                  <a:rPr lang="it-IT" sz="2900" i="1" dirty="0" err="1" smtClean="0"/>
+                  <a:rPr lang="it-IT" sz="2900" i="1" dirty="0" err="1"/>
                   <a:t>asset</a:t>
                 </a:r>
                 <a:r>
-                  <a:rPr lang="it-IT" sz="2900" i="1" dirty="0" smtClean="0"/>
+                  <a:rPr lang="it-IT" sz="2900" i="1" dirty="0"/>
                   <a:t>,</a:t>
                 </a:r>
                 <a:r>
-                  <a:rPr lang="it-IT" sz="2900" dirty="0" smtClean="0"/>
+                  <a:rPr lang="it-IT" sz="2900" dirty="0"/>
                   <a:t> e </a:t>
                 </a:r>
                 <a:r>
-                  <a:rPr lang="it-IT" sz="2900" dirty="0" err="1" smtClean="0"/>
+                  <a:rPr lang="it-IT" sz="2900" dirty="0" err="1"/>
                   <a:t>bisezionando</a:t>
                 </a:r>
                 <a:r>
-                  <a:rPr lang="it-IT" sz="2900" dirty="0" smtClean="0"/>
+                  <a:rPr lang="it-IT" sz="2900" dirty="0"/>
                   <a:t> ricorsivamente la matrice di covarianza seguendo l’ordinamento dei </a:t>
                 </a:r>
                 <a:r>
-                  <a:rPr lang="it-IT" sz="2900" i="1" dirty="0" smtClean="0"/>
+                  <a:rPr lang="it-IT" sz="2900" i="1" dirty="0"/>
                   <a:t>cluster</a:t>
                 </a:r>
                 <a:r>
-                  <a:rPr lang="it-IT" sz="2900" dirty="0" smtClean="0"/>
+                  <a:rPr lang="it-IT" sz="2900" dirty="0"/>
                   <a:t>.</a:t>
                 </a:r>
                 <a:endParaRPr lang="it-IT" sz="2900" i="1" dirty="0"/>
@@ -5217,17 +5674,10 @@
   <p:clrMapOvr>
     <a:masterClrMapping/>
   </p:clrMapOvr>
-  <p:timing>
-    <p:tnLst>
-      <p:par>
-        <p:cTn id="1" dur="indefinite" restart="never" nodeType="tmRoot"/>
-      </p:par>
-    </p:tnLst>
-  </p:timing>
 </p:sld>
 </file>
 
-<file path=ppt/slides/slide12.xml><?xml version="1.0" encoding="utf-8"?>
+<file path=ppt/slides/slide14.xml><?xml version="1.0" encoding="utf-8"?>
 <p:sld xmlns:a="http://schemas.openxmlformats.org/drawingml/2006/main" xmlns:r="http://schemas.openxmlformats.org/officeDocument/2006/relationships" xmlns:p="http://schemas.openxmlformats.org/presentationml/2006/main">
   <p:cSld>
     <p:spTree>
@@ -5265,23 +5715,23 @@
           <a:lstStyle/>
           <a:p>
             <a:r>
-              <a:rPr lang="it-IT" dirty="0" err="1" smtClean="0"/>
+              <a:rPr lang="it-IT" dirty="0" err="1"/>
               <a:t>Hierarchical</a:t>
             </a:r>
             <a:r>
-              <a:rPr lang="it-IT" dirty="0" smtClean="0"/>
+              <a:rPr lang="it-IT" dirty="0"/>
               <a:t> </a:t>
             </a:r>
             <a:r>
-              <a:rPr lang="it-IT" dirty="0" err="1" smtClean="0"/>
+              <a:rPr lang="it-IT" dirty="0" err="1"/>
               <a:t>Risk</a:t>
             </a:r>
             <a:r>
-              <a:rPr lang="it-IT" dirty="0" smtClean="0"/>
+              <a:rPr lang="it-IT" dirty="0"/>
               <a:t> </a:t>
             </a:r>
             <a:r>
-              <a:rPr lang="it-IT" dirty="0" err="1" smtClean="0"/>
+              <a:rPr lang="it-IT" dirty="0" err="1"/>
               <a:t>Parity</a:t>
             </a:r>
             <a:endParaRPr lang="it-IT" dirty="0"/>
@@ -5327,17 +5777,10 @@
   <p:clrMapOvr>
     <a:masterClrMapping/>
   </p:clrMapOvr>
-  <p:timing>
-    <p:tnLst>
-      <p:par>
-        <p:cTn id="1" dur="indefinite" restart="never" nodeType="tmRoot"/>
-      </p:par>
-    </p:tnLst>
-  </p:timing>
 </p:sld>
 </file>
 
-<file path=ppt/slides/slide13.xml><?xml version="1.0" encoding="utf-8"?>
+<file path=ppt/slides/slide15.xml><?xml version="1.0" encoding="utf-8"?>
 <p:sld xmlns:a="http://schemas.openxmlformats.org/drawingml/2006/main" xmlns:r="http://schemas.openxmlformats.org/officeDocument/2006/relationships" xmlns:p="http://schemas.openxmlformats.org/presentationml/2006/main">
   <p:cSld>
     <p:spTree>
@@ -5375,23 +5818,23 @@
           <a:lstStyle/>
           <a:p>
             <a:r>
-              <a:rPr lang="it-IT" dirty="0" err="1" smtClean="0"/>
+              <a:rPr lang="it-IT" dirty="0" err="1"/>
               <a:t>Hierarchical</a:t>
             </a:r>
             <a:r>
-              <a:rPr lang="it-IT" dirty="0" smtClean="0"/>
+              <a:rPr lang="it-IT" dirty="0"/>
               <a:t> </a:t>
             </a:r>
             <a:r>
-              <a:rPr lang="it-IT" dirty="0" err="1" smtClean="0"/>
+              <a:rPr lang="it-IT" dirty="0" err="1"/>
               <a:t>Risk</a:t>
             </a:r>
             <a:r>
-              <a:rPr lang="it-IT" dirty="0" smtClean="0"/>
+              <a:rPr lang="it-IT" dirty="0"/>
               <a:t> </a:t>
             </a:r>
             <a:r>
-              <a:rPr lang="it-IT" dirty="0" err="1" smtClean="0"/>
+              <a:rPr lang="it-IT" dirty="0" err="1"/>
               <a:t>Parity</a:t>
             </a:r>
             <a:endParaRPr lang="it-IT" dirty="0"/>
@@ -5450,17 +5893,6 @@
           <a:lstStyle/>
           <a:p>
             <a:r>
-              <a:rPr lang="it-IT" sz="1900" spc="10" dirty="0" smtClean="0">
-                <a:solidFill>
-                  <a:schemeClr val="tx1">
-                    <a:lumMod val="65000"/>
-                    <a:lumOff val="35000"/>
-                  </a:schemeClr>
-                </a:solidFill>
-              </a:rPr>
-              <a:t>                      Pesi </a:t>
-            </a:r>
-            <a:r>
               <a:rPr lang="it-IT" sz="1900" spc="10" dirty="0">
                 <a:solidFill>
                   <a:schemeClr val="tx1">
@@ -5469,7 +5901,7 @@
                   </a:schemeClr>
                 </a:solidFill>
               </a:rPr>
-              <a:t>del portafoglio </a:t>
+              <a:t>                      Pesi del portafoglio </a:t>
             </a:r>
             <a:r>
               <a:rPr lang="it-IT" sz="1900" i="1" spc="10" dirty="0" err="1">
@@ -5503,17 +5935,10 @@
   <p:clrMapOvr>
     <a:masterClrMapping/>
   </p:clrMapOvr>
-  <p:timing>
-    <p:tnLst>
-      <p:par>
-        <p:cTn id="1" dur="indefinite" restart="never" nodeType="tmRoot"/>
-      </p:par>
-    </p:tnLst>
-  </p:timing>
 </p:sld>
 </file>
 
-<file path=ppt/slides/slide14.xml><?xml version="1.0" encoding="utf-8"?>
+<file path=ppt/slides/slide16.xml><?xml version="1.0" encoding="utf-8"?>
 <p:sld xmlns:a="http://schemas.openxmlformats.org/drawingml/2006/main" xmlns:r="http://schemas.openxmlformats.org/officeDocument/2006/relationships" xmlns:p="http://schemas.openxmlformats.org/presentationml/2006/main">
   <p:cSld>
     <p:spTree>
@@ -5551,10 +5976,9 @@
           <a:lstStyle/>
           <a:p>
             <a:r>
-              <a:rPr lang="it-IT" dirty="0" smtClean="0"/>
+              <a:rPr lang="it-IT" dirty="0"/>
               <a:t>Risultati</a:t>
             </a:r>
-            <a:endParaRPr lang="it-IT" dirty="0"/>
           </a:p>
         </p:txBody>
       </p:sp>
@@ -5598,433 +6022,6 @@
   <p:clrMapOvr>
     <a:masterClrMapping/>
   </p:clrMapOvr>
-  <p:timing>
-    <p:tnLst>
-      <p:par>
-        <p:cTn id="1" dur="indefinite" restart="never" nodeType="tmRoot"/>
-      </p:par>
-    </p:tnLst>
-  </p:timing>
-</p:sld>
-</file>
-
-<file path=ppt/slides/slide15.xml><?xml version="1.0" encoding="utf-8"?>
-<p:sld xmlns:a="http://schemas.openxmlformats.org/drawingml/2006/main" xmlns:r="http://schemas.openxmlformats.org/officeDocument/2006/relationships" xmlns:p="http://schemas.openxmlformats.org/presentationml/2006/main">
-  <p:cSld>
-    <p:spTree>
-      <p:nvGrpSpPr>
-        <p:cNvPr id="1" name=""/>
-        <p:cNvGrpSpPr/>
-        <p:nvPr/>
-      </p:nvGrpSpPr>
-      <p:grpSpPr>
-        <a:xfrm>
-          <a:off x="0" y="0"/>
-          <a:ext cx="0" cy="0"/>
-          <a:chOff x="0" y="0"/>
-          <a:chExt cx="0" cy="0"/>
-        </a:xfrm>
-      </p:grpSpPr>
-      <p:sp>
-        <p:nvSpPr>
-          <p:cNvPr id="4" name="Titolo 3"/>
-          <p:cNvSpPr>
-            <a:spLocks noGrp="1"/>
-          </p:cNvSpPr>
-          <p:nvPr>
-            <p:ph type="title"/>
-          </p:nvPr>
-        </p:nvSpPr>
-        <p:spPr>
-          <a:xfrm>
-            <a:off x="1058123" y="329610"/>
-            <a:ext cx="8911687" cy="739818"/>
-          </a:xfrm>
-        </p:spPr>
-        <p:txBody>
-          <a:bodyPr/>
-          <a:lstStyle/>
-          <a:p>
-            <a:r>
-              <a:rPr lang="it-IT" dirty="0" smtClean="0"/>
-              <a:t>Risultati</a:t>
-            </a:r>
-            <a:endParaRPr lang="it-IT" dirty="0"/>
-          </a:p>
-        </p:txBody>
-      </p:sp>
-      <p:pic>
-        <p:nvPicPr>
-          <p:cNvPr id="9" name="Immagine 8"/>
-          <p:cNvPicPr>
-            <a:picLocks noChangeAspect="1"/>
-          </p:cNvPicPr>
-          <p:nvPr/>
-        </p:nvPicPr>
-        <p:blipFill>
-          <a:blip r:embed="rId2">
-            <a:extLst>
-              <a:ext uri="{28A0092B-C50C-407E-A947-70E740481C1C}">
-                <a14:useLocalDpi xmlns:a14="http://schemas.microsoft.com/office/drawing/2010/main" val="0"/>
-              </a:ext>
-            </a:extLst>
-          </a:blip>
-          <a:stretch>
-            <a:fillRect/>
-          </a:stretch>
-        </p:blipFill>
-        <p:spPr>
-          <a:xfrm>
-            <a:off x="1664855" y="1134727"/>
-            <a:ext cx="9000000" cy="5400000"/>
-          </a:xfrm>
-          <a:prstGeom prst="rect">
-            <a:avLst/>
-          </a:prstGeom>
-        </p:spPr>
-      </p:pic>
-    </p:spTree>
-    <p:extLst>
-      <p:ext uri="{BB962C8B-B14F-4D97-AF65-F5344CB8AC3E}">
-        <p14:creationId xmlns:p14="http://schemas.microsoft.com/office/powerpoint/2010/main" val="573549609"/>
-      </p:ext>
-    </p:extLst>
-  </p:cSld>
-  <p:clrMapOvr>
-    <a:masterClrMapping/>
-  </p:clrMapOvr>
-  <p:timing>
-    <p:tnLst>
-      <p:par>
-        <p:cTn id="1" dur="indefinite" restart="never" nodeType="tmRoot"/>
-      </p:par>
-    </p:tnLst>
-  </p:timing>
-</p:sld>
-</file>
-
-<file path=ppt/slides/slide16.xml><?xml version="1.0" encoding="utf-8"?>
-<p:sld xmlns:a="http://schemas.openxmlformats.org/drawingml/2006/main" xmlns:r="http://schemas.openxmlformats.org/officeDocument/2006/relationships" xmlns:p="http://schemas.openxmlformats.org/presentationml/2006/main">
-  <p:cSld>
-    <p:spTree>
-      <p:nvGrpSpPr>
-        <p:cNvPr id="1" name=""/>
-        <p:cNvGrpSpPr/>
-        <p:nvPr/>
-      </p:nvGrpSpPr>
-      <p:grpSpPr>
-        <a:xfrm>
-          <a:off x="0" y="0"/>
-          <a:ext cx="0" cy="0"/>
-          <a:chOff x="0" y="0"/>
-          <a:chExt cx="0" cy="0"/>
-        </a:xfrm>
-      </p:grpSpPr>
-      <p:sp>
-        <p:nvSpPr>
-          <p:cNvPr id="4" name="Titolo 3"/>
-          <p:cNvSpPr>
-            <a:spLocks noGrp="1"/>
-          </p:cNvSpPr>
-          <p:nvPr>
-            <p:ph type="title"/>
-          </p:nvPr>
-        </p:nvSpPr>
-        <p:spPr>
-          <a:xfrm>
-            <a:off x="595424" y="223283"/>
-            <a:ext cx="10108034" cy="718553"/>
-          </a:xfrm>
-        </p:spPr>
-        <p:txBody>
-          <a:bodyPr/>
-          <a:lstStyle/>
-          <a:p>
-            <a:r>
-              <a:rPr lang="it-IT" dirty="0" smtClean="0"/>
-              <a:t>Conclusioni e possibili sviluppi</a:t>
-            </a:r>
-            <a:endParaRPr lang="it-IT" dirty="0"/>
-          </a:p>
-        </p:txBody>
-      </p:sp>
-      <p:sp>
-        <p:nvSpPr>
-          <p:cNvPr id="7" name="Segnaposto contenuto 6"/>
-          <p:cNvSpPr>
-            <a:spLocks noGrp="1"/>
-          </p:cNvSpPr>
-          <p:nvPr>
-            <p:ph idx="1"/>
-          </p:nvPr>
-        </p:nvSpPr>
-        <p:spPr>
-          <a:xfrm>
-            <a:off x="969819" y="1037529"/>
-            <a:ext cx="10098674" cy="5820471"/>
-          </a:xfrm>
-        </p:spPr>
-        <p:txBody>
-          <a:bodyPr>
-            <a:normAutofit fontScale="92500" lnSpcReduction="10000"/>
-          </a:bodyPr>
-          <a:lstStyle/>
-          <a:p>
-            <a:r>
-              <a:rPr lang="it-IT" dirty="0"/>
-              <a:t>É</a:t>
-            </a:r>
-            <a:r>
-              <a:rPr lang="it-IT" dirty="0" smtClean="0"/>
-              <a:t> stato dimostrato che</a:t>
-            </a:r>
-            <a:r>
-              <a:rPr lang="it-IT" dirty="0"/>
-              <a:t> </a:t>
-            </a:r>
-            <a:r>
-              <a:rPr lang="it-IT" dirty="0" smtClean="0"/>
-              <a:t>gli algoritmi di </a:t>
-            </a:r>
-            <a:r>
-              <a:rPr lang="it-IT" i="1" dirty="0" err="1" smtClean="0"/>
-              <a:t>clustering</a:t>
-            </a:r>
-            <a:r>
-              <a:rPr lang="it-IT" i="1" dirty="0" smtClean="0"/>
-              <a:t> </a:t>
-            </a:r>
-            <a:r>
-              <a:rPr lang="it-IT" dirty="0" smtClean="0"/>
-              <a:t>possono essere utilizzati per costruire portafogli diversificati che evidenziano una buona </a:t>
-            </a:r>
-            <a:r>
-              <a:rPr lang="it-IT" i="1" dirty="0" smtClean="0"/>
-              <a:t>performance</a:t>
-            </a:r>
-            <a:r>
-              <a:rPr lang="it-IT" dirty="0" smtClean="0"/>
-              <a:t> </a:t>
-            </a:r>
-            <a:r>
-              <a:rPr lang="it-IT" i="1" dirty="0" smtClean="0"/>
-              <a:t>out of sample</a:t>
-            </a:r>
-            <a:r>
-              <a:rPr lang="it-IT" dirty="0" smtClean="0"/>
-              <a:t>. </a:t>
-            </a:r>
-          </a:p>
-          <a:p>
-            <a:r>
-              <a:rPr lang="it-IT" dirty="0" smtClean="0"/>
-              <a:t>Nell’ultimo anno, il portafoglio </a:t>
-            </a:r>
-            <a:r>
-              <a:rPr lang="it-IT" i="1" dirty="0" err="1" smtClean="0"/>
-              <a:t>Bounded</a:t>
-            </a:r>
-            <a:r>
-              <a:rPr lang="it-IT" i="1" dirty="0" smtClean="0"/>
-              <a:t> K-</a:t>
-            </a:r>
-            <a:r>
-              <a:rPr lang="it-IT" i="1" dirty="0" err="1" smtClean="0"/>
-              <a:t>Means</a:t>
-            </a:r>
-            <a:r>
-              <a:rPr lang="it-IT" dirty="0" smtClean="0"/>
-              <a:t> avrebbe garantito l’</a:t>
-            </a:r>
-            <a:r>
-              <a:rPr lang="it-IT" dirty="0" err="1" smtClean="0"/>
-              <a:t>extrarendimento</a:t>
-            </a:r>
-            <a:r>
-              <a:rPr lang="it-IT" dirty="0" smtClean="0"/>
-              <a:t> maggiore, mentre il portafoglio di tangenza avrebbe dato luogo allo </a:t>
-            </a:r>
-            <a:r>
-              <a:rPr lang="it-IT" i="1" dirty="0" err="1" smtClean="0"/>
-              <a:t>Sharpe</a:t>
-            </a:r>
-            <a:r>
-              <a:rPr lang="it-IT" i="1" dirty="0" smtClean="0"/>
-              <a:t> Ratio</a:t>
-            </a:r>
-            <a:r>
-              <a:rPr lang="it-IT" dirty="0" smtClean="0"/>
-              <a:t> più elevato. </a:t>
-            </a:r>
-          </a:p>
-          <a:p>
-            <a:pPr marL="0" indent="0">
-              <a:buNone/>
-            </a:pPr>
-            <a:r>
-              <a:rPr lang="it-IT" b="1" dirty="0" smtClean="0"/>
-              <a:t>Possibili estensioni del progetto: </a:t>
-            </a:r>
-          </a:p>
-          <a:p>
-            <a:r>
-              <a:rPr lang="it-IT" dirty="0" smtClean="0"/>
-              <a:t> Inclusione di titoli di </a:t>
-            </a:r>
-            <a:r>
-              <a:rPr lang="it-IT" dirty="0" smtClean="0"/>
-              <a:t>Stato, </a:t>
-            </a:r>
-            <a:r>
-              <a:rPr lang="it-IT" dirty="0" smtClean="0"/>
-              <a:t>obbligazioni </a:t>
-            </a:r>
-            <a:r>
-              <a:rPr lang="it-IT" i="1" dirty="0" smtClean="0"/>
-              <a:t>corporate </a:t>
-            </a:r>
-            <a:r>
-              <a:rPr lang="it-IT" dirty="0" smtClean="0"/>
-              <a:t>o indici </a:t>
-            </a:r>
-            <a:r>
-              <a:rPr lang="it-IT" dirty="0"/>
-              <a:t>di </a:t>
-            </a:r>
-            <a:r>
-              <a:rPr lang="it-IT" dirty="0" smtClean="0"/>
-              <a:t>mercato;</a:t>
-            </a:r>
-            <a:endParaRPr lang="it-IT" i="1" dirty="0" smtClean="0"/>
-          </a:p>
-          <a:p>
-            <a:r>
-              <a:rPr lang="it-IT" dirty="0" smtClean="0"/>
-              <a:t>Utilizzo</a:t>
-            </a:r>
-            <a:r>
-              <a:rPr lang="it-IT" dirty="0" smtClean="0"/>
-              <a:t> di una strategia di ottimizzazione che consenta di aprire posizioni </a:t>
-            </a:r>
-            <a:r>
-              <a:rPr lang="it-IT" i="1" dirty="0" smtClean="0"/>
-              <a:t>short;</a:t>
-            </a:r>
-            <a:endParaRPr lang="it-IT" i="1" dirty="0" smtClean="0"/>
-          </a:p>
-          <a:p>
-            <a:r>
-              <a:rPr lang="it-IT" dirty="0" smtClean="0"/>
-              <a:t>Utilizzo di una strategia di ottimizzazione in media-varianza o di allocazione del rischio (</a:t>
-            </a:r>
-            <a:r>
-              <a:rPr lang="it-IT" i="1" dirty="0" err="1" smtClean="0"/>
-              <a:t>risk</a:t>
-            </a:r>
-            <a:r>
-              <a:rPr lang="it-IT" i="1" dirty="0" smtClean="0"/>
-              <a:t> </a:t>
-            </a:r>
-            <a:r>
-              <a:rPr lang="it-IT" i="1" dirty="0" err="1" smtClean="0"/>
-              <a:t>parity</a:t>
-            </a:r>
-            <a:r>
-              <a:rPr lang="it-IT" i="1" dirty="0" smtClean="0"/>
-              <a:t>, inverse </a:t>
-            </a:r>
-            <a:r>
-              <a:rPr lang="it-IT" i="1" dirty="0" err="1" smtClean="0"/>
-              <a:t>variance</a:t>
-            </a:r>
-            <a:r>
-              <a:rPr lang="it-IT" dirty="0" smtClean="0"/>
-              <a:t>) all’interno dei </a:t>
-            </a:r>
-            <a:r>
-              <a:rPr lang="it-IT" i="1" dirty="0" smtClean="0"/>
-              <a:t>cluster</a:t>
-            </a:r>
-            <a:r>
-              <a:rPr lang="it-IT" i="1" dirty="0" smtClean="0"/>
-              <a:t>;</a:t>
-            </a:r>
-          </a:p>
-          <a:p>
-            <a:r>
-              <a:rPr lang="it-IT" dirty="0" smtClean="0"/>
-              <a:t>Utilizzo di altri algoritmi di</a:t>
-            </a:r>
-            <a:r>
-              <a:rPr lang="it-IT" i="1" dirty="0" smtClean="0"/>
-              <a:t> </a:t>
-            </a:r>
-            <a:r>
-              <a:rPr lang="it-IT" i="1" dirty="0" err="1" smtClean="0"/>
-              <a:t>clustering</a:t>
-            </a:r>
-            <a:r>
-              <a:rPr lang="it-IT" i="1" dirty="0" smtClean="0"/>
-              <a:t>;</a:t>
-            </a:r>
-            <a:endParaRPr lang="it-IT" i="1" dirty="0" smtClean="0"/>
-          </a:p>
-          <a:p>
-            <a:r>
-              <a:rPr lang="it-IT" i="1" dirty="0" err="1" smtClean="0"/>
-              <a:t>Backtest</a:t>
-            </a:r>
-            <a:r>
-              <a:rPr lang="it-IT" i="1" dirty="0" smtClean="0"/>
-              <a:t> </a:t>
-            </a:r>
-            <a:r>
-              <a:rPr lang="it-IT" dirty="0" smtClean="0"/>
-              <a:t>dei portafogli su fasi rialziste del mercato e/o su fasi ribassiste precedenti (crisi finanziaria, crisi del debito sovrano);</a:t>
-            </a:r>
-          </a:p>
-          <a:p>
-            <a:r>
-              <a:rPr lang="it-IT" dirty="0" smtClean="0"/>
-              <a:t>Verifica di come la scelta del numero ottimale di </a:t>
-            </a:r>
-            <a:r>
-              <a:rPr lang="it-IT" i="1" dirty="0" smtClean="0"/>
-              <a:t>cluster</a:t>
-            </a:r>
-            <a:r>
-              <a:rPr lang="it-IT" dirty="0" smtClean="0"/>
-              <a:t> influenzi la </a:t>
-            </a:r>
-            <a:r>
-              <a:rPr lang="it-IT" i="1" dirty="0" smtClean="0"/>
-              <a:t>performance</a:t>
-            </a:r>
-            <a:r>
-              <a:rPr lang="it-IT" dirty="0" smtClean="0"/>
-              <a:t> dei portafogli. </a:t>
-            </a:r>
-            <a:endParaRPr lang="it-IT" i="1" dirty="0" smtClean="0"/>
-          </a:p>
-        </p:txBody>
-      </p:sp>
-    </p:spTree>
-    <p:extLst>
-      <p:ext uri="{BB962C8B-B14F-4D97-AF65-F5344CB8AC3E}">
-        <p14:creationId xmlns:p14="http://schemas.microsoft.com/office/powerpoint/2010/main" val="3333119257"/>
-      </p:ext>
-    </p:extLst>
-  </p:cSld>
-  <p:clrMapOvr>
-    <a:masterClrMapping/>
-  </p:clrMapOvr>
-  <p:timing>
-    <p:tnLst>
-      <p:par>
-        <p:cTn id="1" dur="indefinite" restart="never" nodeType="tmRoot"/>
-      </p:par>
-    </p:tnLst>
-  </p:timing>
 </p:sld>
 </file>
 
@@ -6057,8 +6054,8 @@
         </p:nvSpPr>
         <p:spPr>
           <a:xfrm>
-            <a:off x="717881" y="350874"/>
-            <a:ext cx="8911687" cy="697288"/>
+            <a:off x="1058123" y="329610"/>
+            <a:ext cx="8911687" cy="739818"/>
           </a:xfrm>
         </p:spPr>
         <p:txBody>
@@ -6066,243 +6063,571 @@
           <a:lstStyle/>
           <a:p>
             <a:r>
-              <a:rPr lang="it-IT" dirty="0" smtClean="0"/>
-              <a:t>Riferimenti bibliografici</a:t>
-            </a:r>
-            <a:endParaRPr lang="it-IT" dirty="0"/>
-          </a:p>
-        </p:txBody>
-      </p:sp>
-      <p:sp>
-        <p:nvSpPr>
-          <p:cNvPr id="7" name="Segnaposto contenuto 6"/>
-          <p:cNvSpPr>
-            <a:spLocks noGrp="1"/>
-          </p:cNvSpPr>
-          <p:nvPr>
-            <p:ph idx="1"/>
-          </p:nvPr>
-        </p:nvSpPr>
+              <a:rPr lang="it-IT" dirty="0"/>
+              <a:t>Risultati</a:t>
+            </a:r>
+          </a:p>
+        </p:txBody>
+      </p:sp>
+      <p:pic>
+        <p:nvPicPr>
+          <p:cNvPr id="9" name="Immagine 8"/>
+          <p:cNvPicPr>
+            <a:picLocks noChangeAspect="1"/>
+          </p:cNvPicPr>
+          <p:nvPr/>
+        </p:nvPicPr>
+        <p:blipFill rotWithShape="1">
+          <a:blip r:embed="rId2">
+            <a:extLst>
+              <a:ext uri="{28A0092B-C50C-407E-A947-70E740481C1C}">
+                <a14:useLocalDpi xmlns:a14="http://schemas.microsoft.com/office/drawing/2010/main" val="0"/>
+              </a:ext>
+            </a:extLst>
+          </a:blip>
+          <a:srcRect l="7946" t="7385" r="8764" b="6297"/>
+          <a:stretch/>
+        </p:blipFill>
         <p:spPr>
           <a:xfrm>
-            <a:off x="834838" y="1242182"/>
-            <a:ext cx="10169860" cy="4581239"/>
+            <a:off x="1922734" y="1205948"/>
+            <a:ext cx="8346531" cy="5189920"/>
           </a:xfrm>
+          <a:prstGeom prst="rect">
+            <a:avLst/>
+          </a:prstGeom>
         </p:spPr>
-        <p:txBody>
-          <a:bodyPr>
-            <a:normAutofit/>
-          </a:bodyPr>
-          <a:lstStyle/>
-          <a:p>
-            <a:r>
-              <a:rPr lang="it-IT" dirty="0"/>
-              <a:t>De Prado, M. L. (2016). </a:t>
-            </a:r>
-            <a:r>
-              <a:rPr lang="it-IT" i="1" dirty="0"/>
-              <a:t>Building </a:t>
-            </a:r>
-            <a:r>
-              <a:rPr lang="it-IT" i="1" dirty="0" err="1"/>
-              <a:t>diversified</a:t>
-            </a:r>
-            <a:r>
-              <a:rPr lang="it-IT" i="1" dirty="0"/>
-              <a:t> </a:t>
-            </a:r>
-            <a:r>
-              <a:rPr lang="it-IT" i="1" dirty="0" err="1"/>
-              <a:t>portfolios</a:t>
-            </a:r>
-            <a:r>
-              <a:rPr lang="it-IT" i="1" dirty="0"/>
-              <a:t> </a:t>
-            </a:r>
-            <a:r>
-              <a:rPr lang="it-IT" i="1" dirty="0" err="1"/>
-              <a:t>that</a:t>
-            </a:r>
-            <a:r>
-              <a:rPr lang="it-IT" i="1" dirty="0"/>
-              <a:t> </a:t>
-            </a:r>
-            <a:r>
-              <a:rPr lang="it-IT" i="1" dirty="0" err="1"/>
-              <a:t>outperform</a:t>
-            </a:r>
-            <a:r>
-              <a:rPr lang="it-IT" i="1" dirty="0"/>
-              <a:t> out of sample</a:t>
-            </a:r>
-            <a:r>
-              <a:rPr lang="it-IT" dirty="0"/>
-              <a:t>. The Journal </a:t>
-            </a:r>
-            <a:r>
-              <a:rPr lang="it-IT" dirty="0" smtClean="0"/>
-              <a:t>of Portfolio </a:t>
-            </a:r>
-            <a:r>
-              <a:rPr lang="it-IT" dirty="0"/>
-              <a:t>Management, 42(4), 59-69</a:t>
-            </a:r>
-            <a:r>
-              <a:rPr lang="it-IT" dirty="0" smtClean="0"/>
-              <a:t>.</a:t>
-            </a:r>
-          </a:p>
-          <a:p>
-            <a:r>
-              <a:rPr lang="en-US" dirty="0" err="1"/>
-              <a:t>Ganganath</a:t>
-            </a:r>
-            <a:r>
-              <a:rPr lang="en-US" dirty="0"/>
-              <a:t>, N., Cheng, C. T., &amp; Chi, K. T. (</a:t>
-            </a:r>
-            <a:r>
-              <a:rPr lang="en-US" dirty="0" smtClean="0"/>
-              <a:t>2014). </a:t>
-            </a:r>
-            <a:r>
-              <a:rPr lang="en-US" i="1" dirty="0"/>
-              <a:t>Data clustering with cluster size constraints using a modified k-means algorithm</a:t>
-            </a:r>
-            <a:r>
-              <a:rPr lang="en-US" dirty="0"/>
-              <a:t>. In </a:t>
-            </a:r>
-            <a:r>
-              <a:rPr lang="en-US" i="1" dirty="0"/>
-              <a:t>2014 International Conference on Cyber-Enabled Distributed Computing and Knowledge Discovery</a:t>
-            </a:r>
-            <a:r>
-              <a:rPr lang="en-US" dirty="0"/>
-              <a:t> (pp. 158-161). IEEE.</a:t>
-            </a:r>
-            <a:endParaRPr lang="it-IT" dirty="0"/>
-          </a:p>
-          <a:p>
-            <a:r>
-              <a:rPr lang="it-IT" dirty="0" err="1"/>
-              <a:t>Markowitz</a:t>
-            </a:r>
-            <a:r>
-              <a:rPr lang="it-IT" dirty="0"/>
-              <a:t> H. (1959). </a:t>
-            </a:r>
-            <a:r>
-              <a:rPr lang="it-IT" i="1" dirty="0"/>
-              <a:t>Portfolio </a:t>
-            </a:r>
-            <a:r>
-              <a:rPr lang="it-IT" i="1" dirty="0" err="1"/>
-              <a:t>Selection</a:t>
-            </a:r>
-            <a:r>
-              <a:rPr lang="it-IT" i="1" dirty="0"/>
-              <a:t>: </a:t>
-            </a:r>
-            <a:r>
-              <a:rPr lang="it-IT" i="1" dirty="0" err="1"/>
-              <a:t>Efficient</a:t>
-            </a:r>
-            <a:r>
-              <a:rPr lang="it-IT" i="1" dirty="0"/>
-              <a:t> </a:t>
-            </a:r>
-            <a:r>
-              <a:rPr lang="it-IT" i="1" dirty="0" err="1"/>
-              <a:t>Diversification</a:t>
-            </a:r>
-            <a:r>
-              <a:rPr lang="it-IT" i="1" dirty="0"/>
-              <a:t> of </a:t>
-            </a:r>
-            <a:r>
-              <a:rPr lang="it-IT" i="1" dirty="0" err="1"/>
-              <a:t>Investment</a:t>
-            </a:r>
-            <a:r>
-              <a:rPr lang="it-IT" dirty="0"/>
-              <a:t>. (J. </a:t>
-            </a:r>
-            <a:r>
-              <a:rPr lang="it-IT" dirty="0" err="1"/>
-              <a:t>Wiley</a:t>
-            </a:r>
-            <a:r>
-              <a:rPr lang="it-IT" dirty="0"/>
-              <a:t>, New York).</a:t>
-            </a:r>
-          </a:p>
-          <a:p>
-            <a:r>
-              <a:rPr lang="it-IT" dirty="0"/>
-              <a:t>Tola, V., Lillo, F., </a:t>
-            </a:r>
-            <a:r>
-              <a:rPr lang="it-IT" dirty="0" err="1"/>
-              <a:t>Gallegati</a:t>
-            </a:r>
-            <a:r>
-              <a:rPr lang="it-IT" dirty="0"/>
-              <a:t>, M., &amp; Mantegna, R. N. (2008). </a:t>
-            </a:r>
-            <a:r>
-              <a:rPr lang="it-IT" i="1" dirty="0"/>
-              <a:t>Cluster </a:t>
-            </a:r>
-            <a:r>
-              <a:rPr lang="it-IT" i="1" dirty="0" err="1"/>
-              <a:t>analysis</a:t>
-            </a:r>
-            <a:r>
-              <a:rPr lang="it-IT" i="1" dirty="0"/>
-              <a:t> for portfolio </a:t>
-            </a:r>
-            <a:r>
-              <a:rPr lang="it-IT" i="1" dirty="0" err="1" smtClean="0"/>
-              <a:t>optimization</a:t>
-            </a:r>
-            <a:r>
-              <a:rPr lang="it-IT" dirty="0" smtClean="0"/>
-              <a:t>. Journal </a:t>
-            </a:r>
-            <a:r>
-              <a:rPr lang="it-IT" dirty="0"/>
-              <a:t>of </a:t>
-            </a:r>
-            <a:r>
-              <a:rPr lang="it-IT" dirty="0" err="1"/>
-              <a:t>Economic</a:t>
-            </a:r>
-            <a:r>
-              <a:rPr lang="it-IT" dirty="0"/>
-              <a:t> Dynamics and Control, 32(1), 235-258.</a:t>
-            </a:r>
-            <a:endParaRPr lang="it-IT" dirty="0" smtClean="0"/>
-          </a:p>
-        </p:txBody>
-      </p:sp>
+      </p:pic>
     </p:spTree>
     <p:extLst>
       <p:ext uri="{BB962C8B-B14F-4D97-AF65-F5344CB8AC3E}">
-        <p14:creationId xmlns:p14="http://schemas.microsoft.com/office/powerpoint/2010/main" val="1873841894"/>
+        <p14:creationId xmlns:p14="http://schemas.microsoft.com/office/powerpoint/2010/main" val="573549609"/>
       </p:ext>
     </p:extLst>
   </p:cSld>
   <p:clrMapOvr>
     <a:masterClrMapping/>
   </p:clrMapOvr>
-  <p:timing>
-    <p:tnLst>
-      <p:par>
-        <p:cTn id="1" dur="indefinite" restart="never" nodeType="tmRoot"/>
-      </p:par>
-    </p:tnLst>
-  </p:timing>
+</p:sld>
+</file>
+
+<file path=ppt/slides/slide18.xml><?xml version="1.0" encoding="utf-8"?>
+<p:sld xmlns:a="http://schemas.openxmlformats.org/drawingml/2006/main" xmlns:r="http://schemas.openxmlformats.org/officeDocument/2006/relationships" xmlns:p="http://schemas.openxmlformats.org/presentationml/2006/main">
+  <p:cSld>
+    <p:spTree>
+      <p:nvGrpSpPr>
+        <p:cNvPr id="1" name=""/>
+        <p:cNvGrpSpPr/>
+        <p:nvPr/>
+      </p:nvGrpSpPr>
+      <p:grpSpPr>
+        <a:xfrm>
+          <a:off x="0" y="0"/>
+          <a:ext cx="0" cy="0"/>
+          <a:chOff x="0" y="0"/>
+          <a:chExt cx="0" cy="0"/>
+        </a:xfrm>
+      </p:grpSpPr>
+      <p:sp>
+        <p:nvSpPr>
+          <p:cNvPr id="4" name="Titolo 3"/>
+          <p:cNvSpPr>
+            <a:spLocks noGrp="1"/>
+          </p:cNvSpPr>
+          <p:nvPr>
+            <p:ph type="title"/>
+          </p:nvPr>
+        </p:nvSpPr>
+        <p:spPr>
+          <a:xfrm>
+            <a:off x="528038" y="313371"/>
+            <a:ext cx="8911687" cy="739818"/>
+          </a:xfrm>
+        </p:spPr>
+        <p:txBody>
+          <a:bodyPr/>
+          <a:lstStyle/>
+          <a:p>
+            <a:r>
+              <a:rPr lang="it-IT" dirty="0"/>
+              <a:t>Valutazione cluster</a:t>
+            </a:r>
+          </a:p>
+        </p:txBody>
+      </p:sp>
+      <p:pic>
+        <p:nvPicPr>
+          <p:cNvPr id="3" name="Immagine 2">
+            <a:extLst>
+              <a:ext uri="{FF2B5EF4-FFF2-40B4-BE49-F238E27FC236}">
+                <a16:creationId xmlns:a16="http://schemas.microsoft.com/office/drawing/2014/main" id="{873F7BD2-1941-40A7-BAA1-CF8CCF29BC20}"/>
+              </a:ext>
+            </a:extLst>
+          </p:cNvPr>
+          <p:cNvPicPr>
+            <a:picLocks noChangeAspect="1"/>
+          </p:cNvPicPr>
+          <p:nvPr/>
+        </p:nvPicPr>
+        <p:blipFill>
+          <a:blip r:embed="rId2"/>
+          <a:stretch>
+            <a:fillRect/>
+          </a:stretch>
+        </p:blipFill>
+        <p:spPr>
+          <a:xfrm>
+            <a:off x="2306173" y="4790824"/>
+            <a:ext cx="7579653" cy="1224170"/>
+          </a:xfrm>
+          <a:prstGeom prst="rect">
+            <a:avLst/>
+          </a:prstGeom>
+        </p:spPr>
+      </p:pic>
+      <p:sp>
+        <p:nvSpPr>
+          <p:cNvPr id="5" name="CasellaDiTesto 4">
+            <a:extLst>
+              <a:ext uri="{FF2B5EF4-FFF2-40B4-BE49-F238E27FC236}">
+                <a16:creationId xmlns:a16="http://schemas.microsoft.com/office/drawing/2014/main" id="{71DD9C72-A6C6-4BA8-B0B1-1EA5E77ABE67}"/>
+              </a:ext>
+            </a:extLst>
+          </p:cNvPr>
+          <p:cNvSpPr txBox="1"/>
+          <p:nvPr/>
+        </p:nvSpPr>
+        <p:spPr>
+          <a:xfrm>
+            <a:off x="528038" y="1455091"/>
+            <a:ext cx="10656798" cy="646331"/>
+          </a:xfrm>
+          <a:prstGeom prst="rect">
+            <a:avLst/>
+          </a:prstGeom>
+          <a:noFill/>
+        </p:spPr>
+        <p:txBody>
+          <a:bodyPr wrap="square" rtlCol="0">
+            <a:spAutoFit/>
+          </a:bodyPr>
+          <a:lstStyle/>
+          <a:p>
+            <a:pPr marL="285750" indent="-285750">
+              <a:buFont typeface="Arial" panose="020B0604020202020204" pitchFamily="34" charset="0"/>
+              <a:buChar char="•"/>
+            </a:pPr>
+            <a:r>
+              <a:rPr lang="it-IT" dirty="0"/>
+              <a:t>Il Silhouette </a:t>
+            </a:r>
+            <a:r>
+              <a:rPr lang="it-IT" dirty="0" err="1"/>
+              <a:t>coefficient</a:t>
+            </a:r>
+            <a:r>
+              <a:rPr lang="it-IT" dirty="0"/>
+              <a:t> è una misura di quanto un oggetto sia simile al proprio cluster (coesione) comparato rispetto agli altri cluster (separazione). Il suo valore è compreso fra -1 e +1. </a:t>
+            </a:r>
+          </a:p>
+        </p:txBody>
+      </p:sp>
+      <p:pic>
+        <p:nvPicPr>
+          <p:cNvPr id="7" name="Immagine 6">
+            <a:extLst>
+              <a:ext uri="{FF2B5EF4-FFF2-40B4-BE49-F238E27FC236}">
+                <a16:creationId xmlns:a16="http://schemas.microsoft.com/office/drawing/2014/main" id="{5522956A-3037-4D16-A254-F95E38899B6F}"/>
+              </a:ext>
+            </a:extLst>
+          </p:cNvPr>
+          <p:cNvPicPr>
+            <a:picLocks noChangeAspect="1"/>
+          </p:cNvPicPr>
+          <p:nvPr/>
+        </p:nvPicPr>
+        <p:blipFill>
+          <a:blip r:embed="rId3"/>
+          <a:stretch>
+            <a:fillRect/>
+          </a:stretch>
+        </p:blipFill>
+        <p:spPr>
+          <a:xfrm>
+            <a:off x="5067744" y="2415987"/>
+            <a:ext cx="2056508" cy="646331"/>
+          </a:xfrm>
+          <a:prstGeom prst="rect">
+            <a:avLst/>
+          </a:prstGeom>
+        </p:spPr>
+      </p:pic>
+      <p:sp>
+        <p:nvSpPr>
+          <p:cNvPr id="8" name="CasellaDiTesto 7">
+            <a:extLst>
+              <a:ext uri="{FF2B5EF4-FFF2-40B4-BE49-F238E27FC236}">
+                <a16:creationId xmlns:a16="http://schemas.microsoft.com/office/drawing/2014/main" id="{4C9DE3B0-21ED-4138-8830-0423A0654D6C}"/>
+              </a:ext>
+            </a:extLst>
+          </p:cNvPr>
+          <p:cNvSpPr txBox="1"/>
+          <p:nvPr/>
+        </p:nvSpPr>
+        <p:spPr>
+          <a:xfrm>
+            <a:off x="528038" y="3623721"/>
+            <a:ext cx="8772939" cy="369332"/>
+          </a:xfrm>
+          <a:prstGeom prst="rect">
+            <a:avLst/>
+          </a:prstGeom>
+          <a:noFill/>
+        </p:spPr>
+        <p:txBody>
+          <a:bodyPr wrap="square" rtlCol="0">
+            <a:spAutoFit/>
+          </a:bodyPr>
+          <a:lstStyle/>
+          <a:p>
+            <a:pPr marL="285750" indent="-285750">
+              <a:buFont typeface="Arial" panose="020B0604020202020204" pitchFamily="34" charset="0"/>
+              <a:buChar char="•"/>
+            </a:pPr>
+            <a:r>
+              <a:rPr lang="it-IT" dirty="0"/>
+              <a:t>L’indice di </a:t>
+            </a:r>
+            <a:r>
+              <a:rPr lang="it-IT" dirty="0" err="1"/>
+              <a:t>Calinski-Harabasz</a:t>
+            </a:r>
+            <a:r>
+              <a:rPr lang="it-IT" dirty="0"/>
+              <a:t> </a:t>
+            </a:r>
+          </a:p>
+        </p:txBody>
+      </p:sp>
+      <p:pic>
+        <p:nvPicPr>
+          <p:cNvPr id="11" name="Immagine 10">
+            <a:extLst>
+              <a:ext uri="{FF2B5EF4-FFF2-40B4-BE49-F238E27FC236}">
+                <a16:creationId xmlns:a16="http://schemas.microsoft.com/office/drawing/2014/main" id="{3414C069-4FB5-45B7-AB08-53D849C5574A}"/>
+              </a:ext>
+            </a:extLst>
+          </p:cNvPr>
+          <p:cNvPicPr>
+            <a:picLocks noChangeAspect="1"/>
+          </p:cNvPicPr>
+          <p:nvPr/>
+        </p:nvPicPr>
+        <p:blipFill>
+          <a:blip r:embed="rId4"/>
+          <a:stretch>
+            <a:fillRect/>
+          </a:stretch>
+        </p:blipFill>
+        <p:spPr>
+          <a:xfrm>
+            <a:off x="5129211" y="3536924"/>
+            <a:ext cx="1933575" cy="542925"/>
+          </a:xfrm>
+          <a:prstGeom prst="rect">
+            <a:avLst/>
+          </a:prstGeom>
+        </p:spPr>
+      </p:pic>
+    </p:spTree>
+    <p:extLst>
+      <p:ext uri="{BB962C8B-B14F-4D97-AF65-F5344CB8AC3E}">
+        <p14:creationId xmlns:p14="http://schemas.microsoft.com/office/powerpoint/2010/main" val="682774244"/>
+      </p:ext>
+    </p:extLst>
+  </p:cSld>
+  <p:clrMapOvr>
+    <a:masterClrMapping/>
+  </p:clrMapOvr>
+</p:sld>
+</file>
+
+<file path=ppt/slides/slide19.xml><?xml version="1.0" encoding="utf-8"?>
+<p:sld xmlns:a="http://schemas.openxmlformats.org/drawingml/2006/main" xmlns:r="http://schemas.openxmlformats.org/officeDocument/2006/relationships" xmlns:p="http://schemas.openxmlformats.org/presentationml/2006/main">
+  <p:cSld>
+    <p:spTree>
+      <p:nvGrpSpPr>
+        <p:cNvPr id="1" name=""/>
+        <p:cNvGrpSpPr/>
+        <p:nvPr/>
+      </p:nvGrpSpPr>
+      <p:grpSpPr>
+        <a:xfrm>
+          <a:off x="0" y="0"/>
+          <a:ext cx="0" cy="0"/>
+          <a:chOff x="0" y="0"/>
+          <a:chExt cx="0" cy="0"/>
+        </a:xfrm>
+      </p:grpSpPr>
+      <p:sp>
+        <p:nvSpPr>
+          <p:cNvPr id="4" name="Titolo 3"/>
+          <p:cNvSpPr>
+            <a:spLocks noGrp="1"/>
+          </p:cNvSpPr>
+          <p:nvPr>
+            <p:ph type="title"/>
+          </p:nvPr>
+        </p:nvSpPr>
+        <p:spPr>
+          <a:xfrm>
+            <a:off x="595424" y="223283"/>
+            <a:ext cx="10108034" cy="718553"/>
+          </a:xfrm>
+        </p:spPr>
+        <p:txBody>
+          <a:bodyPr/>
+          <a:lstStyle/>
+          <a:p>
+            <a:r>
+              <a:rPr lang="it-IT" dirty="0"/>
+              <a:t>Conclusioni e possibili sviluppi</a:t>
+            </a:r>
+          </a:p>
+        </p:txBody>
+      </p:sp>
+      <p:sp>
+        <p:nvSpPr>
+          <p:cNvPr id="7" name="Segnaposto contenuto 6"/>
+          <p:cNvSpPr>
+            <a:spLocks noGrp="1"/>
+          </p:cNvSpPr>
+          <p:nvPr>
+            <p:ph idx="1"/>
+          </p:nvPr>
+        </p:nvSpPr>
+        <p:spPr>
+          <a:xfrm>
+            <a:off x="969819" y="1037529"/>
+            <a:ext cx="10098674" cy="5820471"/>
+          </a:xfrm>
+        </p:spPr>
+        <p:txBody>
+          <a:bodyPr>
+            <a:normAutofit fontScale="92500" lnSpcReduction="10000"/>
+          </a:bodyPr>
+          <a:lstStyle/>
+          <a:p>
+            <a:r>
+              <a:rPr lang="it-IT" dirty="0"/>
+              <a:t>É stato dimostrato che gli algoritmi di </a:t>
+            </a:r>
+            <a:r>
+              <a:rPr lang="it-IT" i="1" dirty="0" err="1"/>
+              <a:t>clustering</a:t>
+            </a:r>
+            <a:r>
+              <a:rPr lang="it-IT" i="1" dirty="0"/>
+              <a:t> </a:t>
+            </a:r>
+            <a:r>
+              <a:rPr lang="it-IT" dirty="0"/>
+              <a:t>possono essere utilizzati per costruire portafogli diversificati che evidenziano una buona </a:t>
+            </a:r>
+            <a:r>
+              <a:rPr lang="it-IT" i="1" dirty="0"/>
+              <a:t>performance</a:t>
+            </a:r>
+            <a:r>
+              <a:rPr lang="it-IT" dirty="0"/>
+              <a:t> </a:t>
+            </a:r>
+            <a:r>
+              <a:rPr lang="it-IT" i="1" dirty="0"/>
+              <a:t>out of sample</a:t>
+            </a:r>
+            <a:r>
+              <a:rPr lang="it-IT" dirty="0"/>
+              <a:t>. </a:t>
+            </a:r>
+          </a:p>
+          <a:p>
+            <a:r>
+              <a:rPr lang="it-IT" dirty="0"/>
+              <a:t>Nell’ultimo anno, il portafoglio </a:t>
+            </a:r>
+            <a:r>
+              <a:rPr lang="it-IT" i="1" dirty="0" err="1"/>
+              <a:t>Bounded</a:t>
+            </a:r>
+            <a:r>
+              <a:rPr lang="it-IT" i="1" dirty="0"/>
+              <a:t> K-</a:t>
+            </a:r>
+            <a:r>
+              <a:rPr lang="it-IT" i="1" dirty="0" err="1"/>
+              <a:t>Means</a:t>
+            </a:r>
+            <a:r>
+              <a:rPr lang="it-IT" dirty="0"/>
+              <a:t> avrebbe garantito l’</a:t>
+            </a:r>
+            <a:r>
+              <a:rPr lang="it-IT" dirty="0" err="1"/>
+              <a:t>extrarendimento</a:t>
+            </a:r>
+            <a:r>
+              <a:rPr lang="it-IT" dirty="0"/>
+              <a:t> maggiore, mentre il portafoglio di tangenza avrebbe dato luogo allo </a:t>
+            </a:r>
+            <a:r>
+              <a:rPr lang="it-IT" i="1" dirty="0" err="1"/>
+              <a:t>Sharpe</a:t>
+            </a:r>
+            <a:r>
+              <a:rPr lang="it-IT" i="1" dirty="0"/>
+              <a:t> Ratio</a:t>
+            </a:r>
+            <a:r>
+              <a:rPr lang="it-IT" dirty="0"/>
+              <a:t> più elevato. </a:t>
+            </a:r>
+          </a:p>
+          <a:p>
+            <a:pPr marL="0" indent="0">
+              <a:buNone/>
+            </a:pPr>
+            <a:r>
+              <a:rPr lang="it-IT" b="1" dirty="0"/>
+              <a:t>Possibili estensioni del progetto: </a:t>
+            </a:r>
+          </a:p>
+          <a:p>
+            <a:r>
+              <a:rPr lang="it-IT" dirty="0"/>
+              <a:t> Inclusione di titoli di Stato, obbligazioni </a:t>
+            </a:r>
+            <a:r>
+              <a:rPr lang="it-IT" i="1" dirty="0"/>
+              <a:t>corporate </a:t>
+            </a:r>
+            <a:r>
+              <a:rPr lang="it-IT" dirty="0"/>
+              <a:t>o indici di mercato;</a:t>
+            </a:r>
+            <a:endParaRPr lang="it-IT" i="1" dirty="0"/>
+          </a:p>
+          <a:p>
+            <a:r>
+              <a:rPr lang="it-IT" dirty="0"/>
+              <a:t>Utilizzo di una strategia di ottimizzazione che consenta di aprire posizioni </a:t>
+            </a:r>
+            <a:r>
+              <a:rPr lang="it-IT" i="1" dirty="0"/>
+              <a:t>short;</a:t>
+            </a:r>
+          </a:p>
+          <a:p>
+            <a:r>
+              <a:rPr lang="it-IT" dirty="0"/>
+              <a:t>Utilizzo di una strategia di ottimizzazione in media-varianza o di allocazione del rischio (</a:t>
+            </a:r>
+            <a:r>
+              <a:rPr lang="it-IT" i="1" dirty="0" err="1"/>
+              <a:t>risk</a:t>
+            </a:r>
+            <a:r>
+              <a:rPr lang="it-IT" i="1" dirty="0"/>
+              <a:t> </a:t>
+            </a:r>
+            <a:r>
+              <a:rPr lang="it-IT" i="1" dirty="0" err="1"/>
+              <a:t>parity</a:t>
+            </a:r>
+            <a:r>
+              <a:rPr lang="it-IT" i="1" dirty="0"/>
+              <a:t>, inverse </a:t>
+            </a:r>
+            <a:r>
+              <a:rPr lang="it-IT" i="1" dirty="0" err="1"/>
+              <a:t>variance</a:t>
+            </a:r>
+            <a:r>
+              <a:rPr lang="it-IT" dirty="0"/>
+              <a:t>) all’interno dei </a:t>
+            </a:r>
+            <a:r>
+              <a:rPr lang="it-IT" i="1" dirty="0"/>
+              <a:t>cluster;</a:t>
+            </a:r>
+          </a:p>
+          <a:p>
+            <a:r>
+              <a:rPr lang="it-IT" dirty="0"/>
+              <a:t>Utilizzo di altri algoritmi di</a:t>
+            </a:r>
+            <a:r>
+              <a:rPr lang="it-IT" i="1" dirty="0"/>
+              <a:t> </a:t>
+            </a:r>
+            <a:r>
+              <a:rPr lang="it-IT" i="1" dirty="0" err="1"/>
+              <a:t>clustering</a:t>
+            </a:r>
+            <a:r>
+              <a:rPr lang="it-IT" i="1" dirty="0"/>
+              <a:t>;</a:t>
+            </a:r>
+          </a:p>
+          <a:p>
+            <a:r>
+              <a:rPr lang="it-IT" i="1" dirty="0" err="1"/>
+              <a:t>Backtest</a:t>
+            </a:r>
+            <a:r>
+              <a:rPr lang="it-IT" i="1" dirty="0"/>
+              <a:t> </a:t>
+            </a:r>
+            <a:r>
+              <a:rPr lang="it-IT" dirty="0"/>
+              <a:t>dei portafogli su fasi rialziste del mercato e/o su fasi ribassiste precedenti (crisi finanziaria, crisi del debito sovrano);</a:t>
+            </a:r>
+          </a:p>
+          <a:p>
+            <a:r>
+              <a:rPr lang="it-IT" dirty="0"/>
+              <a:t>Verifica di come la scelta del numero ottimale di </a:t>
+            </a:r>
+            <a:r>
+              <a:rPr lang="it-IT" i="1" dirty="0"/>
+              <a:t>cluster</a:t>
+            </a:r>
+            <a:r>
+              <a:rPr lang="it-IT" dirty="0"/>
+              <a:t> influenzi la </a:t>
+            </a:r>
+            <a:r>
+              <a:rPr lang="it-IT" i="1" dirty="0"/>
+              <a:t>performance</a:t>
+            </a:r>
+            <a:r>
+              <a:rPr lang="it-IT" dirty="0"/>
+              <a:t> dei portafogli. </a:t>
+            </a:r>
+            <a:endParaRPr lang="it-IT" i="1" dirty="0"/>
+          </a:p>
+        </p:txBody>
+      </p:sp>
+    </p:spTree>
+    <p:extLst>
+      <p:ext uri="{BB962C8B-B14F-4D97-AF65-F5344CB8AC3E}">
+        <p14:creationId xmlns:p14="http://schemas.microsoft.com/office/powerpoint/2010/main" val="3333119257"/>
+      </p:ext>
+    </p:extLst>
+  </p:cSld>
+  <p:clrMapOvr>
+    <a:masterClrMapping/>
+  </p:clrMapOvr>
 </p:sld>
 </file>
 
@@ -6371,10 +6696,9 @@
           </a:lstStyle>
           <a:p>
             <a:r>
-              <a:rPr lang="it-IT" dirty="0" smtClean="0"/>
+              <a:rPr lang="it-IT" dirty="0"/>
               <a:t>INDICE</a:t>
             </a:r>
-            <a:endParaRPr lang="it-IT" dirty="0"/>
           </a:p>
         </p:txBody>
       </p:sp>
@@ -6578,36 +6902,31 @@
           <a:p>
             <a:r>
               <a:rPr lang="it-IT" sz="2400" spc="30" dirty="0"/>
-              <a:t>Sviluppo del </a:t>
-            </a:r>
-            <a:r>
-              <a:rPr lang="it-IT" sz="2400" spc="30" dirty="0" smtClean="0"/>
-              <a:t>lavoro</a:t>
-            </a:r>
-          </a:p>
-          <a:p>
-            <a:r>
-              <a:rPr lang="it-IT" sz="2400" spc="30" dirty="0" smtClean="0"/>
+              <a:t>Sviluppo del lavoro</a:t>
+            </a:r>
+          </a:p>
+          <a:p>
+            <a:r>
+              <a:rPr lang="it-IT" sz="2400" spc="30" dirty="0"/>
               <a:t>Allocazione di portafoglio</a:t>
             </a:r>
           </a:p>
           <a:p>
             <a:r>
-              <a:rPr lang="it-IT" sz="2400" spc="30" dirty="0" smtClean="0"/>
+              <a:rPr lang="it-IT" sz="2400" spc="30" dirty="0"/>
               <a:t>Portafoglio di tangenza</a:t>
             </a:r>
+          </a:p>
+          <a:p>
+            <a:r>
+              <a:rPr lang="it-IT" sz="2400" spc="30" dirty="0"/>
+              <a:t>K-</a:t>
+            </a:r>
+            <a:r>
+              <a:rPr lang="it-IT" sz="2400" spc="30" dirty="0" err="1"/>
+              <a:t>Means</a:t>
+            </a:r>
             <a:endParaRPr lang="it-IT" sz="2400" spc="30" dirty="0"/>
-          </a:p>
-          <a:p>
-            <a:r>
-              <a:rPr lang="it-IT" sz="2400" spc="30" dirty="0" smtClean="0"/>
-              <a:t>K-</a:t>
-            </a:r>
-            <a:r>
-              <a:rPr lang="it-IT" sz="2400" spc="30" dirty="0" err="1" smtClean="0"/>
-              <a:t>Means</a:t>
-            </a:r>
-            <a:endParaRPr lang="it-IT" sz="2400" spc="30" dirty="0" smtClean="0"/>
           </a:p>
           <a:p>
             <a:r>
@@ -6627,7 +6946,7 @@
               <a:t> </a:t>
             </a:r>
             <a:r>
-              <a:rPr lang="it-IT" sz="2400" spc="30" dirty="0" err="1" smtClean="0"/>
+              <a:rPr lang="it-IT" sz="2400" spc="30" dirty="0" err="1"/>
               <a:t>Parity</a:t>
             </a:r>
             <a:endParaRPr lang="it-IT" sz="2400" spc="30" dirty="0"/>
@@ -6649,10 +6968,9 @@
           </a:p>
           <a:p>
             <a:r>
-              <a:rPr lang="it-IT" sz="2400" spc="30" dirty="0" smtClean="0"/>
+              <a:rPr lang="it-IT" sz="2400" spc="30" dirty="0"/>
               <a:t>Risultati </a:t>
             </a:r>
-            <a:endParaRPr lang="it-IT" sz="2400" spc="30" dirty="0"/>
           </a:p>
           <a:p>
             <a:r>
@@ -6675,13 +6993,255 @@
   <p:clrMapOvr>
     <a:masterClrMapping/>
   </p:clrMapOvr>
-  <p:timing>
-    <p:tnLst>
-      <p:par>
-        <p:cTn id="1" dur="indefinite" restart="never" nodeType="tmRoot"/>
-      </p:par>
-    </p:tnLst>
-  </p:timing>
+</p:sld>
+</file>
+
+<file path=ppt/slides/slide20.xml><?xml version="1.0" encoding="utf-8"?>
+<p:sld xmlns:a="http://schemas.openxmlformats.org/drawingml/2006/main" xmlns:r="http://schemas.openxmlformats.org/officeDocument/2006/relationships" xmlns:p="http://schemas.openxmlformats.org/presentationml/2006/main">
+  <p:cSld>
+    <p:spTree>
+      <p:nvGrpSpPr>
+        <p:cNvPr id="1" name=""/>
+        <p:cNvGrpSpPr/>
+        <p:nvPr/>
+      </p:nvGrpSpPr>
+      <p:grpSpPr>
+        <a:xfrm>
+          <a:off x="0" y="0"/>
+          <a:ext cx="0" cy="0"/>
+          <a:chOff x="0" y="0"/>
+          <a:chExt cx="0" cy="0"/>
+        </a:xfrm>
+      </p:grpSpPr>
+      <p:sp>
+        <p:nvSpPr>
+          <p:cNvPr id="4" name="Titolo 3"/>
+          <p:cNvSpPr>
+            <a:spLocks noGrp="1"/>
+          </p:cNvSpPr>
+          <p:nvPr>
+            <p:ph type="title"/>
+          </p:nvPr>
+        </p:nvSpPr>
+        <p:spPr>
+          <a:xfrm>
+            <a:off x="717881" y="350874"/>
+            <a:ext cx="8911687" cy="697288"/>
+          </a:xfrm>
+        </p:spPr>
+        <p:txBody>
+          <a:bodyPr/>
+          <a:lstStyle/>
+          <a:p>
+            <a:r>
+              <a:rPr lang="it-IT" dirty="0"/>
+              <a:t>Riferimenti bibliografici</a:t>
+            </a:r>
+          </a:p>
+        </p:txBody>
+      </p:sp>
+      <p:sp>
+        <p:nvSpPr>
+          <p:cNvPr id="7" name="Segnaposto contenuto 6"/>
+          <p:cNvSpPr>
+            <a:spLocks noGrp="1"/>
+          </p:cNvSpPr>
+          <p:nvPr>
+            <p:ph idx="1"/>
+          </p:nvPr>
+        </p:nvSpPr>
+        <p:spPr>
+          <a:xfrm>
+            <a:off x="834838" y="1242182"/>
+            <a:ext cx="10169860" cy="4581239"/>
+          </a:xfrm>
+        </p:spPr>
+        <p:txBody>
+          <a:bodyPr>
+            <a:normAutofit/>
+          </a:bodyPr>
+          <a:lstStyle/>
+          <a:p>
+            <a:r>
+              <a:rPr lang="it-IT" dirty="0"/>
+              <a:t>De Prado, M. L. (2016). </a:t>
+            </a:r>
+            <a:r>
+              <a:rPr lang="it-IT" i="1" dirty="0"/>
+              <a:t>Building </a:t>
+            </a:r>
+            <a:r>
+              <a:rPr lang="it-IT" i="1" dirty="0" err="1"/>
+              <a:t>diversified</a:t>
+            </a:r>
+            <a:r>
+              <a:rPr lang="it-IT" i="1" dirty="0"/>
+              <a:t> </a:t>
+            </a:r>
+            <a:r>
+              <a:rPr lang="it-IT" i="1" dirty="0" err="1"/>
+              <a:t>portfolios</a:t>
+            </a:r>
+            <a:r>
+              <a:rPr lang="it-IT" i="1" dirty="0"/>
+              <a:t> </a:t>
+            </a:r>
+            <a:r>
+              <a:rPr lang="it-IT" i="1" dirty="0" err="1"/>
+              <a:t>that</a:t>
+            </a:r>
+            <a:r>
+              <a:rPr lang="it-IT" i="1" dirty="0"/>
+              <a:t> </a:t>
+            </a:r>
+            <a:r>
+              <a:rPr lang="it-IT" i="1" dirty="0" err="1"/>
+              <a:t>outperform</a:t>
+            </a:r>
+            <a:r>
+              <a:rPr lang="it-IT" i="1" dirty="0"/>
+              <a:t> out of sample</a:t>
+            </a:r>
+            <a:r>
+              <a:rPr lang="it-IT" dirty="0"/>
+              <a:t>. The Journal of Portfolio Management, 42(4), 59-69.</a:t>
+            </a:r>
+          </a:p>
+          <a:p>
+            <a:r>
+              <a:rPr lang="en-US" dirty="0" err="1"/>
+              <a:t>Ganganath</a:t>
+            </a:r>
+            <a:r>
+              <a:rPr lang="en-US" dirty="0"/>
+              <a:t>, N., Cheng, C. T., &amp; Chi, K. T. (2014). </a:t>
+            </a:r>
+            <a:r>
+              <a:rPr lang="en-US" i="1" dirty="0"/>
+              <a:t>Data clustering with cluster size constraints using a modified k-means algorithm</a:t>
+            </a:r>
+            <a:r>
+              <a:rPr lang="en-US" dirty="0"/>
+              <a:t>. In </a:t>
+            </a:r>
+            <a:r>
+              <a:rPr lang="en-US" i="1" dirty="0"/>
+              <a:t>2014 International Conference on Cyber-Enabled Distributed Computing and Knowledge Discovery</a:t>
+            </a:r>
+            <a:r>
+              <a:rPr lang="en-US" dirty="0"/>
+              <a:t> (pp. 158-161). IEEE.</a:t>
+            </a:r>
+            <a:endParaRPr lang="it-IT" dirty="0"/>
+          </a:p>
+          <a:p>
+            <a:r>
+              <a:rPr lang="it-IT" dirty="0" err="1"/>
+              <a:t>Markowitz</a:t>
+            </a:r>
+            <a:r>
+              <a:rPr lang="it-IT" dirty="0"/>
+              <a:t> H. (1959). </a:t>
+            </a:r>
+            <a:r>
+              <a:rPr lang="it-IT" i="1" dirty="0"/>
+              <a:t>Portfolio </a:t>
+            </a:r>
+            <a:r>
+              <a:rPr lang="it-IT" i="1" dirty="0" err="1"/>
+              <a:t>Selection</a:t>
+            </a:r>
+            <a:r>
+              <a:rPr lang="it-IT" i="1" dirty="0"/>
+              <a:t>: </a:t>
+            </a:r>
+            <a:r>
+              <a:rPr lang="it-IT" i="1" dirty="0" err="1"/>
+              <a:t>Efficient</a:t>
+            </a:r>
+            <a:r>
+              <a:rPr lang="it-IT" i="1" dirty="0"/>
+              <a:t> </a:t>
+            </a:r>
+            <a:r>
+              <a:rPr lang="it-IT" i="1" dirty="0" err="1"/>
+              <a:t>Diversification</a:t>
+            </a:r>
+            <a:r>
+              <a:rPr lang="it-IT" i="1" dirty="0"/>
+              <a:t> of </a:t>
+            </a:r>
+            <a:r>
+              <a:rPr lang="it-IT" i="1" dirty="0" err="1"/>
+              <a:t>Investment</a:t>
+            </a:r>
+            <a:r>
+              <a:rPr lang="it-IT" dirty="0"/>
+              <a:t>. (J. </a:t>
+            </a:r>
+            <a:r>
+              <a:rPr lang="it-IT" dirty="0" err="1"/>
+              <a:t>Wiley</a:t>
+            </a:r>
+            <a:r>
+              <a:rPr lang="it-IT" dirty="0"/>
+              <a:t>, New York).</a:t>
+            </a:r>
+          </a:p>
+          <a:p>
+            <a:r>
+              <a:rPr lang="it-IT" dirty="0"/>
+              <a:t>Tola, V., Lillo, F., </a:t>
+            </a:r>
+            <a:r>
+              <a:rPr lang="it-IT" dirty="0" err="1"/>
+              <a:t>Gallegati</a:t>
+            </a:r>
+            <a:r>
+              <a:rPr lang="it-IT" dirty="0"/>
+              <a:t>, M., &amp; Mantegna, R. N. (2008). </a:t>
+            </a:r>
+            <a:r>
+              <a:rPr lang="it-IT" i="1" dirty="0"/>
+              <a:t>Cluster </a:t>
+            </a:r>
+            <a:r>
+              <a:rPr lang="it-IT" i="1" dirty="0" err="1"/>
+              <a:t>analysis</a:t>
+            </a:r>
+            <a:r>
+              <a:rPr lang="it-IT" i="1" dirty="0"/>
+              <a:t> for portfolio </a:t>
+            </a:r>
+            <a:r>
+              <a:rPr lang="it-IT" i="1" dirty="0" err="1"/>
+              <a:t>optimization</a:t>
+            </a:r>
+            <a:r>
+              <a:rPr lang="it-IT" dirty="0"/>
+              <a:t>. Journal of </a:t>
+            </a:r>
+            <a:r>
+              <a:rPr lang="it-IT" dirty="0" err="1"/>
+              <a:t>Economic</a:t>
+            </a:r>
+            <a:r>
+              <a:rPr lang="it-IT" dirty="0"/>
+              <a:t> Dynamics and Control, 32(1), 235-258.</a:t>
+            </a:r>
+          </a:p>
+        </p:txBody>
+      </p:sp>
+    </p:spTree>
+    <p:extLst>
+      <p:ext uri="{BB962C8B-B14F-4D97-AF65-F5344CB8AC3E}">
+        <p14:creationId xmlns:p14="http://schemas.microsoft.com/office/powerpoint/2010/main" val="1873841894"/>
+      </p:ext>
+    </p:extLst>
+  </p:cSld>
+  <p:clrMapOvr>
+    <a:masterClrMapping/>
+  </p:clrMapOvr>
 </p:sld>
 </file>
 
@@ -6718,10 +7278,9 @@
           <a:lstStyle/>
           <a:p>
             <a:r>
-              <a:rPr lang="it-IT" dirty="0" smtClean="0"/>
+              <a:rPr lang="it-IT" dirty="0"/>
               <a:t>Premessa e obbiettivi</a:t>
             </a:r>
-            <a:endParaRPr lang="it-IT" dirty="0"/>
           </a:p>
         </p:txBody>
       </p:sp>
@@ -6743,98 +7302,98 @@
           <a:lstStyle/>
           <a:p>
             <a:r>
-              <a:rPr lang="it-IT" dirty="0" smtClean="0"/>
+              <a:rPr lang="it-IT" dirty="0"/>
               <a:t>Scopo del progetto è quello di valutare la </a:t>
             </a:r>
             <a:r>
-              <a:rPr lang="it-IT" i="1" dirty="0" smtClean="0"/>
+              <a:rPr lang="it-IT" i="1" dirty="0"/>
               <a:t>performance</a:t>
             </a:r>
             <a:r>
-              <a:rPr lang="it-IT" dirty="0" smtClean="0"/>
+              <a:rPr lang="it-IT" dirty="0"/>
               <a:t> di tre portafogli diversificati costruiti mediante algoritmi di </a:t>
             </a:r>
             <a:r>
-              <a:rPr lang="it-IT" i="1" dirty="0" err="1" smtClean="0"/>
+              <a:rPr lang="it-IT" i="1" dirty="0" err="1"/>
               <a:t>clustering</a:t>
             </a:r>
             <a:r>
-              <a:rPr lang="it-IT" dirty="0" smtClean="0"/>
+              <a:rPr lang="it-IT" dirty="0"/>
               <a:t> partizionale e gerarchico</a:t>
             </a:r>
             <a:r>
-              <a:rPr lang="it-IT" i="1" dirty="0" smtClean="0"/>
+              <a:rPr lang="it-IT" i="1" dirty="0"/>
               <a:t>. </a:t>
             </a:r>
           </a:p>
           <a:p>
             <a:r>
-              <a:rPr lang="it-IT" dirty="0" smtClean="0"/>
+              <a:rPr lang="it-IT" dirty="0"/>
               <a:t>In un’ottica di allocazione di portafoglio, la </a:t>
             </a:r>
             <a:r>
-              <a:rPr lang="it-IT" i="1" dirty="0" err="1" smtClean="0"/>
+              <a:rPr lang="it-IT" i="1" dirty="0" err="1"/>
               <a:t>clustering</a:t>
-            </a:r>
-            <a:r>
-              <a:rPr lang="it-IT" i="1" dirty="0" smtClean="0"/>
-              <a:t> </a:t>
-            </a:r>
-            <a:r>
-              <a:rPr lang="it-IT" i="1" dirty="0" err="1" smtClean="0"/>
-              <a:t>analysis</a:t>
-            </a:r>
-            <a:r>
-              <a:rPr lang="it-IT" dirty="0" smtClean="0"/>
-              <a:t> può essere utilizzata per selezionare, attraverso un processo di apprendimento non-supervisionato, gruppi di </a:t>
-            </a:r>
-            <a:r>
-              <a:rPr lang="it-IT" i="1" dirty="0" err="1" smtClean="0"/>
-              <a:t>asset</a:t>
-            </a:r>
-            <a:r>
-              <a:rPr lang="it-IT" dirty="0" smtClean="0"/>
-              <a:t> omogenei sulla base della correlazione fra rendimenti.  </a:t>
-            </a:r>
-          </a:p>
-          <a:p>
-            <a:r>
-              <a:rPr lang="it-IT" dirty="0" smtClean="0"/>
-              <a:t>Il capitale viene allocato fra i </a:t>
-            </a:r>
-            <a:r>
-              <a:rPr lang="it-IT" i="1" dirty="0" smtClean="0"/>
-              <a:t>cluster </a:t>
-            </a:r>
-            <a:r>
-              <a:rPr lang="it-IT" dirty="0" smtClean="0"/>
-              <a:t>di </a:t>
-            </a:r>
-            <a:r>
-              <a:rPr lang="it-IT" i="1" dirty="0" err="1" smtClean="0"/>
-              <a:t>asset</a:t>
             </a:r>
             <a:r>
               <a:rPr lang="it-IT" i="1" dirty="0"/>
               <a:t> </a:t>
             </a:r>
             <a:r>
-              <a:rPr lang="it-IT" dirty="0" smtClean="0"/>
+              <a:rPr lang="it-IT" i="1" dirty="0" err="1"/>
+              <a:t>analysis</a:t>
+            </a:r>
+            <a:r>
+              <a:rPr lang="it-IT" dirty="0"/>
+              <a:t> può essere utilizzata per selezionare, attraverso un processo di apprendimento non-supervisionato, gruppi di </a:t>
+            </a:r>
+            <a:r>
+              <a:rPr lang="it-IT" i="1" dirty="0" err="1"/>
+              <a:t>asset</a:t>
+            </a:r>
+            <a:r>
+              <a:rPr lang="it-IT" dirty="0"/>
+              <a:t> omogenei sulla base della correlazione fra rendimenti.  </a:t>
+            </a:r>
+          </a:p>
+          <a:p>
+            <a:r>
+              <a:rPr lang="it-IT" dirty="0"/>
+              <a:t>Il capitale viene allocato fra i </a:t>
+            </a:r>
+            <a:r>
+              <a:rPr lang="it-IT" i="1" dirty="0"/>
+              <a:t>cluster </a:t>
+            </a:r>
+            <a:r>
+              <a:rPr lang="it-IT" dirty="0"/>
+              <a:t>di </a:t>
+            </a:r>
+            <a:r>
+              <a:rPr lang="it-IT" i="1" dirty="0" err="1"/>
+              <a:t>asset</a:t>
+            </a:r>
+            <a:r>
+              <a:rPr lang="it-IT" i="1" dirty="0"/>
+              <a:t> </a:t>
+            </a:r>
+            <a:r>
+              <a:rPr lang="it-IT" dirty="0"/>
               <a:t>prodotti utilizzando una strategia di ottimizzazione in media-varianza e la </a:t>
             </a:r>
             <a:r>
-              <a:rPr lang="it-IT" i="1" dirty="0" smtClean="0"/>
+              <a:rPr lang="it-IT" i="1" dirty="0"/>
               <a:t>performance </a:t>
             </a:r>
             <a:r>
-              <a:rPr lang="it-IT" dirty="0" smtClean="0"/>
+              <a:rPr lang="it-IT" dirty="0"/>
               <a:t>del portafoglio così ottenuto viene valutata rispetto ad un portafoglio </a:t>
             </a:r>
             <a:r>
-              <a:rPr lang="it-IT" i="1" dirty="0" smtClean="0"/>
+              <a:rPr lang="it-IT" i="1" dirty="0"/>
               <a:t>benchmark.</a:t>
             </a:r>
-            <a:endParaRPr lang="it-IT" dirty="0" smtClean="0"/>
+            <a:endParaRPr lang="it-IT" dirty="0"/>
           </a:p>
           <a:p>
             <a:endParaRPr lang="it-IT" dirty="0"/>
@@ -6851,13 +7410,6 @@
   <p:clrMapOvr>
     <a:masterClrMapping/>
   </p:clrMapOvr>
-  <p:timing>
-    <p:tnLst>
-      <p:par>
-        <p:cTn id="1" dur="indefinite" restart="never" nodeType="tmRoot"/>
-      </p:par>
-    </p:tnLst>
-  </p:timing>
 </p:sld>
 </file>
 
@@ -6899,10 +7451,9 @@
           <a:lstStyle/>
           <a:p>
             <a:r>
-              <a:rPr lang="it-IT" dirty="0" smtClean="0"/>
+              <a:rPr lang="it-IT" dirty="0"/>
               <a:t>Sviluppo del lavoro</a:t>
             </a:r>
-            <a:endParaRPr lang="it-IT" dirty="0"/>
           </a:p>
         </p:txBody>
       </p:sp>
@@ -6931,58 +7482,38 @@
             <a:pPr marL="0" indent="0">
               <a:buNone/>
             </a:pPr>
-            <a:endParaRPr lang="it-IT" dirty="0" smtClean="0"/>
-          </a:p>
-          <a:p>
-            <a:r>
-              <a:rPr lang="it-IT" sz="1900" dirty="0" smtClean="0"/>
+            <a:endParaRPr lang="it-IT" dirty="0"/>
+          </a:p>
+          <a:p>
+            <a:r>
+              <a:rPr lang="it-IT" sz="1900" dirty="0"/>
               <a:t>Si selezionano casualmente circa 200 titoli azionari provenienti dall’indice </a:t>
             </a:r>
             <a:r>
-              <a:rPr lang="it-IT" sz="1900" dirty="0" err="1" smtClean="0"/>
+              <a:rPr lang="it-IT" sz="1900" dirty="0" err="1"/>
               <a:t>Nasdaq</a:t>
             </a:r>
             <a:r>
-              <a:rPr lang="it-IT" sz="1900" dirty="0" smtClean="0"/>
+              <a:rPr lang="it-IT" sz="1900" dirty="0"/>
               <a:t>.</a:t>
             </a:r>
           </a:p>
           <a:p>
             <a:r>
               <a:rPr lang="it-IT" sz="1900" dirty="0"/>
-              <a:t>Si </a:t>
-            </a:r>
-            <a:r>
-              <a:rPr lang="it-IT" sz="1900" dirty="0" smtClean="0"/>
-              <a:t>utilizzano </a:t>
+              <a:t>Si utilizzano diversi algoritmi di </a:t>
+            </a:r>
+            <a:r>
+              <a:rPr lang="it-IT" sz="1900" i="1" dirty="0" err="1"/>
+              <a:t>clustering</a:t>
+            </a:r>
+            <a:r>
+              <a:rPr lang="it-IT" sz="1900" i="1" dirty="0"/>
+              <a:t> </a:t>
             </a:r>
             <a:r>
               <a:rPr lang="it-IT" sz="1900" dirty="0"/>
-              <a:t>diversi algoritmi di </a:t>
-            </a:r>
-            <a:r>
-              <a:rPr lang="it-IT" sz="1900" i="1" dirty="0" err="1" smtClean="0"/>
-              <a:t>clustering</a:t>
-            </a:r>
-            <a:r>
-              <a:rPr lang="it-IT" sz="1900" i="1" dirty="0" smtClean="0"/>
-              <a:t> </a:t>
-            </a:r>
-            <a:r>
-              <a:rPr lang="it-IT" sz="1900" dirty="0" smtClean="0"/>
-              <a:t>partizionale e gerarchico </a:t>
-            </a:r>
-            <a:r>
-              <a:rPr lang="it-IT" sz="1900" dirty="0"/>
-              <a:t>per </a:t>
-            </a:r>
-            <a:r>
-              <a:rPr lang="it-IT" sz="1900" dirty="0" smtClean="0"/>
-              <a:t>suddividere i rendimenti </a:t>
-            </a:r>
-            <a:r>
-              <a:rPr lang="it-IT" sz="1900" dirty="0"/>
-              <a:t>in </a:t>
+              <a:t>partizionale e gerarchico per suddividere i rendimenti in </a:t>
             </a:r>
             <a:r>
               <a:rPr lang="it-IT" sz="1900" i="1" dirty="0"/>
@@ -6990,11 +7521,7 @@
             </a:r>
             <a:r>
               <a:rPr lang="it-IT" sz="1900" dirty="0"/>
-              <a:t>omogenei </a:t>
-            </a:r>
-            <a:r>
-              <a:rPr lang="it-IT" sz="1900" dirty="0" smtClean="0"/>
-              <a:t>sulla base della correlazione.</a:t>
+              <a:t>omogenei sulla base della correlazione.</a:t>
             </a:r>
           </a:p>
           <a:p>
@@ -7016,124 +7543,86 @@
             </a:r>
             <a:r>
               <a:rPr lang="it-IT" sz="1900" dirty="0"/>
-              <a:t> e </a:t>
-            </a:r>
-            <a:r>
-              <a:rPr lang="it-IT" sz="1900" dirty="0" smtClean="0"/>
-              <a:t>alla numerosità dei </a:t>
-            </a:r>
-            <a:r>
-              <a:rPr lang="it-IT" sz="1900" i="1" dirty="0" smtClean="0"/>
+              <a:t> e alla numerosità dei </a:t>
+            </a:r>
+            <a:r>
+              <a:rPr lang="it-IT" sz="1900" i="1" dirty="0"/>
               <a:t>cluster</a:t>
             </a:r>
             <a:r>
-              <a:rPr lang="it-IT" sz="1900" dirty="0" smtClean="0"/>
+              <a:rPr lang="it-IT" sz="1900" dirty="0"/>
               <a:t> prodotti.</a:t>
             </a:r>
-            <a:endParaRPr lang="it-IT" sz="1900" dirty="0"/>
-          </a:p>
-          <a:p>
-            <a:r>
-              <a:rPr lang="it-IT" sz="1900" dirty="0" smtClean="0"/>
+          </a:p>
+          <a:p>
+            <a:r>
+              <a:rPr lang="it-IT" sz="1900" dirty="0"/>
               <a:t>I </a:t>
             </a:r>
             <a:r>
-              <a:rPr lang="it-IT" sz="1900" i="1" dirty="0" smtClean="0"/>
+              <a:rPr lang="it-IT" sz="1900" i="1" dirty="0"/>
               <a:t>cluster</a:t>
             </a:r>
             <a:r>
-              <a:rPr lang="it-IT" sz="1900" dirty="0" smtClean="0"/>
+              <a:rPr lang="it-IT" sz="1900" dirty="0"/>
               <a:t> ottenuti vengono aggregati in portafogli </a:t>
             </a:r>
             <a:r>
-              <a:rPr lang="it-IT" sz="1900" dirty="0" err="1" smtClean="0"/>
+              <a:rPr lang="it-IT" sz="1900" dirty="0" err="1"/>
               <a:t>equiponderati</a:t>
             </a:r>
             <a:r>
-              <a:rPr lang="it-IT" sz="1900" dirty="0" smtClean="0"/>
+              <a:rPr lang="it-IT" sz="1900" dirty="0"/>
               <a:t>, su cui si applica una strategia di ottimizzazione in media-varianza al fine di ottenere i pesi ottimali dei singoli </a:t>
             </a:r>
             <a:r>
-              <a:rPr lang="it-IT" sz="1900" i="1" dirty="0" err="1" smtClean="0"/>
+              <a:rPr lang="it-IT" sz="1900" i="1" dirty="0" err="1"/>
               <a:t>asset</a:t>
             </a:r>
             <a:r>
-              <a:rPr lang="it-IT" sz="1900" i="1" dirty="0" smtClean="0"/>
+              <a:rPr lang="it-IT" sz="1900" i="1" dirty="0"/>
               <a:t>.</a:t>
             </a:r>
           </a:p>
           <a:p>
             <a:r>
-              <a:rPr lang="it-IT" sz="1900" dirty="0" smtClean="0"/>
+              <a:rPr lang="it-IT" sz="1900" dirty="0"/>
               <a:t>Nell’allocazione statica, i pesi ottimali di portafoglio vengono mantenuti costanti durante tutto il </a:t>
             </a:r>
             <a:r>
               <a:rPr lang="it-IT" sz="1900" i="1" dirty="0"/>
-              <a:t>test </a:t>
-            </a:r>
-            <a:r>
-              <a:rPr lang="it-IT" sz="1900" i="1" dirty="0" smtClean="0"/>
-              <a:t>set, </a:t>
-            </a:r>
-            <a:r>
-              <a:rPr lang="it-IT" sz="1900" dirty="0" smtClean="0"/>
+              <a:t>test set, </a:t>
+            </a:r>
+            <a:r>
+              <a:rPr lang="it-IT" sz="1900" dirty="0"/>
               <a:t>pari all’ultimo anno.</a:t>
             </a:r>
           </a:p>
           <a:p>
             <a:r>
-              <a:rPr lang="it-IT" sz="1900" dirty="0" smtClean="0"/>
+              <a:rPr lang="it-IT" sz="1900" dirty="0"/>
               <a:t>Nell’allocazione </a:t>
-            </a:r>
-            <a:r>
-              <a:rPr lang="it-IT" sz="1900" i="1" dirty="0" err="1" smtClean="0"/>
-              <a:t>rolling</a:t>
-            </a:r>
-            <a:r>
-              <a:rPr lang="it-IT" sz="1900" i="1" dirty="0" smtClean="0"/>
-              <a:t>, </a:t>
-            </a:r>
-            <a:r>
-              <a:rPr lang="it-IT" sz="1900" dirty="0"/>
-              <a:t>i</a:t>
-            </a:r>
-            <a:r>
-              <a:rPr lang="it-IT" sz="1900" dirty="0" smtClean="0"/>
-              <a:t> pesi di </a:t>
-            </a:r>
-            <a:r>
-              <a:rPr lang="it-IT" sz="1900" dirty="0"/>
-              <a:t>portafoglio sono </a:t>
-            </a:r>
-            <a:r>
-              <a:rPr lang="it-IT" sz="1900" dirty="0" smtClean="0"/>
-              <a:t>calcolati su </a:t>
-            </a:r>
-            <a:r>
-              <a:rPr lang="it-IT" sz="1900" dirty="0"/>
-              <a:t>finestre </a:t>
             </a:r>
             <a:r>
               <a:rPr lang="it-IT" sz="1900" i="1" dirty="0" err="1"/>
               <a:t>rolling</a:t>
             </a:r>
             <a:r>
+              <a:rPr lang="it-IT" sz="1900" i="1" dirty="0"/>
+              <a:t>, </a:t>
+            </a:r>
+            <a:r>
               <a:rPr lang="it-IT" sz="1900" dirty="0"/>
-              <a:t> </a:t>
-            </a:r>
-            <a:r>
-              <a:rPr lang="it-IT" sz="1900" dirty="0" smtClean="0"/>
-              <a:t>giornaliere di </a:t>
+              <a:t>i pesi di portafoglio sono calcolati su finestre </a:t>
+            </a:r>
+            <a:r>
+              <a:rPr lang="it-IT" sz="1900" i="1" dirty="0" err="1"/>
+              <a:t>rolling</a:t>
             </a:r>
             <a:r>
               <a:rPr lang="it-IT" sz="1900" dirty="0"/>
-              <a:t>ampiezza annuale, che simulano un ribilanciamento giornaliero del </a:t>
-            </a:r>
-            <a:r>
-              <a:rPr lang="it-IT" sz="1900" dirty="0" smtClean="0"/>
-              <a:t>portafoglio.</a:t>
-            </a:r>
-            <a:endParaRPr lang="it-IT" sz="1900" dirty="0"/>
+              <a:t> giornaliere di ampiezza annuale, che simulano un ribilanciamento giornaliero del portafoglio.</a:t>
+            </a:r>
           </a:p>
           <a:p>
             <a:r>
@@ -7146,11 +7635,7 @@
             </a:r>
             <a:r>
               <a:rPr lang="it-IT" sz="1900" dirty="0"/>
-              <a:t>, i risultati </a:t>
-            </a:r>
-            <a:r>
-              <a:rPr lang="it-IT" sz="1900" dirty="0" smtClean="0"/>
-              <a:t>dell’allocazione statica e </a:t>
+              <a:t>, i risultati dell’allocazione statica e </a:t>
             </a:r>
             <a:r>
               <a:rPr lang="it-IT" sz="1900" i="1" dirty="0" err="1"/>
@@ -7158,79 +7643,66 @@
             </a:r>
             <a:r>
               <a:rPr lang="it-IT" sz="1900" dirty="0"/>
-              <a:t> sono confrontati al fine di </a:t>
-            </a:r>
-            <a:r>
-              <a:rPr lang="it-IT" sz="1900" dirty="0" smtClean="0"/>
-              <a:t>calcolare l’</a:t>
-            </a:r>
-            <a:r>
-              <a:rPr lang="it-IT" sz="1900" dirty="0" err="1" smtClean="0"/>
+              <a:t> sono confrontati al fine di calcolare l’</a:t>
+            </a:r>
+            <a:r>
+              <a:rPr lang="it-IT" sz="1900" dirty="0" err="1"/>
               <a:t>extrarendimento</a:t>
             </a:r>
             <a:r>
-              <a:rPr lang="it-IT" sz="1900" dirty="0" smtClean="0"/>
+              <a:rPr lang="it-IT" sz="1900" dirty="0"/>
+              <a:t> dovuto al ribilanciamento.</a:t>
+            </a:r>
+          </a:p>
+          <a:p>
+            <a:r>
+              <a:rPr lang="it-IT" sz="1900" dirty="0"/>
+              <a:t>La </a:t>
+            </a:r>
+            <a:r>
+              <a:rPr lang="it-IT" sz="1900" i="1" dirty="0"/>
+              <a:t>performance </a:t>
+            </a:r>
+            <a:r>
+              <a:rPr lang="it-IT" sz="1900" dirty="0"/>
+              <a:t>dei portafogli di </a:t>
+            </a:r>
+            <a:r>
+              <a:rPr lang="it-IT" sz="1900" i="1" dirty="0" err="1"/>
+              <a:t>clustering</a:t>
+            </a:r>
+            <a:r>
+              <a:rPr lang="it-IT" sz="1900" i="1" dirty="0"/>
               <a:t> </a:t>
             </a:r>
             <a:r>
               <a:rPr lang="it-IT" sz="1900" dirty="0"/>
-              <a:t>dovuto al ribilanciamento</a:t>
-            </a:r>
-            <a:r>
-              <a:rPr lang="it-IT" sz="1900" dirty="0" smtClean="0"/>
+              <a:t>viene infine valutata rispetto a due portafogli </a:t>
+            </a:r>
+            <a:r>
+              <a:rPr lang="it-IT" sz="1900" i="1" dirty="0"/>
+              <a:t>benchmark: </a:t>
+            </a:r>
+            <a:r>
+              <a:rPr lang="it-IT" sz="1900" dirty="0"/>
+              <a:t>il portafoglio di tangenza e un portafoglio </a:t>
+            </a:r>
+            <a:r>
+              <a:rPr lang="it-IT" sz="1900" i="1" dirty="0" err="1"/>
+              <a:t>equally</a:t>
+            </a:r>
+            <a:r>
+              <a:rPr lang="it-IT" sz="1900" i="1" dirty="0"/>
+              <a:t> </a:t>
+            </a:r>
+            <a:r>
+              <a:rPr lang="it-IT" sz="1900" i="1" dirty="0" err="1"/>
+              <a:t>weighted</a:t>
+            </a:r>
+            <a:r>
+              <a:rPr lang="it-IT" i="1" dirty="0"/>
               <a:t>.</a:t>
             </a:r>
-          </a:p>
-          <a:p>
-            <a:r>
-              <a:rPr lang="it-IT" sz="1900" dirty="0" smtClean="0"/>
-              <a:t>La </a:t>
-            </a:r>
-            <a:r>
-              <a:rPr lang="it-IT" sz="1900" i="1" dirty="0" smtClean="0"/>
-              <a:t>performance </a:t>
-            </a:r>
-            <a:r>
-              <a:rPr lang="it-IT" sz="1900" dirty="0" smtClean="0"/>
-              <a:t>dei portafogli di </a:t>
-            </a:r>
-            <a:r>
-              <a:rPr lang="it-IT" sz="1900" i="1" dirty="0" err="1" smtClean="0"/>
-              <a:t>clustering</a:t>
-            </a:r>
-            <a:r>
-              <a:rPr lang="it-IT" sz="1900" i="1" dirty="0" smtClean="0"/>
-              <a:t> </a:t>
-            </a:r>
-            <a:r>
-              <a:rPr lang="it-IT" sz="1900" dirty="0" smtClean="0"/>
-              <a:t>viene infine valutata rispetto a due portafogli </a:t>
-            </a:r>
-            <a:r>
-              <a:rPr lang="it-IT" sz="1900" i="1" dirty="0" smtClean="0"/>
-              <a:t>benchmark: </a:t>
-            </a:r>
-            <a:r>
-              <a:rPr lang="it-IT" sz="1900" dirty="0" smtClean="0"/>
-              <a:t>il portafoglio di tangenza e un portafoglio </a:t>
-            </a:r>
-            <a:r>
-              <a:rPr lang="it-IT" sz="1900" i="1" dirty="0" err="1" smtClean="0"/>
-              <a:t>equally</a:t>
-            </a:r>
-            <a:r>
-              <a:rPr lang="it-IT" sz="1900" i="1" dirty="0" smtClean="0"/>
-              <a:t> </a:t>
-            </a:r>
-            <a:r>
-              <a:rPr lang="it-IT" sz="1900" i="1" dirty="0" err="1" smtClean="0"/>
-              <a:t>weighted</a:t>
-            </a:r>
-            <a:r>
-              <a:rPr lang="it-IT" i="1" dirty="0" smtClean="0"/>
-              <a:t>.</a:t>
-            </a:r>
-            <a:endParaRPr lang="it-IT" i="1" dirty="0"/>
           </a:p>
         </p:txBody>
       </p:sp>
@@ -7244,13 +7716,6 @@
   <p:clrMapOvr>
     <a:masterClrMapping/>
   </p:clrMapOvr>
-  <p:timing>
-    <p:tnLst>
-      <p:par>
-        <p:cTn id="1" dur="indefinite" restart="never" nodeType="tmRoot"/>
-      </p:par>
-    </p:tnLst>
-  </p:timing>
 </p:sld>
 </file>
 
@@ -7294,10 +7759,9 @@
           <a:lstStyle/>
           <a:p>
             <a:r>
-              <a:rPr lang="it-IT" dirty="0" smtClean="0"/>
+              <a:rPr lang="it-IT" dirty="0"/>
               <a:t>Allocazione di portafoglio</a:t>
             </a:r>
-            <a:endParaRPr lang="it-IT" dirty="0"/>
           </a:p>
         </p:txBody>
       </p:sp>
@@ -7326,7 +7790,7 @@
               <a:lstStyle/>
               <a:p>
                 <a:r>
-                  <a:rPr lang="it-IT" dirty="0" smtClean="0"/>
+                  <a:rPr lang="it-IT" dirty="0"/>
                   <a:t>I </a:t>
                 </a:r>
                 <a:r>
@@ -7335,15 +7799,7 @@
                 </a:r>
                 <a:r>
                   <a:rPr lang="it-IT" dirty="0"/>
-                  <a:t> </a:t>
-                </a:r>
-                <a:r>
-                  <a:rPr lang="it-IT" dirty="0" smtClean="0"/>
-                  <a:t>prodotti da ciascun algoritmo </a:t>
-                </a:r>
-                <a:r>
-                  <a:rPr lang="it-IT" dirty="0"/>
-                  <a:t>vengono utilizzati per formare dei portafogli </a:t>
+                  <a:t> prodotti da ciascun algoritmo vengono utilizzati per formare dei portafogli </a:t>
                 </a:r>
                 <a:r>
                   <a:rPr lang="it-IT" i="1" dirty="0" err="1"/>
@@ -7362,12 +7818,8 @@
                   <a:t> </a:t>
                 </a:r>
                 <a:r>
-                  <a:rPr lang="it-IT" dirty="0" smtClean="0"/>
-                  <a:t>contenenti </a:t>
-                </a:r>
-                <a:r>
                   <a:rPr lang="it-IT" dirty="0"/>
-                  <a:t>gli </a:t>
+                  <a:t>contenenti gli </a:t>
                 </a:r>
                 <a:r>
                   <a:rPr lang="it-IT" i="1" dirty="0" err="1"/>
@@ -7382,26 +7834,14 @@
                   <a:t>cluster</a:t>
                 </a:r>
                 <a:r>
-                  <a:rPr lang="it-IT" dirty="0" smtClean="0"/>
+                  <a:rPr lang="it-IT" dirty="0"/>
                   <a:t>.</a:t>
                 </a:r>
               </a:p>
               <a:p>
                 <a:r>
-                  <a:rPr lang="it-IT" dirty="0" smtClean="0"/>
-                  <a:t>A questi portafogli si applica una strategia di allocazione in media-varianza al fine di ottenere un singolo </a:t>
-                </a:r>
-                <a:r>
                   <a:rPr lang="it-IT" dirty="0"/>
-                  <a:t>portafoglio </a:t>
-                </a:r>
-                <a:r>
-                  <a:rPr lang="it-IT" dirty="0" smtClean="0"/>
-                  <a:t>che contiene tutti </a:t>
-                </a:r>
-                <a:r>
-                  <a:rPr lang="it-IT" dirty="0"/>
-                  <a:t>gli </a:t>
+                  <a:t>A questi portafogli si applica una strategia di allocazione in media-varianza al fine di ottenere un singolo portafoglio che contiene tutti gli </a:t>
                 </a:r>
                 <a:r>
                   <a:rPr lang="it-IT" i="1" dirty="0" err="1"/>
@@ -7409,13 +7849,8 @@
                 </a:r>
                 <a:r>
                   <a:rPr lang="it-IT" dirty="0"/>
-                  <a:t> </a:t>
-                </a:r>
-                <a:r>
-                  <a:rPr lang="it-IT" dirty="0" smtClean="0"/>
-                  <a:t>disponibili.</a:t>
-                </a:r>
-                <a:endParaRPr lang="it-IT" dirty="0"/>
+                  <a:t> disponibili.</a:t>
+                </a:r>
               </a:p>
               <a:p>
                 <a:r>
@@ -7636,14 +8071,14 @@
                     </m:oMath>
                   </m:oMathPara>
                 </a14:m>
-                <a:endParaRPr lang="it-IT" dirty="0" smtClean="0"/>
+                <a:endParaRPr lang="it-IT" dirty="0"/>
               </a:p>
               <a:p>
                 <a:pPr marL="0" indent="0">
                   <a:buNone/>
                 </a:pPr>
                 <a:r>
-                  <a:rPr lang="it-IT" dirty="0" smtClean="0"/>
+                  <a:rPr lang="it-IT" dirty="0"/>
                   <a:t>dove </a:t>
                 </a:r>
                 <a:r>
@@ -7668,15 +8103,7 @@
                 </a:r>
                 <a:r>
                   <a:rPr lang="it-IT" dirty="0"/>
-                  <a:t> è la matrice </a:t>
-                </a:r>
-                <a:r>
-                  <a:rPr lang="it-IT" dirty="0" smtClean="0"/>
-                  <a:t>di covarianza </a:t>
-                </a:r>
-                <a:r>
-                  <a:rPr lang="it-IT" dirty="0"/>
-                  <a:t>dei rendimenti e </a:t>
+                  <a:t> è la matrice di covarianza dei rendimenti e </a:t>
                 </a:r>
                 <a:r>
                   <a:rPr lang="it-IT" i="1" dirty="0" err="1"/>
@@ -7684,24 +8111,20 @@
                 </a:r>
                 <a:r>
                   <a:rPr lang="it-IT" dirty="0"/>
-                  <a:t> è il tasso privo di rischio</a:t>
-                </a:r>
-                <a:r>
-                  <a:rPr lang="it-IT" dirty="0" smtClean="0"/>
-                  <a:t>.</a:t>
+                  <a:t> è il tasso privo di rischio.</a:t>
                 </a:r>
               </a:p>
               <a:p>
                 <a:r>
-                  <a:rPr lang="it-IT" dirty="0" smtClean="0"/>
+                  <a:rPr lang="it-IT" dirty="0"/>
                   <a:t>Nell’allocazione statica, i pesi di portafoglio ottimali vengono mantenuti costanti durante tutto il </a:t>
                 </a:r>
                 <a:r>
-                  <a:rPr lang="it-IT" i="1" dirty="0" smtClean="0"/>
+                  <a:rPr lang="it-IT" i="1" dirty="0"/>
                   <a:t>test set</a:t>
                 </a:r>
                 <a:r>
-                  <a:rPr lang="it-IT" dirty="0" smtClean="0"/>
+                  <a:rPr lang="it-IT" dirty="0"/>
                   <a:t>, pari all’ultimo anno. </a:t>
                 </a:r>
               </a:p>
@@ -7728,16 +8151,11 @@
                 </a:r>
                 <a:r>
                   <a:rPr lang="it-IT" dirty="0"/>
-                  <a:t> giornaliere di ampiezza </a:t>
-                </a:r>
-                <a:r>
-                  <a:rPr lang="it-IT" dirty="0" smtClean="0"/>
-                  <a:t>annuale.</a:t>
-                </a:r>
-                <a:endParaRPr lang="it-IT" dirty="0"/>
+                  <a:t> giornaliere di ampiezza annuale.</a:t>
+                </a:r>
               </a:p>
               <a:p>
-                <a:endParaRPr lang="it-IT" dirty="0" smtClean="0"/>
+                <a:endParaRPr lang="it-IT" dirty="0"/>
               </a:p>
             </p:txBody>
           </p:sp>
@@ -7790,13 +8208,6 @@
   <p:clrMapOvr>
     <a:masterClrMapping/>
   </p:clrMapOvr>
-  <p:timing>
-    <p:tnLst>
-      <p:par>
-        <p:cTn id="1" dur="indefinite" restart="never" nodeType="tmRoot"/>
-      </p:par>
-    </p:tnLst>
-  </p:timing>
 </p:sld>
 </file>
 
@@ -7840,10 +8251,9 @@
           <a:lstStyle/>
           <a:p>
             <a:r>
-              <a:rPr lang="it-IT" dirty="0" smtClean="0"/>
+              <a:rPr lang="it-IT" dirty="0"/>
               <a:t>Portafoglio di tangenza</a:t>
             </a:r>
-            <a:endParaRPr lang="it-IT" dirty="0"/>
           </a:p>
         </p:txBody>
       </p:sp>
@@ -7899,17 +8309,6 @@
           <a:lstStyle/>
           <a:p>
             <a:r>
-              <a:rPr lang="it-IT" sz="1900" spc="10" dirty="0" smtClean="0">
-                <a:solidFill>
-                  <a:schemeClr val="tx1">
-                    <a:lumMod val="65000"/>
-                    <a:lumOff val="35000"/>
-                  </a:schemeClr>
-                </a:solidFill>
-              </a:rPr>
-              <a:t>                      Pesi </a:t>
-            </a:r>
-            <a:r>
               <a:rPr lang="it-IT" sz="1900" spc="10" dirty="0">
                 <a:solidFill>
                   <a:schemeClr val="tx1">
@@ -7918,7 +8317,7 @@
                   </a:schemeClr>
                 </a:solidFill>
               </a:rPr>
-              <a:t>del portafoglio </a:t>
+              <a:t>                      Pesi del portafoglio </a:t>
             </a:r>
             <a:r>
               <a:rPr lang="it-IT" sz="1900" i="1" spc="10" dirty="0" err="1">
@@ -7952,13 +8351,6 @@
   <p:clrMapOvr>
     <a:masterClrMapping/>
   </p:clrMapOvr>
-  <p:timing>
-    <p:tnLst>
-      <p:par>
-        <p:cTn id="1" dur="indefinite" restart="never" nodeType="tmRoot"/>
-      </p:par>
-    </p:tnLst>
-  </p:timing>
 </p:sld>
 </file>
 
@@ -8000,11 +8392,11 @@
           <a:lstStyle/>
           <a:p>
             <a:r>
-              <a:rPr lang="it-IT" dirty="0" smtClean="0"/>
+              <a:rPr lang="it-IT" dirty="0"/>
               <a:t>K-</a:t>
             </a:r>
             <a:r>
-              <a:rPr lang="it-IT" dirty="0" err="1" smtClean="0"/>
+              <a:rPr lang="it-IT" dirty="0" err="1"/>
               <a:t>Means</a:t>
             </a:r>
             <a:endParaRPr lang="it-IT" dirty="0"/>
@@ -8036,65 +8428,65 @@
             <a:pPr marL="0" indent="0">
               <a:buNone/>
             </a:pPr>
-            <a:endParaRPr lang="it-IT" dirty="0" smtClean="0"/>
-          </a:p>
-          <a:p>
-            <a:r>
-              <a:rPr lang="it-IT" sz="1900" dirty="0" smtClean="0"/>
+            <a:endParaRPr lang="it-IT" dirty="0"/>
+          </a:p>
+          <a:p>
+            <a:r>
+              <a:rPr lang="it-IT" sz="1900" dirty="0"/>
               <a:t>Gli </a:t>
             </a:r>
             <a:r>
-              <a:rPr lang="it-IT" sz="1900" i="1" dirty="0" err="1" smtClean="0"/>
+              <a:rPr lang="it-IT" sz="1900" i="1" dirty="0" err="1"/>
               <a:t>outlier</a:t>
             </a:r>
             <a:r>
-              <a:rPr lang="it-IT" sz="1900" dirty="0" smtClean="0"/>
+              <a:rPr lang="it-IT" sz="1900" dirty="0"/>
               <a:t> presenti nei rendimenti azionari sono preventivamente eliminati al fine di evitare che K-</a:t>
             </a:r>
             <a:r>
-              <a:rPr lang="it-IT" sz="1900" dirty="0" err="1" smtClean="0"/>
+              <a:rPr lang="it-IT" sz="1900" dirty="0" err="1"/>
               <a:t>Means</a:t>
             </a:r>
             <a:r>
-              <a:rPr lang="it-IT" sz="1900" dirty="0" smtClean="0"/>
+              <a:rPr lang="it-IT" sz="1900" dirty="0"/>
               <a:t> produca </a:t>
             </a:r>
             <a:r>
-              <a:rPr lang="it-IT" sz="1900" i="1" dirty="0" smtClean="0"/>
+              <a:rPr lang="it-IT" sz="1900" i="1" dirty="0"/>
               <a:t>cluster </a:t>
             </a:r>
             <a:r>
-              <a:rPr lang="it-IT" sz="1900" dirty="0" smtClean="0"/>
+              <a:rPr lang="it-IT" sz="1900" dirty="0"/>
               <a:t>contenenti </a:t>
             </a:r>
             <a:r>
-              <a:rPr lang="it-IT" sz="1900" i="1" dirty="0" err="1" smtClean="0"/>
+              <a:rPr lang="it-IT" sz="1900" i="1" dirty="0" err="1"/>
               <a:t>asset</a:t>
             </a:r>
             <a:r>
-              <a:rPr lang="it-IT" sz="1900" dirty="0" smtClean="0"/>
+              <a:rPr lang="it-IT" sz="1900" dirty="0"/>
               <a:t> singoli. </a:t>
             </a:r>
           </a:p>
           <a:p>
             <a:r>
-              <a:rPr lang="it-IT" sz="1900" dirty="0" smtClean="0"/>
+              <a:rPr lang="it-IT" sz="1900" dirty="0"/>
               <a:t>Gli </a:t>
             </a:r>
             <a:r>
-              <a:rPr lang="it-IT" sz="1900" i="1" dirty="0" err="1" smtClean="0"/>
+              <a:rPr lang="it-IT" sz="1900" i="1" dirty="0" err="1"/>
               <a:t>outlier</a:t>
             </a:r>
             <a:r>
-              <a:rPr lang="it-IT" sz="1900" dirty="0" smtClean="0"/>
+              <a:rPr lang="it-IT" sz="1900" dirty="0"/>
               <a:t> sono identificati mediante uno </a:t>
             </a:r>
             <a:r>
-              <a:rPr lang="it-IT" sz="1900" i="1" dirty="0" err="1" smtClean="0"/>
+              <a:rPr lang="it-IT" sz="1900" i="1" dirty="0" err="1"/>
               <a:t>scatterplot</a:t>
             </a:r>
             <a:r>
-              <a:rPr lang="it-IT" sz="1900" dirty="0" smtClean="0"/>
+              <a:rPr lang="it-IT" sz="1900" dirty="0"/>
               <a:t> della media e della volatilità dei rendimenti annualizzati. </a:t>
             </a:r>
           </a:p>
@@ -8170,13 +8562,6 @@
   <p:clrMapOvr>
     <a:masterClrMapping/>
   </p:clrMapOvr>
-  <p:timing>
-    <p:tnLst>
-      <p:par>
-        <p:cTn id="1" dur="indefinite" restart="never" nodeType="tmRoot"/>
-      </p:par>
-    </p:tnLst>
-  </p:timing>
 </p:sld>
 </file>
 
@@ -8218,11 +8603,11 @@
           <a:lstStyle/>
           <a:p>
             <a:r>
-              <a:rPr lang="it-IT" dirty="0" smtClean="0"/>
+              <a:rPr lang="it-IT" dirty="0"/>
               <a:t>K-</a:t>
             </a:r>
             <a:r>
-              <a:rPr lang="it-IT" dirty="0" err="1" smtClean="0"/>
+              <a:rPr lang="it-IT" dirty="0" err="1"/>
               <a:t>Means</a:t>
             </a:r>
             <a:endParaRPr lang="it-IT" dirty="0"/>
@@ -8256,47 +8641,23 @@
                 <a:pPr marL="0" indent="0">
                   <a:buNone/>
                 </a:pPr>
-                <a:endParaRPr lang="it-IT" dirty="0" smtClean="0"/>
+                <a:endParaRPr lang="it-IT" dirty="0"/>
               </a:p>
               <a:p>
                 <a:r>
-                  <a:rPr lang="it-IT" altLang="it-IT" sz="1900" dirty="0" smtClean="0"/>
+                  <a:rPr lang="it-IT" altLang="it-IT" sz="1900" dirty="0"/>
                   <a:t>L'algoritmo K-</a:t>
                 </a:r>
                 <a:r>
-                  <a:rPr lang="it-IT" altLang="it-IT" sz="1900" dirty="0" err="1" smtClean="0"/>
+                  <a:rPr lang="it-IT" altLang="it-IT" sz="1900" dirty="0" err="1"/>
                   <a:t>Means</a:t>
                 </a:r>
                 <a:r>
-                  <a:rPr lang="it-IT" altLang="it-IT" sz="1900" dirty="0" smtClean="0"/>
-                  <a:t> un </a:t>
-                </a:r>
-                <a:r>
                   <a:rPr lang="it-IT" altLang="it-IT" sz="1900" dirty="0"/>
-                  <a:t>insieme di </a:t>
-                </a:r>
-                <a:r>
-                  <a:rPr lang="it-IT" altLang="it-IT" sz="1900" dirty="0" smtClean="0"/>
-                  <a:t>𝑁 </a:t>
-                </a:r>
-                <a:r>
-                  <a:rPr lang="it-IT" altLang="it-IT" sz="1900" dirty="0"/>
-                  <a:t>campioni </a:t>
-                </a:r>
-                <a:r>
-                  <a:rPr lang="it-IT" altLang="it-IT" sz="1900" dirty="0" smtClean="0"/>
-                  <a:t>𝑋 </a:t>
-                </a:r>
-                <a:r>
-                  <a:rPr lang="it-IT" altLang="it-IT" sz="1900" dirty="0"/>
-                  <a:t>in </a:t>
-                </a:r>
-                <a:r>
-                  <a:rPr lang="it-IT" altLang="it-IT" sz="1900" dirty="0" smtClean="0"/>
-                  <a:t>𝐶 </a:t>
-                </a:r>
-                <a:r>
-                  <a:rPr lang="it-IT" altLang="it-IT" sz="1900" i="1" dirty="0" smtClean="0"/>
+                  <a:t> un insieme di 𝑁 campioni 𝑋 in 𝐶 </a:t>
+                </a:r>
+                <a:r>
+                  <a:rPr lang="it-IT" altLang="it-IT" sz="1900" i="1" dirty="0"/>
                   <a:t>cluster </a:t>
                 </a:r>
                 <a:r>
@@ -8333,12 +8694,8 @@
                   </m:oMath>
                 </a14:m>
                 <a:r>
-                  <a:rPr lang="it-IT" altLang="it-IT" sz="1900" dirty="0" smtClean="0"/>
-                  <a:t> dei </a:t>
-                </a:r>
-                <a:r>
                   <a:rPr lang="it-IT" altLang="it-IT" sz="1900" dirty="0"/>
-                  <a:t>campioni nel </a:t>
+                  <a:t> dei campioni nel </a:t>
                 </a:r>
                 <a:r>
                   <a:rPr lang="it-IT" altLang="it-IT" sz="1900" i="1" dirty="0"/>
@@ -8356,16 +8713,11 @@
                   <a:rPr lang="it-IT" altLang="it-IT" sz="1900" dirty="0"/>
                   <a:t>). </a:t>
                 </a:r>
-                <a:endParaRPr lang="it-IT" altLang="it-IT" sz="1900" dirty="0" smtClean="0"/>
               </a:p>
               <a:p>
                 <a:r>
-                  <a:rPr lang="it-IT" altLang="it-IT" sz="1900" dirty="0" smtClean="0"/>
-                  <a:t>L'algoritmo </a:t>
-                </a:r>
-                <a:r>
                   <a:rPr lang="it-IT" altLang="it-IT" sz="1900" dirty="0"/>
-                  <a:t>mira a scegliere i </a:t>
+                  <a:t>L'algoritmo mira a scegliere i </a:t>
                 </a:r>
                 <a:r>
                   <a:rPr lang="it-IT" altLang="it-IT" sz="1900" dirty="0" err="1"/>
@@ -8373,13 +8725,9 @@
                 </a:r>
                 <a:r>
                   <a:rPr lang="it-IT" altLang="it-IT" sz="1900" dirty="0"/>
-                  <a:t> che minimizzano la somma dei quadrati all'interno del </a:t>
-                </a:r>
-                <a:r>
-                  <a:rPr lang="it-IT" altLang="it-IT" sz="1900" dirty="0" smtClean="0"/>
-                  <a:t>cluster (SSE): </a:t>
-                </a:r>
-                <a:endParaRPr lang="it-IT" altLang="it-IT" sz="1900" i="1" dirty="0" smtClean="0">
+                  <a:t> che minimizzano la somma dei quadrati all'interno del cluster (SSE): </a:t>
+                </a:r>
+                <a:endParaRPr lang="it-IT" altLang="it-IT" sz="1900" i="1" dirty="0">
                   <a:latin typeface="Cambria Math" panose="02040503050406030204" pitchFamily="18" charset="0"/>
                 </a:endParaRPr>
               </a:p>
@@ -8564,35 +8912,35 @@
                     </m:oMath>
                   </m:oMathPara>
                 </a14:m>
-                <a:endParaRPr lang="it-IT" sz="1900" dirty="0" smtClean="0"/>
+                <a:endParaRPr lang="it-IT" sz="1900" dirty="0"/>
               </a:p>
               <a:p>
                 <a:r>
-                  <a:rPr lang="it-IT" sz="1900" dirty="0" smtClean="0"/>
+                  <a:rPr lang="it-IT" sz="1900" dirty="0"/>
                   <a:t>Il numero ottimale di cluster è selezionato come il punto in cui il tasso di decrescita del SSE rispetto al numero di </a:t>
                 </a:r>
                 <a:r>
-                  <a:rPr lang="it-IT" sz="1900" i="1" dirty="0" smtClean="0"/>
+                  <a:rPr lang="it-IT" sz="1900" i="1" dirty="0"/>
                   <a:t>cluster</a:t>
                 </a:r>
                 <a:r>
-                  <a:rPr lang="it-IT" sz="1900" dirty="0" smtClean="0"/>
+                  <a:rPr lang="it-IT" sz="1900" dirty="0"/>
                   <a:t> subisce un rallentamento significativo (</a:t>
                 </a:r>
                 <a:r>
-                  <a:rPr lang="it-IT" sz="1900" i="1" dirty="0" err="1" smtClean="0"/>
+                  <a:rPr lang="it-IT" sz="1900" i="1" dirty="0" err="1"/>
                   <a:t>elbow</a:t>
                 </a:r>
                 <a:r>
-                  <a:rPr lang="it-IT" sz="1900" i="1" dirty="0" smtClean="0"/>
+                  <a:rPr lang="it-IT" sz="1900" i="1" dirty="0"/>
                   <a:t> </a:t>
                 </a:r>
                 <a:r>
-                  <a:rPr lang="it-IT" sz="1900" i="1" dirty="0" err="1" smtClean="0"/>
+                  <a:rPr lang="it-IT" sz="1900" i="1" dirty="0" err="1"/>
                   <a:t>rule</a:t>
                 </a:r>
                 <a:r>
-                  <a:rPr lang="it-IT" sz="1900" i="1" dirty="0" smtClean="0"/>
+                  <a:rPr lang="it-IT" sz="1900" i="1" dirty="0"/>
                   <a:t>).</a:t>
                 </a:r>
               </a:p>
@@ -8677,13 +9025,6 @@
   <p:clrMapOvr>
     <a:masterClrMapping/>
   </p:clrMapOvr>
-  <p:timing>
-    <p:tnLst>
-      <p:par>
-        <p:cTn id="1" dur="indefinite" restart="never" nodeType="tmRoot"/>
-      </p:par>
-    </p:tnLst>
-  </p:timing>
 </p:sld>
 </file>
 
@@ -8725,11 +9066,11 @@
           <a:lstStyle/>
           <a:p>
             <a:r>
-              <a:rPr lang="it-IT" dirty="0" smtClean="0"/>
+              <a:rPr lang="it-IT" dirty="0"/>
               <a:t>K-</a:t>
             </a:r>
             <a:r>
-              <a:rPr lang="it-IT" dirty="0" err="1" smtClean="0"/>
+              <a:rPr lang="it-IT" dirty="0" err="1"/>
               <a:t>Means</a:t>
             </a:r>
             <a:endParaRPr lang="it-IT" dirty="0"/>
@@ -8761,10 +9102,10 @@
             <a:pPr marL="0" indent="0">
               <a:buNone/>
             </a:pPr>
-            <a:endParaRPr lang="it-IT" dirty="0" smtClean="0"/>
-          </a:p>
-          <a:p>
-            <a:endParaRPr lang="it-IT" sz="1900" dirty="0" smtClean="0"/>
+            <a:endParaRPr lang="it-IT" dirty="0"/>
+          </a:p>
+          <a:p>
+            <a:endParaRPr lang="it-IT" sz="1900" dirty="0"/>
           </a:p>
         </p:txBody>
       </p:sp>
@@ -8889,7 +9230,7 @@
           <a:lstStyle/>
           <a:p>
             <a:r>
-              <a:rPr lang="it-IT" sz="1900" spc="10" dirty="0" smtClean="0">
+              <a:rPr lang="it-IT" sz="1900" spc="10" dirty="0">
                 <a:solidFill>
                   <a:schemeClr val="tx1">
                     <a:lumMod val="65000"/>
@@ -8899,14 +9240,6 @@
               </a:rPr>
               <a:t>                      Pesi del portafoglio statico</a:t>
             </a:r>
-            <a:endParaRPr lang="it-IT" sz="1900" spc="10" dirty="0">
-              <a:solidFill>
-                <a:schemeClr val="tx1">
-                  <a:lumMod val="65000"/>
-                  <a:lumOff val="35000"/>
-                </a:schemeClr>
-              </a:solidFill>
-            </a:endParaRPr>
           </a:p>
         </p:txBody>
       </p:sp>
@@ -8920,13 +9253,6 @@
   <p:clrMapOvr>
     <a:masterClrMapping/>
   </p:clrMapOvr>
-  <p:timing>
-    <p:tnLst>
-      <p:par>
-        <p:cTn id="1" dur="indefinite" restart="never" nodeType="tmRoot"/>
-      </p:par>
-    </p:tnLst>
-  </p:timing>
 </p:sld>
 </file>
 

--- a/presentazione.pptx
+++ b/presentazione.pptx
@@ -15,16 +15,18 @@
     <p:sldId id="274" r:id="rId9"/>
     <p:sldId id="273" r:id="rId10"/>
     <p:sldId id="275" r:id="rId11"/>
-    <p:sldId id="278" r:id="rId12"/>
-    <p:sldId id="279" r:id="rId13"/>
-    <p:sldId id="262" r:id="rId14"/>
-    <p:sldId id="263" r:id="rId15"/>
-    <p:sldId id="276" r:id="rId16"/>
-    <p:sldId id="265" r:id="rId17"/>
-    <p:sldId id="266" r:id="rId18"/>
-    <p:sldId id="280" r:id="rId19"/>
-    <p:sldId id="272" r:id="rId20"/>
-    <p:sldId id="267" r:id="rId21"/>
+    <p:sldId id="262" r:id="rId12"/>
+    <p:sldId id="263" r:id="rId13"/>
+    <p:sldId id="276" r:id="rId14"/>
+    <p:sldId id="278" r:id="rId15"/>
+    <p:sldId id="279" r:id="rId16"/>
+    <p:sldId id="281" r:id="rId17"/>
+    <p:sldId id="265" r:id="rId18"/>
+    <p:sldId id="266" r:id="rId19"/>
+    <p:sldId id="282" r:id="rId20"/>
+    <p:sldId id="280" r:id="rId21"/>
+    <p:sldId id="272" r:id="rId22"/>
+    <p:sldId id="267" r:id="rId23"/>
   </p:sldIdLst>
   <p:sldSz cx="12192000" cy="6858000"/>
   <p:notesSz cx="6858000" cy="9144000"/>
@@ -325,7 +327,7 @@
           <a:p>
             <a:fld id="{86EE8AF4-64DE-464C-B663-24FA85AF1999}" type="datetimeFigureOut">
               <a:rPr lang="it-IT" smtClean="0"/>
-              <a:t>04/01/2021</a:t>
+              <a:t>05/01/2021</a:t>
             </a:fld>
             <a:endParaRPr lang="it-IT"/>
           </a:p>
@@ -495,7 +497,7 @@
           <a:p>
             <a:fld id="{86EE8AF4-64DE-464C-B663-24FA85AF1999}" type="datetimeFigureOut">
               <a:rPr lang="it-IT" smtClean="0"/>
-              <a:t>04/01/2021</a:t>
+              <a:t>05/01/2021</a:t>
             </a:fld>
             <a:endParaRPr lang="it-IT"/>
           </a:p>
@@ -716,7 +718,7 @@
           <a:p>
             <a:fld id="{86EE8AF4-64DE-464C-B663-24FA85AF1999}" type="datetimeFigureOut">
               <a:rPr lang="it-IT" smtClean="0"/>
-              <a:t>04/01/2021</a:t>
+              <a:t>05/01/2021</a:t>
             </a:fld>
             <a:endParaRPr lang="it-IT"/>
           </a:p>
@@ -927,7 +929,7 @@
           <a:p>
             <a:fld id="{86EE8AF4-64DE-464C-B663-24FA85AF1999}" type="datetimeFigureOut">
               <a:rPr lang="it-IT" smtClean="0"/>
-              <a:t>04/01/2021</a:t>
+              <a:t>05/01/2021</a:t>
             </a:fld>
             <a:endParaRPr lang="it-IT"/>
           </a:p>
@@ -1222,7 +1224,7 @@
           <a:p>
             <a:fld id="{86EE8AF4-64DE-464C-B663-24FA85AF1999}" type="datetimeFigureOut">
               <a:rPr lang="it-IT" smtClean="0"/>
-              <a:t>04/01/2021</a:t>
+              <a:t>05/01/2021</a:t>
             </a:fld>
             <a:endParaRPr lang="it-IT"/>
           </a:p>
@@ -1551,7 +1553,7 @@
           <a:p>
             <a:fld id="{86EE8AF4-64DE-464C-B663-24FA85AF1999}" type="datetimeFigureOut">
               <a:rPr lang="it-IT" smtClean="0"/>
-              <a:t>04/01/2021</a:t>
+              <a:t>05/01/2021</a:t>
             </a:fld>
             <a:endParaRPr lang="it-IT"/>
           </a:p>
@@ -2043,7 +2045,7 @@
           <a:p>
             <a:fld id="{86EE8AF4-64DE-464C-B663-24FA85AF1999}" type="datetimeFigureOut">
               <a:rPr lang="it-IT" smtClean="0"/>
-              <a:t>04/01/2021</a:t>
+              <a:t>05/01/2021</a:t>
             </a:fld>
             <a:endParaRPr lang="it-IT"/>
           </a:p>
@@ -2202,7 +2204,7 @@
           <a:p>
             <a:fld id="{86EE8AF4-64DE-464C-B663-24FA85AF1999}" type="datetimeFigureOut">
               <a:rPr lang="it-IT" smtClean="0"/>
-              <a:t>04/01/2021</a:t>
+              <a:t>05/01/2021</a:t>
             </a:fld>
             <a:endParaRPr lang="it-IT"/>
           </a:p>
@@ -2338,7 +2340,7 @@
           <a:p>
             <a:fld id="{86EE8AF4-64DE-464C-B663-24FA85AF1999}" type="datetimeFigureOut">
               <a:rPr lang="it-IT" smtClean="0"/>
-              <a:t>04/01/2021</a:t>
+              <a:t>05/01/2021</a:t>
             </a:fld>
             <a:endParaRPr lang="it-IT"/>
           </a:p>
@@ -2666,7 +2668,7 @@
           <a:p>
             <a:fld id="{86EE8AF4-64DE-464C-B663-24FA85AF1999}" type="datetimeFigureOut">
               <a:rPr lang="it-IT" smtClean="0"/>
-              <a:t>04/01/2021</a:t>
+              <a:t>05/01/2021</a:t>
             </a:fld>
             <a:endParaRPr lang="it-IT"/>
           </a:p>
@@ -2981,7 +2983,7 @@
           <a:p>
             <a:fld id="{86EE8AF4-64DE-464C-B663-24FA85AF1999}" type="datetimeFigureOut">
               <a:rPr lang="it-IT" smtClean="0"/>
-              <a:t>04/01/2021</a:t>
+              <a:t>05/01/2021</a:t>
             </a:fld>
             <a:endParaRPr lang="it-IT"/>
           </a:p>
@@ -3233,7 +3235,7 @@
           <a:p>
             <a:fld id="{86EE8AF4-64DE-464C-B663-24FA85AF1999}" type="datetimeFigureOut">
               <a:rPr lang="it-IT" smtClean="0"/>
-              <a:t>04/01/2021</a:t>
+              <a:t>05/01/2021</a:t>
             </a:fld>
             <a:endParaRPr lang="it-IT"/>
           </a:p>
@@ -4057,563 +4059,6 @@
         </p:nvSpPr>
         <p:spPr>
           <a:xfrm>
-            <a:off x="812915" y="453321"/>
-            <a:ext cx="9692640" cy="787555"/>
-          </a:xfrm>
-        </p:spPr>
-        <p:txBody>
-          <a:bodyPr/>
-          <a:lstStyle/>
-          <a:p>
-            <a:r>
-              <a:rPr lang="it-IT" dirty="0" err="1"/>
-              <a:t>Bounded</a:t>
-            </a:r>
-            <a:r>
-              <a:rPr lang="it-IT" dirty="0"/>
-              <a:t> K-</a:t>
-            </a:r>
-            <a:r>
-              <a:rPr lang="it-IT" dirty="0" err="1"/>
-              <a:t>Means</a:t>
-            </a:r>
-            <a:endParaRPr lang="it-IT" dirty="0"/>
-          </a:p>
-        </p:txBody>
-      </p:sp>
-      <p:sp>
-        <p:nvSpPr>
-          <p:cNvPr id="7" name="Segnaposto contenuto 6"/>
-          <p:cNvSpPr>
-            <a:spLocks noGrp="1"/>
-          </p:cNvSpPr>
-          <p:nvPr>
-            <p:ph idx="1"/>
-          </p:nvPr>
-        </p:nvSpPr>
-        <p:spPr>
-          <a:xfrm>
-            <a:off x="627320" y="1423841"/>
-            <a:ext cx="5890437" cy="4010317"/>
-          </a:xfrm>
-        </p:spPr>
-        <p:txBody>
-          <a:bodyPr>
-            <a:normAutofit/>
-          </a:bodyPr>
-          <a:lstStyle/>
-          <a:p>
-            <a:pPr marL="0" indent="0">
-              <a:buNone/>
-            </a:pPr>
-            <a:endParaRPr lang="it-IT" dirty="0"/>
-          </a:p>
-          <a:p>
-            <a:r>
-              <a:rPr lang="it-IT" altLang="it-IT" sz="1900" dirty="0"/>
-              <a:t>K-</a:t>
-            </a:r>
-            <a:r>
-              <a:rPr lang="it-IT" altLang="it-IT" sz="1900" dirty="0" err="1"/>
-              <a:t>Means</a:t>
-            </a:r>
-            <a:r>
-              <a:rPr lang="it-IT" altLang="it-IT" sz="1900" dirty="0"/>
-              <a:t> non permette il controllo sulla numerosità dei cluster </a:t>
-            </a:r>
-            <a:r>
-              <a:rPr lang="it-IT" altLang="it-IT" sz="1900" dirty="0">
-                <a:sym typeface="Wingdings" panose="05000000000000000000" pitchFamily="2" charset="2"/>
-              </a:rPr>
-              <a:t> </a:t>
-            </a:r>
-            <a:r>
-              <a:rPr lang="it-IT" altLang="it-IT" sz="1900" dirty="0" err="1">
-                <a:sym typeface="Wingdings" panose="05000000000000000000" pitchFamily="2" charset="2"/>
-              </a:rPr>
-              <a:t>Bounded</a:t>
-            </a:r>
-            <a:r>
-              <a:rPr lang="it-IT" altLang="it-IT" sz="1900" dirty="0">
-                <a:sym typeface="Wingdings" panose="05000000000000000000" pitchFamily="2" charset="2"/>
-              </a:rPr>
-              <a:t> K-</a:t>
-            </a:r>
-            <a:r>
-              <a:rPr lang="it-IT" altLang="it-IT" sz="1900" dirty="0" err="1">
-                <a:sym typeface="Wingdings" panose="05000000000000000000" pitchFamily="2" charset="2"/>
-              </a:rPr>
-              <a:t>Means</a:t>
-            </a:r>
-            <a:r>
-              <a:rPr lang="it-IT" altLang="it-IT" sz="1900" dirty="0"/>
-              <a:t> </a:t>
-            </a:r>
-          </a:p>
-          <a:p>
-            <a:r>
-              <a:rPr lang="it-IT" altLang="it-IT" sz="1900" dirty="0"/>
-              <a:t>La differenza è che questo algoritmo permette di limitare la numerosità dei cluster: </a:t>
-            </a:r>
-            <a:endParaRPr lang="it-IT" altLang="it-IT" sz="1900" i="1" dirty="0">
-              <a:latin typeface="Cambria Math" panose="02040503050406030204" pitchFamily="18" charset="0"/>
-            </a:endParaRPr>
-          </a:p>
-          <a:p>
-            <a:pPr marL="0" indent="0">
-              <a:buNone/>
-            </a:pPr>
-            <a:endParaRPr lang="it-IT" sz="1900" dirty="0"/>
-          </a:p>
-          <a:p>
-            <a:r>
-              <a:rPr lang="it-IT" sz="1900" dirty="0"/>
-              <a:t>Il numero ottimale di cluster è selezionato come il punto in cui il tasso di decrescita del SSE rispetto al numero di </a:t>
-            </a:r>
-            <a:r>
-              <a:rPr lang="it-IT" sz="1900" i="1" dirty="0"/>
-              <a:t>cluster</a:t>
-            </a:r>
-            <a:r>
-              <a:rPr lang="it-IT" sz="1900" dirty="0"/>
-              <a:t> subisce un rallentamento significativo (</a:t>
-            </a:r>
-            <a:r>
-              <a:rPr lang="it-IT" sz="1900" i="1" dirty="0" err="1"/>
-              <a:t>elbow</a:t>
-            </a:r>
-            <a:r>
-              <a:rPr lang="it-IT" sz="1900" i="1" dirty="0"/>
-              <a:t> rule) ???</a:t>
-            </a:r>
-          </a:p>
-        </p:txBody>
-      </p:sp>
-      <p:pic>
-        <p:nvPicPr>
-          <p:cNvPr id="3" name="Immagine 2">
-            <a:extLst>
-              <a:ext uri="{FF2B5EF4-FFF2-40B4-BE49-F238E27FC236}">
-                <a16:creationId xmlns:a16="http://schemas.microsoft.com/office/drawing/2014/main" id="{42411AE9-563C-4467-8080-93F883D6FDDA}"/>
-              </a:ext>
-            </a:extLst>
-          </p:cNvPr>
-          <p:cNvPicPr>
-            <a:picLocks noChangeAspect="1"/>
-          </p:cNvPicPr>
-          <p:nvPr/>
-        </p:nvPicPr>
-        <p:blipFill>
-          <a:blip r:embed="rId2"/>
-          <a:stretch>
-            <a:fillRect/>
-          </a:stretch>
-        </p:blipFill>
-        <p:spPr>
-          <a:xfrm>
-            <a:off x="6837915" y="2417889"/>
-            <a:ext cx="4029075" cy="2705100"/>
-          </a:xfrm>
-          <a:prstGeom prst="rect">
-            <a:avLst/>
-          </a:prstGeom>
-        </p:spPr>
-      </p:pic>
-      <p:pic>
-        <p:nvPicPr>
-          <p:cNvPr id="8" name="Immagine 7">
-            <a:extLst>
-              <a:ext uri="{FF2B5EF4-FFF2-40B4-BE49-F238E27FC236}">
-                <a16:creationId xmlns:a16="http://schemas.microsoft.com/office/drawing/2014/main" id="{B9EE2415-B2E8-4946-8298-EA1D9D8C3F46}"/>
-              </a:ext>
-            </a:extLst>
-          </p:cNvPr>
-          <p:cNvPicPr>
-            <a:picLocks noChangeAspect="1"/>
-          </p:cNvPicPr>
-          <p:nvPr/>
-        </p:nvPicPr>
-        <p:blipFill>
-          <a:blip r:embed="rId3"/>
-          <a:stretch>
-            <a:fillRect/>
-          </a:stretch>
-        </p:blipFill>
-        <p:spPr>
-          <a:xfrm>
-            <a:off x="812915" y="3376207"/>
-            <a:ext cx="5519248" cy="394232"/>
-          </a:xfrm>
-          <a:prstGeom prst="rect">
-            <a:avLst/>
-          </a:prstGeom>
-        </p:spPr>
-      </p:pic>
-    </p:spTree>
-    <p:extLst>
-      <p:ext uri="{BB962C8B-B14F-4D97-AF65-F5344CB8AC3E}">
-        <p14:creationId xmlns:p14="http://schemas.microsoft.com/office/powerpoint/2010/main" val="2039099879"/>
-      </p:ext>
-    </p:extLst>
-  </p:cSld>
-  <p:clrMapOvr>
-    <a:masterClrMapping/>
-  </p:clrMapOvr>
-</p:sld>
-</file>
-
-<file path=ppt/slides/slide12.xml><?xml version="1.0" encoding="utf-8"?>
-<p:sld xmlns:a="http://schemas.openxmlformats.org/drawingml/2006/main" xmlns:r="http://schemas.openxmlformats.org/officeDocument/2006/relationships" xmlns:p="http://schemas.openxmlformats.org/presentationml/2006/main">
-  <p:cSld>
-    <p:spTree>
-      <p:nvGrpSpPr>
-        <p:cNvPr id="1" name=""/>
-        <p:cNvGrpSpPr/>
-        <p:nvPr/>
-      </p:nvGrpSpPr>
-      <p:grpSpPr>
-        <a:xfrm>
-          <a:off x="0" y="0"/>
-          <a:ext cx="0" cy="0"/>
-          <a:chOff x="0" y="0"/>
-          <a:chExt cx="0" cy="0"/>
-        </a:xfrm>
-      </p:grpSpPr>
-      <p:sp>
-        <p:nvSpPr>
-          <p:cNvPr id="4" name="Titolo 3"/>
-          <p:cNvSpPr>
-            <a:spLocks noGrp="1"/>
-          </p:cNvSpPr>
-          <p:nvPr>
-            <p:ph type="title"/>
-          </p:nvPr>
-        </p:nvSpPr>
-        <p:spPr>
-          <a:xfrm>
-            <a:off x="993760" y="37218"/>
-            <a:ext cx="8911687" cy="959722"/>
-          </a:xfrm>
-        </p:spPr>
-        <p:txBody>
-          <a:bodyPr/>
-          <a:lstStyle/>
-          <a:p>
-            <a:r>
-              <a:rPr lang="it-IT" dirty="0" err="1"/>
-              <a:t>Bounded</a:t>
-            </a:r>
-            <a:r>
-              <a:rPr lang="it-IT" dirty="0"/>
-              <a:t> K-</a:t>
-            </a:r>
-            <a:r>
-              <a:rPr lang="it-IT" dirty="0" err="1"/>
-              <a:t>Means</a:t>
-            </a:r>
-            <a:endParaRPr lang="it-IT" dirty="0"/>
-          </a:p>
-        </p:txBody>
-      </p:sp>
-      <p:sp>
-        <p:nvSpPr>
-          <p:cNvPr id="7" name="Segnaposto contenuto 6"/>
-          <p:cNvSpPr>
-            <a:spLocks noGrp="1"/>
-          </p:cNvSpPr>
-          <p:nvPr>
-            <p:ph idx="1"/>
-          </p:nvPr>
-        </p:nvSpPr>
-        <p:spPr>
-          <a:xfrm>
-            <a:off x="5974430" y="2862469"/>
-            <a:ext cx="5487651" cy="3608569"/>
-          </a:xfrm>
-        </p:spPr>
-        <p:txBody>
-          <a:bodyPr>
-            <a:normAutofit/>
-          </a:bodyPr>
-          <a:lstStyle/>
-          <a:p>
-            <a:pPr marL="0" indent="0">
-              <a:buNone/>
-            </a:pPr>
-            <a:endParaRPr lang="it-IT" dirty="0"/>
-          </a:p>
-          <a:p>
-            <a:endParaRPr lang="it-IT" sz="1900" dirty="0"/>
-          </a:p>
-        </p:txBody>
-      </p:sp>
-      <p:sp>
-        <p:nvSpPr>
-          <p:cNvPr id="5" name="AutoShape 4" descr="data:image/png;base64,iVBORw0KGgoAAAANSUhEUgAAAYQAAAEGCAYAAABlxeIAAAAABHNCSVQICAgIfAhkiAAAAAlwSFlzAAALEgAACxIB0t1+/AAAADh0RVh0U29mdHdhcmUAbWF0cGxvdGxpYiB2ZXJzaW9uMy4yLjIsIGh0dHA6Ly9tYXRwbG90bGliLm9yZy+WH4yJAAAgAElEQVR4nO3df5Rc9Xnf8fezq5FZAWVRtS6w6AfuoeJYkcXCBgTKaYG6Eb8MW8AFDrUbxw3FtVvgOGpFkgPCpEWJjkNig+FQh5NQq5jakhccRFUSSMD4CLP6hSxAMQEDWqlGBlb80GKtVk//mDur2dl7Z+7Mzp25d+bzOmfPzs7cmXk0DPe531/P19wdERGRjmYHICIi6aCEICIigBKCiIgElBBERARQQhARkcCMZgdQrTlz5viCBQuaHYaISKZs3rz5l+7eU+6YzCWEBQsWMDQ01OwwREQyxcxer3RMYl1GZjbXzJ4ys5fMbKeZ3RhyzHlmtt/MtgU/tyYVj4iIlJdkC+EQ8FV332JmxwKbzewJd3+x5Lhn3P3SBOMQEZEYEmshuPted98S3H4feAnoTer9RERkehoyy8jMFgB9wHMhD59jZtvN7HEzWxTx/OvNbMjMhvbt25dgpCIi7SvxhGBmxwDrgJvc/b2Sh7cA8919CfBNYDDsNdz9fnfvd/f+np6yg+QiIlKjRGcZmVmOfDJY6+7rSx8vThDuvsHMvmVmc9z9l0nGJSLZMLh1mDUbd7FnZJSTurtYsXwhA33qeU5KYgnBzAz4c+Ald/+TiGNOAH7h7m5mZ5FvsbydVEwikh2DW4e5Zf0ORsfGARgeGeWW9TsAlBQSkmQLYRnwOWCHmW0L7vs9YB6Au98HXAV8ycwOAaPANa563CICrNm4ayIZFIyOjbNm4y4lhIQklhDc/UeAVTjmbuDupGIQkezaMzJa1f0yfaplJCKpdFJ3V1X3y/QpIYhIKq1YvpCuXOek+7pynaxYvrBJEbW+zNUyEpH2UBgn0CyjxlFCEJHUGujrVQJoIHUZiYgIoBaCiEjqNWqBnhKCiEiKNXKBnrqMRERSrNwCvXpTQhARSbFGLtBTQhARSbFGLtBTQhARSbFGLtDToLKISIo1coGeEoKISMo1aoGeuoxERARQQhARkYASgoiIAEoIIiISUEIQERFACUFERAJKCCIiAighiIhIQAlBREQAJQQREQkoIYiICKCEICIiASUEEREBlBBERCSghCAiIoASgoiIBJQQREQEUEIQEZGAEoKIiABKCCIiEkgsIZjZXDN7ysxeMrOdZnZjyDFmZt8ws1fM7AUzOyOpeEREpLwZCb72IeCr7r7FzI4FNpvZE+7+YtExFwGnBj9nA/cGv0VEpMESayG4+1533xLcfh94CegtOexy4EHP2wR0m9mJScUkIiLRGjKGYGYLgD7guZKHeoE3i/7ezdSkgZldb2ZDZja0b9++pMIUEWlriScEMzsGWAfc5O7vlT4c8hSfcof7/e7e7+79PT09SYQpItL2Ek0IZpYjnwzWuvv6kEN2A3OL/j4Z2JNkTCIiEi7JWUYG/Dnwkrv/ScRhjwKfD2YbLQX2u/vepGISEZFoSc4yWgZ8DthhZtuC+34PmAfg7vcBG4CLgVeAA8AXEoxHRETKSCwhuPuPCB8jKD7GgS8nFYOIiMSnlcoiIgIoIYiISEAJQUREACUEEREJKCGIiAighCAiIgElBBERAZQQREQkoIQgIiKAEoKIiASUEEREBFBCEBGRgBKCiIgASggiIhJQQhAREUAJQUREAkoIIiICKCGIiEhACUFERAAlBBERCSghiIgIoIQgIiIBJQQREQGUEEREJKCEICIigBKCiIgElBBERARQQhARkYASgoiIAEoIIiISmNHsAESSNLh1mDUbd7FnZJSTurtYsXwhA329zQ5LJJWUEKRlDW4d5pb1OxgdGwdgeGSUW9bvAFBSEAmRWJeRmT1gZm+Z2U8jHj/PzPab2bbg59akYpH2tGbjrolkUDA6Ns6ajbuaFJFIuiXZQvgL4G7gwTLHPOPulyYYg7SxPSOjVd3fTOrakjRIrIXg7k8D7yT1+iKVnNTdVdX9zVLo2hoeGcU50rU1uHW42aFJm2n2LKNzzGy7mT1uZouiDjKz681syMyG9u3b18j4JMNWLF9IV65z0n1duU5WLF/YpIjCqWtL0qKZCWELMN/dlwDfBAajDnT3+9293937e3p6GhagZNtAXy93XrGY3u4uDOjt7uLOKxanrismS11b0toqjiGYmQHXAZ9w96+Z2TzgBHf/yXTe2N3fK7q9wcy+ZWZz3P2X03ldaYys9HkP9PWmMq5iJ3V3MRxy8k9b15a0vjgthG8B5wDXBn+/D9wz3Tc2sxOCZIOZnRXE8vZ0X1eSpz7v+spK15a0vjizjM529zPMbCuAu79rZjMrPcnMHgLOA+aY2W7gNiAXvMZ9wFXAl8zsEDAKXOPuXts/QxqpXJ932q/GoxS3eI7rymEGIwfGGtL6Kbx2Flpc0triJIQxM+sEHMDMeoDDlZ7k7tdWePxu8tNSJWNarc+7dAHbyOjYxGONWsyWha4taX1xuoy+AfwA+LiZ/TfgR8B/TzSqFBncOsyy1U9yysrHWLb6SXWLkJ3pnHGFtXiKacaPtIuKCcHd1wL/BbgT2AsMuPv3kg4sDdRXHq7V+rzjtGyy2voRqUbFhGBmS4Fhd78n6ObZbWZnJx9a82l+eLisTOeMK07LJqutH5FqxBlDuBc4o+jvD0Pua0mt1ldeT63U571i+cJJYwilstz6EalGnDEEK5794+6HaZMqqa3WVy7hSls83V05jp+Va4nWj0g14pzYXzWz/0y+VQDwH4FXkwspPcKuHHW12JpaqcUjUqs4LYQbgHOBYWA3cDZwfZJBpUWr9ZWLiJRjWVsL1t/f70NDQ80OQ0QkU8xss7v3lzsmTi2jHuB3gAXFx7v7b083QBERSY84YwiPAM8Afw1Er94REZFMi5MQZrn7f008EhERaao4g8p/ZWYXJx6JiIg0VZyEcCP5pDBqZu+Z2ftm9l7FZ4mISKZU7DJy92MbEYhI0rKyqY9Is8RacWxmxwOnAkcV7nP3p5MKSqTeSktcN6qstUiWxClu9++Bp4GNwO3B71XJhiVSXypUKFJZnBbCjcCvA5vc/XwzO418YsgMdRWIChWKVBZnUPkjd/8IwMw+5u4vA5kp5qM9DQRUqFAkjjgJYbeZdQODwBNm9giwJ9mw6kddBQKtt6mPSBLizDL618HNVWb2FHAc8H8SjaqO1FUgoI3sReKITAhm9o/c/T0zm110947g9zHAO4lGVicndXcxHHLyV1dB+1GJa5HyynUZ/a/g92ZgKOR3JqirQEQknsgWgrtfamYG/At3f6OBMdWVugpEROIpO4bg7m5mPwDObFA8iVBXgcSh6cnS7uLMMtpkZr+eeCQiTaTpySLxFqadD/wHM3sd+BAw8o2HTyUamTRVu10tl5ue3Mr/bpFicRLCRYlHIanSjnV/ND1ZJEaXkbu/7u6vA6OAF/1Ii6rHYr7BrcMsW/0kp6x8jGWrn0x914tWMovEK253mZn9DHgN+Dvg58DjCcclCYh7kp7u1XIW++M1PVkk3qDyHcBS4O/d/RTgXwLPJhqV1F01J+npXi1nsVzIQF8vd16xmN7uLgzo7e7izisWt2wXmUiYOGMIY+7+tpl1mFmHuz9lZn+UeGRSV9UMmq5YvnDSGAJUd7Wc1f54TU+WdhcnIYyY2THAM8BaM3sLOJRsWFJv1Zykp7uYT+VCRLIpTkJ4Gugmvy/CvyVf3O5rlZ5kZg8AlwJvufuvhTxuwJ8BFwMHgN9y9y3xQ5dqVHuSns7V8nRbGCLSHHHGEIz8Lml/S76o3cPu/naM5/0FcGGZxy8ivy3nqcD1wL0xXlNq1MhBU/XHi2RTnPLXtwO3m9mngKuBvzOz3e7+6QrPe9rMFpQ55HLgQXd38quhu83sRHffGz98iavRNZ3UHy+SPXG6jAreAv4f8Dbw8Tq8dy/wZtHfu4P7lBASopN0/bTbSm5pDxUTgpl9iXzLoAf4PvA77v5iHd7bQu4LXfBmZteT71Zi3rx5dXjr9pPGE1gaY4qjHVdyS3uIM4YwH7jJ3Re5+211SgaQbxHMLfr7ZCK25nT3+9293937e3p66vT27SONC8XSGFNcWVxnIRJHnNIVK919WwLv/SjwectbCuzX+EEy0ngCS2NMcWV1nYVIJdWMIVTFzB4CzgPmmNlu4DYgB+Du9wEbyE85fYX8tNMvJBVLu0vjCSyNMcWldRbSqhJLCO5+bYXHHfhyUu8vR6TxBJbGmOLSOgtpVXHGECTj0li4rVkx1aMKq9ZZSKtKrIUg6dGoNQjVzBoqjml4ZJROs0ljCEmcXOs5O0hTeKUVWb7nJjv6+/t9aGio2WGkRuEkXDipjrvT24QpnKUnW8hf8Ve6cq71ebVYtvrJ0G6q3u4unl15QV3fSyRtzGyzu/eXO0ZdRhlWPHUTYDxI7s2YwlnrrKFVj+5s2GyjLA9kizSCEkKGhZ2ECxo9hbOWk+3g1mFGRseqfl6ttCuaSHkaQ8iwSifNRl75Vpo1FDa+UC5hJXGSLjc7KKurpkXqSQkhw6JOwsWPN0qlk23YYG5U66bwegX1OllHDa4DKkUhghJCpoWdhAsaPa203EymZaufDB0n6DA4HDKn4eiZnROvV++6QWGzg6LiC9tNrh7UGpG0UkLIsLCpm82aZVSIJ+w9o7quwpIBwIcHx1m2+smJbqWkT9aNHGxWYTxJMyWEjEvjfPjSK+DuWTnePRA+eBylUrdSPU/WjVw13YgEJ1IrzTKSWOKu8A2rYvrBR4fo7Jhc7TzXaXR35cq+5+jYOJ0WViW9vifrRq6a1tRXSTMlBKmomlLVYVfAY4ed8dL+IYdLl5w45URcatw98ZN1I0tRaOqrpJm6jKSiaro54l7pjh12nnp5H3desXhiDCRMd1cOMybev7srx6rLFtX9ZF3Prrdyg8YqjCdpphaCVFRNN0c1V7p7RkYZ6Ovl2ZUX8KdXnz6lJZDrMD48eGjS+MP+0TFuenhbzYXpqlFLIbxKrSkVxpM0UwtBKqpm0DXsCtgI3xu1+Plh01YPlCQDil4n6dk5tc4GitOaSuNEABFQC0FiqGbQNewK+Lql82I9v9BaeG31JTy78gJGKsxMSrI8R621mTRoLFmmFoJUNNDXy9Dr7/DQc28y7k6nGVeeOfUqt7Tv/K6rT584pn/+7KpLXceZrprUibbWE3uWN/4RUQtBKhrcOsy6zcMT1VTH3Vm3eXhSn3qcvvNCSyNOVdbBrcN88NGhirEldaKtdTZQGjcjEolLCaHF1GNHsFJR3SfFg7txuliq6YZZs3EXY1FLmQO5DuPAwUN1/bcW1Hpi16CxZJm6jFpIUmURynWTVLOiuJpumHLvacBxXblJM5DqPcg8nV3mNGgsWaUWQguJcyVfi0rdJOVWFHeYTbxvNd0wUcf2dnfx2upLOPpjMxgbn9yCqHWQOapVVTrIrZO8tDolhBYS50q+lqQQ1n1SKmxFceH+wvtW0w0TdqwB55/WA1Q/6Bt10q9mFbZIq1NCSIl69P3HuZKv5Qq60C9ervZQb3cXZ8w7ruz7VtO/PtDXy5Vn9lLc7nBg7aY3+IPBHVW1Nsqd9GudXirSijSGkAL16vsvtz9CwXSmaf7q0OHQ+7tynZx/Wg/f2fRGxfetpn/9qZf3TVnQVkgK1y2dx7rNw7FKQJQ76WvdgMgRaiGkQL2uUouvwKNUakVEtVSi9m/uNOPOKxbz2At7y75uLdNDo07KDhN1kAr/1uK1DaWtq3InfRWbEzlCCSEFok5Y5bbHjFKuNlClaZPlulaiN7lxBvp6Ky4gq2UefrmT8vDIKGs27uL803oqrm0od9JfsXwhudLS3B2mdQPSlpQQUiDqhGVQ8+BmLfPhy7VUyp1UpzsAG9UqWbF8IeFzl/KGR0ZZu+mN0Jhv/+HOidf88FeHyHVOfqVJybH0Tcq9qUgLM/fyi3/Spr+/34eGhpodRl0Nbh3m5oe3hRaA6+3u4tmVFzQkjlNWPhYagwF3XX16aNnmSuWrS48NK3cRNu5x/Kwct31mEUOvv8PaTW+ExlWNXIdxzFEzGDkwNmW/57DYG/m5izSCmW129/5yx6iFkAIDfb2RJ7ywrpokViNDdEvFybcerjyzd1KL48oze2MlA8hftX/1f2+fEmvU2MS7B8a4Zf0O+ufP5q6rTy87LhLH2GFn1swZU9YUaFBZ5AglhJSIOuGVnqSTmDdfSDDlTuzDI6Os25xfS/Da6ktYsXwh6zYPVzXOUbwmoaDcibd4uuqzKy+I/Izi9vCEvddxEVNpNags7UgJISXiLtqazoyksJbFHwzu4OaHt8W+yi+8T9SVfTWvMbh1mI6IFc4FxSfxqM/ouqXzJrVcotZLhCXXDw9OLaCnQWVpV1qHkBJxa+fU2sURttZhxfe3Tyn/UEnhfabTpbJnZHQinvEKY1gdZpyy8rGJz6MwZlHuMwobl4hKrmH//mOOmqEyFdKWlBBSJM6irVrr7Ydd0VebDIrf57iuHCOj5aeaRukw46aHt8U6tnQ66Z1XLK442Dvd5FppYx6RVpXoLCMzuxD4M6AT+La7ry55/DzgEeC14K717v61cq/ZirOMqhF29ZvrNI6eOYP9o2ORJ7+oGUTVOn5WjpEDY5hBherUieg047D7pH9nuU3ty9EMI2kncWYZJdZCMLNO4B7gXwG7gefN7FF3f7Hk0Gfc/dKk4mg1pVe/s2Z28uHB8Ymr9aiyF1Eti2oVFqCVu44w8q2ASt1BtShtMQy9/s6kEhbVlP0IK/WhzWyknSU5qHwW8Iq7v+ruB4HvApcn+H5tozDr5q6rT+fAwakDu2GDzHEqltZDpxl3XX06h6eZDOLMHBodG+eh596seZC9dPHe8bNyfGxGBzdPs1y4SFYlmRB6gTeL/t4d3FfqHDPbbmaPm9misBcys+vNbMjMhvbt25dErJm0ZuOu2OsXSk9+SRl3Z8X3tzNzRvVfrQ5jYqbQdUvnTVldHPV+YeIOehcn14/GDjMyOqYy2NK2kkwIYf83l/7fuwWY7+5LgG8Cg2Ev5O73u3u/u/f39PTUOczsKnfSCxtkLt7wZboLvcoZG/fIyqjluDOxcKx//uyp35YQURvzVLuOQGWwRZJNCLuBuUV/nwzsKT7A3d9z9w+C2xuAnJnNSTCmllKuBlKlfvCwLqRch9HRgDo+USfx7llH1g/E2VO5K9fJtWfPrcum9lqxLJJsQngeONXMTjGzmcA1wKPFB5jZCWb5s4OZnRXE83aCMbWU80/rCa3Ldt3SeRUHVMOK3x1z1IzEZw51mvH1f7MktDvog48OTXTRVNpTuVCs7w8HFtdlU3uVwRZJcJaRux8ys68AG8lPO33A3Xea2Q3B4/cBVwFfMrNDwChwjWet2l6TDG4dZt3m4Um9KoVk8IcDi2O9RumMpUZ88NeePZeBvl5WPbpzyjqGscM+UaoialZU2JTQemxqrxlHIgkvTAu6gTaU3Hdf0e27gbuTjKFVhfV5FzaOCRM2Vx+ouMNaPS37p7MnktX+iEVtwyOjLFj5WOhjpSfoWtcfhIm7mE2klan8dUaVK1X92upLJt0XVcrhqFxHxY1tktBpxsdmGAfG4g8895acoAe3Dk8pvZHrNNZctUQncZEQKn/dwqrp846aQdOMZAD5qaLVJIPCIHnxif72H+6cUnpjbNy5/Yc76xWmSNtRQsiouNVRIfszZRxY8b3JeylEJbNmJTmRVqCEkFHVbJEZ1Zro7splZrfIwoCziCRH1U4zrNzsmuIB1+O6cuQ6bVIXS1euk1WX5beo/M6mNxoV8rQUt3S6I6qtRu2FICKVKSG0gNLZNuef1jOp4NvI6Bi5DpuoVFo8g2agr5f++bO5Zf0LjFbRr5+E7q4c+z8aiyycV9zSWXXZIlZ8b/ukxWu5DmPVZaHVT0QkBiWEjAvb+CZsU/rCnsJbb/3NiQRy88PbJhLIwUPNn21WOJmHbdxTuovZQF8vQ6+/w0PPvcm4O51mXH3WXM0wEpkGjSFkXNR6hDDFO5UV78n8nU1vJFKquhYDfb2suWoJxxeVsejuyrHms5OnkxYW5hXiHndn3eZhFaMTmQatQ8i4aja+KRS0q8e+CEk4flaOrbf+ZqxjtbmNSHW0DqENlCtwV/r38MhoapMBVDdlVMXoROpPCSHjotYjXLd03kSLwIhVSToVTln5WKzNaVSMTqT+lBAyLmo9Qv/82RPHNDIZTHddQ2Fco3QhWqlqFuaJSDwaQ2hBYbWLGiXXYeQ6q6tTFKW7K8e226LHFOpZ3E6k1cUZQ9C00xZSOEHGGSfo7e5KpOT12GHnUJ02VQhbeFasHmWvReQIdRm1iOLppJUUulZmzeyseGwtstXmFJECJYQWEbYeIUphr+APDza+S6kaxWsRRCR5SggtotrplsMjo00pbDez06a8b67D6CzZzDnXadz2GZWhEGkkJYQWUct0S2fqrKCuXGeiBeLGxp27rj590qyoNZ9dwtc/u2TyfdroRqThNKjcIsL2BM51GMccNYORA2OR/frOkQHmcltr1mstw0ndXZGDwUoAIs2lhNAiKu0JXEuph3IVVAuiEkV3V45fHTqsTetFMkTrENpE1L7KUZvqRL1GacKBqa2JwuuCNq0XSQutQ5AJlVoQcV8j6vio11UCEMkOtRBERNqAqp2KiEhsSggiIgIoIYiISEAJQUREACUEEREJaNppm9DeASJSiRJCGyhdlDY8Msot63cAWicgIkeoy6gNhJXGLpTAFhEpUEJoA1GlsastmS0irS3RhGBmF5rZLjN7xcxWhjxuZvaN4PEXzOyMJONpV1GlsWspmS0irSuxhGBmncA9wEXAJ4FrzeyTJYddBJwa/FwP3JtUPO1sxfKFdOUmb5epyqMiUirJFsJZwCvu/qq7HwS+C1xecszlwIOetwnoNrMTE4ypLQ309XLnFYsnbUBTTZVTEWkPSc4y6gXeLPp7N3B2jGN6gb3FB5nZ9eRbEMybN6/ugbaDcpVKRUQg2RZC2Ja9paVV4xyDu9/v7v3u3t/T01OX4EREZLIkE8JuYG7R3ycDe2o4RkREGiDJhPA8cKqZnWJmM4FrgEdLjnkU+Hww22gpsN/d95a+kIiIJC+xMQR3P2RmXwE2Ap3AA+6+08xuCB6/D9gAXAy8AhwAvpBUPCIiUl6ipSvcfQP5k37xffcV3Xbgy0nGICIi8WRuC00z2we83uw4AnOAXzY7iAqyECNkI84sxAiKs56yECPEi3O+u5edlZO5hJAmZjZUaY/SZstCjJCNOLMQIyjOespCjFC/OFXLSEREACUEEREJKCFMz/3NDiCGLMQI2YgzCzGC4qynLMQIdYpTYwgiIgKohSAiIgElBBERAZQQyjKz2Wb2hJn9LPh9fMgxc83sKTN7ycx2mtmNRY+tMrNhM9sW/Fxc5/hq3oCo0nMbGON1QWwvmNmPzWxJ0WM/N7MdwWc3lFSMMeM8z8z2F/23vDXucxsY44qi+H5qZuNmNjt4rJGf5QNm9paZ/TTi8TR8LyvFmJbvZaU46/u9dHf9RPwAfwysDG6vBP4o5JgTgTOC28cCfw98Mvh7FfC7CcXWCfwD8AlgJrC98L5Fx1wMPE6+quxS4Lm4z21gjOcCxwe3LyrEGPz9c2BOA/47x4nzPOCvanluo2IsOf4zwJON/iyD9/rnwBnATyMeb+r3MmaMTf9exoyzrt9LtRDKuxz4y+D2XwIDpQe4+1533xLcfh94ifyeDkmbzgZEcZ7bkBjd/cfu/m7w5ybyFW8bbTqfR2o+yxLXAg8lEEdF7v408E6ZQ5r9vawYY0q+l3E+yyg1fZZKCOX9Ew+qrwa/P17uYDNbAPQBzxXd/ZWg2flAWJfTNERtLhTnmDjPbVSMxb5I/sqxwIH/a2abLb9JUlLixnmOmW03s8fNbFGVz21UjJjZLOBCYF3R3Y36LONo9veyWs36XsZVt+9losXtssDM/ho4IeSh36/ydY4h/z/gTe7+XnD3vcAd5L9AdwBfB3679mgnv2XIfXE3IIq1MVEdxH4fMzuf/P94v1F09zJ332NmHweeMLOXgyumZsS5hXwtmA+CsaBB8nuBp+6zJN9d9Ky7F19ZNuqzjKPZ38vYmvy9jKOu38u2byG4+6fd/ddCfh4BfhE0ZQl+vxX2GmaWI58M1rr7+qLX/oW7j7v7YeB/kG/G1ct0NiBq1MZEsd7HzD4FfBu43N3fLtzv7nuC328BP6C+n19Vcbr7e+7+QXB7A5AzszlxntuoGItcQ0l3UQM/yzia/b2MJQXfy4rq/r1sxMBIVn+ANUweVP7jkGMMeBD405DHTiy6fTPw3TrGNgN4FTiFI4NGi0qOuYTJg3c/ifvcBsY4j/x+GOeW3H80cGzR7R8DFyb03zlOnCdwZCHnWcAbweeams8yOO448n3ORzfjsyx6zwVED4Q29XsZM8amfy9jxlnX72Vi/4hW+AH+MfA3wM+C37OD+08CNgS3f4N8U+wFYFvwc3Hw2P8EdgSPPUpRgqhTfBeTn9X0D8DvB/fdANwQ3DbgnuDxHUB/uecm9BlWivHbwLtFn91QcP8ngi/xdmBnkjHGjPMrQRzbyQ8ynlvuuc2IMfj7tyi58GjCZ/kQsBcYI3+l+sUUfi8rxZiW72WlOOv6vVTpChERATSGICIiASUEEREBlBBERCSghCAiIoASgoiIBJQQREQEUEIQEZGAEoJICDNbYGYvm9m3g70F1prZp83sWcvvj3GWmR0dFC183sy2mtnlRc99xsy2BD/nBvefZ2Z/a2bfD157rZmF1ZwRaQotTBMJEVSufYV89dqdwPPkV4N+EbgM+ALwIvCiu3/HzLqBnwTHO3DY3T8ys1OBh9y938zOAx4BFpGvK/MssMLdf9TAf5pIpLavdipSxmvuvgPAzHYCf+PubmY7yNeXORm4zMx+Nzj+KPI1cPYAd5vZ6cA48M+KXvMn7r47eM1twesoIUgqKCGIRPtV0e3DRc85vJ4AAACPSURBVH8fJv//zjhwpbvvKn6Sma0CfgEsId8t+1HEa46j/wclRTSGIFK7jcB/KowDmFlfcP9xwF7Plz3/HPntDEVSTwlBpHZ3ADnghWAT9DuC+78F/Dsz20S+u+jDJsUnUhUNKouICKAWgoiIBJQQREQEUEIQEZGAEoKIiABKCCIiElBCEBERQAlBREQC/x/zeozQg7cqcwAAAABJRU5ErkJggg=="/>
-          <p:cNvSpPr>
-            <a:spLocks noChangeAspect="1" noChangeArrowheads="1"/>
-          </p:cNvSpPr>
-          <p:nvPr/>
-        </p:nvSpPr>
-        <p:spPr bwMode="auto">
-          <a:xfrm>
-            <a:off x="63500" y="-144463"/>
-            <a:ext cx="304800" cy="304801"/>
-          </a:xfrm>
-          <a:prstGeom prst="rect">
-            <a:avLst/>
-          </a:prstGeom>
-          <a:noFill/>
-          <a:extLst>
-            <a:ext uri="{909E8E84-426E-40DD-AFC4-6F175D3DCCD1}">
-              <a14:hiddenFill xmlns:a14="http://schemas.microsoft.com/office/drawing/2010/main">
-                <a:solidFill>
-                  <a:srgbClr val="FFFFFF"/>
-                </a:solidFill>
-              </a14:hiddenFill>
-            </a:ext>
-          </a:extLst>
-        </p:spPr>
-        <p:txBody>
-          <a:bodyPr vert="horz" wrap="square" lIns="91440" tIns="45720" rIns="91440" bIns="45720" numCol="1" anchor="t" anchorCtr="0" compatLnSpc="1">
-            <a:prstTxWarp prst="textNoShape">
-              <a:avLst/>
-            </a:prstTxWarp>
-          </a:bodyPr>
-          <a:lstStyle/>
-          <a:p>
-            <a:endParaRPr lang="it-IT"/>
-          </a:p>
-        </p:txBody>
-      </p:sp>
-      <p:sp>
-        <p:nvSpPr>
-          <p:cNvPr id="11" name="Rettangolo 10"/>
-          <p:cNvSpPr/>
-          <p:nvPr/>
-        </p:nvSpPr>
-        <p:spPr>
-          <a:xfrm>
-            <a:off x="5815837" y="517079"/>
-            <a:ext cx="4715070" cy="384721"/>
-          </a:xfrm>
-          <a:prstGeom prst="rect">
-            <a:avLst/>
-          </a:prstGeom>
-        </p:spPr>
-        <p:txBody>
-          <a:bodyPr wrap="square">
-            <a:spAutoFit/>
-          </a:bodyPr>
-          <a:lstStyle/>
-          <a:p>
-            <a:r>
-              <a:rPr lang="it-IT" sz="1900" spc="10" dirty="0">
-                <a:solidFill>
-                  <a:schemeClr val="tx1">
-                    <a:lumMod val="65000"/>
-                    <a:lumOff val="35000"/>
-                  </a:schemeClr>
-                </a:solidFill>
-              </a:rPr>
-              <a:t>                      Pesi del portafogli statico</a:t>
-            </a:r>
-          </a:p>
-        </p:txBody>
-      </p:sp>
-      <p:pic>
-        <p:nvPicPr>
-          <p:cNvPr id="8" name="Immagine 7">
-            <a:extLst>
-              <a:ext uri="{FF2B5EF4-FFF2-40B4-BE49-F238E27FC236}">
-                <a16:creationId xmlns:a16="http://schemas.microsoft.com/office/drawing/2014/main" id="{0F2D73E5-EFE3-492D-8270-ABD46444678E}"/>
-              </a:ext>
-            </a:extLst>
-          </p:cNvPr>
-          <p:cNvPicPr>
-            <a:picLocks noChangeAspect="1"/>
-          </p:cNvPicPr>
-          <p:nvPr/>
-        </p:nvPicPr>
-        <p:blipFill>
-          <a:blip r:embed="rId2"/>
-          <a:stretch>
-            <a:fillRect/>
-          </a:stretch>
-        </p:blipFill>
-        <p:spPr>
-          <a:xfrm>
-            <a:off x="993760" y="1340542"/>
-            <a:ext cx="4332164" cy="2555597"/>
-          </a:xfrm>
-          <a:prstGeom prst="rect">
-            <a:avLst/>
-          </a:prstGeom>
-        </p:spPr>
-      </p:pic>
-      <p:pic>
-        <p:nvPicPr>
-          <p:cNvPr id="10" name="Immagine 9">
-            <a:extLst>
-              <a:ext uri="{FF2B5EF4-FFF2-40B4-BE49-F238E27FC236}">
-                <a16:creationId xmlns:a16="http://schemas.microsoft.com/office/drawing/2014/main" id="{52A46187-DDFF-4ED3-B3A8-51695C2FA829}"/>
-              </a:ext>
-            </a:extLst>
-          </p:cNvPr>
-          <p:cNvPicPr>
-            <a:picLocks noChangeAspect="1"/>
-          </p:cNvPicPr>
-          <p:nvPr/>
-        </p:nvPicPr>
-        <p:blipFill>
-          <a:blip r:embed="rId3"/>
-          <a:stretch>
-            <a:fillRect/>
-          </a:stretch>
-        </p:blipFill>
-        <p:spPr>
-          <a:xfrm>
-            <a:off x="6977955" y="976017"/>
-            <a:ext cx="3571875" cy="3190875"/>
-          </a:xfrm>
-          <a:prstGeom prst="rect">
-            <a:avLst/>
-          </a:prstGeom>
-        </p:spPr>
-      </p:pic>
-      <p:pic>
-        <p:nvPicPr>
-          <p:cNvPr id="13" name="Immagine 12">
-            <a:extLst>
-              <a:ext uri="{FF2B5EF4-FFF2-40B4-BE49-F238E27FC236}">
-                <a16:creationId xmlns:a16="http://schemas.microsoft.com/office/drawing/2014/main" id="{E7143EF6-B491-4E84-BC12-CEC8FD71F7B2}"/>
-              </a:ext>
-            </a:extLst>
-          </p:cNvPr>
-          <p:cNvPicPr>
-            <a:picLocks noChangeAspect="1"/>
-          </p:cNvPicPr>
-          <p:nvPr/>
-        </p:nvPicPr>
-        <p:blipFill>
-          <a:blip r:embed="rId4"/>
-          <a:stretch>
-            <a:fillRect/>
-          </a:stretch>
-        </p:blipFill>
-        <p:spPr>
-          <a:xfrm>
-            <a:off x="1024139" y="4574802"/>
-            <a:ext cx="9525691" cy="1896236"/>
-          </a:xfrm>
-          <a:prstGeom prst="rect">
-            <a:avLst/>
-          </a:prstGeom>
-        </p:spPr>
-      </p:pic>
-      <p:sp>
-        <p:nvSpPr>
-          <p:cNvPr id="14" name="CasellaDiTesto 13">
-            <a:extLst>
-              <a:ext uri="{FF2B5EF4-FFF2-40B4-BE49-F238E27FC236}">
-                <a16:creationId xmlns:a16="http://schemas.microsoft.com/office/drawing/2014/main" id="{EDF48C25-E1CB-4E43-85B8-F039B8FDD053}"/>
-              </a:ext>
-            </a:extLst>
-          </p:cNvPr>
-          <p:cNvSpPr txBox="1"/>
-          <p:nvPr/>
-        </p:nvSpPr>
-        <p:spPr>
-          <a:xfrm>
-            <a:off x="1024139" y="4166892"/>
-            <a:ext cx="3044278" cy="384721"/>
-          </a:xfrm>
-          <a:prstGeom prst="rect">
-            <a:avLst/>
-          </a:prstGeom>
-          <a:noFill/>
-        </p:spPr>
-        <p:txBody>
-          <a:bodyPr wrap="square" rtlCol="0">
-            <a:spAutoFit/>
-          </a:bodyPr>
-          <a:lstStyle/>
-          <a:p>
-            <a:r>
-              <a:rPr lang="it-IT" sz="1900" spc="10" dirty="0">
-                <a:solidFill>
-                  <a:schemeClr val="tx1">
-                    <a:lumMod val="65000"/>
-                    <a:lumOff val="35000"/>
-                  </a:schemeClr>
-                </a:solidFill>
-              </a:rPr>
-              <a:t>Pesi portafoglio </a:t>
-            </a:r>
-            <a:r>
-              <a:rPr lang="it-IT" sz="1900" i="1" spc="10" dirty="0" err="1">
-                <a:solidFill>
-                  <a:schemeClr val="tx1">
-                    <a:lumMod val="65000"/>
-                    <a:lumOff val="35000"/>
-                  </a:schemeClr>
-                </a:solidFill>
-              </a:rPr>
-              <a:t>rolling</a:t>
-            </a:r>
-            <a:endParaRPr lang="it-IT" sz="1900" i="1" spc="10" dirty="0">
-              <a:solidFill>
-                <a:schemeClr val="tx1">
-                  <a:lumMod val="65000"/>
-                  <a:lumOff val="35000"/>
-                </a:schemeClr>
-              </a:solidFill>
-            </a:endParaRPr>
-          </a:p>
-        </p:txBody>
-      </p:sp>
-    </p:spTree>
-    <p:extLst>
-      <p:ext uri="{BB962C8B-B14F-4D97-AF65-F5344CB8AC3E}">
-        <p14:creationId xmlns:p14="http://schemas.microsoft.com/office/powerpoint/2010/main" val="141028710"/>
-      </p:ext>
-    </p:extLst>
-  </p:cSld>
-  <p:clrMapOvr>
-    <a:masterClrMapping/>
-  </p:clrMapOvr>
-</p:sld>
-</file>
-
-<file path=ppt/slides/slide13.xml><?xml version="1.0" encoding="utf-8"?>
-<p:sld xmlns:a="http://schemas.openxmlformats.org/drawingml/2006/main" xmlns:r="http://schemas.openxmlformats.org/officeDocument/2006/relationships" xmlns:p="http://schemas.openxmlformats.org/presentationml/2006/main">
-  <p:cSld>
-    <p:spTree>
-      <p:nvGrpSpPr>
-        <p:cNvPr id="1" name=""/>
-        <p:cNvGrpSpPr/>
-        <p:nvPr/>
-      </p:nvGrpSpPr>
-      <p:grpSpPr>
-        <a:xfrm>
-          <a:off x="0" y="0"/>
-          <a:ext cx="0" cy="0"/>
-          <a:chOff x="0" y="0"/>
-          <a:chExt cx="0" cy="0"/>
-        </a:xfrm>
-      </p:grpSpPr>
-      <p:sp>
-        <p:nvSpPr>
-          <p:cNvPr id="4" name="Titolo 3"/>
-          <p:cNvSpPr>
-            <a:spLocks noGrp="1"/>
-          </p:cNvSpPr>
-          <p:nvPr>
-            <p:ph type="title"/>
-          </p:nvPr>
-        </p:nvSpPr>
-        <p:spPr>
-          <a:xfrm>
             <a:off x="537128" y="223283"/>
             <a:ext cx="8911687" cy="720863"/>
           </a:xfrm>
@@ -5677,7 +5122,7 @@
 </p:sld>
 </file>
 
-<file path=ppt/slides/slide14.xml><?xml version="1.0" encoding="utf-8"?>
+<file path=ppt/slides/slide12.xml><?xml version="1.0" encoding="utf-8"?>
 <p:sld xmlns:a="http://schemas.openxmlformats.org/drawingml/2006/main" xmlns:r="http://schemas.openxmlformats.org/officeDocument/2006/relationships" xmlns:p="http://schemas.openxmlformats.org/presentationml/2006/main">
   <p:cSld>
     <p:spTree>
@@ -5780,7 +5225,7 @@
 </p:sld>
 </file>
 
-<file path=ppt/slides/slide15.xml><?xml version="1.0" encoding="utf-8"?>
+<file path=ppt/slides/slide13.xml><?xml version="1.0" encoding="utf-8"?>
 <p:sld xmlns:a="http://schemas.openxmlformats.org/drawingml/2006/main" xmlns:r="http://schemas.openxmlformats.org/officeDocument/2006/relationships" xmlns:p="http://schemas.openxmlformats.org/presentationml/2006/main">
   <p:cSld>
     <p:spTree>
@@ -5938,7 +5383,781 @@
 </p:sld>
 </file>
 
+<file path=ppt/slides/slide14.xml><?xml version="1.0" encoding="utf-8"?>
+<p:sld xmlns:a="http://schemas.openxmlformats.org/drawingml/2006/main" xmlns:r="http://schemas.openxmlformats.org/officeDocument/2006/relationships" xmlns:p="http://schemas.openxmlformats.org/presentationml/2006/main">
+  <p:cSld>
+    <p:spTree>
+      <p:nvGrpSpPr>
+        <p:cNvPr id="1" name=""/>
+        <p:cNvGrpSpPr/>
+        <p:nvPr/>
+      </p:nvGrpSpPr>
+      <p:grpSpPr>
+        <a:xfrm>
+          <a:off x="0" y="0"/>
+          <a:ext cx="0" cy="0"/>
+          <a:chOff x="0" y="0"/>
+          <a:chExt cx="0" cy="0"/>
+        </a:xfrm>
+      </p:grpSpPr>
+      <p:sp>
+        <p:nvSpPr>
+          <p:cNvPr id="4" name="Titolo 3"/>
+          <p:cNvSpPr>
+            <a:spLocks noGrp="1"/>
+          </p:cNvSpPr>
+          <p:nvPr>
+            <p:ph type="title"/>
+          </p:nvPr>
+        </p:nvSpPr>
+        <p:spPr>
+          <a:xfrm>
+            <a:off x="812915" y="601813"/>
+            <a:ext cx="9692640" cy="787555"/>
+          </a:xfrm>
+        </p:spPr>
+        <p:txBody>
+          <a:bodyPr/>
+          <a:lstStyle/>
+          <a:p>
+            <a:r>
+              <a:rPr lang="it-IT" dirty="0" err="1"/>
+              <a:t>Bounded</a:t>
+            </a:r>
+            <a:r>
+              <a:rPr lang="it-IT" dirty="0"/>
+              <a:t> K-</a:t>
+            </a:r>
+            <a:r>
+              <a:rPr lang="it-IT" dirty="0" err="1"/>
+              <a:t>Means</a:t>
+            </a:r>
+            <a:endParaRPr lang="it-IT" dirty="0"/>
+          </a:p>
+        </p:txBody>
+      </p:sp>
+      <mc:AlternateContent xmlns:mc="http://schemas.openxmlformats.org/markup-compatibility/2006">
+        <mc:Choice xmlns:a14="http://schemas.microsoft.com/office/drawing/2010/main" Requires="a14">
+          <p:sp>
+            <p:nvSpPr>
+              <p:cNvPr id="7" name="Segnaposto contenuto 6"/>
+              <p:cNvSpPr>
+                <a:spLocks noGrp="1"/>
+              </p:cNvSpPr>
+              <p:nvPr>
+                <p:ph idx="1"/>
+              </p:nvPr>
+            </p:nvSpPr>
+            <p:spPr>
+              <a:xfrm>
+                <a:off x="627320" y="1765280"/>
+                <a:ext cx="6078280" cy="4010317"/>
+              </a:xfrm>
+            </p:spPr>
+            <p:txBody>
+              <a:bodyPr>
+                <a:normAutofit/>
+              </a:bodyPr>
+              <a:lstStyle/>
+              <a:p>
+                <a:pPr marL="0" indent="0">
+                  <a:buNone/>
+                </a:pPr>
+                <a:endParaRPr lang="it-IT" dirty="0"/>
+              </a:p>
+              <a:p>
+                <a:r>
+                  <a:rPr lang="it-IT" altLang="it-IT" sz="1900" dirty="0"/>
+                  <a:t>K-</a:t>
+                </a:r>
+                <a:r>
+                  <a:rPr lang="it-IT" altLang="it-IT" sz="1900" dirty="0" err="1"/>
+                  <a:t>Means</a:t>
+                </a:r>
+                <a:r>
+                  <a:rPr lang="it-IT" altLang="it-IT" sz="1900" dirty="0"/>
+                  <a:t> non permette il controllo sulla numerosità dei cluster </a:t>
+                </a:r>
+                <a:r>
+                  <a:rPr lang="it-IT" altLang="it-IT" sz="1900" dirty="0">
+                    <a:sym typeface="Wingdings" panose="05000000000000000000" pitchFamily="2" charset="2"/>
+                  </a:rPr>
+                  <a:t> </a:t>
+                </a:r>
+                <a:r>
+                  <a:rPr lang="it-IT" altLang="it-IT" sz="1900" dirty="0" err="1">
+                    <a:sym typeface="Wingdings" panose="05000000000000000000" pitchFamily="2" charset="2"/>
+                  </a:rPr>
+                  <a:t>Bounded</a:t>
+                </a:r>
+                <a:r>
+                  <a:rPr lang="it-IT" altLang="it-IT" sz="1900" dirty="0">
+                    <a:sym typeface="Wingdings" panose="05000000000000000000" pitchFamily="2" charset="2"/>
+                  </a:rPr>
+                  <a:t> K-</a:t>
+                </a:r>
+                <a:r>
+                  <a:rPr lang="it-IT" altLang="it-IT" sz="1900" dirty="0" err="1">
+                    <a:sym typeface="Wingdings" panose="05000000000000000000" pitchFamily="2" charset="2"/>
+                  </a:rPr>
+                  <a:t>Means</a:t>
+                </a:r>
+                <a:r>
+                  <a:rPr lang="it-IT" altLang="it-IT" sz="1900" dirty="0"/>
+                  <a:t> </a:t>
+                </a:r>
+                <a:endParaRPr lang="it-IT" altLang="it-IT" sz="1900" i="1" dirty="0">
+                  <a:latin typeface="Cambria Math" panose="02040503050406030204" pitchFamily="18" charset="0"/>
+                </a:endParaRPr>
+              </a:p>
+              <a:p>
+                <a:pPr marL="0" indent="0">
+                  <a:buNone/>
+                </a:pPr>
+                <a:endParaRPr lang="it-IT" sz="1900" dirty="0"/>
+              </a:p>
+              <a:p>
+                <a:r>
+                  <a:rPr lang="it-IT" sz="1900" dirty="0"/>
+                  <a:t>Dove </a:t>
+                </a:r>
+                <a14:m>
+                  <m:oMath xmlns:m="http://schemas.openxmlformats.org/officeDocument/2006/math">
+                    <m:sSub>
+                      <m:sSubPr>
+                        <m:ctrlPr>
+                          <a:rPr lang="it-IT" altLang="it-IT" sz="1900" b="0" i="1" smtClean="0">
+                            <a:latin typeface="Cambria Math" panose="02040503050406030204" pitchFamily="18" charset="0"/>
+                          </a:rPr>
+                        </m:ctrlPr>
+                      </m:sSubPr>
+                      <m:e>
+                        <m:r>
+                          <a:rPr lang="it-IT" altLang="it-IT" sz="1900" b="0" i="1" smtClean="0">
+                            <a:latin typeface="Cambria Math" panose="02040503050406030204" pitchFamily="18" charset="0"/>
+                          </a:rPr>
+                          <m:t>𝑥</m:t>
+                        </m:r>
+                      </m:e>
+                      <m:sub>
+                        <m:r>
+                          <a:rPr lang="it-IT" altLang="it-IT" sz="1900" b="0" i="1" smtClean="0">
+                            <a:latin typeface="Cambria Math" panose="02040503050406030204" pitchFamily="18" charset="0"/>
+                          </a:rPr>
+                          <m:t>𝑝</m:t>
+                        </m:r>
+                      </m:sub>
+                    </m:sSub>
+                  </m:oMath>
+                </a14:m>
+                <a:r>
+                  <a:rPr lang="it-IT" sz="1900" dirty="0"/>
+                  <a:t> indica un generico punto, la prima disequazione paragona la SSE del cluster j-esimo con quella del cluster i-esimo, e la seconda disequazione permette il controllo sulla numerosità massima del cluster </a:t>
+                </a:r>
+                <a:r>
+                  <a:rPr lang="el-GR" sz="1900" dirty="0"/>
+                  <a:t>ζ</a:t>
+                </a:r>
+                <a:r>
+                  <a:rPr lang="it-IT" sz="1900" dirty="0"/>
+                  <a:t>.</a:t>
+                </a:r>
+              </a:p>
+              <a:p>
+                <a:r>
+                  <a:rPr lang="it-IT" sz="1900" dirty="0"/>
+                  <a:t>Il numero ottimale di cluster segue la </a:t>
+                </a:r>
+                <a:r>
+                  <a:rPr lang="it-IT" sz="1900" i="1" dirty="0" err="1"/>
+                  <a:t>elbow</a:t>
+                </a:r>
+                <a:r>
+                  <a:rPr lang="it-IT" sz="1900" i="1" dirty="0"/>
+                  <a:t> rule </a:t>
+                </a:r>
+                <a:r>
+                  <a:rPr lang="it-IT" sz="1900" dirty="0"/>
+                  <a:t>come per K-</a:t>
+                </a:r>
+                <a:r>
+                  <a:rPr lang="it-IT" sz="1900" dirty="0" err="1"/>
+                  <a:t>Means</a:t>
+                </a:r>
+                <a:r>
+                  <a:rPr lang="it-IT" sz="1900" dirty="0"/>
+                  <a:t>.</a:t>
+                </a:r>
+                <a:endParaRPr lang="it-IT" sz="1900" i="1" dirty="0"/>
+              </a:p>
+            </p:txBody>
+          </p:sp>
+        </mc:Choice>
+        <mc:Fallback>
+          <p:sp>
+            <p:nvSpPr>
+              <p:cNvPr id="7" name="Segnaposto contenuto 6"/>
+              <p:cNvSpPr>
+                <a:spLocks noGrp="1" noRot="1" noChangeAspect="1" noMove="1" noResize="1" noEditPoints="1" noAdjustHandles="1" noChangeArrowheads="1" noChangeShapeType="1" noTextEdit="1"/>
+              </p:cNvSpPr>
+              <p:nvPr>
+                <p:ph idx="1"/>
+              </p:nvPr>
+            </p:nvSpPr>
+            <p:spPr>
+              <a:xfrm>
+                <a:off x="627320" y="1765280"/>
+                <a:ext cx="6078280" cy="4010317"/>
+              </a:xfrm>
+              <a:blipFill>
+                <a:blip r:embed="rId2"/>
+                <a:stretch>
+                  <a:fillRect l="-401" b="-1674"/>
+                </a:stretch>
+              </a:blipFill>
+            </p:spPr>
+            <p:txBody>
+              <a:bodyPr/>
+              <a:lstStyle/>
+              <a:p>
+                <a:r>
+                  <a:rPr lang="it-IT">
+                    <a:noFill/>
+                  </a:rPr>
+                  <a:t> </a:t>
+                </a:r>
+              </a:p>
+            </p:txBody>
+          </p:sp>
+        </mc:Fallback>
+      </mc:AlternateContent>
+      <p:pic>
+        <p:nvPicPr>
+          <p:cNvPr id="3" name="Immagine 2">
+            <a:extLst>
+              <a:ext uri="{FF2B5EF4-FFF2-40B4-BE49-F238E27FC236}">
+                <a16:creationId xmlns:a16="http://schemas.microsoft.com/office/drawing/2014/main" id="{42411AE9-563C-4467-8080-93F883D6FDDA}"/>
+              </a:ext>
+            </a:extLst>
+          </p:cNvPr>
+          <p:cNvPicPr>
+            <a:picLocks noChangeAspect="1"/>
+          </p:cNvPicPr>
+          <p:nvPr/>
+        </p:nvPicPr>
+        <p:blipFill>
+          <a:blip r:embed="rId3"/>
+          <a:stretch>
+            <a:fillRect/>
+          </a:stretch>
+        </p:blipFill>
+        <p:spPr>
+          <a:xfrm>
+            <a:off x="6804746" y="2335573"/>
+            <a:ext cx="4274279" cy="2869729"/>
+          </a:xfrm>
+          <a:prstGeom prst="rect">
+            <a:avLst/>
+          </a:prstGeom>
+        </p:spPr>
+      </p:pic>
+      <p:pic>
+        <p:nvPicPr>
+          <p:cNvPr id="8" name="Immagine 7">
+            <a:extLst>
+              <a:ext uri="{FF2B5EF4-FFF2-40B4-BE49-F238E27FC236}">
+                <a16:creationId xmlns:a16="http://schemas.microsoft.com/office/drawing/2014/main" id="{B9EE2415-B2E8-4946-8298-EA1D9D8C3F46}"/>
+              </a:ext>
+            </a:extLst>
+          </p:cNvPr>
+          <p:cNvPicPr>
+            <a:picLocks noChangeAspect="1"/>
+          </p:cNvPicPr>
+          <p:nvPr/>
+        </p:nvPicPr>
+        <p:blipFill>
+          <a:blip r:embed="rId4"/>
+          <a:stretch>
+            <a:fillRect/>
+          </a:stretch>
+        </p:blipFill>
+        <p:spPr>
+          <a:xfrm>
+            <a:off x="727022" y="3034768"/>
+            <a:ext cx="5519248" cy="394232"/>
+          </a:xfrm>
+          <a:prstGeom prst="rect">
+            <a:avLst/>
+          </a:prstGeom>
+        </p:spPr>
+      </p:pic>
+    </p:spTree>
+    <p:extLst>
+      <p:ext uri="{BB962C8B-B14F-4D97-AF65-F5344CB8AC3E}">
+        <p14:creationId xmlns:p14="http://schemas.microsoft.com/office/powerpoint/2010/main" val="2039099879"/>
+      </p:ext>
+    </p:extLst>
+  </p:cSld>
+  <p:clrMapOvr>
+    <a:masterClrMapping/>
+  </p:clrMapOvr>
+</p:sld>
+</file>
+
+<file path=ppt/slides/slide15.xml><?xml version="1.0" encoding="utf-8"?>
+<p:sld xmlns:a="http://schemas.openxmlformats.org/drawingml/2006/main" xmlns:r="http://schemas.openxmlformats.org/officeDocument/2006/relationships" xmlns:p="http://schemas.openxmlformats.org/presentationml/2006/main">
+  <p:cSld>
+    <p:spTree>
+      <p:nvGrpSpPr>
+        <p:cNvPr id="1" name=""/>
+        <p:cNvGrpSpPr/>
+        <p:nvPr/>
+      </p:nvGrpSpPr>
+      <p:grpSpPr>
+        <a:xfrm>
+          <a:off x="0" y="0"/>
+          <a:ext cx="0" cy="0"/>
+          <a:chOff x="0" y="0"/>
+          <a:chExt cx="0" cy="0"/>
+        </a:xfrm>
+      </p:grpSpPr>
+      <p:sp>
+        <p:nvSpPr>
+          <p:cNvPr id="4" name="Titolo 3"/>
+          <p:cNvSpPr>
+            <a:spLocks noGrp="1"/>
+          </p:cNvSpPr>
+          <p:nvPr>
+            <p:ph type="title"/>
+          </p:nvPr>
+        </p:nvSpPr>
+        <p:spPr>
+          <a:xfrm>
+            <a:off x="993760" y="37218"/>
+            <a:ext cx="8911687" cy="959722"/>
+          </a:xfrm>
+        </p:spPr>
+        <p:txBody>
+          <a:bodyPr/>
+          <a:lstStyle/>
+          <a:p>
+            <a:r>
+              <a:rPr lang="it-IT" dirty="0" err="1"/>
+              <a:t>Bounded</a:t>
+            </a:r>
+            <a:r>
+              <a:rPr lang="it-IT" dirty="0"/>
+              <a:t> K-</a:t>
+            </a:r>
+            <a:r>
+              <a:rPr lang="it-IT" dirty="0" err="1"/>
+              <a:t>Means</a:t>
+            </a:r>
+            <a:endParaRPr lang="it-IT" dirty="0"/>
+          </a:p>
+        </p:txBody>
+      </p:sp>
+      <p:sp>
+        <p:nvSpPr>
+          <p:cNvPr id="7" name="Segnaposto contenuto 6"/>
+          <p:cNvSpPr>
+            <a:spLocks noGrp="1"/>
+          </p:cNvSpPr>
+          <p:nvPr>
+            <p:ph idx="1"/>
+          </p:nvPr>
+        </p:nvSpPr>
+        <p:spPr>
+          <a:xfrm>
+            <a:off x="5974430" y="2862469"/>
+            <a:ext cx="5487651" cy="3608569"/>
+          </a:xfrm>
+        </p:spPr>
+        <p:txBody>
+          <a:bodyPr>
+            <a:normAutofit/>
+          </a:bodyPr>
+          <a:lstStyle/>
+          <a:p>
+            <a:pPr marL="0" indent="0">
+              <a:buNone/>
+            </a:pPr>
+            <a:endParaRPr lang="it-IT" dirty="0"/>
+          </a:p>
+          <a:p>
+            <a:endParaRPr lang="it-IT" sz="1900" dirty="0"/>
+          </a:p>
+        </p:txBody>
+      </p:sp>
+      <p:sp>
+        <p:nvSpPr>
+          <p:cNvPr id="5" name="AutoShape 4" descr="data:image/png;base64,iVBORw0KGgoAAAANSUhEUgAAAYQAAAEGCAYAAABlxeIAAAAABHNCSVQICAgIfAhkiAAAAAlwSFlzAAALEgAACxIB0t1+/AAAADh0RVh0U29mdHdhcmUAbWF0cGxvdGxpYiB2ZXJzaW9uMy4yLjIsIGh0dHA6Ly9tYXRwbG90bGliLm9yZy+WH4yJAAAgAElEQVR4nO3df5Rc9Xnf8fezq5FZAWVRtS6w6AfuoeJYkcXCBgTKaYG6Eb8MW8AFDrUbxw3FtVvgOGpFkgPCpEWJjkNig+FQh5NQq5jakhccRFUSSMD4CLP6hSxAMQEDWqlGBlb80GKtVk//mDur2dl7Z+7Mzp25d+bzOmfPzs7cmXk0DPe531/P19wdERGRjmYHICIi6aCEICIigBKCiIgElBBERARQQhARkcCMZgdQrTlz5viCBQuaHYaISKZs3rz5l+7eU+6YzCWEBQsWMDQ01OwwREQyxcxer3RMYl1GZjbXzJ4ys5fMbKeZ3RhyzHlmtt/MtgU/tyYVj4iIlJdkC+EQ8FV332JmxwKbzewJd3+x5Lhn3P3SBOMQEZEYEmshuPted98S3H4feAnoTer9RERkehoyy8jMFgB9wHMhD59jZtvN7HEzWxTx/OvNbMjMhvbt25dgpCIi7SvxhGBmxwDrgJvc/b2Sh7cA8919CfBNYDDsNdz9fnfvd/f+np6yg+QiIlKjRGcZmVmOfDJY6+7rSx8vThDuvsHMvmVmc9z9l0nGJSLZMLh1mDUbd7FnZJSTurtYsXwhA33qeU5KYgnBzAz4c+Ald/+TiGNOAH7h7m5mZ5FvsbydVEwikh2DW4e5Zf0ORsfGARgeGeWW9TsAlBQSkmQLYRnwOWCHmW0L7vs9YB6Au98HXAV8ycwOAaPANa563CICrNm4ayIZFIyOjbNm4y4lhIQklhDc/UeAVTjmbuDupGIQkezaMzJa1f0yfaplJCKpdFJ3V1X3y/QpIYhIKq1YvpCuXOek+7pynaxYvrBJEbW+zNUyEpH2UBgn0CyjxlFCEJHUGujrVQJoIHUZiYgIoBaCiEjqNWqBnhKCiEiKNXKBnrqMRERSrNwCvXpTQhARSbFGLtBTQhARSbFGLtBTQhARSbFGLtDToLKISIo1coGeEoKISMo1aoGeuoxERARQQhARkYASgoiIAEoIIiISUEIQERFACUFERAJKCCIiAighiIhIQAlBREQAJQQREQkoIYiICKCEICIiASUEEREBlBBERCSghCAiIoASgoiIBJQQREQEUEIQEZGAEoKIiABKCCIiEkgsIZjZXDN7ysxeMrOdZnZjyDFmZt8ws1fM7AUzOyOpeEREpLwZCb72IeCr7r7FzI4FNpvZE+7+YtExFwGnBj9nA/cGv0VEpMESayG4+1533xLcfh94CegtOexy4EHP2wR0m9mJScUkIiLRGjKGYGYLgD7guZKHeoE3i/7ezdSkgZldb2ZDZja0b9++pMIUEWlriScEMzsGWAfc5O7vlT4c8hSfcof7/e7e7+79PT09SYQpItL2Ek0IZpYjnwzWuvv6kEN2A3OL/j4Z2JNkTCIiEi7JWUYG/Dnwkrv/ScRhjwKfD2YbLQX2u/vepGISEZFoSc4yWgZ8DthhZtuC+34PmAfg7vcBG4CLgVeAA8AXEoxHRETKSCwhuPuPCB8jKD7GgS8nFYOIiMSnlcoiIgIoIYiISEAJQUREACUEEREJKCGIiAighCAiIgElBBERAZQQREQkoIQgIiKAEoKIiASUEEREBFBCEBGRgBKCiIgASggiIhJQQhAREUAJQUREAkoIIiICKCGIiEhACUFERAAlBBERCSghiIgIoIQgIiIBJQQREQGUEEREJKCEICIigBKCiIgElBBERARQQhARkYASgoiIAEoIIiISmNHsAESSNLh1mDUbd7FnZJSTurtYsXwhA329zQ5LJJWUEKRlDW4d5pb1OxgdGwdgeGSUW9bvAFBSEAmRWJeRmT1gZm+Z2U8jHj/PzPab2bbg59akYpH2tGbjrolkUDA6Ns6ajbuaFJFIuiXZQvgL4G7gwTLHPOPulyYYg7SxPSOjVd3fTOrakjRIrIXg7k8D7yT1+iKVnNTdVdX9zVLo2hoeGcU50rU1uHW42aFJm2n2LKNzzGy7mT1uZouiDjKz681syMyG9u3b18j4JMNWLF9IV65z0n1duU5WLF/YpIjCqWtL0qKZCWELMN/dlwDfBAajDnT3+9293937e3p6GhagZNtAXy93XrGY3u4uDOjt7uLOKxanrismS11b0toqjiGYmQHXAZ9w96+Z2TzgBHf/yXTe2N3fK7q9wcy+ZWZz3P2X03ldaYys9HkP9PWmMq5iJ3V3MRxy8k9b15a0vjgthG8B5wDXBn+/D9wz3Tc2sxOCZIOZnRXE8vZ0X1eSpz7v+spK15a0vjizjM529zPMbCuAu79rZjMrPcnMHgLOA+aY2W7gNiAXvMZ9wFXAl8zsEDAKXOPuXts/QxqpXJ932q/GoxS3eI7rymEGIwfGGtL6Kbx2Flpc0triJIQxM+sEHMDMeoDDlZ7k7tdWePxu8tNSJWNarc+7dAHbyOjYxGONWsyWha4taX1xuoy+AfwA+LiZ/TfgR8B/TzSqFBncOsyy1U9yysrHWLb6SXWLkJ3pnHGFtXiKacaPtIuKCcHd1wL/BbgT2AsMuPv3kg4sDdRXHq7V+rzjtGyy2voRqUbFhGBmS4Fhd78n6ObZbWZnJx9a82l+eLisTOeMK07LJqutH5FqxBlDuBc4o+jvD0Pua0mt1ldeT63U571i+cJJYwilstz6EalGnDEEK5794+6HaZMqqa3WVy7hSls83V05jp+Va4nWj0g14pzYXzWz/0y+VQDwH4FXkwspPcKuHHW12JpaqcUjUqs4LYQbgHOBYWA3cDZwfZJBpUWr9ZWLiJRjWVsL1t/f70NDQ80OQ0QkU8xss7v3lzsmTi2jHuB3gAXFx7v7b083QBERSY84YwiPAM8Afw1Er94REZFMi5MQZrn7f008EhERaao4g8p/ZWYXJx6JiIg0VZyEcCP5pDBqZu+Z2ftm9l7FZ4mISKZU7DJy92MbEYhI0rKyqY9Is8RacWxmxwOnAkcV7nP3p5MKSqTeSktcN6qstUiWxClu9++Bp4GNwO3B71XJhiVSXypUKFJZnBbCjcCvA5vc/XwzO418YsgMdRWIChWKVBZnUPkjd/8IwMw+5u4vA5kp5qM9DQRUqFAkjjgJYbeZdQODwBNm9giwJ9mw6kddBQKtt6mPSBLizDL618HNVWb2FHAc8H8SjaqO1FUgoI3sReKITAhm9o/c/T0zm110947g9zHAO4lGVicndXcxHHLyV1dB+1GJa5HyynUZ/a/g92ZgKOR3JqirQEQknsgWgrtfamYG/At3f6OBMdWVugpEROIpO4bg7m5mPwDObFA8iVBXgcSh6cnS7uLMMtpkZr+eeCQiTaTpySLxFqadD/wHM3sd+BAw8o2HTyUamTRVu10tl5ue3Mr/bpFicRLCRYlHIanSjnV/ND1ZJEaXkbu/7u6vA6OAF/1Ii6rHYr7BrcMsW/0kp6x8jGWrn0x914tWMovEK253mZn9DHgN+Dvg58DjCcclCYh7kp7u1XIW++M1PVkk3qDyHcBS4O/d/RTgXwLPJhqV1F01J+npXi1nsVzIQF8vd16xmN7uLgzo7e7izisWt2wXmUiYOGMIY+7+tpl1mFmHuz9lZn+UeGRSV9UMmq5YvnDSGAJUd7Wc1f54TU+WdhcnIYyY2THAM8BaM3sLOJRsWFJv1Zykp7uYT+VCRLIpTkJ4Gugmvy/CvyVf3O5rlZ5kZg8AlwJvufuvhTxuwJ8BFwMHgN9y9y3xQ5dqVHuSns7V8nRbGCLSHHHGEIz8Lml/S76o3cPu/naM5/0FcGGZxy8ivy3nqcD1wL0xXlNq1MhBU/XHi2RTnPLXtwO3m9mngKuBvzOz3e7+6QrPe9rMFpQ55HLgQXd38quhu83sRHffGz98iavRNZ3UHy+SPXG6jAreAv4f8Dbw8Tq8dy/wZtHfu4P7lBASopN0/bTbSm5pDxUTgpl9iXzLoAf4PvA77v5iHd7bQu4LXfBmZteT71Zi3rx5dXjr9pPGE1gaY4qjHVdyS3uIM4YwH7jJ3Re5+211SgaQbxHMLfr7ZCK25nT3+9293937e3p66vT27SONC8XSGFNcWVxnIRJHnNIVK919WwLv/SjwectbCuzX+EEy0ngCS2NMcWV1nYVIJdWMIVTFzB4CzgPmmNlu4DYgB+Du9wEbyE85fYX8tNMvJBVLu0vjCSyNMcWldRbSqhJLCO5+bYXHHfhyUu8vR6TxBJbGmOLSOgtpVXHGECTj0li4rVkx1aMKq9ZZSKtKrIUg6dGoNQjVzBoqjml4ZJROs0ljCEmcXOs5O0hTeKUVWb7nJjv6+/t9aGio2WGkRuEkXDipjrvT24QpnKUnW8hf8Ve6cq71ebVYtvrJ0G6q3u4unl15QV3fSyRtzGyzu/eXO0ZdRhlWPHUTYDxI7s2YwlnrrKFVj+5s2GyjLA9kizSCEkKGhZ2ECxo9hbOWk+3g1mFGRseqfl6ttCuaSHkaQ8iwSifNRl75Vpo1FDa+UC5hJXGSLjc7KKurpkXqSQkhw6JOwsWPN0qlk23YYG5U66bwegX1OllHDa4DKkUhghJCpoWdhAsaPa203EymZaufDB0n6DA4HDKn4eiZnROvV++6QWGzg6LiC9tNrh7UGpG0UkLIsLCpm82aZVSIJ+w9o7quwpIBwIcHx1m2+smJbqWkT9aNHGxWYTxJMyWEjEvjfPjSK+DuWTnePRA+eBylUrdSPU/WjVw13YgEJ1IrzTKSWOKu8A2rYvrBR4fo7Jhc7TzXaXR35cq+5+jYOJ0WViW9vifrRq6a1tRXSTMlBKmomlLVYVfAY4ed8dL+IYdLl5w45URcatw98ZN1I0tRaOqrpJm6jKSiaro54l7pjh12nnp5H3desXhiDCRMd1cOMybev7srx6rLFtX9ZF3Prrdyg8YqjCdpphaCVFRNN0c1V7p7RkYZ6Ovl2ZUX8KdXnz6lJZDrMD48eGjS+MP+0TFuenhbzYXpqlFLIbxKrSkVxpM0UwtBKqpm0DXsCtgI3xu1+Plh01YPlCQDil4n6dk5tc4GitOaSuNEABFQC0FiqGbQNewK+Lql82I9v9BaeG31JTy78gJGKsxMSrI8R621mTRoLFmmFoJUNNDXy9Dr7/DQc28y7k6nGVeeOfUqt7Tv/K6rT584pn/+7KpLXceZrprUibbWE3uWN/4RUQtBKhrcOsy6zcMT1VTH3Vm3eXhSn3qcvvNCSyNOVdbBrcN88NGhirEldaKtdTZQGjcjEolLCaHF1GNHsFJR3SfFg7txuliq6YZZs3EXY1FLmQO5DuPAwUN1/bcW1Hpi16CxZJm6jFpIUmURynWTVLOiuJpumHLvacBxXblJM5DqPcg8nV3mNGgsWaUWQguJcyVfi0rdJOVWFHeYTbxvNd0wUcf2dnfx2upLOPpjMxgbn9yCqHWQOapVVTrIrZO8tDolhBYS50q+lqQQ1n1SKmxFceH+wvtW0w0TdqwB55/WA1Q/6Bt10q9mFbZIq1NCSIl69P3HuZKv5Qq60C9ervZQb3cXZ8w7ruz7VtO/PtDXy5Vn9lLc7nBg7aY3+IPBHVW1Nsqd9GudXirSijSGkAL16vsvtz9CwXSmaf7q0OHQ+7tynZx/Wg/f2fRGxfetpn/9qZf3TVnQVkgK1y2dx7rNw7FKQJQ76WvdgMgRaiGkQL2uUouvwKNUakVEtVSi9m/uNOPOKxbz2At7y75uLdNDo07KDhN1kAr/1uK1DaWtq3InfRWbEzlCCSEFok5Y5bbHjFKuNlClaZPlulaiN7lxBvp6Ky4gq2UefrmT8vDIKGs27uL803oqrm0od9JfsXwhudLS3B2mdQPSlpQQUiDqhGVQ8+BmLfPhy7VUyp1UpzsAG9UqWbF8IeFzl/KGR0ZZu+mN0Jhv/+HOidf88FeHyHVOfqVJybH0Tcq9qUgLM/fyi3/Spr+/34eGhpodRl0Nbh3m5oe3hRaA6+3u4tmVFzQkjlNWPhYagwF3XX16aNnmSuWrS48NK3cRNu5x/Kwct31mEUOvv8PaTW+ExlWNXIdxzFEzGDkwNmW/57DYG/m5izSCmW129/5yx6iFkAIDfb2RJ7ywrpokViNDdEvFybcerjyzd1KL48oze2MlA8hftX/1f2+fEmvU2MS7B8a4Zf0O+ufP5q6rTy87LhLH2GFn1swZU9YUaFBZ5AglhJSIOuGVnqSTmDdfSDDlTuzDI6Os25xfS/Da6ktYsXwh6zYPVzXOUbwmoaDcibd4uuqzKy+I/Izi9vCEvddxEVNpNags7UgJISXiLtqazoyksJbFHwzu4OaHt8W+yi+8T9SVfTWvMbh1mI6IFc4FxSfxqM/ouqXzJrVcotZLhCXXDw9OLaCnQWVpV1qHkBJxa+fU2sURttZhxfe3Tyn/UEnhfabTpbJnZHQinvEKY1gdZpyy8rGJz6MwZlHuMwobl4hKrmH//mOOmqEyFdKWlBBSJM6irVrr7Ydd0VebDIrf57iuHCOj5aeaRukw46aHt8U6tnQ66Z1XLK442Dvd5FppYx6RVpXoLCMzuxD4M6AT+La7ry55/DzgEeC14K717v61cq/ZirOMqhF29ZvrNI6eOYP9o2ORJ7+oGUTVOn5WjpEDY5hBherUieg047D7pH9nuU3ty9EMI2kncWYZJdZCMLNO4B7gXwG7gefN7FF3f7Hk0Gfc/dKk4mg1pVe/s2Z28uHB8Ymr9aiyF1Eti2oVFqCVu44w8q2ASt1BtShtMQy9/s6kEhbVlP0IK/WhzWyknSU5qHwW8Iq7v+ruB4HvApcn+H5tozDr5q6rT+fAwakDu2GDzHEqltZDpxl3XX06h6eZDOLMHBodG+eh596seZC9dPHe8bNyfGxGBzdPs1y4SFYlmRB6gTeL/t4d3FfqHDPbbmaPm9misBcys+vNbMjMhvbt25dErJm0ZuOu2OsXSk9+SRl3Z8X3tzNzRvVfrQ5jYqbQdUvnTVldHPV+YeIOehcn14/GDjMyOqYy2NK2kkwIYf83l/7fuwWY7+5LgG8Cg2Ev5O73u3u/u/f39PTUOczsKnfSCxtkLt7wZboLvcoZG/fIyqjluDOxcKx//uyp35YQURvzVLuOQGWwRZJNCLuBuUV/nwzsKT7A3d9z9w+C2xuAnJnNSTCmllKuBlKlfvCwLqRch9HRgDo+USfx7llH1g/E2VO5K9fJtWfPrcum9lqxLJJsQngeONXMTjGzmcA1wKPFB5jZCWb5s4OZnRXE83aCMbWU80/rCa3Ldt3SeRUHVMOK3x1z1IzEZw51mvH1f7MktDvog48OTXTRVNpTuVCs7w8HFtdlU3uVwRZJcJaRux8ys68AG8lPO33A3Xea2Q3B4/cBVwFfMrNDwChwjWet2l6TDG4dZt3m4Um9KoVk8IcDi2O9RumMpUZ88NeePZeBvl5WPbpzyjqGscM+UaoialZU2JTQemxqrxlHIgkvTAu6gTaU3Hdf0e27gbuTjKFVhfV5FzaOCRM2Vx+ouMNaPS37p7MnktX+iEVtwyOjLFj5WOhjpSfoWtcfhIm7mE2klan8dUaVK1X92upLJt0XVcrhqFxHxY1tktBpxsdmGAfG4g8895acoAe3Dk8pvZHrNNZctUQncZEQKn/dwqrp846aQdOMZAD5qaLVJIPCIHnxif72H+6cUnpjbNy5/Yc76xWmSNtRQsiouNVRIfszZRxY8b3JeylEJbNmJTmRVqCEkFHVbJEZ1Zro7splZrfIwoCziCRH1U4zrNzsmuIB1+O6cuQ6bVIXS1euk1WX5beo/M6mNxoV8rQUt3S6I6qtRu2FICKVKSG0gNLZNuef1jOp4NvI6Bi5DpuoVFo8g2agr5f++bO5Zf0LjFbRr5+E7q4c+z8aiyycV9zSWXXZIlZ8b/ukxWu5DmPVZaHVT0QkBiWEjAvb+CZsU/rCnsJbb/3NiQRy88PbJhLIwUPNn21WOJmHbdxTuovZQF8vQ6+/w0PPvcm4O51mXH3WXM0wEpkGjSFkXNR6hDDFO5UV78n8nU1vJFKquhYDfb2suWoJxxeVsejuyrHms5OnkxYW5hXiHndn3eZhFaMTmQatQ8i4aja+KRS0q8e+CEk4flaOrbf+ZqxjtbmNSHW0DqENlCtwV/r38MhoapMBVDdlVMXoROpPCSHjotYjXLd03kSLwIhVSToVTln5WKzNaVSMTqT+lBAyLmo9Qv/82RPHNDIZTHddQ2Fco3QhWqlqFuaJSDwaQ2hBYbWLGiXXYeQ6q6tTFKW7K8e226LHFOpZ3E6k1cUZQ9C00xZSOEHGGSfo7e5KpOT12GHnUJ02VQhbeFasHmWvReQIdRm1iOLppJUUulZmzeyseGwtstXmFJECJYQWEbYeIUphr+APDza+S6kaxWsRRCR5SggtotrplsMjo00pbDez06a8b67D6CzZzDnXadz2GZWhEGkkJYQWUct0S2fqrKCuXGeiBeLGxp27rj590qyoNZ9dwtc/u2TyfdroRqThNKjcIsL2BM51GMccNYORA2OR/frOkQHmcltr1mstw0ndXZGDwUoAIs2lhNAiKu0JXEuph3IVVAuiEkV3V45fHTqsTetFMkTrENpE1L7KUZvqRL1GacKBqa2JwuuCNq0XSQutQ5AJlVoQcV8j6vio11UCEMkOtRBERNqAqp2KiEhsSggiIgIoIYiISEAJQUREACUEEREJaNppm9DeASJSiRJCGyhdlDY8Msot63cAWicgIkeoy6gNhJXGLpTAFhEpUEJoA1GlsastmS0irS3RhGBmF5rZLjN7xcxWhjxuZvaN4PEXzOyMJONpV1GlsWspmS0irSuxhGBmncA9wEXAJ4FrzeyTJYddBJwa/FwP3JtUPO1sxfKFdOUmb5epyqMiUirJFsJZwCvu/qq7HwS+C1xecszlwIOetwnoNrMTE4ypLQ309XLnFYsnbUBTTZVTEWkPSc4y6gXeLPp7N3B2jGN6gb3FB5nZ9eRbEMybN6/ugbaDcpVKRUQg2RZC2Ja9paVV4xyDu9/v7v3u3t/T01OX4EREZLIkE8JuYG7R3ycDe2o4RkREGiDJhPA8cKqZnWJmM4FrgEdLjnkU+Hww22gpsN/d95a+kIiIJC+xMQR3P2RmXwE2Ap3AA+6+08xuCB6/D9gAXAy8AhwAvpBUPCIiUl6ipSvcfQP5k37xffcV3Xbgy0nGICIi8WRuC00z2we83uw4AnOAXzY7iAqyECNkI84sxAiKs56yECPEi3O+u5edlZO5hJAmZjZUaY/SZstCjJCNOLMQIyjOespCjFC/OFXLSEREACUEEREJKCFMz/3NDiCGLMQI2YgzCzGC4qynLMQIdYpTYwgiIgKohSAiIgElBBERAZQQyjKz2Wb2hJn9LPh9fMgxc83sKTN7ycx2mtmNRY+tMrNhM9sW/Fxc5/hq3oCo0nMbGON1QWwvmNmPzWxJ0WM/N7MdwWc3lFSMMeM8z8z2F/23vDXucxsY44qi+H5qZuNmNjt4rJGf5QNm9paZ/TTi8TR8LyvFmJbvZaU46/u9dHf9RPwAfwysDG6vBP4o5JgTgTOC28cCfw98Mvh7FfC7CcXWCfwD8AlgJrC98L5Fx1wMPE6+quxS4Lm4z21gjOcCxwe3LyrEGPz9c2BOA/47x4nzPOCvanluo2IsOf4zwJON/iyD9/rnwBnATyMeb+r3MmaMTf9exoyzrt9LtRDKuxz4y+D2XwIDpQe4+1533xLcfh94ifyeDkmbzgZEcZ7bkBjd/cfu/m7w5ybyFW8bbTqfR2o+yxLXAg8lEEdF7v408E6ZQ5r9vawYY0q+l3E+yyg1fZZKCOX9Ew+qrwa/P17uYDNbAPQBzxXd/ZWg2flAWJfTNERtLhTnmDjPbVSMxb5I/sqxwIH/a2abLb9JUlLixnmOmW03s8fNbFGVz21UjJjZLOBCYF3R3Y36LONo9veyWs36XsZVt+9losXtssDM/ho4IeSh36/ydY4h/z/gTe7+XnD3vcAd5L9AdwBfB3679mgnv2XIfXE3IIq1MVEdxH4fMzuf/P94v1F09zJ332NmHweeMLOXgyumZsS5hXwtmA+CsaBB8nuBp+6zJN9d9Ky7F19ZNuqzjKPZ38vYmvy9jKOu38u2byG4+6fd/ddCfh4BfhE0ZQl+vxX2GmaWI58M1rr7+qLX/oW7j7v7YeB/kG/G1ct0NiBq1MZEsd7HzD4FfBu43N3fLtzv7nuC328BP6C+n19Vcbr7e+7+QXB7A5AzszlxntuoGItcQ0l3UQM/yzia/b2MJQXfy4rq/r1sxMBIVn+ANUweVP7jkGMMeBD405DHTiy6fTPw3TrGNgN4FTiFI4NGi0qOuYTJg3c/ifvcBsY4j/x+GOeW3H80cGzR7R8DFyb03zlOnCdwZCHnWcAbweeams8yOO448n3ORzfjsyx6zwVED4Q29XsZM8amfy9jxlnX72Vi/4hW+AH+MfA3wM+C37OD+08CNgS3f4N8U+wFYFvwc3Hw2P8EdgSPPUpRgqhTfBeTn9X0D8DvB/fdANwQ3DbgnuDxHUB/uecm9BlWivHbwLtFn91QcP8ngi/xdmBnkjHGjPMrQRzbyQ8ynlvuuc2IMfj7tyi58GjCZ/kQsBcYI3+l+sUUfi8rxZiW72WlOOv6vVTpChERATSGICIiASUEEREBlBBERCSghCAiIoASgoiIBJQQREQEUEIQEZGAEoJICDNbYGYvm9m3g70F1prZp83sWcvvj3GWmR0dFC183sy2mtnlRc99xsy2BD/nBvefZ2Z/a2bfD157rZmF1ZwRaQotTBMJEVSufYV89dqdwPPkV4N+EbgM+ALwIvCiu3/HzLqBnwTHO3DY3T8ys1OBh9y938zOAx4BFpGvK/MssMLdf9TAf5pIpLavdipSxmvuvgPAzHYCf+PubmY7yNeXORm4zMx+Nzj+KPI1cPYAd5vZ6cA48M+KXvMn7r47eM1twesoIUgqKCGIRPtV0e3DRc85vJ4AAACPSURBVH8fJv//zjhwpbvvKn6Sma0CfgEsId8t+1HEa46j/wclRTSGIFK7jcB/KowDmFlfcP9xwF7Plz3/HPntDEVSTwlBpHZ3ADnghWAT9DuC+78F/Dsz20S+u+jDJsUnUhUNKouICKAWgoiIBJQQREQEUEIQEZGAEoKIiABKCCIiElBCEBERQAlBREQC/x/zeozQg7cqcwAAAABJRU5ErkJggg=="/>
+          <p:cNvSpPr>
+            <a:spLocks noChangeAspect="1" noChangeArrowheads="1"/>
+          </p:cNvSpPr>
+          <p:nvPr/>
+        </p:nvSpPr>
+        <p:spPr bwMode="auto">
+          <a:xfrm>
+            <a:off x="63500" y="-144463"/>
+            <a:ext cx="304800" cy="304801"/>
+          </a:xfrm>
+          <a:prstGeom prst="rect">
+            <a:avLst/>
+          </a:prstGeom>
+          <a:noFill/>
+          <a:extLst>
+            <a:ext uri="{909E8E84-426E-40DD-AFC4-6F175D3DCCD1}">
+              <a14:hiddenFill xmlns:a14="http://schemas.microsoft.com/office/drawing/2010/main">
+                <a:solidFill>
+                  <a:srgbClr val="FFFFFF"/>
+                </a:solidFill>
+              </a14:hiddenFill>
+            </a:ext>
+          </a:extLst>
+        </p:spPr>
+        <p:txBody>
+          <a:bodyPr vert="horz" wrap="square" lIns="91440" tIns="45720" rIns="91440" bIns="45720" numCol="1" anchor="t" anchorCtr="0" compatLnSpc="1">
+            <a:prstTxWarp prst="textNoShape">
+              <a:avLst/>
+            </a:prstTxWarp>
+          </a:bodyPr>
+          <a:lstStyle/>
+          <a:p>
+            <a:endParaRPr lang="it-IT"/>
+          </a:p>
+        </p:txBody>
+      </p:sp>
+      <p:sp>
+        <p:nvSpPr>
+          <p:cNvPr id="11" name="Rettangolo 10"/>
+          <p:cNvSpPr/>
+          <p:nvPr/>
+        </p:nvSpPr>
+        <p:spPr>
+          <a:xfrm>
+            <a:off x="5774193" y="2582171"/>
+            <a:ext cx="4715070" cy="384721"/>
+          </a:xfrm>
+          <a:prstGeom prst="rect">
+            <a:avLst/>
+          </a:prstGeom>
+        </p:spPr>
+        <p:txBody>
+          <a:bodyPr wrap="square">
+            <a:spAutoFit/>
+          </a:bodyPr>
+          <a:lstStyle/>
+          <a:p>
+            <a:r>
+              <a:rPr lang="it-IT" sz="1900" spc="10" dirty="0">
+                <a:solidFill>
+                  <a:schemeClr val="tx1">
+                    <a:lumMod val="65000"/>
+                    <a:lumOff val="35000"/>
+                  </a:schemeClr>
+                </a:solidFill>
+              </a:rPr>
+              <a:t>                      Pesi del portafogli statico</a:t>
+            </a:r>
+          </a:p>
+        </p:txBody>
+      </p:sp>
+      <p:pic>
+        <p:nvPicPr>
+          <p:cNvPr id="8" name="Immagine 7">
+            <a:extLst>
+              <a:ext uri="{FF2B5EF4-FFF2-40B4-BE49-F238E27FC236}">
+                <a16:creationId xmlns:a16="http://schemas.microsoft.com/office/drawing/2014/main" id="{0F2D73E5-EFE3-492D-8270-ABD46444678E}"/>
+              </a:ext>
+            </a:extLst>
+          </p:cNvPr>
+          <p:cNvPicPr>
+            <a:picLocks noChangeAspect="1"/>
+          </p:cNvPicPr>
+          <p:nvPr/>
+        </p:nvPicPr>
+        <p:blipFill>
+          <a:blip r:embed="rId2"/>
+          <a:stretch>
+            <a:fillRect/>
+          </a:stretch>
+        </p:blipFill>
+        <p:spPr>
+          <a:xfrm>
+            <a:off x="1117439" y="1689093"/>
+            <a:ext cx="4332164" cy="2555597"/>
+          </a:xfrm>
+          <a:prstGeom prst="rect">
+            <a:avLst/>
+          </a:prstGeom>
+        </p:spPr>
+      </p:pic>
+      <p:pic>
+        <p:nvPicPr>
+          <p:cNvPr id="10" name="Immagine 9">
+            <a:extLst>
+              <a:ext uri="{FF2B5EF4-FFF2-40B4-BE49-F238E27FC236}">
+                <a16:creationId xmlns:a16="http://schemas.microsoft.com/office/drawing/2014/main" id="{52A46187-DDFF-4ED3-B3A8-51695C2FA829}"/>
+              </a:ext>
+            </a:extLst>
+          </p:cNvPr>
+          <p:cNvPicPr>
+            <a:picLocks noChangeAspect="1"/>
+          </p:cNvPicPr>
+          <p:nvPr/>
+        </p:nvPicPr>
+        <p:blipFill>
+          <a:blip r:embed="rId3"/>
+          <a:stretch>
+            <a:fillRect/>
+          </a:stretch>
+        </p:blipFill>
+        <p:spPr>
+          <a:xfrm>
+            <a:off x="6917388" y="3071315"/>
+            <a:ext cx="3571875" cy="3190875"/>
+          </a:xfrm>
+          <a:prstGeom prst="rect">
+            <a:avLst/>
+          </a:prstGeom>
+        </p:spPr>
+      </p:pic>
+    </p:spTree>
+    <p:extLst>
+      <p:ext uri="{BB962C8B-B14F-4D97-AF65-F5344CB8AC3E}">
+        <p14:creationId xmlns:p14="http://schemas.microsoft.com/office/powerpoint/2010/main" val="141028710"/>
+      </p:ext>
+    </p:extLst>
+  </p:cSld>
+  <p:clrMapOvr>
+    <a:masterClrMapping/>
+  </p:clrMapOvr>
+</p:sld>
+</file>
+
 <file path=ppt/slides/slide16.xml><?xml version="1.0" encoding="utf-8"?>
+<p:sld xmlns:a="http://schemas.openxmlformats.org/drawingml/2006/main" xmlns:r="http://schemas.openxmlformats.org/officeDocument/2006/relationships" xmlns:p="http://schemas.openxmlformats.org/presentationml/2006/main">
+  <p:cSld>
+    <p:spTree>
+      <p:nvGrpSpPr>
+        <p:cNvPr id="1" name=""/>
+        <p:cNvGrpSpPr/>
+        <p:nvPr/>
+      </p:nvGrpSpPr>
+      <p:grpSpPr>
+        <a:xfrm>
+          <a:off x="0" y="0"/>
+          <a:ext cx="0" cy="0"/>
+          <a:chOff x="0" y="0"/>
+          <a:chExt cx="0" cy="0"/>
+        </a:xfrm>
+      </p:grpSpPr>
+      <p:sp>
+        <p:nvSpPr>
+          <p:cNvPr id="4" name="Titolo 3"/>
+          <p:cNvSpPr>
+            <a:spLocks noGrp="1"/>
+          </p:cNvSpPr>
+          <p:nvPr>
+            <p:ph type="title"/>
+          </p:nvPr>
+        </p:nvSpPr>
+        <p:spPr>
+          <a:xfrm>
+            <a:off x="1252006" y="411925"/>
+            <a:ext cx="9692640" cy="908876"/>
+          </a:xfrm>
+        </p:spPr>
+        <p:txBody>
+          <a:bodyPr/>
+          <a:lstStyle/>
+          <a:p>
+            <a:r>
+              <a:rPr lang="it-IT" dirty="0" err="1"/>
+              <a:t>Bounded</a:t>
+            </a:r>
+            <a:r>
+              <a:rPr lang="it-IT" dirty="0"/>
+              <a:t> K-</a:t>
+            </a:r>
+            <a:r>
+              <a:rPr lang="it-IT" dirty="0" err="1"/>
+              <a:t>Means</a:t>
+            </a:r>
+            <a:endParaRPr lang="it-IT" dirty="0"/>
+          </a:p>
+        </p:txBody>
+      </p:sp>
+      <p:sp>
+        <p:nvSpPr>
+          <p:cNvPr id="7" name="Segnaposto contenuto 6"/>
+          <p:cNvSpPr>
+            <a:spLocks noGrp="1"/>
+          </p:cNvSpPr>
+          <p:nvPr>
+            <p:ph idx="1"/>
+          </p:nvPr>
+        </p:nvSpPr>
+        <p:spPr>
+          <a:xfrm>
+            <a:off x="2589212" y="1320801"/>
+            <a:ext cx="8915400" cy="5107708"/>
+          </a:xfrm>
+        </p:spPr>
+        <p:txBody>
+          <a:bodyPr>
+            <a:normAutofit/>
+          </a:bodyPr>
+          <a:lstStyle/>
+          <a:p>
+            <a:pPr marL="0" indent="0">
+              <a:buNone/>
+            </a:pPr>
+            <a:endParaRPr lang="it-IT" dirty="0"/>
+          </a:p>
+          <a:p>
+            <a:endParaRPr lang="it-IT" sz="1900" dirty="0"/>
+          </a:p>
+        </p:txBody>
+      </p:sp>
+      <p:sp>
+        <p:nvSpPr>
+          <p:cNvPr id="5" name="AutoShape 4" descr="data:image/png;base64,iVBORw0KGgoAAAANSUhEUgAAAYQAAAEGCAYAAABlxeIAAAAABHNCSVQICAgIfAhkiAAAAAlwSFlzAAALEgAACxIB0t1+/AAAADh0RVh0U29mdHdhcmUAbWF0cGxvdGxpYiB2ZXJzaW9uMy4yLjIsIGh0dHA6Ly9tYXRwbG90bGliLm9yZy+WH4yJAAAgAElEQVR4nO3df5Rc9Xnf8fezq5FZAWVRtS6w6AfuoeJYkcXCBgTKaYG6Eb8MW8AFDrUbxw3FtVvgOGpFkgPCpEWJjkNig+FQh5NQq5jakhccRFUSSMD4CLP6hSxAMQEDWqlGBlb80GKtVk//mDur2dl7Z+7Mzp25d+bzOmfPzs7cmXk0DPe531/P19wdERGRjmYHICIi6aCEICIigBKCiIgElBBERARQQhARkcCMZgdQrTlz5viCBQuaHYaISKZs3rz5l+7eU+6YzCWEBQsWMDQ01OwwREQyxcxer3RMYl1GZjbXzJ4ys5fMbKeZ3RhyzHlmtt/MtgU/tyYVj4iIlJdkC+EQ8FV332JmxwKbzewJd3+x5Lhn3P3SBOMQEZEYEmshuPted98S3H4feAnoTer9RERkehoyy8jMFgB9wHMhD59jZtvN7HEzWxTx/OvNbMjMhvbt25dgpCIi7SvxhGBmxwDrgJvc/b2Sh7cA8919CfBNYDDsNdz9fnfvd/f+np6yg+QiIlKjRGcZmVmOfDJY6+7rSx8vThDuvsHMvmVmc9z9l0nGJSLZMLh1mDUbd7FnZJSTurtYsXwhA33qeU5KYgnBzAz4c+Ald/+TiGNOAH7h7m5mZ5FvsbydVEwikh2DW4e5Zf0ORsfGARgeGeWW9TsAlBQSkmQLYRnwOWCHmW0L7vs9YB6Au98HXAV8ycwOAaPANa563CICrNm4ayIZFIyOjbNm4y4lhIQklhDc/UeAVTjmbuDupGIQkezaMzJa1f0yfaplJCKpdFJ3V1X3y/QpIYhIKq1YvpCuXOek+7pynaxYvrBJEbW+zNUyEpH2UBgn0CyjxlFCEJHUGujrVQJoIHUZiYgIoBaCiEjqNWqBnhKCiEiKNXKBnrqMRERSrNwCvXpTQhARSbFGLtBTQhARSbFGLtBTQhARSbFGLtDToLKISIo1coGeEoKISMo1aoGeuoxERARQQhARkYASgoiIAEoIIiISUEIQERFACUFERAJKCCIiAighiIhIQAlBREQAJQQREQkoIYiICKCEICIiASUEEREBlBBERCSghCAiIoASgoiIBJQQREQEUEIQEZGAEoKIiABKCCIiEkgsIZjZXDN7ysxeMrOdZnZjyDFmZt8ws1fM7AUzOyOpeEREpLwZCb72IeCr7r7FzI4FNpvZE+7+YtExFwGnBj9nA/cGv0VEpMESayG4+1533xLcfh94CegtOexy4EHP2wR0m9mJScUkIiLRGjKGYGYLgD7guZKHeoE3i/7ezdSkgZldb2ZDZja0b9++pMIUEWlriScEMzsGWAfc5O7vlT4c8hSfcof7/e7e7+79PT09SYQpItL2Ek0IZpYjnwzWuvv6kEN2A3OL/j4Z2JNkTCIiEi7JWUYG/Dnwkrv/ScRhjwKfD2YbLQX2u/vepGISEZFoSc4yWgZ8DthhZtuC+34PmAfg7vcBG4CLgVeAA8AXEoxHRETKSCwhuPuPCB8jKD7GgS8nFYOIiMSnlcoiIgIoIYiISEAJQUREACUEEREJKCGIiAighCAiIgElBBERAZQQREQkoIQgIiKAEoKIiASUEEREBFBCEBGRgBKCiIgASggiIhJQQhAREUAJQUREAkoIIiICKCGIiEhACUFERAAlBBERCSghiIgIoIQgIiIBJQQREQGUEEREJKCEICIigBKCiIgElBBERARQQhARkYASgoiIAEoIIiISmNHsAESSNLh1mDUbd7FnZJSTurtYsXwhA329zQ5LJJWUEKRlDW4d5pb1OxgdGwdgeGSUW9bvAFBSEAmRWJeRmT1gZm+Z2U8jHj/PzPab2bbg59akYpH2tGbjrolkUDA6Ns6ajbuaFJFIuiXZQvgL4G7gwTLHPOPulyYYg7SxPSOjVd3fTOrakjRIrIXg7k8D7yT1+iKVnNTdVdX9zVLo2hoeGcU50rU1uHW42aFJm2n2LKNzzGy7mT1uZouiDjKz681syMyG9u3b18j4JMNWLF9IV65z0n1duU5WLF/YpIjCqWtL0qKZCWELMN/dlwDfBAajDnT3+9293937e3p6GhagZNtAXy93XrGY3u4uDOjt7uLOKxanrismS11b0toqjiGYmQHXAZ9w96+Z2TzgBHf/yXTe2N3fK7q9wcy+ZWZz3P2X03ldaYys9HkP9PWmMq5iJ3V3MRxy8k9b15a0vjgthG8B5wDXBn+/D9wz3Tc2sxOCZIOZnRXE8vZ0X1eSpz7v+spK15a0vjizjM529zPMbCuAu79rZjMrPcnMHgLOA+aY2W7gNiAXvMZ9wFXAl8zsEDAKXOPuXts/QxqpXJ932q/GoxS3eI7rymEGIwfGGtL6Kbx2Flpc0triJIQxM+sEHMDMeoDDlZ7k7tdWePxu8tNSJWNarc+7dAHbyOjYxGONWsyWha4taX1xuoy+AfwA+LiZ/TfgR8B/TzSqFBncOsyy1U9yysrHWLb6SXWLkJ3pnHGFtXiKacaPtIuKCcHd1wL/BbgT2AsMuPv3kg4sDdRXHq7V+rzjtGyy2voRqUbFhGBmS4Fhd78n6ObZbWZnJx9a82l+eLisTOeMK07LJqutH5FqxBlDuBc4o+jvD0Pua0mt1ldeT63U571i+cJJYwilstz6EalGnDEEK5794+6HaZMqqa3WVy7hSls83V05jp+Va4nWj0g14pzYXzWz/0y+VQDwH4FXkwspPcKuHHW12JpaqcUjUqs4LYQbgHOBYWA3cDZwfZJBpUWr9ZWLiJRjWVsL1t/f70NDQ80OQ0QkU8xss7v3lzsmTi2jHuB3gAXFx7v7b083QBERSY84YwiPAM8Afw1Er94REZFMi5MQZrn7f008EhERaao4g8p/ZWYXJx6JiIg0VZyEcCP5pDBqZu+Z2ftm9l7FZ4mISKZU7DJy92MbEYhI0rKyqY9Is8RacWxmxwOnAkcV7nP3p5MKSqTeSktcN6qstUiWxClu9++Bp4GNwO3B71XJhiVSXypUKFJZnBbCjcCvA5vc/XwzO418YsgMdRWIChWKVBZnUPkjd/8IwMw+5u4vA5kp5qM9DQRUqFAkjjgJYbeZdQODwBNm9giwJ9mw6kddBQKtt6mPSBLizDL618HNVWb2FHAc8H8SjaqO1FUgoI3sReKITAhm9o/c/T0zm110947g9zHAO4lGVicndXcxHHLyV1dB+1GJa5HyynUZ/a/g92ZgKOR3JqirQEQknsgWgrtfamYG/At3f6OBMdWVugpEROIpO4bg7m5mPwDObFA8iVBXgcSh6cnS7uLMMtpkZr+eeCQiTaTpySLxFqadD/wHM3sd+BAw8o2HTyUamTRVu10tl5ue3Mr/bpFicRLCRYlHIanSjnV/ND1ZJEaXkbu/7u6vA6OAF/1Ii6rHYr7BrcMsW/0kp6x8jGWrn0x914tWMovEK253mZn9DHgN+Dvg58DjCcclCYh7kp7u1XIW++M1PVkk3qDyHcBS4O/d/RTgXwLPJhqV1F01J+npXi1nsVzIQF8vd16xmN7uLgzo7e7izisWt2wXmUiYOGMIY+7+tpl1mFmHuz9lZn+UeGRSV9UMmq5YvnDSGAJUd7Wc1f54TU+WdhcnIYyY2THAM8BaM3sLOJRsWFJv1Zykp7uYT+VCRLIpTkJ4Gugmvy/CvyVf3O5rlZ5kZg8AlwJvufuvhTxuwJ8BFwMHgN9y9y3xQ5dqVHuSns7V8nRbGCLSHHHGEIz8Lml/S76o3cPu/naM5/0FcGGZxy8ivy3nqcD1wL0xXlNq1MhBU/XHi2RTnPLXtwO3m9mngKuBvzOz3e7+6QrPe9rMFpQ55HLgQXd38quhu83sRHffGz98iavRNZ3UHy+SPXG6jAreAv4f8Dbw8Tq8dy/wZtHfu4P7lBASopN0/bTbSm5pDxUTgpl9iXzLoAf4PvA77v5iHd7bQu4LXfBmZteT71Zi3rx5dXjr9pPGE1gaY4qjHVdyS3uIM4YwH7jJ3Re5+211SgaQbxHMLfr7ZCK25nT3+9293937e3p66vT27SONC8XSGFNcWVxnIRJHnNIVK919WwLv/SjwectbCuzX+EEy0ngCS2NMcWV1nYVIJdWMIVTFzB4CzgPmmNlu4DYgB+Du9wEbyE85fYX8tNMvJBVLu0vjCSyNMcWldRbSqhJLCO5+bYXHHfhyUu8vR6TxBJbGmOLSOgtpVXHGECTj0li4rVkx1aMKq9ZZSKtKrIUg6dGoNQjVzBoqjml4ZJROs0ljCEmcXOs5O0hTeKUVWb7nJjv6+/t9aGio2WGkRuEkXDipjrvT24QpnKUnW8hf8Ve6cq71ebVYtvrJ0G6q3u4unl15QV3fSyRtzGyzu/eXO0ZdRhlWPHUTYDxI7s2YwlnrrKFVj+5s2GyjLA9kizSCEkKGhZ2ECxo9hbOWk+3g1mFGRseqfl6ttCuaSHkaQ8iwSifNRl75Vpo1FDa+UC5hJXGSLjc7KKurpkXqSQkhw6JOwsWPN0qlk23YYG5U66bwegX1OllHDa4DKkUhghJCpoWdhAsaPa203EymZaufDB0n6DA4HDKn4eiZnROvV++6QWGzg6LiC9tNrh7UGpG0UkLIsLCpm82aZVSIJ+w9o7quwpIBwIcHx1m2+smJbqWkT9aNHGxWYTxJMyWEjEvjfPjSK+DuWTnePRA+eBylUrdSPU/WjVw13YgEJ1IrzTKSWOKu8A2rYvrBR4fo7Jhc7TzXaXR35cq+5+jYOJ0WViW9vifrRq6a1tRXSTMlBKmomlLVYVfAY4ed8dL+IYdLl5w45URcatw98ZN1I0tRaOqrpJm6jKSiaro54l7pjh12nnp5H3desXhiDCRMd1cOMybev7srx6rLFtX9ZF3Prrdyg8YqjCdpphaCVFRNN0c1V7p7RkYZ6Ovl2ZUX8KdXnz6lJZDrMD48eGjS+MP+0TFuenhbzYXpqlFLIbxKrSkVxpM0UwtBKqpm0DXsCtgI3xu1+Plh01YPlCQDil4n6dk5tc4GitOaSuNEABFQC0FiqGbQNewK+Lql82I9v9BaeG31JTy78gJGKsxMSrI8R621mTRoLFmmFoJUNNDXy9Dr7/DQc28y7k6nGVeeOfUqt7Tv/K6rT584pn/+7KpLXceZrprUibbWE3uWN/4RUQtBKhrcOsy6zcMT1VTH3Vm3eXhSn3qcvvNCSyNOVdbBrcN88NGhirEldaKtdTZQGjcjEolLCaHF1GNHsFJR3SfFg7txuliq6YZZs3EXY1FLmQO5DuPAwUN1/bcW1Hpi16CxZJm6jFpIUmURynWTVLOiuJpumHLvacBxXblJM5DqPcg8nV3mNGgsWaUWQguJcyVfi0rdJOVWFHeYTbxvNd0wUcf2dnfx2upLOPpjMxgbn9yCqHWQOapVVTrIrZO8tDolhBYS50q+lqQQ1n1SKmxFceH+wvtW0w0TdqwB55/WA1Q/6Bt10q9mFbZIq1NCSIl69P3HuZKv5Qq60C9ervZQb3cXZ8w7ruz7VtO/PtDXy5Vn9lLc7nBg7aY3+IPBHVW1Nsqd9GudXirSijSGkAL16vsvtz9CwXSmaf7q0OHQ+7tynZx/Wg/f2fRGxfetpn/9qZf3TVnQVkgK1y2dx7rNw7FKQJQ76WvdgMgRaiGkQL2uUouvwKNUakVEtVSi9m/uNOPOKxbz2At7y75uLdNDo07KDhN1kAr/1uK1DaWtq3InfRWbEzlCCSEFok5Y5bbHjFKuNlClaZPlulaiN7lxBvp6Ky4gq2UefrmT8vDIKGs27uL803oqrm0od9JfsXwhudLS3B2mdQPSlpQQUiDqhGVQ8+BmLfPhy7VUyp1UpzsAG9UqWbF8IeFzl/KGR0ZZu+mN0Jhv/+HOidf88FeHyHVOfqVJybH0Tcq9qUgLM/fyi3/Spr+/34eGhpodRl0Nbh3m5oe3hRaA6+3u4tmVFzQkjlNWPhYagwF3XX16aNnmSuWrS48NK3cRNu5x/Kwct31mEUOvv8PaTW+ExlWNXIdxzFEzGDkwNmW/57DYG/m5izSCmW129/5yx6iFkAIDfb2RJ7ywrpokViNDdEvFybcerjyzd1KL48oze2MlA8hftX/1f2+fEmvU2MS7B8a4Zf0O+ufP5q6rTy87LhLH2GFn1swZU9YUaFBZ5AglhJSIOuGVnqSTmDdfSDDlTuzDI6Os25xfS/Da6ktYsXwh6zYPVzXOUbwmoaDcibd4uuqzKy+I/Izi9vCEvddxEVNpNags7UgJISXiLtqazoyksJbFHwzu4OaHt8W+yi+8T9SVfTWvMbh1mI6IFc4FxSfxqM/ouqXzJrVcotZLhCXXDw9OLaCnQWVpV1qHkBJxa+fU2sURttZhxfe3Tyn/UEnhfabTpbJnZHQinvEKY1gdZpyy8rGJz6MwZlHuMwobl4hKrmH//mOOmqEyFdKWlBBSJM6irVrr7Ydd0VebDIrf57iuHCOj5aeaRukw46aHt8U6tnQ66Z1XLK442Dvd5FppYx6RVpXoLCMzuxD4M6AT+La7ry55/DzgEeC14K717v61cq/ZirOMqhF29ZvrNI6eOYP9o2ORJ7+oGUTVOn5WjpEDY5hBherUieg047D7pH9nuU3ty9EMI2kncWYZJdZCMLNO4B7gXwG7gefN7FF3f7Hk0Gfc/dKk4mg1pVe/s2Z28uHB8Ymr9aiyF1Eti2oVFqCVu44w8q2ASt1BtShtMQy9/s6kEhbVlP0IK/WhzWyknSU5qHwW8Iq7v+ruB4HvApcn+H5tozDr5q6rT+fAwakDu2GDzHEqltZDpxl3XX06h6eZDOLMHBodG+eh596seZC9dPHe8bNyfGxGBzdPs1y4SFYlmRB6gTeL/t4d3FfqHDPbbmaPm9misBcys+vNbMjMhvbt25dErJm0ZuOu2OsXSk9+SRl3Z8X3tzNzRvVfrQ5jYqbQdUvnTVldHPV+YeIOehcn14/GDjMyOqYy2NK2kkwIYf83l/7fuwWY7+5LgG8Cg2Ev5O73u3u/u/f39PTUOczsKnfSCxtkLt7wZboLvcoZG/fIyqjluDOxcKx//uyp35YQURvzVLuOQGWwRZJNCLuBuUV/nwzsKT7A3d9z9w+C2xuAnJnNSTCmllKuBlKlfvCwLqRch9HRgDo+USfx7llH1g/E2VO5K9fJtWfPrcum9lqxLJJsQngeONXMTjGzmcA1wKPFB5jZCWb5s4OZnRXE83aCMbWU80/rCa3Ldt3SeRUHVMOK3x1z1IzEZw51mvH1f7MktDvog48OTXTRVNpTuVCs7w8HFtdlU3uVwRZJcJaRux8ys68AG8lPO33A3Xea2Q3B4/cBVwFfMrNDwChwjWet2l6TDG4dZt3m4Um9KoVk8IcDi2O9RumMpUZ88NeePZeBvl5WPbpzyjqGscM+UaoialZU2JTQemxqrxlHIgkvTAu6gTaU3Hdf0e27gbuTjKFVhfV5FzaOCRM2Vx+ouMNaPS37p7MnktX+iEVtwyOjLFj5WOhjpSfoWtcfhIm7mE2klan8dUaVK1X92upLJt0XVcrhqFxHxY1tktBpxsdmGAfG4g8895acoAe3Dk8pvZHrNNZctUQncZEQKn/dwqrp846aQdOMZAD5qaLVJIPCIHnxif72H+6cUnpjbNy5/Yc76xWmSNtRQsiouNVRIfszZRxY8b3JeylEJbNmJTmRVqCEkFHVbJEZ1Zro7splZrfIwoCziCRH1U4zrNzsmuIB1+O6cuQ6bVIXS1euk1WX5beo/M6mNxoV8rQUt3S6I6qtRu2FICKVKSG0gNLZNuef1jOp4NvI6Bi5DpuoVFo8g2agr5f++bO5Zf0LjFbRr5+E7q4c+z8aiyycV9zSWXXZIlZ8b/ukxWu5DmPVZaHVT0QkBiWEjAvb+CZsU/rCnsJbb/3NiQRy88PbJhLIwUPNn21WOJmHbdxTuovZQF8vQ6+/w0PPvcm4O51mXH3WXM0wEpkGjSFkXNR6hDDFO5UV78n8nU1vJFKquhYDfb2suWoJxxeVsejuyrHms5OnkxYW5hXiHndn3eZhFaMTmQatQ8i4aja+KRS0q8e+CEk4flaOrbf+ZqxjtbmNSHW0DqENlCtwV/r38MhoapMBVDdlVMXoROpPCSHjotYjXLd03kSLwIhVSToVTln5WKzNaVSMTqT+lBAyLmo9Qv/82RPHNDIZTHddQ2Fco3QhWqlqFuaJSDwaQ2hBYbWLGiXXYeQ6q6tTFKW7K8e226LHFOpZ3E6k1cUZQ9C00xZSOEHGGSfo7e5KpOT12GHnUJ02VQhbeFasHmWvReQIdRm1iOLppJUUulZmzeyseGwtstXmFJECJYQWEbYeIUphr+APDza+S6kaxWsRRCR5SggtotrplsMjo00pbDez06a8b67D6CzZzDnXadz2GZWhEGkkJYQWUct0S2fqrKCuXGeiBeLGxp27rj590qyoNZ9dwtc/u2TyfdroRqThNKjcIsL2BM51GMccNYORA2OR/frOkQHmcltr1mstw0ndXZGDwUoAIs2lhNAiKu0JXEuph3IVVAuiEkV3V45fHTqsTetFMkTrENpE1L7KUZvqRL1GacKBqa2JwuuCNq0XSQutQ5AJlVoQcV8j6vio11UCEMkOtRBERNqAqp2KiEhsSggiIgIoIYiISEAJQUREACUEEREJaNppm9DeASJSiRJCGyhdlDY8Msot63cAWicgIkeoy6gNhJXGLpTAFhEpUEJoA1GlsastmS0irS3RhGBmF5rZLjN7xcxWhjxuZvaN4PEXzOyMJONpV1GlsWspmS0irSuxhGBmncA9wEXAJ4FrzeyTJYddBJwa/FwP3JtUPO1sxfKFdOUmb5epyqMiUirJFsJZwCvu/qq7HwS+C1xecszlwIOetwnoNrMTE4ypLQ309XLnFYsnbUBTTZVTEWkPSc4y6gXeLPp7N3B2jGN6gb3FB5nZ9eRbEMybN6/ugbaDcpVKRUQg2RZC2Ja9paVV4xyDu9/v7v3u3t/T01OX4EREZLIkE8JuYG7R3ycDe2o4RkREGiDJhPA8cKqZnWJmM4FrgEdLjnkU+Hww22gpsN/d95a+kIiIJC+xMQR3P2RmXwE2Ap3AA+6+08xuCB6/D9gAXAy8AhwAvpBUPCIiUl6ipSvcfQP5k37xffcV3Xbgy0nGICIi8WRuC00z2we83uw4AnOAXzY7iAqyECNkI84sxAiKs56yECPEi3O+u5edlZO5hJAmZjZUaY/SZstCjJCNOLMQIyjOespCjFC/OFXLSEREACUEEREJKCFMz/3NDiCGLMQI2YgzCzGC4qynLMQIdYpTYwgiIgKohSAiIgElBBERAZQQyjKz2Wb2hJn9LPh9fMgxc83sKTN7ycx2mtmNRY+tMrNhM9sW/Fxc5/hq3oCo0nMbGON1QWwvmNmPzWxJ0WM/N7MdwWc3lFSMMeM8z8z2F/23vDXucxsY44qi+H5qZuNmNjt4rJGf5QNm9paZ/TTi8TR8LyvFmJbvZaU46/u9dHf9RPwAfwysDG6vBP4o5JgTgTOC28cCfw98Mvh7FfC7CcXWCfwD8AlgJrC98L5Fx1wMPE6+quxS4Lm4z21gjOcCxwe3LyrEGPz9c2BOA/47x4nzPOCvanluo2IsOf4zwJON/iyD9/rnwBnATyMeb+r3MmaMTf9exoyzrt9LtRDKuxz4y+D2XwIDpQe4+1533xLcfh94ifyeDkmbzgZEcZ7bkBjd/cfu/m7w5ybyFW8bbTqfR2o+yxLXAg8lEEdF7v408E6ZQ5r9vawYY0q+l3E+yyg1fZZKCOX9Ew+qrwa/P17uYDNbAPQBzxXd/ZWg2flAWJfTNERtLhTnmDjPbVSMxb5I/sqxwIH/a2abLb9JUlLixnmOmW03s8fNbFGVz21UjJjZLOBCYF3R3Y36LONo9veyWs36XsZVt+9losXtssDM/ho4IeSh36/ydY4h/z/gTe7+XnD3vcAd5L9AdwBfB3679mgnv2XIfXE3IIq1MVEdxH4fMzuf/P94v1F09zJ332NmHweeMLOXgyumZsS5hXwtmA+CsaBB8nuBp+6zJN9d9Ky7F19ZNuqzjKPZ38vYmvy9jKOu38u2byG4+6fd/ddCfh4BfhE0ZQl+vxX2GmaWI58M1rr7+qLX/oW7j7v7YeB/kG/G1ct0NiBq1MZEsd7HzD4FfBu43N3fLtzv7nuC328BP6C+n19Vcbr7e+7+QXB7A5AzszlxntuoGItcQ0l3UQM/yzia/b2MJQXfy4rq/r1sxMBIVn+ANUweVP7jkGMMeBD405DHTiy6fTPw3TrGNgN4FTiFI4NGi0qOuYTJg3c/ifvcBsY4j/x+GOeW3H80cGzR7R8DFyb03zlOnCdwZCHnWcAbweeams8yOO448n3ORzfjsyx6zwVED4Q29XsZM8amfy9jxlnX72Vi/4hW+AH+MfA3wM+C37OD+08CNgS3f4N8U+wFYFvwc3Hw2P8EdgSPPUpRgqhTfBeTn9X0D8DvB/fdANwQ3DbgnuDxHUB/uecm9BlWivHbwLtFn91QcP8ngi/xdmBnkjHGjPMrQRzbyQ8ynlvuuc2IMfj7tyi58GjCZ/kQsBcYI3+l+sUUfi8rxZiW72WlOOv6vVTpChERATSGICIiASUEEREBlBBERCSghCAiIoASgoiIBJQQREQEUEIQEZGAEoJICDNbYGYvm9m3g70F1prZp83sWcvvj3GWmR0dFC183sy2mtnlRc99xsy2BD/nBvefZ2Z/a2bfD157rZmF1ZwRaQotTBMJEVSufYV89dqdwPPkV4N+EbgM+ALwIvCiu3/HzLqBnwTHO3DY3T8ys1OBh9y938zOAx4BFpGvK/MssMLdf9TAf5pIpLavdipSxmvuvgPAzHYCf+PubmY7yNeXORm4zMx+Nzj+KPI1cPYAd5vZ6cA48M+KXvMn7r47eM1twesoIUgqKCGIRPtV0e3DRc85vJ4AAACPSURBVH8fJv//zjhwpbvvKn6Sma0CfgEsId8t+1HEa46j/wclRTSGIFK7jcB/KowDmFlfcP9xwF7Plz3/HPntDEVSTwlBpHZ3ADnghWAT9DuC+78F/Dsz20S+u+jDJsUnUhUNKouICKAWgoiIBJQQREQEUEIQEZGAEoKIiABKCCIiElBCEBERQAlBREQC/x/zeozQg7cqcwAAAABJRU5ErkJggg=="/>
+          <p:cNvSpPr>
+            <a:spLocks noChangeAspect="1" noChangeArrowheads="1"/>
+          </p:cNvSpPr>
+          <p:nvPr/>
+        </p:nvSpPr>
+        <p:spPr bwMode="auto">
+          <a:xfrm>
+            <a:off x="63500" y="-144463"/>
+            <a:ext cx="304800" cy="304801"/>
+          </a:xfrm>
+          <a:prstGeom prst="rect">
+            <a:avLst/>
+          </a:prstGeom>
+          <a:noFill/>
+          <a:extLst>
+            <a:ext uri="{909E8E84-426E-40DD-AFC4-6F175D3DCCD1}">
+              <a14:hiddenFill xmlns:a14="http://schemas.microsoft.com/office/drawing/2010/main">
+                <a:solidFill>
+                  <a:srgbClr val="FFFFFF"/>
+                </a:solidFill>
+              </a14:hiddenFill>
+            </a:ext>
+          </a:extLst>
+        </p:spPr>
+        <p:txBody>
+          <a:bodyPr vert="horz" wrap="square" lIns="91440" tIns="45720" rIns="91440" bIns="45720" numCol="1" anchor="t" anchorCtr="0" compatLnSpc="1">
+            <a:prstTxWarp prst="textNoShape">
+              <a:avLst/>
+            </a:prstTxWarp>
+          </a:bodyPr>
+          <a:lstStyle/>
+          <a:p>
+            <a:endParaRPr lang="it-IT"/>
+          </a:p>
+        </p:txBody>
+      </p:sp>
+      <p:sp>
+        <p:nvSpPr>
+          <p:cNvPr id="6" name="Rettangolo 5"/>
+          <p:cNvSpPr/>
+          <p:nvPr/>
+        </p:nvSpPr>
+        <p:spPr>
+          <a:xfrm>
+            <a:off x="-671140" y="1780249"/>
+            <a:ext cx="4693914" cy="384721"/>
+          </a:xfrm>
+          <a:prstGeom prst="rect">
+            <a:avLst/>
+          </a:prstGeom>
+        </p:spPr>
+        <p:txBody>
+          <a:bodyPr wrap="none">
+            <a:spAutoFit/>
+          </a:bodyPr>
+          <a:lstStyle/>
+          <a:p>
+            <a:r>
+              <a:rPr lang="it-IT" sz="1900" spc="10" dirty="0">
+                <a:solidFill>
+                  <a:schemeClr val="tx1">
+                    <a:lumMod val="65000"/>
+                    <a:lumOff val="35000"/>
+                  </a:schemeClr>
+                </a:solidFill>
+              </a:rPr>
+              <a:t>                      Pesi del portafoglio </a:t>
+            </a:r>
+            <a:r>
+              <a:rPr lang="it-IT" sz="1900" i="1" spc="10" dirty="0" err="1">
+                <a:solidFill>
+                  <a:schemeClr val="tx1">
+                    <a:lumMod val="65000"/>
+                    <a:lumOff val="35000"/>
+                  </a:schemeClr>
+                </a:solidFill>
+              </a:rPr>
+              <a:t>rolling</a:t>
+            </a:r>
+            <a:endParaRPr lang="it-IT" sz="1900" i="1" spc="10" dirty="0">
+              <a:solidFill>
+                <a:schemeClr val="tx1">
+                  <a:lumMod val="65000"/>
+                  <a:lumOff val="35000"/>
+                </a:schemeClr>
+              </a:solidFill>
+            </a:endParaRPr>
+          </a:p>
+        </p:txBody>
+      </p:sp>
+      <p:pic>
+        <p:nvPicPr>
+          <p:cNvPr id="8" name="Immagine 7">
+            <a:extLst>
+              <a:ext uri="{FF2B5EF4-FFF2-40B4-BE49-F238E27FC236}">
+                <a16:creationId xmlns:a16="http://schemas.microsoft.com/office/drawing/2014/main" id="{97327ECC-1B71-4F11-B4D1-867B5876A1CF}"/>
+              </a:ext>
+            </a:extLst>
+          </p:cNvPr>
+          <p:cNvPicPr>
+            <a:picLocks noChangeAspect="1"/>
+          </p:cNvPicPr>
+          <p:nvPr/>
+        </p:nvPicPr>
+        <p:blipFill>
+          <a:blip r:embed="rId2"/>
+          <a:stretch>
+            <a:fillRect/>
+          </a:stretch>
+        </p:blipFill>
+        <p:spPr>
+          <a:xfrm>
+            <a:off x="762421" y="2229677"/>
+            <a:ext cx="10182225" cy="3848100"/>
+          </a:xfrm>
+          <a:prstGeom prst="rect">
+            <a:avLst/>
+          </a:prstGeom>
+        </p:spPr>
+      </p:pic>
+    </p:spTree>
+    <p:extLst>
+      <p:ext uri="{BB962C8B-B14F-4D97-AF65-F5344CB8AC3E}">
+        <p14:creationId xmlns:p14="http://schemas.microsoft.com/office/powerpoint/2010/main" val="618118738"/>
+      </p:ext>
+    </p:extLst>
+  </p:cSld>
+  <p:clrMapOvr>
+    <a:masterClrMapping/>
+  </p:clrMapOvr>
+</p:sld>
+</file>
+
+<file path=ppt/slides/slide17.xml><?xml version="1.0" encoding="utf-8"?>
 <p:sld xmlns:a="http://schemas.openxmlformats.org/drawingml/2006/main" xmlns:r="http://schemas.openxmlformats.org/officeDocument/2006/relationships" xmlns:p="http://schemas.openxmlformats.org/presentationml/2006/main">
   <p:cSld>
     <p:spTree>
@@ -6025,7 +6244,7 @@
 </p:sld>
 </file>
 
-<file path=ppt/slides/slide17.xml><?xml version="1.0" encoding="utf-8"?>
+<file path=ppt/slides/slide18.xml><?xml version="1.0" encoding="utf-8"?>
 <p:sld xmlns:a="http://schemas.openxmlformats.org/drawingml/2006/main" xmlns:r="http://schemas.openxmlformats.org/officeDocument/2006/relationships" xmlns:p="http://schemas.openxmlformats.org/presentationml/2006/main">
   <p:cSld>
     <p:spTree>
@@ -6111,247 +6330,6 @@
 </p:sld>
 </file>
 
-<file path=ppt/slides/slide18.xml><?xml version="1.0" encoding="utf-8"?>
-<p:sld xmlns:a="http://schemas.openxmlformats.org/drawingml/2006/main" xmlns:r="http://schemas.openxmlformats.org/officeDocument/2006/relationships" xmlns:p="http://schemas.openxmlformats.org/presentationml/2006/main">
-  <p:cSld>
-    <p:spTree>
-      <p:nvGrpSpPr>
-        <p:cNvPr id="1" name=""/>
-        <p:cNvGrpSpPr/>
-        <p:nvPr/>
-      </p:nvGrpSpPr>
-      <p:grpSpPr>
-        <a:xfrm>
-          <a:off x="0" y="0"/>
-          <a:ext cx="0" cy="0"/>
-          <a:chOff x="0" y="0"/>
-          <a:chExt cx="0" cy="0"/>
-        </a:xfrm>
-      </p:grpSpPr>
-      <p:sp>
-        <p:nvSpPr>
-          <p:cNvPr id="4" name="Titolo 3"/>
-          <p:cNvSpPr>
-            <a:spLocks noGrp="1"/>
-          </p:cNvSpPr>
-          <p:nvPr>
-            <p:ph type="title"/>
-          </p:nvPr>
-        </p:nvSpPr>
-        <p:spPr>
-          <a:xfrm>
-            <a:off x="528038" y="313371"/>
-            <a:ext cx="8911687" cy="739818"/>
-          </a:xfrm>
-        </p:spPr>
-        <p:txBody>
-          <a:bodyPr/>
-          <a:lstStyle/>
-          <a:p>
-            <a:r>
-              <a:rPr lang="it-IT" dirty="0"/>
-              <a:t>Valutazione cluster</a:t>
-            </a:r>
-          </a:p>
-        </p:txBody>
-      </p:sp>
-      <p:pic>
-        <p:nvPicPr>
-          <p:cNvPr id="3" name="Immagine 2">
-            <a:extLst>
-              <a:ext uri="{FF2B5EF4-FFF2-40B4-BE49-F238E27FC236}">
-                <a16:creationId xmlns:a16="http://schemas.microsoft.com/office/drawing/2014/main" id="{873F7BD2-1941-40A7-BAA1-CF8CCF29BC20}"/>
-              </a:ext>
-            </a:extLst>
-          </p:cNvPr>
-          <p:cNvPicPr>
-            <a:picLocks noChangeAspect="1"/>
-          </p:cNvPicPr>
-          <p:nvPr/>
-        </p:nvPicPr>
-        <p:blipFill>
-          <a:blip r:embed="rId2"/>
-          <a:stretch>
-            <a:fillRect/>
-          </a:stretch>
-        </p:blipFill>
-        <p:spPr>
-          <a:xfrm>
-            <a:off x="2306173" y="4790824"/>
-            <a:ext cx="7579653" cy="1224170"/>
-          </a:xfrm>
-          <a:prstGeom prst="rect">
-            <a:avLst/>
-          </a:prstGeom>
-        </p:spPr>
-      </p:pic>
-      <p:sp>
-        <p:nvSpPr>
-          <p:cNvPr id="5" name="CasellaDiTesto 4">
-            <a:extLst>
-              <a:ext uri="{FF2B5EF4-FFF2-40B4-BE49-F238E27FC236}">
-                <a16:creationId xmlns:a16="http://schemas.microsoft.com/office/drawing/2014/main" id="{71DD9C72-A6C6-4BA8-B0B1-1EA5E77ABE67}"/>
-              </a:ext>
-            </a:extLst>
-          </p:cNvPr>
-          <p:cNvSpPr txBox="1"/>
-          <p:nvPr/>
-        </p:nvSpPr>
-        <p:spPr>
-          <a:xfrm>
-            <a:off x="528038" y="1455091"/>
-            <a:ext cx="10656798" cy="646331"/>
-          </a:xfrm>
-          <a:prstGeom prst="rect">
-            <a:avLst/>
-          </a:prstGeom>
-          <a:noFill/>
-        </p:spPr>
-        <p:txBody>
-          <a:bodyPr wrap="square" rtlCol="0">
-            <a:spAutoFit/>
-          </a:bodyPr>
-          <a:lstStyle/>
-          <a:p>
-            <a:pPr marL="285750" indent="-285750">
-              <a:buFont typeface="Arial" panose="020B0604020202020204" pitchFamily="34" charset="0"/>
-              <a:buChar char="•"/>
-            </a:pPr>
-            <a:r>
-              <a:rPr lang="it-IT" dirty="0"/>
-              <a:t>Il Silhouette </a:t>
-            </a:r>
-            <a:r>
-              <a:rPr lang="it-IT" dirty="0" err="1"/>
-              <a:t>coefficient</a:t>
-            </a:r>
-            <a:r>
-              <a:rPr lang="it-IT" dirty="0"/>
-              <a:t> è una misura di quanto un oggetto sia simile al proprio cluster (coesione) comparato rispetto agli altri cluster (separazione). Il suo valore è compreso fra -1 e +1. </a:t>
-            </a:r>
-          </a:p>
-        </p:txBody>
-      </p:sp>
-      <p:pic>
-        <p:nvPicPr>
-          <p:cNvPr id="7" name="Immagine 6">
-            <a:extLst>
-              <a:ext uri="{FF2B5EF4-FFF2-40B4-BE49-F238E27FC236}">
-                <a16:creationId xmlns:a16="http://schemas.microsoft.com/office/drawing/2014/main" id="{5522956A-3037-4D16-A254-F95E38899B6F}"/>
-              </a:ext>
-            </a:extLst>
-          </p:cNvPr>
-          <p:cNvPicPr>
-            <a:picLocks noChangeAspect="1"/>
-          </p:cNvPicPr>
-          <p:nvPr/>
-        </p:nvPicPr>
-        <p:blipFill>
-          <a:blip r:embed="rId3"/>
-          <a:stretch>
-            <a:fillRect/>
-          </a:stretch>
-        </p:blipFill>
-        <p:spPr>
-          <a:xfrm>
-            <a:off x="5067744" y="2415987"/>
-            <a:ext cx="2056508" cy="646331"/>
-          </a:xfrm>
-          <a:prstGeom prst="rect">
-            <a:avLst/>
-          </a:prstGeom>
-        </p:spPr>
-      </p:pic>
-      <p:sp>
-        <p:nvSpPr>
-          <p:cNvPr id="8" name="CasellaDiTesto 7">
-            <a:extLst>
-              <a:ext uri="{FF2B5EF4-FFF2-40B4-BE49-F238E27FC236}">
-                <a16:creationId xmlns:a16="http://schemas.microsoft.com/office/drawing/2014/main" id="{4C9DE3B0-21ED-4138-8830-0423A0654D6C}"/>
-              </a:ext>
-            </a:extLst>
-          </p:cNvPr>
-          <p:cNvSpPr txBox="1"/>
-          <p:nvPr/>
-        </p:nvSpPr>
-        <p:spPr>
-          <a:xfrm>
-            <a:off x="528038" y="3623721"/>
-            <a:ext cx="8772939" cy="369332"/>
-          </a:xfrm>
-          <a:prstGeom prst="rect">
-            <a:avLst/>
-          </a:prstGeom>
-          <a:noFill/>
-        </p:spPr>
-        <p:txBody>
-          <a:bodyPr wrap="square" rtlCol="0">
-            <a:spAutoFit/>
-          </a:bodyPr>
-          <a:lstStyle/>
-          <a:p>
-            <a:pPr marL="285750" indent="-285750">
-              <a:buFont typeface="Arial" panose="020B0604020202020204" pitchFamily="34" charset="0"/>
-              <a:buChar char="•"/>
-            </a:pPr>
-            <a:r>
-              <a:rPr lang="it-IT" dirty="0"/>
-              <a:t>L’indice di </a:t>
-            </a:r>
-            <a:r>
-              <a:rPr lang="it-IT" dirty="0" err="1"/>
-              <a:t>Calinski-Harabasz</a:t>
-            </a:r>
-            <a:r>
-              <a:rPr lang="it-IT" dirty="0"/>
-              <a:t> </a:t>
-            </a:r>
-          </a:p>
-        </p:txBody>
-      </p:sp>
-      <p:pic>
-        <p:nvPicPr>
-          <p:cNvPr id="11" name="Immagine 10">
-            <a:extLst>
-              <a:ext uri="{FF2B5EF4-FFF2-40B4-BE49-F238E27FC236}">
-                <a16:creationId xmlns:a16="http://schemas.microsoft.com/office/drawing/2014/main" id="{3414C069-4FB5-45B7-AB08-53D849C5574A}"/>
-              </a:ext>
-            </a:extLst>
-          </p:cNvPr>
-          <p:cNvPicPr>
-            <a:picLocks noChangeAspect="1"/>
-          </p:cNvPicPr>
-          <p:nvPr/>
-        </p:nvPicPr>
-        <p:blipFill>
-          <a:blip r:embed="rId4"/>
-          <a:stretch>
-            <a:fillRect/>
-          </a:stretch>
-        </p:blipFill>
-        <p:spPr>
-          <a:xfrm>
-            <a:off x="5129211" y="3536924"/>
-            <a:ext cx="1933575" cy="542925"/>
-          </a:xfrm>
-          <a:prstGeom prst="rect">
-            <a:avLst/>
-          </a:prstGeom>
-        </p:spPr>
-      </p:pic>
-    </p:spTree>
-    <p:extLst>
-      <p:ext uri="{BB962C8B-B14F-4D97-AF65-F5344CB8AC3E}">
-        <p14:creationId xmlns:p14="http://schemas.microsoft.com/office/powerpoint/2010/main" val="682774244"/>
-      </p:ext>
-    </p:extLst>
-  </p:cSld>
-  <p:clrMapOvr>
-    <a:masterClrMapping/>
-  </p:clrMapOvr>
-</p:sld>
-</file>
-
 <file path=ppt/slides/slide19.xml><?xml version="1.0" encoding="utf-8"?>
 <p:sld xmlns:a="http://schemas.openxmlformats.org/drawingml/2006/main" xmlns:r="http://schemas.openxmlformats.org/officeDocument/2006/relationships" xmlns:p="http://schemas.openxmlformats.org/presentationml/2006/main">
   <p:cSld>
@@ -6381,8 +6359,8 @@
         </p:nvSpPr>
         <p:spPr>
           <a:xfrm>
-            <a:off x="595424" y="223283"/>
-            <a:ext cx="10108034" cy="718553"/>
+            <a:off x="511227" y="790450"/>
+            <a:ext cx="8911687" cy="739818"/>
           </a:xfrm>
         </p:spPr>
         <p:txBody>
@@ -6391,237 +6369,89 @@
           <a:p>
             <a:r>
               <a:rPr lang="it-IT" dirty="0"/>
-              <a:t>Conclusioni e possibili sviluppi</a:t>
-            </a:r>
-          </a:p>
-        </p:txBody>
-      </p:sp>
-      <p:sp>
-        <p:nvSpPr>
-          <p:cNvPr id="7" name="Segnaposto contenuto 6"/>
-          <p:cNvSpPr>
-            <a:spLocks noGrp="1"/>
-          </p:cNvSpPr>
-          <p:nvPr>
-            <p:ph idx="1"/>
-          </p:nvPr>
-        </p:nvSpPr>
+              <a:t>Risultati</a:t>
+            </a:r>
+          </a:p>
+        </p:txBody>
+      </p:sp>
+      <p:pic>
+        <p:nvPicPr>
+          <p:cNvPr id="6" name="Immagine 5">
+            <a:extLst>
+              <a:ext uri="{FF2B5EF4-FFF2-40B4-BE49-F238E27FC236}">
+                <a16:creationId xmlns:a16="http://schemas.microsoft.com/office/drawing/2014/main" id="{2017ABC1-E0F1-4D95-A686-C3C329055D6F}"/>
+              </a:ext>
+            </a:extLst>
+          </p:cNvPr>
+          <p:cNvPicPr>
+            <a:picLocks noChangeAspect="1"/>
+          </p:cNvPicPr>
+          <p:nvPr/>
+        </p:nvPicPr>
+        <p:blipFill>
+          <a:blip r:embed="rId2"/>
+          <a:stretch>
+            <a:fillRect/>
+          </a:stretch>
+        </p:blipFill>
         <p:spPr>
           <a:xfrm>
-            <a:off x="969819" y="1037529"/>
-            <a:ext cx="10098674" cy="5820471"/>
+            <a:off x="511226" y="2771254"/>
+            <a:ext cx="10673609" cy="1748503"/>
           </a:xfrm>
+          <a:prstGeom prst="rect">
+            <a:avLst/>
+          </a:prstGeom>
         </p:spPr>
-        <p:txBody>
-          <a:bodyPr>
-            <a:normAutofit fontScale="92500" lnSpcReduction="10000"/>
+      </p:pic>
+      <p:sp>
+        <p:nvSpPr>
+          <p:cNvPr id="9" name="CasellaDiTesto 8">
+            <a:extLst>
+              <a:ext uri="{FF2B5EF4-FFF2-40B4-BE49-F238E27FC236}">
+                <a16:creationId xmlns:a16="http://schemas.microsoft.com/office/drawing/2014/main" id="{7C995CD4-24D0-4CF3-8D00-4A60E5B96143}"/>
+              </a:ext>
+            </a:extLst>
+          </p:cNvPr>
+          <p:cNvSpPr txBox="1"/>
+          <p:nvPr/>
+        </p:nvSpPr>
+        <p:spPr>
+          <a:xfrm>
+            <a:off x="622852" y="2305878"/>
+            <a:ext cx="4174435" cy="369332"/>
+          </a:xfrm>
+          <a:prstGeom prst="rect">
+            <a:avLst/>
+          </a:prstGeom>
+          <a:noFill/>
+        </p:spPr>
+        <p:txBody>
+          <a:bodyPr wrap="square" rtlCol="0">
+            <a:spAutoFit/>
           </a:bodyPr>
           <a:lstStyle/>
           <a:p>
             <a:r>
-              <a:rPr lang="it-IT" dirty="0"/>
-              <a:t>É stato dimostrato che gli algoritmi di </a:t>
-            </a:r>
-            <a:r>
-              <a:rPr lang="it-IT" i="1" dirty="0" err="1"/>
-              <a:t>clustering</a:t>
-            </a:r>
-            <a:r>
-              <a:rPr lang="it-IT" i="1" dirty="0"/>
-              <a:t> </a:t>
-            </a:r>
-            <a:r>
-              <a:rPr lang="it-IT" dirty="0"/>
-              <a:t>possono essere utilizzati per costruire portafogli diversificati che evidenziano una buona </a:t>
-            </a:r>
-            <a:r>
-              <a:rPr lang="it-IT" i="1" dirty="0"/>
-              <a:t>performance</a:t>
+              <a:rPr lang="it-IT" dirty="0" err="1"/>
+              <a:t>Summary</a:t>
             </a:r>
             <a:r>
               <a:rPr lang="it-IT" dirty="0"/>
               <a:t> </a:t>
             </a:r>
             <a:r>
-              <a:rPr lang="it-IT" i="1" dirty="0"/>
-              <a:t>out of sample</a:t>
-            </a:r>
-            <a:r>
-              <a:rPr lang="it-IT" dirty="0"/>
-              <a:t>. </a:t>
-            </a:r>
-          </a:p>
-          <a:p>
-            <a:r>
-              <a:rPr lang="it-IT" dirty="0"/>
-              <a:t>Nell’ultimo anno, il portafoglio </a:t>
-            </a:r>
-            <a:r>
-              <a:rPr lang="it-IT" i="1" dirty="0" err="1"/>
-              <a:t>Bounded</a:t>
-            </a:r>
-            <a:r>
-              <a:rPr lang="it-IT" i="1" dirty="0"/>
-              <a:t> K-</a:t>
-            </a:r>
-            <a:r>
-              <a:rPr lang="it-IT" i="1" dirty="0" err="1"/>
-              <a:t>Means</a:t>
-            </a:r>
-            <a:r>
-              <a:rPr lang="it-IT" dirty="0"/>
-              <a:t> avrebbe garantito l’</a:t>
-            </a:r>
-            <a:r>
               <a:rPr lang="it-IT" dirty="0" err="1"/>
-              <a:t>extrarendimento</a:t>
-            </a:r>
-            <a:r>
-              <a:rPr lang="it-IT" dirty="0"/>
-              <a:t> maggiore, mentre il portafoglio di tangenza avrebbe dato luogo allo </a:t>
-            </a:r>
-            <a:r>
-              <a:rPr lang="it-IT" i="1" dirty="0" err="1"/>
-              <a:t>Sharpe</a:t>
-            </a:r>
-            <a:r>
-              <a:rPr lang="it-IT" i="1" dirty="0"/>
-              <a:t> Ratio</a:t>
-            </a:r>
-            <a:r>
-              <a:rPr lang="it-IT" dirty="0"/>
-              <a:t> più elevato. </a:t>
-            </a:r>
-          </a:p>
-          <a:p>
-            <a:pPr marL="0" indent="0">
-              <a:buNone/>
-            </a:pPr>
-            <a:r>
-              <a:rPr lang="it-IT" b="1" dirty="0"/>
-              <a:t>Possibili estensioni del progetto: </a:t>
-            </a:r>
-          </a:p>
-          <a:p>
-            <a:r>
-              <a:rPr lang="it-IT" dirty="0"/>
-              <a:t> Inclusione di titoli di Stato, obbligazioni </a:t>
-            </a:r>
-            <a:r>
-              <a:rPr lang="it-IT" i="1" dirty="0"/>
-              <a:t>corporate </a:t>
-            </a:r>
-            <a:r>
-              <a:rPr lang="it-IT" dirty="0"/>
-              <a:t>o indici di mercato;</a:t>
-            </a:r>
-            <a:endParaRPr lang="it-IT" i="1" dirty="0"/>
-          </a:p>
-          <a:p>
-            <a:r>
-              <a:rPr lang="it-IT" dirty="0"/>
-              <a:t>Utilizzo di una strategia di ottimizzazione che consenta di aprire posizioni </a:t>
-            </a:r>
-            <a:r>
-              <a:rPr lang="it-IT" i="1" dirty="0"/>
-              <a:t>short;</a:t>
-            </a:r>
-          </a:p>
-          <a:p>
-            <a:r>
-              <a:rPr lang="it-IT" dirty="0"/>
-              <a:t>Utilizzo di una strategia di ottimizzazione in media-varianza o di allocazione del rischio (</a:t>
-            </a:r>
-            <a:r>
-              <a:rPr lang="it-IT" i="1" dirty="0" err="1"/>
-              <a:t>risk</a:t>
-            </a:r>
-            <a:r>
-              <a:rPr lang="it-IT" i="1" dirty="0"/>
-              <a:t> </a:t>
-            </a:r>
-            <a:r>
-              <a:rPr lang="it-IT" i="1" dirty="0" err="1"/>
-              <a:t>parity</a:t>
-            </a:r>
-            <a:r>
-              <a:rPr lang="it-IT" i="1" dirty="0"/>
-              <a:t>, inverse </a:t>
-            </a:r>
-            <a:r>
-              <a:rPr lang="it-IT" i="1" dirty="0" err="1"/>
-              <a:t>variance</a:t>
-            </a:r>
-            <a:r>
-              <a:rPr lang="it-IT" dirty="0"/>
-              <a:t>) all’interno dei </a:t>
-            </a:r>
-            <a:r>
-              <a:rPr lang="it-IT" i="1" dirty="0"/>
-              <a:t>cluster;</a:t>
-            </a:r>
-          </a:p>
-          <a:p>
-            <a:r>
-              <a:rPr lang="it-IT" dirty="0"/>
-              <a:t>Utilizzo di altri algoritmi di</a:t>
-            </a:r>
-            <a:r>
-              <a:rPr lang="it-IT" i="1" dirty="0"/>
-              <a:t> </a:t>
-            </a:r>
-            <a:r>
-              <a:rPr lang="it-IT" i="1" dirty="0" err="1"/>
-              <a:t>clustering</a:t>
-            </a:r>
-            <a:r>
-              <a:rPr lang="it-IT" i="1" dirty="0"/>
-              <a:t>;</a:t>
-            </a:r>
-          </a:p>
-          <a:p>
-            <a:r>
-              <a:rPr lang="it-IT" i="1" dirty="0" err="1"/>
-              <a:t>Backtest</a:t>
-            </a:r>
-            <a:r>
-              <a:rPr lang="it-IT" i="1" dirty="0"/>
-              <a:t> </a:t>
-            </a:r>
-            <a:r>
-              <a:rPr lang="it-IT" dirty="0"/>
-              <a:t>dei portafogli su fasi rialziste del mercato e/o su fasi ribassiste precedenti (crisi finanziaria, crisi del debito sovrano);</a:t>
-            </a:r>
-          </a:p>
-          <a:p>
-            <a:r>
-              <a:rPr lang="it-IT" dirty="0"/>
-              <a:t>Verifica di come la scelta del numero ottimale di </a:t>
-            </a:r>
-            <a:r>
-              <a:rPr lang="it-IT" i="1" dirty="0"/>
-              <a:t>cluster</a:t>
-            </a:r>
-            <a:r>
-              <a:rPr lang="it-IT" dirty="0"/>
-              <a:t> influenzi la </a:t>
-            </a:r>
-            <a:r>
-              <a:rPr lang="it-IT" i="1" dirty="0"/>
-              <a:t>performance</a:t>
-            </a:r>
-            <a:r>
-              <a:rPr lang="it-IT" dirty="0"/>
-              <a:t> dei portafogli. </a:t>
-            </a:r>
-            <a:endParaRPr lang="it-IT" i="1" dirty="0"/>
+              <a:t>statistics</a:t>
+            </a:r>
+            <a:endParaRPr lang="it-IT" dirty="0"/>
           </a:p>
         </p:txBody>
       </p:sp>
     </p:spTree>
     <p:extLst>
       <p:ext uri="{BB962C8B-B14F-4D97-AF65-F5344CB8AC3E}">
-        <p14:creationId xmlns:p14="http://schemas.microsoft.com/office/powerpoint/2010/main" val="3333119257"/>
+        <p14:creationId xmlns:p14="http://schemas.microsoft.com/office/powerpoint/2010/main" val="3157654564"/>
       </p:ext>
     </p:extLst>
   </p:cSld>
@@ -6727,7 +6557,7 @@
         </p:spPr>
         <p:txBody>
           <a:bodyPr>
-            <a:normAutofit lnSpcReduction="10000"/>
+            <a:normAutofit fontScale="92500" lnSpcReduction="20000"/>
           </a:bodyPr>
           <a:lstStyle>
             <a:lvl1pPr marL="228600" indent="-228600" algn="l" defTabSz="914400" rtl="0" eaLnBrk="1" latinLnBrk="0" hangingPunct="1">
@@ -6975,6 +6805,12 @@
           <a:p>
             <a:r>
               <a:rPr lang="it-IT" sz="2400" spc="30" dirty="0"/>
+              <a:t>Valutazione cluster</a:t>
+            </a:r>
+          </a:p>
+          <a:p>
+            <a:r>
+              <a:rPr lang="it-IT" sz="2400" spc="30" dirty="0"/>
               <a:t>Conclusioni e possibili sviluppi</a:t>
             </a:r>
           </a:p>
@@ -6997,6 +6833,526 @@
 </file>
 
 <file path=ppt/slides/slide20.xml><?xml version="1.0" encoding="utf-8"?>
+<p:sld xmlns:a="http://schemas.openxmlformats.org/drawingml/2006/main" xmlns:r="http://schemas.openxmlformats.org/officeDocument/2006/relationships" xmlns:p="http://schemas.openxmlformats.org/presentationml/2006/main">
+  <p:cSld>
+    <p:spTree>
+      <p:nvGrpSpPr>
+        <p:cNvPr id="1" name=""/>
+        <p:cNvGrpSpPr/>
+        <p:nvPr/>
+      </p:nvGrpSpPr>
+      <p:grpSpPr>
+        <a:xfrm>
+          <a:off x="0" y="0"/>
+          <a:ext cx="0" cy="0"/>
+          <a:chOff x="0" y="0"/>
+          <a:chExt cx="0" cy="0"/>
+        </a:xfrm>
+      </p:grpSpPr>
+      <p:sp>
+        <p:nvSpPr>
+          <p:cNvPr id="4" name="Titolo 3"/>
+          <p:cNvSpPr>
+            <a:spLocks noGrp="1"/>
+          </p:cNvSpPr>
+          <p:nvPr>
+            <p:ph type="title"/>
+          </p:nvPr>
+        </p:nvSpPr>
+        <p:spPr>
+          <a:xfrm>
+            <a:off x="528038" y="313371"/>
+            <a:ext cx="8911687" cy="739818"/>
+          </a:xfrm>
+        </p:spPr>
+        <p:txBody>
+          <a:bodyPr/>
+          <a:lstStyle/>
+          <a:p>
+            <a:r>
+              <a:rPr lang="it-IT" dirty="0"/>
+              <a:t>Valutazione cluster</a:t>
+            </a:r>
+          </a:p>
+        </p:txBody>
+      </p:sp>
+      <p:pic>
+        <p:nvPicPr>
+          <p:cNvPr id="3" name="Immagine 2">
+            <a:extLst>
+              <a:ext uri="{FF2B5EF4-FFF2-40B4-BE49-F238E27FC236}">
+                <a16:creationId xmlns:a16="http://schemas.microsoft.com/office/drawing/2014/main" id="{873F7BD2-1941-40A7-BAA1-CF8CCF29BC20}"/>
+              </a:ext>
+            </a:extLst>
+          </p:cNvPr>
+          <p:cNvPicPr>
+            <a:picLocks noChangeAspect="1"/>
+          </p:cNvPicPr>
+          <p:nvPr/>
+        </p:nvPicPr>
+        <p:blipFill>
+          <a:blip r:embed="rId2"/>
+          <a:stretch>
+            <a:fillRect/>
+          </a:stretch>
+        </p:blipFill>
+        <p:spPr>
+          <a:xfrm>
+            <a:off x="2306172" y="5000449"/>
+            <a:ext cx="7579653" cy="1224170"/>
+          </a:xfrm>
+          <a:prstGeom prst="rect">
+            <a:avLst/>
+          </a:prstGeom>
+        </p:spPr>
+      </p:pic>
+      <p:sp>
+        <p:nvSpPr>
+          <p:cNvPr id="5" name="CasellaDiTesto 4">
+            <a:extLst>
+              <a:ext uri="{FF2B5EF4-FFF2-40B4-BE49-F238E27FC236}">
+                <a16:creationId xmlns:a16="http://schemas.microsoft.com/office/drawing/2014/main" id="{71DD9C72-A6C6-4BA8-B0B1-1EA5E77ABE67}"/>
+              </a:ext>
+            </a:extLst>
+          </p:cNvPr>
+          <p:cNvSpPr txBox="1"/>
+          <p:nvPr/>
+        </p:nvSpPr>
+        <p:spPr>
+          <a:xfrm>
+            <a:off x="528038" y="1645980"/>
+            <a:ext cx="8350919" cy="923330"/>
+          </a:xfrm>
+          <a:prstGeom prst="rect">
+            <a:avLst/>
+          </a:prstGeom>
+          <a:noFill/>
+        </p:spPr>
+        <p:txBody>
+          <a:bodyPr wrap="square" rtlCol="0">
+            <a:spAutoFit/>
+          </a:bodyPr>
+          <a:lstStyle/>
+          <a:p>
+            <a:pPr marL="285750" indent="-285750">
+              <a:buFont typeface="Arial" panose="020B0604020202020204" pitchFamily="34" charset="0"/>
+              <a:buChar char="•"/>
+            </a:pPr>
+            <a:r>
+              <a:rPr lang="it-IT" dirty="0"/>
+              <a:t>Il Silhouette </a:t>
+            </a:r>
+            <a:r>
+              <a:rPr lang="it-IT" dirty="0" err="1"/>
+              <a:t>coefficient</a:t>
+            </a:r>
+            <a:r>
+              <a:rPr lang="it-IT" dirty="0"/>
+              <a:t> è una misura di quanto un punto appartenga al proprio cluster (coesione, a) comparato rispetto agli altri cluster (separazione, b). Il suo valore è compreso fra -1 e +1.</a:t>
+            </a:r>
+          </a:p>
+        </p:txBody>
+      </p:sp>
+      <p:pic>
+        <p:nvPicPr>
+          <p:cNvPr id="7" name="Immagine 6">
+            <a:extLst>
+              <a:ext uri="{FF2B5EF4-FFF2-40B4-BE49-F238E27FC236}">
+                <a16:creationId xmlns:a16="http://schemas.microsoft.com/office/drawing/2014/main" id="{5522956A-3037-4D16-A254-F95E38899B6F}"/>
+              </a:ext>
+            </a:extLst>
+          </p:cNvPr>
+          <p:cNvPicPr>
+            <a:picLocks noChangeAspect="1"/>
+          </p:cNvPicPr>
+          <p:nvPr/>
+        </p:nvPicPr>
+        <p:blipFill>
+          <a:blip r:embed="rId3"/>
+          <a:stretch>
+            <a:fillRect/>
+          </a:stretch>
+        </p:blipFill>
+        <p:spPr>
+          <a:xfrm>
+            <a:off x="8919038" y="1784479"/>
+            <a:ext cx="2056508" cy="646331"/>
+          </a:xfrm>
+          <a:prstGeom prst="rect">
+            <a:avLst/>
+          </a:prstGeom>
+        </p:spPr>
+      </p:pic>
+      <p:sp>
+        <p:nvSpPr>
+          <p:cNvPr id="8" name="CasellaDiTesto 7">
+            <a:extLst>
+              <a:ext uri="{FF2B5EF4-FFF2-40B4-BE49-F238E27FC236}">
+                <a16:creationId xmlns:a16="http://schemas.microsoft.com/office/drawing/2014/main" id="{4C9DE3B0-21ED-4138-8830-0423A0654D6C}"/>
+              </a:ext>
+            </a:extLst>
+          </p:cNvPr>
+          <p:cNvSpPr txBox="1"/>
+          <p:nvPr/>
+        </p:nvSpPr>
+        <p:spPr>
+          <a:xfrm>
+            <a:off x="528038" y="3464906"/>
+            <a:ext cx="8134708" cy="923330"/>
+          </a:xfrm>
+          <a:prstGeom prst="rect">
+            <a:avLst/>
+          </a:prstGeom>
+          <a:noFill/>
+        </p:spPr>
+        <p:txBody>
+          <a:bodyPr wrap="square" rtlCol="0">
+            <a:spAutoFit/>
+          </a:bodyPr>
+          <a:lstStyle/>
+          <a:p>
+            <a:pPr marL="285750" indent="-285750">
+              <a:buFont typeface="Arial" panose="020B0604020202020204" pitchFamily="34" charset="0"/>
+              <a:buChar char="•"/>
+            </a:pPr>
+            <a:r>
+              <a:rPr lang="it-IT" dirty="0"/>
+              <a:t>L’indice di </a:t>
+            </a:r>
+            <a:r>
+              <a:rPr lang="it-IT" dirty="0" err="1"/>
+              <a:t>Calinski-Harabasz</a:t>
+            </a:r>
+            <a:r>
+              <a:rPr lang="it-IT" dirty="0"/>
+              <a:t> è dato dal rapporto tra le medie della dispersione infra-cluster e della dispersione intra-cluster. Più il suo valore è alto, migliore è la performance del cluster.</a:t>
+            </a:r>
+          </a:p>
+        </p:txBody>
+      </p:sp>
+      <p:pic>
+        <p:nvPicPr>
+          <p:cNvPr id="11" name="Immagine 10">
+            <a:extLst>
+              <a:ext uri="{FF2B5EF4-FFF2-40B4-BE49-F238E27FC236}">
+                <a16:creationId xmlns:a16="http://schemas.microsoft.com/office/drawing/2014/main" id="{3414C069-4FB5-45B7-AB08-53D849C5574A}"/>
+              </a:ext>
+            </a:extLst>
+          </p:cNvPr>
+          <p:cNvPicPr>
+            <a:picLocks noChangeAspect="1"/>
+          </p:cNvPicPr>
+          <p:nvPr/>
+        </p:nvPicPr>
+        <p:blipFill>
+          <a:blip r:embed="rId4"/>
+          <a:stretch>
+            <a:fillRect/>
+          </a:stretch>
+        </p:blipFill>
+        <p:spPr>
+          <a:xfrm>
+            <a:off x="8919038" y="3655108"/>
+            <a:ext cx="1933575" cy="542925"/>
+          </a:xfrm>
+          <a:prstGeom prst="rect">
+            <a:avLst/>
+          </a:prstGeom>
+        </p:spPr>
+      </p:pic>
+    </p:spTree>
+    <p:extLst>
+      <p:ext uri="{BB962C8B-B14F-4D97-AF65-F5344CB8AC3E}">
+        <p14:creationId xmlns:p14="http://schemas.microsoft.com/office/powerpoint/2010/main" val="682774244"/>
+      </p:ext>
+    </p:extLst>
+  </p:cSld>
+  <p:clrMapOvr>
+    <a:masterClrMapping/>
+  </p:clrMapOvr>
+</p:sld>
+</file>
+
+<file path=ppt/slides/slide21.xml><?xml version="1.0" encoding="utf-8"?>
+<p:sld xmlns:a="http://schemas.openxmlformats.org/drawingml/2006/main" xmlns:r="http://schemas.openxmlformats.org/officeDocument/2006/relationships" xmlns:p="http://schemas.openxmlformats.org/presentationml/2006/main">
+  <p:cSld>
+    <p:spTree>
+      <p:nvGrpSpPr>
+        <p:cNvPr id="1" name=""/>
+        <p:cNvGrpSpPr/>
+        <p:nvPr/>
+      </p:nvGrpSpPr>
+      <p:grpSpPr>
+        <a:xfrm>
+          <a:off x="0" y="0"/>
+          <a:ext cx="0" cy="0"/>
+          <a:chOff x="0" y="0"/>
+          <a:chExt cx="0" cy="0"/>
+        </a:xfrm>
+      </p:grpSpPr>
+      <p:sp>
+        <p:nvSpPr>
+          <p:cNvPr id="4" name="Titolo 3"/>
+          <p:cNvSpPr>
+            <a:spLocks noGrp="1"/>
+          </p:cNvSpPr>
+          <p:nvPr>
+            <p:ph type="title"/>
+          </p:nvPr>
+        </p:nvSpPr>
+        <p:spPr>
+          <a:xfrm>
+            <a:off x="595424" y="223283"/>
+            <a:ext cx="10108034" cy="718553"/>
+          </a:xfrm>
+        </p:spPr>
+        <p:txBody>
+          <a:bodyPr/>
+          <a:lstStyle/>
+          <a:p>
+            <a:r>
+              <a:rPr lang="it-IT" dirty="0"/>
+              <a:t>Conclusioni e possibili sviluppi</a:t>
+            </a:r>
+          </a:p>
+        </p:txBody>
+      </p:sp>
+      <p:sp>
+        <p:nvSpPr>
+          <p:cNvPr id="7" name="Segnaposto contenuto 6"/>
+          <p:cNvSpPr>
+            <a:spLocks noGrp="1"/>
+          </p:cNvSpPr>
+          <p:nvPr>
+            <p:ph idx="1"/>
+          </p:nvPr>
+        </p:nvSpPr>
+        <p:spPr>
+          <a:xfrm>
+            <a:off x="969819" y="1037529"/>
+            <a:ext cx="10098674" cy="5820471"/>
+          </a:xfrm>
+        </p:spPr>
+        <p:txBody>
+          <a:bodyPr>
+            <a:normAutofit fontScale="92500" lnSpcReduction="10000"/>
+          </a:bodyPr>
+          <a:lstStyle/>
+          <a:p>
+            <a:r>
+              <a:rPr lang="it-IT" dirty="0"/>
+              <a:t>É stato dimostrato che gli algoritmi di </a:t>
+            </a:r>
+            <a:r>
+              <a:rPr lang="it-IT" i="1" dirty="0" err="1"/>
+              <a:t>clustering</a:t>
+            </a:r>
+            <a:r>
+              <a:rPr lang="it-IT" i="1" dirty="0"/>
+              <a:t> </a:t>
+            </a:r>
+            <a:r>
+              <a:rPr lang="it-IT" dirty="0"/>
+              <a:t>possono essere utilizzati per costruire portafogli diversificati che evidenziano una buona </a:t>
+            </a:r>
+            <a:r>
+              <a:rPr lang="it-IT" i="1" dirty="0"/>
+              <a:t>performance</a:t>
+            </a:r>
+            <a:r>
+              <a:rPr lang="it-IT" dirty="0"/>
+              <a:t> </a:t>
+            </a:r>
+            <a:r>
+              <a:rPr lang="it-IT" i="1" dirty="0"/>
+              <a:t>out of sample</a:t>
+            </a:r>
+            <a:r>
+              <a:rPr lang="it-IT" dirty="0"/>
+              <a:t>. </a:t>
+            </a:r>
+          </a:p>
+          <a:p>
+            <a:r>
+              <a:rPr lang="it-IT" dirty="0"/>
+              <a:t>Nell’ultimo anno, il portafoglio </a:t>
+            </a:r>
+            <a:r>
+              <a:rPr lang="it-IT" i="1" dirty="0" err="1"/>
+              <a:t>Bounded</a:t>
+            </a:r>
+            <a:r>
+              <a:rPr lang="it-IT" i="1" dirty="0"/>
+              <a:t> K-</a:t>
+            </a:r>
+            <a:r>
+              <a:rPr lang="it-IT" i="1" dirty="0" err="1"/>
+              <a:t>Means</a:t>
+            </a:r>
+            <a:r>
+              <a:rPr lang="it-IT" dirty="0"/>
+              <a:t> avrebbe garantito l’</a:t>
+            </a:r>
+            <a:r>
+              <a:rPr lang="it-IT" dirty="0" err="1"/>
+              <a:t>extrarendimento</a:t>
+            </a:r>
+            <a:r>
+              <a:rPr lang="it-IT" dirty="0"/>
+              <a:t> maggiore, mentre il portafoglio di tangenza avrebbe dato luogo allo </a:t>
+            </a:r>
+            <a:r>
+              <a:rPr lang="it-IT" i="1" dirty="0" err="1"/>
+              <a:t>Sharpe</a:t>
+            </a:r>
+            <a:r>
+              <a:rPr lang="it-IT" i="1" dirty="0"/>
+              <a:t> Ratio</a:t>
+            </a:r>
+            <a:r>
+              <a:rPr lang="it-IT" dirty="0"/>
+              <a:t> più elevato. </a:t>
+            </a:r>
+          </a:p>
+          <a:p>
+            <a:pPr marL="0" indent="0">
+              <a:buNone/>
+            </a:pPr>
+            <a:r>
+              <a:rPr lang="it-IT" b="1" dirty="0"/>
+              <a:t>Possibili estensioni del progetto: </a:t>
+            </a:r>
+          </a:p>
+          <a:p>
+            <a:r>
+              <a:rPr lang="it-IT" dirty="0"/>
+              <a:t> Inclusione di titoli di Stato, obbligazioni </a:t>
+            </a:r>
+            <a:r>
+              <a:rPr lang="it-IT" i="1" dirty="0"/>
+              <a:t>corporate </a:t>
+            </a:r>
+            <a:r>
+              <a:rPr lang="it-IT" dirty="0"/>
+              <a:t>o indici di mercato;</a:t>
+            </a:r>
+            <a:endParaRPr lang="it-IT" i="1" dirty="0"/>
+          </a:p>
+          <a:p>
+            <a:r>
+              <a:rPr lang="it-IT" dirty="0"/>
+              <a:t>Utilizzo di una strategia di ottimizzazione che consenta di aprire posizioni </a:t>
+            </a:r>
+            <a:r>
+              <a:rPr lang="it-IT" i="1" dirty="0"/>
+              <a:t>short;</a:t>
+            </a:r>
+          </a:p>
+          <a:p>
+            <a:r>
+              <a:rPr lang="it-IT" dirty="0"/>
+              <a:t>Utilizzo di una strategia di ottimizzazione in media-varianza o di allocazione del rischio (</a:t>
+            </a:r>
+            <a:r>
+              <a:rPr lang="it-IT" i="1" dirty="0" err="1"/>
+              <a:t>risk</a:t>
+            </a:r>
+            <a:r>
+              <a:rPr lang="it-IT" i="1" dirty="0"/>
+              <a:t> </a:t>
+            </a:r>
+            <a:r>
+              <a:rPr lang="it-IT" i="1" dirty="0" err="1"/>
+              <a:t>parity</a:t>
+            </a:r>
+            <a:r>
+              <a:rPr lang="it-IT" i="1" dirty="0"/>
+              <a:t>, inverse </a:t>
+            </a:r>
+            <a:r>
+              <a:rPr lang="it-IT" i="1" dirty="0" err="1"/>
+              <a:t>variance</a:t>
+            </a:r>
+            <a:r>
+              <a:rPr lang="it-IT" dirty="0"/>
+              <a:t>) all’interno dei </a:t>
+            </a:r>
+            <a:r>
+              <a:rPr lang="it-IT" i="1" dirty="0"/>
+              <a:t>cluster;</a:t>
+            </a:r>
+          </a:p>
+          <a:p>
+            <a:r>
+              <a:rPr lang="it-IT" dirty="0"/>
+              <a:t>Utilizzo di altri algoritmi di</a:t>
+            </a:r>
+            <a:r>
+              <a:rPr lang="it-IT" i="1" dirty="0"/>
+              <a:t> </a:t>
+            </a:r>
+            <a:r>
+              <a:rPr lang="it-IT" i="1" dirty="0" err="1"/>
+              <a:t>clustering</a:t>
+            </a:r>
+            <a:r>
+              <a:rPr lang="it-IT" i="1" dirty="0"/>
+              <a:t>;</a:t>
+            </a:r>
+          </a:p>
+          <a:p>
+            <a:r>
+              <a:rPr lang="it-IT" i="1" dirty="0" err="1"/>
+              <a:t>Backtest</a:t>
+            </a:r>
+            <a:r>
+              <a:rPr lang="it-IT" i="1" dirty="0"/>
+              <a:t> </a:t>
+            </a:r>
+            <a:r>
+              <a:rPr lang="it-IT" dirty="0"/>
+              <a:t>dei portafogli su fasi rialziste del mercato e/o su fasi ribassiste precedenti (crisi finanziaria, crisi del debito sovrano);</a:t>
+            </a:r>
+          </a:p>
+          <a:p>
+            <a:r>
+              <a:rPr lang="it-IT" dirty="0"/>
+              <a:t>Verifica di come la scelta del numero ottimale di </a:t>
+            </a:r>
+            <a:r>
+              <a:rPr lang="it-IT" i="1" dirty="0"/>
+              <a:t>cluster</a:t>
+            </a:r>
+            <a:r>
+              <a:rPr lang="it-IT" dirty="0"/>
+              <a:t> influenzi la </a:t>
+            </a:r>
+            <a:r>
+              <a:rPr lang="it-IT" i="1" dirty="0"/>
+              <a:t>performance</a:t>
+            </a:r>
+            <a:r>
+              <a:rPr lang="it-IT" dirty="0"/>
+              <a:t> dei portafogli. </a:t>
+            </a:r>
+            <a:endParaRPr lang="it-IT" i="1" dirty="0"/>
+          </a:p>
+        </p:txBody>
+      </p:sp>
+    </p:spTree>
+    <p:extLst>
+      <p:ext uri="{BB962C8B-B14F-4D97-AF65-F5344CB8AC3E}">
+        <p14:creationId xmlns:p14="http://schemas.microsoft.com/office/powerpoint/2010/main" val="3333119257"/>
+      </p:ext>
+    </p:extLst>
+  </p:cSld>
+  <p:clrMapOvr>
+    <a:masterClrMapping/>
+  </p:clrMapOvr>
+</p:sld>
+</file>
+
+<file path=ppt/slides/slide22.xml><?xml version="1.0" encoding="utf-8"?>
 <p:sld xmlns:a="http://schemas.openxmlformats.org/drawingml/2006/main" xmlns:r="http://schemas.openxmlformats.org/officeDocument/2006/relationships" xmlns:p="http://schemas.openxmlformats.org/presentationml/2006/main">
   <p:cSld>
     <p:spTree>
@@ -8614,8 +8970,8 @@
           </a:p>
         </p:txBody>
       </p:sp>
-      <mc:AlternateContent xmlns:mc="http://schemas.openxmlformats.org/markup-compatibility/2006" xmlns:a14="http://schemas.microsoft.com/office/drawing/2010/main">
-        <mc:Choice Requires="a14">
+      <mc:AlternateContent xmlns:mc="http://schemas.openxmlformats.org/markup-compatibility/2006">
+        <mc:Choice xmlns:a14="http://schemas.microsoft.com/office/drawing/2010/main" Requires="a14">
           <p:sp>
             <p:nvSpPr>
               <p:cNvPr id="7" name="Segnaposto contenuto 6"/>
@@ -8947,7 +9303,7 @@
             </p:txBody>
           </p:sp>
         </mc:Choice>
-        <mc:Fallback xmlns="">
+        <mc:Fallback>
           <p:sp>
             <p:nvSpPr>
               <p:cNvPr id="7" name="Segnaposto contenuto 6"/>

--- a/presentazione.pptx
+++ b/presentazione.pptx
@@ -18,13 +18,13 @@
     <p:sldId id="262" r:id="rId12"/>
     <p:sldId id="263" r:id="rId13"/>
     <p:sldId id="276" r:id="rId14"/>
-    <p:sldId id="278" r:id="rId15"/>
-    <p:sldId id="279" r:id="rId16"/>
-    <p:sldId id="281" r:id="rId17"/>
-    <p:sldId id="265" r:id="rId18"/>
-    <p:sldId id="266" r:id="rId19"/>
-    <p:sldId id="282" r:id="rId20"/>
-    <p:sldId id="280" r:id="rId21"/>
+    <p:sldId id="282" r:id="rId15"/>
+    <p:sldId id="283" r:id="rId16"/>
+    <p:sldId id="284" r:id="rId17"/>
+    <p:sldId id="286" r:id="rId18"/>
+    <p:sldId id="265" r:id="rId19"/>
+    <p:sldId id="266" r:id="rId20"/>
+    <p:sldId id="285" r:id="rId21"/>
     <p:sldId id="272" r:id="rId22"/>
     <p:sldId id="267" r:id="rId23"/>
   </p:sldIdLst>
@@ -189,7 +189,7 @@
           </a:lstStyle>
           <a:p>
             <a:r>
-              <a:rPr lang="it-IT"/>
+              <a:rPr lang="it-IT" smtClean="0"/>
               <a:t>Fare clic per modificare lo stile del titolo</a:t>
             </a:r>
             <a:endParaRPr lang="en-US" dirty="0"/>
@@ -262,7 +262,7 @@
           </a:lstStyle>
           <a:p>
             <a:r>
-              <a:rPr lang="it-IT"/>
+              <a:rPr lang="it-IT" smtClean="0"/>
               <a:t>Fare clic per modificare lo stile del sottotitolo dello schema</a:t>
             </a:r>
             <a:endParaRPr lang="en-US" dirty="0"/>
@@ -421,7 +421,7 @@
           <a:lstStyle/>
           <a:p>
             <a:r>
-              <a:rPr lang="it-IT"/>
+              <a:rPr lang="it-IT" smtClean="0"/>
               <a:t>Fare clic per modificare lo stile del titolo</a:t>
             </a:r>
             <a:endParaRPr lang="en-US" dirty="0"/>
@@ -445,35 +445,35 @@
           <a:p>
             <a:pPr lvl="0"/>
             <a:r>
-              <a:rPr lang="it-IT"/>
+              <a:rPr lang="it-IT" smtClean="0"/>
               <a:t>Modifica gli stili del testo dello schema</a:t>
             </a:r>
           </a:p>
           <a:p>
             <a:pPr lvl="1"/>
             <a:r>
-              <a:rPr lang="it-IT"/>
+              <a:rPr lang="it-IT" smtClean="0"/>
               <a:t>Secondo livello</a:t>
             </a:r>
           </a:p>
           <a:p>
             <a:pPr lvl="2"/>
             <a:r>
-              <a:rPr lang="it-IT"/>
+              <a:rPr lang="it-IT" smtClean="0"/>
               <a:t>Terzo livello</a:t>
             </a:r>
           </a:p>
           <a:p>
             <a:pPr lvl="3"/>
             <a:r>
-              <a:rPr lang="it-IT"/>
+              <a:rPr lang="it-IT" smtClean="0"/>
               <a:t>Quarto livello</a:t>
             </a:r>
           </a:p>
           <a:p>
             <a:pPr lvl="4"/>
             <a:r>
-              <a:rPr lang="it-IT"/>
+              <a:rPr lang="it-IT" smtClean="0"/>
               <a:t>Quinto livello</a:t>
             </a:r>
             <a:endParaRPr lang="en-US" dirty="0"/>
@@ -637,7 +637,7 @@
           <a:lstStyle/>
           <a:p>
             <a:r>
-              <a:rPr lang="it-IT"/>
+              <a:rPr lang="it-IT" smtClean="0"/>
               <a:t>Fare clic per modificare lo stile del titolo</a:t>
             </a:r>
             <a:endParaRPr lang="en-US" dirty="0"/>
@@ -666,35 +666,35 @@
           <a:p>
             <a:pPr lvl="0"/>
             <a:r>
-              <a:rPr lang="it-IT"/>
+              <a:rPr lang="it-IT" smtClean="0"/>
               <a:t>Modifica gli stili del testo dello schema</a:t>
             </a:r>
           </a:p>
           <a:p>
             <a:pPr lvl="1"/>
             <a:r>
-              <a:rPr lang="it-IT"/>
+              <a:rPr lang="it-IT" smtClean="0"/>
               <a:t>Secondo livello</a:t>
             </a:r>
           </a:p>
           <a:p>
             <a:pPr lvl="2"/>
             <a:r>
-              <a:rPr lang="it-IT"/>
+              <a:rPr lang="it-IT" smtClean="0"/>
               <a:t>Terzo livello</a:t>
             </a:r>
           </a:p>
           <a:p>
             <a:pPr lvl="3"/>
             <a:r>
-              <a:rPr lang="it-IT"/>
+              <a:rPr lang="it-IT" smtClean="0"/>
               <a:t>Quarto livello</a:t>
             </a:r>
           </a:p>
           <a:p>
             <a:pPr lvl="4"/>
             <a:r>
-              <a:rPr lang="it-IT"/>
+              <a:rPr lang="it-IT" smtClean="0"/>
               <a:t>Quinto livello</a:t>
             </a:r>
             <a:endParaRPr lang="en-US" dirty="0"/>
@@ -853,7 +853,7 @@
           <a:lstStyle/>
           <a:p>
             <a:r>
-              <a:rPr lang="it-IT"/>
+              <a:rPr lang="it-IT" smtClean="0"/>
               <a:t>Fare clic per modificare lo stile del titolo</a:t>
             </a:r>
             <a:endParaRPr lang="en-US" dirty="0"/>
@@ -877,35 +877,35 @@
           <a:p>
             <a:pPr lvl="0"/>
             <a:r>
-              <a:rPr lang="it-IT"/>
+              <a:rPr lang="it-IT" smtClean="0"/>
               <a:t>Modifica gli stili del testo dello schema</a:t>
             </a:r>
           </a:p>
           <a:p>
             <a:pPr lvl="1"/>
             <a:r>
-              <a:rPr lang="it-IT"/>
+              <a:rPr lang="it-IT" smtClean="0"/>
               <a:t>Secondo livello</a:t>
             </a:r>
           </a:p>
           <a:p>
             <a:pPr lvl="2"/>
             <a:r>
-              <a:rPr lang="it-IT"/>
+              <a:rPr lang="it-IT" smtClean="0"/>
               <a:t>Terzo livello</a:t>
             </a:r>
           </a:p>
           <a:p>
             <a:pPr lvl="3"/>
             <a:r>
-              <a:rPr lang="it-IT"/>
+              <a:rPr lang="it-IT" smtClean="0"/>
               <a:t>Quarto livello</a:t>
             </a:r>
           </a:p>
           <a:p>
             <a:pPr lvl="4"/>
             <a:r>
-              <a:rPr lang="it-IT"/>
+              <a:rPr lang="it-IT" smtClean="0"/>
               <a:t>Quinto livello</a:t>
             </a:r>
             <a:endParaRPr lang="en-US" dirty="0"/>
@@ -1078,7 +1078,7 @@
           </a:lstStyle>
           <a:p>
             <a:r>
-              <a:rPr lang="it-IT"/>
+              <a:rPr lang="it-IT" smtClean="0"/>
               <a:t>Fare clic per modificare lo stile del titolo</a:t>
             </a:r>
             <a:endParaRPr lang="en-US" dirty="0"/>
@@ -1201,7 +1201,7 @@
           <a:p>
             <a:pPr lvl="0"/>
             <a:r>
-              <a:rPr lang="it-IT"/>
+              <a:rPr lang="it-IT" smtClean="0"/>
               <a:t>Modifica gli stili del testo dello schema</a:t>
             </a:r>
           </a:p>
@@ -1359,7 +1359,7 @@
           <a:lstStyle/>
           <a:p>
             <a:r>
-              <a:rPr lang="it-IT"/>
+              <a:rPr lang="it-IT" smtClean="0"/>
               <a:t>Fare clic per modificare lo stile del titolo</a:t>
             </a:r>
             <a:endParaRPr lang="en-US" dirty="0"/>
@@ -1416,35 +1416,35 @@
           <a:p>
             <a:pPr lvl="0"/>
             <a:r>
-              <a:rPr lang="it-IT"/>
+              <a:rPr lang="it-IT" smtClean="0"/>
               <a:t>Modifica gli stili del testo dello schema</a:t>
             </a:r>
           </a:p>
           <a:p>
             <a:pPr lvl="1"/>
             <a:r>
-              <a:rPr lang="it-IT"/>
+              <a:rPr lang="it-IT" smtClean="0"/>
               <a:t>Secondo livello</a:t>
             </a:r>
           </a:p>
           <a:p>
             <a:pPr lvl="2"/>
             <a:r>
-              <a:rPr lang="it-IT"/>
+              <a:rPr lang="it-IT" smtClean="0"/>
               <a:t>Terzo livello</a:t>
             </a:r>
           </a:p>
           <a:p>
             <a:pPr lvl="3"/>
             <a:r>
-              <a:rPr lang="it-IT"/>
+              <a:rPr lang="it-IT" smtClean="0"/>
               <a:t>Quarto livello</a:t>
             </a:r>
           </a:p>
           <a:p>
             <a:pPr lvl="4"/>
             <a:r>
-              <a:rPr lang="it-IT"/>
+              <a:rPr lang="it-IT" smtClean="0"/>
               <a:t>Quinto livello</a:t>
             </a:r>
             <a:endParaRPr lang="en-US" dirty="0"/>
@@ -1501,35 +1501,35 @@
           <a:p>
             <a:pPr lvl="0"/>
             <a:r>
-              <a:rPr lang="it-IT"/>
+              <a:rPr lang="it-IT" smtClean="0"/>
               <a:t>Modifica gli stili del testo dello schema</a:t>
             </a:r>
           </a:p>
           <a:p>
             <a:pPr lvl="1"/>
             <a:r>
-              <a:rPr lang="it-IT"/>
+              <a:rPr lang="it-IT" smtClean="0"/>
               <a:t>Secondo livello</a:t>
             </a:r>
           </a:p>
           <a:p>
             <a:pPr lvl="2"/>
             <a:r>
-              <a:rPr lang="it-IT"/>
+              <a:rPr lang="it-IT" smtClean="0"/>
               <a:t>Terzo livello</a:t>
             </a:r>
           </a:p>
           <a:p>
             <a:pPr lvl="3"/>
             <a:r>
-              <a:rPr lang="it-IT"/>
+              <a:rPr lang="it-IT" smtClean="0"/>
               <a:t>Quarto livello</a:t>
             </a:r>
           </a:p>
           <a:p>
             <a:pPr lvl="4"/>
             <a:r>
-              <a:rPr lang="it-IT"/>
+              <a:rPr lang="it-IT" smtClean="0"/>
               <a:t>Quinto livello</a:t>
             </a:r>
             <a:endParaRPr lang="en-US" dirty="0"/>
@@ -1688,7 +1688,7 @@
           <a:lstStyle/>
           <a:p>
             <a:r>
-              <a:rPr lang="it-IT"/>
+              <a:rPr lang="it-IT" smtClean="0"/>
               <a:t>Fare clic per modificare lo stile del titolo</a:t>
             </a:r>
             <a:endParaRPr lang="en-US" dirty="0"/>
@@ -1763,7 +1763,7 @@
           <a:p>
             <a:pPr lvl="0"/>
             <a:r>
-              <a:rPr lang="it-IT"/>
+              <a:rPr lang="it-IT" smtClean="0"/>
               <a:t>Modifica gli stili del testo dello schema</a:t>
             </a:r>
           </a:p>
@@ -1819,35 +1819,35 @@
           <a:p>
             <a:pPr lvl="0"/>
             <a:r>
-              <a:rPr lang="it-IT"/>
+              <a:rPr lang="it-IT" smtClean="0"/>
               <a:t>Modifica gli stili del testo dello schema</a:t>
             </a:r>
           </a:p>
           <a:p>
             <a:pPr lvl="1"/>
             <a:r>
-              <a:rPr lang="it-IT"/>
+              <a:rPr lang="it-IT" smtClean="0"/>
               <a:t>Secondo livello</a:t>
             </a:r>
           </a:p>
           <a:p>
             <a:pPr lvl="2"/>
             <a:r>
-              <a:rPr lang="it-IT"/>
+              <a:rPr lang="it-IT" smtClean="0"/>
               <a:t>Terzo livello</a:t>
             </a:r>
           </a:p>
           <a:p>
             <a:pPr lvl="3"/>
             <a:r>
-              <a:rPr lang="it-IT"/>
+              <a:rPr lang="it-IT" smtClean="0"/>
               <a:t>Quarto livello</a:t>
             </a:r>
           </a:p>
           <a:p>
             <a:pPr lvl="4"/>
             <a:r>
-              <a:rPr lang="it-IT"/>
+              <a:rPr lang="it-IT" smtClean="0"/>
               <a:t>Quinto livello</a:t>
             </a:r>
             <a:endParaRPr lang="en-US" dirty="0"/>
@@ -1937,7 +1937,7 @@
               <a:buNone/>
             </a:pPr>
             <a:r>
-              <a:rPr lang="it-IT"/>
+              <a:rPr lang="it-IT" smtClean="0"/>
               <a:t>Modifica gli stili del testo dello schema</a:t>
             </a:r>
           </a:p>
@@ -1993,35 +1993,35 @@
           <a:p>
             <a:pPr lvl="0"/>
             <a:r>
-              <a:rPr lang="it-IT"/>
+              <a:rPr lang="it-IT" smtClean="0"/>
               <a:t>Modifica gli stili del testo dello schema</a:t>
             </a:r>
           </a:p>
           <a:p>
             <a:pPr lvl="1"/>
             <a:r>
-              <a:rPr lang="it-IT"/>
+              <a:rPr lang="it-IT" smtClean="0"/>
               <a:t>Secondo livello</a:t>
             </a:r>
           </a:p>
           <a:p>
             <a:pPr lvl="2"/>
             <a:r>
-              <a:rPr lang="it-IT"/>
+              <a:rPr lang="it-IT" smtClean="0"/>
               <a:t>Terzo livello</a:t>
             </a:r>
           </a:p>
           <a:p>
             <a:pPr lvl="3"/>
             <a:r>
-              <a:rPr lang="it-IT"/>
+              <a:rPr lang="it-IT" smtClean="0"/>
               <a:t>Quarto livello</a:t>
             </a:r>
           </a:p>
           <a:p>
             <a:pPr lvl="4"/>
             <a:r>
-              <a:rPr lang="it-IT"/>
+              <a:rPr lang="it-IT" smtClean="0"/>
               <a:t>Quinto livello</a:t>
             </a:r>
             <a:endParaRPr lang="en-US" dirty="0"/>
@@ -2180,7 +2180,7 @@
           <a:lstStyle/>
           <a:p>
             <a:r>
-              <a:rPr lang="it-IT"/>
+              <a:rPr lang="it-IT" smtClean="0"/>
               <a:t>Fare clic per modificare lo stile del titolo</a:t>
             </a:r>
             <a:endParaRPr lang="en-US" dirty="0"/>
@@ -2486,7 +2486,7 @@
           </a:lstStyle>
           <a:p>
             <a:r>
-              <a:rPr lang="it-IT"/>
+              <a:rPr lang="it-IT" smtClean="0"/>
               <a:t>Fare clic per modificare lo stile del titolo</a:t>
             </a:r>
             <a:endParaRPr lang="en-US" dirty="0"/>
@@ -2543,35 +2543,35 @@
           <a:p>
             <a:pPr lvl="0"/>
             <a:r>
-              <a:rPr lang="it-IT"/>
+              <a:rPr lang="it-IT" smtClean="0"/>
               <a:t>Modifica gli stili del testo dello schema</a:t>
             </a:r>
           </a:p>
           <a:p>
             <a:pPr lvl="1"/>
             <a:r>
-              <a:rPr lang="it-IT"/>
+              <a:rPr lang="it-IT" smtClean="0"/>
               <a:t>Secondo livello</a:t>
             </a:r>
           </a:p>
           <a:p>
             <a:pPr lvl="2"/>
             <a:r>
-              <a:rPr lang="it-IT"/>
+              <a:rPr lang="it-IT" smtClean="0"/>
               <a:t>Terzo livello</a:t>
             </a:r>
           </a:p>
           <a:p>
             <a:pPr lvl="3"/>
             <a:r>
-              <a:rPr lang="it-IT"/>
+              <a:rPr lang="it-IT" smtClean="0"/>
               <a:t>Quarto livello</a:t>
             </a:r>
           </a:p>
           <a:p>
             <a:pPr lvl="4"/>
             <a:r>
-              <a:rPr lang="it-IT"/>
+              <a:rPr lang="it-IT" smtClean="0"/>
               <a:t>Quinto livello</a:t>
             </a:r>
             <a:endParaRPr lang="en-US" dirty="0"/>
@@ -2645,7 +2645,7 @@
           <a:p>
             <a:pPr lvl="0"/>
             <a:r>
-              <a:rPr lang="it-IT"/>
+              <a:rPr lang="it-IT" smtClean="0"/>
               <a:t>Modifica gli stili del testo dello schema</a:t>
             </a:r>
           </a:p>
@@ -2815,7 +2815,7 @@
           </a:lstStyle>
           <a:p>
             <a:r>
-              <a:rPr lang="it-IT"/>
+              <a:rPr lang="it-IT" smtClean="0"/>
               <a:t>Fare clic per modificare lo stile del titolo</a:t>
             </a:r>
             <a:endParaRPr lang="en-US" dirty="0"/>
@@ -2880,7 +2880,7 @@
           </a:lstStyle>
           <a:p>
             <a:r>
-              <a:rPr lang="it-IT"/>
+              <a:rPr lang="it-IT" smtClean="0"/>
               <a:t>Fare clic sull'icona per inserire un'immagine</a:t>
             </a:r>
             <a:endParaRPr lang="en-US" dirty="0"/>
@@ -2960,7 +2960,7 @@
           <a:p>
             <a:pPr lvl="0"/>
             <a:r>
-              <a:rPr lang="it-IT"/>
+              <a:rPr lang="it-IT" smtClean="0"/>
               <a:t>Modifica gli stili del testo dello schema</a:t>
             </a:r>
           </a:p>
@@ -3130,7 +3130,7 @@
           <a:lstStyle/>
           <a:p>
             <a:r>
-              <a:rPr lang="it-IT"/>
+              <a:rPr lang="it-IT" smtClean="0"/>
               <a:t>Fare clic per modificare lo stile del titolo</a:t>
             </a:r>
             <a:endParaRPr lang="en-US" dirty="0"/>
@@ -3164,35 +3164,35 @@
           <a:p>
             <a:pPr lvl="0"/>
             <a:r>
-              <a:rPr lang="it-IT"/>
+              <a:rPr lang="it-IT" smtClean="0"/>
               <a:t>Modifica gli stili del testo dello schema</a:t>
             </a:r>
           </a:p>
           <a:p>
             <a:pPr lvl="1"/>
             <a:r>
-              <a:rPr lang="it-IT"/>
+              <a:rPr lang="it-IT" smtClean="0"/>
               <a:t>Secondo livello</a:t>
             </a:r>
           </a:p>
           <a:p>
             <a:pPr lvl="2"/>
             <a:r>
-              <a:rPr lang="it-IT"/>
+              <a:rPr lang="it-IT" smtClean="0"/>
               <a:t>Terzo livello</a:t>
             </a:r>
           </a:p>
           <a:p>
             <a:pPr lvl="3"/>
             <a:r>
-              <a:rPr lang="it-IT"/>
+              <a:rPr lang="it-IT" smtClean="0"/>
               <a:t>Quarto livello</a:t>
             </a:r>
           </a:p>
           <a:p>
             <a:pPr lvl="4"/>
             <a:r>
-              <a:rPr lang="it-IT"/>
+              <a:rPr lang="it-IT" smtClean="0"/>
               <a:t>Quinto livello</a:t>
             </a:r>
             <a:endParaRPr lang="en-US" dirty="0"/>
@@ -3751,10 +3751,14 @@
           <a:p>
             <a:r>
               <a:rPr lang="it-IT" sz="6000" dirty="0"/>
-              <a:t>Costruzione di portafogli diversificati mediante algoritmi di </a:t>
-            </a:r>
-            <a:r>
-              <a:rPr lang="it-IT" sz="6000" i="1" dirty="0" err="1"/>
+              <a:t>Costruzione di portafogli </a:t>
+            </a:r>
+            <a:r>
+              <a:rPr lang="it-IT" sz="6000" dirty="0" smtClean="0"/>
+              <a:t>diversificati mediante algoritmi di </a:t>
+            </a:r>
+            <a:r>
+              <a:rPr lang="it-IT" sz="6000" i="1" dirty="0" err="1" smtClean="0"/>
               <a:t>clustering</a:t>
             </a:r>
             <a:endParaRPr lang="it-IT" sz="6000" i="1" dirty="0"/>
@@ -3777,15 +3781,31 @@
           <a:lstStyle/>
           <a:p>
             <a:r>
+              <a:rPr lang="it-IT" dirty="0" smtClean="0">
+                <a:solidFill>
+                  <a:schemeClr val="tx1"/>
+                </a:solidFill>
+              </a:rPr>
+              <a:t>Verena </a:t>
+            </a:r>
+            <a:r>
               <a:rPr lang="it-IT" dirty="0">
                 <a:solidFill>
                   <a:schemeClr val="tx1"/>
                 </a:solidFill>
               </a:rPr>
-              <a:t>Verena Brufatto, Mattia Longhi, Giada </a:t>
-            </a:r>
-            <a:r>
-              <a:rPr lang="it-IT" dirty="0" err="1">
+              <a:t>Brufatto,</a:t>
+            </a:r>
+            <a:r>
+              <a:rPr lang="it-IT" dirty="0" smtClean="0">
+                <a:solidFill>
+                  <a:schemeClr val="tx1"/>
+                </a:solidFill>
+              </a:rPr>
+              <a:t> Mattia Longhi, Giada </a:t>
+            </a:r>
+            <a:r>
+              <a:rPr lang="it-IT" dirty="0" err="1" smtClean="0">
                 <a:solidFill>
                   <a:schemeClr val="tx1"/>
                 </a:solidFill>
@@ -3810,6 +3830,13 @@
   <p:clrMapOvr>
     <a:masterClrMapping/>
   </p:clrMapOvr>
+  <p:timing>
+    <p:tnLst>
+      <p:par>
+        <p:cTn id="1" dur="indefinite" restart="never" nodeType="tmRoot"/>
+      </p:par>
+    </p:tnLst>
+  </p:timing>
 </p:sld>
 </file>
 
@@ -3851,11 +3878,11 @@
           <a:lstStyle/>
           <a:p>
             <a:r>
-              <a:rPr lang="it-IT" dirty="0"/>
+              <a:rPr lang="it-IT" dirty="0" smtClean="0"/>
               <a:t>K-</a:t>
             </a:r>
             <a:r>
-              <a:rPr lang="it-IT" dirty="0" err="1"/>
+              <a:rPr lang="it-IT" dirty="0" err="1" smtClean="0"/>
               <a:t>Means</a:t>
             </a:r>
             <a:endParaRPr lang="it-IT" dirty="0"/>
@@ -3887,10 +3914,10 @@
             <a:pPr marL="0" indent="0">
               <a:buNone/>
             </a:pPr>
-            <a:endParaRPr lang="it-IT" dirty="0"/>
-          </a:p>
-          <a:p>
-            <a:endParaRPr lang="it-IT" sz="1900" dirty="0"/>
+            <a:endParaRPr lang="it-IT" dirty="0" smtClean="0"/>
+          </a:p>
+          <a:p>
+            <a:endParaRPr lang="it-IT" sz="1900" dirty="0" smtClean="0"/>
           </a:p>
         </p:txBody>
       </p:sp>
@@ -3985,6 +4012,17 @@
           <a:lstStyle/>
           <a:p>
             <a:r>
+              <a:rPr lang="it-IT" sz="1900" spc="10" dirty="0" smtClean="0">
+                <a:solidFill>
+                  <a:schemeClr val="tx1">
+                    <a:lumMod val="65000"/>
+                    <a:lumOff val="35000"/>
+                  </a:schemeClr>
+                </a:solidFill>
+              </a:rPr>
+              <a:t>                      Pesi </a:t>
+            </a:r>
+            <a:r>
               <a:rPr lang="it-IT" sz="1900" spc="10" dirty="0">
                 <a:solidFill>
                   <a:schemeClr val="tx1">
@@ -3993,7 +4031,7 @@
                   </a:schemeClr>
                 </a:solidFill>
               </a:rPr>
-              <a:t>                      Pesi del portafoglio </a:t>
+              <a:t>del portafoglio </a:t>
             </a:r>
             <a:r>
               <a:rPr lang="it-IT" sz="1900" i="1" spc="10" dirty="0" err="1">
@@ -4027,6 +4065,13 @@
   <p:clrMapOvr>
     <a:masterClrMapping/>
   </p:clrMapOvr>
+  <p:timing>
+    <p:tnLst>
+      <p:par>
+        <p:cTn id="1" dur="indefinite" restart="never" nodeType="tmRoot"/>
+      </p:par>
+    </p:tnLst>
+  </p:timing>
 </p:sld>
 </file>
 
@@ -4068,23 +4113,23 @@
           <a:lstStyle/>
           <a:p>
             <a:r>
-              <a:rPr lang="it-IT" dirty="0" err="1"/>
+              <a:rPr lang="it-IT" dirty="0" err="1" smtClean="0"/>
               <a:t>Hierarchical</a:t>
             </a:r>
             <a:r>
-              <a:rPr lang="it-IT" dirty="0"/>
+              <a:rPr lang="it-IT" dirty="0" smtClean="0"/>
               <a:t> </a:t>
             </a:r>
             <a:r>
-              <a:rPr lang="it-IT" dirty="0" err="1"/>
+              <a:rPr lang="it-IT" dirty="0" err="1" smtClean="0"/>
               <a:t>Risk</a:t>
             </a:r>
             <a:r>
-              <a:rPr lang="it-IT" dirty="0"/>
+              <a:rPr lang="it-IT" dirty="0" smtClean="0"/>
               <a:t> </a:t>
             </a:r>
             <a:r>
-              <a:rPr lang="it-IT" dirty="0" err="1"/>
+              <a:rPr lang="it-IT" dirty="0" err="1" smtClean="0"/>
               <a:t>Parity</a:t>
             </a:r>
             <a:endParaRPr lang="it-IT" dirty="0"/>
@@ -4118,12 +4163,16 @@
                 <a:pPr marL="0" indent="0">
                   <a:buNone/>
                 </a:pPr>
-                <a:endParaRPr lang="it-IT" dirty="0"/>
+                <a:endParaRPr lang="it-IT" dirty="0" smtClean="0"/>
               </a:p>
               <a:p>
                 <a:r>
+                  <a:rPr lang="it-IT" sz="2900" dirty="0" smtClean="0"/>
+                  <a:t>Si applica </a:t>
+                </a:r>
+                <a:r>
                   <a:rPr lang="it-IT" sz="2900" dirty="0"/>
-                  <a:t>Si applica un algoritmo di </a:t>
+                  <a:t>un algoritmo di </a:t>
                 </a:r>
                 <a:r>
                   <a:rPr lang="it-IT" sz="2900" i="1" dirty="0" err="1"/>
@@ -4131,7 +4180,15 @@
                 </a:r>
                 <a:r>
                   <a:rPr lang="it-IT" sz="2900" dirty="0"/>
-                  <a:t> gerarchico alla matrice di covarianza dei rendimenti azionari, utilizzando una matrice di distanza </a:t>
+                  <a:t> gerarchico alla matrice di covarianza dei </a:t>
+                </a:r>
+                <a:r>
+                  <a:rPr lang="it-IT" sz="2900" dirty="0" smtClean="0"/>
+                  <a:t>rendimenti azionari, </a:t>
+                </a:r>
+                <a:r>
+                  <a:rPr lang="it-IT" sz="2900" dirty="0"/>
+                  <a:t>utilizzando una matrice di distanza </a:t>
                 </a:r>
                 <a14:m>
                   <m:oMath xmlns:m="http://schemas.openxmlformats.org/officeDocument/2006/math">
@@ -4157,7 +4214,15 @@
                 </a14:m>
                 <a:r>
                   <a:rPr lang="it-IT" sz="2900" dirty="0"/>
-                  <a:t> basata sull’indice di correlazione dei rendimenti degli </a:t>
+                  <a:t> basata </a:t>
+                </a:r>
+                <a:r>
+                  <a:rPr lang="it-IT" sz="2900" dirty="0" smtClean="0"/>
+                  <a:t>sull’indice di correlazione </a:t>
+                </a:r>
+                <a:r>
+                  <a:rPr lang="it-IT" sz="2900" dirty="0"/>
+                  <a:t>dei rendimenti degli </a:t>
                 </a:r>
                 <a:r>
                   <a:rPr lang="it-IT" sz="2900" i="1" dirty="0" err="1"/>
@@ -4369,7 +4434,7 @@
                   <a:buNone/>
                 </a:pPr>
                 <a:r>
-                  <a:rPr lang="it-IT" sz="2900" dirty="0"/>
+                  <a:rPr lang="it-IT" sz="2900" dirty="0" smtClean="0"/>
                   <a:t>      dove </a:t>
                 </a:r>
                 <a14:m>
@@ -4442,11 +4507,16 @@
                   <a:rPr lang="it-IT" sz="2900" i="1" dirty="0"/>
                   <a:t>. </a:t>
                 </a:r>
+                <a:endParaRPr lang="it-IT" sz="2900" i="1" dirty="0" smtClean="0"/>
               </a:p>
               <a:p>
                 <a:r>
+                  <a:rPr lang="it-IT" sz="2900" dirty="0" smtClean="0"/>
+                  <a:t>Si </a:t>
+                </a:r>
+                <a:r>
                   <a:rPr lang="it-IT" sz="2900" dirty="0"/>
-                  <a:t>Si forma poi il primo </a:t>
+                  <a:t>forma poi il primo </a:t>
                 </a:r>
                 <a:r>
                   <a:rPr lang="it-IT" sz="2900" i="1" dirty="0"/>
@@ -4686,7 +4756,15 @@
                 </a:r>
                 <a:r>
                   <a:rPr lang="it-IT" sz="2900" dirty="0"/>
-                  <a:t>viene quindi aggiornata rimuovendo le righe e le colonne corrispondenti al primo </a:t>
+                  <a:t>viene quindi </a:t>
+                </a:r>
+                <a:r>
+                  <a:rPr lang="it-IT" sz="2900" dirty="0" smtClean="0"/>
+                  <a:t>aggiornata </a:t>
+                </a:r>
+                <a:r>
+                  <a:rPr lang="it-IT" sz="2900" dirty="0"/>
+                  <a:t>rimuovendo le righe e le colonne corrispondenti al primo </a:t>
                 </a:r>
                 <a:r>
                   <a:rPr lang="it-IT" sz="2900" i="1" dirty="0"/>
@@ -4702,28 +4780,33 @@
                 </a:r>
                 <a:r>
                   <a:rPr lang="it-IT" sz="2900" dirty="0"/>
-                  <a:t> e l</a:t>
-                </a:r>
-                <a:r>
-                  <a:rPr lang="it-IT" sz="2900" i="1" dirty="0"/>
+                  <a:t> e </a:t>
+                </a:r>
+                <a:r>
+                  <a:rPr lang="it-IT" sz="2900" dirty="0" smtClean="0"/>
+                  <a:t>l</a:t>
+                </a:r>
+                <a:r>
+                  <a:rPr lang="it-IT" sz="2900" i="1" dirty="0" smtClean="0"/>
                   <a:t>’</a:t>
                 </a:r>
                 <a:r>
-                  <a:rPr lang="it-IT" sz="2900" dirty="0"/>
+                  <a:rPr lang="it-IT" sz="2900" dirty="0" smtClean="0"/>
                   <a:t>i-esimo</a:t>
                 </a:r>
                 <a:r>
-                  <a:rPr lang="it-IT" sz="2900" i="1" dirty="0"/>
+                  <a:rPr lang="it-IT" sz="2900" i="1" dirty="0" smtClean="0"/>
                   <a:t> </a:t>
                 </a:r>
                 <a:r>
-                  <a:rPr lang="it-IT" sz="2900" i="1" dirty="0" err="1"/>
+                  <a:rPr lang="it-IT" sz="2900" i="1" dirty="0" err="1" smtClean="0"/>
                   <a:t>asset</a:t>
                 </a:r>
                 <a:r>
-                  <a:rPr lang="it-IT" sz="2900" dirty="0"/>
+                  <a:rPr lang="it-IT" sz="2900" dirty="0" smtClean="0"/>
                   <a:t>:</a:t>
                 </a:r>
+                <a:endParaRPr lang="it-IT" sz="2900" dirty="0"/>
               </a:p>
               <a:p>
                 <a:pPr marL="0" indent="0">
@@ -4970,8 +5053,12 @@
               </a:p>
               <a:p>
                 <a:r>
+                  <a:rPr lang="it-IT" sz="2900" dirty="0" smtClean="0"/>
+                  <a:t>La </a:t>
+                </a:r>
+                <a:r>
                   <a:rPr lang="it-IT" sz="2900" dirty="0"/>
-                  <a:t>La procedura viene ripetuta ricorsivamente fino ad ottenere il </a:t>
+                  <a:t>procedura viene ripetuta ricorsivamente fino ad ottenere il </a:t>
                 </a:r>
                 <a:r>
                   <a:rPr lang="it-IT" sz="2900" i="1" dirty="0"/>
@@ -4987,10 +5074,14 @@
                 </a:r>
                 <a:r>
                   <a:rPr lang="it-IT" sz="2900" dirty="0"/>
-                  <a:t> disponibili</a:t>
-                </a:r>
-                <a:r>
-                  <a:rPr lang="it-IT" sz="2900" i="1" dirty="0"/>
+                  <a:t> </a:t>
+                </a:r>
+                <a:r>
+                  <a:rPr lang="it-IT" sz="2900" dirty="0" smtClean="0"/>
+                  <a:t>disponibili</a:t>
+                </a:r>
+                <a:r>
+                  <a:rPr lang="it-IT" sz="2900" i="1" dirty="0" smtClean="0"/>
                   <a:t>. </a:t>
                 </a:r>
                 <a:endParaRPr lang="it-IT" sz="2900" dirty="0"/>
@@ -4998,7 +5089,11 @@
               <a:p>
                 <a:r>
                   <a:rPr lang="it-IT" sz="2900" dirty="0"/>
-                  <a:t>Utilizzando l’ordine dei </a:t>
+                  <a:t>Utilizzando </a:t>
+                </a:r>
+                <a:r>
+                  <a:rPr lang="it-IT" sz="2900" dirty="0" smtClean="0"/>
+                  <a:t>l’ordine dei </a:t>
                 </a:r>
                 <a:r>
                   <a:rPr lang="it-IT" sz="2900" i="1" dirty="0"/>
@@ -5006,7 +5101,11 @@
                 </a:r>
                 <a:r>
                   <a:rPr lang="it-IT" sz="2900" dirty="0"/>
-                  <a:t>si riorganizza la matrice di covarianza in modo da ottenere una matrice quasi-diagonale in cui gli </a:t>
+                  <a:t>si riorganizza la matrice di covarianza in modo da ottenere una matrice quasi-diagonale in cui </a:t>
+                </a:r>
+                <a:r>
+                  <a:rPr lang="it-IT" sz="2900" dirty="0" smtClean="0"/>
+                  <a:t>gli </a:t>
                 </a:r>
                 <a:r>
                   <a:rPr lang="it-IT" sz="2900" i="1" dirty="0" err="1"/>
@@ -5017,8 +5116,12 @@
                   <a:t> </a:t>
                 </a:r>
                 <a:r>
+                  <a:rPr lang="it-IT" sz="2900" dirty="0" smtClean="0"/>
+                  <a:t>simili sono posti </a:t>
+                </a:r>
+                <a:r>
                   <a:rPr lang="it-IT" sz="2900" dirty="0"/>
-                  <a:t>simili sono posti nei pressi della diagonale.</a:t>
+                  <a:t>nei pressi della diagonale.</a:t>
                 </a:r>
               </a:p>
               <a:p>
@@ -5039,31 +5142,31 @@
                   <a:t>, in cui il peso è inversamente proporzionale al rischio degli </a:t>
                 </a:r>
                 <a:r>
-                  <a:rPr lang="it-IT" sz="2900" i="1" dirty="0" err="1"/>
+                  <a:rPr lang="it-IT" sz="2900" i="1" dirty="0" err="1" smtClean="0"/>
                   <a:t>asset</a:t>
                 </a:r>
                 <a:r>
-                  <a:rPr lang="it-IT" sz="2900" i="1" dirty="0"/>
+                  <a:rPr lang="it-IT" sz="2900" i="1" dirty="0" smtClean="0"/>
                   <a:t>,</a:t>
                 </a:r>
                 <a:r>
-                  <a:rPr lang="it-IT" sz="2900" dirty="0"/>
+                  <a:rPr lang="it-IT" sz="2900" dirty="0" smtClean="0"/>
                   <a:t> e </a:t>
                 </a:r>
                 <a:r>
-                  <a:rPr lang="it-IT" sz="2900" dirty="0" err="1"/>
+                  <a:rPr lang="it-IT" sz="2900" dirty="0" err="1" smtClean="0"/>
                   <a:t>bisezionando</a:t>
                 </a:r>
                 <a:r>
-                  <a:rPr lang="it-IT" sz="2900" dirty="0"/>
+                  <a:rPr lang="it-IT" sz="2900" dirty="0" smtClean="0"/>
                   <a:t> ricorsivamente la matrice di covarianza seguendo l’ordinamento dei </a:t>
                 </a:r>
                 <a:r>
-                  <a:rPr lang="it-IT" sz="2900" i="1" dirty="0"/>
+                  <a:rPr lang="it-IT" sz="2900" i="1" dirty="0" smtClean="0"/>
                   <a:t>cluster</a:t>
                 </a:r>
                 <a:r>
-                  <a:rPr lang="it-IT" sz="2900" dirty="0"/>
+                  <a:rPr lang="it-IT" sz="2900" dirty="0" smtClean="0"/>
                   <a:t>.</a:t>
                 </a:r>
                 <a:endParaRPr lang="it-IT" sz="2900" i="1" dirty="0"/>
@@ -5119,6 +5222,13 @@
   <p:clrMapOvr>
     <a:masterClrMapping/>
   </p:clrMapOvr>
+  <p:timing>
+    <p:tnLst>
+      <p:par>
+        <p:cTn id="1" dur="indefinite" restart="never" nodeType="tmRoot"/>
+      </p:par>
+    </p:tnLst>
+  </p:timing>
 </p:sld>
 </file>
 
@@ -5160,23 +5270,23 @@
           <a:lstStyle/>
           <a:p>
             <a:r>
-              <a:rPr lang="it-IT" dirty="0" err="1"/>
+              <a:rPr lang="it-IT" dirty="0" err="1" smtClean="0"/>
               <a:t>Hierarchical</a:t>
             </a:r>
             <a:r>
-              <a:rPr lang="it-IT" dirty="0"/>
+              <a:rPr lang="it-IT" dirty="0" smtClean="0"/>
               <a:t> </a:t>
             </a:r>
             <a:r>
-              <a:rPr lang="it-IT" dirty="0" err="1"/>
+              <a:rPr lang="it-IT" dirty="0" err="1" smtClean="0"/>
               <a:t>Risk</a:t>
             </a:r>
             <a:r>
-              <a:rPr lang="it-IT" dirty="0"/>
+              <a:rPr lang="it-IT" dirty="0" smtClean="0"/>
               <a:t> </a:t>
             </a:r>
             <a:r>
-              <a:rPr lang="it-IT" dirty="0" err="1"/>
+              <a:rPr lang="it-IT" dirty="0" err="1" smtClean="0"/>
               <a:t>Parity</a:t>
             </a:r>
             <a:endParaRPr lang="it-IT" dirty="0"/>
@@ -5222,6 +5332,13 @@
   <p:clrMapOvr>
     <a:masterClrMapping/>
   </p:clrMapOvr>
+  <p:timing>
+    <p:tnLst>
+      <p:par>
+        <p:cTn id="1" dur="indefinite" restart="never" nodeType="tmRoot"/>
+      </p:par>
+    </p:tnLst>
+  </p:timing>
 </p:sld>
 </file>
 
@@ -5263,23 +5380,23 @@
           <a:lstStyle/>
           <a:p>
             <a:r>
-              <a:rPr lang="it-IT" dirty="0" err="1"/>
+              <a:rPr lang="it-IT" dirty="0" err="1" smtClean="0"/>
               <a:t>Hierarchical</a:t>
             </a:r>
             <a:r>
-              <a:rPr lang="it-IT" dirty="0"/>
+              <a:rPr lang="it-IT" dirty="0" smtClean="0"/>
               <a:t> </a:t>
             </a:r>
             <a:r>
-              <a:rPr lang="it-IT" dirty="0" err="1"/>
+              <a:rPr lang="it-IT" dirty="0" err="1" smtClean="0"/>
               <a:t>Risk</a:t>
             </a:r>
             <a:r>
-              <a:rPr lang="it-IT" dirty="0"/>
+              <a:rPr lang="it-IT" dirty="0" smtClean="0"/>
               <a:t> </a:t>
             </a:r>
             <a:r>
-              <a:rPr lang="it-IT" dirty="0" err="1"/>
+              <a:rPr lang="it-IT" dirty="0" err="1" smtClean="0"/>
               <a:t>Parity</a:t>
             </a:r>
             <a:endParaRPr lang="it-IT" dirty="0"/>
@@ -5338,6 +5455,17 @@
           <a:lstStyle/>
           <a:p>
             <a:r>
+              <a:rPr lang="it-IT" sz="1900" spc="10" dirty="0" smtClean="0">
+                <a:solidFill>
+                  <a:schemeClr val="tx1">
+                    <a:lumMod val="65000"/>
+                    <a:lumOff val="35000"/>
+                  </a:schemeClr>
+                </a:solidFill>
+              </a:rPr>
+              <a:t>                      Pesi </a:t>
+            </a:r>
+            <a:r>
               <a:rPr lang="it-IT" sz="1900" spc="10" dirty="0">
                 <a:solidFill>
                   <a:schemeClr val="tx1">
@@ -5346,7 +5474,7 @@
                   </a:schemeClr>
                 </a:solidFill>
               </a:rPr>
-              <a:t>                      Pesi del portafoglio </a:t>
+              <a:t>del portafoglio </a:t>
             </a:r>
             <a:r>
               <a:rPr lang="it-IT" sz="1900" i="1" spc="10" dirty="0" err="1">
@@ -5380,6 +5508,13 @@
   <p:clrMapOvr>
     <a:masterClrMapping/>
   </p:clrMapOvr>
+  <p:timing>
+    <p:tnLst>
+      <p:par>
+        <p:cTn id="1" dur="indefinite" restart="never" nodeType="tmRoot"/>
+      </p:par>
+    </p:tnLst>
+  </p:timing>
 </p:sld>
 </file>
 
@@ -5467,16 +5602,32 @@
               </a:p>
               <a:p>
                 <a:r>
+                  <a:rPr lang="it-IT" altLang="it-IT" sz="1900" i="1" dirty="0"/>
+                  <a:t>K-</a:t>
+                </a:r>
+                <a:r>
+                  <a:rPr lang="it-IT" altLang="it-IT" sz="1900" i="1" dirty="0" err="1"/>
+                  <a:t>Means</a:t>
+                </a:r>
+                <a:r>
                   <a:rPr lang="it-IT" altLang="it-IT" sz="1900" dirty="0"/>
-                  <a:t>K-</a:t>
-                </a:r>
-                <a:r>
-                  <a:rPr lang="it-IT" altLang="it-IT" sz="1900" dirty="0" err="1"/>
-                  <a:t>Means</a:t>
+                  <a:t> non permette </a:t>
+                </a:r>
+                <a:r>
+                  <a:rPr lang="it-IT" altLang="it-IT" sz="1900" dirty="0" smtClean="0"/>
+                  <a:t>di imporre vincoli alla numerosità </a:t>
                 </a:r>
                 <a:r>
                   <a:rPr lang="it-IT" altLang="it-IT" sz="1900" dirty="0"/>
-                  <a:t> non permette il controllo sulla numerosità dei cluster </a:t>
+                  <a:t>dei </a:t>
+                </a:r>
+                <a:r>
+                  <a:rPr lang="it-IT" altLang="it-IT" sz="1900" i="1" dirty="0"/>
+                  <a:t>cluster</a:t>
+                </a:r>
+                <a:r>
+                  <a:rPr lang="it-IT" altLang="it-IT" sz="1900" dirty="0"/>
+                  <a:t> </a:t>
                 </a:r>
                 <a:r>
                   <a:rPr lang="it-IT" altLang="it-IT" sz="1900" dirty="0">
@@ -5485,25 +5636,25 @@
                   <a:t> </a:t>
                 </a:r>
                 <a:r>
-                  <a:rPr lang="it-IT" altLang="it-IT" sz="1900" dirty="0" err="1">
+                  <a:rPr lang="it-IT" altLang="it-IT" sz="1900" i="1" dirty="0" err="1">
                     <a:sym typeface="Wingdings" panose="05000000000000000000" pitchFamily="2" charset="2"/>
                   </a:rPr>
                   <a:t>Bounded</a:t>
                 </a:r>
                 <a:r>
-                  <a:rPr lang="it-IT" altLang="it-IT" sz="1900" dirty="0">
+                  <a:rPr lang="it-IT" altLang="it-IT" sz="1900" i="1" dirty="0">
                     <a:sym typeface="Wingdings" panose="05000000000000000000" pitchFamily="2" charset="2"/>
                   </a:rPr>
                   <a:t> K-</a:t>
                 </a:r>
                 <a:r>
-                  <a:rPr lang="it-IT" altLang="it-IT" sz="1900" dirty="0" err="1">
+                  <a:rPr lang="it-IT" altLang="it-IT" sz="1900" i="1" dirty="0" err="1">
                     <a:sym typeface="Wingdings" panose="05000000000000000000" pitchFamily="2" charset="2"/>
                   </a:rPr>
                   <a:t>Means</a:t>
                 </a:r>
                 <a:r>
-                  <a:rPr lang="it-IT" altLang="it-IT" sz="1900" dirty="0"/>
+                  <a:rPr lang="it-IT" altLang="it-IT" sz="1900" i="1" dirty="0"/>
                   <a:t> </a:t>
                 </a:r>
                 <a:endParaRPr lang="it-IT" altLang="it-IT" sz="1900" i="1" dirty="0">
@@ -5552,7 +5703,31 @@
                 </a14:m>
                 <a:r>
                   <a:rPr lang="it-IT" sz="1900" dirty="0"/>
-                  <a:t> indica un generico punto, la prima disequazione paragona la SSE del cluster j-esimo con quella del cluster i-esimo, e la seconda disequazione permette il controllo sulla numerosità massima del cluster </a:t>
+                  <a:t> indica un generico punto, la prima disequazione paragona la SSE del </a:t>
+                </a:r>
+                <a:r>
+                  <a:rPr lang="it-IT" sz="1900" i="1" dirty="0"/>
+                  <a:t>cluster</a:t>
+                </a:r>
+                <a:r>
+                  <a:rPr lang="it-IT" sz="1900" dirty="0"/>
+                  <a:t> j-esimo con quella del </a:t>
+                </a:r>
+                <a:r>
+                  <a:rPr lang="it-IT" sz="1900" i="1" dirty="0"/>
+                  <a:t>cluster</a:t>
+                </a:r>
+                <a:r>
+                  <a:rPr lang="it-IT" sz="1900" dirty="0"/>
+                  <a:t> i-esimo, e la seconda disequazione permette il controllo sulla numerosità massima del </a:t>
+                </a:r>
+                <a:r>
+                  <a:rPr lang="it-IT" sz="1900" i="1" dirty="0"/>
+                  <a:t>cluster</a:t>
+                </a:r>
+                <a:r>
+                  <a:rPr lang="it-IT" sz="1900" dirty="0"/>
+                  <a:t> </a:t>
                 </a:r>
                 <a:r>
                   <a:rPr lang="el-GR" sz="1900" dirty="0"/>
@@ -5566,27 +5741,59 @@
               <a:p>
                 <a:r>
                   <a:rPr lang="it-IT" sz="1900" dirty="0"/>
-                  <a:t>Il numero ottimale di cluster segue la </a:t>
-                </a:r>
-                <a:r>
-                  <a:rPr lang="it-IT" sz="1900" i="1" dirty="0" err="1"/>
+                  <a:t>Il numero ottimale di </a:t>
+                </a:r>
+                <a:r>
+                  <a:rPr lang="it-IT" sz="1900" i="1" dirty="0"/>
+                  <a:t>cluster</a:t>
+                </a:r>
+                <a:r>
+                  <a:rPr lang="it-IT" sz="1900" dirty="0"/>
+                  <a:t> </a:t>
+                </a:r>
+                <a:r>
+                  <a:rPr lang="it-IT" sz="1900" dirty="0" smtClean="0"/>
+                  <a:t>è determinato</a:t>
+                </a:r>
+                <a:r>
+                  <a:rPr lang="it-IT" sz="1900" i="1" dirty="0" smtClean="0"/>
+                  <a:t> </a:t>
+                </a:r>
+                <a:r>
+                  <a:rPr lang="it-IT" sz="1900" dirty="0"/>
+                  <a:t>come per </a:t>
+                </a:r>
+                <a:r>
+                  <a:rPr lang="it-IT" sz="1900" dirty="0" smtClean="0"/>
+                  <a:t>K-</a:t>
+                </a:r>
+                <a:r>
+                  <a:rPr lang="it-IT" sz="1900" dirty="0" err="1" smtClean="0"/>
+                  <a:t>Means</a:t>
+                </a:r>
+                <a:r>
+                  <a:rPr lang="it-IT" sz="1900" dirty="0"/>
+                  <a:t> </a:t>
+                </a:r>
+                <a:r>
+                  <a:rPr lang="it-IT" sz="1900" dirty="0" smtClean="0"/>
+                  <a:t>tramite la cosiddetta «</a:t>
+                </a:r>
+                <a:r>
+                  <a:rPr lang="it-IT" sz="1900" i="1" dirty="0" err="1" smtClean="0"/>
                   <a:t>elbow</a:t>
                 </a:r>
                 <a:r>
-                  <a:rPr lang="it-IT" sz="1900" i="1" dirty="0"/>
-                  <a:t> rule </a:t>
-                </a:r>
-                <a:r>
-                  <a:rPr lang="it-IT" sz="1900" dirty="0"/>
-                  <a:t>come per K-</a:t>
-                </a:r>
-                <a:r>
-                  <a:rPr lang="it-IT" sz="1900" dirty="0" err="1"/>
-                  <a:t>Means</a:t>
-                </a:r>
-                <a:r>
-                  <a:rPr lang="it-IT" sz="1900" dirty="0"/>
-                  <a:t>.</a:t>
+                  <a:rPr lang="it-IT" sz="1900" i="1" dirty="0" smtClean="0"/>
+                  <a:t> </a:t>
+                </a:r>
+                <a:r>
+                  <a:rPr lang="it-IT" sz="1900" i="1" dirty="0" err="1" smtClean="0"/>
+                  <a:t>rule</a:t>
+                </a:r>
+                <a:r>
+                  <a:rPr lang="it-IT" sz="1900" dirty="0" smtClean="0"/>
+                  <a:t>»</a:t>
                 </a:r>
                 <a:endParaRPr lang="it-IT" sz="1900" i="1" dirty="0"/>
               </a:p>
@@ -5694,7 +5901,7 @@
     </p:spTree>
     <p:extLst>
       <p:ext uri="{BB962C8B-B14F-4D97-AF65-F5344CB8AC3E}">
-        <p14:creationId xmlns:p14="http://schemas.microsoft.com/office/powerpoint/2010/main" val="2039099879"/>
+        <p14:creationId xmlns:p14="http://schemas.microsoft.com/office/powerpoint/2010/main" val="257618630"/>
       </p:ext>
     </p:extLst>
   </p:cSld>
@@ -5836,7 +6043,7 @@
         </p:nvSpPr>
         <p:spPr>
           <a:xfrm>
-            <a:off x="5774193" y="2582171"/>
+            <a:off x="5515574" y="2686594"/>
             <a:ext cx="4715070" cy="384721"/>
           </a:xfrm>
           <a:prstGeom prst="rect">
@@ -5858,7 +6065,29 @@
                   </a:schemeClr>
                 </a:solidFill>
               </a:rPr>
-              <a:t>                      Pesi del portafogli statico</a:t>
+              <a:t>                      Pesi del </a:t>
+            </a:r>
+            <a:r>
+              <a:rPr lang="it-IT" sz="1900" spc="10" dirty="0" smtClean="0">
+                <a:solidFill>
+                  <a:schemeClr val="tx1">
+                    <a:lumMod val="65000"/>
+                    <a:lumOff val="35000"/>
+                  </a:schemeClr>
+                </a:solidFill>
+              </a:rPr>
+              <a:t>portafoglio </a:t>
+            </a:r>
+            <a:r>
+              <a:rPr lang="it-IT" sz="1900" spc="10" dirty="0">
+                <a:solidFill>
+                  <a:schemeClr val="tx1">
+                    <a:lumMod val="65000"/>
+                    <a:lumOff val="35000"/>
+                  </a:schemeClr>
+                </a:solidFill>
+              </a:rPr>
+              <a:t>statico</a:t>
             </a:r>
           </a:p>
         </p:txBody>
@@ -5926,7 +6155,7 @@
     </p:spTree>
     <p:extLst>
       <p:ext uri="{BB962C8B-B14F-4D97-AF65-F5344CB8AC3E}">
-        <p14:creationId xmlns:p14="http://schemas.microsoft.com/office/powerpoint/2010/main" val="141028710"/>
+        <p14:creationId xmlns:p14="http://schemas.microsoft.com/office/powerpoint/2010/main" val="444944892"/>
       </p:ext>
     </p:extLst>
   </p:cSld>
@@ -6147,7 +6376,7 @@
     </p:spTree>
     <p:extLst>
       <p:ext uri="{BB962C8B-B14F-4D97-AF65-F5344CB8AC3E}">
-        <p14:creationId xmlns:p14="http://schemas.microsoft.com/office/powerpoint/2010/main" val="618118738"/>
+        <p14:creationId xmlns:p14="http://schemas.microsoft.com/office/powerpoint/2010/main" val="2576175495"/>
       </p:ext>
     </p:extLst>
   </p:cSld>
@@ -6186,6 +6415,528 @@
         </p:nvSpPr>
         <p:spPr>
           <a:xfrm>
+            <a:off x="528038" y="313371"/>
+            <a:ext cx="8911687" cy="739818"/>
+          </a:xfrm>
+        </p:spPr>
+        <p:txBody>
+          <a:bodyPr/>
+          <a:lstStyle/>
+          <a:p>
+            <a:r>
+              <a:rPr lang="it-IT" dirty="0"/>
+              <a:t>Valutazione </a:t>
+            </a:r>
+            <a:r>
+              <a:rPr lang="it-IT" dirty="0" smtClean="0"/>
+              <a:t>del </a:t>
+            </a:r>
+            <a:r>
+              <a:rPr lang="it-IT" dirty="0" err="1" smtClean="0"/>
+              <a:t>clustering</a:t>
+            </a:r>
+            <a:endParaRPr lang="it-IT" dirty="0"/>
+          </a:p>
+        </p:txBody>
+      </p:sp>
+      <p:pic>
+        <p:nvPicPr>
+          <p:cNvPr id="3" name="Immagine 2">
+            <a:extLst>
+              <a:ext uri="{FF2B5EF4-FFF2-40B4-BE49-F238E27FC236}">
+                <a16:creationId xmlns:a16="http://schemas.microsoft.com/office/drawing/2014/main" id="{873F7BD2-1941-40A7-BAA1-CF8CCF29BC20}"/>
+              </a:ext>
+            </a:extLst>
+          </p:cNvPr>
+          <p:cNvPicPr>
+            <a:picLocks noChangeAspect="1"/>
+          </p:cNvPicPr>
+          <p:nvPr/>
+        </p:nvPicPr>
+        <p:blipFill>
+          <a:blip r:embed="rId2"/>
+          <a:stretch>
+            <a:fillRect/>
+          </a:stretch>
+        </p:blipFill>
+        <p:spPr>
+          <a:xfrm>
+            <a:off x="2306172" y="5000449"/>
+            <a:ext cx="7579653" cy="1224170"/>
+          </a:xfrm>
+          <a:prstGeom prst="rect">
+            <a:avLst/>
+          </a:prstGeom>
+        </p:spPr>
+      </p:pic>
+      <mc:AlternateContent xmlns:mc="http://schemas.openxmlformats.org/markup-compatibility/2006">
+        <mc:Choice xmlns:a14="http://schemas.microsoft.com/office/drawing/2010/main" Requires="a14">
+          <p:sp>
+            <p:nvSpPr>
+              <p:cNvPr id="5" name="CasellaDiTesto 4">
+                <a:extLst>
+                  <a:ext uri="{FF2B5EF4-FFF2-40B4-BE49-F238E27FC236}">
+                    <a16:creationId xmlns:a16="http://schemas.microsoft.com/office/drawing/2014/main" id="{71DD9C72-A6C6-4BA8-B0B1-1EA5E77ABE67}"/>
+                  </a:ext>
+                </a:extLst>
+              </p:cNvPr>
+              <p:cNvSpPr txBox="1"/>
+              <p:nvPr/>
+            </p:nvSpPr>
+            <p:spPr>
+              <a:xfrm>
+                <a:off x="528039" y="1645980"/>
+                <a:ext cx="8134708" cy="1200329"/>
+              </a:xfrm>
+              <a:prstGeom prst="rect">
+                <a:avLst/>
+              </a:prstGeom>
+              <a:noFill/>
+            </p:spPr>
+            <p:txBody>
+              <a:bodyPr wrap="square" rtlCol="0">
+                <a:spAutoFit/>
+              </a:bodyPr>
+              <a:lstStyle/>
+              <a:p>
+                <a:pPr marL="285750" indent="-285750">
+                  <a:buFont typeface="Arial" panose="020B0604020202020204" pitchFamily="34" charset="0"/>
+                  <a:buChar char="•"/>
+                </a:pPr>
+                <a:r>
+                  <a:rPr lang="it-IT" dirty="0" smtClean="0"/>
+                  <a:t>Il coefficiente </a:t>
+                </a:r>
+                <a:r>
+                  <a:rPr lang="it-IT" i="1" dirty="0" smtClean="0"/>
+                  <a:t>Silhouette </a:t>
+                </a:r>
+                <a:r>
+                  <a:rPr lang="it-IT" dirty="0" smtClean="0"/>
+                  <a:t>misura la distanza media fra un’osservazione e gli altri elementi dello stesso </a:t>
+                </a:r>
+                <a:r>
+                  <a:rPr lang="it-IT" i="1" dirty="0" smtClean="0"/>
+                  <a:t>cluster</a:t>
+                </a:r>
+                <a:r>
+                  <a:rPr lang="it-IT" dirty="0" smtClean="0"/>
+                  <a:t> (</a:t>
+                </a:r>
+                <a14:m>
+                  <m:oMath xmlns:m="http://schemas.openxmlformats.org/officeDocument/2006/math">
+                    <m:r>
+                      <a:rPr lang="it-IT" b="0" i="1" smtClean="0">
+                        <a:latin typeface="Cambria Math" panose="02040503050406030204" pitchFamily="18" charset="0"/>
+                      </a:rPr>
+                      <m:t>𝑎</m:t>
+                    </m:r>
+                    <m:r>
+                      <a:rPr lang="it-IT" b="0" i="1" smtClean="0">
+                        <a:latin typeface="Cambria Math" panose="02040503050406030204" pitchFamily="18" charset="0"/>
+                      </a:rPr>
+                      <m:t>)</m:t>
+                    </m:r>
+                  </m:oMath>
+                </a14:m>
+                <a:r>
+                  <a:rPr lang="it-IT" dirty="0" smtClean="0"/>
+                  <a:t> rispetto alla distanza media fra l’osservazione e gli elementi </a:t>
+                </a:r>
+                <a:r>
+                  <a:rPr lang="it-IT" dirty="0" smtClean="0"/>
+                  <a:t>de</a:t>
+                </a:r>
+                <a:r>
+                  <a:rPr lang="it-IT" dirty="0" smtClean="0"/>
+                  <a:t>gli </a:t>
+                </a:r>
+                <a:r>
+                  <a:rPr lang="it-IT" dirty="0"/>
+                  <a:t>altri cluster </a:t>
+                </a:r>
+                <a:r>
+                  <a:rPr lang="it-IT" dirty="0" smtClean="0"/>
+                  <a:t>(b</a:t>
+                </a:r>
+                <a:r>
+                  <a:rPr lang="it-IT" dirty="0"/>
+                  <a:t>). Il suo valore è compreso fra -1 e +1.</a:t>
+                </a:r>
+              </a:p>
+            </p:txBody>
+          </p:sp>
+        </mc:Choice>
+        <mc:Fallback>
+          <p:sp>
+            <p:nvSpPr>
+              <p:cNvPr id="5" name="CasellaDiTesto 4">
+                <a:extLst>
+                  <a:ext uri="{FF2B5EF4-FFF2-40B4-BE49-F238E27FC236}">
+                    <a16:creationId xmlns:a16="http://schemas.microsoft.com/office/drawing/2014/main" id="{71DD9C72-A6C6-4BA8-B0B1-1EA5E77ABE67}"/>
+                  </a:ext>
+                </a:extLst>
+              </p:cNvPr>
+              <p:cNvSpPr txBox="1">
+                <a:spLocks noRot="1" noChangeAspect="1" noMove="1" noResize="1" noEditPoints="1" noAdjustHandles="1" noChangeArrowheads="1" noChangeShapeType="1" noTextEdit="1"/>
+              </p:cNvSpPr>
+              <p:nvPr/>
+            </p:nvSpPr>
+            <p:spPr>
+              <a:xfrm>
+                <a:off x="528039" y="1645980"/>
+                <a:ext cx="8134708" cy="1200329"/>
+              </a:xfrm>
+              <a:prstGeom prst="rect">
+                <a:avLst/>
+              </a:prstGeom>
+              <a:blipFill>
+                <a:blip r:embed="rId3"/>
+                <a:stretch>
+                  <a:fillRect l="-525" t="-2538" r="-225" b="-7107"/>
+                </a:stretch>
+              </a:blipFill>
+            </p:spPr>
+            <p:txBody>
+              <a:bodyPr/>
+              <a:lstStyle/>
+              <a:p>
+                <a:r>
+                  <a:rPr lang="it-IT">
+                    <a:noFill/>
+                  </a:rPr>
+                  <a:t> </a:t>
+                </a:r>
+              </a:p>
+            </p:txBody>
+          </p:sp>
+        </mc:Fallback>
+      </mc:AlternateContent>
+      <p:pic>
+        <p:nvPicPr>
+          <p:cNvPr id="7" name="Immagine 6">
+            <a:extLst>
+              <a:ext uri="{FF2B5EF4-FFF2-40B4-BE49-F238E27FC236}">
+                <a16:creationId xmlns:a16="http://schemas.microsoft.com/office/drawing/2014/main" id="{5522956A-3037-4D16-A254-F95E38899B6F}"/>
+              </a:ext>
+            </a:extLst>
+          </p:cNvPr>
+          <p:cNvPicPr>
+            <a:picLocks noChangeAspect="1"/>
+          </p:cNvPicPr>
+          <p:nvPr/>
+        </p:nvPicPr>
+        <p:blipFill>
+          <a:blip r:embed="rId4"/>
+          <a:stretch>
+            <a:fillRect/>
+          </a:stretch>
+        </p:blipFill>
+        <p:spPr>
+          <a:xfrm>
+            <a:off x="8919038" y="1784479"/>
+            <a:ext cx="2056508" cy="646331"/>
+          </a:xfrm>
+          <a:prstGeom prst="rect">
+            <a:avLst/>
+          </a:prstGeom>
+        </p:spPr>
+      </p:pic>
+      <mc:AlternateContent xmlns:mc="http://schemas.openxmlformats.org/markup-compatibility/2006">
+        <mc:Choice xmlns:a14="http://schemas.microsoft.com/office/drawing/2010/main" Requires="a14">
+          <p:sp>
+            <p:nvSpPr>
+              <p:cNvPr id="8" name="CasellaDiTesto 7">
+                <a:extLst>
+                  <a:ext uri="{FF2B5EF4-FFF2-40B4-BE49-F238E27FC236}">
+                    <a16:creationId xmlns:a16="http://schemas.microsoft.com/office/drawing/2014/main" id="{4C9DE3B0-21ED-4138-8830-0423A0654D6C}"/>
+                  </a:ext>
+                </a:extLst>
+              </p:cNvPr>
+              <p:cNvSpPr txBox="1"/>
+              <p:nvPr/>
+            </p:nvSpPr>
+            <p:spPr>
+              <a:xfrm>
+                <a:off x="528038" y="3464906"/>
+                <a:ext cx="8134708" cy="923330"/>
+              </a:xfrm>
+              <a:prstGeom prst="rect">
+                <a:avLst/>
+              </a:prstGeom>
+              <a:noFill/>
+            </p:spPr>
+            <p:txBody>
+              <a:bodyPr wrap="square" rtlCol="0">
+                <a:spAutoFit/>
+              </a:bodyPr>
+              <a:lstStyle/>
+              <a:p>
+                <a:pPr marL="285750" indent="-285750">
+                  <a:buFont typeface="Arial" panose="020B0604020202020204" pitchFamily="34" charset="0"/>
+                  <a:buChar char="•"/>
+                </a:pPr>
+                <a:r>
+                  <a:rPr lang="it-IT" dirty="0" smtClean="0"/>
+                  <a:t>L’indice di </a:t>
+                </a:r>
+                <a:r>
+                  <a:rPr lang="it-IT" i="1" dirty="0" err="1"/>
+                  <a:t>Calinski-Harabasz</a:t>
+                </a:r>
+                <a:r>
+                  <a:rPr lang="it-IT" dirty="0"/>
+                  <a:t> è dato dal rapporto </a:t>
+                </a:r>
+                <a:r>
+                  <a:rPr lang="it-IT" dirty="0" smtClean="0"/>
+                  <a:t>fra la dispersione </a:t>
+                </a:r>
+                <a:r>
+                  <a:rPr lang="it-IT" dirty="0"/>
+                  <a:t>infra-</a:t>
+                </a:r>
+                <a:r>
+                  <a:rPr lang="it-IT" i="1" dirty="0"/>
+                  <a:t>cluster</a:t>
+                </a:r>
+                <a:r>
+                  <a:rPr lang="it-IT" dirty="0"/>
+                  <a:t> </a:t>
+                </a:r>
+                <a14:m>
+                  <m:oMath xmlns:m="http://schemas.openxmlformats.org/officeDocument/2006/math">
+                    <m:sSub>
+                      <m:sSubPr>
+                        <m:ctrlPr>
+                          <a:rPr lang="it-IT" b="0" i="1" smtClean="0">
+                            <a:latin typeface="Cambria Math" panose="02040503050406030204" pitchFamily="18" charset="0"/>
+                          </a:rPr>
+                        </m:ctrlPr>
+                      </m:sSubPr>
+                      <m:e>
+                        <m:r>
+                          <a:rPr lang="it-IT" b="1" i="1" smtClean="0">
+                            <a:latin typeface="Cambria Math" panose="02040503050406030204" pitchFamily="18" charset="0"/>
+                          </a:rPr>
+                          <m:t>𝑩</m:t>
+                        </m:r>
+                      </m:e>
+                      <m:sub>
+                        <m:r>
+                          <a:rPr lang="it-IT" b="0" i="1" smtClean="0">
+                            <a:latin typeface="Cambria Math" panose="02040503050406030204" pitchFamily="18" charset="0"/>
+                          </a:rPr>
+                          <m:t>𝑘</m:t>
+                        </m:r>
+                      </m:sub>
+                    </m:sSub>
+                    <m:r>
+                      <a:rPr lang="it-IT" b="0" i="1" smtClean="0">
+                        <a:latin typeface="Cambria Math" panose="02040503050406030204" pitchFamily="18" charset="0"/>
+                      </a:rPr>
+                      <m:t> </m:t>
+                    </m:r>
+                  </m:oMath>
+                </a14:m>
+                <a:r>
+                  <a:rPr lang="it-IT" dirty="0" smtClean="0"/>
+                  <a:t>e la </a:t>
+                </a:r>
+                <a:r>
+                  <a:rPr lang="it-IT" dirty="0"/>
+                  <a:t>dispersione </a:t>
+                </a:r>
+                <a:r>
+                  <a:rPr lang="it-IT" dirty="0" smtClean="0"/>
+                  <a:t>intra-</a:t>
+                </a:r>
+                <a:r>
+                  <a:rPr lang="it-IT" i="1" dirty="0" smtClean="0"/>
+                  <a:t>cluster </a:t>
+                </a:r>
+                <a14:m>
+                  <m:oMath xmlns:m="http://schemas.openxmlformats.org/officeDocument/2006/math">
+                    <m:sSub>
+                      <m:sSubPr>
+                        <m:ctrlPr>
+                          <a:rPr lang="it-IT" i="1">
+                            <a:latin typeface="Cambria Math" panose="02040503050406030204" pitchFamily="18" charset="0"/>
+                          </a:rPr>
+                        </m:ctrlPr>
+                      </m:sSubPr>
+                      <m:e>
+                        <m:r>
+                          <a:rPr lang="it-IT" b="1" i="1" smtClean="0">
+                            <a:latin typeface="Cambria Math" panose="02040503050406030204" pitchFamily="18" charset="0"/>
+                          </a:rPr>
+                          <m:t>𝑾</m:t>
+                        </m:r>
+                      </m:e>
+                      <m:sub>
+                        <m:r>
+                          <a:rPr lang="it-IT" i="1">
+                            <a:latin typeface="Cambria Math" panose="02040503050406030204" pitchFamily="18" charset="0"/>
+                          </a:rPr>
+                          <m:t>𝑘</m:t>
+                        </m:r>
+                      </m:sub>
+                    </m:sSub>
+                  </m:oMath>
+                </a14:m>
+                <a:r>
+                  <a:rPr lang="it-IT" dirty="0" smtClean="0"/>
+                  <a:t>. </a:t>
+                </a:r>
+                <a:r>
+                  <a:rPr lang="it-IT" dirty="0"/>
+                  <a:t>Più il suo valore è </a:t>
+                </a:r>
+                <a:r>
+                  <a:rPr lang="it-IT" dirty="0" smtClean="0"/>
+                  <a:t>elevato, </a:t>
+                </a:r>
+                <a:r>
+                  <a:rPr lang="it-IT" dirty="0"/>
+                  <a:t>migliore è la </a:t>
+                </a:r>
+                <a:r>
+                  <a:rPr lang="it-IT" i="1" dirty="0"/>
+                  <a:t>performance</a:t>
+                </a:r>
+                <a:r>
+                  <a:rPr lang="it-IT" dirty="0"/>
+                  <a:t> del </a:t>
+                </a:r>
+                <a:r>
+                  <a:rPr lang="it-IT" i="1" dirty="0"/>
+                  <a:t>cluster</a:t>
+                </a:r>
+                <a:r>
+                  <a:rPr lang="it-IT" dirty="0"/>
+                  <a:t>.</a:t>
+                </a:r>
+              </a:p>
+            </p:txBody>
+          </p:sp>
+        </mc:Choice>
+        <mc:Fallback>
+          <p:sp>
+            <p:nvSpPr>
+              <p:cNvPr id="8" name="CasellaDiTesto 7">
+                <a:extLst>
+                  <a:ext uri="{FF2B5EF4-FFF2-40B4-BE49-F238E27FC236}">
+                    <a16:creationId xmlns:a16="http://schemas.microsoft.com/office/drawing/2014/main" id="{4C9DE3B0-21ED-4138-8830-0423A0654D6C}"/>
+                  </a:ext>
+                </a:extLst>
+              </p:cNvPr>
+              <p:cNvSpPr txBox="1">
+                <a:spLocks noRot="1" noChangeAspect="1" noMove="1" noResize="1" noEditPoints="1" noAdjustHandles="1" noChangeArrowheads="1" noChangeShapeType="1" noTextEdit="1"/>
+              </p:cNvSpPr>
+              <p:nvPr/>
+            </p:nvSpPr>
+            <p:spPr>
+              <a:xfrm>
+                <a:off x="528038" y="3464906"/>
+                <a:ext cx="8134708" cy="923330"/>
+              </a:xfrm>
+              <a:prstGeom prst="rect">
+                <a:avLst/>
+              </a:prstGeom>
+              <a:blipFill>
+                <a:blip r:embed="rId5"/>
+                <a:stretch>
+                  <a:fillRect l="-525" t="-3289" b="-9211"/>
+                </a:stretch>
+              </a:blipFill>
+            </p:spPr>
+            <p:txBody>
+              <a:bodyPr/>
+              <a:lstStyle/>
+              <a:p>
+                <a:r>
+                  <a:rPr lang="it-IT">
+                    <a:noFill/>
+                  </a:rPr>
+                  <a:t> </a:t>
+                </a:r>
+              </a:p>
+            </p:txBody>
+          </p:sp>
+        </mc:Fallback>
+      </mc:AlternateContent>
+      <p:pic>
+        <p:nvPicPr>
+          <p:cNvPr id="11" name="Immagine 10">
+            <a:extLst>
+              <a:ext uri="{FF2B5EF4-FFF2-40B4-BE49-F238E27FC236}">
+                <a16:creationId xmlns:a16="http://schemas.microsoft.com/office/drawing/2014/main" id="{3414C069-4FB5-45B7-AB08-53D849C5574A}"/>
+              </a:ext>
+            </a:extLst>
+          </p:cNvPr>
+          <p:cNvPicPr>
+            <a:picLocks noChangeAspect="1"/>
+          </p:cNvPicPr>
+          <p:nvPr/>
+        </p:nvPicPr>
+        <p:blipFill>
+          <a:blip r:embed="rId6"/>
+          <a:stretch>
+            <a:fillRect/>
+          </a:stretch>
+        </p:blipFill>
+        <p:spPr>
+          <a:xfrm>
+            <a:off x="8919038" y="3655108"/>
+            <a:ext cx="1933575" cy="542925"/>
+          </a:xfrm>
+          <a:prstGeom prst="rect">
+            <a:avLst/>
+          </a:prstGeom>
+        </p:spPr>
+      </p:pic>
+    </p:spTree>
+    <p:extLst>
+      <p:ext uri="{BB962C8B-B14F-4D97-AF65-F5344CB8AC3E}">
+        <p14:creationId xmlns:p14="http://schemas.microsoft.com/office/powerpoint/2010/main" val="3083776964"/>
+      </p:ext>
+    </p:extLst>
+  </p:cSld>
+  <p:clrMapOvr>
+    <a:masterClrMapping/>
+  </p:clrMapOvr>
+</p:sld>
+</file>
+
+<file path=ppt/slides/slide18.xml><?xml version="1.0" encoding="utf-8"?>
+<p:sld xmlns:a="http://schemas.openxmlformats.org/drawingml/2006/main" xmlns:r="http://schemas.openxmlformats.org/officeDocument/2006/relationships" xmlns:p="http://schemas.openxmlformats.org/presentationml/2006/main">
+  <p:cSld>
+    <p:spTree>
+      <p:nvGrpSpPr>
+        <p:cNvPr id="1" name=""/>
+        <p:cNvGrpSpPr/>
+        <p:nvPr/>
+      </p:nvGrpSpPr>
+      <p:grpSpPr>
+        <a:xfrm>
+          <a:off x="0" y="0"/>
+          <a:ext cx="0" cy="0"/>
+          <a:chOff x="0" y="0"/>
+          <a:chExt cx="0" cy="0"/>
+        </a:xfrm>
+      </p:grpSpPr>
+      <p:sp>
+        <p:nvSpPr>
+          <p:cNvPr id="4" name="Titolo 3"/>
+          <p:cNvSpPr>
+            <a:spLocks noGrp="1"/>
+          </p:cNvSpPr>
+          <p:nvPr>
+            <p:ph type="title"/>
+          </p:nvPr>
+        </p:nvSpPr>
+        <p:spPr>
+          <a:xfrm>
             <a:off x="818944" y="180754"/>
             <a:ext cx="8911687" cy="807332"/>
           </a:xfrm>
@@ -6195,9 +6946,14 @@
           <a:lstStyle/>
           <a:p>
             <a:r>
-              <a:rPr lang="it-IT" dirty="0"/>
-              <a:t>Risultati</a:t>
-            </a:r>
+              <a:rPr lang="it-IT" dirty="0" err="1" smtClean="0"/>
+              <a:t>Backtest</a:t>
+            </a:r>
+            <a:r>
+              <a:rPr lang="it-IT" dirty="0" smtClean="0"/>
+              <a:t> dei portafogli</a:t>
+            </a:r>
+            <a:endParaRPr lang="it-IT" dirty="0"/>
           </a:p>
         </p:txBody>
       </p:sp>
@@ -6241,92 +6997,13 @@
   <p:clrMapOvr>
     <a:masterClrMapping/>
   </p:clrMapOvr>
-</p:sld>
-</file>
-
-<file path=ppt/slides/slide18.xml><?xml version="1.0" encoding="utf-8"?>
-<p:sld xmlns:a="http://schemas.openxmlformats.org/drawingml/2006/main" xmlns:r="http://schemas.openxmlformats.org/officeDocument/2006/relationships" xmlns:p="http://schemas.openxmlformats.org/presentationml/2006/main">
-  <p:cSld>
-    <p:spTree>
-      <p:nvGrpSpPr>
-        <p:cNvPr id="1" name=""/>
-        <p:cNvGrpSpPr/>
-        <p:nvPr/>
-      </p:nvGrpSpPr>
-      <p:grpSpPr>
-        <a:xfrm>
-          <a:off x="0" y="0"/>
-          <a:ext cx="0" cy="0"/>
-          <a:chOff x="0" y="0"/>
-          <a:chExt cx="0" cy="0"/>
-        </a:xfrm>
-      </p:grpSpPr>
-      <p:sp>
-        <p:nvSpPr>
-          <p:cNvPr id="4" name="Titolo 3"/>
-          <p:cNvSpPr>
-            <a:spLocks noGrp="1"/>
-          </p:cNvSpPr>
-          <p:nvPr>
-            <p:ph type="title"/>
-          </p:nvPr>
-        </p:nvSpPr>
-        <p:spPr>
-          <a:xfrm>
-            <a:off x="1058123" y="329610"/>
-            <a:ext cx="8911687" cy="739818"/>
-          </a:xfrm>
-        </p:spPr>
-        <p:txBody>
-          <a:bodyPr/>
-          <a:lstStyle/>
-          <a:p>
-            <a:r>
-              <a:rPr lang="it-IT" dirty="0"/>
-              <a:t>Risultati</a:t>
-            </a:r>
-          </a:p>
-        </p:txBody>
-      </p:sp>
-      <p:pic>
-        <p:nvPicPr>
-          <p:cNvPr id="9" name="Immagine 8"/>
-          <p:cNvPicPr>
-            <a:picLocks noChangeAspect="1"/>
-          </p:cNvPicPr>
-          <p:nvPr/>
-        </p:nvPicPr>
-        <p:blipFill rotWithShape="1">
-          <a:blip r:embed="rId2">
-            <a:extLst>
-              <a:ext uri="{28A0092B-C50C-407E-A947-70E740481C1C}">
-                <a14:useLocalDpi xmlns:a14="http://schemas.microsoft.com/office/drawing/2010/main" val="0"/>
-              </a:ext>
-            </a:extLst>
-          </a:blip>
-          <a:srcRect l="7946" t="7385" r="8764" b="6297"/>
-          <a:stretch/>
-        </p:blipFill>
-        <p:spPr>
-          <a:xfrm>
-            <a:off x="1922734" y="1205948"/>
-            <a:ext cx="8346531" cy="5189920"/>
-          </a:xfrm>
-          <a:prstGeom prst="rect">
-            <a:avLst/>
-          </a:prstGeom>
-        </p:spPr>
-      </p:pic>
-    </p:spTree>
-    <p:extLst>
-      <p:ext uri="{BB962C8B-B14F-4D97-AF65-F5344CB8AC3E}">
-        <p14:creationId xmlns:p14="http://schemas.microsoft.com/office/powerpoint/2010/main" val="573549609"/>
-      </p:ext>
-    </p:extLst>
-  </p:cSld>
-  <p:clrMapOvr>
-    <a:masterClrMapping/>
-  </p:clrMapOvr>
+  <p:timing>
+    <p:tnLst>
+      <p:par>
+        <p:cTn id="1" dur="indefinite" restart="never" nodeType="tmRoot"/>
+      </p:par>
+    </p:tnLst>
+  </p:timing>
 </p:sld>
 </file>
 
@@ -6359,7 +7036,7 @@
         </p:nvSpPr>
         <p:spPr>
           <a:xfrm>
-            <a:off x="511227" y="790450"/>
+            <a:off x="1058123" y="329610"/>
             <a:ext cx="8911687" cy="739818"/>
           </a:xfrm>
         </p:spPr>
@@ -6368,96 +7045,64 @@
           <a:lstStyle/>
           <a:p>
             <a:r>
-              <a:rPr lang="it-IT" dirty="0"/>
-              <a:t>Risultati</a:t>
-            </a:r>
+              <a:rPr lang="it-IT" dirty="0" err="1" smtClean="0"/>
+              <a:t>Backtest</a:t>
+            </a:r>
+            <a:r>
+              <a:rPr lang="it-IT" dirty="0" smtClean="0"/>
+              <a:t> dei portafogli</a:t>
+            </a:r>
+            <a:endParaRPr lang="it-IT" dirty="0"/>
           </a:p>
         </p:txBody>
       </p:sp>
       <p:pic>
         <p:nvPicPr>
-          <p:cNvPr id="6" name="Immagine 5">
-            <a:extLst>
-              <a:ext uri="{FF2B5EF4-FFF2-40B4-BE49-F238E27FC236}">
-                <a16:creationId xmlns:a16="http://schemas.microsoft.com/office/drawing/2014/main" id="{2017ABC1-E0F1-4D95-A686-C3C329055D6F}"/>
-              </a:ext>
-            </a:extLst>
-          </p:cNvPr>
+          <p:cNvPr id="9" name="Immagine 8"/>
           <p:cNvPicPr>
             <a:picLocks noChangeAspect="1"/>
           </p:cNvPicPr>
           <p:nvPr/>
         </p:nvPicPr>
         <p:blipFill>
-          <a:blip r:embed="rId2"/>
+          <a:blip r:embed="rId2">
+            <a:extLst>
+              <a:ext uri="{28A0092B-C50C-407E-A947-70E740481C1C}">
+                <a14:useLocalDpi xmlns:a14="http://schemas.microsoft.com/office/drawing/2010/main" val="0"/>
+              </a:ext>
+            </a:extLst>
+          </a:blip>
           <a:stretch>
             <a:fillRect/>
           </a:stretch>
         </p:blipFill>
         <p:spPr>
           <a:xfrm>
-            <a:off x="511226" y="2771254"/>
-            <a:ext cx="10673609" cy="1748503"/>
+            <a:off x="1664855" y="1134727"/>
+            <a:ext cx="9000000" cy="5400000"/>
           </a:xfrm>
           <a:prstGeom prst="rect">
             <a:avLst/>
           </a:prstGeom>
         </p:spPr>
       </p:pic>
-      <p:sp>
-        <p:nvSpPr>
-          <p:cNvPr id="9" name="CasellaDiTesto 8">
-            <a:extLst>
-              <a:ext uri="{FF2B5EF4-FFF2-40B4-BE49-F238E27FC236}">
-                <a16:creationId xmlns:a16="http://schemas.microsoft.com/office/drawing/2014/main" id="{7C995CD4-24D0-4CF3-8D00-4A60E5B96143}"/>
-              </a:ext>
-            </a:extLst>
-          </p:cNvPr>
-          <p:cNvSpPr txBox="1"/>
-          <p:nvPr/>
-        </p:nvSpPr>
-        <p:spPr>
-          <a:xfrm>
-            <a:off x="622852" y="2305878"/>
-            <a:ext cx="4174435" cy="369332"/>
-          </a:xfrm>
-          <a:prstGeom prst="rect">
-            <a:avLst/>
-          </a:prstGeom>
-          <a:noFill/>
-        </p:spPr>
-        <p:txBody>
-          <a:bodyPr wrap="square" rtlCol="0">
-            <a:spAutoFit/>
-          </a:bodyPr>
-          <a:lstStyle/>
-          <a:p>
-            <a:r>
-              <a:rPr lang="it-IT" dirty="0" err="1"/>
-              <a:t>Summary</a:t>
-            </a:r>
-            <a:r>
-              <a:rPr lang="it-IT" dirty="0"/>
-              <a:t> </a:t>
-            </a:r>
-            <a:r>
-              <a:rPr lang="it-IT" dirty="0" err="1"/>
-              <a:t>statistics</a:t>
-            </a:r>
-            <a:endParaRPr lang="it-IT" dirty="0"/>
-          </a:p>
-        </p:txBody>
-      </p:sp>
     </p:spTree>
     <p:extLst>
       <p:ext uri="{BB962C8B-B14F-4D97-AF65-F5344CB8AC3E}">
-        <p14:creationId xmlns:p14="http://schemas.microsoft.com/office/powerpoint/2010/main" val="3157654564"/>
+        <p14:creationId xmlns:p14="http://schemas.microsoft.com/office/powerpoint/2010/main" val="573549609"/>
       </p:ext>
     </p:extLst>
   </p:cSld>
   <p:clrMapOvr>
     <a:masterClrMapping/>
   </p:clrMapOvr>
+  <p:timing>
+    <p:tnLst>
+      <p:par>
+        <p:cTn id="1" dur="indefinite" restart="never" nodeType="tmRoot"/>
+      </p:par>
+    </p:tnLst>
+  </p:timing>
 </p:sld>
 </file>
 
@@ -6526,9 +7171,10 @@
           </a:lstStyle>
           <a:p>
             <a:r>
-              <a:rPr lang="it-IT" dirty="0"/>
+              <a:rPr lang="it-IT" dirty="0" smtClean="0"/>
               <a:t>INDICE</a:t>
             </a:r>
+            <a:endParaRPr lang="it-IT" dirty="0"/>
           </a:p>
         </p:txBody>
       </p:sp>
@@ -6732,81 +7378,103 @@
           <a:p>
             <a:r>
               <a:rPr lang="it-IT" sz="2400" spc="30" dirty="0"/>
-              <a:t>Sviluppo del lavoro</a:t>
+              <a:t>Sviluppo del </a:t>
+            </a:r>
+            <a:r>
+              <a:rPr lang="it-IT" sz="2400" spc="30" dirty="0" smtClean="0"/>
+              <a:t>lavoro</a:t>
+            </a:r>
+          </a:p>
+          <a:p>
+            <a:r>
+              <a:rPr lang="it-IT" sz="2400" spc="30" dirty="0" smtClean="0"/>
+              <a:t>Allocazione di portafoglio</a:t>
+            </a:r>
+          </a:p>
+          <a:p>
+            <a:r>
+              <a:rPr lang="it-IT" sz="2400" spc="30" dirty="0" smtClean="0"/>
+              <a:t>Portafoglio di tangenza</a:t>
+            </a:r>
+            <a:endParaRPr lang="it-IT" sz="2400" spc="30" dirty="0"/>
+          </a:p>
+          <a:p>
+            <a:r>
+              <a:rPr lang="it-IT" sz="2400" i="1" spc="30" dirty="0" smtClean="0"/>
+              <a:t>K-</a:t>
+            </a:r>
+            <a:r>
+              <a:rPr lang="it-IT" sz="2400" i="1" spc="30" dirty="0" err="1" smtClean="0"/>
+              <a:t>Means</a:t>
+            </a:r>
+            <a:endParaRPr lang="it-IT" sz="2400" i="1" spc="30" dirty="0" smtClean="0"/>
+          </a:p>
+          <a:p>
+            <a:r>
+              <a:rPr lang="it-IT" sz="2400" i="1" spc="30" dirty="0" err="1"/>
+              <a:t>Hierarchical</a:t>
+            </a:r>
+            <a:r>
+              <a:rPr lang="it-IT" sz="2400" i="1" spc="30" dirty="0"/>
+              <a:t> </a:t>
+            </a:r>
+            <a:r>
+              <a:rPr lang="it-IT" sz="2400" i="1" spc="30" dirty="0" err="1"/>
+              <a:t>Risk</a:t>
+            </a:r>
+            <a:r>
+              <a:rPr lang="it-IT" sz="2400" i="1" spc="30" dirty="0"/>
+              <a:t> </a:t>
+            </a:r>
+            <a:r>
+              <a:rPr lang="it-IT" sz="2400" i="1" spc="30" dirty="0" err="1" smtClean="0"/>
+              <a:t>Parity</a:t>
+            </a:r>
+            <a:endParaRPr lang="it-IT" sz="2400" i="1" spc="30" dirty="0"/>
+          </a:p>
+          <a:p>
+            <a:r>
+              <a:rPr lang="it-IT" sz="2400" i="1" spc="30" dirty="0" err="1"/>
+              <a:t>Bounded</a:t>
+            </a:r>
+            <a:r>
+              <a:rPr lang="it-IT" sz="2400" i="1" spc="30" dirty="0"/>
+              <a:t> </a:t>
+            </a:r>
+            <a:r>
+              <a:rPr lang="it-IT" sz="2400" i="1" spc="30" dirty="0" smtClean="0"/>
+              <a:t>K-</a:t>
+            </a:r>
+            <a:r>
+              <a:rPr lang="it-IT" sz="2400" i="1" spc="30" dirty="0" err="1" smtClean="0"/>
+              <a:t>Means</a:t>
+            </a:r>
+            <a:endParaRPr lang="it-IT" sz="2400" i="1" spc="30" dirty="0"/>
+          </a:p>
+          <a:p>
+            <a:r>
+              <a:rPr lang="it-IT" sz="2400" i="1" spc="30" dirty="0" err="1" smtClean="0"/>
+              <a:t>Backtest</a:t>
+            </a:r>
+            <a:r>
+              <a:rPr lang="it-IT" sz="2400" spc="30" dirty="0" smtClean="0"/>
+              <a:t> dei </a:t>
+            </a:r>
+            <a:r>
+              <a:rPr lang="it-IT" sz="2400" spc="30" dirty="0" smtClean="0"/>
+              <a:t>portafogli</a:t>
             </a:r>
           </a:p>
           <a:p>
             <a:r>
               <a:rPr lang="it-IT" sz="2400" spc="30" dirty="0"/>
-              <a:t>Allocazione di portafoglio</a:t>
-            </a:r>
-          </a:p>
-          <a:p>
-            <a:r>
-              <a:rPr lang="it-IT" sz="2400" spc="30" dirty="0"/>
-              <a:t>Portafoglio di tangenza</a:t>
-            </a:r>
-          </a:p>
-          <a:p>
-            <a:r>
-              <a:rPr lang="it-IT" sz="2400" spc="30" dirty="0"/>
-              <a:t>K-</a:t>
-            </a:r>
-            <a:r>
-              <a:rPr lang="it-IT" sz="2400" spc="30" dirty="0" err="1"/>
-              <a:t>Means</a:t>
+              <a:t>Valutazione degli algoritmi di </a:t>
+            </a:r>
+            <a:r>
+              <a:rPr lang="it-IT" sz="2400" i="1" spc="30" dirty="0" err="1"/>
+              <a:t>clustering</a:t>
             </a:r>
             <a:endParaRPr lang="it-IT" sz="2400" spc="30" dirty="0"/>
-          </a:p>
-          <a:p>
-            <a:r>
-              <a:rPr lang="it-IT" sz="2400" spc="30" dirty="0" err="1"/>
-              <a:t>Hierarchical</a:t>
-            </a:r>
-            <a:r>
-              <a:rPr lang="it-IT" sz="2400" spc="30" dirty="0"/>
-              <a:t> </a:t>
-            </a:r>
-            <a:r>
-              <a:rPr lang="it-IT" sz="2400" spc="30" dirty="0" err="1"/>
-              <a:t>Risk</a:t>
-            </a:r>
-            <a:r>
-              <a:rPr lang="it-IT" sz="2400" spc="30" dirty="0"/>
-              <a:t> </a:t>
-            </a:r>
-            <a:r>
-              <a:rPr lang="it-IT" sz="2400" spc="30" dirty="0" err="1"/>
-              <a:t>Parity</a:t>
-            </a:r>
-            <a:endParaRPr lang="it-IT" sz="2400" spc="30" dirty="0"/>
-          </a:p>
-          <a:p>
-            <a:r>
-              <a:rPr lang="it-IT" sz="2400" spc="30" dirty="0" err="1"/>
-              <a:t>Bounded</a:t>
-            </a:r>
-            <a:r>
-              <a:rPr lang="it-IT" sz="2400" spc="30" dirty="0"/>
-              <a:t> K-</a:t>
-            </a:r>
-            <a:r>
-              <a:rPr lang="it-IT" sz="2400" spc="30" dirty="0" err="1"/>
-              <a:t>Means</a:t>
-            </a:r>
-            <a:endParaRPr lang="it-IT" sz="2400" spc="30" dirty="0"/>
-          </a:p>
-          <a:p>
-            <a:r>
-              <a:rPr lang="it-IT" sz="2400" spc="30" dirty="0"/>
-              <a:t>Risultati </a:t>
-            </a:r>
-          </a:p>
-          <a:p>
-            <a:r>
-              <a:rPr lang="it-IT" sz="2400" spc="30" dirty="0"/>
-              <a:t>Valutazione cluster</a:t>
-            </a:r>
           </a:p>
           <a:p>
             <a:r>
@@ -6829,6 +7497,13 @@
   <p:clrMapOvr>
     <a:masterClrMapping/>
   </p:clrMapOvr>
+  <p:timing>
+    <p:tnLst>
+      <p:par>
+        <p:cTn id="1" dur="indefinite" restart="never" nodeType="tmRoot"/>
+      </p:par>
+    </p:tnLst>
+  </p:timing>
 </p:sld>
 </file>
 
@@ -6861,8 +7536,8 @@
         </p:nvSpPr>
         <p:spPr>
           <a:xfrm>
-            <a:off x="528038" y="313371"/>
-            <a:ext cx="8911687" cy="739818"/>
+            <a:off x="905164" y="790450"/>
+            <a:ext cx="8517750" cy="739818"/>
           </a:xfrm>
         </p:spPr>
         <p:txBody>
@@ -6870,18 +7545,23 @@
           <a:lstStyle/>
           <a:p>
             <a:r>
+              <a:rPr lang="it-IT" dirty="0" err="1"/>
+              <a:t>Backtest</a:t>
+            </a:r>
+            <a:r>
               <a:rPr lang="it-IT" dirty="0"/>
-              <a:t>Valutazione cluster</a:t>
-            </a:r>
+              <a:t> dei portafogli</a:t>
+            </a:r>
+            <a:endParaRPr lang="it-IT" dirty="0"/>
           </a:p>
         </p:txBody>
       </p:sp>
       <p:pic>
         <p:nvPicPr>
-          <p:cNvPr id="3" name="Immagine 2">
+          <p:cNvPr id="6" name="Immagine 5">
             <a:extLst>
               <a:ext uri="{FF2B5EF4-FFF2-40B4-BE49-F238E27FC236}">
-                <a16:creationId xmlns:a16="http://schemas.microsoft.com/office/drawing/2014/main" id="{873F7BD2-1941-40A7-BAA1-CF8CCF29BC20}"/>
+                <a16:creationId xmlns:a16="http://schemas.microsoft.com/office/drawing/2014/main" id="{2017ABC1-E0F1-4D95-A686-C3C329055D6F}"/>
               </a:ext>
             </a:extLst>
           </p:cNvPr>
@@ -6898,162 +7578,8 @@
         </p:blipFill>
         <p:spPr>
           <a:xfrm>
-            <a:off x="2306172" y="5000449"/>
-            <a:ext cx="7579653" cy="1224170"/>
-          </a:xfrm>
-          <a:prstGeom prst="rect">
-            <a:avLst/>
-          </a:prstGeom>
-        </p:spPr>
-      </p:pic>
-      <p:sp>
-        <p:nvSpPr>
-          <p:cNvPr id="5" name="CasellaDiTesto 4">
-            <a:extLst>
-              <a:ext uri="{FF2B5EF4-FFF2-40B4-BE49-F238E27FC236}">
-                <a16:creationId xmlns:a16="http://schemas.microsoft.com/office/drawing/2014/main" id="{71DD9C72-A6C6-4BA8-B0B1-1EA5E77ABE67}"/>
-              </a:ext>
-            </a:extLst>
-          </p:cNvPr>
-          <p:cNvSpPr txBox="1"/>
-          <p:nvPr/>
-        </p:nvSpPr>
-        <p:spPr>
-          <a:xfrm>
-            <a:off x="528038" y="1645980"/>
-            <a:ext cx="8350919" cy="923330"/>
-          </a:xfrm>
-          <a:prstGeom prst="rect">
-            <a:avLst/>
-          </a:prstGeom>
-          <a:noFill/>
-        </p:spPr>
-        <p:txBody>
-          <a:bodyPr wrap="square" rtlCol="0">
-            <a:spAutoFit/>
-          </a:bodyPr>
-          <a:lstStyle/>
-          <a:p>
-            <a:pPr marL="285750" indent="-285750">
-              <a:buFont typeface="Arial" panose="020B0604020202020204" pitchFamily="34" charset="0"/>
-              <a:buChar char="•"/>
-            </a:pPr>
-            <a:r>
-              <a:rPr lang="it-IT" dirty="0"/>
-              <a:t>Il Silhouette </a:t>
-            </a:r>
-            <a:r>
-              <a:rPr lang="it-IT" dirty="0" err="1"/>
-              <a:t>coefficient</a:t>
-            </a:r>
-            <a:r>
-              <a:rPr lang="it-IT" dirty="0"/>
-              <a:t> è una misura di quanto un punto appartenga al proprio cluster (coesione, a) comparato rispetto agli altri cluster (separazione, b). Il suo valore è compreso fra -1 e +1.</a:t>
-            </a:r>
-          </a:p>
-        </p:txBody>
-      </p:sp>
-      <p:pic>
-        <p:nvPicPr>
-          <p:cNvPr id="7" name="Immagine 6">
-            <a:extLst>
-              <a:ext uri="{FF2B5EF4-FFF2-40B4-BE49-F238E27FC236}">
-                <a16:creationId xmlns:a16="http://schemas.microsoft.com/office/drawing/2014/main" id="{5522956A-3037-4D16-A254-F95E38899B6F}"/>
-              </a:ext>
-            </a:extLst>
-          </p:cNvPr>
-          <p:cNvPicPr>
-            <a:picLocks noChangeAspect="1"/>
-          </p:cNvPicPr>
-          <p:nvPr/>
-        </p:nvPicPr>
-        <p:blipFill>
-          <a:blip r:embed="rId3"/>
-          <a:stretch>
-            <a:fillRect/>
-          </a:stretch>
-        </p:blipFill>
-        <p:spPr>
-          <a:xfrm>
-            <a:off x="8919038" y="1784479"/>
-            <a:ext cx="2056508" cy="646331"/>
-          </a:xfrm>
-          <a:prstGeom prst="rect">
-            <a:avLst/>
-          </a:prstGeom>
-        </p:spPr>
-      </p:pic>
-      <p:sp>
-        <p:nvSpPr>
-          <p:cNvPr id="8" name="CasellaDiTesto 7">
-            <a:extLst>
-              <a:ext uri="{FF2B5EF4-FFF2-40B4-BE49-F238E27FC236}">
-                <a16:creationId xmlns:a16="http://schemas.microsoft.com/office/drawing/2014/main" id="{4C9DE3B0-21ED-4138-8830-0423A0654D6C}"/>
-              </a:ext>
-            </a:extLst>
-          </p:cNvPr>
-          <p:cNvSpPr txBox="1"/>
-          <p:nvPr/>
-        </p:nvSpPr>
-        <p:spPr>
-          <a:xfrm>
-            <a:off x="528038" y="3464906"/>
-            <a:ext cx="8134708" cy="923330"/>
-          </a:xfrm>
-          <a:prstGeom prst="rect">
-            <a:avLst/>
-          </a:prstGeom>
-          <a:noFill/>
-        </p:spPr>
-        <p:txBody>
-          <a:bodyPr wrap="square" rtlCol="0">
-            <a:spAutoFit/>
-          </a:bodyPr>
-          <a:lstStyle/>
-          <a:p>
-            <a:pPr marL="285750" indent="-285750">
-              <a:buFont typeface="Arial" panose="020B0604020202020204" pitchFamily="34" charset="0"/>
-              <a:buChar char="•"/>
-            </a:pPr>
-            <a:r>
-              <a:rPr lang="it-IT" dirty="0"/>
-              <a:t>L’indice di </a:t>
-            </a:r>
-            <a:r>
-              <a:rPr lang="it-IT" dirty="0" err="1"/>
-              <a:t>Calinski-Harabasz</a:t>
-            </a:r>
-            <a:r>
-              <a:rPr lang="it-IT" dirty="0"/>
-              <a:t> è dato dal rapporto tra le medie della dispersione infra-cluster e della dispersione intra-cluster. Più il suo valore è alto, migliore è la performance del cluster.</a:t>
-            </a:r>
-          </a:p>
-        </p:txBody>
-      </p:sp>
-      <p:pic>
-        <p:nvPicPr>
-          <p:cNvPr id="11" name="Immagine 10">
-            <a:extLst>
-              <a:ext uri="{FF2B5EF4-FFF2-40B4-BE49-F238E27FC236}">
-                <a16:creationId xmlns:a16="http://schemas.microsoft.com/office/drawing/2014/main" id="{3414C069-4FB5-45B7-AB08-53D849C5574A}"/>
-              </a:ext>
-            </a:extLst>
-          </p:cNvPr>
-          <p:cNvPicPr>
-            <a:picLocks noChangeAspect="1"/>
-          </p:cNvPicPr>
-          <p:nvPr/>
-        </p:nvPicPr>
-        <p:blipFill>
-          <a:blip r:embed="rId4"/>
-          <a:stretch>
-            <a:fillRect/>
-          </a:stretch>
-        </p:blipFill>
-        <p:spPr>
-          <a:xfrm>
-            <a:off x="8919038" y="3655108"/>
-            <a:ext cx="1933575" cy="542925"/>
+            <a:off x="701964" y="2771254"/>
+            <a:ext cx="10353963" cy="1782273"/>
           </a:xfrm>
           <a:prstGeom prst="rect">
             <a:avLst/>
@@ -7063,7 +7589,7 @@
     </p:spTree>
     <p:extLst>
       <p:ext uri="{BB962C8B-B14F-4D97-AF65-F5344CB8AC3E}">
-        <p14:creationId xmlns:p14="http://schemas.microsoft.com/office/powerpoint/2010/main" val="682774244"/>
+        <p14:creationId xmlns:p14="http://schemas.microsoft.com/office/powerpoint/2010/main" val="994975074"/>
       </p:ext>
     </p:extLst>
   </p:cSld>
@@ -7111,9 +7637,10 @@
           <a:lstStyle/>
           <a:p>
             <a:r>
-              <a:rPr lang="it-IT" dirty="0"/>
+              <a:rPr lang="it-IT" dirty="0" smtClean="0"/>
               <a:t>Conclusioni e possibili sviluppi</a:t>
             </a:r>
+            <a:endParaRPr lang="it-IT" dirty="0"/>
           </a:p>
         </p:txBody>
       </p:sp>
@@ -7141,76 +7668,88 @@
           <a:p>
             <a:r>
               <a:rPr lang="it-IT" dirty="0"/>
-              <a:t>É stato dimostrato che gli algoritmi di </a:t>
-            </a:r>
-            <a:r>
-              <a:rPr lang="it-IT" i="1" dirty="0" err="1"/>
-              <a:t>clustering</a:t>
-            </a:r>
-            <a:r>
-              <a:rPr lang="it-IT" i="1" dirty="0"/>
-              <a:t> </a:t>
-            </a:r>
-            <a:r>
-              <a:rPr lang="it-IT" dirty="0"/>
-              <a:t>possono essere utilizzati per costruire portafogli diversificati che evidenziano una buona </a:t>
-            </a:r>
-            <a:r>
-              <a:rPr lang="it-IT" i="1" dirty="0"/>
-              <a:t>performance</a:t>
+              <a:t>É</a:t>
+            </a:r>
+            <a:r>
+              <a:rPr lang="it-IT" dirty="0" smtClean="0"/>
+              <a:t> stato dimostrato che</a:t>
             </a:r>
             <a:r>
               <a:rPr lang="it-IT" dirty="0"/>
               <a:t> </a:t>
             </a:r>
             <a:r>
-              <a:rPr lang="it-IT" i="1" dirty="0"/>
+              <a:rPr lang="it-IT" dirty="0" smtClean="0"/>
+              <a:t>gli algoritmi di </a:t>
+            </a:r>
+            <a:r>
+              <a:rPr lang="it-IT" i="1" dirty="0" err="1" smtClean="0"/>
+              <a:t>clustering</a:t>
+            </a:r>
+            <a:r>
+              <a:rPr lang="it-IT" i="1" dirty="0" smtClean="0"/>
+              <a:t> </a:t>
+            </a:r>
+            <a:r>
+              <a:rPr lang="it-IT" dirty="0" smtClean="0"/>
+              <a:t>possono essere utilizzati per costruire portafogli diversificati che evidenziano una buona </a:t>
+            </a:r>
+            <a:r>
+              <a:rPr lang="it-IT" i="1" dirty="0" smtClean="0"/>
+              <a:t>performance</a:t>
+            </a:r>
+            <a:r>
+              <a:rPr lang="it-IT" dirty="0" smtClean="0"/>
+              <a:t> </a:t>
+            </a:r>
+            <a:r>
+              <a:rPr lang="it-IT" i="1" dirty="0" smtClean="0"/>
               <a:t>out of sample</a:t>
             </a:r>
             <a:r>
-              <a:rPr lang="it-IT" dirty="0"/>
+              <a:rPr lang="it-IT" dirty="0" smtClean="0"/>
               <a:t>. </a:t>
             </a:r>
           </a:p>
           <a:p>
             <a:r>
-              <a:rPr lang="it-IT" dirty="0"/>
+              <a:rPr lang="it-IT" dirty="0" smtClean="0"/>
               <a:t>Nell’ultimo anno, il portafoglio </a:t>
             </a:r>
             <a:r>
-              <a:rPr lang="it-IT" i="1" dirty="0" err="1"/>
+              <a:rPr lang="it-IT" i="1" dirty="0" err="1" smtClean="0"/>
               <a:t>Bounded</a:t>
             </a:r>
             <a:r>
-              <a:rPr lang="it-IT" i="1" dirty="0"/>
+              <a:rPr lang="it-IT" i="1" dirty="0" smtClean="0"/>
               <a:t> K-</a:t>
             </a:r>
             <a:r>
-              <a:rPr lang="it-IT" i="1" dirty="0" err="1"/>
+              <a:rPr lang="it-IT" i="1" dirty="0" err="1" smtClean="0"/>
               <a:t>Means</a:t>
             </a:r>
             <a:r>
-              <a:rPr lang="it-IT" dirty="0"/>
+              <a:rPr lang="it-IT" dirty="0" smtClean="0"/>
               <a:t> avrebbe garantito l’</a:t>
             </a:r>
             <a:r>
-              <a:rPr lang="it-IT" dirty="0" err="1"/>
+              <a:rPr lang="it-IT" dirty="0" err="1" smtClean="0"/>
               <a:t>extrarendimento</a:t>
             </a:r>
             <a:r>
-              <a:rPr lang="it-IT" dirty="0"/>
+              <a:rPr lang="it-IT" dirty="0" smtClean="0"/>
               <a:t> maggiore, mentre il portafoglio di tangenza avrebbe dato luogo allo </a:t>
             </a:r>
             <a:r>
-              <a:rPr lang="it-IT" i="1" dirty="0" err="1"/>
+              <a:rPr lang="it-IT" i="1" dirty="0" err="1" smtClean="0"/>
               <a:t>Sharpe</a:t>
             </a:r>
             <a:r>
-              <a:rPr lang="it-IT" i="1" dirty="0"/>
+              <a:rPr lang="it-IT" i="1" dirty="0" smtClean="0"/>
               <a:t> Ratio</a:t>
             </a:r>
             <a:r>
-              <a:rPr lang="it-IT" dirty="0"/>
+              <a:rPr lang="it-IT" dirty="0" smtClean="0"/>
               <a:t> più elevato. </a:t>
             </a:r>
           </a:p>
@@ -7219,123 +7758,131 @@
               <a:buNone/>
             </a:pPr>
             <a:r>
-              <a:rPr lang="it-IT" b="1" dirty="0"/>
+              <a:rPr lang="it-IT" b="1" dirty="0" smtClean="0"/>
               <a:t>Possibili estensioni del progetto: </a:t>
             </a:r>
           </a:p>
           <a:p>
             <a:r>
+              <a:rPr lang="it-IT" dirty="0" smtClean="0"/>
+              <a:t> Inclusione di titoli di Stato, obbligazioni </a:t>
+            </a:r>
+            <a:r>
+              <a:rPr lang="it-IT" i="1" dirty="0" smtClean="0"/>
+              <a:t>corporate </a:t>
+            </a:r>
+            <a:r>
+              <a:rPr lang="it-IT" dirty="0" smtClean="0"/>
+              <a:t>o indici </a:t>
+            </a:r>
+            <a:r>
               <a:rPr lang="it-IT" dirty="0"/>
-              <a:t> Inclusione di titoli di Stato, obbligazioni </a:t>
-            </a:r>
-            <a:r>
-              <a:rPr lang="it-IT" i="1" dirty="0"/>
-              <a:t>corporate </a:t>
-            </a:r>
-            <a:r>
-              <a:rPr lang="it-IT" dirty="0"/>
-              <a:t>o indici di mercato;</a:t>
-            </a:r>
-            <a:endParaRPr lang="it-IT" i="1" dirty="0"/>
-          </a:p>
-          <a:p>
-            <a:r>
-              <a:rPr lang="it-IT" dirty="0"/>
+              <a:t>di </a:t>
+            </a:r>
+            <a:r>
+              <a:rPr lang="it-IT" dirty="0" smtClean="0"/>
+              <a:t>mercato;</a:t>
+            </a:r>
+            <a:endParaRPr lang="it-IT" i="1" dirty="0" smtClean="0"/>
+          </a:p>
+          <a:p>
+            <a:r>
+              <a:rPr lang="it-IT" dirty="0" smtClean="0"/>
               <a:t>Utilizzo di una strategia di ottimizzazione che consenta di aprire posizioni </a:t>
             </a:r>
             <a:r>
-              <a:rPr lang="it-IT" i="1" dirty="0"/>
+              <a:rPr lang="it-IT" i="1" dirty="0" smtClean="0"/>
               <a:t>short;</a:t>
             </a:r>
           </a:p>
           <a:p>
             <a:r>
-              <a:rPr lang="it-IT" dirty="0"/>
+              <a:rPr lang="it-IT" dirty="0" smtClean="0"/>
               <a:t>Utilizzo di una strategia di ottimizzazione in media-varianza o di allocazione del rischio (</a:t>
             </a:r>
             <a:r>
-              <a:rPr lang="it-IT" i="1" dirty="0" err="1"/>
+              <a:rPr lang="it-IT" i="1" dirty="0" err="1" smtClean="0"/>
               <a:t>risk</a:t>
             </a:r>
             <a:r>
-              <a:rPr lang="it-IT" i="1" dirty="0"/>
+              <a:rPr lang="it-IT" i="1" dirty="0" smtClean="0"/>
               <a:t> </a:t>
             </a:r>
             <a:r>
-              <a:rPr lang="it-IT" i="1" dirty="0" err="1"/>
+              <a:rPr lang="it-IT" i="1" dirty="0" err="1" smtClean="0"/>
               <a:t>parity</a:t>
             </a:r>
             <a:r>
-              <a:rPr lang="it-IT" i="1" dirty="0"/>
+              <a:rPr lang="it-IT" i="1" dirty="0" smtClean="0"/>
               <a:t>, inverse </a:t>
             </a:r>
             <a:r>
-              <a:rPr lang="it-IT" i="1" dirty="0" err="1"/>
+              <a:rPr lang="it-IT" i="1" dirty="0" err="1" smtClean="0"/>
               <a:t>variance</a:t>
             </a:r>
             <a:r>
-              <a:rPr lang="it-IT" dirty="0"/>
+              <a:rPr lang="it-IT" dirty="0" smtClean="0"/>
               <a:t>) all’interno dei </a:t>
             </a:r>
             <a:r>
-              <a:rPr lang="it-IT" i="1" dirty="0"/>
+              <a:rPr lang="it-IT" i="1" dirty="0" smtClean="0"/>
               <a:t>cluster;</a:t>
             </a:r>
           </a:p>
           <a:p>
             <a:r>
-              <a:rPr lang="it-IT" dirty="0"/>
+              <a:rPr lang="it-IT" dirty="0" smtClean="0"/>
               <a:t>Utilizzo di altri algoritmi di</a:t>
             </a:r>
             <a:r>
-              <a:rPr lang="it-IT" i="1" dirty="0"/>
+              <a:rPr lang="it-IT" i="1" dirty="0" smtClean="0"/>
               <a:t> </a:t>
             </a:r>
             <a:r>
-              <a:rPr lang="it-IT" i="1" dirty="0" err="1"/>
+              <a:rPr lang="it-IT" i="1" dirty="0" err="1" smtClean="0"/>
               <a:t>clustering</a:t>
             </a:r>
             <a:r>
-              <a:rPr lang="it-IT" i="1" dirty="0"/>
+              <a:rPr lang="it-IT" i="1" dirty="0" smtClean="0"/>
               <a:t>;</a:t>
             </a:r>
           </a:p>
           <a:p>
             <a:r>
-              <a:rPr lang="it-IT" i="1" dirty="0" err="1"/>
+              <a:rPr lang="it-IT" i="1" dirty="0" err="1" smtClean="0"/>
               <a:t>Backtest</a:t>
             </a:r>
             <a:r>
-              <a:rPr lang="it-IT" i="1" dirty="0"/>
+              <a:rPr lang="it-IT" i="1" dirty="0" smtClean="0"/>
               <a:t> </a:t>
             </a:r>
             <a:r>
-              <a:rPr lang="it-IT" dirty="0"/>
+              <a:rPr lang="it-IT" dirty="0" smtClean="0"/>
               <a:t>dei portafogli su fasi rialziste del mercato e/o su fasi ribassiste precedenti (crisi finanziaria, crisi del debito sovrano);</a:t>
             </a:r>
           </a:p>
           <a:p>
             <a:r>
-              <a:rPr lang="it-IT" dirty="0"/>
+              <a:rPr lang="it-IT" dirty="0" smtClean="0"/>
               <a:t>Verifica di come la scelta del numero ottimale di </a:t>
             </a:r>
             <a:r>
-              <a:rPr lang="it-IT" i="1" dirty="0"/>
+              <a:rPr lang="it-IT" i="1" dirty="0" smtClean="0"/>
               <a:t>cluster</a:t>
             </a:r>
             <a:r>
-              <a:rPr lang="it-IT" dirty="0"/>
+              <a:rPr lang="it-IT" dirty="0" smtClean="0"/>
               <a:t> influenzi la </a:t>
             </a:r>
             <a:r>
-              <a:rPr lang="it-IT" i="1" dirty="0"/>
+              <a:rPr lang="it-IT" i="1" dirty="0" smtClean="0"/>
               <a:t>performance</a:t>
             </a:r>
             <a:r>
-              <a:rPr lang="it-IT" dirty="0"/>
+              <a:rPr lang="it-IT" dirty="0" smtClean="0"/>
               <a:t> dei portafogli. </a:t>
             </a:r>
-            <a:endParaRPr lang="it-IT" i="1" dirty="0"/>
+            <a:endParaRPr lang="it-IT" i="1" dirty="0" smtClean="0"/>
           </a:p>
         </p:txBody>
       </p:sp>
@@ -7349,6 +7896,13 @@
   <p:clrMapOvr>
     <a:masterClrMapping/>
   </p:clrMapOvr>
+  <p:timing>
+    <p:tnLst>
+      <p:par>
+        <p:cTn id="1" dur="indefinite" restart="never" nodeType="tmRoot"/>
+      </p:par>
+    </p:tnLst>
+  </p:timing>
 </p:sld>
 </file>
 
@@ -7390,9 +7944,10 @@
           <a:lstStyle/>
           <a:p>
             <a:r>
-              <a:rPr lang="it-IT" dirty="0"/>
+              <a:rPr lang="it-IT" dirty="0" smtClean="0"/>
               <a:t>Riferimenti bibliografici</a:t>
             </a:r>
+            <a:endParaRPr lang="it-IT" dirty="0"/>
           </a:p>
         </p:txBody>
       </p:sp>
@@ -7409,7 +7964,7 @@
         <p:spPr>
           <a:xfrm>
             <a:off x="834838" y="1242182"/>
-            <a:ext cx="10169860" cy="4581239"/>
+            <a:ext cx="10169860" cy="3653091"/>
           </a:xfrm>
         </p:spPr>
         <p:txBody>
@@ -7419,171 +7974,238 @@
           <a:lstStyle/>
           <a:p>
             <a:r>
-              <a:rPr lang="it-IT" dirty="0"/>
+              <a:rPr lang="it-IT" dirty="0" smtClean="0"/>
               <a:t>De Prado, M. L. (2016). </a:t>
             </a:r>
             <a:r>
-              <a:rPr lang="it-IT" i="1" dirty="0"/>
+              <a:rPr lang="it-IT" i="1" dirty="0" smtClean="0"/>
               <a:t>Building </a:t>
             </a:r>
             <a:r>
-              <a:rPr lang="it-IT" i="1" dirty="0" err="1"/>
+              <a:rPr lang="it-IT" i="1" dirty="0" err="1" smtClean="0"/>
               <a:t>diversified</a:t>
             </a:r>
             <a:r>
-              <a:rPr lang="it-IT" i="1" dirty="0"/>
+              <a:rPr lang="it-IT" i="1" dirty="0" smtClean="0"/>
               <a:t> </a:t>
             </a:r>
             <a:r>
-              <a:rPr lang="it-IT" i="1" dirty="0" err="1"/>
+              <a:rPr lang="it-IT" i="1" dirty="0" err="1" smtClean="0"/>
               <a:t>portfolios</a:t>
             </a:r>
             <a:r>
-              <a:rPr lang="it-IT" i="1" dirty="0"/>
+              <a:rPr lang="it-IT" i="1" dirty="0" smtClean="0"/>
               <a:t> </a:t>
             </a:r>
             <a:r>
-              <a:rPr lang="it-IT" i="1" dirty="0" err="1"/>
+              <a:rPr lang="it-IT" i="1" dirty="0" err="1" smtClean="0"/>
               <a:t>that</a:t>
             </a:r>
             <a:r>
-              <a:rPr lang="it-IT" i="1" dirty="0"/>
+              <a:rPr lang="it-IT" i="1" dirty="0" smtClean="0"/>
               <a:t> </a:t>
             </a:r>
             <a:r>
-              <a:rPr lang="it-IT" i="1" dirty="0" err="1"/>
+              <a:rPr lang="it-IT" i="1" dirty="0" err="1" smtClean="0"/>
               <a:t>outperform</a:t>
             </a:r>
             <a:r>
-              <a:rPr lang="it-IT" i="1" dirty="0"/>
+              <a:rPr lang="it-IT" i="1" dirty="0" smtClean="0"/>
               <a:t> out of sample</a:t>
             </a:r>
             <a:r>
-              <a:rPr lang="it-IT" dirty="0"/>
+              <a:rPr lang="it-IT" dirty="0" smtClean="0"/>
               <a:t>. The Journal of Portfolio Management, 42(4), 59-69.</a:t>
             </a:r>
           </a:p>
           <a:p>
             <a:r>
-              <a:rPr lang="en-US" dirty="0" err="1"/>
+              <a:rPr lang="en-US" dirty="0" err="1" smtClean="0"/>
               <a:t>Ganganath</a:t>
             </a:r>
             <a:r>
-              <a:rPr lang="en-US" dirty="0"/>
+              <a:rPr lang="en-US" dirty="0" smtClean="0"/>
               <a:t>, N., Cheng, C. T., &amp; Chi, K. T. (2014). </a:t>
             </a:r>
             <a:r>
-              <a:rPr lang="en-US" i="1" dirty="0"/>
+              <a:rPr lang="en-US" i="1" dirty="0" smtClean="0"/>
               <a:t>Data clustering with cluster size constraints using a modified k-means algorithm</a:t>
             </a:r>
             <a:r>
-              <a:rPr lang="en-US" dirty="0"/>
+              <a:rPr lang="en-US" dirty="0" smtClean="0"/>
               <a:t>. In </a:t>
             </a:r>
             <a:r>
-              <a:rPr lang="en-US" i="1" dirty="0"/>
+              <a:rPr lang="en-US" i="1" dirty="0" smtClean="0"/>
               <a:t>2014 International Conference on Cyber-Enabled Distributed Computing and Knowledge Discovery</a:t>
             </a:r>
             <a:r>
-              <a:rPr lang="en-US" dirty="0"/>
+              <a:rPr lang="en-US" dirty="0" smtClean="0"/>
               <a:t> (pp. 158-161). IEEE.</a:t>
             </a:r>
-            <a:endParaRPr lang="it-IT" dirty="0"/>
-          </a:p>
-          <a:p>
-            <a:r>
-              <a:rPr lang="it-IT" dirty="0" err="1"/>
+            <a:endParaRPr lang="it-IT" dirty="0" smtClean="0"/>
+          </a:p>
+          <a:p>
+            <a:r>
+              <a:rPr lang="it-IT" dirty="0" err="1" smtClean="0"/>
               <a:t>Markowitz</a:t>
             </a:r>
             <a:r>
-              <a:rPr lang="it-IT" dirty="0"/>
+              <a:rPr lang="it-IT" dirty="0" smtClean="0"/>
               <a:t> H. (1959). </a:t>
             </a:r>
             <a:r>
-              <a:rPr lang="it-IT" i="1" dirty="0"/>
+              <a:rPr lang="it-IT" i="1" dirty="0" smtClean="0"/>
               <a:t>Portfolio </a:t>
             </a:r>
             <a:r>
-              <a:rPr lang="it-IT" i="1" dirty="0" err="1"/>
+              <a:rPr lang="it-IT" i="1" dirty="0" err="1" smtClean="0"/>
               <a:t>Selection</a:t>
             </a:r>
             <a:r>
-              <a:rPr lang="it-IT" i="1" dirty="0"/>
+              <a:rPr lang="it-IT" i="1" dirty="0" smtClean="0"/>
               <a:t>: </a:t>
             </a:r>
             <a:r>
-              <a:rPr lang="it-IT" i="1" dirty="0" err="1"/>
+              <a:rPr lang="it-IT" i="1" dirty="0" err="1" smtClean="0"/>
               <a:t>Efficient</a:t>
             </a:r>
             <a:r>
-              <a:rPr lang="it-IT" i="1" dirty="0"/>
+              <a:rPr lang="it-IT" i="1" dirty="0" smtClean="0"/>
               <a:t> </a:t>
             </a:r>
             <a:r>
-              <a:rPr lang="it-IT" i="1" dirty="0" err="1"/>
+              <a:rPr lang="it-IT" i="1" dirty="0" err="1" smtClean="0"/>
               <a:t>Diversification</a:t>
             </a:r>
             <a:r>
-              <a:rPr lang="it-IT" i="1" dirty="0"/>
+              <a:rPr lang="it-IT" i="1" dirty="0" smtClean="0"/>
               <a:t> of </a:t>
             </a:r>
             <a:r>
-              <a:rPr lang="it-IT" i="1" dirty="0" err="1"/>
+              <a:rPr lang="it-IT" i="1" dirty="0" err="1" smtClean="0"/>
               <a:t>Investment</a:t>
             </a:r>
             <a:r>
-              <a:rPr lang="it-IT" dirty="0"/>
+              <a:rPr lang="it-IT" dirty="0" smtClean="0"/>
               <a:t>. (J. </a:t>
             </a:r>
             <a:r>
-              <a:rPr lang="it-IT" dirty="0" err="1"/>
+              <a:rPr lang="it-IT" dirty="0" err="1" smtClean="0"/>
               <a:t>Wiley</a:t>
             </a:r>
             <a:r>
-              <a:rPr lang="it-IT" dirty="0"/>
+              <a:rPr lang="it-IT" dirty="0" smtClean="0"/>
               <a:t>, New York).</a:t>
             </a:r>
           </a:p>
           <a:p>
             <a:r>
-              <a:rPr lang="it-IT" dirty="0"/>
+              <a:rPr lang="it-IT" dirty="0" smtClean="0"/>
               <a:t>Tola, V., Lillo, F., </a:t>
             </a:r>
             <a:r>
-              <a:rPr lang="it-IT" dirty="0" err="1"/>
+              <a:rPr lang="it-IT" dirty="0" err="1" smtClean="0"/>
               <a:t>Gallegati</a:t>
             </a:r>
             <a:r>
-              <a:rPr lang="it-IT" dirty="0"/>
+              <a:rPr lang="it-IT" dirty="0" smtClean="0"/>
               <a:t>, M., &amp; Mantegna, R. N. (2008). </a:t>
             </a:r>
             <a:r>
-              <a:rPr lang="it-IT" i="1" dirty="0"/>
+              <a:rPr lang="it-IT" i="1" dirty="0" smtClean="0"/>
               <a:t>Cluster </a:t>
             </a:r>
             <a:r>
-              <a:rPr lang="it-IT" i="1" dirty="0" err="1"/>
+              <a:rPr lang="it-IT" i="1" dirty="0" err="1" smtClean="0"/>
               <a:t>analysis</a:t>
             </a:r>
             <a:r>
-              <a:rPr lang="it-IT" i="1" dirty="0"/>
+              <a:rPr lang="it-IT" i="1" dirty="0" smtClean="0"/>
               <a:t> for portfolio </a:t>
             </a:r>
             <a:r>
-              <a:rPr lang="it-IT" i="1" dirty="0" err="1"/>
+              <a:rPr lang="it-IT" i="1" dirty="0" err="1" smtClean="0"/>
               <a:t>optimization</a:t>
             </a:r>
             <a:r>
-              <a:rPr lang="it-IT" dirty="0"/>
+              <a:rPr lang="it-IT" dirty="0" smtClean="0"/>
               <a:t>. Journal of </a:t>
             </a:r>
             <a:r>
-              <a:rPr lang="it-IT" dirty="0" err="1"/>
+              <a:rPr lang="it-IT" dirty="0" err="1" smtClean="0"/>
               <a:t>Economic</a:t>
             </a:r>
             <a:r>
-              <a:rPr lang="it-IT" dirty="0"/>
+              <a:rPr lang="it-IT" dirty="0" smtClean="0"/>
               <a:t> Dynamics and Control, 32(1), 235-258.</a:t>
+            </a:r>
+            <a:endParaRPr lang="it-IT" dirty="0" smtClean="0"/>
+          </a:p>
+        </p:txBody>
+      </p:sp>
+      <p:sp>
+        <p:nvSpPr>
+          <p:cNvPr id="5" name="Titolo 3"/>
+          <p:cNvSpPr txBox="1">
+            <a:spLocks/>
+          </p:cNvSpPr>
+          <p:nvPr/>
+        </p:nvSpPr>
+        <p:spPr>
+          <a:xfrm>
+            <a:off x="834838" y="5301673"/>
+            <a:ext cx="8911687" cy="697288"/>
+          </a:xfrm>
+          <a:prstGeom prst="rect">
+            <a:avLst/>
+          </a:prstGeom>
+        </p:spPr>
+        <p:txBody>
+          <a:bodyPr vert="horz" lIns="91440" tIns="27432" rIns="91440" bIns="45720" rtlCol="0" anchor="b">
+            <a:normAutofit/>
+          </a:bodyPr>
+          <a:lstStyle>
+            <a:lvl1pPr algn="l" defTabSz="914400" rtl="0" eaLnBrk="1" latinLnBrk="0" hangingPunct="1">
+              <a:lnSpc>
+                <a:spcPct val="90000"/>
+              </a:lnSpc>
+              <a:spcBef>
+                <a:spcPct val="0"/>
+              </a:spcBef>
+              <a:buNone/>
+              <a:defRPr sz="4400" b="1" kern="1200" spc="-50" baseline="0">
+                <a:solidFill>
+                  <a:schemeClr val="accent1"/>
+                </a:solidFill>
+                <a:latin typeface="+mj-lt"/>
+                <a:ea typeface="+mj-ea"/>
+                <a:cs typeface="+mj-cs"/>
+              </a:defRPr>
+            </a:lvl1pPr>
+          </a:lstStyle>
+          <a:p>
+            <a:r>
+              <a:rPr lang="it-IT" sz="2800" dirty="0" err="1" smtClean="0"/>
+              <a:t>Github</a:t>
+            </a:r>
+            <a:r>
+              <a:rPr lang="it-IT" sz="2800" dirty="0"/>
+              <a:t>: </a:t>
+            </a:r>
+            <a:r>
+              <a:rPr lang="it-IT" sz="2200" b="0" spc="10" dirty="0">
+                <a:solidFill>
+                  <a:schemeClr val="tx1">
+                    <a:lumMod val="65000"/>
+                    <a:lumOff val="35000"/>
+                  </a:schemeClr>
+                </a:solidFill>
+                <a:latin typeface="+mn-lt"/>
+                <a:ea typeface="+mn-ea"/>
+                <a:cs typeface="+mn-cs"/>
+              </a:rPr>
+              <a:t>https://github.com/GiadaV/PROGETTO-PYTHON</a:t>
             </a:r>
           </a:p>
         </p:txBody>
@@ -7598,6 +8220,13 @@
   <p:clrMapOvr>
     <a:masterClrMapping/>
   </p:clrMapOvr>
+  <p:timing>
+    <p:tnLst>
+      <p:par>
+        <p:cTn id="1" dur="indefinite" restart="never" nodeType="tmRoot"/>
+      </p:par>
+    </p:tnLst>
+  </p:timing>
 </p:sld>
 </file>
 
@@ -7634,9 +8263,10 @@
           <a:lstStyle/>
           <a:p>
             <a:r>
-              <a:rPr lang="it-IT" dirty="0"/>
+              <a:rPr lang="it-IT" dirty="0" smtClean="0"/>
               <a:t>Premessa e obbiettivi</a:t>
             </a:r>
+            <a:endParaRPr lang="it-IT" dirty="0"/>
           </a:p>
         </p:txBody>
       </p:sp>
@@ -7658,98 +8288,98 @@
           <a:lstStyle/>
           <a:p>
             <a:r>
-              <a:rPr lang="it-IT" dirty="0"/>
+              <a:rPr lang="it-IT" dirty="0" smtClean="0"/>
               <a:t>Scopo del progetto è quello di valutare la </a:t>
             </a:r>
             <a:r>
-              <a:rPr lang="it-IT" i="1" dirty="0"/>
+              <a:rPr lang="it-IT" i="1" dirty="0" smtClean="0"/>
               <a:t>performance</a:t>
             </a:r>
             <a:r>
-              <a:rPr lang="it-IT" dirty="0"/>
+              <a:rPr lang="it-IT" dirty="0" smtClean="0"/>
               <a:t> di tre portafogli diversificati costruiti mediante algoritmi di </a:t>
             </a:r>
             <a:r>
-              <a:rPr lang="it-IT" i="1" dirty="0" err="1"/>
+              <a:rPr lang="it-IT" i="1" dirty="0" err="1" smtClean="0"/>
               <a:t>clustering</a:t>
             </a:r>
             <a:r>
-              <a:rPr lang="it-IT" dirty="0"/>
+              <a:rPr lang="it-IT" dirty="0" smtClean="0"/>
               <a:t> partizionale e gerarchico</a:t>
             </a:r>
             <a:r>
-              <a:rPr lang="it-IT" i="1" dirty="0"/>
+              <a:rPr lang="it-IT" i="1" dirty="0" smtClean="0"/>
               <a:t>. </a:t>
             </a:r>
           </a:p>
           <a:p>
             <a:r>
-              <a:rPr lang="it-IT" dirty="0"/>
+              <a:rPr lang="it-IT" dirty="0" smtClean="0"/>
               <a:t>In un’ottica di allocazione di portafoglio, la </a:t>
             </a:r>
             <a:r>
-              <a:rPr lang="it-IT" i="1" dirty="0" err="1"/>
+              <a:rPr lang="it-IT" i="1" dirty="0" err="1" smtClean="0"/>
               <a:t>clustering</a:t>
+            </a:r>
+            <a:r>
+              <a:rPr lang="it-IT" i="1" dirty="0" smtClean="0"/>
+              <a:t> </a:t>
+            </a:r>
+            <a:r>
+              <a:rPr lang="it-IT" i="1" dirty="0" err="1" smtClean="0"/>
+              <a:t>analysis</a:t>
+            </a:r>
+            <a:r>
+              <a:rPr lang="it-IT" dirty="0" smtClean="0"/>
+              <a:t> può essere utilizzata per selezionare, attraverso un processo di apprendimento non-supervisionato, gruppi di </a:t>
+            </a:r>
+            <a:r>
+              <a:rPr lang="it-IT" i="1" dirty="0" err="1" smtClean="0"/>
+              <a:t>asset</a:t>
+            </a:r>
+            <a:r>
+              <a:rPr lang="it-IT" dirty="0" smtClean="0"/>
+              <a:t> omogenei sulla base della correlazione fra rendimenti.  </a:t>
+            </a:r>
+          </a:p>
+          <a:p>
+            <a:r>
+              <a:rPr lang="it-IT" dirty="0" smtClean="0"/>
+              <a:t>Il capitale viene allocato fra i </a:t>
+            </a:r>
+            <a:r>
+              <a:rPr lang="it-IT" i="1" dirty="0" smtClean="0"/>
+              <a:t>cluster </a:t>
+            </a:r>
+            <a:r>
+              <a:rPr lang="it-IT" dirty="0" smtClean="0"/>
+              <a:t>di </a:t>
+            </a:r>
+            <a:r>
+              <a:rPr lang="it-IT" i="1" dirty="0" err="1" smtClean="0"/>
+              <a:t>asset</a:t>
             </a:r>
             <a:r>
               <a:rPr lang="it-IT" i="1" dirty="0"/>
               <a:t> </a:t>
             </a:r>
             <a:r>
-              <a:rPr lang="it-IT" i="1" dirty="0" err="1"/>
-              <a:t>analysis</a:t>
-            </a:r>
-            <a:r>
-              <a:rPr lang="it-IT" dirty="0"/>
-              <a:t> può essere utilizzata per selezionare, attraverso un processo di apprendimento non-supervisionato, gruppi di </a:t>
-            </a:r>
-            <a:r>
-              <a:rPr lang="it-IT" i="1" dirty="0" err="1"/>
-              <a:t>asset</a:t>
-            </a:r>
-            <a:r>
-              <a:rPr lang="it-IT" dirty="0"/>
-              <a:t> omogenei sulla base della correlazione fra rendimenti.  </a:t>
-            </a:r>
-          </a:p>
-          <a:p>
-            <a:r>
-              <a:rPr lang="it-IT" dirty="0"/>
-              <a:t>Il capitale viene allocato fra i </a:t>
-            </a:r>
-            <a:r>
-              <a:rPr lang="it-IT" i="1" dirty="0"/>
-              <a:t>cluster </a:t>
-            </a:r>
-            <a:r>
-              <a:rPr lang="it-IT" dirty="0"/>
-              <a:t>di </a:t>
-            </a:r>
-            <a:r>
-              <a:rPr lang="it-IT" i="1" dirty="0" err="1"/>
-              <a:t>asset</a:t>
-            </a:r>
-            <a:r>
-              <a:rPr lang="it-IT" i="1" dirty="0"/>
-              <a:t> </a:t>
-            </a:r>
-            <a:r>
-              <a:rPr lang="it-IT" dirty="0"/>
+              <a:rPr lang="it-IT" dirty="0" smtClean="0"/>
               <a:t>prodotti utilizzando una strategia di ottimizzazione in media-varianza e la </a:t>
             </a:r>
             <a:r>
-              <a:rPr lang="it-IT" i="1" dirty="0"/>
+              <a:rPr lang="it-IT" i="1" dirty="0" smtClean="0"/>
               <a:t>performance </a:t>
             </a:r>
             <a:r>
-              <a:rPr lang="it-IT" dirty="0"/>
+              <a:rPr lang="it-IT" dirty="0" smtClean="0"/>
               <a:t>del portafoglio così ottenuto viene valutata rispetto ad un portafoglio </a:t>
             </a:r>
             <a:r>
-              <a:rPr lang="it-IT" i="1" dirty="0"/>
+              <a:rPr lang="it-IT" i="1" dirty="0" smtClean="0"/>
               <a:t>benchmark.</a:t>
             </a:r>
-            <a:endParaRPr lang="it-IT" dirty="0"/>
+            <a:endParaRPr lang="it-IT" dirty="0" smtClean="0"/>
           </a:p>
           <a:p>
             <a:endParaRPr lang="it-IT" dirty="0"/>
@@ -7766,6 +8396,13 @@
   <p:clrMapOvr>
     <a:masterClrMapping/>
   </p:clrMapOvr>
+  <p:timing>
+    <p:tnLst>
+      <p:par>
+        <p:cTn id="1" dur="indefinite" restart="never" nodeType="tmRoot"/>
+      </p:par>
+    </p:tnLst>
+  </p:timing>
 </p:sld>
 </file>
 
@@ -7807,9 +8444,10 @@
           <a:lstStyle/>
           <a:p>
             <a:r>
-              <a:rPr lang="it-IT" dirty="0"/>
+              <a:rPr lang="it-IT" dirty="0" smtClean="0"/>
               <a:t>Sviluppo del lavoro</a:t>
             </a:r>
+            <a:endParaRPr lang="it-IT" dirty="0"/>
           </a:p>
         </p:txBody>
       </p:sp>
@@ -7838,52 +8476,214 @@
             <a:pPr marL="0" indent="0">
               <a:buNone/>
             </a:pPr>
-            <a:endParaRPr lang="it-IT" dirty="0"/>
+            <a:endParaRPr lang="it-IT" dirty="0" smtClean="0"/>
+          </a:p>
+          <a:p>
+            <a:r>
+              <a:rPr lang="it-IT" sz="1900" dirty="0" smtClean="0"/>
+              <a:t>Si selezionano casualmente circa 200 titoli azionari provenienti dall’indice </a:t>
+            </a:r>
+            <a:r>
+              <a:rPr lang="it-IT" sz="1900" dirty="0" err="1" smtClean="0"/>
+              <a:t>Nasdaq</a:t>
+            </a:r>
+            <a:r>
+              <a:rPr lang="it-IT" sz="1900" dirty="0" smtClean="0"/>
+              <a:t>.</a:t>
+            </a:r>
           </a:p>
           <a:p>
             <a:r>
               <a:rPr lang="it-IT" sz="1900" dirty="0"/>
-              <a:t>Si selezionano casualmente circa 200 titoli azionari provenienti dall’indice </a:t>
-            </a:r>
-            <a:r>
-              <a:rPr lang="it-IT" sz="1900" dirty="0" err="1"/>
-              <a:t>Nasdaq</a:t>
+              <a:t>Si </a:t>
+            </a:r>
+            <a:r>
+              <a:rPr lang="it-IT" sz="1900" dirty="0" smtClean="0"/>
+              <a:t>utilizzano </a:t>
             </a:r>
             <a:r>
               <a:rPr lang="it-IT" sz="1900" dirty="0"/>
-              <a:t>.</a:t>
-            </a:r>
-          </a:p>
-          <a:p>
+              <a:t>diversi algoritmi di </a:t>
+            </a:r>
+            <a:r>
+              <a:rPr lang="it-IT" sz="1900" i="1" dirty="0" err="1" smtClean="0"/>
+              <a:t>clustering</a:t>
+            </a:r>
+            <a:r>
+              <a:rPr lang="it-IT" sz="1900" i="1" dirty="0" smtClean="0"/>
+              <a:t> </a:t>
+            </a:r>
+            <a:r>
+              <a:rPr lang="it-IT" sz="1900" dirty="0" smtClean="0"/>
+              <a:t>partizionale e gerarchico </a:t>
+            </a:r>
             <a:r>
               <a:rPr lang="it-IT" sz="1900" dirty="0"/>
-              <a:t>Si utilizzano diversi algoritmi di </a:t>
+              <a:t>per </a:t>
+            </a:r>
+            <a:r>
+              <a:rPr lang="it-IT" sz="1900" dirty="0" smtClean="0"/>
+              <a:t>suddividere i rendimenti </a:t>
+            </a:r>
+            <a:r>
+              <a:rPr lang="it-IT" sz="1900" dirty="0"/>
+              <a:t>in </a:t>
+            </a:r>
+            <a:r>
+              <a:rPr lang="it-IT" sz="1900" i="1" dirty="0"/>
+              <a:t>cluster </a:t>
+            </a:r>
+            <a:r>
+              <a:rPr lang="it-IT" sz="1900" dirty="0"/>
+              <a:t>omogenei </a:t>
+            </a:r>
+            <a:r>
+              <a:rPr lang="it-IT" sz="1900" dirty="0" smtClean="0"/>
+              <a:t>sulla base della correlazione.</a:t>
+            </a:r>
+          </a:p>
+          <a:p>
+            <a:r>
+              <a:rPr lang="it-IT" sz="1900" dirty="0"/>
+              <a:t>La bontà di ogni algoritmo di </a:t>
             </a:r>
             <a:r>
               <a:rPr lang="it-IT" sz="1900" i="1" dirty="0" err="1"/>
               <a:t>clustering</a:t>
             </a:r>
             <a:r>
+              <a:rPr lang="it-IT" sz="1900" dirty="0"/>
+              <a:t> viene valutata in base alla correlazione infra- e intra-</a:t>
+            </a:r>
+            <a:r>
               <a:rPr lang="it-IT" sz="1900" i="1" dirty="0"/>
+              <a:t>cluster</a:t>
+            </a:r>
+            <a:r>
+              <a:rPr lang="it-IT" sz="1900" dirty="0"/>
+              <a:t> e </a:t>
+            </a:r>
+            <a:r>
+              <a:rPr lang="it-IT" sz="1900" dirty="0" smtClean="0"/>
+              <a:t>alla numerosità dei </a:t>
+            </a:r>
+            <a:r>
+              <a:rPr lang="it-IT" sz="1900" i="1" dirty="0" smtClean="0"/>
+              <a:t>cluster</a:t>
+            </a:r>
+            <a:r>
+              <a:rPr lang="it-IT" sz="1900" dirty="0" smtClean="0"/>
+              <a:t> prodotti.</a:t>
+            </a:r>
+            <a:endParaRPr lang="it-IT" sz="1900" dirty="0"/>
+          </a:p>
+          <a:p>
+            <a:r>
+              <a:rPr lang="it-IT" sz="1900" dirty="0" smtClean="0"/>
+              <a:t>I </a:t>
+            </a:r>
+            <a:r>
+              <a:rPr lang="it-IT" sz="1900" i="1" dirty="0" smtClean="0"/>
+              <a:t>cluster</a:t>
+            </a:r>
+            <a:r>
+              <a:rPr lang="it-IT" sz="1900" dirty="0" smtClean="0"/>
+              <a:t> ottenuti vengono aggregati in portafogli </a:t>
+            </a:r>
+            <a:r>
+              <a:rPr lang="it-IT" sz="1900" dirty="0" err="1" smtClean="0"/>
+              <a:t>equiponderati</a:t>
+            </a:r>
+            <a:r>
+              <a:rPr lang="it-IT" sz="1900" dirty="0" smtClean="0"/>
+              <a:t>, su cui si applica una strategia di ottimizzazione in media-varianza al fine di ottenere i pesi ottimali dei singoli </a:t>
+            </a:r>
+            <a:r>
+              <a:rPr lang="it-IT" sz="1900" i="1" dirty="0" err="1" smtClean="0"/>
+              <a:t>asset</a:t>
+            </a:r>
+            <a:r>
+              <a:rPr lang="it-IT" sz="1900" i="1" dirty="0" smtClean="0"/>
+              <a:t>.</a:t>
+            </a:r>
+          </a:p>
+          <a:p>
+            <a:r>
+              <a:rPr lang="it-IT" sz="1900" dirty="0" smtClean="0"/>
+              <a:t>Nell’allocazione statica, i pesi ottimali di portafoglio vengono mantenuti costanti durante tutto il </a:t>
+            </a:r>
+            <a:r>
+              <a:rPr lang="it-IT" sz="1900" i="1" dirty="0"/>
+              <a:t>test </a:t>
+            </a:r>
+            <a:r>
+              <a:rPr lang="it-IT" sz="1900" i="1" dirty="0" smtClean="0"/>
+              <a:t>set, </a:t>
+            </a:r>
+            <a:r>
+              <a:rPr lang="it-IT" sz="1900" dirty="0" smtClean="0"/>
+              <a:t>pari all’ultimo anno.</a:t>
+            </a:r>
+          </a:p>
+          <a:p>
+            <a:r>
+              <a:rPr lang="it-IT" sz="1900" dirty="0" smtClean="0"/>
+              <a:t>Nell’allocazione </a:t>
+            </a:r>
+            <a:r>
+              <a:rPr lang="it-IT" sz="1900" i="1" dirty="0" err="1" smtClean="0"/>
+              <a:t>rolling</a:t>
+            </a:r>
+            <a:r>
+              <a:rPr lang="it-IT" sz="1900" i="1" dirty="0" smtClean="0"/>
+              <a:t>, </a:t>
+            </a:r>
+            <a:r>
+              <a:rPr lang="it-IT" sz="1900" dirty="0"/>
+              <a:t>i</a:t>
+            </a:r>
+            <a:r>
+              <a:rPr lang="it-IT" sz="1900" dirty="0" smtClean="0"/>
+              <a:t> pesi di </a:t>
+            </a:r>
+            <a:r>
+              <a:rPr lang="it-IT" sz="1900" dirty="0"/>
+              <a:t>portafoglio sono </a:t>
+            </a:r>
+            <a:r>
+              <a:rPr lang="it-IT" sz="1900" dirty="0" smtClean="0"/>
+              <a:t>calcolati su </a:t>
+            </a:r>
+            <a:r>
+              <a:rPr lang="it-IT" sz="1900" dirty="0"/>
+              <a:t>finestre </a:t>
+            </a:r>
+            <a:r>
+              <a:rPr lang="it-IT" sz="1900" i="1" dirty="0" err="1"/>
+              <a:t>rolling</a:t>
+            </a:r>
+            <a:r>
+              <a:rPr lang="it-IT" sz="1900" dirty="0"/>
               <a:t> </a:t>
             </a:r>
             <a:r>
+              <a:rPr lang="it-IT" sz="1900" dirty="0" smtClean="0"/>
+              <a:t>giornaliere di </a:t>
+            </a:r>
+            <a:r>
               <a:rPr lang="it-IT" sz="1900" dirty="0"/>
-              <a:t>partizionale e gerarchico per suddividere i rendimenti in </a:t>
-            </a:r>
-            <a:r>
-              <a:rPr lang="it-IT" sz="1900" i="1" dirty="0"/>
-              <a:t>cluster </a:t>
-            </a:r>
+              <a:t>ampiezza annuale, che simulano un ribilanciamento giornaliero del </a:t>
+            </a:r>
+            <a:r>
+              <a:rPr lang="it-IT" sz="1900" dirty="0" smtClean="0"/>
+              <a:t>portafoglio.</a:t>
+            </a:r>
+            <a:endParaRPr lang="it-IT" sz="1900" dirty="0"/>
+          </a:p>
+          <a:p>
             <a:r>
               <a:rPr lang="it-IT" sz="1900" dirty="0"/>
-              <a:t>omogenei sulla base della correlazione.</a:t>
-            </a:r>
-          </a:p>
-          <a:p>
-            <a:r>
-              <a:rPr lang="it-IT" sz="1900" dirty="0"/>
-              <a:t>La bontà di ogni algoritmo di </a:t>
+              <a:t>Per ogni algoritmo di </a:t>
             </a:r>
             <a:r>
               <a:rPr lang="it-IT" sz="1900" i="1" dirty="0" err="1"/>
@@ -7891,174 +8691,91 @@
             </a:r>
             <a:r>
               <a:rPr lang="it-IT" sz="1900" dirty="0"/>
-              <a:t> viene valutata in base alla correlazione infra- e intra-</a:t>
-            </a:r>
-            <a:r>
-              <a:rPr lang="it-IT" sz="1900" i="1" dirty="0"/>
-              <a:t>cluster</a:t>
-            </a:r>
-            <a:r>
-              <a:rPr lang="it-IT" sz="1900" dirty="0"/>
-              <a:t> e alla numerosità dei </a:t>
-            </a:r>
-            <a:r>
-              <a:rPr lang="it-IT" sz="1900" i="1" dirty="0"/>
-              <a:t>cluster</a:t>
-            </a:r>
-            <a:r>
-              <a:rPr lang="it-IT" sz="1900" dirty="0"/>
-              <a:t> prodotti.</a:t>
-            </a:r>
-          </a:p>
-          <a:p>
-            <a:r>
-              <a:rPr lang="it-IT" sz="1900" dirty="0"/>
-              <a:t>I </a:t>
-            </a:r>
-            <a:r>
-              <a:rPr lang="it-IT" sz="1900" i="1" dirty="0"/>
-              <a:t>cluster</a:t>
-            </a:r>
-            <a:r>
-              <a:rPr lang="it-IT" sz="1900" dirty="0"/>
-              <a:t> ottenuti vengono aggregati in portafogli </a:t>
-            </a:r>
-            <a:r>
-              <a:rPr lang="it-IT" sz="1900" dirty="0" err="1"/>
-              <a:t>equiponderati</a:t>
-            </a:r>
-            <a:r>
-              <a:rPr lang="it-IT" sz="1900" dirty="0"/>
-              <a:t>, su cui si applica una strategia di ottimizzazione in media-varianza al fine di ottenere i pesi ottimali dei singoli </a:t>
-            </a:r>
-            <a:r>
-              <a:rPr lang="it-IT" sz="1900" i="1" dirty="0" err="1"/>
-              <a:t>asset</a:t>
-            </a:r>
-            <a:r>
-              <a:rPr lang="it-IT" sz="1900" i="1" dirty="0"/>
-              <a:t>.</a:t>
-            </a:r>
-          </a:p>
-          <a:p>
-            <a:r>
-              <a:rPr lang="it-IT" sz="1900" dirty="0"/>
-              <a:t>Nell’allocazione statica, i pesi ottimali di portafoglio vengono mantenuti costanti durante tutto il </a:t>
-            </a:r>
-            <a:r>
-              <a:rPr lang="it-IT" sz="1900" i="1" dirty="0"/>
-              <a:t>test set, </a:t>
-            </a:r>
-            <a:r>
-              <a:rPr lang="it-IT" sz="1900" dirty="0"/>
-              <a:t>pari all’ultimo anno.</a:t>
-            </a:r>
-          </a:p>
-          <a:p>
-            <a:r>
-              <a:rPr lang="it-IT" sz="1900" dirty="0"/>
-              <a:t>Nell’allocazione </a:t>
+              <a:t>, i risultati </a:t>
+            </a:r>
+            <a:r>
+              <a:rPr lang="it-IT" sz="1900" dirty="0" smtClean="0"/>
+              <a:t>dell’allocazione statica e </a:t>
             </a:r>
             <a:r>
               <a:rPr lang="it-IT" sz="1900" i="1" dirty="0" err="1"/>
               <a:t>rolling</a:t>
             </a:r>
             <a:r>
-              <a:rPr lang="it-IT" sz="1900" i="1" dirty="0"/>
-              <a:t>, </a:t>
-            </a:r>
-            <a:r>
               <a:rPr lang="it-IT" sz="1900" dirty="0"/>
-              <a:t>i pesi di portafoglio sono calcolati su finestre </a:t>
-            </a:r>
-            <a:r>
-              <a:rPr lang="it-IT" sz="1900" i="1" dirty="0" err="1"/>
-              <a:t>rolling</a:t>
+              <a:t> sono confrontati al fine di </a:t>
+            </a:r>
+            <a:r>
+              <a:rPr lang="it-IT" sz="1900" dirty="0" smtClean="0"/>
+              <a:t>calcolare l’</a:t>
+            </a:r>
+            <a:r>
+              <a:rPr lang="it-IT" sz="1900" dirty="0" err="1" smtClean="0"/>
+              <a:t>extrarendimento</a:t>
+            </a:r>
+            <a:r>
+              <a:rPr lang="it-IT" sz="1900" dirty="0" smtClean="0"/>
+              <a:t> </a:t>
             </a:r>
             <a:r>
               <a:rPr lang="it-IT" sz="1900" dirty="0"/>
-              <a:t> giornaliere di ampiezza annuale, che simulano un ribilanciamento giornaliero del portafoglio.</a:t>
-            </a:r>
-          </a:p>
-          <a:p>
-            <a:r>
-              <a:rPr lang="it-IT" sz="1900" dirty="0"/>
-              <a:t>Per ogni algoritmo di </a:t>
-            </a:r>
-            <a:r>
-              <a:rPr lang="it-IT" sz="1900" i="1" dirty="0" err="1"/>
+              <a:t>dovuto al ribilanciamento</a:t>
+            </a:r>
+            <a:r>
+              <a:rPr lang="it-IT" sz="1900" dirty="0" smtClean="0"/>
+              <a:t>.</a:t>
+            </a:r>
+          </a:p>
+          <a:p>
+            <a:r>
+              <a:rPr lang="it-IT" sz="1900" dirty="0" smtClean="0"/>
+              <a:t>La </a:t>
+            </a:r>
+            <a:r>
+              <a:rPr lang="it-IT" sz="1900" i="1" dirty="0" smtClean="0"/>
+              <a:t>performance </a:t>
+            </a:r>
+            <a:r>
+              <a:rPr lang="it-IT" sz="1900" dirty="0" smtClean="0"/>
+              <a:t>dei portafogli di </a:t>
+            </a:r>
+            <a:r>
+              <a:rPr lang="it-IT" sz="1900" i="1" dirty="0" err="1" smtClean="0"/>
               <a:t>clustering</a:t>
             </a:r>
             <a:r>
-              <a:rPr lang="it-IT" sz="1900" dirty="0"/>
-              <a:t>, i risultati dell’allocazione statica e </a:t>
-            </a:r>
-            <a:r>
-              <a:rPr lang="it-IT" sz="1900" i="1" dirty="0" err="1"/>
-              <a:t>rolling</a:t>
-            </a:r>
-            <a:r>
-              <a:rPr lang="it-IT" sz="1900" dirty="0"/>
-              <a:t> sono confrontati al fine di calcolare l’</a:t>
-            </a:r>
-            <a:r>
-              <a:rPr lang="it-IT" sz="1900" dirty="0" err="1"/>
-              <a:t>extrarendimento</a:t>
-            </a:r>
-            <a:r>
-              <a:rPr lang="it-IT" sz="1900" dirty="0"/>
-              <a:t> dovuto al ribilanciamento.</a:t>
-            </a:r>
-          </a:p>
-          <a:p>
-            <a:r>
-              <a:rPr lang="it-IT" sz="1900" dirty="0"/>
-              <a:t>La </a:t>
-            </a:r>
-            <a:r>
-              <a:rPr lang="it-IT" sz="1900" i="1" dirty="0"/>
-              <a:t>performance </a:t>
-            </a:r>
-            <a:r>
-              <a:rPr lang="it-IT" sz="1900" dirty="0"/>
-              <a:t>dei portafogli di </a:t>
-            </a:r>
-            <a:r>
-              <a:rPr lang="it-IT" sz="1900" i="1" dirty="0" err="1"/>
-              <a:t>clustering</a:t>
-            </a:r>
-            <a:r>
-              <a:rPr lang="it-IT" sz="1900" i="1" dirty="0"/>
+              <a:rPr lang="it-IT" sz="1900" i="1" dirty="0" smtClean="0"/>
               <a:t> </a:t>
             </a:r>
             <a:r>
-              <a:rPr lang="it-IT" sz="1900" dirty="0"/>
+              <a:rPr lang="it-IT" sz="1900" dirty="0" smtClean="0"/>
               <a:t>viene infine valutata rispetto a due portafogli </a:t>
             </a:r>
             <a:r>
-              <a:rPr lang="it-IT" sz="1900" i="1" dirty="0"/>
+              <a:rPr lang="it-IT" sz="1900" i="1" dirty="0" smtClean="0"/>
               <a:t>benchmark: </a:t>
             </a:r>
             <a:r>
-              <a:rPr lang="it-IT" sz="1900" dirty="0"/>
+              <a:rPr lang="it-IT" sz="1900" dirty="0" smtClean="0"/>
               <a:t>il portafoglio di tangenza e un portafoglio </a:t>
             </a:r>
             <a:r>
-              <a:rPr lang="it-IT" sz="1900" i="1" dirty="0" err="1"/>
+              <a:rPr lang="it-IT" sz="1900" i="1" dirty="0" err="1" smtClean="0"/>
               <a:t>equally</a:t>
             </a:r>
             <a:r>
-              <a:rPr lang="it-IT" sz="1900" i="1" dirty="0"/>
+              <a:rPr lang="it-IT" sz="1900" i="1" dirty="0" smtClean="0"/>
               <a:t> </a:t>
             </a:r>
             <a:r>
-              <a:rPr lang="it-IT" sz="1900" i="1" dirty="0" err="1"/>
+              <a:rPr lang="it-IT" sz="1900" i="1" dirty="0" err="1" smtClean="0"/>
               <a:t>weighted</a:t>
             </a:r>
             <a:r>
-              <a:rPr lang="it-IT" i="1" dirty="0"/>
+              <a:rPr lang="it-IT" i="1" dirty="0" smtClean="0"/>
               <a:t>.</a:t>
             </a:r>
+            <a:endParaRPr lang="it-IT" i="1" dirty="0"/>
           </a:p>
         </p:txBody>
       </p:sp>
@@ -8072,6 +8789,13 @@
   <p:clrMapOvr>
     <a:masterClrMapping/>
   </p:clrMapOvr>
+  <p:timing>
+    <p:tnLst>
+      <p:par>
+        <p:cTn id="1" dur="indefinite" restart="never" nodeType="tmRoot"/>
+      </p:par>
+    </p:tnLst>
+  </p:timing>
 </p:sld>
 </file>
 
@@ -8115,9 +8839,10 @@
           <a:lstStyle/>
           <a:p>
             <a:r>
-              <a:rPr lang="it-IT" dirty="0"/>
+              <a:rPr lang="it-IT" dirty="0" smtClean="0"/>
               <a:t>Allocazione di portafoglio</a:t>
             </a:r>
+            <a:endParaRPr lang="it-IT" dirty="0"/>
           </a:p>
         </p:txBody>
       </p:sp>
@@ -8146,7 +8871,7 @@
               <a:lstStyle/>
               <a:p>
                 <a:r>
-                  <a:rPr lang="it-IT" dirty="0"/>
+                  <a:rPr lang="it-IT" dirty="0" smtClean="0"/>
                   <a:t>I </a:t>
                 </a:r>
                 <a:r>
@@ -8155,7 +8880,15 @@
                 </a:r>
                 <a:r>
                   <a:rPr lang="it-IT" dirty="0"/>
-                  <a:t> prodotti da ciascun algoritmo vengono utilizzati per formare dei portafogli </a:t>
+                  <a:t> </a:t>
+                </a:r>
+                <a:r>
+                  <a:rPr lang="it-IT" dirty="0" smtClean="0"/>
+                  <a:t>prodotti da ciascun algoritmo </a:t>
+                </a:r>
+                <a:r>
+                  <a:rPr lang="it-IT" dirty="0"/>
+                  <a:t>vengono utilizzati per formare dei portafogli </a:t>
                 </a:r>
                 <a:r>
                   <a:rPr lang="it-IT" i="1" dirty="0" err="1"/>
@@ -8174,8 +8907,12 @@
                   <a:t> </a:t>
                 </a:r>
                 <a:r>
+                  <a:rPr lang="it-IT" dirty="0" smtClean="0"/>
+                  <a:t>contenenti </a:t>
+                </a:r>
+                <a:r>
                   <a:rPr lang="it-IT" dirty="0"/>
-                  <a:t>contenenti gli </a:t>
+                  <a:t>gli </a:t>
                 </a:r>
                 <a:r>
                   <a:rPr lang="it-IT" i="1" dirty="0" err="1"/>
@@ -8190,14 +8927,26 @@
                   <a:t>cluster</a:t>
                 </a:r>
                 <a:r>
-                  <a:rPr lang="it-IT" dirty="0"/>
+                  <a:rPr lang="it-IT" dirty="0" smtClean="0"/>
                   <a:t>.</a:t>
                 </a:r>
               </a:p>
               <a:p>
                 <a:r>
+                  <a:rPr lang="it-IT" dirty="0" smtClean="0"/>
+                  <a:t>A questi portafogli si applica una strategia di allocazione in media-varianza al fine di ottenere un singolo </a:t>
+                </a:r>
+                <a:r>
                   <a:rPr lang="it-IT" dirty="0"/>
-                  <a:t>A questi portafogli si applica una strategia di allocazione in media-varianza al fine di ottenere un singolo portafoglio che contiene tutti gli </a:t>
+                  <a:t>portafoglio </a:t>
+                </a:r>
+                <a:r>
+                  <a:rPr lang="it-IT" dirty="0" smtClean="0"/>
+                  <a:t>che contiene tutti </a:t>
+                </a:r>
+                <a:r>
+                  <a:rPr lang="it-IT" dirty="0"/>
+                  <a:t>gli </a:t>
                 </a:r>
                 <a:r>
                   <a:rPr lang="it-IT" i="1" dirty="0" err="1"/>
@@ -8205,8 +8954,13 @@
                 </a:r>
                 <a:r>
                   <a:rPr lang="it-IT" dirty="0"/>
-                  <a:t> disponibili.</a:t>
-                </a:r>
+                  <a:t> </a:t>
+                </a:r>
+                <a:r>
+                  <a:rPr lang="it-IT" dirty="0" smtClean="0"/>
+                  <a:t>disponibili.</a:t>
+                </a:r>
+                <a:endParaRPr lang="it-IT" dirty="0"/>
               </a:p>
               <a:p>
                 <a:r>
@@ -8427,14 +9181,14 @@
                     </m:oMath>
                   </m:oMathPara>
                 </a14:m>
-                <a:endParaRPr lang="it-IT" dirty="0"/>
+                <a:endParaRPr lang="it-IT" dirty="0" smtClean="0"/>
               </a:p>
               <a:p>
                 <a:pPr marL="0" indent="0">
                   <a:buNone/>
                 </a:pPr>
                 <a:r>
-                  <a:rPr lang="it-IT" dirty="0"/>
+                  <a:rPr lang="it-IT" dirty="0" smtClean="0"/>
                   <a:t>dove </a:t>
                 </a:r>
                 <a:r>
@@ -8459,7 +9213,15 @@
                 </a:r>
                 <a:r>
                   <a:rPr lang="it-IT" dirty="0"/>
-                  <a:t> è la matrice di covarianza dei rendimenti e </a:t>
+                  <a:t> è la matrice </a:t>
+                </a:r>
+                <a:r>
+                  <a:rPr lang="it-IT" dirty="0" smtClean="0"/>
+                  <a:t>di covarianza </a:t>
+                </a:r>
+                <a:r>
+                  <a:rPr lang="it-IT" dirty="0"/>
+                  <a:t>dei rendimenti e </a:t>
                 </a:r>
                 <a:r>
                   <a:rPr lang="it-IT" i="1" dirty="0" err="1"/>
@@ -8467,20 +9229,24 @@
                 </a:r>
                 <a:r>
                   <a:rPr lang="it-IT" dirty="0"/>
-                  <a:t> è il tasso privo di rischio.</a:t>
+                  <a:t> è il tasso privo di rischio</a:t>
+                </a:r>
+                <a:r>
+                  <a:rPr lang="it-IT" dirty="0" smtClean="0"/>
+                  <a:t>.</a:t>
                 </a:r>
               </a:p>
               <a:p>
                 <a:r>
-                  <a:rPr lang="it-IT" dirty="0"/>
+                  <a:rPr lang="it-IT" dirty="0" smtClean="0"/>
                   <a:t>Nell’allocazione statica, i pesi di portafoglio ottimali vengono mantenuti costanti durante tutto il </a:t>
                 </a:r>
                 <a:r>
-                  <a:rPr lang="it-IT" i="1" dirty="0"/>
+                  <a:rPr lang="it-IT" i="1" dirty="0" smtClean="0"/>
                   <a:t>test set</a:t>
                 </a:r>
                 <a:r>
-                  <a:rPr lang="it-IT" dirty="0"/>
+                  <a:rPr lang="it-IT" dirty="0" smtClean="0"/>
                   <a:t>, pari all’ultimo anno. </a:t>
                 </a:r>
               </a:p>
@@ -8507,11 +9273,16 @@
                 </a:r>
                 <a:r>
                   <a:rPr lang="it-IT" dirty="0"/>
-                  <a:t> giornaliere di ampiezza annuale.</a:t>
-                </a:r>
+                  <a:t> giornaliere di ampiezza </a:t>
+                </a:r>
+                <a:r>
+                  <a:rPr lang="it-IT" dirty="0" smtClean="0"/>
+                  <a:t>annuale.</a:t>
+                </a:r>
+                <a:endParaRPr lang="it-IT" dirty="0"/>
               </a:p>
               <a:p>
-                <a:endParaRPr lang="it-IT" dirty="0"/>
+                <a:endParaRPr lang="it-IT" dirty="0" smtClean="0"/>
               </a:p>
             </p:txBody>
           </p:sp>
@@ -8564,6 +9335,13 @@
   <p:clrMapOvr>
     <a:masterClrMapping/>
   </p:clrMapOvr>
+  <p:timing>
+    <p:tnLst>
+      <p:par>
+        <p:cTn id="1" dur="indefinite" restart="never" nodeType="tmRoot"/>
+      </p:par>
+    </p:tnLst>
+  </p:timing>
 </p:sld>
 </file>
 
@@ -8607,9 +9385,10 @@
           <a:lstStyle/>
           <a:p>
             <a:r>
-              <a:rPr lang="it-IT" dirty="0"/>
+              <a:rPr lang="it-IT" dirty="0" smtClean="0"/>
               <a:t>Portafoglio di tangenza</a:t>
             </a:r>
+            <a:endParaRPr lang="it-IT" dirty="0"/>
           </a:p>
         </p:txBody>
       </p:sp>
@@ -8665,6 +9444,17 @@
           <a:lstStyle/>
           <a:p>
             <a:r>
+              <a:rPr lang="it-IT" sz="1900" spc="10" dirty="0" smtClean="0">
+                <a:solidFill>
+                  <a:schemeClr val="tx1">
+                    <a:lumMod val="65000"/>
+                    <a:lumOff val="35000"/>
+                  </a:schemeClr>
+                </a:solidFill>
+              </a:rPr>
+              <a:t>                      Pesi </a:t>
+            </a:r>
+            <a:r>
               <a:rPr lang="it-IT" sz="1900" spc="10" dirty="0">
                 <a:solidFill>
                   <a:schemeClr val="tx1">
@@ -8673,7 +9463,7 @@
                   </a:schemeClr>
                 </a:solidFill>
               </a:rPr>
-              <a:t>                      Pesi del portafoglio </a:t>
+              <a:t>del portafoglio </a:t>
             </a:r>
             <a:r>
               <a:rPr lang="it-IT" sz="1900" i="1" spc="10" dirty="0" err="1">
@@ -8707,6 +9497,13 @@
   <p:clrMapOvr>
     <a:masterClrMapping/>
   </p:clrMapOvr>
+  <p:timing>
+    <p:tnLst>
+      <p:par>
+        <p:cTn id="1" dur="indefinite" restart="never" nodeType="tmRoot"/>
+      </p:par>
+    </p:tnLst>
+  </p:timing>
 </p:sld>
 </file>
 
@@ -8748,11 +9545,11 @@
           <a:lstStyle/>
           <a:p>
             <a:r>
-              <a:rPr lang="it-IT" dirty="0"/>
+              <a:rPr lang="it-IT" dirty="0" smtClean="0"/>
               <a:t>K-</a:t>
             </a:r>
             <a:r>
-              <a:rPr lang="it-IT" dirty="0" err="1"/>
+              <a:rPr lang="it-IT" dirty="0" err="1" smtClean="0"/>
               <a:t>Means</a:t>
             </a:r>
             <a:endParaRPr lang="it-IT" dirty="0"/>
@@ -8784,65 +9581,69 @@
             <a:pPr marL="0" indent="0">
               <a:buNone/>
             </a:pPr>
-            <a:endParaRPr lang="it-IT" dirty="0"/>
-          </a:p>
-          <a:p>
-            <a:r>
-              <a:rPr lang="it-IT" sz="1900" dirty="0"/>
+            <a:endParaRPr lang="it-IT" dirty="0" smtClean="0"/>
+          </a:p>
+          <a:p>
+            <a:r>
+              <a:rPr lang="it-IT" sz="1900" dirty="0" smtClean="0"/>
               <a:t>Gli </a:t>
             </a:r>
             <a:r>
-              <a:rPr lang="it-IT" sz="1900" i="1" dirty="0" err="1"/>
+              <a:rPr lang="it-IT" sz="1900" i="1" dirty="0" err="1" smtClean="0"/>
               <a:t>outlier</a:t>
             </a:r>
             <a:r>
-              <a:rPr lang="it-IT" sz="1900" dirty="0"/>
-              <a:t> presenti nei rendimenti azionari sono preventivamente eliminati al fine di evitare che K-</a:t>
-            </a:r>
-            <a:r>
-              <a:rPr lang="it-IT" sz="1900" dirty="0" err="1"/>
+              <a:rPr lang="it-IT" sz="1900" dirty="0" smtClean="0"/>
+              <a:t> presenti nei rendimenti azionari sono preventivamente eliminati al fine di evitare che </a:t>
+            </a:r>
+            <a:r>
+              <a:rPr lang="it-IT" sz="1900" i="1" dirty="0" smtClean="0"/>
+              <a:t>K-</a:t>
+            </a:r>
+            <a:r>
+              <a:rPr lang="it-IT" sz="1900" i="1" dirty="0" err="1" smtClean="0"/>
               <a:t>Means</a:t>
             </a:r>
             <a:r>
-              <a:rPr lang="it-IT" sz="1900" dirty="0"/>
+              <a:rPr lang="it-IT" sz="1900" dirty="0" smtClean="0"/>
               <a:t> produca </a:t>
             </a:r>
             <a:r>
-              <a:rPr lang="it-IT" sz="1900" i="1" dirty="0"/>
+              <a:rPr lang="it-IT" sz="1900" i="1" dirty="0" smtClean="0"/>
               <a:t>cluster </a:t>
             </a:r>
             <a:r>
-              <a:rPr lang="it-IT" sz="1900" dirty="0"/>
+              <a:rPr lang="it-IT" sz="1900" dirty="0" smtClean="0"/>
               <a:t>contenenti </a:t>
             </a:r>
             <a:r>
-              <a:rPr lang="it-IT" sz="1900" i="1" dirty="0" err="1"/>
+              <a:rPr lang="it-IT" sz="1900" i="1" dirty="0" err="1" smtClean="0"/>
               <a:t>asset</a:t>
             </a:r>
             <a:r>
-              <a:rPr lang="it-IT" sz="1900" dirty="0"/>
+              <a:rPr lang="it-IT" sz="1900" dirty="0" smtClean="0"/>
               <a:t> singoli. </a:t>
             </a:r>
           </a:p>
           <a:p>
             <a:r>
-              <a:rPr lang="it-IT" sz="1900" dirty="0"/>
+              <a:rPr lang="it-IT" sz="1900" dirty="0" smtClean="0"/>
               <a:t>Gli </a:t>
             </a:r>
             <a:r>
-              <a:rPr lang="it-IT" sz="1900" i="1" dirty="0" err="1"/>
+              <a:rPr lang="it-IT" sz="1900" i="1" dirty="0" err="1" smtClean="0"/>
               <a:t>outlier</a:t>
             </a:r>
             <a:r>
-              <a:rPr lang="it-IT" sz="1900" dirty="0"/>
+              <a:rPr lang="it-IT" sz="1900" dirty="0" smtClean="0"/>
               <a:t> sono identificati mediante uno </a:t>
             </a:r>
             <a:r>
-              <a:rPr lang="it-IT" sz="1900" i="1" dirty="0" err="1"/>
+              <a:rPr lang="it-IT" sz="1900" i="1" dirty="0" err="1" smtClean="0"/>
               <a:t>scatterplot</a:t>
             </a:r>
             <a:r>
-              <a:rPr lang="it-IT" sz="1900" dirty="0"/>
+              <a:rPr lang="it-IT" sz="1900" dirty="0" smtClean="0"/>
               <a:t> della media e della volatilità dei rendimenti annualizzati. </a:t>
             </a:r>
           </a:p>
@@ -8918,6 +9719,13 @@
   <p:clrMapOvr>
     <a:masterClrMapping/>
   </p:clrMapOvr>
+  <p:timing>
+    <p:tnLst>
+      <p:par>
+        <p:cTn id="1" dur="indefinite" restart="never" nodeType="tmRoot"/>
+      </p:par>
+    </p:tnLst>
+  </p:timing>
 </p:sld>
 </file>
 
@@ -8959,19 +9767,19 @@
           <a:lstStyle/>
           <a:p>
             <a:r>
-              <a:rPr lang="it-IT" dirty="0"/>
+              <a:rPr lang="it-IT" dirty="0" smtClean="0"/>
               <a:t>K-</a:t>
             </a:r>
             <a:r>
-              <a:rPr lang="it-IT" dirty="0" err="1"/>
+              <a:rPr lang="it-IT" dirty="0" err="1" smtClean="0"/>
               <a:t>Means</a:t>
             </a:r>
             <a:endParaRPr lang="it-IT" dirty="0"/>
           </a:p>
         </p:txBody>
       </p:sp>
-      <mc:AlternateContent xmlns:mc="http://schemas.openxmlformats.org/markup-compatibility/2006">
-        <mc:Choice xmlns:a14="http://schemas.microsoft.com/office/drawing/2010/main" Requires="a14">
+      <mc:AlternateContent xmlns:mc="http://schemas.openxmlformats.org/markup-compatibility/2006" xmlns:a14="http://schemas.microsoft.com/office/drawing/2010/main">
+        <mc:Choice Requires="a14">
           <p:sp>
             <p:nvSpPr>
               <p:cNvPr id="7" name="Segnaposto contenuto 6"/>
@@ -8997,23 +9805,51 @@
                 <a:pPr marL="0" indent="0">
                   <a:buNone/>
                 </a:pPr>
-                <a:endParaRPr lang="it-IT" dirty="0"/>
+                <a:endParaRPr lang="it-IT" dirty="0" smtClean="0"/>
               </a:p>
               <a:p>
                 <a:r>
+                  <a:rPr lang="it-IT" altLang="it-IT" sz="1900" dirty="0" smtClean="0"/>
+                  <a:t>L'algoritmo </a:t>
+                </a:r>
+                <a:r>
+                  <a:rPr lang="it-IT" altLang="it-IT" sz="1900" i="1" dirty="0" smtClean="0"/>
+                  <a:t>K-</a:t>
+                </a:r>
+                <a:r>
+                  <a:rPr lang="it-IT" altLang="it-IT" sz="1900" i="1" dirty="0" err="1" smtClean="0"/>
+                  <a:t>Means</a:t>
+                </a:r>
+                <a:r>
+                  <a:rPr lang="it-IT" altLang="it-IT" sz="1900" dirty="0" smtClean="0"/>
+                  <a:t> un </a:t>
+                </a:r>
+                <a:r>
                   <a:rPr lang="it-IT" altLang="it-IT" sz="1900" dirty="0"/>
-                  <a:t>L'algoritmo K-</a:t>
-                </a:r>
-                <a:r>
-                  <a:rPr lang="it-IT" altLang="it-IT" sz="1900" dirty="0" err="1"/>
-                  <a:t>Means</a:t>
+                  <a:t>insieme di </a:t>
+                </a:r>
+                <a:r>
+                  <a:rPr lang="it-IT" altLang="it-IT" sz="1900" dirty="0" smtClean="0"/>
+                  <a:t>𝑁 </a:t>
                 </a:r>
                 <a:r>
                   <a:rPr lang="it-IT" altLang="it-IT" sz="1900" dirty="0"/>
-                  <a:t> un insieme di 𝑁 campioni 𝑋 in 𝐶 </a:t>
-                </a:r>
-                <a:r>
-                  <a:rPr lang="it-IT" altLang="it-IT" sz="1900" i="1" dirty="0"/>
+                  <a:t>campioni </a:t>
+                </a:r>
+                <a:r>
+                  <a:rPr lang="it-IT" altLang="it-IT" sz="1900" dirty="0" smtClean="0"/>
+                  <a:t>𝑋 </a:t>
+                </a:r>
+                <a:r>
+                  <a:rPr lang="it-IT" altLang="it-IT" sz="1900" dirty="0"/>
+                  <a:t>in </a:t>
+                </a:r>
+                <a:r>
+                  <a:rPr lang="it-IT" altLang="it-IT" sz="1900" dirty="0" smtClean="0"/>
+                  <a:t>𝐶 </a:t>
+                </a:r>
+                <a:r>
+                  <a:rPr lang="it-IT" altLang="it-IT" sz="1900" i="1" dirty="0" smtClean="0"/>
                   <a:t>cluster </a:t>
                 </a:r>
                 <a:r>
@@ -9050,8 +9886,12 @@
                   </m:oMath>
                 </a14:m>
                 <a:r>
+                  <a:rPr lang="it-IT" altLang="it-IT" sz="1900" dirty="0" smtClean="0"/>
+                  <a:t> dei </a:t>
+                </a:r>
+                <a:r>
                   <a:rPr lang="it-IT" altLang="it-IT" sz="1900" dirty="0"/>
-                  <a:t> dei campioni nel </a:t>
+                  <a:t>campioni nel </a:t>
                 </a:r>
                 <a:r>
                   <a:rPr lang="it-IT" altLang="it-IT" sz="1900" i="1" dirty="0"/>
@@ -9069,21 +9909,81 @@
                   <a:rPr lang="it-IT" altLang="it-IT" sz="1900" dirty="0"/>
                   <a:t>). </a:t>
                 </a:r>
+                <a:endParaRPr lang="it-IT" altLang="it-IT" sz="1900" dirty="0" smtClean="0"/>
               </a:p>
               <a:p>
                 <a:r>
+                  <a:rPr lang="it-IT" altLang="it-IT" sz="1900" dirty="0" smtClean="0"/>
+                  <a:t>L'algoritmo </a:t>
+                </a:r>
+                <a:r>
                   <a:rPr lang="it-IT" altLang="it-IT" sz="1900" dirty="0"/>
-                  <a:t>L'algoritmo mira a scegliere i </a:t>
-                </a:r>
-                <a:r>
-                  <a:rPr lang="it-IT" altLang="it-IT" sz="1900" dirty="0" err="1"/>
+                  <a:t>mira a scegliere i </a:t>
+                </a:r>
+                <a:r>
+                  <a:rPr lang="it-IT" altLang="it-IT" sz="1900" dirty="0" err="1" smtClean="0"/>
                   <a:t>centroidi</a:t>
                 </a:r>
                 <a:r>
+                  <a:rPr lang="it-IT" altLang="it-IT" sz="1900" dirty="0" smtClean="0"/>
+                  <a:t> </a:t>
+                </a:r>
+                <a14:m>
+                  <m:oMath xmlns:m="http://schemas.openxmlformats.org/officeDocument/2006/math">
+                    <m:sSub>
+                      <m:sSubPr>
+                        <m:ctrlPr>
+                          <a:rPr lang="it-IT" altLang="it-IT" sz="1900" i="1">
+                            <a:latin typeface="Cambria Math" panose="02040503050406030204" pitchFamily="18" charset="0"/>
+                          </a:rPr>
+                        </m:ctrlPr>
+                      </m:sSubPr>
+                      <m:e>
+                        <m:r>
+                          <a:rPr lang="it-IT" altLang="it-IT" sz="1900" i="1">
+                            <a:latin typeface="Cambria Math" panose="02040503050406030204" pitchFamily="18" charset="0"/>
+                          </a:rPr>
+                          <m:t>𝜇</m:t>
+                        </m:r>
+                      </m:e>
+                      <m:sub>
+                        <m:r>
+                          <a:rPr lang="it-IT" altLang="it-IT" sz="1900" i="1">
+                            <a:latin typeface="Cambria Math" panose="02040503050406030204" pitchFamily="18" charset="0"/>
+                          </a:rPr>
+                          <m:t>𝑖</m:t>
+                        </m:r>
+                      </m:sub>
+                    </m:sSub>
+                  </m:oMath>
+                </a14:m>
+                <a:r>
+                  <a:rPr lang="it-IT" altLang="it-IT" sz="1900" dirty="0" smtClean="0"/>
+                  <a:t> </a:t>
+                </a:r>
+                <a:r>
                   <a:rPr lang="it-IT" altLang="it-IT" sz="1900" dirty="0"/>
-                  <a:t> che minimizzano la somma dei quadrati all'interno del cluster (SSE): </a:t>
-                </a:r>
-                <a:endParaRPr lang="it-IT" altLang="it-IT" sz="1900" i="1" dirty="0">
+                  <a:t>che minimizzano la somma dei quadrati all'interno del </a:t>
+                </a:r>
+                <a:r>
+                  <a:rPr lang="it-IT" altLang="it-IT" sz="1900" dirty="0" smtClean="0"/>
+                  <a:t>cluster </a:t>
+                </a:r>
+                <a14:m>
+                  <m:oMath xmlns:m="http://schemas.openxmlformats.org/officeDocument/2006/math">
+                    <m:r>
+                      <a:rPr lang="it-IT" altLang="it-IT" sz="1900" i="1">
+                        <a:latin typeface="Cambria Math" panose="02040503050406030204" pitchFamily="18" charset="0"/>
+                      </a:rPr>
+                      <m:t>𝐶</m:t>
+                    </m:r>
+                  </m:oMath>
+                </a14:m>
+                <a:r>
+                  <a:rPr lang="it-IT" altLang="it-IT" sz="1900" dirty="0" smtClean="0"/>
+                  <a:t> (SSE): </a:t>
+                </a:r>
+                <a:endParaRPr lang="it-IT" altLang="it-IT" sz="1900" i="1" dirty="0" smtClean="0">
                   <a:latin typeface="Cambria Math" panose="02040503050406030204" pitchFamily="18" charset="0"/>
                 </a:endParaRPr>
               </a:p>
@@ -9268,42 +10168,42 @@
                     </m:oMath>
                   </m:oMathPara>
                 </a14:m>
-                <a:endParaRPr lang="it-IT" sz="1900" dirty="0"/>
+                <a:endParaRPr lang="it-IT" sz="1900" dirty="0" smtClean="0"/>
               </a:p>
               <a:p>
                 <a:r>
-                  <a:rPr lang="it-IT" sz="1900" dirty="0"/>
+                  <a:rPr lang="it-IT" sz="1900" dirty="0" smtClean="0"/>
                   <a:t>Il numero ottimale di cluster è selezionato come il punto in cui il tasso di decrescita del SSE rispetto al numero di </a:t>
                 </a:r>
                 <a:r>
-                  <a:rPr lang="it-IT" sz="1900" i="1" dirty="0"/>
+                  <a:rPr lang="it-IT" sz="1900" i="1" dirty="0" smtClean="0"/>
                   <a:t>cluster</a:t>
                 </a:r>
                 <a:r>
-                  <a:rPr lang="it-IT" sz="1900" dirty="0"/>
+                  <a:rPr lang="it-IT" sz="1900" dirty="0" smtClean="0"/>
                   <a:t> subisce un rallentamento significativo (</a:t>
                 </a:r>
                 <a:r>
-                  <a:rPr lang="it-IT" sz="1900" i="1" dirty="0" err="1"/>
+                  <a:rPr lang="it-IT" sz="1900" i="1" dirty="0" err="1" smtClean="0"/>
                   <a:t>elbow</a:t>
                 </a:r>
                 <a:r>
-                  <a:rPr lang="it-IT" sz="1900" i="1" dirty="0"/>
+                  <a:rPr lang="it-IT" sz="1900" i="1" dirty="0" smtClean="0"/>
                   <a:t> </a:t>
                 </a:r>
                 <a:r>
-                  <a:rPr lang="it-IT" sz="1900" i="1" dirty="0" err="1"/>
+                  <a:rPr lang="it-IT" sz="1900" i="1" dirty="0" err="1" smtClean="0"/>
                   <a:t>rule</a:t>
                 </a:r>
                 <a:r>
-                  <a:rPr lang="it-IT" sz="1900" i="1" dirty="0"/>
+                  <a:rPr lang="it-IT" sz="1900" i="1" dirty="0" smtClean="0"/>
                   <a:t>).</a:t>
                 </a:r>
               </a:p>
             </p:txBody>
           </p:sp>
         </mc:Choice>
-        <mc:Fallback>
+        <mc:Fallback xmlns="">
           <p:sp>
             <p:nvSpPr>
               <p:cNvPr id="7" name="Segnaposto contenuto 6"/>
@@ -9322,7 +10222,7 @@
               <a:blipFill>
                 <a:blip r:embed="rId2"/>
                 <a:stretch>
-                  <a:fillRect l="-414"/>
+                  <a:fillRect l="-414" r="-828"/>
                 </a:stretch>
               </a:blipFill>
             </p:spPr>
@@ -9381,6 +10281,13 @@
   <p:clrMapOvr>
     <a:masterClrMapping/>
   </p:clrMapOvr>
+  <p:timing>
+    <p:tnLst>
+      <p:par>
+        <p:cTn id="1" dur="indefinite" restart="never" nodeType="tmRoot"/>
+      </p:par>
+    </p:tnLst>
+  </p:timing>
 </p:sld>
 </file>
 
@@ -9422,11 +10329,11 @@
           <a:lstStyle/>
           <a:p>
             <a:r>
-              <a:rPr lang="it-IT" dirty="0"/>
+              <a:rPr lang="it-IT" dirty="0" smtClean="0"/>
               <a:t>K-</a:t>
             </a:r>
             <a:r>
-              <a:rPr lang="it-IT" dirty="0" err="1"/>
+              <a:rPr lang="it-IT" dirty="0" err="1" smtClean="0"/>
               <a:t>Means</a:t>
             </a:r>
             <a:endParaRPr lang="it-IT" dirty="0"/>
@@ -9458,10 +10365,10 @@
             <a:pPr marL="0" indent="0">
               <a:buNone/>
             </a:pPr>
-            <a:endParaRPr lang="it-IT" dirty="0"/>
-          </a:p>
-          <a:p>
-            <a:endParaRPr lang="it-IT" sz="1900" dirty="0"/>
+            <a:endParaRPr lang="it-IT" dirty="0" smtClean="0"/>
+          </a:p>
+          <a:p>
+            <a:endParaRPr lang="it-IT" sz="1900" dirty="0" smtClean="0"/>
           </a:p>
         </p:txBody>
       </p:sp>
@@ -9586,7 +10493,7 @@
           <a:lstStyle/>
           <a:p>
             <a:r>
-              <a:rPr lang="it-IT" sz="1900" spc="10" dirty="0">
+              <a:rPr lang="it-IT" sz="1900" spc="10" dirty="0" smtClean="0">
                 <a:solidFill>
                   <a:schemeClr val="tx1">
                     <a:lumMod val="65000"/>
@@ -9596,6 +10503,14 @@
               </a:rPr>
               <a:t>                      Pesi del portafoglio statico</a:t>
             </a:r>
+            <a:endParaRPr lang="it-IT" sz="1900" spc="10" dirty="0">
+              <a:solidFill>
+                <a:schemeClr val="tx1">
+                  <a:lumMod val="65000"/>
+                  <a:lumOff val="35000"/>
+                </a:schemeClr>
+              </a:solidFill>
+            </a:endParaRPr>
           </a:p>
         </p:txBody>
       </p:sp>
@@ -9609,6 +10524,13 @@
   <p:clrMapOvr>
     <a:masterClrMapping/>
   </p:clrMapOvr>
+  <p:timing>
+    <p:tnLst>
+      <p:par>
+        <p:cTn id="1" dur="indefinite" restart="never" nodeType="tmRoot"/>
+      </p:par>
+    </p:tnLst>
+  </p:timing>
 </p:sld>
 </file>
 

--- a/presentazione.pptx
+++ b/presentazione.pptx
@@ -5764,11 +5764,11 @@
                   <a:t>come per </a:t>
                 </a:r>
                 <a:r>
-                  <a:rPr lang="it-IT" sz="1900" dirty="0" smtClean="0"/>
+                  <a:rPr lang="it-IT" sz="1900" i="1" dirty="0" smtClean="0"/>
                   <a:t>K-</a:t>
                 </a:r>
                 <a:r>
-                  <a:rPr lang="it-IT" sz="1900" dirty="0" err="1" smtClean="0"/>
+                  <a:rPr lang="it-IT" sz="1900" i="1" dirty="0" err="1" smtClean="0"/>
                   <a:t>Means</a:t>
                 </a:r>
                 <a:r>
@@ -6553,7 +6553,15 @@
                 </a:r>
                 <a:r>
                   <a:rPr lang="it-IT" dirty="0"/>
-                  <a:t>altri cluster </a:t>
+                  <a:t>altri </a:t>
+                </a:r>
+                <a:r>
+                  <a:rPr lang="it-IT" i="1" dirty="0"/>
+                  <a:t>cluster</a:t>
+                </a:r>
+                <a:r>
+                  <a:rPr lang="it-IT" dirty="0"/>
+                  <a:t> </a:t>
                 </a:r>
                 <a:r>
                   <a:rPr lang="it-IT" dirty="0" smtClean="0"/>
@@ -9778,8 +9786,8 @@
           </a:p>
         </p:txBody>
       </p:sp>
-      <mc:AlternateContent xmlns:mc="http://schemas.openxmlformats.org/markup-compatibility/2006" xmlns:a14="http://schemas.microsoft.com/office/drawing/2010/main">
-        <mc:Choice Requires="a14">
+      <mc:AlternateContent xmlns:mc="http://schemas.openxmlformats.org/markup-compatibility/2006">
+        <mc:Choice xmlns:a14="http://schemas.microsoft.com/office/drawing/2010/main" Requires="a14">
           <p:sp>
             <p:nvSpPr>
               <p:cNvPr id="7" name="Segnaposto contenuto 6"/>
@@ -10173,7 +10181,15 @@
               <a:p>
                 <a:r>
                   <a:rPr lang="it-IT" sz="1900" dirty="0" smtClean="0"/>
-                  <a:t>Il numero ottimale di cluster è selezionato come il punto in cui il tasso di decrescita del SSE rispetto al numero di </a:t>
+                  <a:t>Il numero ottimale di </a:t>
+                </a:r>
+                <a:r>
+                  <a:rPr lang="it-IT" sz="1900" i="1" dirty="0" smtClean="0"/>
+                  <a:t>cluster</a:t>
+                </a:r>
+                <a:r>
+                  <a:rPr lang="it-IT" sz="1900" dirty="0" smtClean="0"/>
+                  <a:t> è selezionato come il punto in cui il tasso di decrescita del SSE rispetto al numero di </a:t>
                 </a:r>
                 <a:r>
                   <a:rPr lang="it-IT" sz="1900" i="1" dirty="0" smtClean="0"/>
@@ -10203,7 +10219,7 @@
             </p:txBody>
           </p:sp>
         </mc:Choice>
-        <mc:Fallback xmlns="">
+        <mc:Fallback>
           <p:sp>
             <p:nvSpPr>
               <p:cNvPr id="7" name="Segnaposto contenuto 6"/>

--- a/presentazione.pptx
+++ b/presentazione.pptx
@@ -5571,8 +5571,8 @@
           </a:p>
         </p:txBody>
       </p:sp>
-      <mc:AlternateContent xmlns:mc="http://schemas.openxmlformats.org/markup-compatibility/2006">
-        <mc:Choice xmlns:a14="http://schemas.microsoft.com/office/drawing/2010/main" Requires="a14">
+      <mc:AlternateContent xmlns:mc="http://schemas.openxmlformats.org/markup-compatibility/2006" xmlns:a14="http://schemas.microsoft.com/office/drawing/2010/main">
+        <mc:Choice Requires="a14">
           <p:sp>
             <p:nvSpPr>
               <p:cNvPr id="7" name="Segnaposto contenuto 6"/>
@@ -5800,7 +5800,7 @@
             </p:txBody>
           </p:sp>
         </mc:Choice>
-        <mc:Fallback>
+        <mc:Fallback xmlns="">
           <p:sp>
             <p:nvSpPr>
               <p:cNvPr id="7" name="Segnaposto contenuto 6"/>
@@ -6486,7 +6486,7 @@
             <p:spPr>
               <a:xfrm>
                 <a:off x="528039" y="1645980"/>
-                <a:ext cx="8134708" cy="1200329"/>
+                <a:ext cx="8134708" cy="1261884"/>
               </a:xfrm>
               <a:prstGeom prst="rect">
                 <a:avLst/>
@@ -6504,71 +6504,150 @@
                   <a:buChar char="•"/>
                 </a:pPr>
                 <a:r>
-                  <a:rPr lang="it-IT" dirty="0" smtClean="0"/>
+                  <a:rPr lang="it-IT" sz="1900" spc="10" dirty="0">
+                    <a:solidFill>
+                      <a:schemeClr val="tx1">
+                        <a:lumMod val="65000"/>
+                        <a:lumOff val="35000"/>
+                      </a:schemeClr>
+                    </a:solidFill>
+                  </a:rPr>
                   <a:t>Il coefficiente </a:t>
                 </a:r>
                 <a:r>
-                  <a:rPr lang="it-IT" i="1" dirty="0" smtClean="0"/>
-                  <a:t>Silhouette </a:t>
-                </a:r>
-                <a:r>
-                  <a:rPr lang="it-IT" dirty="0" smtClean="0"/>
-                  <a:t>misura la distanza media fra un’osservazione e gli altri elementi dello stesso </a:t>
-                </a:r>
-                <a:r>
-                  <a:rPr lang="it-IT" i="1" dirty="0" smtClean="0"/>
+                  <a:rPr lang="it-IT" sz="1900" i="1" spc="10" dirty="0">
+                    <a:solidFill>
+                      <a:schemeClr val="tx1">
+                        <a:lumMod val="65000"/>
+                        <a:lumOff val="35000"/>
+                      </a:schemeClr>
+                    </a:solidFill>
+                  </a:rPr>
+                  <a:t>Silhouette</a:t>
+                </a:r>
+                <a:r>
+                  <a:rPr lang="it-IT" sz="1900" spc="10" dirty="0">
+                    <a:solidFill>
+                      <a:schemeClr val="tx1">
+                        <a:lumMod val="65000"/>
+                        <a:lumOff val="35000"/>
+                      </a:schemeClr>
+                    </a:solidFill>
+                  </a:rPr>
+                  <a:t> misura la distanza media fra un’osservazione e gli altri elementi dello stesso </a:t>
+                </a:r>
+                <a:r>
+                  <a:rPr lang="it-IT" sz="1900" i="1" spc="10" dirty="0">
+                    <a:solidFill>
+                      <a:schemeClr val="tx1">
+                        <a:lumMod val="65000"/>
+                        <a:lumOff val="35000"/>
+                      </a:schemeClr>
+                    </a:solidFill>
+                  </a:rPr>
                   <a:t>cluster</a:t>
                 </a:r>
                 <a:r>
-                  <a:rPr lang="it-IT" dirty="0" smtClean="0"/>
+                  <a:rPr lang="it-IT" sz="1900" spc="10" dirty="0">
+                    <a:solidFill>
+                      <a:schemeClr val="tx1">
+                        <a:lumMod val="65000"/>
+                        <a:lumOff val="35000"/>
+                      </a:schemeClr>
+                    </a:solidFill>
+                  </a:rPr>
                   <a:t> (</a:t>
                 </a:r>
                 <a14:m>
                   <m:oMath xmlns:m="http://schemas.openxmlformats.org/officeDocument/2006/math">
                     <m:r>
-                      <a:rPr lang="it-IT" b="0" i="1" smtClean="0">
-                        <a:latin typeface="Cambria Math" panose="02040503050406030204" pitchFamily="18" charset="0"/>
+                      <a:rPr lang="it-IT" sz="1900" spc="10">
+                        <a:solidFill>
+                          <a:schemeClr val="tx1">
+                            <a:lumMod val="65000"/>
+                            <a:lumOff val="35000"/>
+                          </a:schemeClr>
+                        </a:solidFill>
                       </a:rPr>
                       <m:t>𝑎</m:t>
                     </m:r>
                     <m:r>
-                      <a:rPr lang="it-IT" b="0" i="1" smtClean="0">
-                        <a:latin typeface="Cambria Math" panose="02040503050406030204" pitchFamily="18" charset="0"/>
+                      <a:rPr lang="it-IT" sz="1900" spc="10">
+                        <a:solidFill>
+                          <a:schemeClr val="tx1">
+                            <a:lumMod val="65000"/>
+                            <a:lumOff val="35000"/>
+                          </a:schemeClr>
+                        </a:solidFill>
                       </a:rPr>
                       <m:t>)</m:t>
                     </m:r>
                   </m:oMath>
                 </a14:m>
                 <a:r>
-                  <a:rPr lang="it-IT" dirty="0" smtClean="0"/>
-                  <a:t> rispetto alla distanza media fra l’osservazione e gli elementi </a:t>
-                </a:r>
-                <a:r>
-                  <a:rPr lang="it-IT" dirty="0" smtClean="0"/>
-                  <a:t>de</a:t>
-                </a:r>
-                <a:r>
-                  <a:rPr lang="it-IT" dirty="0" smtClean="0"/>
-                  <a:t>gli </a:t>
-                </a:r>
-                <a:r>
-                  <a:rPr lang="it-IT" dirty="0"/>
+                  <a:rPr lang="it-IT" sz="1900" spc="10" dirty="0">
+                    <a:solidFill>
+                      <a:schemeClr val="tx1">
+                        <a:lumMod val="65000"/>
+                        <a:lumOff val="35000"/>
+                      </a:schemeClr>
+                    </a:solidFill>
+                  </a:rPr>
+                  <a:t> rispetto alla distanza media fra l’osservazione e gli elementi degli </a:t>
+                </a:r>
+                <a:r>
+                  <a:rPr lang="it-IT" sz="1900" spc="10" dirty="0">
+                    <a:solidFill>
+                      <a:schemeClr val="tx1">
+                        <a:lumMod val="65000"/>
+                        <a:lumOff val="35000"/>
+                      </a:schemeClr>
+                    </a:solidFill>
+                  </a:rPr>
                   <a:t>altri </a:t>
                 </a:r>
                 <a:r>
-                  <a:rPr lang="it-IT" i="1" dirty="0"/>
+                  <a:rPr lang="it-IT" sz="1900" i="1" spc="10" dirty="0">
+                    <a:solidFill>
+                      <a:schemeClr val="tx1">
+                        <a:lumMod val="65000"/>
+                        <a:lumOff val="35000"/>
+                      </a:schemeClr>
+                    </a:solidFill>
+                  </a:rPr>
                   <a:t>cluster</a:t>
                 </a:r>
                 <a:r>
-                  <a:rPr lang="it-IT" dirty="0"/>
+                  <a:rPr lang="it-IT" sz="1900" spc="10" dirty="0">
+                    <a:solidFill>
+                      <a:schemeClr val="tx1">
+                        <a:lumMod val="65000"/>
+                        <a:lumOff val="35000"/>
+                      </a:schemeClr>
+                    </a:solidFill>
+                  </a:rPr>
                   <a:t> </a:t>
                 </a:r>
                 <a:r>
-                  <a:rPr lang="it-IT" dirty="0" smtClean="0"/>
+                  <a:rPr lang="it-IT" sz="1900" spc="10" dirty="0">
+                    <a:solidFill>
+                      <a:schemeClr val="tx1">
+                        <a:lumMod val="65000"/>
+                        <a:lumOff val="35000"/>
+                      </a:schemeClr>
+                    </a:solidFill>
+                  </a:rPr>
                   <a:t>(b</a:t>
                 </a:r>
                 <a:r>
-                  <a:rPr lang="it-IT" dirty="0"/>
+                  <a:rPr lang="it-IT" sz="1900" spc="10" dirty="0">
+                    <a:solidFill>
+                      <a:schemeClr val="tx1">
+                        <a:lumMod val="65000"/>
+                        <a:lumOff val="35000"/>
+                      </a:schemeClr>
+                    </a:solidFill>
+                  </a:rPr>
                   <a:t>). Il suo valore è compreso fra -1 e +1.</a:t>
                 </a:r>
               </a:p>
@@ -6593,7 +6672,7 @@
             <p:spPr>
               <a:xfrm>
                 <a:off x="528039" y="1645980"/>
-                <a:ext cx="8134708" cy="1200329"/>
+                <a:ext cx="8134708" cy="1261884"/>
               </a:xfrm>
               <a:prstGeom prst="rect">
                 <a:avLst/>
@@ -6601,7 +6680,7 @@
               <a:blipFill>
                 <a:blip r:embed="rId3"/>
                 <a:stretch>
-                  <a:fillRect l="-525" t="-2538" r="-225" b="-7107"/>
+                  <a:fillRect l="-600" t="-2415" b="-7246"/>
                 </a:stretch>
               </a:blipFill>
             </p:spPr>
@@ -6667,7 +6746,7 @@
             <p:spPr>
               <a:xfrm>
                 <a:off x="528038" y="3464906"/>
-                <a:ext cx="8134708" cy="923330"/>
+                <a:ext cx="8134708" cy="969496"/>
               </a:xfrm>
               <a:prstGeom prst="rect">
                 <a:avLst/>
@@ -6685,31 +6764,80 @@
                   <a:buChar char="•"/>
                 </a:pPr>
                 <a:r>
-                  <a:rPr lang="it-IT" dirty="0" smtClean="0"/>
+                  <a:rPr lang="it-IT" sz="1900" spc="10" dirty="0">
+                    <a:solidFill>
+                      <a:schemeClr val="tx1">
+                        <a:lumMod val="65000"/>
+                        <a:lumOff val="35000"/>
+                      </a:schemeClr>
+                    </a:solidFill>
+                  </a:rPr>
                   <a:t>L’indice di </a:t>
                 </a:r>
                 <a:r>
-                  <a:rPr lang="it-IT" i="1" dirty="0" err="1"/>
+                  <a:rPr lang="it-IT" sz="1900" i="1" spc="10" dirty="0" err="1">
+                    <a:solidFill>
+                      <a:schemeClr val="tx1">
+                        <a:lumMod val="65000"/>
+                        <a:lumOff val="35000"/>
+                      </a:schemeClr>
+                    </a:solidFill>
+                  </a:rPr>
                   <a:t>Calinski-Harabasz</a:t>
                 </a:r>
                 <a:r>
-                  <a:rPr lang="it-IT" dirty="0"/>
+                  <a:rPr lang="it-IT" sz="1900" spc="10" dirty="0">
+                    <a:solidFill>
+                      <a:schemeClr val="tx1">
+                        <a:lumMod val="65000"/>
+                        <a:lumOff val="35000"/>
+                      </a:schemeClr>
+                    </a:solidFill>
+                  </a:rPr>
                   <a:t> è dato dal rapporto </a:t>
                 </a:r>
                 <a:r>
-                  <a:rPr lang="it-IT" dirty="0" smtClean="0"/>
+                  <a:rPr lang="it-IT" sz="1900" spc="10" dirty="0">
+                    <a:solidFill>
+                      <a:schemeClr val="tx1">
+                        <a:lumMod val="65000"/>
+                        <a:lumOff val="35000"/>
+                      </a:schemeClr>
+                    </a:solidFill>
+                  </a:rPr>
                   <a:t>fra la dispersione </a:t>
                 </a:r>
                 <a:r>
-                  <a:rPr lang="it-IT" dirty="0"/>
+                  <a:rPr lang="it-IT" sz="1900" spc="10" dirty="0">
+                    <a:solidFill>
+                      <a:schemeClr val="tx1">
+                        <a:lumMod val="65000"/>
+                        <a:lumOff val="35000"/>
+                      </a:schemeClr>
+                    </a:solidFill>
+                  </a:rPr>
                   <a:t>infra-</a:t>
                 </a:r>
                 <a:r>
-                  <a:rPr lang="it-IT" i="1" dirty="0"/>
+                  <a:rPr lang="it-IT" sz="1900" i="1" spc="10" dirty="0">
+                    <a:solidFill>
+                      <a:schemeClr val="tx1">
+                        <a:lumMod val="65000"/>
+                        <a:lumOff val="35000"/>
+                      </a:schemeClr>
+                    </a:solidFill>
+                  </a:rPr>
                   <a:t>cluster</a:t>
                 </a:r>
                 <a:r>
-                  <a:rPr lang="it-IT" dirty="0"/>
+                  <a:rPr lang="it-IT" sz="1900" spc="10" dirty="0">
+                    <a:solidFill>
+                      <a:schemeClr val="tx1">
+                        <a:lumMod val="65000"/>
+                        <a:lumOff val="35000"/>
+                      </a:schemeClr>
+                    </a:solidFill>
+                  </a:rPr>
                   <a:t> </a:t>
                 </a:r>
                 <a14:m>
@@ -6717,74 +6845,148 @@
                     <m:sSub>
                       <m:sSubPr>
                         <m:ctrlPr>
-                          <a:rPr lang="it-IT" b="0" i="1" smtClean="0">
-                            <a:latin typeface="Cambria Math" panose="02040503050406030204" pitchFamily="18" charset="0"/>
+                          <a:rPr lang="it-IT" sz="1900" spc="10">
+                            <a:solidFill>
+                              <a:schemeClr val="tx1">
+                                <a:lumMod val="65000"/>
+                                <a:lumOff val="35000"/>
+                              </a:schemeClr>
+                            </a:solidFill>
                           </a:rPr>
                         </m:ctrlPr>
                       </m:sSubPr>
                       <m:e>
                         <m:r>
-                          <a:rPr lang="it-IT" b="1" i="1" smtClean="0">
-                            <a:latin typeface="Cambria Math" panose="02040503050406030204" pitchFamily="18" charset="0"/>
+                          <a:rPr lang="it-IT" sz="1900" spc="10">
+                            <a:solidFill>
+                              <a:schemeClr val="tx1">
+                                <a:lumMod val="65000"/>
+                                <a:lumOff val="35000"/>
+                              </a:schemeClr>
+                            </a:solidFill>
                           </a:rPr>
                           <m:t>𝑩</m:t>
                         </m:r>
                       </m:e>
                       <m:sub>
                         <m:r>
-                          <a:rPr lang="it-IT" b="0" i="1" smtClean="0">
-                            <a:latin typeface="Cambria Math" panose="02040503050406030204" pitchFamily="18" charset="0"/>
+                          <a:rPr lang="it-IT" sz="1900" spc="10">
+                            <a:solidFill>
+                              <a:schemeClr val="tx1">
+                                <a:lumMod val="65000"/>
+                                <a:lumOff val="35000"/>
+                              </a:schemeClr>
+                            </a:solidFill>
                           </a:rPr>
                           <m:t>𝑘</m:t>
                         </m:r>
                       </m:sub>
                     </m:sSub>
                     <m:r>
-                      <a:rPr lang="it-IT" b="0" i="1" smtClean="0">
-                        <a:latin typeface="Cambria Math" panose="02040503050406030204" pitchFamily="18" charset="0"/>
+                      <a:rPr lang="it-IT" sz="1900" spc="10">
+                        <a:solidFill>
+                          <a:schemeClr val="tx1">
+                            <a:lumMod val="65000"/>
+                            <a:lumOff val="35000"/>
+                          </a:schemeClr>
+                        </a:solidFill>
                       </a:rPr>
                       <m:t> </m:t>
                     </m:r>
                   </m:oMath>
                 </a14:m>
                 <a:r>
-                  <a:rPr lang="it-IT" dirty="0" smtClean="0"/>
+                  <a:rPr lang="it-IT" sz="1900" spc="10" dirty="0">
+                    <a:solidFill>
+                      <a:schemeClr val="tx1">
+                        <a:lumMod val="65000"/>
+                        <a:lumOff val="35000"/>
+                      </a:schemeClr>
+                    </a:solidFill>
+                  </a:rPr>
                   <a:t>e la </a:t>
                 </a:r>
                 <a:r>
-                  <a:rPr lang="it-IT" dirty="0"/>
+                  <a:rPr lang="it-IT" sz="1900" spc="10" dirty="0">
+                    <a:solidFill>
+                      <a:schemeClr val="tx1">
+                        <a:lumMod val="65000"/>
+                        <a:lumOff val="35000"/>
+                      </a:schemeClr>
+                    </a:solidFill>
+                  </a:rPr>
                   <a:t>dispersione </a:t>
                 </a:r>
                 <a:r>
-                  <a:rPr lang="it-IT" dirty="0" smtClean="0"/>
+                  <a:rPr lang="it-IT" sz="1900" spc="10" dirty="0">
+                    <a:solidFill>
+                      <a:schemeClr val="tx1">
+                        <a:lumMod val="65000"/>
+                        <a:lumOff val="35000"/>
+                      </a:schemeClr>
+                    </a:solidFill>
+                  </a:rPr>
                   <a:t>intra-</a:t>
                 </a:r>
                 <a:r>
-                  <a:rPr lang="it-IT" i="1" dirty="0" smtClean="0"/>
-                  <a:t>cluster </a:t>
+                  <a:rPr lang="it-IT" sz="1900" i="1" spc="10" dirty="0">
+                    <a:solidFill>
+                      <a:schemeClr val="tx1">
+                        <a:lumMod val="65000"/>
+                        <a:lumOff val="35000"/>
+                      </a:schemeClr>
+                    </a:solidFill>
+                  </a:rPr>
+                  <a:t>cluster</a:t>
+                </a:r>
+                <a:r>
+                  <a:rPr lang="it-IT" sz="1900" spc="10" dirty="0">
+                    <a:solidFill>
+                      <a:schemeClr val="tx1">
+                        <a:lumMod val="65000"/>
+                        <a:lumOff val="35000"/>
+                      </a:schemeClr>
+                    </a:solidFill>
+                  </a:rPr>
+                  <a:t> </a:t>
                 </a:r>
                 <a14:m>
                   <m:oMath xmlns:m="http://schemas.openxmlformats.org/officeDocument/2006/math">
                     <m:sSub>
                       <m:sSubPr>
                         <m:ctrlPr>
-                          <a:rPr lang="it-IT" i="1">
-                            <a:latin typeface="Cambria Math" panose="02040503050406030204" pitchFamily="18" charset="0"/>
+                          <a:rPr lang="it-IT" sz="1900" spc="10">
+                            <a:solidFill>
+                              <a:schemeClr val="tx1">
+                                <a:lumMod val="65000"/>
+                                <a:lumOff val="35000"/>
+                              </a:schemeClr>
+                            </a:solidFill>
                           </a:rPr>
                         </m:ctrlPr>
                       </m:sSubPr>
                       <m:e>
                         <m:r>
-                          <a:rPr lang="it-IT" b="1" i="1" smtClean="0">
-                            <a:latin typeface="Cambria Math" panose="02040503050406030204" pitchFamily="18" charset="0"/>
+                          <a:rPr lang="it-IT" sz="1900" spc="10">
+                            <a:solidFill>
+                              <a:schemeClr val="tx1">
+                                <a:lumMod val="65000"/>
+                                <a:lumOff val="35000"/>
+                              </a:schemeClr>
+                            </a:solidFill>
                           </a:rPr>
                           <m:t>𝑾</m:t>
                         </m:r>
                       </m:e>
                       <m:sub>
                         <m:r>
-                          <a:rPr lang="it-IT" i="1">
-                            <a:latin typeface="Cambria Math" panose="02040503050406030204" pitchFamily="18" charset="0"/>
+                          <a:rPr lang="it-IT" sz="1900" spc="10">
+                            <a:solidFill>
+                              <a:schemeClr val="tx1">
+                                <a:lumMod val="65000"/>
+                                <a:lumOff val="35000"/>
+                              </a:schemeClr>
+                            </a:solidFill>
                           </a:rPr>
                           <m:t>𝑘</m:t>
                         </m:r>
@@ -6793,37 +6995,90 @@
                   </m:oMath>
                 </a14:m>
                 <a:r>
-                  <a:rPr lang="it-IT" dirty="0" smtClean="0"/>
+                  <a:rPr lang="it-IT" sz="1900" spc="10" dirty="0">
+                    <a:solidFill>
+                      <a:schemeClr val="tx1">
+                        <a:lumMod val="65000"/>
+                        <a:lumOff val="35000"/>
+                      </a:schemeClr>
+                    </a:solidFill>
+                  </a:rPr>
                   <a:t>. </a:t>
                 </a:r>
                 <a:r>
-                  <a:rPr lang="it-IT" dirty="0"/>
+                  <a:rPr lang="it-IT" sz="1900" spc="10" dirty="0">
+                    <a:solidFill>
+                      <a:schemeClr val="tx1">
+                        <a:lumMod val="65000"/>
+                        <a:lumOff val="35000"/>
+                      </a:schemeClr>
+                    </a:solidFill>
+                  </a:rPr>
                   <a:t>Più il suo valore è </a:t>
                 </a:r>
                 <a:r>
-                  <a:rPr lang="it-IT" dirty="0" smtClean="0"/>
+                  <a:rPr lang="it-IT" sz="1900" spc="10" dirty="0">
+                    <a:solidFill>
+                      <a:schemeClr val="tx1">
+                        <a:lumMod val="65000"/>
+                        <a:lumOff val="35000"/>
+                      </a:schemeClr>
+                    </a:solidFill>
+                  </a:rPr>
                   <a:t>elevato, </a:t>
                 </a:r>
                 <a:r>
-                  <a:rPr lang="it-IT" dirty="0"/>
+                  <a:rPr lang="it-IT" sz="1900" spc="10" dirty="0">
+                    <a:solidFill>
+                      <a:schemeClr val="tx1">
+                        <a:lumMod val="65000"/>
+                        <a:lumOff val="35000"/>
+                      </a:schemeClr>
+                    </a:solidFill>
+                  </a:rPr>
                   <a:t>migliore è la </a:t>
                 </a:r>
                 <a:r>
-                  <a:rPr lang="it-IT" i="1" dirty="0"/>
+                  <a:rPr lang="it-IT" sz="1900" i="1" spc="10" dirty="0">
+                    <a:solidFill>
+                      <a:schemeClr val="tx1">
+                        <a:lumMod val="65000"/>
+                        <a:lumOff val="35000"/>
+                      </a:schemeClr>
+                    </a:solidFill>
+                  </a:rPr>
                   <a:t>performance</a:t>
                 </a:r>
                 <a:r>
-                  <a:rPr lang="it-IT" dirty="0"/>
-                  <a:t> del </a:t>
-                </a:r>
-                <a:r>
-                  <a:rPr lang="it-IT" i="1" dirty="0"/>
-                  <a:t>cluster</a:t>
-                </a:r>
-                <a:r>
-                  <a:rPr lang="it-IT" dirty="0"/>
-                  <a:t>.</a:t>
-                </a:r>
+                  <a:rPr lang="it-IT" sz="1900" spc="10" dirty="0">
+                    <a:solidFill>
+                      <a:schemeClr val="tx1">
+                        <a:lumMod val="65000"/>
+                        <a:lumOff val="35000"/>
+                      </a:schemeClr>
+                    </a:solidFill>
+                  </a:rPr>
+                  <a:t> </a:t>
+                </a:r>
+                <a:r>
+                  <a:rPr lang="it-IT" sz="1900" spc="10" dirty="0" smtClean="0">
+                    <a:solidFill>
+                      <a:schemeClr val="tx1">
+                        <a:lumMod val="65000"/>
+                        <a:lumOff val="35000"/>
+                      </a:schemeClr>
+                    </a:solidFill>
+                  </a:rPr>
+                  <a:t>dell’algoritmo.</a:t>
+                </a:r>
+                <a:endParaRPr lang="it-IT" sz="1900" spc="10" dirty="0">
+                  <a:solidFill>
+                    <a:schemeClr val="tx1">
+                      <a:lumMod val="65000"/>
+                      <a:lumOff val="35000"/>
+                    </a:schemeClr>
+                  </a:solidFill>
+                </a:endParaRPr>
               </a:p>
             </p:txBody>
           </p:sp>
@@ -6846,7 +7101,7 @@
             <p:spPr>
               <a:xfrm>
                 <a:off x="528038" y="3464906"/>
-                <a:ext cx="8134708" cy="923330"/>
+                <a:ext cx="8134708" cy="969496"/>
               </a:xfrm>
               <a:prstGeom prst="rect">
                 <a:avLst/>
@@ -6854,7 +7109,7 @@
               <a:blipFill>
                 <a:blip r:embed="rId5"/>
                 <a:stretch>
-                  <a:fillRect l="-525" t="-3289" b="-9211"/>
+                  <a:fillRect l="-600" t="-3145" r="-675" b="-10063"/>
                 </a:stretch>
               </a:blipFill>
             </p:spPr>
@@ -7466,11 +7721,7 @@
             </a:r>
             <a:r>
               <a:rPr lang="it-IT" sz="2400" spc="30" dirty="0" smtClean="0"/>
-              <a:t> dei </a:t>
-            </a:r>
-            <a:r>
-              <a:rPr lang="it-IT" sz="2400" spc="30" dirty="0" smtClean="0"/>
-              <a:t>portafogli</a:t>
+              <a:t> dei portafogli</a:t>
             </a:r>
           </a:p>
           <a:p>
@@ -7560,7 +7811,6 @@
               <a:rPr lang="it-IT" dirty="0"/>
               <a:t> dei portafogli</a:t>
             </a:r>
-            <a:endParaRPr lang="it-IT" dirty="0"/>
           </a:p>
         </p:txBody>
       </p:sp>
@@ -8148,7 +8398,6 @@
               <a:rPr lang="it-IT" dirty="0" smtClean="0"/>
               <a:t> Dynamics and Control, 32(1), 235-258.</a:t>
             </a:r>
-            <a:endParaRPr lang="it-IT" dirty="0" smtClean="0"/>
           </a:p>
         </p:txBody>
       </p:sp>
@@ -9801,7 +10050,7 @@
             <p:spPr>
               <a:xfrm>
                 <a:off x="627321" y="947041"/>
-                <a:ext cx="5890437" cy="5315535"/>
+                <a:ext cx="5890437" cy="5509177"/>
               </a:xfrm>
             </p:spPr>
             <p:txBody>
@@ -9830,7 +10079,11 @@
                 </a:r>
                 <a:r>
                   <a:rPr lang="it-IT" altLang="it-IT" sz="1900" dirty="0" smtClean="0"/>
-                  <a:t> un </a:t>
+                  <a:t> </a:t>
+                </a:r>
+                <a:r>
+                  <a:rPr lang="it-IT" altLang="it-IT" sz="1900" dirty="0" smtClean="0"/>
+                  <a:t>divide un </a:t>
                 </a:r>
                 <a:r>
                   <a:rPr lang="it-IT" altLang="it-IT" sz="1900" dirty="0"/>
@@ -9933,63 +10186,28 @@
                   <a:t>centroidi</a:t>
                 </a:r>
                 <a:r>
+                  <a:rPr lang="it-IT" altLang="it-IT" sz="1900" dirty="0"/>
+                  <a:t> </a:t>
+                </a:r>
+                <a:r>
                   <a:rPr lang="it-IT" altLang="it-IT" sz="1900" dirty="0" smtClean="0"/>
-                  <a:t> </a:t>
-                </a:r>
-                <a14:m>
-                  <m:oMath xmlns:m="http://schemas.openxmlformats.org/officeDocument/2006/math">
-                    <m:sSub>
-                      <m:sSubPr>
-                        <m:ctrlPr>
-                          <a:rPr lang="it-IT" altLang="it-IT" sz="1900" i="1">
-                            <a:latin typeface="Cambria Math" panose="02040503050406030204" pitchFamily="18" charset="0"/>
-                          </a:rPr>
-                        </m:ctrlPr>
-                      </m:sSubPr>
-                      <m:e>
-                        <m:r>
-                          <a:rPr lang="it-IT" altLang="it-IT" sz="1900" i="1">
-                            <a:latin typeface="Cambria Math" panose="02040503050406030204" pitchFamily="18" charset="0"/>
-                          </a:rPr>
-                          <m:t>𝜇</m:t>
-                        </m:r>
-                      </m:e>
-                      <m:sub>
-                        <m:r>
-                          <a:rPr lang="it-IT" altLang="it-IT" sz="1900" i="1">
-                            <a:latin typeface="Cambria Math" panose="02040503050406030204" pitchFamily="18" charset="0"/>
-                          </a:rPr>
-                          <m:t>𝑖</m:t>
-                        </m:r>
-                      </m:sub>
-                    </m:sSub>
-                  </m:oMath>
-                </a14:m>
-                <a:r>
-                  <a:rPr lang="it-IT" altLang="it-IT" sz="1900" dirty="0" smtClean="0"/>
-                  <a:t> </a:t>
+                  <a:t>che </a:t>
                 </a:r>
                 <a:r>
                   <a:rPr lang="it-IT" altLang="it-IT" sz="1900" dirty="0"/>
-                  <a:t>che minimizzano la somma dei quadrati all'interno del </a:t>
+                  <a:t>minimizzano la somma dei quadrati all'interno del </a:t>
                 </a:r>
                 <a:r>
                   <a:rPr lang="it-IT" altLang="it-IT" sz="1900" dirty="0" smtClean="0"/>
                   <a:t>cluster </a:t>
                 </a:r>
-                <a14:m>
-                  <m:oMath xmlns:m="http://schemas.openxmlformats.org/officeDocument/2006/math">
-                    <m:r>
-                      <a:rPr lang="it-IT" altLang="it-IT" sz="1900" i="1">
-                        <a:latin typeface="Cambria Math" panose="02040503050406030204" pitchFamily="18" charset="0"/>
-                      </a:rPr>
-                      <m:t>𝐶</m:t>
-                    </m:r>
-                  </m:oMath>
-                </a14:m>
                 <a:r>
                   <a:rPr lang="it-IT" altLang="it-IT" sz="1900" dirty="0" smtClean="0"/>
-                  <a:t> (SSE): </a:t>
+                  <a:t>(</a:t>
+                </a:r>
+                <a:r>
+                  <a:rPr lang="it-IT" altLang="it-IT" sz="1900" dirty="0" smtClean="0"/>
+                  <a:t>SSE): </a:t>
                 </a:r>
                 <a:endParaRPr lang="it-IT" altLang="it-IT" sz="1900" i="1" dirty="0" smtClean="0">
                   <a:latin typeface="Cambria Math" panose="02040503050406030204" pitchFamily="18" charset="0"/>
@@ -10233,12 +10451,12 @@
             <p:spPr>
               <a:xfrm>
                 <a:off x="627321" y="947041"/>
-                <a:ext cx="5890437" cy="5315535"/>
+                <a:ext cx="5890437" cy="5509177"/>
               </a:xfrm>
               <a:blipFill>
                 <a:blip r:embed="rId2"/>
                 <a:stretch>
-                  <a:fillRect l="-414" r="-828"/>
+                  <a:fillRect l="-414"/>
                 </a:stretch>
               </a:blipFill>
             </p:spPr>

--- a/presentazione.pptx
+++ b/presentazione.pptx
@@ -21,10 +21,10 @@
     <p:sldId id="282" r:id="rId15"/>
     <p:sldId id="283" r:id="rId16"/>
     <p:sldId id="284" r:id="rId17"/>
-    <p:sldId id="286" r:id="rId18"/>
-    <p:sldId id="265" r:id="rId19"/>
-    <p:sldId id="266" r:id="rId20"/>
-    <p:sldId id="285" r:id="rId21"/>
+    <p:sldId id="265" r:id="rId18"/>
+    <p:sldId id="266" r:id="rId19"/>
+    <p:sldId id="285" r:id="rId20"/>
+    <p:sldId id="286" r:id="rId21"/>
     <p:sldId id="272" r:id="rId22"/>
     <p:sldId id="267" r:id="rId23"/>
   </p:sldIdLst>
@@ -189,7 +189,7 @@
           </a:lstStyle>
           <a:p>
             <a:r>
-              <a:rPr lang="it-IT" smtClean="0"/>
+              <a:rPr lang="it-IT"/>
               <a:t>Fare clic per modificare lo stile del titolo</a:t>
             </a:r>
             <a:endParaRPr lang="en-US" dirty="0"/>
@@ -262,7 +262,7 @@
           </a:lstStyle>
           <a:p>
             <a:r>
-              <a:rPr lang="it-IT" smtClean="0"/>
+              <a:rPr lang="it-IT"/>
               <a:t>Fare clic per modificare lo stile del sottotitolo dello schema</a:t>
             </a:r>
             <a:endParaRPr lang="en-US" dirty="0"/>
@@ -327,7 +327,7 @@
           <a:p>
             <a:fld id="{86EE8AF4-64DE-464C-B663-24FA85AF1999}" type="datetimeFigureOut">
               <a:rPr lang="it-IT" smtClean="0"/>
-              <a:t>05/01/2021</a:t>
+              <a:t>07/01/21</a:t>
             </a:fld>
             <a:endParaRPr lang="it-IT"/>
           </a:p>
@@ -421,7 +421,7 @@
           <a:lstStyle/>
           <a:p>
             <a:r>
-              <a:rPr lang="it-IT" smtClean="0"/>
+              <a:rPr lang="it-IT"/>
               <a:t>Fare clic per modificare lo stile del titolo</a:t>
             </a:r>
             <a:endParaRPr lang="en-US" dirty="0"/>
@@ -445,35 +445,35 @@
           <a:p>
             <a:pPr lvl="0"/>
             <a:r>
-              <a:rPr lang="it-IT" smtClean="0"/>
+              <a:rPr lang="it-IT"/>
               <a:t>Modifica gli stili del testo dello schema</a:t>
             </a:r>
           </a:p>
           <a:p>
             <a:pPr lvl="1"/>
             <a:r>
-              <a:rPr lang="it-IT" smtClean="0"/>
+              <a:rPr lang="it-IT"/>
               <a:t>Secondo livello</a:t>
             </a:r>
           </a:p>
           <a:p>
             <a:pPr lvl="2"/>
             <a:r>
-              <a:rPr lang="it-IT" smtClean="0"/>
+              <a:rPr lang="it-IT"/>
               <a:t>Terzo livello</a:t>
             </a:r>
           </a:p>
           <a:p>
             <a:pPr lvl="3"/>
             <a:r>
-              <a:rPr lang="it-IT" smtClean="0"/>
+              <a:rPr lang="it-IT"/>
               <a:t>Quarto livello</a:t>
             </a:r>
           </a:p>
           <a:p>
             <a:pPr lvl="4"/>
             <a:r>
-              <a:rPr lang="it-IT" smtClean="0"/>
+              <a:rPr lang="it-IT"/>
               <a:t>Quinto livello</a:t>
             </a:r>
             <a:endParaRPr lang="en-US" dirty="0"/>
@@ -497,7 +497,7 @@
           <a:p>
             <a:fld id="{86EE8AF4-64DE-464C-B663-24FA85AF1999}" type="datetimeFigureOut">
               <a:rPr lang="it-IT" smtClean="0"/>
-              <a:t>05/01/2021</a:t>
+              <a:t>07/01/21</a:t>
             </a:fld>
             <a:endParaRPr lang="it-IT"/>
           </a:p>
@@ -637,7 +637,7 @@
           <a:lstStyle/>
           <a:p>
             <a:r>
-              <a:rPr lang="it-IT" smtClean="0"/>
+              <a:rPr lang="it-IT"/>
               <a:t>Fare clic per modificare lo stile del titolo</a:t>
             </a:r>
             <a:endParaRPr lang="en-US" dirty="0"/>
@@ -666,35 +666,35 @@
           <a:p>
             <a:pPr lvl="0"/>
             <a:r>
-              <a:rPr lang="it-IT" smtClean="0"/>
+              <a:rPr lang="it-IT"/>
               <a:t>Modifica gli stili del testo dello schema</a:t>
             </a:r>
           </a:p>
           <a:p>
             <a:pPr lvl="1"/>
             <a:r>
-              <a:rPr lang="it-IT" smtClean="0"/>
+              <a:rPr lang="it-IT"/>
               <a:t>Secondo livello</a:t>
             </a:r>
           </a:p>
           <a:p>
             <a:pPr lvl="2"/>
             <a:r>
-              <a:rPr lang="it-IT" smtClean="0"/>
+              <a:rPr lang="it-IT"/>
               <a:t>Terzo livello</a:t>
             </a:r>
           </a:p>
           <a:p>
             <a:pPr lvl="3"/>
             <a:r>
-              <a:rPr lang="it-IT" smtClean="0"/>
+              <a:rPr lang="it-IT"/>
               <a:t>Quarto livello</a:t>
             </a:r>
           </a:p>
           <a:p>
             <a:pPr lvl="4"/>
             <a:r>
-              <a:rPr lang="it-IT" smtClean="0"/>
+              <a:rPr lang="it-IT"/>
               <a:t>Quinto livello</a:t>
             </a:r>
             <a:endParaRPr lang="en-US" dirty="0"/>
@@ -718,7 +718,7 @@
           <a:p>
             <a:fld id="{86EE8AF4-64DE-464C-B663-24FA85AF1999}" type="datetimeFigureOut">
               <a:rPr lang="it-IT" smtClean="0"/>
-              <a:t>05/01/2021</a:t>
+              <a:t>07/01/21</a:t>
             </a:fld>
             <a:endParaRPr lang="it-IT"/>
           </a:p>
@@ -853,7 +853,7 @@
           <a:lstStyle/>
           <a:p>
             <a:r>
-              <a:rPr lang="it-IT" smtClean="0"/>
+              <a:rPr lang="it-IT"/>
               <a:t>Fare clic per modificare lo stile del titolo</a:t>
             </a:r>
             <a:endParaRPr lang="en-US" dirty="0"/>
@@ -877,35 +877,35 @@
           <a:p>
             <a:pPr lvl="0"/>
             <a:r>
-              <a:rPr lang="it-IT" smtClean="0"/>
+              <a:rPr lang="it-IT"/>
               <a:t>Modifica gli stili del testo dello schema</a:t>
             </a:r>
           </a:p>
           <a:p>
             <a:pPr lvl="1"/>
             <a:r>
-              <a:rPr lang="it-IT" smtClean="0"/>
+              <a:rPr lang="it-IT"/>
               <a:t>Secondo livello</a:t>
             </a:r>
           </a:p>
           <a:p>
             <a:pPr lvl="2"/>
             <a:r>
-              <a:rPr lang="it-IT" smtClean="0"/>
+              <a:rPr lang="it-IT"/>
               <a:t>Terzo livello</a:t>
             </a:r>
           </a:p>
           <a:p>
             <a:pPr lvl="3"/>
             <a:r>
-              <a:rPr lang="it-IT" smtClean="0"/>
+              <a:rPr lang="it-IT"/>
               <a:t>Quarto livello</a:t>
             </a:r>
           </a:p>
           <a:p>
             <a:pPr lvl="4"/>
             <a:r>
-              <a:rPr lang="it-IT" smtClean="0"/>
+              <a:rPr lang="it-IT"/>
               <a:t>Quinto livello</a:t>
             </a:r>
             <a:endParaRPr lang="en-US" dirty="0"/>
@@ -929,7 +929,7 @@
           <a:p>
             <a:fld id="{86EE8AF4-64DE-464C-B663-24FA85AF1999}" type="datetimeFigureOut">
               <a:rPr lang="it-IT" smtClean="0"/>
-              <a:t>05/01/2021</a:t>
+              <a:t>07/01/21</a:t>
             </a:fld>
             <a:endParaRPr lang="it-IT"/>
           </a:p>
@@ -1078,7 +1078,7 @@
           </a:lstStyle>
           <a:p>
             <a:r>
-              <a:rPr lang="it-IT" smtClean="0"/>
+              <a:rPr lang="it-IT"/>
               <a:t>Fare clic per modificare lo stile del titolo</a:t>
             </a:r>
             <a:endParaRPr lang="en-US" dirty="0"/>
@@ -1201,7 +1201,7 @@
           <a:p>
             <a:pPr lvl="0"/>
             <a:r>
-              <a:rPr lang="it-IT" smtClean="0"/>
+              <a:rPr lang="it-IT"/>
               <a:t>Modifica gli stili del testo dello schema</a:t>
             </a:r>
           </a:p>
@@ -1224,7 +1224,7 @@
           <a:p>
             <a:fld id="{86EE8AF4-64DE-464C-B663-24FA85AF1999}" type="datetimeFigureOut">
               <a:rPr lang="it-IT" smtClean="0"/>
-              <a:t>05/01/2021</a:t>
+              <a:t>07/01/21</a:t>
             </a:fld>
             <a:endParaRPr lang="it-IT"/>
           </a:p>
@@ -1359,7 +1359,7 @@
           <a:lstStyle/>
           <a:p>
             <a:r>
-              <a:rPr lang="it-IT" smtClean="0"/>
+              <a:rPr lang="it-IT"/>
               <a:t>Fare clic per modificare lo stile del titolo</a:t>
             </a:r>
             <a:endParaRPr lang="en-US" dirty="0"/>
@@ -1416,35 +1416,35 @@
           <a:p>
             <a:pPr lvl="0"/>
             <a:r>
-              <a:rPr lang="it-IT" smtClean="0"/>
+              <a:rPr lang="it-IT"/>
               <a:t>Modifica gli stili del testo dello schema</a:t>
             </a:r>
           </a:p>
           <a:p>
             <a:pPr lvl="1"/>
             <a:r>
-              <a:rPr lang="it-IT" smtClean="0"/>
+              <a:rPr lang="it-IT"/>
               <a:t>Secondo livello</a:t>
             </a:r>
           </a:p>
           <a:p>
             <a:pPr lvl="2"/>
             <a:r>
-              <a:rPr lang="it-IT" smtClean="0"/>
+              <a:rPr lang="it-IT"/>
               <a:t>Terzo livello</a:t>
             </a:r>
           </a:p>
           <a:p>
             <a:pPr lvl="3"/>
             <a:r>
-              <a:rPr lang="it-IT" smtClean="0"/>
+              <a:rPr lang="it-IT"/>
               <a:t>Quarto livello</a:t>
             </a:r>
           </a:p>
           <a:p>
             <a:pPr lvl="4"/>
             <a:r>
-              <a:rPr lang="it-IT" smtClean="0"/>
+              <a:rPr lang="it-IT"/>
               <a:t>Quinto livello</a:t>
             </a:r>
             <a:endParaRPr lang="en-US" dirty="0"/>
@@ -1501,35 +1501,35 @@
           <a:p>
             <a:pPr lvl="0"/>
             <a:r>
-              <a:rPr lang="it-IT" smtClean="0"/>
+              <a:rPr lang="it-IT"/>
               <a:t>Modifica gli stili del testo dello schema</a:t>
             </a:r>
           </a:p>
           <a:p>
             <a:pPr lvl="1"/>
             <a:r>
-              <a:rPr lang="it-IT" smtClean="0"/>
+              <a:rPr lang="it-IT"/>
               <a:t>Secondo livello</a:t>
             </a:r>
           </a:p>
           <a:p>
             <a:pPr lvl="2"/>
             <a:r>
-              <a:rPr lang="it-IT" smtClean="0"/>
+              <a:rPr lang="it-IT"/>
               <a:t>Terzo livello</a:t>
             </a:r>
           </a:p>
           <a:p>
             <a:pPr lvl="3"/>
             <a:r>
-              <a:rPr lang="it-IT" smtClean="0"/>
+              <a:rPr lang="it-IT"/>
               <a:t>Quarto livello</a:t>
             </a:r>
           </a:p>
           <a:p>
             <a:pPr lvl="4"/>
             <a:r>
-              <a:rPr lang="it-IT" smtClean="0"/>
+              <a:rPr lang="it-IT"/>
               <a:t>Quinto livello</a:t>
             </a:r>
             <a:endParaRPr lang="en-US" dirty="0"/>
@@ -1553,7 +1553,7 @@
           <a:p>
             <a:fld id="{86EE8AF4-64DE-464C-B663-24FA85AF1999}" type="datetimeFigureOut">
               <a:rPr lang="it-IT" smtClean="0"/>
-              <a:t>05/01/2021</a:t>
+              <a:t>07/01/21</a:t>
             </a:fld>
             <a:endParaRPr lang="it-IT"/>
           </a:p>
@@ -1688,7 +1688,7 @@
           <a:lstStyle/>
           <a:p>
             <a:r>
-              <a:rPr lang="it-IT" smtClean="0"/>
+              <a:rPr lang="it-IT"/>
               <a:t>Fare clic per modificare lo stile del titolo</a:t>
             </a:r>
             <a:endParaRPr lang="en-US" dirty="0"/>
@@ -1763,7 +1763,7 @@
           <a:p>
             <a:pPr lvl="0"/>
             <a:r>
-              <a:rPr lang="it-IT" smtClean="0"/>
+              <a:rPr lang="it-IT"/>
               <a:t>Modifica gli stili del testo dello schema</a:t>
             </a:r>
           </a:p>
@@ -1819,35 +1819,35 @@
           <a:p>
             <a:pPr lvl="0"/>
             <a:r>
-              <a:rPr lang="it-IT" smtClean="0"/>
+              <a:rPr lang="it-IT"/>
               <a:t>Modifica gli stili del testo dello schema</a:t>
             </a:r>
           </a:p>
           <a:p>
             <a:pPr lvl="1"/>
             <a:r>
-              <a:rPr lang="it-IT" smtClean="0"/>
+              <a:rPr lang="it-IT"/>
               <a:t>Secondo livello</a:t>
             </a:r>
           </a:p>
           <a:p>
             <a:pPr lvl="2"/>
             <a:r>
-              <a:rPr lang="it-IT" smtClean="0"/>
+              <a:rPr lang="it-IT"/>
               <a:t>Terzo livello</a:t>
             </a:r>
           </a:p>
           <a:p>
             <a:pPr lvl="3"/>
             <a:r>
-              <a:rPr lang="it-IT" smtClean="0"/>
+              <a:rPr lang="it-IT"/>
               <a:t>Quarto livello</a:t>
             </a:r>
           </a:p>
           <a:p>
             <a:pPr lvl="4"/>
             <a:r>
-              <a:rPr lang="it-IT" smtClean="0"/>
+              <a:rPr lang="it-IT"/>
               <a:t>Quinto livello</a:t>
             </a:r>
             <a:endParaRPr lang="en-US" dirty="0"/>
@@ -1937,7 +1937,7 @@
               <a:buNone/>
             </a:pPr>
             <a:r>
-              <a:rPr lang="it-IT" smtClean="0"/>
+              <a:rPr lang="it-IT"/>
               <a:t>Modifica gli stili del testo dello schema</a:t>
             </a:r>
           </a:p>
@@ -1993,35 +1993,35 @@
           <a:p>
             <a:pPr lvl="0"/>
             <a:r>
-              <a:rPr lang="it-IT" smtClean="0"/>
+              <a:rPr lang="it-IT"/>
               <a:t>Modifica gli stili del testo dello schema</a:t>
             </a:r>
           </a:p>
           <a:p>
             <a:pPr lvl="1"/>
             <a:r>
-              <a:rPr lang="it-IT" smtClean="0"/>
+              <a:rPr lang="it-IT"/>
               <a:t>Secondo livello</a:t>
             </a:r>
           </a:p>
           <a:p>
             <a:pPr lvl="2"/>
             <a:r>
-              <a:rPr lang="it-IT" smtClean="0"/>
+              <a:rPr lang="it-IT"/>
               <a:t>Terzo livello</a:t>
             </a:r>
           </a:p>
           <a:p>
             <a:pPr lvl="3"/>
             <a:r>
-              <a:rPr lang="it-IT" smtClean="0"/>
+              <a:rPr lang="it-IT"/>
               <a:t>Quarto livello</a:t>
             </a:r>
           </a:p>
           <a:p>
             <a:pPr lvl="4"/>
             <a:r>
-              <a:rPr lang="it-IT" smtClean="0"/>
+              <a:rPr lang="it-IT"/>
               <a:t>Quinto livello</a:t>
             </a:r>
             <a:endParaRPr lang="en-US" dirty="0"/>
@@ -2045,7 +2045,7 @@
           <a:p>
             <a:fld id="{86EE8AF4-64DE-464C-B663-24FA85AF1999}" type="datetimeFigureOut">
               <a:rPr lang="it-IT" smtClean="0"/>
-              <a:t>05/01/2021</a:t>
+              <a:t>07/01/21</a:t>
             </a:fld>
             <a:endParaRPr lang="it-IT"/>
           </a:p>
@@ -2180,7 +2180,7 @@
           <a:lstStyle/>
           <a:p>
             <a:r>
-              <a:rPr lang="it-IT" smtClean="0"/>
+              <a:rPr lang="it-IT"/>
               <a:t>Fare clic per modificare lo stile del titolo</a:t>
             </a:r>
             <a:endParaRPr lang="en-US" dirty="0"/>
@@ -2204,7 +2204,7 @@
           <a:p>
             <a:fld id="{86EE8AF4-64DE-464C-B663-24FA85AF1999}" type="datetimeFigureOut">
               <a:rPr lang="it-IT" smtClean="0"/>
-              <a:t>05/01/2021</a:t>
+              <a:t>07/01/21</a:t>
             </a:fld>
             <a:endParaRPr lang="it-IT"/>
           </a:p>
@@ -2340,7 +2340,7 @@
           <a:p>
             <a:fld id="{86EE8AF4-64DE-464C-B663-24FA85AF1999}" type="datetimeFigureOut">
               <a:rPr lang="it-IT" smtClean="0"/>
-              <a:t>05/01/2021</a:t>
+              <a:t>07/01/21</a:t>
             </a:fld>
             <a:endParaRPr lang="it-IT"/>
           </a:p>
@@ -2486,7 +2486,7 @@
           </a:lstStyle>
           <a:p>
             <a:r>
-              <a:rPr lang="it-IT" smtClean="0"/>
+              <a:rPr lang="it-IT"/>
               <a:t>Fare clic per modificare lo stile del titolo</a:t>
             </a:r>
             <a:endParaRPr lang="en-US" dirty="0"/>
@@ -2543,35 +2543,35 @@
           <a:p>
             <a:pPr lvl="0"/>
             <a:r>
-              <a:rPr lang="it-IT" smtClean="0"/>
+              <a:rPr lang="it-IT"/>
               <a:t>Modifica gli stili del testo dello schema</a:t>
             </a:r>
           </a:p>
           <a:p>
             <a:pPr lvl="1"/>
             <a:r>
-              <a:rPr lang="it-IT" smtClean="0"/>
+              <a:rPr lang="it-IT"/>
               <a:t>Secondo livello</a:t>
             </a:r>
           </a:p>
           <a:p>
             <a:pPr lvl="2"/>
             <a:r>
-              <a:rPr lang="it-IT" smtClean="0"/>
+              <a:rPr lang="it-IT"/>
               <a:t>Terzo livello</a:t>
             </a:r>
           </a:p>
           <a:p>
             <a:pPr lvl="3"/>
             <a:r>
-              <a:rPr lang="it-IT" smtClean="0"/>
+              <a:rPr lang="it-IT"/>
               <a:t>Quarto livello</a:t>
             </a:r>
           </a:p>
           <a:p>
             <a:pPr lvl="4"/>
             <a:r>
-              <a:rPr lang="it-IT" smtClean="0"/>
+              <a:rPr lang="it-IT"/>
               <a:t>Quinto livello</a:t>
             </a:r>
             <a:endParaRPr lang="en-US" dirty="0"/>
@@ -2645,7 +2645,7 @@
           <a:p>
             <a:pPr lvl="0"/>
             <a:r>
-              <a:rPr lang="it-IT" smtClean="0"/>
+              <a:rPr lang="it-IT"/>
               <a:t>Modifica gli stili del testo dello schema</a:t>
             </a:r>
           </a:p>
@@ -2668,7 +2668,7 @@
           <a:p>
             <a:fld id="{86EE8AF4-64DE-464C-B663-24FA85AF1999}" type="datetimeFigureOut">
               <a:rPr lang="it-IT" smtClean="0"/>
-              <a:t>05/01/2021</a:t>
+              <a:t>07/01/21</a:t>
             </a:fld>
             <a:endParaRPr lang="it-IT"/>
           </a:p>
@@ -2815,7 +2815,7 @@
           </a:lstStyle>
           <a:p>
             <a:r>
-              <a:rPr lang="it-IT" smtClean="0"/>
+              <a:rPr lang="it-IT"/>
               <a:t>Fare clic per modificare lo stile del titolo</a:t>
             </a:r>
             <a:endParaRPr lang="en-US" dirty="0"/>
@@ -2880,7 +2880,7 @@
           </a:lstStyle>
           <a:p>
             <a:r>
-              <a:rPr lang="it-IT" smtClean="0"/>
+              <a:rPr lang="it-IT"/>
               <a:t>Fare clic sull'icona per inserire un'immagine</a:t>
             </a:r>
             <a:endParaRPr lang="en-US" dirty="0"/>
@@ -2960,7 +2960,7 @@
           <a:p>
             <a:pPr lvl="0"/>
             <a:r>
-              <a:rPr lang="it-IT" smtClean="0"/>
+              <a:rPr lang="it-IT"/>
               <a:t>Modifica gli stili del testo dello schema</a:t>
             </a:r>
           </a:p>
@@ -2983,7 +2983,7 @@
           <a:p>
             <a:fld id="{86EE8AF4-64DE-464C-B663-24FA85AF1999}" type="datetimeFigureOut">
               <a:rPr lang="it-IT" smtClean="0"/>
-              <a:t>05/01/2021</a:t>
+              <a:t>07/01/21</a:t>
             </a:fld>
             <a:endParaRPr lang="it-IT"/>
           </a:p>
@@ -3130,7 +3130,7 @@
           <a:lstStyle/>
           <a:p>
             <a:r>
-              <a:rPr lang="it-IT" smtClean="0"/>
+              <a:rPr lang="it-IT"/>
               <a:t>Fare clic per modificare lo stile del titolo</a:t>
             </a:r>
             <a:endParaRPr lang="en-US" dirty="0"/>
@@ -3164,35 +3164,35 @@
           <a:p>
             <a:pPr lvl="0"/>
             <a:r>
-              <a:rPr lang="it-IT" smtClean="0"/>
+              <a:rPr lang="it-IT"/>
               <a:t>Modifica gli stili del testo dello schema</a:t>
             </a:r>
           </a:p>
           <a:p>
             <a:pPr lvl="1"/>
             <a:r>
-              <a:rPr lang="it-IT" smtClean="0"/>
+              <a:rPr lang="it-IT"/>
               <a:t>Secondo livello</a:t>
             </a:r>
           </a:p>
           <a:p>
             <a:pPr lvl="2"/>
             <a:r>
-              <a:rPr lang="it-IT" smtClean="0"/>
+              <a:rPr lang="it-IT"/>
               <a:t>Terzo livello</a:t>
             </a:r>
           </a:p>
           <a:p>
             <a:pPr lvl="3"/>
             <a:r>
-              <a:rPr lang="it-IT" smtClean="0"/>
+              <a:rPr lang="it-IT"/>
               <a:t>Quarto livello</a:t>
             </a:r>
           </a:p>
           <a:p>
             <a:pPr lvl="4"/>
             <a:r>
-              <a:rPr lang="it-IT" smtClean="0"/>
+              <a:rPr lang="it-IT"/>
               <a:t>Quinto livello</a:t>
             </a:r>
             <a:endParaRPr lang="en-US" dirty="0"/>
@@ -3235,7 +3235,7 @@
           <a:p>
             <a:fld id="{86EE8AF4-64DE-464C-B663-24FA85AF1999}" type="datetimeFigureOut">
               <a:rPr lang="it-IT" smtClean="0"/>
-              <a:t>05/01/2021</a:t>
+              <a:t>07/01/21</a:t>
             </a:fld>
             <a:endParaRPr lang="it-IT"/>
           </a:p>
@@ -3751,14 +3751,10 @@
           <a:p>
             <a:r>
               <a:rPr lang="it-IT" sz="6000" dirty="0"/>
-              <a:t>Costruzione di portafogli </a:t>
-            </a:r>
-            <a:r>
-              <a:rPr lang="it-IT" sz="6000" dirty="0" smtClean="0"/>
-              <a:t>diversificati mediante algoritmi di </a:t>
-            </a:r>
-            <a:r>
-              <a:rPr lang="it-IT" sz="6000" i="1" dirty="0" err="1" smtClean="0"/>
+              <a:t>Costruzione di portafogli diversificati mediante algoritmi di </a:t>
+            </a:r>
+            <a:r>
+              <a:rPr lang="it-IT" sz="6000" i="1" dirty="0" err="1"/>
               <a:t>clustering</a:t>
             </a:r>
             <a:endParaRPr lang="it-IT" sz="6000" i="1" dirty="0"/>
@@ -3781,31 +3777,15 @@
           <a:lstStyle/>
           <a:p>
             <a:r>
-              <a:rPr lang="it-IT" dirty="0" smtClean="0">
-                <a:solidFill>
-                  <a:schemeClr val="tx1"/>
-                </a:solidFill>
-              </a:rPr>
-              <a:t>Verena </a:t>
-            </a:r>
-            <a:r>
               <a:rPr lang="it-IT" dirty="0">
                 <a:solidFill>
                   <a:schemeClr val="tx1"/>
                 </a:solidFill>
               </a:rPr>
-              <a:t>Brufatto,</a:t>
-            </a:r>
-            <a:r>
-              <a:rPr lang="it-IT" dirty="0" smtClean="0">
-                <a:solidFill>
-                  <a:schemeClr val="tx1"/>
-                </a:solidFill>
-              </a:rPr>
-              <a:t> Mattia Longhi, Giada </a:t>
-            </a:r>
-            <a:r>
-              <a:rPr lang="it-IT" dirty="0" err="1" smtClean="0">
+              <a:t>Verena Brufatto, Mattia Longhi, Giada </a:t>
+            </a:r>
+            <a:r>
+              <a:rPr lang="it-IT" dirty="0" err="1">
                 <a:solidFill>
                   <a:schemeClr val="tx1"/>
                 </a:solidFill>
@@ -3830,13 +3810,6 @@
   <p:clrMapOvr>
     <a:masterClrMapping/>
   </p:clrMapOvr>
-  <p:timing>
-    <p:tnLst>
-      <p:par>
-        <p:cTn id="1" dur="indefinite" restart="never" nodeType="tmRoot"/>
-      </p:par>
-    </p:tnLst>
-  </p:timing>
 </p:sld>
 </file>
 
@@ -3878,11 +3851,11 @@
           <a:lstStyle/>
           <a:p>
             <a:r>
-              <a:rPr lang="it-IT" dirty="0" smtClean="0"/>
+              <a:rPr lang="it-IT" dirty="0"/>
               <a:t>K-</a:t>
             </a:r>
             <a:r>
-              <a:rPr lang="it-IT" dirty="0" err="1" smtClean="0"/>
+              <a:rPr lang="it-IT" dirty="0" err="1"/>
               <a:t>Means</a:t>
             </a:r>
             <a:endParaRPr lang="it-IT" dirty="0"/>
@@ -3914,10 +3887,10 @@
             <a:pPr marL="0" indent="0">
               <a:buNone/>
             </a:pPr>
-            <a:endParaRPr lang="it-IT" dirty="0" smtClean="0"/>
-          </a:p>
-          <a:p>
-            <a:endParaRPr lang="it-IT" sz="1900" dirty="0" smtClean="0"/>
+            <a:endParaRPr lang="it-IT" dirty="0"/>
+          </a:p>
+          <a:p>
+            <a:endParaRPr lang="it-IT" sz="1900" dirty="0"/>
           </a:p>
         </p:txBody>
       </p:sp>
@@ -4012,17 +3985,6 @@
           <a:lstStyle/>
           <a:p>
             <a:r>
-              <a:rPr lang="it-IT" sz="1900" spc="10" dirty="0" smtClean="0">
-                <a:solidFill>
-                  <a:schemeClr val="tx1">
-                    <a:lumMod val="65000"/>
-                    <a:lumOff val="35000"/>
-                  </a:schemeClr>
-                </a:solidFill>
-              </a:rPr>
-              <a:t>                      Pesi </a:t>
-            </a:r>
-            <a:r>
               <a:rPr lang="it-IT" sz="1900" spc="10" dirty="0">
                 <a:solidFill>
                   <a:schemeClr val="tx1">
@@ -4031,7 +3993,7 @@
                   </a:schemeClr>
                 </a:solidFill>
               </a:rPr>
-              <a:t>del portafoglio </a:t>
+              <a:t>                      Pesi del portafoglio </a:t>
             </a:r>
             <a:r>
               <a:rPr lang="it-IT" sz="1900" i="1" spc="10" dirty="0" err="1">
@@ -4065,13 +4027,6 @@
   <p:clrMapOvr>
     <a:masterClrMapping/>
   </p:clrMapOvr>
-  <p:timing>
-    <p:tnLst>
-      <p:par>
-        <p:cTn id="1" dur="indefinite" restart="never" nodeType="tmRoot"/>
-      </p:par>
-    </p:tnLst>
-  </p:timing>
 </p:sld>
 </file>
 
@@ -4113,23 +4068,23 @@
           <a:lstStyle/>
           <a:p>
             <a:r>
-              <a:rPr lang="it-IT" dirty="0" err="1" smtClean="0"/>
+              <a:rPr lang="it-IT" dirty="0" err="1"/>
               <a:t>Hierarchical</a:t>
             </a:r>
             <a:r>
-              <a:rPr lang="it-IT" dirty="0" smtClean="0"/>
+              <a:rPr lang="it-IT" dirty="0"/>
               <a:t> </a:t>
             </a:r>
             <a:r>
-              <a:rPr lang="it-IT" dirty="0" err="1" smtClean="0"/>
+              <a:rPr lang="it-IT" dirty="0" err="1"/>
               <a:t>Risk</a:t>
             </a:r>
             <a:r>
-              <a:rPr lang="it-IT" dirty="0" smtClean="0"/>
+              <a:rPr lang="it-IT" dirty="0"/>
               <a:t> </a:t>
             </a:r>
             <a:r>
-              <a:rPr lang="it-IT" dirty="0" err="1" smtClean="0"/>
+              <a:rPr lang="it-IT" dirty="0" err="1"/>
               <a:t>Parity</a:t>
             </a:r>
             <a:endParaRPr lang="it-IT" dirty="0"/>
@@ -4163,16 +4118,12 @@
                 <a:pPr marL="0" indent="0">
                   <a:buNone/>
                 </a:pPr>
-                <a:endParaRPr lang="it-IT" dirty="0" smtClean="0"/>
+                <a:endParaRPr lang="it-IT" dirty="0"/>
               </a:p>
               <a:p>
                 <a:r>
-                  <a:rPr lang="it-IT" sz="2900" dirty="0" smtClean="0"/>
-                  <a:t>Si applica </a:t>
-                </a:r>
-                <a:r>
                   <a:rPr lang="it-IT" sz="2900" dirty="0"/>
-                  <a:t>un algoritmo di </a:t>
+                  <a:t>Si applica un algoritmo di </a:t>
                 </a:r>
                 <a:r>
                   <a:rPr lang="it-IT" sz="2900" i="1" dirty="0" err="1"/>
@@ -4180,15 +4131,7 @@
                 </a:r>
                 <a:r>
                   <a:rPr lang="it-IT" sz="2900" dirty="0"/>
-                  <a:t> gerarchico alla matrice di covarianza dei </a:t>
-                </a:r>
-                <a:r>
-                  <a:rPr lang="it-IT" sz="2900" dirty="0" smtClean="0"/>
-                  <a:t>rendimenti azionari, </a:t>
-                </a:r>
-                <a:r>
-                  <a:rPr lang="it-IT" sz="2900" dirty="0"/>
-                  <a:t>utilizzando una matrice di distanza </a:t>
+                  <a:t> gerarchico alla matrice di covarianza dei rendimenti azionari, utilizzando una matrice di distanza </a:t>
                 </a:r>
                 <a14:m>
                   <m:oMath xmlns:m="http://schemas.openxmlformats.org/officeDocument/2006/math">
@@ -4214,15 +4157,7 @@
                 </a14:m>
                 <a:r>
                   <a:rPr lang="it-IT" sz="2900" dirty="0"/>
-                  <a:t> basata </a:t>
-                </a:r>
-                <a:r>
-                  <a:rPr lang="it-IT" sz="2900" dirty="0" smtClean="0"/>
-                  <a:t>sull’indice di correlazione </a:t>
-                </a:r>
-                <a:r>
-                  <a:rPr lang="it-IT" sz="2900" dirty="0"/>
-                  <a:t>dei rendimenti degli </a:t>
+                  <a:t> basata sull’indice di correlazione dei rendimenti degli </a:t>
                 </a:r>
                 <a:r>
                   <a:rPr lang="it-IT" sz="2900" i="1" dirty="0" err="1"/>
@@ -4434,7 +4369,7 @@
                   <a:buNone/>
                 </a:pPr>
                 <a:r>
-                  <a:rPr lang="it-IT" sz="2900" dirty="0" smtClean="0"/>
+                  <a:rPr lang="it-IT" sz="2900" dirty="0"/>
                   <a:t>      dove </a:t>
                 </a:r>
                 <a14:m>
@@ -4507,16 +4442,11 @@
                   <a:rPr lang="it-IT" sz="2900" i="1" dirty="0"/>
                   <a:t>. </a:t>
                 </a:r>
-                <a:endParaRPr lang="it-IT" sz="2900" i="1" dirty="0" smtClean="0"/>
               </a:p>
               <a:p>
                 <a:r>
-                  <a:rPr lang="it-IT" sz="2900" dirty="0" smtClean="0"/>
-                  <a:t>Si </a:t>
-                </a:r>
-                <a:r>
                   <a:rPr lang="it-IT" sz="2900" dirty="0"/>
-                  <a:t>forma poi il primo </a:t>
+                  <a:t>Si forma poi il primo </a:t>
                 </a:r>
                 <a:r>
                   <a:rPr lang="it-IT" sz="2900" i="1" dirty="0"/>
@@ -4756,15 +4686,7 @@
                 </a:r>
                 <a:r>
                   <a:rPr lang="it-IT" sz="2900" dirty="0"/>
-                  <a:t>viene quindi </a:t>
-                </a:r>
-                <a:r>
-                  <a:rPr lang="it-IT" sz="2900" dirty="0" smtClean="0"/>
-                  <a:t>aggiornata </a:t>
-                </a:r>
-                <a:r>
-                  <a:rPr lang="it-IT" sz="2900" dirty="0"/>
-                  <a:t>rimuovendo le righe e le colonne corrispondenti al primo </a:t>
+                  <a:t>viene quindi aggiornata rimuovendo le righe e le colonne corrispondenti al primo </a:t>
                 </a:r>
                 <a:r>
                   <a:rPr lang="it-IT" sz="2900" i="1" dirty="0"/>
@@ -4780,33 +4702,28 @@
                 </a:r>
                 <a:r>
                   <a:rPr lang="it-IT" sz="2900" dirty="0"/>
-                  <a:t> e </a:t>
-                </a:r>
-                <a:r>
-                  <a:rPr lang="it-IT" sz="2900" dirty="0" smtClean="0"/>
-                  <a:t>l</a:t>
-                </a:r>
-                <a:r>
-                  <a:rPr lang="it-IT" sz="2900" i="1" dirty="0" smtClean="0"/>
+                  <a:t> e l</a:t>
+                </a:r>
+                <a:r>
+                  <a:rPr lang="it-IT" sz="2900" i="1" dirty="0"/>
                   <a:t>’</a:t>
                 </a:r>
                 <a:r>
-                  <a:rPr lang="it-IT" sz="2900" dirty="0" smtClean="0"/>
+                  <a:rPr lang="it-IT" sz="2900" dirty="0"/>
                   <a:t>i-esimo</a:t>
                 </a:r>
                 <a:r>
-                  <a:rPr lang="it-IT" sz="2900" i="1" dirty="0" smtClean="0"/>
+                  <a:rPr lang="it-IT" sz="2900" i="1" dirty="0"/>
                   <a:t> </a:t>
                 </a:r>
                 <a:r>
-                  <a:rPr lang="it-IT" sz="2900" i="1" dirty="0" err="1" smtClean="0"/>
+                  <a:rPr lang="it-IT" sz="2900" i="1" dirty="0" err="1"/>
                   <a:t>asset</a:t>
                 </a:r>
                 <a:r>
-                  <a:rPr lang="it-IT" sz="2900" dirty="0" smtClean="0"/>
+                  <a:rPr lang="it-IT" sz="2900" dirty="0"/>
                   <a:t>:</a:t>
                 </a:r>
-                <a:endParaRPr lang="it-IT" sz="2900" dirty="0"/>
               </a:p>
               <a:p>
                 <a:pPr marL="0" indent="0">
@@ -5053,12 +4970,8 @@
               </a:p>
               <a:p>
                 <a:r>
-                  <a:rPr lang="it-IT" sz="2900" dirty="0" smtClean="0"/>
-                  <a:t>La </a:t>
-                </a:r>
-                <a:r>
                   <a:rPr lang="it-IT" sz="2900" dirty="0"/>
-                  <a:t>procedura viene ripetuta ricorsivamente fino ad ottenere il </a:t>
+                  <a:t>La procedura viene ripetuta ricorsivamente fino ad ottenere il </a:t>
                 </a:r>
                 <a:r>
                   <a:rPr lang="it-IT" sz="2900" i="1" dirty="0"/>
@@ -5074,14 +4987,10 @@
                 </a:r>
                 <a:r>
                   <a:rPr lang="it-IT" sz="2900" dirty="0"/>
-                  <a:t> </a:t>
-                </a:r>
-                <a:r>
-                  <a:rPr lang="it-IT" sz="2900" dirty="0" smtClean="0"/>
-                  <a:t>disponibili</a:t>
-                </a:r>
-                <a:r>
-                  <a:rPr lang="it-IT" sz="2900" i="1" dirty="0" smtClean="0"/>
+                  <a:t> disponibili</a:t>
+                </a:r>
+                <a:r>
+                  <a:rPr lang="it-IT" sz="2900" i="1" dirty="0"/>
                   <a:t>. </a:t>
                 </a:r>
                 <a:endParaRPr lang="it-IT" sz="2900" dirty="0"/>
@@ -5089,11 +4998,7 @@
               <a:p>
                 <a:r>
                   <a:rPr lang="it-IT" sz="2900" dirty="0"/>
-                  <a:t>Utilizzando </a:t>
-                </a:r>
-                <a:r>
-                  <a:rPr lang="it-IT" sz="2900" dirty="0" smtClean="0"/>
-                  <a:t>l’ordine dei </a:t>
+                  <a:t>Utilizzando l’ordine dei </a:t>
                 </a:r>
                 <a:r>
                   <a:rPr lang="it-IT" sz="2900" i="1" dirty="0"/>
@@ -5101,11 +5006,7 @@
                 </a:r>
                 <a:r>
                   <a:rPr lang="it-IT" sz="2900" dirty="0"/>
-                  <a:t>si riorganizza la matrice di covarianza in modo da ottenere una matrice quasi-diagonale in cui </a:t>
-                </a:r>
-                <a:r>
-                  <a:rPr lang="it-IT" sz="2900" dirty="0" smtClean="0"/>
-                  <a:t>gli </a:t>
+                  <a:t>si riorganizza la matrice di covarianza in modo da ottenere una matrice quasi-diagonale in cui gli </a:t>
                 </a:r>
                 <a:r>
                   <a:rPr lang="it-IT" sz="2900" i="1" dirty="0" err="1"/>
@@ -5116,12 +5017,8 @@
                   <a:t> </a:t>
                 </a:r>
                 <a:r>
-                  <a:rPr lang="it-IT" sz="2900" dirty="0" smtClean="0"/>
-                  <a:t>simili sono posti </a:t>
-                </a:r>
-                <a:r>
                   <a:rPr lang="it-IT" sz="2900" dirty="0"/>
-                  <a:t>nei pressi della diagonale.</a:t>
+                  <a:t>simili sono posti nei pressi della diagonale.</a:t>
                 </a:r>
               </a:p>
               <a:p>
@@ -5142,31 +5039,31 @@
                   <a:t>, in cui il peso è inversamente proporzionale al rischio degli </a:t>
                 </a:r>
                 <a:r>
-                  <a:rPr lang="it-IT" sz="2900" i="1" dirty="0" err="1" smtClean="0"/>
+                  <a:rPr lang="it-IT" sz="2900" i="1" dirty="0" err="1"/>
                   <a:t>asset</a:t>
                 </a:r>
                 <a:r>
-                  <a:rPr lang="it-IT" sz="2900" i="1" dirty="0" smtClean="0"/>
+                  <a:rPr lang="it-IT" sz="2900" i="1" dirty="0"/>
                   <a:t>,</a:t>
                 </a:r>
                 <a:r>
-                  <a:rPr lang="it-IT" sz="2900" dirty="0" smtClean="0"/>
+                  <a:rPr lang="it-IT" sz="2900" dirty="0"/>
                   <a:t> e </a:t>
                 </a:r>
                 <a:r>
-                  <a:rPr lang="it-IT" sz="2900" dirty="0" err="1" smtClean="0"/>
+                  <a:rPr lang="it-IT" sz="2900" dirty="0" err="1"/>
                   <a:t>bisezionando</a:t>
                 </a:r>
                 <a:r>
-                  <a:rPr lang="it-IT" sz="2900" dirty="0" smtClean="0"/>
+                  <a:rPr lang="it-IT" sz="2900" dirty="0"/>
                   <a:t> ricorsivamente la matrice di covarianza seguendo l’ordinamento dei </a:t>
                 </a:r>
                 <a:r>
-                  <a:rPr lang="it-IT" sz="2900" i="1" dirty="0" smtClean="0"/>
+                  <a:rPr lang="it-IT" sz="2900" i="1" dirty="0"/>
                   <a:t>cluster</a:t>
                 </a:r>
                 <a:r>
-                  <a:rPr lang="it-IT" sz="2900" dirty="0" smtClean="0"/>
+                  <a:rPr lang="it-IT" sz="2900" dirty="0"/>
                   <a:t>.</a:t>
                 </a:r>
                 <a:endParaRPr lang="it-IT" sz="2900" i="1" dirty="0"/>
@@ -5222,13 +5119,6 @@
   <p:clrMapOvr>
     <a:masterClrMapping/>
   </p:clrMapOvr>
-  <p:timing>
-    <p:tnLst>
-      <p:par>
-        <p:cTn id="1" dur="indefinite" restart="never" nodeType="tmRoot"/>
-      </p:par>
-    </p:tnLst>
-  </p:timing>
 </p:sld>
 </file>
 
@@ -5270,23 +5160,23 @@
           <a:lstStyle/>
           <a:p>
             <a:r>
-              <a:rPr lang="it-IT" dirty="0" err="1" smtClean="0"/>
+              <a:rPr lang="it-IT" dirty="0" err="1"/>
               <a:t>Hierarchical</a:t>
             </a:r>
             <a:r>
-              <a:rPr lang="it-IT" dirty="0" smtClean="0"/>
+              <a:rPr lang="it-IT" dirty="0"/>
               <a:t> </a:t>
             </a:r>
             <a:r>
-              <a:rPr lang="it-IT" dirty="0" err="1" smtClean="0"/>
+              <a:rPr lang="it-IT" dirty="0" err="1"/>
               <a:t>Risk</a:t>
             </a:r>
             <a:r>
-              <a:rPr lang="it-IT" dirty="0" smtClean="0"/>
+              <a:rPr lang="it-IT" dirty="0"/>
               <a:t> </a:t>
             </a:r>
             <a:r>
-              <a:rPr lang="it-IT" dirty="0" err="1" smtClean="0"/>
+              <a:rPr lang="it-IT" dirty="0" err="1"/>
               <a:t>Parity</a:t>
             </a:r>
             <a:endParaRPr lang="it-IT" dirty="0"/>
@@ -5332,13 +5222,6 @@
   <p:clrMapOvr>
     <a:masterClrMapping/>
   </p:clrMapOvr>
-  <p:timing>
-    <p:tnLst>
-      <p:par>
-        <p:cTn id="1" dur="indefinite" restart="never" nodeType="tmRoot"/>
-      </p:par>
-    </p:tnLst>
-  </p:timing>
 </p:sld>
 </file>
 
@@ -5380,23 +5263,23 @@
           <a:lstStyle/>
           <a:p>
             <a:r>
-              <a:rPr lang="it-IT" dirty="0" err="1" smtClean="0"/>
+              <a:rPr lang="it-IT" dirty="0" err="1"/>
               <a:t>Hierarchical</a:t>
             </a:r>
             <a:r>
-              <a:rPr lang="it-IT" dirty="0" smtClean="0"/>
+              <a:rPr lang="it-IT" dirty="0"/>
               <a:t> </a:t>
             </a:r>
             <a:r>
-              <a:rPr lang="it-IT" dirty="0" err="1" smtClean="0"/>
+              <a:rPr lang="it-IT" dirty="0" err="1"/>
               <a:t>Risk</a:t>
             </a:r>
             <a:r>
-              <a:rPr lang="it-IT" dirty="0" smtClean="0"/>
+              <a:rPr lang="it-IT" dirty="0"/>
               <a:t> </a:t>
             </a:r>
             <a:r>
-              <a:rPr lang="it-IT" dirty="0" err="1" smtClean="0"/>
+              <a:rPr lang="it-IT" dirty="0" err="1"/>
               <a:t>Parity</a:t>
             </a:r>
             <a:endParaRPr lang="it-IT" dirty="0"/>
@@ -5455,17 +5338,6 @@
           <a:lstStyle/>
           <a:p>
             <a:r>
-              <a:rPr lang="it-IT" sz="1900" spc="10" dirty="0" smtClean="0">
-                <a:solidFill>
-                  <a:schemeClr val="tx1">
-                    <a:lumMod val="65000"/>
-                    <a:lumOff val="35000"/>
-                  </a:schemeClr>
-                </a:solidFill>
-              </a:rPr>
-              <a:t>                      Pesi </a:t>
-            </a:r>
-            <a:r>
               <a:rPr lang="it-IT" sz="1900" spc="10" dirty="0">
                 <a:solidFill>
                   <a:schemeClr val="tx1">
@@ -5474,7 +5346,7 @@
                   </a:schemeClr>
                 </a:solidFill>
               </a:rPr>
-              <a:t>del portafoglio </a:t>
+              <a:t>                      Pesi del portafoglio </a:t>
             </a:r>
             <a:r>
               <a:rPr lang="it-IT" sz="1900" i="1" spc="10" dirty="0" err="1">
@@ -5508,13 +5380,6 @@
   <p:clrMapOvr>
     <a:masterClrMapping/>
   </p:clrMapOvr>
-  <p:timing>
-    <p:tnLst>
-      <p:par>
-        <p:cTn id="1" dur="indefinite" restart="never" nodeType="tmRoot"/>
-      </p:par>
-    </p:tnLst>
-  </p:timing>
 </p:sld>
 </file>
 
@@ -5611,15 +5476,7 @@
                 </a:r>
                 <a:r>
                   <a:rPr lang="it-IT" altLang="it-IT" sz="1900" dirty="0"/>
-                  <a:t> non permette </a:t>
-                </a:r>
-                <a:r>
-                  <a:rPr lang="it-IT" altLang="it-IT" sz="1900" dirty="0" smtClean="0"/>
-                  <a:t>di imporre vincoli alla numerosità </a:t>
-                </a:r>
-                <a:r>
-                  <a:rPr lang="it-IT" altLang="it-IT" sz="1900" dirty="0"/>
-                  <a:t>dei </a:t>
+                  <a:t> non permette di imporre vincoli alla numerosità dei </a:t>
                 </a:r>
                 <a:r>
                   <a:rPr lang="it-IT" altLang="it-IT" sz="1900" i="1" dirty="0"/>
@@ -5749,14 +5606,10 @@
                 </a:r>
                 <a:r>
                   <a:rPr lang="it-IT" sz="1900" dirty="0"/>
-                  <a:t> </a:t>
-                </a:r>
-                <a:r>
-                  <a:rPr lang="it-IT" sz="1900" dirty="0" smtClean="0"/>
-                  <a:t>è determinato</a:t>
-                </a:r>
-                <a:r>
-                  <a:rPr lang="it-IT" sz="1900" i="1" dirty="0" smtClean="0"/>
+                  <a:t> è determinato</a:t>
+                </a:r>
+                <a:r>
+                  <a:rPr lang="it-IT" sz="1900" i="1" dirty="0"/>
                   <a:t> </a:t>
                 </a:r>
                 <a:r>
@@ -5764,35 +5617,31 @@
                   <a:t>come per </a:t>
                 </a:r>
                 <a:r>
-                  <a:rPr lang="it-IT" sz="1900" i="1" dirty="0" smtClean="0"/>
+                  <a:rPr lang="it-IT" sz="1900" i="1" dirty="0"/>
                   <a:t>K-</a:t>
                 </a:r>
                 <a:r>
-                  <a:rPr lang="it-IT" sz="1900" i="1" dirty="0" err="1" smtClean="0"/>
+                  <a:rPr lang="it-IT" sz="1900" i="1" dirty="0" err="1"/>
                   <a:t>Means</a:t>
                 </a:r>
                 <a:r>
                   <a:rPr lang="it-IT" sz="1900" dirty="0"/>
+                  <a:t> tramite la cosiddetta «</a:t>
+                </a:r>
+                <a:r>
+                  <a:rPr lang="it-IT" sz="1900" i="1" dirty="0" err="1"/>
+                  <a:t>elbow</a:t>
+                </a:r>
+                <a:r>
+                  <a:rPr lang="it-IT" sz="1900" i="1" dirty="0"/>
                   <a:t> </a:t>
                 </a:r>
                 <a:r>
-                  <a:rPr lang="it-IT" sz="1900" dirty="0" smtClean="0"/>
-                  <a:t>tramite la cosiddetta «</a:t>
-                </a:r>
-                <a:r>
-                  <a:rPr lang="it-IT" sz="1900" i="1" dirty="0" err="1" smtClean="0"/>
-                  <a:t>elbow</a:t>
-                </a:r>
-                <a:r>
-                  <a:rPr lang="it-IT" sz="1900" i="1" dirty="0" smtClean="0"/>
-                  <a:t> </a:t>
-                </a:r>
-                <a:r>
-                  <a:rPr lang="it-IT" sz="1900" i="1" dirty="0" err="1" smtClean="0"/>
+                  <a:rPr lang="it-IT" sz="1900" i="1" dirty="0" err="1"/>
                   <a:t>rule</a:t>
                 </a:r>
                 <a:r>
-                  <a:rPr lang="it-IT" sz="1900" dirty="0" smtClean="0"/>
+                  <a:rPr lang="it-IT" sz="1900" dirty="0"/>
                   <a:t>»</a:t>
                 </a:r>
                 <a:endParaRPr lang="it-IT" sz="1900" i="1" dirty="0"/>
@@ -6065,29 +5914,7 @@
                   </a:schemeClr>
                 </a:solidFill>
               </a:rPr>
-              <a:t>                      Pesi del </a:t>
-            </a:r>
-            <a:r>
-              <a:rPr lang="it-IT" sz="1900" spc="10" dirty="0" smtClean="0">
-                <a:solidFill>
-                  <a:schemeClr val="tx1">
-                    <a:lumMod val="65000"/>
-                    <a:lumOff val="35000"/>
-                  </a:schemeClr>
-                </a:solidFill>
-              </a:rPr>
-              <a:t>portafoglio </a:t>
-            </a:r>
-            <a:r>
-              <a:rPr lang="it-IT" sz="1900" spc="10" dirty="0">
-                <a:solidFill>
-                  <a:schemeClr val="tx1">
-                    <a:lumMod val="65000"/>
-                    <a:lumOff val="35000"/>
-                  </a:schemeClr>
-                </a:solidFill>
-              </a:rPr>
-              <a:t>statico</a:t>
+              <a:t>                      Pesi del portafoglio statico</a:t>
             </a:r>
           </a:p>
         </p:txBody>
@@ -6415,791 +6242,6 @@
         </p:nvSpPr>
         <p:spPr>
           <a:xfrm>
-            <a:off x="528038" y="313371"/>
-            <a:ext cx="8911687" cy="739818"/>
-          </a:xfrm>
-        </p:spPr>
-        <p:txBody>
-          <a:bodyPr/>
-          <a:lstStyle/>
-          <a:p>
-            <a:r>
-              <a:rPr lang="it-IT" dirty="0"/>
-              <a:t>Valutazione </a:t>
-            </a:r>
-            <a:r>
-              <a:rPr lang="it-IT" dirty="0" smtClean="0"/>
-              <a:t>del </a:t>
-            </a:r>
-            <a:r>
-              <a:rPr lang="it-IT" dirty="0" err="1" smtClean="0"/>
-              <a:t>clustering</a:t>
-            </a:r>
-            <a:endParaRPr lang="it-IT" dirty="0"/>
-          </a:p>
-        </p:txBody>
-      </p:sp>
-      <p:pic>
-        <p:nvPicPr>
-          <p:cNvPr id="3" name="Immagine 2">
-            <a:extLst>
-              <a:ext uri="{FF2B5EF4-FFF2-40B4-BE49-F238E27FC236}">
-                <a16:creationId xmlns:a16="http://schemas.microsoft.com/office/drawing/2014/main" id="{873F7BD2-1941-40A7-BAA1-CF8CCF29BC20}"/>
-              </a:ext>
-            </a:extLst>
-          </p:cNvPr>
-          <p:cNvPicPr>
-            <a:picLocks noChangeAspect="1"/>
-          </p:cNvPicPr>
-          <p:nvPr/>
-        </p:nvPicPr>
-        <p:blipFill>
-          <a:blip r:embed="rId2"/>
-          <a:stretch>
-            <a:fillRect/>
-          </a:stretch>
-        </p:blipFill>
-        <p:spPr>
-          <a:xfrm>
-            <a:off x="2306172" y="5000449"/>
-            <a:ext cx="7579653" cy="1224170"/>
-          </a:xfrm>
-          <a:prstGeom prst="rect">
-            <a:avLst/>
-          </a:prstGeom>
-        </p:spPr>
-      </p:pic>
-      <mc:AlternateContent xmlns:mc="http://schemas.openxmlformats.org/markup-compatibility/2006">
-        <mc:Choice xmlns:a14="http://schemas.microsoft.com/office/drawing/2010/main" Requires="a14">
-          <p:sp>
-            <p:nvSpPr>
-              <p:cNvPr id="5" name="CasellaDiTesto 4">
-                <a:extLst>
-                  <a:ext uri="{FF2B5EF4-FFF2-40B4-BE49-F238E27FC236}">
-                    <a16:creationId xmlns:a16="http://schemas.microsoft.com/office/drawing/2014/main" id="{71DD9C72-A6C6-4BA8-B0B1-1EA5E77ABE67}"/>
-                  </a:ext>
-                </a:extLst>
-              </p:cNvPr>
-              <p:cNvSpPr txBox="1"/>
-              <p:nvPr/>
-            </p:nvSpPr>
-            <p:spPr>
-              <a:xfrm>
-                <a:off x="528039" y="1645980"/>
-                <a:ext cx="8134708" cy="1261884"/>
-              </a:xfrm>
-              <a:prstGeom prst="rect">
-                <a:avLst/>
-              </a:prstGeom>
-              <a:noFill/>
-            </p:spPr>
-            <p:txBody>
-              <a:bodyPr wrap="square" rtlCol="0">
-                <a:spAutoFit/>
-              </a:bodyPr>
-              <a:lstStyle/>
-              <a:p>
-                <a:pPr marL="285750" indent="-285750">
-                  <a:buFont typeface="Arial" panose="020B0604020202020204" pitchFamily="34" charset="0"/>
-                  <a:buChar char="•"/>
-                </a:pPr>
-                <a:r>
-                  <a:rPr lang="it-IT" sz="1900" spc="10" dirty="0">
-                    <a:solidFill>
-                      <a:schemeClr val="tx1">
-                        <a:lumMod val="65000"/>
-                        <a:lumOff val="35000"/>
-                      </a:schemeClr>
-                    </a:solidFill>
-                  </a:rPr>
-                  <a:t>Il coefficiente </a:t>
-                </a:r>
-                <a:r>
-                  <a:rPr lang="it-IT" sz="1900" i="1" spc="10" dirty="0">
-                    <a:solidFill>
-                      <a:schemeClr val="tx1">
-                        <a:lumMod val="65000"/>
-                        <a:lumOff val="35000"/>
-                      </a:schemeClr>
-                    </a:solidFill>
-                  </a:rPr>
-                  <a:t>Silhouette</a:t>
-                </a:r>
-                <a:r>
-                  <a:rPr lang="it-IT" sz="1900" spc="10" dirty="0">
-                    <a:solidFill>
-                      <a:schemeClr val="tx1">
-                        <a:lumMod val="65000"/>
-                        <a:lumOff val="35000"/>
-                      </a:schemeClr>
-                    </a:solidFill>
-                  </a:rPr>
-                  <a:t> misura la distanza media fra un’osservazione e gli altri elementi dello stesso </a:t>
-                </a:r>
-                <a:r>
-                  <a:rPr lang="it-IT" sz="1900" i="1" spc="10" dirty="0">
-                    <a:solidFill>
-                      <a:schemeClr val="tx1">
-                        <a:lumMod val="65000"/>
-                        <a:lumOff val="35000"/>
-                      </a:schemeClr>
-                    </a:solidFill>
-                  </a:rPr>
-                  <a:t>cluster</a:t>
-                </a:r>
-                <a:r>
-                  <a:rPr lang="it-IT" sz="1900" spc="10" dirty="0">
-                    <a:solidFill>
-                      <a:schemeClr val="tx1">
-                        <a:lumMod val="65000"/>
-                        <a:lumOff val="35000"/>
-                      </a:schemeClr>
-                    </a:solidFill>
-                  </a:rPr>
-                  <a:t> (</a:t>
-                </a:r>
-                <a14:m>
-                  <m:oMath xmlns:m="http://schemas.openxmlformats.org/officeDocument/2006/math">
-                    <m:r>
-                      <a:rPr lang="it-IT" sz="1900" spc="10">
-                        <a:solidFill>
-                          <a:schemeClr val="tx1">
-                            <a:lumMod val="65000"/>
-                            <a:lumOff val="35000"/>
-                          </a:schemeClr>
-                        </a:solidFill>
-                      </a:rPr>
-                      <m:t>𝑎</m:t>
-                    </m:r>
-                    <m:r>
-                      <a:rPr lang="it-IT" sz="1900" spc="10">
-                        <a:solidFill>
-                          <a:schemeClr val="tx1">
-                            <a:lumMod val="65000"/>
-                            <a:lumOff val="35000"/>
-                          </a:schemeClr>
-                        </a:solidFill>
-                      </a:rPr>
-                      <m:t>)</m:t>
-                    </m:r>
-                  </m:oMath>
-                </a14:m>
-                <a:r>
-                  <a:rPr lang="it-IT" sz="1900" spc="10" dirty="0">
-                    <a:solidFill>
-                      <a:schemeClr val="tx1">
-                        <a:lumMod val="65000"/>
-                        <a:lumOff val="35000"/>
-                      </a:schemeClr>
-                    </a:solidFill>
-                  </a:rPr>
-                  <a:t> rispetto alla distanza media fra l’osservazione e gli elementi degli </a:t>
-                </a:r>
-                <a:r>
-                  <a:rPr lang="it-IT" sz="1900" spc="10" dirty="0">
-                    <a:solidFill>
-                      <a:schemeClr val="tx1">
-                        <a:lumMod val="65000"/>
-                        <a:lumOff val="35000"/>
-                      </a:schemeClr>
-                    </a:solidFill>
-                  </a:rPr>
-                  <a:t>altri </a:t>
-                </a:r>
-                <a:r>
-                  <a:rPr lang="it-IT" sz="1900" i="1" spc="10" dirty="0">
-                    <a:solidFill>
-                      <a:schemeClr val="tx1">
-                        <a:lumMod val="65000"/>
-                        <a:lumOff val="35000"/>
-                      </a:schemeClr>
-                    </a:solidFill>
-                  </a:rPr>
-                  <a:t>cluster</a:t>
-                </a:r>
-                <a:r>
-                  <a:rPr lang="it-IT" sz="1900" spc="10" dirty="0">
-                    <a:solidFill>
-                      <a:schemeClr val="tx1">
-                        <a:lumMod val="65000"/>
-                        <a:lumOff val="35000"/>
-                      </a:schemeClr>
-                    </a:solidFill>
-                  </a:rPr>
-                  <a:t> </a:t>
-                </a:r>
-                <a:r>
-                  <a:rPr lang="it-IT" sz="1900" spc="10" dirty="0">
-                    <a:solidFill>
-                      <a:schemeClr val="tx1">
-                        <a:lumMod val="65000"/>
-                        <a:lumOff val="35000"/>
-                      </a:schemeClr>
-                    </a:solidFill>
-                  </a:rPr>
-                  <a:t>(b</a:t>
-                </a:r>
-                <a:r>
-                  <a:rPr lang="it-IT" sz="1900" spc="10" dirty="0">
-                    <a:solidFill>
-                      <a:schemeClr val="tx1">
-                        <a:lumMod val="65000"/>
-                        <a:lumOff val="35000"/>
-                      </a:schemeClr>
-                    </a:solidFill>
-                  </a:rPr>
-                  <a:t>). Il suo valore è compreso fra -1 e +1.</a:t>
-                </a:r>
-              </a:p>
-            </p:txBody>
-          </p:sp>
-        </mc:Choice>
-        <mc:Fallback>
-          <p:sp>
-            <p:nvSpPr>
-              <p:cNvPr id="5" name="CasellaDiTesto 4">
-                <a:extLst>
-                  <a:ext uri="{FF2B5EF4-FFF2-40B4-BE49-F238E27FC236}">
-                    <a16:creationId xmlns:a16="http://schemas.microsoft.com/office/drawing/2014/main" id="{71DD9C72-A6C6-4BA8-B0B1-1EA5E77ABE67}"/>
-                  </a:ext>
-                </a:extLst>
-              </p:cNvPr>
-              <p:cNvSpPr txBox="1">
-                <a:spLocks noRot="1" noChangeAspect="1" noMove="1" noResize="1" noEditPoints="1" noAdjustHandles="1" noChangeArrowheads="1" noChangeShapeType="1" noTextEdit="1"/>
-              </p:cNvSpPr>
-              <p:nvPr/>
-            </p:nvSpPr>
-            <p:spPr>
-              <a:xfrm>
-                <a:off x="528039" y="1645980"/>
-                <a:ext cx="8134708" cy="1261884"/>
-              </a:xfrm>
-              <a:prstGeom prst="rect">
-                <a:avLst/>
-              </a:prstGeom>
-              <a:blipFill>
-                <a:blip r:embed="rId3"/>
-                <a:stretch>
-                  <a:fillRect l="-600" t="-2415" b="-7246"/>
-                </a:stretch>
-              </a:blipFill>
-            </p:spPr>
-            <p:txBody>
-              <a:bodyPr/>
-              <a:lstStyle/>
-              <a:p>
-                <a:r>
-                  <a:rPr lang="it-IT">
-                    <a:noFill/>
-                  </a:rPr>
-                  <a:t> </a:t>
-                </a:r>
-              </a:p>
-            </p:txBody>
-          </p:sp>
-        </mc:Fallback>
-      </mc:AlternateContent>
-      <p:pic>
-        <p:nvPicPr>
-          <p:cNvPr id="7" name="Immagine 6">
-            <a:extLst>
-              <a:ext uri="{FF2B5EF4-FFF2-40B4-BE49-F238E27FC236}">
-                <a16:creationId xmlns:a16="http://schemas.microsoft.com/office/drawing/2014/main" id="{5522956A-3037-4D16-A254-F95E38899B6F}"/>
-              </a:ext>
-            </a:extLst>
-          </p:cNvPr>
-          <p:cNvPicPr>
-            <a:picLocks noChangeAspect="1"/>
-          </p:cNvPicPr>
-          <p:nvPr/>
-        </p:nvPicPr>
-        <p:blipFill>
-          <a:blip r:embed="rId4"/>
-          <a:stretch>
-            <a:fillRect/>
-          </a:stretch>
-        </p:blipFill>
-        <p:spPr>
-          <a:xfrm>
-            <a:off x="8919038" y="1784479"/>
-            <a:ext cx="2056508" cy="646331"/>
-          </a:xfrm>
-          <a:prstGeom prst="rect">
-            <a:avLst/>
-          </a:prstGeom>
-        </p:spPr>
-      </p:pic>
-      <mc:AlternateContent xmlns:mc="http://schemas.openxmlformats.org/markup-compatibility/2006">
-        <mc:Choice xmlns:a14="http://schemas.microsoft.com/office/drawing/2010/main" Requires="a14">
-          <p:sp>
-            <p:nvSpPr>
-              <p:cNvPr id="8" name="CasellaDiTesto 7">
-                <a:extLst>
-                  <a:ext uri="{FF2B5EF4-FFF2-40B4-BE49-F238E27FC236}">
-                    <a16:creationId xmlns:a16="http://schemas.microsoft.com/office/drawing/2014/main" id="{4C9DE3B0-21ED-4138-8830-0423A0654D6C}"/>
-                  </a:ext>
-                </a:extLst>
-              </p:cNvPr>
-              <p:cNvSpPr txBox="1"/>
-              <p:nvPr/>
-            </p:nvSpPr>
-            <p:spPr>
-              <a:xfrm>
-                <a:off x="528038" y="3464906"/>
-                <a:ext cx="8134708" cy="969496"/>
-              </a:xfrm>
-              <a:prstGeom prst="rect">
-                <a:avLst/>
-              </a:prstGeom>
-              <a:noFill/>
-            </p:spPr>
-            <p:txBody>
-              <a:bodyPr wrap="square" rtlCol="0">
-                <a:spAutoFit/>
-              </a:bodyPr>
-              <a:lstStyle/>
-              <a:p>
-                <a:pPr marL="285750" indent="-285750">
-                  <a:buFont typeface="Arial" panose="020B0604020202020204" pitchFamily="34" charset="0"/>
-                  <a:buChar char="•"/>
-                </a:pPr>
-                <a:r>
-                  <a:rPr lang="it-IT" sz="1900" spc="10" dirty="0">
-                    <a:solidFill>
-                      <a:schemeClr val="tx1">
-                        <a:lumMod val="65000"/>
-                        <a:lumOff val="35000"/>
-                      </a:schemeClr>
-                    </a:solidFill>
-                  </a:rPr>
-                  <a:t>L’indice di </a:t>
-                </a:r>
-                <a:r>
-                  <a:rPr lang="it-IT" sz="1900" i="1" spc="10" dirty="0" err="1">
-                    <a:solidFill>
-                      <a:schemeClr val="tx1">
-                        <a:lumMod val="65000"/>
-                        <a:lumOff val="35000"/>
-                      </a:schemeClr>
-                    </a:solidFill>
-                  </a:rPr>
-                  <a:t>Calinski-Harabasz</a:t>
-                </a:r>
-                <a:r>
-                  <a:rPr lang="it-IT" sz="1900" spc="10" dirty="0">
-                    <a:solidFill>
-                      <a:schemeClr val="tx1">
-                        <a:lumMod val="65000"/>
-                        <a:lumOff val="35000"/>
-                      </a:schemeClr>
-                    </a:solidFill>
-                  </a:rPr>
-                  <a:t> è dato dal rapporto </a:t>
-                </a:r>
-                <a:r>
-                  <a:rPr lang="it-IT" sz="1900" spc="10" dirty="0">
-                    <a:solidFill>
-                      <a:schemeClr val="tx1">
-                        <a:lumMod val="65000"/>
-                        <a:lumOff val="35000"/>
-                      </a:schemeClr>
-                    </a:solidFill>
-                  </a:rPr>
-                  <a:t>fra la dispersione </a:t>
-                </a:r>
-                <a:r>
-                  <a:rPr lang="it-IT" sz="1900" spc="10" dirty="0">
-                    <a:solidFill>
-                      <a:schemeClr val="tx1">
-                        <a:lumMod val="65000"/>
-                        <a:lumOff val="35000"/>
-                      </a:schemeClr>
-                    </a:solidFill>
-                  </a:rPr>
-                  <a:t>infra-</a:t>
-                </a:r>
-                <a:r>
-                  <a:rPr lang="it-IT" sz="1900" i="1" spc="10" dirty="0">
-                    <a:solidFill>
-                      <a:schemeClr val="tx1">
-                        <a:lumMod val="65000"/>
-                        <a:lumOff val="35000"/>
-                      </a:schemeClr>
-                    </a:solidFill>
-                  </a:rPr>
-                  <a:t>cluster</a:t>
-                </a:r>
-                <a:r>
-                  <a:rPr lang="it-IT" sz="1900" spc="10" dirty="0">
-                    <a:solidFill>
-                      <a:schemeClr val="tx1">
-                        <a:lumMod val="65000"/>
-                        <a:lumOff val="35000"/>
-                      </a:schemeClr>
-                    </a:solidFill>
-                  </a:rPr>
-                  <a:t> </a:t>
-                </a:r>
-                <a14:m>
-                  <m:oMath xmlns:m="http://schemas.openxmlformats.org/officeDocument/2006/math">
-                    <m:sSub>
-                      <m:sSubPr>
-                        <m:ctrlPr>
-                          <a:rPr lang="it-IT" sz="1900" spc="10">
-                            <a:solidFill>
-                              <a:schemeClr val="tx1">
-                                <a:lumMod val="65000"/>
-                                <a:lumOff val="35000"/>
-                              </a:schemeClr>
-                            </a:solidFill>
-                          </a:rPr>
-                        </m:ctrlPr>
-                      </m:sSubPr>
-                      <m:e>
-                        <m:r>
-                          <a:rPr lang="it-IT" sz="1900" spc="10">
-                            <a:solidFill>
-                              <a:schemeClr val="tx1">
-                                <a:lumMod val="65000"/>
-                                <a:lumOff val="35000"/>
-                              </a:schemeClr>
-                            </a:solidFill>
-                          </a:rPr>
-                          <m:t>𝑩</m:t>
-                        </m:r>
-                      </m:e>
-                      <m:sub>
-                        <m:r>
-                          <a:rPr lang="it-IT" sz="1900" spc="10">
-                            <a:solidFill>
-                              <a:schemeClr val="tx1">
-                                <a:lumMod val="65000"/>
-                                <a:lumOff val="35000"/>
-                              </a:schemeClr>
-                            </a:solidFill>
-                          </a:rPr>
-                          <m:t>𝑘</m:t>
-                        </m:r>
-                      </m:sub>
-                    </m:sSub>
-                    <m:r>
-                      <a:rPr lang="it-IT" sz="1900" spc="10">
-                        <a:solidFill>
-                          <a:schemeClr val="tx1">
-                            <a:lumMod val="65000"/>
-                            <a:lumOff val="35000"/>
-                          </a:schemeClr>
-                        </a:solidFill>
-                      </a:rPr>
-                      <m:t> </m:t>
-                    </m:r>
-                  </m:oMath>
-                </a14:m>
-                <a:r>
-                  <a:rPr lang="it-IT" sz="1900" spc="10" dirty="0">
-                    <a:solidFill>
-                      <a:schemeClr val="tx1">
-                        <a:lumMod val="65000"/>
-                        <a:lumOff val="35000"/>
-                      </a:schemeClr>
-                    </a:solidFill>
-                  </a:rPr>
-                  <a:t>e la </a:t>
-                </a:r>
-                <a:r>
-                  <a:rPr lang="it-IT" sz="1900" spc="10" dirty="0">
-                    <a:solidFill>
-                      <a:schemeClr val="tx1">
-                        <a:lumMod val="65000"/>
-                        <a:lumOff val="35000"/>
-                      </a:schemeClr>
-                    </a:solidFill>
-                  </a:rPr>
-                  <a:t>dispersione </a:t>
-                </a:r>
-                <a:r>
-                  <a:rPr lang="it-IT" sz="1900" spc="10" dirty="0">
-                    <a:solidFill>
-                      <a:schemeClr val="tx1">
-                        <a:lumMod val="65000"/>
-                        <a:lumOff val="35000"/>
-                      </a:schemeClr>
-                    </a:solidFill>
-                  </a:rPr>
-                  <a:t>intra-</a:t>
-                </a:r>
-                <a:r>
-                  <a:rPr lang="it-IT" sz="1900" i="1" spc="10" dirty="0">
-                    <a:solidFill>
-                      <a:schemeClr val="tx1">
-                        <a:lumMod val="65000"/>
-                        <a:lumOff val="35000"/>
-                      </a:schemeClr>
-                    </a:solidFill>
-                  </a:rPr>
-                  <a:t>cluster</a:t>
-                </a:r>
-                <a:r>
-                  <a:rPr lang="it-IT" sz="1900" spc="10" dirty="0">
-                    <a:solidFill>
-                      <a:schemeClr val="tx1">
-                        <a:lumMod val="65000"/>
-                        <a:lumOff val="35000"/>
-                      </a:schemeClr>
-                    </a:solidFill>
-                  </a:rPr>
-                  <a:t> </a:t>
-                </a:r>
-                <a14:m>
-                  <m:oMath xmlns:m="http://schemas.openxmlformats.org/officeDocument/2006/math">
-                    <m:sSub>
-                      <m:sSubPr>
-                        <m:ctrlPr>
-                          <a:rPr lang="it-IT" sz="1900" spc="10">
-                            <a:solidFill>
-                              <a:schemeClr val="tx1">
-                                <a:lumMod val="65000"/>
-                                <a:lumOff val="35000"/>
-                              </a:schemeClr>
-                            </a:solidFill>
-                          </a:rPr>
-                        </m:ctrlPr>
-                      </m:sSubPr>
-                      <m:e>
-                        <m:r>
-                          <a:rPr lang="it-IT" sz="1900" spc="10">
-                            <a:solidFill>
-                              <a:schemeClr val="tx1">
-                                <a:lumMod val="65000"/>
-                                <a:lumOff val="35000"/>
-                              </a:schemeClr>
-                            </a:solidFill>
-                          </a:rPr>
-                          <m:t>𝑾</m:t>
-                        </m:r>
-                      </m:e>
-                      <m:sub>
-                        <m:r>
-                          <a:rPr lang="it-IT" sz="1900" spc="10">
-                            <a:solidFill>
-                              <a:schemeClr val="tx1">
-                                <a:lumMod val="65000"/>
-                                <a:lumOff val="35000"/>
-                              </a:schemeClr>
-                            </a:solidFill>
-                          </a:rPr>
-                          <m:t>𝑘</m:t>
-                        </m:r>
-                      </m:sub>
-                    </m:sSub>
-                  </m:oMath>
-                </a14:m>
-                <a:r>
-                  <a:rPr lang="it-IT" sz="1900" spc="10" dirty="0">
-                    <a:solidFill>
-                      <a:schemeClr val="tx1">
-                        <a:lumMod val="65000"/>
-                        <a:lumOff val="35000"/>
-                      </a:schemeClr>
-                    </a:solidFill>
-                  </a:rPr>
-                  <a:t>. </a:t>
-                </a:r>
-                <a:r>
-                  <a:rPr lang="it-IT" sz="1900" spc="10" dirty="0">
-                    <a:solidFill>
-                      <a:schemeClr val="tx1">
-                        <a:lumMod val="65000"/>
-                        <a:lumOff val="35000"/>
-                      </a:schemeClr>
-                    </a:solidFill>
-                  </a:rPr>
-                  <a:t>Più il suo valore è </a:t>
-                </a:r>
-                <a:r>
-                  <a:rPr lang="it-IT" sz="1900" spc="10" dirty="0">
-                    <a:solidFill>
-                      <a:schemeClr val="tx1">
-                        <a:lumMod val="65000"/>
-                        <a:lumOff val="35000"/>
-                      </a:schemeClr>
-                    </a:solidFill>
-                  </a:rPr>
-                  <a:t>elevato, </a:t>
-                </a:r>
-                <a:r>
-                  <a:rPr lang="it-IT" sz="1900" spc="10" dirty="0">
-                    <a:solidFill>
-                      <a:schemeClr val="tx1">
-                        <a:lumMod val="65000"/>
-                        <a:lumOff val="35000"/>
-                      </a:schemeClr>
-                    </a:solidFill>
-                  </a:rPr>
-                  <a:t>migliore è la </a:t>
-                </a:r>
-                <a:r>
-                  <a:rPr lang="it-IT" sz="1900" i="1" spc="10" dirty="0">
-                    <a:solidFill>
-                      <a:schemeClr val="tx1">
-                        <a:lumMod val="65000"/>
-                        <a:lumOff val="35000"/>
-                      </a:schemeClr>
-                    </a:solidFill>
-                  </a:rPr>
-                  <a:t>performance</a:t>
-                </a:r>
-                <a:r>
-                  <a:rPr lang="it-IT" sz="1900" spc="10" dirty="0">
-                    <a:solidFill>
-                      <a:schemeClr val="tx1">
-                        <a:lumMod val="65000"/>
-                        <a:lumOff val="35000"/>
-                      </a:schemeClr>
-                    </a:solidFill>
-                  </a:rPr>
-                  <a:t> </a:t>
-                </a:r>
-                <a:r>
-                  <a:rPr lang="it-IT" sz="1900" spc="10" dirty="0" smtClean="0">
-                    <a:solidFill>
-                      <a:schemeClr val="tx1">
-                        <a:lumMod val="65000"/>
-                        <a:lumOff val="35000"/>
-                      </a:schemeClr>
-                    </a:solidFill>
-                  </a:rPr>
-                  <a:t>dell’algoritmo.</a:t>
-                </a:r>
-                <a:endParaRPr lang="it-IT" sz="1900" spc="10" dirty="0">
-                  <a:solidFill>
-                    <a:schemeClr val="tx1">
-                      <a:lumMod val="65000"/>
-                      <a:lumOff val="35000"/>
-                    </a:schemeClr>
-                  </a:solidFill>
-                </a:endParaRPr>
-              </a:p>
-            </p:txBody>
-          </p:sp>
-        </mc:Choice>
-        <mc:Fallback>
-          <p:sp>
-            <p:nvSpPr>
-              <p:cNvPr id="8" name="CasellaDiTesto 7">
-                <a:extLst>
-                  <a:ext uri="{FF2B5EF4-FFF2-40B4-BE49-F238E27FC236}">
-                    <a16:creationId xmlns:a16="http://schemas.microsoft.com/office/drawing/2014/main" id="{4C9DE3B0-21ED-4138-8830-0423A0654D6C}"/>
-                  </a:ext>
-                </a:extLst>
-              </p:cNvPr>
-              <p:cNvSpPr txBox="1">
-                <a:spLocks noRot="1" noChangeAspect="1" noMove="1" noResize="1" noEditPoints="1" noAdjustHandles="1" noChangeArrowheads="1" noChangeShapeType="1" noTextEdit="1"/>
-              </p:cNvSpPr>
-              <p:nvPr/>
-            </p:nvSpPr>
-            <p:spPr>
-              <a:xfrm>
-                <a:off x="528038" y="3464906"/>
-                <a:ext cx="8134708" cy="969496"/>
-              </a:xfrm>
-              <a:prstGeom prst="rect">
-                <a:avLst/>
-              </a:prstGeom>
-              <a:blipFill>
-                <a:blip r:embed="rId5"/>
-                <a:stretch>
-                  <a:fillRect l="-600" t="-3145" r="-675" b="-10063"/>
-                </a:stretch>
-              </a:blipFill>
-            </p:spPr>
-            <p:txBody>
-              <a:bodyPr/>
-              <a:lstStyle/>
-              <a:p>
-                <a:r>
-                  <a:rPr lang="it-IT">
-                    <a:noFill/>
-                  </a:rPr>
-                  <a:t> </a:t>
-                </a:r>
-              </a:p>
-            </p:txBody>
-          </p:sp>
-        </mc:Fallback>
-      </mc:AlternateContent>
-      <p:pic>
-        <p:nvPicPr>
-          <p:cNvPr id="11" name="Immagine 10">
-            <a:extLst>
-              <a:ext uri="{FF2B5EF4-FFF2-40B4-BE49-F238E27FC236}">
-                <a16:creationId xmlns:a16="http://schemas.microsoft.com/office/drawing/2014/main" id="{3414C069-4FB5-45B7-AB08-53D849C5574A}"/>
-              </a:ext>
-            </a:extLst>
-          </p:cNvPr>
-          <p:cNvPicPr>
-            <a:picLocks noChangeAspect="1"/>
-          </p:cNvPicPr>
-          <p:nvPr/>
-        </p:nvPicPr>
-        <p:blipFill>
-          <a:blip r:embed="rId6"/>
-          <a:stretch>
-            <a:fillRect/>
-          </a:stretch>
-        </p:blipFill>
-        <p:spPr>
-          <a:xfrm>
-            <a:off x="8919038" y="3655108"/>
-            <a:ext cx="1933575" cy="542925"/>
-          </a:xfrm>
-          <a:prstGeom prst="rect">
-            <a:avLst/>
-          </a:prstGeom>
-        </p:spPr>
-      </p:pic>
-    </p:spTree>
-    <p:extLst>
-      <p:ext uri="{BB962C8B-B14F-4D97-AF65-F5344CB8AC3E}">
-        <p14:creationId xmlns:p14="http://schemas.microsoft.com/office/powerpoint/2010/main" val="3083776964"/>
-      </p:ext>
-    </p:extLst>
-  </p:cSld>
-  <p:clrMapOvr>
-    <a:masterClrMapping/>
-  </p:clrMapOvr>
-</p:sld>
-</file>
-
-<file path=ppt/slides/slide18.xml><?xml version="1.0" encoding="utf-8"?>
-<p:sld xmlns:a="http://schemas.openxmlformats.org/drawingml/2006/main" xmlns:r="http://schemas.openxmlformats.org/officeDocument/2006/relationships" xmlns:p="http://schemas.openxmlformats.org/presentationml/2006/main">
-  <p:cSld>
-    <p:spTree>
-      <p:nvGrpSpPr>
-        <p:cNvPr id="1" name=""/>
-        <p:cNvGrpSpPr/>
-        <p:nvPr/>
-      </p:nvGrpSpPr>
-      <p:grpSpPr>
-        <a:xfrm>
-          <a:off x="0" y="0"/>
-          <a:ext cx="0" cy="0"/>
-          <a:chOff x="0" y="0"/>
-          <a:chExt cx="0" cy="0"/>
-        </a:xfrm>
-      </p:grpSpPr>
-      <p:sp>
-        <p:nvSpPr>
-          <p:cNvPr id="4" name="Titolo 3"/>
-          <p:cNvSpPr>
-            <a:spLocks noGrp="1"/>
-          </p:cNvSpPr>
-          <p:nvPr>
-            <p:ph type="title"/>
-          </p:nvPr>
-        </p:nvSpPr>
-        <p:spPr>
-          <a:xfrm>
             <a:off x="818944" y="180754"/>
             <a:ext cx="8911687" cy="807332"/>
           </a:xfrm>
@@ -7209,14 +6251,13 @@
           <a:lstStyle/>
           <a:p>
             <a:r>
-              <a:rPr lang="it-IT" dirty="0" err="1" smtClean="0"/>
+              <a:rPr lang="it-IT" dirty="0" err="1"/>
               <a:t>Backtest</a:t>
             </a:r>
             <a:r>
-              <a:rPr lang="it-IT" dirty="0" smtClean="0"/>
+              <a:rPr lang="it-IT" dirty="0"/>
               <a:t> dei portafogli</a:t>
             </a:r>
-            <a:endParaRPr lang="it-IT" dirty="0"/>
           </a:p>
         </p:txBody>
       </p:sp>
@@ -7260,17 +6301,10 @@
   <p:clrMapOvr>
     <a:masterClrMapping/>
   </p:clrMapOvr>
-  <p:timing>
-    <p:tnLst>
-      <p:par>
-        <p:cTn id="1" dur="indefinite" restart="never" nodeType="tmRoot"/>
-      </p:par>
-    </p:tnLst>
-  </p:timing>
 </p:sld>
 </file>
 
-<file path=ppt/slides/slide19.xml><?xml version="1.0" encoding="utf-8"?>
+<file path=ppt/slides/slide18.xml><?xml version="1.0" encoding="utf-8"?>
 <p:sld xmlns:a="http://schemas.openxmlformats.org/drawingml/2006/main" xmlns:r="http://schemas.openxmlformats.org/officeDocument/2006/relationships" xmlns:p="http://schemas.openxmlformats.org/presentationml/2006/main">
   <p:cSld>
     <p:spTree>
@@ -7308,14 +6342,13 @@
           <a:lstStyle/>
           <a:p>
             <a:r>
-              <a:rPr lang="it-IT" dirty="0" err="1" smtClean="0"/>
+              <a:rPr lang="it-IT" dirty="0" err="1"/>
               <a:t>Backtest</a:t>
             </a:r>
             <a:r>
-              <a:rPr lang="it-IT" dirty="0" smtClean="0"/>
+              <a:rPr lang="it-IT" dirty="0"/>
               <a:t> dei portafogli</a:t>
             </a:r>
-            <a:endParaRPr lang="it-IT" dirty="0"/>
           </a:p>
         </p:txBody>
       </p:sp>
@@ -7359,13 +6392,97 @@
   <p:clrMapOvr>
     <a:masterClrMapping/>
   </p:clrMapOvr>
-  <p:timing>
-    <p:tnLst>
-      <p:par>
-        <p:cTn id="1" dur="indefinite" restart="never" nodeType="tmRoot"/>
-      </p:par>
-    </p:tnLst>
-  </p:timing>
+</p:sld>
+</file>
+
+<file path=ppt/slides/slide19.xml><?xml version="1.0" encoding="utf-8"?>
+<p:sld xmlns:a="http://schemas.openxmlformats.org/drawingml/2006/main" xmlns:r="http://schemas.openxmlformats.org/officeDocument/2006/relationships" xmlns:p="http://schemas.openxmlformats.org/presentationml/2006/main">
+  <p:cSld>
+    <p:spTree>
+      <p:nvGrpSpPr>
+        <p:cNvPr id="1" name=""/>
+        <p:cNvGrpSpPr/>
+        <p:nvPr/>
+      </p:nvGrpSpPr>
+      <p:grpSpPr>
+        <a:xfrm>
+          <a:off x="0" y="0"/>
+          <a:ext cx="0" cy="0"/>
+          <a:chOff x="0" y="0"/>
+          <a:chExt cx="0" cy="0"/>
+        </a:xfrm>
+      </p:grpSpPr>
+      <p:sp>
+        <p:nvSpPr>
+          <p:cNvPr id="4" name="Titolo 3"/>
+          <p:cNvSpPr>
+            <a:spLocks noGrp="1"/>
+          </p:cNvSpPr>
+          <p:nvPr>
+            <p:ph type="title"/>
+          </p:nvPr>
+        </p:nvSpPr>
+        <p:spPr>
+          <a:xfrm>
+            <a:off x="905164" y="790450"/>
+            <a:ext cx="8517750" cy="739818"/>
+          </a:xfrm>
+        </p:spPr>
+        <p:txBody>
+          <a:bodyPr/>
+          <a:lstStyle/>
+          <a:p>
+            <a:r>
+              <a:rPr lang="it-IT" dirty="0" err="1"/>
+              <a:t>Backtest</a:t>
+            </a:r>
+            <a:r>
+              <a:rPr lang="it-IT" dirty="0"/>
+              <a:t> dei portafogli</a:t>
+            </a:r>
+          </a:p>
+        </p:txBody>
+      </p:sp>
+      <p:pic>
+        <p:nvPicPr>
+          <p:cNvPr id="6" name="Immagine 5">
+            <a:extLst>
+              <a:ext uri="{FF2B5EF4-FFF2-40B4-BE49-F238E27FC236}">
+                <a16:creationId xmlns:a16="http://schemas.microsoft.com/office/drawing/2014/main" id="{2017ABC1-E0F1-4D95-A686-C3C329055D6F}"/>
+              </a:ext>
+            </a:extLst>
+          </p:cNvPr>
+          <p:cNvPicPr>
+            <a:picLocks noChangeAspect="1"/>
+          </p:cNvPicPr>
+          <p:nvPr/>
+        </p:nvPicPr>
+        <p:blipFill>
+          <a:blip r:embed="rId2"/>
+          <a:stretch>
+            <a:fillRect/>
+          </a:stretch>
+        </p:blipFill>
+        <p:spPr>
+          <a:xfrm>
+            <a:off x="701964" y="2771254"/>
+            <a:ext cx="10353963" cy="1782273"/>
+          </a:xfrm>
+          <a:prstGeom prst="rect">
+            <a:avLst/>
+          </a:prstGeom>
+        </p:spPr>
+      </p:pic>
+    </p:spTree>
+    <p:extLst>
+      <p:ext uri="{BB962C8B-B14F-4D97-AF65-F5344CB8AC3E}">
+        <p14:creationId xmlns:p14="http://schemas.microsoft.com/office/powerpoint/2010/main" val="994975074"/>
+      </p:ext>
+    </p:extLst>
+  </p:cSld>
+  <p:clrMapOvr>
+    <a:masterClrMapping/>
+  </p:clrMapOvr>
 </p:sld>
 </file>
 
@@ -7434,10 +6551,9 @@
           </a:lstStyle>
           <a:p>
             <a:r>
-              <a:rPr lang="it-IT" dirty="0" smtClean="0"/>
+              <a:rPr lang="it-IT" dirty="0"/>
               <a:t>INDICE</a:t>
             </a:r>
-            <a:endParaRPr lang="it-IT" dirty="0"/>
           </a:p>
         </p:txBody>
       </p:sp>
@@ -7641,36 +6757,31 @@
           <a:p>
             <a:r>
               <a:rPr lang="it-IT" sz="2400" spc="30" dirty="0"/>
-              <a:t>Sviluppo del </a:t>
-            </a:r>
-            <a:r>
-              <a:rPr lang="it-IT" sz="2400" spc="30" dirty="0" smtClean="0"/>
-              <a:t>lavoro</a:t>
-            </a:r>
-          </a:p>
-          <a:p>
-            <a:r>
-              <a:rPr lang="it-IT" sz="2400" spc="30" dirty="0" smtClean="0"/>
+              <a:t>Sviluppo del lavoro</a:t>
+            </a:r>
+          </a:p>
+          <a:p>
+            <a:r>
+              <a:rPr lang="it-IT" sz="2400" spc="30" dirty="0"/>
               <a:t>Allocazione di portafoglio</a:t>
             </a:r>
           </a:p>
           <a:p>
             <a:r>
-              <a:rPr lang="it-IT" sz="2400" spc="30" dirty="0" smtClean="0"/>
+              <a:rPr lang="it-IT" sz="2400" spc="30" dirty="0"/>
               <a:t>Portafoglio di tangenza</a:t>
             </a:r>
-            <a:endParaRPr lang="it-IT" sz="2400" spc="30" dirty="0"/>
-          </a:p>
-          <a:p>
-            <a:r>
-              <a:rPr lang="it-IT" sz="2400" i="1" spc="30" dirty="0" smtClean="0"/>
+          </a:p>
+          <a:p>
+            <a:r>
+              <a:rPr lang="it-IT" sz="2400" i="1" spc="30" dirty="0"/>
               <a:t>K-</a:t>
             </a:r>
             <a:r>
-              <a:rPr lang="it-IT" sz="2400" i="1" spc="30" dirty="0" err="1" smtClean="0"/>
+              <a:rPr lang="it-IT" sz="2400" i="1" spc="30" dirty="0" err="1"/>
               <a:t>Means</a:t>
             </a:r>
-            <a:endParaRPr lang="it-IT" sz="2400" i="1" spc="30" dirty="0" smtClean="0"/>
+            <a:endParaRPr lang="it-IT" sz="2400" i="1" spc="30" dirty="0"/>
           </a:p>
           <a:p>
             <a:r>
@@ -7690,7 +6801,7 @@
               <a:t> </a:t>
             </a:r>
             <a:r>
-              <a:rPr lang="it-IT" sz="2400" i="1" spc="30" dirty="0" err="1" smtClean="0"/>
+              <a:rPr lang="it-IT" sz="2400" i="1" spc="30" dirty="0" err="1"/>
               <a:t>Parity</a:t>
             </a:r>
             <a:endParaRPr lang="it-IT" sz="2400" i="1" spc="30" dirty="0"/>
@@ -7702,25 +6813,21 @@
             </a:r>
             <a:r>
               <a:rPr lang="it-IT" sz="2400" i="1" spc="30" dirty="0"/>
-              <a:t> </a:t>
-            </a:r>
-            <a:r>
-              <a:rPr lang="it-IT" sz="2400" i="1" spc="30" dirty="0" smtClean="0"/>
-              <a:t>K-</a:t>
-            </a:r>
-            <a:r>
-              <a:rPr lang="it-IT" sz="2400" i="1" spc="30" dirty="0" err="1" smtClean="0"/>
+              <a:t> K-</a:t>
+            </a:r>
+            <a:r>
+              <a:rPr lang="it-IT" sz="2400" i="1" spc="30" dirty="0" err="1"/>
               <a:t>Means</a:t>
             </a:r>
             <a:endParaRPr lang="it-IT" sz="2400" i="1" spc="30" dirty="0"/>
           </a:p>
           <a:p>
             <a:r>
-              <a:rPr lang="it-IT" sz="2400" i="1" spc="30" dirty="0" err="1" smtClean="0"/>
+              <a:rPr lang="it-IT" sz="2400" i="1" spc="30" dirty="0" err="1"/>
               <a:t>Backtest</a:t>
             </a:r>
             <a:r>
-              <a:rPr lang="it-IT" sz="2400" spc="30" dirty="0" smtClean="0"/>
+              <a:rPr lang="it-IT" sz="2400" spc="30" dirty="0"/>
               <a:t> dei portafogli</a:t>
             </a:r>
           </a:p>
@@ -7756,13 +6863,6 @@
   <p:clrMapOvr>
     <a:masterClrMapping/>
   </p:clrMapOvr>
-  <p:timing>
-    <p:tnLst>
-      <p:par>
-        <p:cTn id="1" dur="indefinite" restart="never" nodeType="tmRoot"/>
-      </p:par>
-    </p:tnLst>
-  </p:timing>
 </p:sld>
 </file>
 
@@ -7795,8 +6895,8 @@
         </p:nvSpPr>
         <p:spPr>
           <a:xfrm>
-            <a:off x="905164" y="790450"/>
-            <a:ext cx="8517750" cy="739818"/>
+            <a:off x="528038" y="313371"/>
+            <a:ext cx="8911687" cy="739818"/>
           </a:xfrm>
         </p:spPr>
         <p:txBody>
@@ -7804,22 +6904,23 @@
           <a:lstStyle/>
           <a:p>
             <a:r>
+              <a:rPr lang="it-IT" dirty="0"/>
+              <a:t>Valutazione del </a:t>
+            </a:r>
+            <a:r>
               <a:rPr lang="it-IT" dirty="0" err="1"/>
-              <a:t>Backtest</a:t>
-            </a:r>
-            <a:r>
-              <a:rPr lang="it-IT" dirty="0"/>
-              <a:t> dei portafogli</a:t>
-            </a:r>
+              <a:t>clustering</a:t>
+            </a:r>
+            <a:endParaRPr lang="it-IT" dirty="0"/>
           </a:p>
         </p:txBody>
       </p:sp>
       <p:pic>
         <p:nvPicPr>
-          <p:cNvPr id="6" name="Immagine 5">
+          <p:cNvPr id="3" name="Immagine 2">
             <a:extLst>
               <a:ext uri="{FF2B5EF4-FFF2-40B4-BE49-F238E27FC236}">
-                <a16:creationId xmlns:a16="http://schemas.microsoft.com/office/drawing/2014/main" id="{2017ABC1-E0F1-4D95-A686-C3C329055D6F}"/>
+                <a16:creationId xmlns:a16="http://schemas.microsoft.com/office/drawing/2014/main" id="{873F7BD2-1941-40A7-BAA1-CF8CCF29BC20}"/>
               </a:ext>
             </a:extLst>
           </p:cNvPr>
@@ -7836,8 +6937,577 @@
         </p:blipFill>
         <p:spPr>
           <a:xfrm>
-            <a:off x="701964" y="2771254"/>
-            <a:ext cx="10353963" cy="1782273"/>
+            <a:off x="2306172" y="5000449"/>
+            <a:ext cx="7579653" cy="1224170"/>
+          </a:xfrm>
+          <a:prstGeom prst="rect">
+            <a:avLst/>
+          </a:prstGeom>
+        </p:spPr>
+      </p:pic>
+      <mc:AlternateContent xmlns:mc="http://schemas.openxmlformats.org/markup-compatibility/2006" xmlns:a14="http://schemas.microsoft.com/office/drawing/2010/main">
+        <mc:Choice Requires="a14">
+          <p:sp>
+            <p:nvSpPr>
+              <p:cNvPr id="5" name="CasellaDiTesto 4">
+                <a:extLst>
+                  <a:ext uri="{FF2B5EF4-FFF2-40B4-BE49-F238E27FC236}">
+                    <a16:creationId xmlns:a16="http://schemas.microsoft.com/office/drawing/2014/main" id="{71DD9C72-A6C6-4BA8-B0B1-1EA5E77ABE67}"/>
+                  </a:ext>
+                </a:extLst>
+              </p:cNvPr>
+              <p:cNvSpPr txBox="1"/>
+              <p:nvPr/>
+            </p:nvSpPr>
+            <p:spPr>
+              <a:xfrm>
+                <a:off x="528039" y="1645980"/>
+                <a:ext cx="8134708" cy="1261884"/>
+              </a:xfrm>
+              <a:prstGeom prst="rect">
+                <a:avLst/>
+              </a:prstGeom>
+              <a:noFill/>
+            </p:spPr>
+            <p:txBody>
+              <a:bodyPr wrap="square" rtlCol="0">
+                <a:spAutoFit/>
+              </a:bodyPr>
+              <a:lstStyle/>
+              <a:p>
+                <a:pPr marL="285750" indent="-285750">
+                  <a:buFont typeface="Arial" panose="020B0604020202020204" pitchFamily="34" charset="0"/>
+                  <a:buChar char="•"/>
+                </a:pPr>
+                <a:r>
+                  <a:rPr lang="it-IT" sz="1900" spc="10" dirty="0">
+                    <a:solidFill>
+                      <a:schemeClr val="tx1">
+                        <a:lumMod val="65000"/>
+                        <a:lumOff val="35000"/>
+                      </a:schemeClr>
+                    </a:solidFill>
+                  </a:rPr>
+                  <a:t>Il coefficiente </a:t>
+                </a:r>
+                <a:r>
+                  <a:rPr lang="it-IT" sz="1900" i="1" spc="10" dirty="0">
+                    <a:solidFill>
+                      <a:schemeClr val="tx1">
+                        <a:lumMod val="65000"/>
+                        <a:lumOff val="35000"/>
+                      </a:schemeClr>
+                    </a:solidFill>
+                  </a:rPr>
+                  <a:t>Silhouette</a:t>
+                </a:r>
+                <a:r>
+                  <a:rPr lang="it-IT" sz="1900" spc="10" dirty="0">
+                    <a:solidFill>
+                      <a:schemeClr val="tx1">
+                        <a:lumMod val="65000"/>
+                        <a:lumOff val="35000"/>
+                      </a:schemeClr>
+                    </a:solidFill>
+                  </a:rPr>
+                  <a:t> misura la distanza media fra un’osservazione e gli altri elementi dello stesso </a:t>
+                </a:r>
+                <a:r>
+                  <a:rPr lang="it-IT" sz="1900" i="1" spc="10" dirty="0">
+                    <a:solidFill>
+                      <a:schemeClr val="tx1">
+                        <a:lumMod val="65000"/>
+                        <a:lumOff val="35000"/>
+                      </a:schemeClr>
+                    </a:solidFill>
+                  </a:rPr>
+                  <a:t>cluster</a:t>
+                </a:r>
+                <a:r>
+                  <a:rPr lang="it-IT" sz="1900" spc="10" dirty="0">
+                    <a:solidFill>
+                      <a:schemeClr val="tx1">
+                        <a:lumMod val="65000"/>
+                        <a:lumOff val="35000"/>
+                      </a:schemeClr>
+                    </a:solidFill>
+                  </a:rPr>
+                  <a:t> (</a:t>
+                </a:r>
+                <a14:m>
+                  <m:oMath xmlns:m="http://schemas.openxmlformats.org/officeDocument/2006/math">
+                    <m:r>
+                      <a:rPr lang="it-IT" sz="1900" spc="10">
+                        <a:solidFill>
+                          <a:schemeClr val="tx1">
+                            <a:lumMod val="65000"/>
+                            <a:lumOff val="35000"/>
+                          </a:schemeClr>
+                        </a:solidFill>
+                        <a:latin typeface="Cambria Math" panose="02040503050406030204" pitchFamily="18" charset="0"/>
+                      </a:rPr>
+                      <m:t>𝑎</m:t>
+                    </m:r>
+                    <m:r>
+                      <a:rPr lang="it-IT" sz="1900" spc="10">
+                        <a:solidFill>
+                          <a:schemeClr val="tx1">
+                            <a:lumMod val="65000"/>
+                            <a:lumOff val="35000"/>
+                          </a:schemeClr>
+                        </a:solidFill>
+                        <a:latin typeface="Cambria Math" panose="02040503050406030204" pitchFamily="18" charset="0"/>
+                      </a:rPr>
+                      <m:t>)</m:t>
+                    </m:r>
+                  </m:oMath>
+                </a14:m>
+                <a:r>
+                  <a:rPr lang="it-IT" sz="1900" spc="10" dirty="0">
+                    <a:solidFill>
+                      <a:schemeClr val="tx1">
+                        <a:lumMod val="65000"/>
+                        <a:lumOff val="35000"/>
+                      </a:schemeClr>
+                    </a:solidFill>
+                  </a:rPr>
+                  <a:t> rispetto alla distanza media fra l’osservazione e gli elementi degli altri </a:t>
+                </a:r>
+                <a:r>
+                  <a:rPr lang="it-IT" sz="1900" i="1" spc="10" dirty="0">
+                    <a:solidFill>
+                      <a:schemeClr val="tx1">
+                        <a:lumMod val="65000"/>
+                        <a:lumOff val="35000"/>
+                      </a:schemeClr>
+                    </a:solidFill>
+                  </a:rPr>
+                  <a:t>cluster</a:t>
+                </a:r>
+                <a:r>
+                  <a:rPr lang="it-IT" sz="1900" spc="10" dirty="0">
+                    <a:solidFill>
+                      <a:schemeClr val="tx1">
+                        <a:lumMod val="65000"/>
+                        <a:lumOff val="35000"/>
+                      </a:schemeClr>
+                    </a:solidFill>
+                  </a:rPr>
+                  <a:t> (b). Il suo valore è compreso fra -1 e +1.</a:t>
+                </a:r>
+              </a:p>
+            </p:txBody>
+          </p:sp>
+        </mc:Choice>
+        <mc:Fallback xmlns="">
+          <p:sp>
+            <p:nvSpPr>
+              <p:cNvPr id="5" name="CasellaDiTesto 4">
+                <a:extLst>
+                  <a:ext uri="{FF2B5EF4-FFF2-40B4-BE49-F238E27FC236}">
+                    <a16:creationId xmlns:a16="http://schemas.microsoft.com/office/drawing/2014/main" id="{71DD9C72-A6C6-4BA8-B0B1-1EA5E77ABE67}"/>
+                  </a:ext>
+                </a:extLst>
+              </p:cNvPr>
+              <p:cNvSpPr txBox="1">
+                <a:spLocks noRot="1" noChangeAspect="1" noMove="1" noResize="1" noEditPoints="1" noAdjustHandles="1" noChangeArrowheads="1" noChangeShapeType="1" noTextEdit="1"/>
+              </p:cNvSpPr>
+              <p:nvPr/>
+            </p:nvSpPr>
+            <p:spPr>
+              <a:xfrm>
+                <a:off x="528039" y="1645980"/>
+                <a:ext cx="8134708" cy="1261884"/>
+              </a:xfrm>
+              <a:prstGeom prst="rect">
+                <a:avLst/>
+              </a:prstGeom>
+              <a:blipFill>
+                <a:blip r:embed="rId3"/>
+                <a:stretch>
+                  <a:fillRect l="-600" t="-2415" b="-7246"/>
+                </a:stretch>
+              </a:blipFill>
+            </p:spPr>
+            <p:txBody>
+              <a:bodyPr/>
+              <a:lstStyle/>
+              <a:p>
+                <a:r>
+                  <a:rPr lang="it-IT">
+                    <a:noFill/>
+                  </a:rPr>
+                  <a:t> </a:t>
+                </a:r>
+              </a:p>
+            </p:txBody>
+          </p:sp>
+        </mc:Fallback>
+      </mc:AlternateContent>
+      <p:pic>
+        <p:nvPicPr>
+          <p:cNvPr id="7" name="Immagine 6">
+            <a:extLst>
+              <a:ext uri="{FF2B5EF4-FFF2-40B4-BE49-F238E27FC236}">
+                <a16:creationId xmlns:a16="http://schemas.microsoft.com/office/drawing/2014/main" id="{5522956A-3037-4D16-A254-F95E38899B6F}"/>
+              </a:ext>
+            </a:extLst>
+          </p:cNvPr>
+          <p:cNvPicPr>
+            <a:picLocks noChangeAspect="1"/>
+          </p:cNvPicPr>
+          <p:nvPr/>
+        </p:nvPicPr>
+        <p:blipFill>
+          <a:blip r:embed="rId4"/>
+          <a:stretch>
+            <a:fillRect/>
+          </a:stretch>
+        </p:blipFill>
+        <p:spPr>
+          <a:xfrm>
+            <a:off x="8919038" y="1784479"/>
+            <a:ext cx="2056508" cy="646331"/>
+          </a:xfrm>
+          <a:prstGeom prst="rect">
+            <a:avLst/>
+          </a:prstGeom>
+        </p:spPr>
+      </p:pic>
+      <mc:AlternateContent xmlns:mc="http://schemas.openxmlformats.org/markup-compatibility/2006" xmlns:a14="http://schemas.microsoft.com/office/drawing/2010/main">
+        <mc:Choice Requires="a14">
+          <p:sp>
+            <p:nvSpPr>
+              <p:cNvPr id="8" name="CasellaDiTesto 7">
+                <a:extLst>
+                  <a:ext uri="{FF2B5EF4-FFF2-40B4-BE49-F238E27FC236}">
+                    <a16:creationId xmlns:a16="http://schemas.microsoft.com/office/drawing/2014/main" id="{4C9DE3B0-21ED-4138-8830-0423A0654D6C}"/>
+                  </a:ext>
+                </a:extLst>
+              </p:cNvPr>
+              <p:cNvSpPr txBox="1"/>
+              <p:nvPr/>
+            </p:nvSpPr>
+            <p:spPr>
+              <a:xfrm>
+                <a:off x="528038" y="3464906"/>
+                <a:ext cx="8134708" cy="969496"/>
+              </a:xfrm>
+              <a:prstGeom prst="rect">
+                <a:avLst/>
+              </a:prstGeom>
+              <a:noFill/>
+            </p:spPr>
+            <p:txBody>
+              <a:bodyPr wrap="square" rtlCol="0">
+                <a:spAutoFit/>
+              </a:bodyPr>
+              <a:lstStyle/>
+              <a:p>
+                <a:pPr marL="285750" indent="-285750">
+                  <a:buFont typeface="Arial" panose="020B0604020202020204" pitchFamily="34" charset="0"/>
+                  <a:buChar char="•"/>
+                </a:pPr>
+                <a:r>
+                  <a:rPr lang="it-IT" sz="1900" spc="10" dirty="0">
+                    <a:solidFill>
+                      <a:schemeClr val="tx1">
+                        <a:lumMod val="65000"/>
+                        <a:lumOff val="35000"/>
+                      </a:schemeClr>
+                    </a:solidFill>
+                  </a:rPr>
+                  <a:t>L’indice di </a:t>
+                </a:r>
+                <a:r>
+                  <a:rPr lang="it-IT" sz="1900" i="1" spc="10" dirty="0" err="1">
+                    <a:solidFill>
+                      <a:schemeClr val="tx1">
+                        <a:lumMod val="65000"/>
+                        <a:lumOff val="35000"/>
+                      </a:schemeClr>
+                    </a:solidFill>
+                  </a:rPr>
+                  <a:t>Calinski-Harabasz</a:t>
+                </a:r>
+                <a:r>
+                  <a:rPr lang="it-IT" sz="1900" spc="10" dirty="0">
+                    <a:solidFill>
+                      <a:schemeClr val="tx1">
+                        <a:lumMod val="65000"/>
+                        <a:lumOff val="35000"/>
+                      </a:schemeClr>
+                    </a:solidFill>
+                  </a:rPr>
+                  <a:t> è dato dal rapporto fra la dispersione infra-</a:t>
+                </a:r>
+                <a:r>
+                  <a:rPr lang="it-IT" sz="1900" i="1" spc="10" dirty="0">
+                    <a:solidFill>
+                      <a:schemeClr val="tx1">
+                        <a:lumMod val="65000"/>
+                        <a:lumOff val="35000"/>
+                      </a:schemeClr>
+                    </a:solidFill>
+                  </a:rPr>
+                  <a:t>cluster</a:t>
+                </a:r>
+                <a:r>
+                  <a:rPr lang="it-IT" sz="1900" spc="10" dirty="0">
+                    <a:solidFill>
+                      <a:schemeClr val="tx1">
+                        <a:lumMod val="65000"/>
+                        <a:lumOff val="35000"/>
+                      </a:schemeClr>
+                    </a:solidFill>
+                  </a:rPr>
+                  <a:t> </a:t>
+                </a:r>
+                <a14:m>
+                  <m:oMath xmlns:m="http://schemas.openxmlformats.org/officeDocument/2006/math">
+                    <m:sSub>
+                      <m:sSubPr>
+                        <m:ctrlPr>
+                          <a:rPr lang="it-IT" sz="1900" i="1" spc="10">
+                            <a:solidFill>
+                              <a:schemeClr val="tx1">
+                                <a:lumMod val="65000"/>
+                                <a:lumOff val="35000"/>
+                              </a:schemeClr>
+                            </a:solidFill>
+                            <a:latin typeface="Cambria Math" panose="02040503050406030204" pitchFamily="18" charset="0"/>
+                          </a:rPr>
+                        </m:ctrlPr>
+                      </m:sSubPr>
+                      <m:e>
+                        <m:r>
+                          <a:rPr lang="it-IT" sz="1900" spc="10">
+                            <a:solidFill>
+                              <a:schemeClr val="tx1">
+                                <a:lumMod val="65000"/>
+                                <a:lumOff val="35000"/>
+                              </a:schemeClr>
+                            </a:solidFill>
+                            <a:latin typeface="Cambria Math" panose="02040503050406030204" pitchFamily="18" charset="0"/>
+                          </a:rPr>
+                          <m:t>𝑩</m:t>
+                        </m:r>
+                      </m:e>
+                      <m:sub>
+                        <m:r>
+                          <a:rPr lang="it-IT" sz="1900" spc="10">
+                            <a:solidFill>
+                              <a:schemeClr val="tx1">
+                                <a:lumMod val="65000"/>
+                                <a:lumOff val="35000"/>
+                              </a:schemeClr>
+                            </a:solidFill>
+                            <a:latin typeface="Cambria Math" panose="02040503050406030204" pitchFamily="18" charset="0"/>
+                          </a:rPr>
+                          <m:t>𝑘</m:t>
+                        </m:r>
+                      </m:sub>
+                    </m:sSub>
+                    <m:r>
+                      <a:rPr lang="it-IT" sz="1900" spc="10">
+                        <a:solidFill>
+                          <a:schemeClr val="tx1">
+                            <a:lumMod val="65000"/>
+                            <a:lumOff val="35000"/>
+                          </a:schemeClr>
+                        </a:solidFill>
+                        <a:latin typeface="Cambria Math" panose="02040503050406030204" pitchFamily="18" charset="0"/>
+                      </a:rPr>
+                      <m:t> </m:t>
+                    </m:r>
+                  </m:oMath>
+                </a14:m>
+                <a:r>
+                  <a:rPr lang="it-IT" sz="1900" spc="10" dirty="0">
+                    <a:solidFill>
+                      <a:schemeClr val="tx1">
+                        <a:lumMod val="65000"/>
+                        <a:lumOff val="35000"/>
+                      </a:schemeClr>
+                    </a:solidFill>
+                  </a:rPr>
+                  <a:t>e la dispersione intra-</a:t>
+                </a:r>
+                <a:r>
+                  <a:rPr lang="it-IT" sz="1900" i="1" spc="10" dirty="0">
+                    <a:solidFill>
+                      <a:schemeClr val="tx1">
+                        <a:lumMod val="65000"/>
+                        <a:lumOff val="35000"/>
+                      </a:schemeClr>
+                    </a:solidFill>
+                  </a:rPr>
+                  <a:t>cluster</a:t>
+                </a:r>
+                <a:r>
+                  <a:rPr lang="it-IT" sz="1900" spc="10" dirty="0">
+                    <a:solidFill>
+                      <a:schemeClr val="tx1">
+                        <a:lumMod val="65000"/>
+                        <a:lumOff val="35000"/>
+                      </a:schemeClr>
+                    </a:solidFill>
+                  </a:rPr>
+                  <a:t> </a:t>
+                </a:r>
+                <a14:m>
+                  <m:oMath xmlns:m="http://schemas.openxmlformats.org/officeDocument/2006/math">
+                    <m:sSub>
+                      <m:sSubPr>
+                        <m:ctrlPr>
+                          <a:rPr lang="it-IT" sz="1900" i="1" spc="10">
+                            <a:solidFill>
+                              <a:schemeClr val="tx1">
+                                <a:lumMod val="65000"/>
+                                <a:lumOff val="35000"/>
+                              </a:schemeClr>
+                            </a:solidFill>
+                            <a:latin typeface="Cambria Math" panose="02040503050406030204" pitchFamily="18" charset="0"/>
+                          </a:rPr>
+                        </m:ctrlPr>
+                      </m:sSubPr>
+                      <m:e>
+                        <m:r>
+                          <a:rPr lang="it-IT" sz="1900" spc="10">
+                            <a:solidFill>
+                              <a:schemeClr val="tx1">
+                                <a:lumMod val="65000"/>
+                                <a:lumOff val="35000"/>
+                              </a:schemeClr>
+                            </a:solidFill>
+                            <a:latin typeface="Cambria Math" panose="02040503050406030204" pitchFamily="18" charset="0"/>
+                          </a:rPr>
+                          <m:t>𝑾</m:t>
+                        </m:r>
+                      </m:e>
+                      <m:sub>
+                        <m:r>
+                          <a:rPr lang="it-IT" sz="1900" spc="10">
+                            <a:solidFill>
+                              <a:schemeClr val="tx1">
+                                <a:lumMod val="65000"/>
+                                <a:lumOff val="35000"/>
+                              </a:schemeClr>
+                            </a:solidFill>
+                            <a:latin typeface="Cambria Math" panose="02040503050406030204" pitchFamily="18" charset="0"/>
+                          </a:rPr>
+                          <m:t>𝑘</m:t>
+                        </m:r>
+                      </m:sub>
+                    </m:sSub>
+                  </m:oMath>
+                </a14:m>
+                <a:r>
+                  <a:rPr lang="it-IT" sz="1900" spc="10" dirty="0">
+                    <a:solidFill>
+                      <a:schemeClr val="tx1">
+                        <a:lumMod val="65000"/>
+                        <a:lumOff val="35000"/>
+                      </a:schemeClr>
+                    </a:solidFill>
+                  </a:rPr>
+                  <a:t>. Più il suo valore è elevato, migliore è la </a:t>
+                </a:r>
+                <a:r>
+                  <a:rPr lang="it-IT" sz="1900" i="1" spc="10" dirty="0">
+                    <a:solidFill>
+                      <a:schemeClr val="tx1">
+                        <a:lumMod val="65000"/>
+                        <a:lumOff val="35000"/>
+                      </a:schemeClr>
+                    </a:solidFill>
+                  </a:rPr>
+                  <a:t>performance</a:t>
+                </a:r>
+                <a:r>
+                  <a:rPr lang="it-IT" sz="1900" spc="10" dirty="0">
+                    <a:solidFill>
+                      <a:schemeClr val="tx1">
+                        <a:lumMod val="65000"/>
+                        <a:lumOff val="35000"/>
+                      </a:schemeClr>
+                    </a:solidFill>
+                  </a:rPr>
+                  <a:t> dell’algoritmo.</a:t>
+                </a:r>
+              </a:p>
+            </p:txBody>
+          </p:sp>
+        </mc:Choice>
+        <mc:Fallback xmlns="">
+          <p:sp>
+            <p:nvSpPr>
+              <p:cNvPr id="8" name="CasellaDiTesto 7">
+                <a:extLst>
+                  <a:ext uri="{FF2B5EF4-FFF2-40B4-BE49-F238E27FC236}">
+                    <a16:creationId xmlns:a16="http://schemas.microsoft.com/office/drawing/2014/main" id="{4C9DE3B0-21ED-4138-8830-0423A0654D6C}"/>
+                  </a:ext>
+                </a:extLst>
+              </p:cNvPr>
+              <p:cNvSpPr txBox="1">
+                <a:spLocks noRot="1" noChangeAspect="1" noMove="1" noResize="1" noEditPoints="1" noAdjustHandles="1" noChangeArrowheads="1" noChangeShapeType="1" noTextEdit="1"/>
+              </p:cNvSpPr>
+              <p:nvPr/>
+            </p:nvSpPr>
+            <p:spPr>
+              <a:xfrm>
+                <a:off x="528038" y="3464906"/>
+                <a:ext cx="8134708" cy="969496"/>
+              </a:xfrm>
+              <a:prstGeom prst="rect">
+                <a:avLst/>
+              </a:prstGeom>
+              <a:blipFill>
+                <a:blip r:embed="rId5"/>
+                <a:stretch>
+                  <a:fillRect l="-600" t="-3145" r="-675" b="-10063"/>
+                </a:stretch>
+              </a:blipFill>
+            </p:spPr>
+            <p:txBody>
+              <a:bodyPr/>
+              <a:lstStyle/>
+              <a:p>
+                <a:r>
+                  <a:rPr lang="it-IT">
+                    <a:noFill/>
+                  </a:rPr>
+                  <a:t> </a:t>
+                </a:r>
+              </a:p>
+            </p:txBody>
+          </p:sp>
+        </mc:Fallback>
+      </mc:AlternateContent>
+      <p:pic>
+        <p:nvPicPr>
+          <p:cNvPr id="11" name="Immagine 10">
+            <a:extLst>
+              <a:ext uri="{FF2B5EF4-FFF2-40B4-BE49-F238E27FC236}">
+                <a16:creationId xmlns:a16="http://schemas.microsoft.com/office/drawing/2014/main" id="{3414C069-4FB5-45B7-AB08-53D849C5574A}"/>
+              </a:ext>
+            </a:extLst>
+          </p:cNvPr>
+          <p:cNvPicPr>
+            <a:picLocks noChangeAspect="1"/>
+          </p:cNvPicPr>
+          <p:nvPr/>
+        </p:nvPicPr>
+        <p:blipFill>
+          <a:blip r:embed="rId6"/>
+          <a:stretch>
+            <a:fillRect/>
+          </a:stretch>
+        </p:blipFill>
+        <p:spPr>
+          <a:xfrm>
+            <a:off x="8919038" y="3655108"/>
+            <a:ext cx="1933575" cy="542925"/>
           </a:xfrm>
           <a:prstGeom prst="rect">
             <a:avLst/>
@@ -7847,7 +7517,7 @@
     </p:spTree>
     <p:extLst>
       <p:ext uri="{BB962C8B-B14F-4D97-AF65-F5344CB8AC3E}">
-        <p14:creationId xmlns:p14="http://schemas.microsoft.com/office/powerpoint/2010/main" val="994975074"/>
+        <p14:creationId xmlns:p14="http://schemas.microsoft.com/office/powerpoint/2010/main" val="3083776964"/>
       </p:ext>
     </p:extLst>
   </p:cSld>
@@ -7895,10 +7565,9 @@
           <a:lstStyle/>
           <a:p>
             <a:r>
-              <a:rPr lang="it-IT" dirty="0" smtClean="0"/>
+              <a:rPr lang="it-IT" dirty="0"/>
               <a:t>Conclusioni e possibili sviluppi</a:t>
             </a:r>
-            <a:endParaRPr lang="it-IT" dirty="0"/>
           </a:p>
         </p:txBody>
       </p:sp>
@@ -7926,89 +7595,81 @@
           <a:p>
             <a:r>
               <a:rPr lang="it-IT" dirty="0"/>
+              <a:t>Nell’ultimo anno, il portafoglio </a:t>
+            </a:r>
+            <a:r>
+              <a:rPr lang="it-IT" i="1" dirty="0" err="1"/>
+              <a:t>Bounded</a:t>
+            </a:r>
+            <a:r>
+              <a:rPr lang="it-IT" i="1" dirty="0"/>
+              <a:t> K-</a:t>
+            </a:r>
+            <a:r>
+              <a:rPr lang="it-IT" i="1" dirty="0" err="1"/>
+              <a:t>Means</a:t>
+            </a:r>
+            <a:r>
+              <a:rPr lang="it-IT" dirty="0"/>
+              <a:t> avrebbe garantito l’</a:t>
+            </a:r>
+            <a:r>
+              <a:rPr lang="it-IT" dirty="0" err="1"/>
+              <a:t>extrarendimento</a:t>
+            </a:r>
+            <a:r>
+              <a:rPr lang="it-IT" dirty="0"/>
+              <a:t> maggiore, mentre il portafoglio di tangenza avrebbe dato luogo allo </a:t>
+            </a:r>
+            <a:r>
+              <a:rPr lang="it-IT" i="1" dirty="0" err="1"/>
+              <a:t>Sharpe</a:t>
+            </a:r>
+            <a:r>
+              <a:rPr lang="it-IT" i="1" dirty="0"/>
+              <a:t> Ratio</a:t>
+            </a:r>
+            <a:r>
+              <a:rPr lang="it-IT" dirty="0"/>
+              <a:t> più elevato. </a:t>
+            </a:r>
+          </a:p>
+          <a:p>
+            <a:r>
+              <a:rPr lang="it-IT" dirty="0" err="1"/>
               <a:t>É</a:t>
             </a:r>
             <a:r>
-              <a:rPr lang="it-IT" dirty="0" smtClean="0"/>
-              <a:t> stato dimostrato che</a:t>
+              <a:rPr lang="it-IT" dirty="0"/>
+              <a:t> stato dimostrato che gli algoritmi di </a:t>
+            </a:r>
+            <a:r>
+              <a:rPr lang="it-IT" i="1" dirty="0" err="1"/>
+              <a:t>clustering</a:t>
+            </a:r>
+            <a:r>
+              <a:rPr lang="it-IT" i="1" dirty="0"/>
+              <a:t> </a:t>
+            </a:r>
+            <a:r>
+              <a:rPr lang="it-IT" dirty="0"/>
+              <a:t>possono essere utilizzati per costruire portafogli diversificati che evidenziano una buona </a:t>
+            </a:r>
+            <a:r>
+              <a:rPr lang="it-IT" i="1" dirty="0"/>
+              <a:t>performance</a:t>
             </a:r>
             <a:r>
               <a:rPr lang="it-IT" dirty="0"/>
               <a:t> </a:t>
             </a:r>
             <a:r>
-              <a:rPr lang="it-IT" dirty="0" smtClean="0"/>
-              <a:t>gli algoritmi di </a:t>
-            </a:r>
-            <a:r>
-              <a:rPr lang="it-IT" i="1" dirty="0" err="1" smtClean="0"/>
-              <a:t>clustering</a:t>
-            </a:r>
-            <a:r>
-              <a:rPr lang="it-IT" i="1" dirty="0" smtClean="0"/>
-              <a:t> </a:t>
-            </a:r>
-            <a:r>
-              <a:rPr lang="it-IT" dirty="0" smtClean="0"/>
-              <a:t>possono essere utilizzati per costruire portafogli diversificati che evidenziano una buona </a:t>
-            </a:r>
-            <a:r>
-              <a:rPr lang="it-IT" i="1" dirty="0" smtClean="0"/>
-              <a:t>performance</a:t>
-            </a:r>
-            <a:r>
-              <a:rPr lang="it-IT" dirty="0" smtClean="0"/>
-              <a:t> </a:t>
-            </a:r>
-            <a:r>
-              <a:rPr lang="it-IT" i="1" dirty="0" smtClean="0"/>
+              <a:rPr lang="it-IT" i="1" dirty="0"/>
               <a:t>out of sample</a:t>
             </a:r>
             <a:r>
-              <a:rPr lang="it-IT" dirty="0" smtClean="0"/>
+              <a:rPr lang="it-IT" dirty="0"/>
               <a:t>. </a:t>
-            </a:r>
-          </a:p>
-          <a:p>
-            <a:r>
-              <a:rPr lang="it-IT" dirty="0" smtClean="0"/>
-              <a:t>Nell’ultimo anno, il portafoglio </a:t>
-            </a:r>
-            <a:r>
-              <a:rPr lang="it-IT" i="1" dirty="0" err="1" smtClean="0"/>
-              <a:t>Bounded</a:t>
-            </a:r>
-            <a:r>
-              <a:rPr lang="it-IT" i="1" dirty="0" smtClean="0"/>
-              <a:t> K-</a:t>
-            </a:r>
-            <a:r>
-              <a:rPr lang="it-IT" i="1" dirty="0" err="1" smtClean="0"/>
-              <a:t>Means</a:t>
-            </a:r>
-            <a:r>
-              <a:rPr lang="it-IT" dirty="0" smtClean="0"/>
-              <a:t> avrebbe garantito l’</a:t>
-            </a:r>
-            <a:r>
-              <a:rPr lang="it-IT" dirty="0" err="1" smtClean="0"/>
-              <a:t>extrarendimento</a:t>
-            </a:r>
-            <a:r>
-              <a:rPr lang="it-IT" dirty="0" smtClean="0"/>
-              <a:t> maggiore, mentre il portafoglio di tangenza avrebbe dato luogo allo </a:t>
-            </a:r>
-            <a:r>
-              <a:rPr lang="it-IT" i="1" dirty="0" err="1" smtClean="0"/>
-              <a:t>Sharpe</a:t>
-            </a:r>
-            <a:r>
-              <a:rPr lang="it-IT" i="1" dirty="0" smtClean="0"/>
-              <a:t> Ratio</a:t>
-            </a:r>
-            <a:r>
-              <a:rPr lang="it-IT" dirty="0" smtClean="0"/>
-              <a:t> più elevato. </a:t>
             </a:r>
           </a:p>
           <a:p>
@@ -8016,131 +7677,123 @@
               <a:buNone/>
             </a:pPr>
             <a:r>
-              <a:rPr lang="it-IT" b="1" dirty="0" smtClean="0"/>
+              <a:rPr lang="it-IT" b="1" dirty="0"/>
               <a:t>Possibili estensioni del progetto: </a:t>
             </a:r>
           </a:p>
           <a:p>
             <a:r>
-              <a:rPr lang="it-IT" dirty="0" smtClean="0"/>
+              <a:rPr lang="it-IT" dirty="0"/>
               <a:t> Inclusione di titoli di Stato, obbligazioni </a:t>
             </a:r>
             <a:r>
-              <a:rPr lang="it-IT" i="1" dirty="0" smtClean="0"/>
+              <a:rPr lang="it-IT" i="1" dirty="0"/>
               <a:t>corporate </a:t>
             </a:r>
             <a:r>
-              <a:rPr lang="it-IT" dirty="0" smtClean="0"/>
-              <a:t>o indici </a:t>
-            </a:r>
-            <a:r>
               <a:rPr lang="it-IT" dirty="0"/>
-              <a:t>di </a:t>
-            </a:r>
-            <a:r>
-              <a:rPr lang="it-IT" dirty="0" smtClean="0"/>
-              <a:t>mercato;</a:t>
-            </a:r>
-            <a:endParaRPr lang="it-IT" i="1" dirty="0" smtClean="0"/>
-          </a:p>
-          <a:p>
-            <a:r>
-              <a:rPr lang="it-IT" dirty="0" smtClean="0"/>
+              <a:t>o indici di mercato;</a:t>
+            </a:r>
+            <a:endParaRPr lang="it-IT" i="1" dirty="0"/>
+          </a:p>
+          <a:p>
+            <a:r>
+              <a:rPr lang="it-IT" dirty="0"/>
               <a:t>Utilizzo di una strategia di ottimizzazione che consenta di aprire posizioni </a:t>
             </a:r>
             <a:r>
-              <a:rPr lang="it-IT" i="1" dirty="0" smtClean="0"/>
+              <a:rPr lang="it-IT" i="1" dirty="0"/>
               <a:t>short;</a:t>
             </a:r>
           </a:p>
           <a:p>
             <a:r>
-              <a:rPr lang="it-IT" dirty="0" smtClean="0"/>
+              <a:rPr lang="it-IT" dirty="0"/>
               <a:t>Utilizzo di una strategia di ottimizzazione in media-varianza o di allocazione del rischio (</a:t>
             </a:r>
             <a:r>
-              <a:rPr lang="it-IT" i="1" dirty="0" err="1" smtClean="0"/>
+              <a:rPr lang="it-IT" i="1" dirty="0" err="1"/>
               <a:t>risk</a:t>
             </a:r>
             <a:r>
-              <a:rPr lang="it-IT" i="1" dirty="0" smtClean="0"/>
+              <a:rPr lang="it-IT" i="1" dirty="0"/>
               <a:t> </a:t>
             </a:r>
             <a:r>
-              <a:rPr lang="it-IT" i="1" dirty="0" err="1" smtClean="0"/>
+              <a:rPr lang="it-IT" i="1" dirty="0" err="1"/>
               <a:t>parity</a:t>
             </a:r>
             <a:r>
-              <a:rPr lang="it-IT" i="1" dirty="0" smtClean="0"/>
+              <a:rPr lang="it-IT" i="1" dirty="0"/>
               <a:t>, inverse </a:t>
             </a:r>
             <a:r>
-              <a:rPr lang="it-IT" i="1" dirty="0" err="1" smtClean="0"/>
+              <a:rPr lang="it-IT" i="1" dirty="0" err="1"/>
               <a:t>variance</a:t>
             </a:r>
             <a:r>
-              <a:rPr lang="it-IT" dirty="0" smtClean="0"/>
+              <a:rPr lang="it-IT" dirty="0"/>
               <a:t>) all’interno dei </a:t>
             </a:r>
             <a:r>
-              <a:rPr lang="it-IT" i="1" dirty="0" smtClean="0"/>
+              <a:rPr lang="it-IT" i="1" dirty="0"/>
               <a:t>cluster;</a:t>
             </a:r>
           </a:p>
           <a:p>
             <a:r>
-              <a:rPr lang="it-IT" dirty="0" smtClean="0"/>
+              <a:rPr lang="it-IT" dirty="0"/>
               <a:t>Utilizzo di altri algoritmi di</a:t>
             </a:r>
             <a:r>
-              <a:rPr lang="it-IT" i="1" dirty="0" smtClean="0"/>
+              <a:rPr lang="it-IT" i="1" dirty="0"/>
               <a:t> </a:t>
             </a:r>
             <a:r>
-              <a:rPr lang="it-IT" i="1" dirty="0" err="1" smtClean="0"/>
+              <a:rPr lang="it-IT" i="1" dirty="0" err="1"/>
               <a:t>clustering</a:t>
             </a:r>
             <a:r>
-              <a:rPr lang="it-IT" i="1" dirty="0" smtClean="0"/>
+              <a:rPr lang="it-IT" i="1" dirty="0"/>
               <a:t>;</a:t>
             </a:r>
           </a:p>
           <a:p>
             <a:r>
-              <a:rPr lang="it-IT" i="1" dirty="0" err="1" smtClean="0"/>
+              <a:rPr lang="it-IT" i="1" dirty="0" err="1"/>
               <a:t>Backtest</a:t>
             </a:r>
             <a:r>
-              <a:rPr lang="it-IT" i="1" dirty="0" smtClean="0"/>
+              <a:rPr lang="it-IT" i="1" dirty="0"/>
               <a:t> </a:t>
             </a:r>
             <a:r>
-              <a:rPr lang="it-IT" dirty="0" smtClean="0"/>
+              <a:rPr lang="it-IT" dirty="0"/>
               <a:t>dei portafogli su fasi rialziste del mercato e/o su fasi ribassiste precedenti (crisi finanziaria, crisi del debito sovrano);</a:t>
             </a:r>
           </a:p>
           <a:p>
             <a:r>
-              <a:rPr lang="it-IT" dirty="0" smtClean="0"/>
+              <a:rPr lang="it-IT" dirty="0"/>
               <a:t>Verifica di come la scelta del numero ottimale di </a:t>
             </a:r>
             <a:r>
-              <a:rPr lang="it-IT" i="1" dirty="0" smtClean="0"/>
+              <a:rPr lang="it-IT" i="1" dirty="0"/>
               <a:t>cluster</a:t>
             </a:r>
             <a:r>
-              <a:rPr lang="it-IT" dirty="0" smtClean="0"/>
+              <a:rPr lang="it-IT" dirty="0"/>
               <a:t> influenzi la </a:t>
             </a:r>
             <a:r>
-              <a:rPr lang="it-IT" i="1" dirty="0" smtClean="0"/>
+              <a:rPr lang="it-IT" i="1" dirty="0"/>
               <a:t>performance</a:t>
             </a:r>
             <a:r>
-              <a:rPr lang="it-IT" dirty="0" smtClean="0"/>
+              <a:rPr lang="it-IT" dirty="0"/>
               <a:t> dei portafogli. </a:t>
             </a:r>
-            <a:endParaRPr lang="it-IT" i="1" dirty="0" smtClean="0"/>
+            <a:endParaRPr lang="it-IT" i="1" dirty="0"/>
           </a:p>
         </p:txBody>
       </p:sp>
@@ -8154,13 +7807,6 @@
   <p:clrMapOvr>
     <a:masterClrMapping/>
   </p:clrMapOvr>
-  <p:timing>
-    <p:tnLst>
-      <p:par>
-        <p:cTn id="1" dur="indefinite" restart="never" nodeType="tmRoot"/>
-      </p:par>
-    </p:tnLst>
-  </p:timing>
 </p:sld>
 </file>
 
@@ -8202,10 +7848,9 @@
           <a:lstStyle/>
           <a:p>
             <a:r>
-              <a:rPr lang="it-IT" dirty="0" smtClean="0"/>
+              <a:rPr lang="it-IT" dirty="0"/>
               <a:t>Riferimenti bibliografici</a:t>
             </a:r>
-            <a:endParaRPr lang="it-IT" dirty="0"/>
           </a:p>
         </p:txBody>
       </p:sp>
@@ -8232,170 +7877,170 @@
           <a:lstStyle/>
           <a:p>
             <a:r>
-              <a:rPr lang="it-IT" dirty="0" smtClean="0"/>
+              <a:rPr lang="it-IT" dirty="0"/>
               <a:t>De Prado, M. L. (2016). </a:t>
             </a:r>
             <a:r>
-              <a:rPr lang="it-IT" i="1" dirty="0" smtClean="0"/>
+              <a:rPr lang="it-IT" i="1" dirty="0"/>
               <a:t>Building </a:t>
             </a:r>
             <a:r>
-              <a:rPr lang="it-IT" i="1" dirty="0" err="1" smtClean="0"/>
+              <a:rPr lang="it-IT" i="1" dirty="0" err="1"/>
               <a:t>diversified</a:t>
             </a:r>
             <a:r>
-              <a:rPr lang="it-IT" i="1" dirty="0" smtClean="0"/>
+              <a:rPr lang="it-IT" i="1" dirty="0"/>
               <a:t> </a:t>
             </a:r>
             <a:r>
-              <a:rPr lang="it-IT" i="1" dirty="0" err="1" smtClean="0"/>
+              <a:rPr lang="it-IT" i="1" dirty="0" err="1"/>
               <a:t>portfolios</a:t>
             </a:r>
             <a:r>
-              <a:rPr lang="it-IT" i="1" dirty="0" smtClean="0"/>
+              <a:rPr lang="it-IT" i="1" dirty="0"/>
               <a:t> </a:t>
             </a:r>
             <a:r>
-              <a:rPr lang="it-IT" i="1" dirty="0" err="1" smtClean="0"/>
+              <a:rPr lang="it-IT" i="1" dirty="0" err="1"/>
               <a:t>that</a:t>
             </a:r>
             <a:r>
-              <a:rPr lang="it-IT" i="1" dirty="0" smtClean="0"/>
+              <a:rPr lang="it-IT" i="1" dirty="0"/>
               <a:t> </a:t>
             </a:r>
             <a:r>
-              <a:rPr lang="it-IT" i="1" dirty="0" err="1" smtClean="0"/>
+              <a:rPr lang="it-IT" i="1" dirty="0" err="1"/>
               <a:t>outperform</a:t>
             </a:r>
             <a:r>
-              <a:rPr lang="it-IT" i="1" dirty="0" smtClean="0"/>
+              <a:rPr lang="it-IT" i="1" dirty="0"/>
               <a:t> out of sample</a:t>
             </a:r>
             <a:r>
-              <a:rPr lang="it-IT" dirty="0" smtClean="0"/>
+              <a:rPr lang="it-IT" dirty="0"/>
               <a:t>. The Journal of Portfolio Management, 42(4), 59-69.</a:t>
             </a:r>
           </a:p>
           <a:p>
             <a:r>
-              <a:rPr lang="en-US" dirty="0" err="1" smtClean="0"/>
+              <a:rPr lang="en-US" dirty="0" err="1"/>
               <a:t>Ganganath</a:t>
             </a:r>
             <a:r>
-              <a:rPr lang="en-US" dirty="0" smtClean="0"/>
+              <a:rPr lang="en-US" dirty="0"/>
               <a:t>, N., Cheng, C. T., &amp; Chi, K. T. (2014). </a:t>
             </a:r>
             <a:r>
-              <a:rPr lang="en-US" i="1" dirty="0" smtClean="0"/>
+              <a:rPr lang="en-US" i="1" dirty="0"/>
               <a:t>Data clustering with cluster size constraints using a modified k-means algorithm</a:t>
             </a:r>
             <a:r>
-              <a:rPr lang="en-US" dirty="0" smtClean="0"/>
+              <a:rPr lang="en-US" dirty="0"/>
               <a:t>. In </a:t>
             </a:r>
             <a:r>
-              <a:rPr lang="en-US" i="1" dirty="0" smtClean="0"/>
+              <a:rPr lang="en-US" i="1" dirty="0"/>
               <a:t>2014 International Conference on Cyber-Enabled Distributed Computing and Knowledge Discovery</a:t>
             </a:r>
             <a:r>
-              <a:rPr lang="en-US" dirty="0" smtClean="0"/>
+              <a:rPr lang="en-US" dirty="0"/>
               <a:t> (pp. 158-161). IEEE.</a:t>
             </a:r>
-            <a:endParaRPr lang="it-IT" dirty="0" smtClean="0"/>
-          </a:p>
-          <a:p>
-            <a:r>
-              <a:rPr lang="it-IT" dirty="0" err="1" smtClean="0"/>
+            <a:endParaRPr lang="it-IT" dirty="0"/>
+          </a:p>
+          <a:p>
+            <a:r>
+              <a:rPr lang="it-IT" dirty="0" err="1"/>
               <a:t>Markowitz</a:t>
             </a:r>
             <a:r>
-              <a:rPr lang="it-IT" dirty="0" smtClean="0"/>
+              <a:rPr lang="it-IT" dirty="0"/>
               <a:t> H. (1959). </a:t>
             </a:r>
             <a:r>
-              <a:rPr lang="it-IT" i="1" dirty="0" smtClean="0"/>
+              <a:rPr lang="it-IT" i="1" dirty="0"/>
               <a:t>Portfolio </a:t>
             </a:r>
             <a:r>
-              <a:rPr lang="it-IT" i="1" dirty="0" err="1" smtClean="0"/>
+              <a:rPr lang="it-IT" i="1" dirty="0" err="1"/>
               <a:t>Selection</a:t>
             </a:r>
             <a:r>
-              <a:rPr lang="it-IT" i="1" dirty="0" smtClean="0"/>
+              <a:rPr lang="it-IT" i="1" dirty="0"/>
               <a:t>: </a:t>
             </a:r>
             <a:r>
-              <a:rPr lang="it-IT" i="1" dirty="0" err="1" smtClean="0"/>
+              <a:rPr lang="it-IT" i="1" dirty="0" err="1"/>
               <a:t>Efficient</a:t>
             </a:r>
             <a:r>
-              <a:rPr lang="it-IT" i="1" dirty="0" smtClean="0"/>
+              <a:rPr lang="it-IT" i="1" dirty="0"/>
               <a:t> </a:t>
             </a:r>
             <a:r>
-              <a:rPr lang="it-IT" i="1" dirty="0" err="1" smtClean="0"/>
+              <a:rPr lang="it-IT" i="1" dirty="0" err="1"/>
               <a:t>Diversification</a:t>
             </a:r>
             <a:r>
-              <a:rPr lang="it-IT" i="1" dirty="0" smtClean="0"/>
+              <a:rPr lang="it-IT" i="1" dirty="0"/>
               <a:t> of </a:t>
             </a:r>
             <a:r>
-              <a:rPr lang="it-IT" i="1" dirty="0" err="1" smtClean="0"/>
+              <a:rPr lang="it-IT" i="1" dirty="0" err="1"/>
               <a:t>Investment</a:t>
             </a:r>
             <a:r>
-              <a:rPr lang="it-IT" dirty="0" smtClean="0"/>
+              <a:rPr lang="it-IT" dirty="0"/>
               <a:t>. (J. </a:t>
             </a:r>
             <a:r>
-              <a:rPr lang="it-IT" dirty="0" err="1" smtClean="0"/>
+              <a:rPr lang="it-IT" dirty="0" err="1"/>
               <a:t>Wiley</a:t>
             </a:r>
             <a:r>
-              <a:rPr lang="it-IT" dirty="0" smtClean="0"/>
+              <a:rPr lang="it-IT" dirty="0"/>
               <a:t>, New York).</a:t>
             </a:r>
           </a:p>
           <a:p>
             <a:r>
-              <a:rPr lang="it-IT" dirty="0" smtClean="0"/>
+              <a:rPr lang="it-IT" dirty="0"/>
               <a:t>Tola, V., Lillo, F., </a:t>
             </a:r>
             <a:r>
-              <a:rPr lang="it-IT" dirty="0" err="1" smtClean="0"/>
+              <a:rPr lang="it-IT" dirty="0" err="1"/>
               <a:t>Gallegati</a:t>
             </a:r>
             <a:r>
-              <a:rPr lang="it-IT" dirty="0" smtClean="0"/>
+              <a:rPr lang="it-IT" dirty="0"/>
               <a:t>, M., &amp; Mantegna, R. N. (2008). </a:t>
             </a:r>
             <a:r>
-              <a:rPr lang="it-IT" i="1" dirty="0" smtClean="0"/>
+              <a:rPr lang="it-IT" i="1" dirty="0"/>
               <a:t>Cluster </a:t>
             </a:r>
             <a:r>
-              <a:rPr lang="it-IT" i="1" dirty="0" err="1" smtClean="0"/>
+              <a:rPr lang="it-IT" i="1" dirty="0" err="1"/>
               <a:t>analysis</a:t>
             </a:r>
             <a:r>
-              <a:rPr lang="it-IT" i="1" dirty="0" smtClean="0"/>
+              <a:rPr lang="it-IT" i="1" dirty="0"/>
               <a:t> for portfolio </a:t>
             </a:r>
             <a:r>
-              <a:rPr lang="it-IT" i="1" dirty="0" err="1" smtClean="0"/>
+              <a:rPr lang="it-IT" i="1" dirty="0" err="1"/>
               <a:t>optimization</a:t>
             </a:r>
             <a:r>
-              <a:rPr lang="it-IT" dirty="0" smtClean="0"/>
+              <a:rPr lang="it-IT" dirty="0"/>
               <a:t>. Journal of </a:t>
             </a:r>
             <a:r>
-              <a:rPr lang="it-IT" dirty="0" err="1" smtClean="0"/>
+              <a:rPr lang="it-IT" dirty="0" err="1"/>
               <a:t>Economic</a:t>
             </a:r>
             <a:r>
-              <a:rPr lang="it-IT" dirty="0" smtClean="0"/>
+              <a:rPr lang="it-IT" dirty="0"/>
               <a:t> Dynamics and Control, 32(1), 235-258.</a:t>
             </a:r>
           </a:p>
@@ -8443,7 +8088,7 @@
           </a:lstStyle>
           <a:p>
             <a:r>
-              <a:rPr lang="it-IT" sz="2800" dirty="0" err="1" smtClean="0"/>
+              <a:rPr lang="it-IT" sz="2800" dirty="0" err="1"/>
               <a:t>Github</a:t>
             </a:r>
             <a:r>
@@ -8477,13 +8122,6 @@
   <p:clrMapOvr>
     <a:masterClrMapping/>
   </p:clrMapOvr>
-  <p:timing>
-    <p:tnLst>
-      <p:par>
-        <p:cTn id="1" dur="indefinite" restart="never" nodeType="tmRoot"/>
-      </p:par>
-    </p:tnLst>
-  </p:timing>
 </p:sld>
 </file>
 
@@ -8520,10 +8158,9 @@
           <a:lstStyle/>
           <a:p>
             <a:r>
-              <a:rPr lang="it-IT" dirty="0" smtClean="0"/>
+              <a:rPr lang="it-IT" dirty="0"/>
               <a:t>Premessa e obbiettivi</a:t>
             </a:r>
-            <a:endParaRPr lang="it-IT" dirty="0"/>
           </a:p>
         </p:txBody>
       </p:sp>
@@ -8545,98 +8182,98 @@
           <a:lstStyle/>
           <a:p>
             <a:r>
-              <a:rPr lang="it-IT" dirty="0" smtClean="0"/>
+              <a:rPr lang="it-IT" dirty="0"/>
               <a:t>Scopo del progetto è quello di valutare la </a:t>
             </a:r>
             <a:r>
-              <a:rPr lang="it-IT" i="1" dirty="0" smtClean="0"/>
+              <a:rPr lang="it-IT" i="1" dirty="0"/>
               <a:t>performance</a:t>
             </a:r>
             <a:r>
-              <a:rPr lang="it-IT" dirty="0" smtClean="0"/>
+              <a:rPr lang="it-IT" dirty="0"/>
               <a:t> di tre portafogli diversificati costruiti mediante algoritmi di </a:t>
             </a:r>
             <a:r>
-              <a:rPr lang="it-IT" i="1" dirty="0" err="1" smtClean="0"/>
+              <a:rPr lang="it-IT" i="1" dirty="0" err="1"/>
               <a:t>clustering</a:t>
             </a:r>
             <a:r>
-              <a:rPr lang="it-IT" dirty="0" smtClean="0"/>
+              <a:rPr lang="it-IT" dirty="0"/>
               <a:t> partizionale e gerarchico</a:t>
             </a:r>
             <a:r>
-              <a:rPr lang="it-IT" i="1" dirty="0" smtClean="0"/>
+              <a:rPr lang="it-IT" i="1" dirty="0"/>
               <a:t>. </a:t>
             </a:r>
           </a:p>
           <a:p>
             <a:r>
-              <a:rPr lang="it-IT" dirty="0" smtClean="0"/>
+              <a:rPr lang="it-IT" dirty="0"/>
               <a:t>In un’ottica di allocazione di portafoglio, la </a:t>
             </a:r>
             <a:r>
-              <a:rPr lang="it-IT" i="1" dirty="0" err="1" smtClean="0"/>
+              <a:rPr lang="it-IT" i="1" dirty="0" err="1"/>
               <a:t>clustering</a:t>
-            </a:r>
-            <a:r>
-              <a:rPr lang="it-IT" i="1" dirty="0" smtClean="0"/>
-              <a:t> </a:t>
-            </a:r>
-            <a:r>
-              <a:rPr lang="it-IT" i="1" dirty="0" err="1" smtClean="0"/>
-              <a:t>analysis</a:t>
-            </a:r>
-            <a:r>
-              <a:rPr lang="it-IT" dirty="0" smtClean="0"/>
-              <a:t> può essere utilizzata per selezionare, attraverso un processo di apprendimento non-supervisionato, gruppi di </a:t>
-            </a:r>
-            <a:r>
-              <a:rPr lang="it-IT" i="1" dirty="0" err="1" smtClean="0"/>
-              <a:t>asset</a:t>
-            </a:r>
-            <a:r>
-              <a:rPr lang="it-IT" dirty="0" smtClean="0"/>
-              <a:t> omogenei sulla base della correlazione fra rendimenti.  </a:t>
-            </a:r>
-          </a:p>
-          <a:p>
-            <a:r>
-              <a:rPr lang="it-IT" dirty="0" smtClean="0"/>
-              <a:t>Il capitale viene allocato fra i </a:t>
-            </a:r>
-            <a:r>
-              <a:rPr lang="it-IT" i="1" dirty="0" smtClean="0"/>
-              <a:t>cluster </a:t>
-            </a:r>
-            <a:r>
-              <a:rPr lang="it-IT" dirty="0" smtClean="0"/>
-              <a:t>di </a:t>
-            </a:r>
-            <a:r>
-              <a:rPr lang="it-IT" i="1" dirty="0" err="1" smtClean="0"/>
-              <a:t>asset</a:t>
             </a:r>
             <a:r>
               <a:rPr lang="it-IT" i="1" dirty="0"/>
               <a:t> </a:t>
             </a:r>
             <a:r>
-              <a:rPr lang="it-IT" dirty="0" smtClean="0"/>
+              <a:rPr lang="it-IT" i="1" dirty="0" err="1"/>
+              <a:t>analysis</a:t>
+            </a:r>
+            <a:r>
+              <a:rPr lang="it-IT" dirty="0"/>
+              <a:t> può essere utilizzata per selezionare, attraverso un processo di apprendimento non-supervisionato, gruppi di </a:t>
+            </a:r>
+            <a:r>
+              <a:rPr lang="it-IT" i="1" dirty="0" err="1"/>
+              <a:t>asset</a:t>
+            </a:r>
+            <a:r>
+              <a:rPr lang="it-IT" dirty="0"/>
+              <a:t> omogenei sulla base della correlazione fra rendimenti.  </a:t>
+            </a:r>
+          </a:p>
+          <a:p>
+            <a:r>
+              <a:rPr lang="it-IT" dirty="0"/>
+              <a:t>Il capitale viene allocato fra i </a:t>
+            </a:r>
+            <a:r>
+              <a:rPr lang="it-IT" i="1" dirty="0"/>
+              <a:t>cluster </a:t>
+            </a:r>
+            <a:r>
+              <a:rPr lang="it-IT" dirty="0"/>
+              <a:t>di </a:t>
+            </a:r>
+            <a:r>
+              <a:rPr lang="it-IT" i="1" dirty="0" err="1"/>
+              <a:t>asset</a:t>
+            </a:r>
+            <a:r>
+              <a:rPr lang="it-IT" i="1" dirty="0"/>
+              <a:t> </a:t>
+            </a:r>
+            <a:r>
+              <a:rPr lang="it-IT" dirty="0"/>
               <a:t>prodotti utilizzando una strategia di ottimizzazione in media-varianza e la </a:t>
             </a:r>
             <a:r>
-              <a:rPr lang="it-IT" i="1" dirty="0" smtClean="0"/>
+              <a:rPr lang="it-IT" i="1" dirty="0"/>
               <a:t>performance </a:t>
             </a:r>
             <a:r>
-              <a:rPr lang="it-IT" dirty="0" smtClean="0"/>
+              <a:rPr lang="it-IT" dirty="0"/>
               <a:t>del portafoglio così ottenuto viene valutata rispetto ad un portafoglio </a:t>
             </a:r>
             <a:r>
-              <a:rPr lang="it-IT" i="1" dirty="0" smtClean="0"/>
+              <a:rPr lang="it-IT" i="1" dirty="0"/>
               <a:t>benchmark.</a:t>
             </a:r>
-            <a:endParaRPr lang="it-IT" dirty="0" smtClean="0"/>
+            <a:endParaRPr lang="it-IT" dirty="0"/>
           </a:p>
           <a:p>
             <a:endParaRPr lang="it-IT" dirty="0"/>
@@ -8653,13 +8290,6 @@
   <p:clrMapOvr>
     <a:masterClrMapping/>
   </p:clrMapOvr>
-  <p:timing>
-    <p:tnLst>
-      <p:par>
-        <p:cTn id="1" dur="indefinite" restart="never" nodeType="tmRoot"/>
-      </p:par>
-    </p:tnLst>
-  </p:timing>
 </p:sld>
 </file>
 
@@ -8701,341 +8331,441 @@
           <a:lstStyle/>
           <a:p>
             <a:r>
-              <a:rPr lang="it-IT" dirty="0" smtClean="0"/>
+              <a:rPr lang="it-IT" dirty="0"/>
               <a:t>Sviluppo del lavoro</a:t>
             </a:r>
-            <a:endParaRPr lang="it-IT" dirty="0"/>
-          </a:p>
-        </p:txBody>
-      </p:sp>
-      <p:sp>
-        <p:nvSpPr>
-          <p:cNvPr id="7" name="Segnaposto contenuto 6"/>
-          <p:cNvSpPr>
-            <a:spLocks noGrp="1"/>
-          </p:cNvSpPr>
-          <p:nvPr>
-            <p:ph idx="1"/>
-          </p:nvPr>
-        </p:nvSpPr>
-        <p:spPr>
-          <a:xfrm>
-            <a:off x="1015593" y="1010093"/>
-            <a:ext cx="9904044" cy="5546006"/>
-          </a:xfrm>
-        </p:spPr>
-        <p:txBody>
-          <a:bodyPr>
-            <a:normAutofit fontScale="92500" lnSpcReduction="20000"/>
-          </a:bodyPr>
-          <a:lstStyle/>
-          <a:p>
-            <a:pPr marL="0" indent="0">
-              <a:buNone/>
-            </a:pPr>
-            <a:endParaRPr lang="it-IT" dirty="0" smtClean="0"/>
-          </a:p>
-          <a:p>
-            <a:r>
-              <a:rPr lang="it-IT" sz="1900" dirty="0" smtClean="0"/>
-              <a:t>Si selezionano casualmente circa 200 titoli azionari provenienti dall’indice </a:t>
-            </a:r>
-            <a:r>
-              <a:rPr lang="it-IT" sz="1900" dirty="0" err="1" smtClean="0"/>
-              <a:t>Nasdaq</a:t>
-            </a:r>
-            <a:r>
-              <a:rPr lang="it-IT" sz="1900" dirty="0" smtClean="0"/>
-              <a:t>.</a:t>
-            </a:r>
-          </a:p>
-          <a:p>
-            <a:r>
-              <a:rPr lang="it-IT" sz="1900" dirty="0"/>
-              <a:t>Si </a:t>
-            </a:r>
-            <a:r>
-              <a:rPr lang="it-IT" sz="1900" dirty="0" smtClean="0"/>
-              <a:t>utilizzano </a:t>
-            </a:r>
-            <a:r>
-              <a:rPr lang="it-IT" sz="1900" dirty="0"/>
-              <a:t>diversi algoritmi di </a:t>
-            </a:r>
-            <a:r>
-              <a:rPr lang="it-IT" sz="1900" i="1" dirty="0" err="1" smtClean="0"/>
-              <a:t>clustering</a:t>
-            </a:r>
-            <a:r>
-              <a:rPr lang="it-IT" sz="1900" i="1" dirty="0" smtClean="0"/>
-              <a:t> </a:t>
-            </a:r>
-            <a:r>
-              <a:rPr lang="it-IT" sz="1900" dirty="0" smtClean="0"/>
-              <a:t>partizionale e gerarchico </a:t>
-            </a:r>
-            <a:r>
-              <a:rPr lang="it-IT" sz="1900" dirty="0"/>
-              <a:t>per </a:t>
-            </a:r>
-            <a:r>
-              <a:rPr lang="it-IT" sz="1900" dirty="0" smtClean="0"/>
-              <a:t>suddividere i rendimenti </a:t>
-            </a:r>
-            <a:r>
-              <a:rPr lang="it-IT" sz="1900" dirty="0"/>
-              <a:t>in </a:t>
-            </a:r>
-            <a:r>
-              <a:rPr lang="it-IT" sz="1900" i="1" dirty="0"/>
-              <a:t>cluster </a:t>
-            </a:r>
-            <a:r>
-              <a:rPr lang="it-IT" sz="1900" dirty="0"/>
-              <a:t>omogenei </a:t>
-            </a:r>
-            <a:r>
-              <a:rPr lang="it-IT" sz="1900" dirty="0" smtClean="0"/>
-              <a:t>sulla base della correlazione.</a:t>
-            </a:r>
-          </a:p>
-          <a:p>
-            <a:r>
-              <a:rPr lang="it-IT" sz="1900" dirty="0"/>
-              <a:t>La bontà di ogni algoritmo di </a:t>
-            </a:r>
-            <a:r>
-              <a:rPr lang="it-IT" sz="1900" i="1" dirty="0" err="1"/>
-              <a:t>clustering</a:t>
-            </a:r>
-            <a:r>
-              <a:rPr lang="it-IT" sz="1900" dirty="0"/>
-              <a:t> viene valutata in base alla correlazione infra- e intra-</a:t>
-            </a:r>
-            <a:r>
-              <a:rPr lang="it-IT" sz="1900" i="1" dirty="0"/>
-              <a:t>cluster</a:t>
-            </a:r>
-            <a:r>
-              <a:rPr lang="it-IT" sz="1900" dirty="0"/>
-              <a:t> e </a:t>
-            </a:r>
-            <a:r>
-              <a:rPr lang="it-IT" sz="1900" dirty="0" smtClean="0"/>
-              <a:t>alla numerosità dei </a:t>
-            </a:r>
-            <a:r>
-              <a:rPr lang="it-IT" sz="1900" i="1" dirty="0" smtClean="0"/>
-              <a:t>cluster</a:t>
-            </a:r>
-            <a:r>
-              <a:rPr lang="it-IT" sz="1900" dirty="0" smtClean="0"/>
-              <a:t> prodotti.</a:t>
-            </a:r>
-            <a:endParaRPr lang="it-IT" sz="1900" dirty="0"/>
-          </a:p>
-          <a:p>
-            <a:r>
-              <a:rPr lang="it-IT" sz="1900" dirty="0" smtClean="0"/>
-              <a:t>I </a:t>
-            </a:r>
-            <a:r>
-              <a:rPr lang="it-IT" sz="1900" i="1" dirty="0" smtClean="0"/>
-              <a:t>cluster</a:t>
-            </a:r>
-            <a:r>
-              <a:rPr lang="it-IT" sz="1900" dirty="0" smtClean="0"/>
-              <a:t> ottenuti vengono aggregati in portafogli </a:t>
-            </a:r>
-            <a:r>
-              <a:rPr lang="it-IT" sz="1900" dirty="0" err="1" smtClean="0"/>
-              <a:t>equiponderati</a:t>
-            </a:r>
-            <a:r>
-              <a:rPr lang="it-IT" sz="1900" dirty="0" smtClean="0"/>
-              <a:t>, su cui si applica una strategia di ottimizzazione in media-varianza al fine di ottenere i pesi ottimali dei singoli </a:t>
-            </a:r>
-            <a:r>
-              <a:rPr lang="it-IT" sz="1900" i="1" dirty="0" err="1" smtClean="0"/>
-              <a:t>asset</a:t>
-            </a:r>
-            <a:r>
-              <a:rPr lang="it-IT" sz="1900" i="1" dirty="0" smtClean="0"/>
-              <a:t>.</a:t>
-            </a:r>
-          </a:p>
-          <a:p>
-            <a:r>
-              <a:rPr lang="it-IT" sz="1900" dirty="0" smtClean="0"/>
-              <a:t>Nell’allocazione statica, i pesi ottimali di portafoglio vengono mantenuti costanti durante tutto il </a:t>
-            </a:r>
-            <a:r>
-              <a:rPr lang="it-IT" sz="1900" i="1" dirty="0"/>
-              <a:t>test </a:t>
-            </a:r>
-            <a:r>
-              <a:rPr lang="it-IT" sz="1900" i="1" dirty="0" smtClean="0"/>
-              <a:t>set, </a:t>
-            </a:r>
-            <a:r>
-              <a:rPr lang="it-IT" sz="1900" dirty="0" smtClean="0"/>
-              <a:t>pari all’ultimo anno.</a:t>
-            </a:r>
-          </a:p>
-          <a:p>
-            <a:r>
-              <a:rPr lang="it-IT" sz="1900" dirty="0" smtClean="0"/>
-              <a:t>Nell’allocazione </a:t>
-            </a:r>
-            <a:r>
-              <a:rPr lang="it-IT" sz="1900" i="1" dirty="0" err="1" smtClean="0"/>
-              <a:t>rolling</a:t>
-            </a:r>
-            <a:r>
-              <a:rPr lang="it-IT" sz="1900" i="1" dirty="0" smtClean="0"/>
-              <a:t>, </a:t>
-            </a:r>
-            <a:r>
-              <a:rPr lang="it-IT" sz="1900" dirty="0"/>
-              <a:t>i</a:t>
-            </a:r>
-            <a:r>
-              <a:rPr lang="it-IT" sz="1900" dirty="0" smtClean="0"/>
-              <a:t> pesi di </a:t>
-            </a:r>
-            <a:r>
-              <a:rPr lang="it-IT" sz="1900" dirty="0"/>
-              <a:t>portafoglio sono </a:t>
-            </a:r>
-            <a:r>
-              <a:rPr lang="it-IT" sz="1900" dirty="0" smtClean="0"/>
-              <a:t>calcolati su </a:t>
-            </a:r>
-            <a:r>
-              <a:rPr lang="it-IT" sz="1900" dirty="0"/>
-              <a:t>finestre </a:t>
-            </a:r>
-            <a:r>
-              <a:rPr lang="it-IT" sz="1900" i="1" dirty="0" err="1"/>
-              <a:t>rolling</a:t>
-            </a:r>
-            <a:r>
-              <a:rPr lang="it-IT" sz="1900" dirty="0"/>
-              <a:t> </a:t>
-            </a:r>
-            <a:r>
-              <a:rPr lang="it-IT" sz="1900" dirty="0" smtClean="0"/>
-              <a:t>giornaliere di </a:t>
-            </a:r>
-            <a:r>
-              <a:rPr lang="it-IT" sz="1900" dirty="0"/>
-              <a:t>ampiezza annuale, che simulano un ribilanciamento giornaliero del </a:t>
-            </a:r>
-            <a:r>
-              <a:rPr lang="it-IT" sz="1900" dirty="0" smtClean="0"/>
-              <a:t>portafoglio.</a:t>
-            </a:r>
-            <a:endParaRPr lang="it-IT" sz="1900" dirty="0"/>
-          </a:p>
-          <a:p>
-            <a:r>
-              <a:rPr lang="it-IT" sz="1900" dirty="0"/>
-              <a:t>Per ogni algoritmo di </a:t>
-            </a:r>
-            <a:r>
-              <a:rPr lang="it-IT" sz="1900" i="1" dirty="0" err="1"/>
-              <a:t>clustering</a:t>
-            </a:r>
-            <a:r>
-              <a:rPr lang="it-IT" sz="1900" dirty="0"/>
-              <a:t>, i risultati </a:t>
-            </a:r>
-            <a:r>
-              <a:rPr lang="it-IT" sz="1900" dirty="0" smtClean="0"/>
-              <a:t>dell’allocazione statica e </a:t>
-            </a:r>
-            <a:r>
-              <a:rPr lang="it-IT" sz="1900" i="1" dirty="0" err="1"/>
-              <a:t>rolling</a:t>
-            </a:r>
-            <a:r>
-              <a:rPr lang="it-IT" sz="1900" dirty="0"/>
-              <a:t> sono confrontati al fine di </a:t>
-            </a:r>
-            <a:r>
-              <a:rPr lang="it-IT" sz="1900" dirty="0" smtClean="0"/>
-              <a:t>calcolare l’</a:t>
-            </a:r>
-            <a:r>
-              <a:rPr lang="it-IT" sz="1900" dirty="0" err="1" smtClean="0"/>
-              <a:t>extrarendimento</a:t>
-            </a:r>
-            <a:r>
-              <a:rPr lang="it-IT" sz="1900" dirty="0" smtClean="0"/>
-              <a:t> </a:t>
-            </a:r>
-            <a:r>
-              <a:rPr lang="it-IT" sz="1900" dirty="0"/>
-              <a:t>dovuto al ribilanciamento</a:t>
-            </a:r>
-            <a:r>
-              <a:rPr lang="it-IT" sz="1900" dirty="0" smtClean="0"/>
-              <a:t>.</a:t>
-            </a:r>
-          </a:p>
-          <a:p>
-            <a:r>
-              <a:rPr lang="it-IT" sz="1900" dirty="0" smtClean="0"/>
-              <a:t>La </a:t>
-            </a:r>
-            <a:r>
-              <a:rPr lang="it-IT" sz="1900" i="1" dirty="0" smtClean="0"/>
-              <a:t>performance </a:t>
-            </a:r>
-            <a:r>
-              <a:rPr lang="it-IT" sz="1900" dirty="0" smtClean="0"/>
-              <a:t>dei portafogli di </a:t>
-            </a:r>
-            <a:r>
-              <a:rPr lang="it-IT" sz="1900" i="1" dirty="0" err="1" smtClean="0"/>
-              <a:t>clustering</a:t>
-            </a:r>
-            <a:r>
-              <a:rPr lang="it-IT" sz="1900" i="1" dirty="0" smtClean="0"/>
-              <a:t> </a:t>
-            </a:r>
-            <a:r>
-              <a:rPr lang="it-IT" sz="1900" dirty="0" smtClean="0"/>
-              <a:t>viene infine valutata rispetto a due portafogli </a:t>
-            </a:r>
-            <a:r>
-              <a:rPr lang="it-IT" sz="1900" i="1" dirty="0" smtClean="0"/>
-              <a:t>benchmark: </a:t>
-            </a:r>
-            <a:r>
-              <a:rPr lang="it-IT" sz="1900" dirty="0" smtClean="0"/>
-              <a:t>il portafoglio di tangenza e un portafoglio </a:t>
-            </a:r>
-            <a:r>
-              <a:rPr lang="it-IT" sz="1900" i="1" dirty="0" err="1" smtClean="0"/>
-              <a:t>equally</a:t>
-            </a:r>
-            <a:r>
-              <a:rPr lang="it-IT" sz="1900" i="1" dirty="0" smtClean="0"/>
-              <a:t> </a:t>
-            </a:r>
-            <a:r>
-              <a:rPr lang="it-IT" sz="1900" i="1" dirty="0" err="1" smtClean="0"/>
-              <a:t>weighted</a:t>
-            </a:r>
-            <a:r>
-              <a:rPr lang="it-IT" i="1" dirty="0" smtClean="0"/>
-              <a:t>.</a:t>
-            </a:r>
-            <a:endParaRPr lang="it-IT" i="1" dirty="0"/>
-          </a:p>
-        </p:txBody>
-      </p:sp>
+          </a:p>
+        </p:txBody>
+      </p:sp>
+      <mc:AlternateContent xmlns:mc="http://schemas.openxmlformats.org/markup-compatibility/2006">
+        <mc:Choice xmlns:a14="http://schemas.microsoft.com/office/drawing/2010/main" Requires="a14">
+          <p:sp>
+            <p:nvSpPr>
+              <p:cNvPr id="7" name="Segnaposto contenuto 6"/>
+              <p:cNvSpPr>
+                <a:spLocks noGrp="1"/>
+              </p:cNvSpPr>
+              <p:nvPr>
+                <p:ph idx="1"/>
+              </p:nvPr>
+            </p:nvSpPr>
+            <p:spPr>
+              <a:xfrm>
+                <a:off x="1015593" y="1010093"/>
+                <a:ext cx="9904044" cy="5546006"/>
+              </a:xfrm>
+            </p:spPr>
+            <p:txBody>
+              <a:bodyPr>
+                <a:normAutofit fontScale="92500" lnSpcReduction="20000"/>
+              </a:bodyPr>
+              <a:lstStyle/>
+              <a:p>
+                <a:pPr marL="0" indent="0">
+                  <a:buNone/>
+                </a:pPr>
+                <a:endParaRPr lang="it-IT" dirty="0"/>
+              </a:p>
+              <a:p>
+                <a:r>
+                  <a:rPr lang="it-IT" sz="1900" dirty="0"/>
+                  <a:t>Si selezionano casualmente circa 200 titoli azionari provenienti dall’indice </a:t>
+                </a:r>
+                <a:r>
+                  <a:rPr lang="it-IT" sz="1900" dirty="0" err="1"/>
+                  <a:t>Nasdaq</a:t>
+                </a:r>
+                <a:r>
+                  <a:rPr lang="it-IT" sz="1900" dirty="0"/>
+                  <a:t>.</a:t>
+                </a:r>
+              </a:p>
+              <a:p>
+                <a:r>
+                  <a:rPr lang="it-IT" sz="1900" dirty="0"/>
+                  <a:t>Si utilizzano diversi algoritmi di </a:t>
+                </a:r>
+                <a:r>
+                  <a:rPr lang="it-IT" sz="1900" i="1" dirty="0" err="1"/>
+                  <a:t>clustering</a:t>
+                </a:r>
+                <a:r>
+                  <a:rPr lang="it-IT" sz="1900" i="1" dirty="0"/>
+                  <a:t> </a:t>
+                </a:r>
+                <a:r>
+                  <a:rPr lang="it-IT" sz="1900" dirty="0"/>
+                  <a:t>partizionale e gerarchico per suddividere i rendimenti in </a:t>
+                </a:r>
+                <a:r>
+                  <a:rPr lang="it-IT" sz="1900" i="1" dirty="0"/>
+                  <a:t>cluster </a:t>
+                </a:r>
+                <a:r>
+                  <a:rPr lang="it-IT" sz="1900" dirty="0"/>
+                  <a:t>omogenei sulla base della correlazione.</a:t>
+                </a:r>
+              </a:p>
+              <a:p>
+                <a:r>
+                  <a:rPr lang="it-IT" sz="1900" dirty="0"/>
+                  <a:t>I </a:t>
+                </a:r>
+                <a:r>
+                  <a:rPr lang="it-IT" sz="1900" i="1" dirty="0"/>
+                  <a:t>cluster</a:t>
+                </a:r>
+                <a:r>
+                  <a:rPr lang="it-IT" sz="1900" dirty="0"/>
+                  <a:t> ottenuti vengono aggregati in portafogli </a:t>
+                </a:r>
+                <a:r>
+                  <a:rPr lang="it-IT" sz="1900" dirty="0" err="1"/>
+                  <a:t>equiponderati</a:t>
+                </a:r>
+                <a:r>
+                  <a:rPr lang="it-IT" sz="1900" dirty="0"/>
+                  <a:t>, su cui si applica una strategia di ottimizzazione in media-varianza al fine di ottenere i pesi ottimali dei singoli </a:t>
+                </a:r>
+                <a:r>
+                  <a:rPr lang="it-IT" sz="1900" i="1" dirty="0" err="1"/>
+                  <a:t>asset</a:t>
+                </a:r>
+                <a:r>
+                  <a:rPr lang="it-IT" sz="1900" i="1" dirty="0"/>
+                  <a:t>.</a:t>
+                </a:r>
+                <a:br>
+                  <a:rPr lang="it-IT" sz="1900" i="1" dirty="0"/>
+                </a:br>
+                <a:br>
+                  <a:rPr lang="it-IT" sz="1900" i="1" dirty="0"/>
+                </a:br>
+                <a:r>
+                  <a:rPr lang="it-IT" sz="1900" b="1" i="1" dirty="0"/>
+                  <a:t>ALLOCAZIONE DI PORTAFOGLIO</a:t>
+                </a:r>
+              </a:p>
+              <a:p>
+                <a:r>
+                  <a:rPr lang="it-IT" sz="1800" dirty="0"/>
+                  <a:t>A questi portafogli si applica una strategia di allocazione in media-varianza al fine di ottenere un singolo portafoglio che contiene tutti gli </a:t>
+                </a:r>
+                <a:r>
+                  <a:rPr lang="it-IT" sz="1800" i="1" dirty="0" err="1"/>
+                  <a:t>asset</a:t>
+                </a:r>
+                <a:r>
+                  <a:rPr lang="it-IT" sz="1800" dirty="0"/>
+                  <a:t> disponibili.</a:t>
+                </a:r>
+              </a:p>
+              <a:p>
+                <a:r>
+                  <a:rPr lang="it-IT" sz="1800" dirty="0"/>
+                  <a:t>I pesi ottimali sono calcolati massimizzando la seguente funzione:</a:t>
+                </a:r>
+              </a:p>
+              <a:p>
+                <a:pPr marL="0" indent="0">
+                  <a:buNone/>
+                </a:pPr>
+                <a14:m>
+                  <m:oMathPara xmlns:m="http://schemas.openxmlformats.org/officeDocument/2006/math">
+                    <m:oMathParaPr>
+                      <m:jc m:val="centerGroup"/>
+                    </m:oMathParaPr>
+                    <m:oMath xmlns:m="http://schemas.openxmlformats.org/officeDocument/2006/math">
+                      <m:sSub>
+                        <m:sSubPr>
+                          <m:ctrlPr>
+                            <a:rPr lang="it-IT" sz="1800" i="1">
+                              <a:latin typeface="Cambria Math" panose="02040503050406030204" pitchFamily="18" charset="0"/>
+                            </a:rPr>
+                          </m:ctrlPr>
+                        </m:sSubPr>
+                        <m:e>
+                          <m:r>
+                            <a:rPr lang="it-IT" sz="1800" i="1">
+                              <a:latin typeface="Cambria Math" panose="02040503050406030204" pitchFamily="18" charset="0"/>
+                            </a:rPr>
+                            <m:t>𝑚𝑎𝑥</m:t>
+                          </m:r>
+                        </m:e>
+                        <m:sub>
+                          <m:r>
+                            <a:rPr lang="it-IT" sz="1800" i="1">
+                              <a:latin typeface="Cambria Math" panose="02040503050406030204" pitchFamily="18" charset="0"/>
+                            </a:rPr>
+                            <m:t>𝜔</m:t>
+                          </m:r>
+                        </m:sub>
+                      </m:sSub>
+                      <m:r>
+                        <a:rPr lang="it-IT" sz="1800" i="1">
+                          <a:latin typeface="Cambria Math" panose="02040503050406030204" pitchFamily="18" charset="0"/>
+                        </a:rPr>
+                        <m:t> </m:t>
+                      </m:r>
+                      <m:f>
+                        <m:fPr>
+                          <m:ctrlPr>
+                            <a:rPr lang="it-IT" sz="1800" i="1">
+                              <a:latin typeface="Cambria Math" panose="02040503050406030204" pitchFamily="18" charset="0"/>
+                            </a:rPr>
+                          </m:ctrlPr>
+                        </m:fPr>
+                        <m:num>
+                          <m:sSup>
+                            <m:sSupPr>
+                              <m:ctrlPr>
+                                <a:rPr lang="it-IT" sz="1800" i="1">
+                                  <a:latin typeface="Cambria Math" panose="02040503050406030204" pitchFamily="18" charset="0"/>
+                                </a:rPr>
+                              </m:ctrlPr>
+                            </m:sSupPr>
+                            <m:e>
+                              <m:r>
+                                <a:rPr lang="it-IT" sz="1800" i="1">
+                                  <a:latin typeface="Cambria Math" panose="02040503050406030204" pitchFamily="18" charset="0"/>
+                                </a:rPr>
+                                <m:t>𝜔</m:t>
+                              </m:r>
+                            </m:e>
+                            <m:sup>
+                              <m:r>
+                                <a:rPr lang="it-IT" sz="1800" i="1">
+                                  <a:latin typeface="Cambria Math" panose="02040503050406030204" pitchFamily="18" charset="0"/>
+                                </a:rPr>
+                                <m:t>′</m:t>
+                              </m:r>
+                            </m:sup>
+                          </m:sSup>
+                          <m:r>
+                            <a:rPr lang="it-IT" sz="1800" i="1">
+                              <a:latin typeface="Cambria Math" panose="02040503050406030204" pitchFamily="18" charset="0"/>
+                            </a:rPr>
+                            <m:t>𝜇</m:t>
+                          </m:r>
+                          <m:r>
+                            <a:rPr lang="it-IT" sz="1800" i="1">
+                              <a:latin typeface="Cambria Math" panose="02040503050406030204" pitchFamily="18" charset="0"/>
+                            </a:rPr>
+                            <m:t>−</m:t>
+                          </m:r>
+                          <m:r>
+                            <a:rPr lang="it-IT" sz="1800" i="1">
+                              <a:latin typeface="Cambria Math" panose="02040503050406030204" pitchFamily="18" charset="0"/>
+                            </a:rPr>
+                            <m:t>𝑟𝑓</m:t>
+                          </m:r>
+                        </m:num>
+                        <m:den>
+                          <m:r>
+                            <a:rPr lang="it-IT" sz="1800" i="1">
+                              <a:latin typeface="Cambria Math" panose="02040503050406030204" pitchFamily="18" charset="0"/>
+                            </a:rPr>
+                            <m:t>(</m:t>
+                          </m:r>
+                          <m:sSup>
+                            <m:sSupPr>
+                              <m:ctrlPr>
+                                <a:rPr lang="it-IT" sz="1800" i="1">
+                                  <a:latin typeface="Cambria Math" panose="02040503050406030204" pitchFamily="18" charset="0"/>
+                                </a:rPr>
+                              </m:ctrlPr>
+                            </m:sSupPr>
+                            <m:e>
+                              <m:r>
+                                <a:rPr lang="it-IT" sz="1800" i="1">
+                                  <a:latin typeface="Cambria Math" panose="02040503050406030204" pitchFamily="18" charset="0"/>
+                                </a:rPr>
+                                <m:t>𝜔</m:t>
+                              </m:r>
+                            </m:e>
+                            <m:sup>
+                              <m:r>
+                                <a:rPr lang="it-IT" sz="1800" i="1">
+                                  <a:latin typeface="Cambria Math" panose="02040503050406030204" pitchFamily="18" charset="0"/>
+                                </a:rPr>
+                                <m:t>′</m:t>
+                              </m:r>
+                            </m:sup>
+                          </m:sSup>
+                          <m:r>
+                            <m:rPr>
+                              <m:sty m:val="p"/>
+                            </m:rPr>
+                            <a:rPr lang="it-IT" sz="1800">
+                              <a:latin typeface="Cambria Math" panose="02040503050406030204" pitchFamily="18" charset="0"/>
+                            </a:rPr>
+                            <m:t>Σ</m:t>
+                          </m:r>
+                          <m:r>
+                            <a:rPr lang="it-IT" sz="1800" i="1">
+                              <a:latin typeface="Cambria Math" panose="02040503050406030204" pitchFamily="18" charset="0"/>
+                            </a:rPr>
+                            <m:t>𝜔</m:t>
+                          </m:r>
+                          <m:r>
+                            <a:rPr lang="it-IT" sz="1800" i="1">
+                              <a:latin typeface="Cambria Math" panose="02040503050406030204" pitchFamily="18" charset="0"/>
+                            </a:rPr>
+                            <m:t>)</m:t>
+                          </m:r>
+                        </m:den>
+                      </m:f>
+                      <m:r>
+                        <a:rPr lang="it-IT" sz="1800" i="1">
+                          <a:latin typeface="Cambria Math" panose="02040503050406030204" pitchFamily="18" charset="0"/>
+                        </a:rPr>
+                        <m:t>, </m:t>
+                      </m:r>
+                      <m:r>
+                        <a:rPr lang="it-IT" sz="1800" i="1">
+                          <a:latin typeface="Cambria Math" panose="02040503050406030204" pitchFamily="18" charset="0"/>
+                        </a:rPr>
+                        <m:t>𝑠</m:t>
+                      </m:r>
+                      <m:r>
+                        <a:rPr lang="it-IT" sz="1800" i="1">
+                          <a:latin typeface="Cambria Math" panose="02040503050406030204" pitchFamily="18" charset="0"/>
+                        </a:rPr>
+                        <m:t>.</m:t>
+                      </m:r>
+                      <m:r>
+                        <a:rPr lang="it-IT" sz="1800" i="1">
+                          <a:latin typeface="Cambria Math" panose="02040503050406030204" pitchFamily="18" charset="0"/>
+                        </a:rPr>
+                        <m:t>𝑡</m:t>
+                      </m:r>
+                      <m:r>
+                        <a:rPr lang="it-IT" sz="1800" i="1">
+                          <a:latin typeface="Cambria Math" panose="02040503050406030204" pitchFamily="18" charset="0"/>
+                        </a:rPr>
+                        <m:t>. </m:t>
+                      </m:r>
+                      <m:sSup>
+                        <m:sSupPr>
+                          <m:ctrlPr>
+                            <a:rPr lang="it-IT" sz="1800" i="1">
+                              <a:latin typeface="Cambria Math" panose="02040503050406030204" pitchFamily="18" charset="0"/>
+                            </a:rPr>
+                          </m:ctrlPr>
+                        </m:sSupPr>
+                        <m:e>
+                          <m:r>
+                            <a:rPr lang="it-IT" sz="1800" i="1">
+                              <a:latin typeface="Cambria Math" panose="02040503050406030204" pitchFamily="18" charset="0"/>
+                            </a:rPr>
+                            <m:t>𝜔</m:t>
+                          </m:r>
+                        </m:e>
+                        <m:sup>
+                          <m:r>
+                            <a:rPr lang="it-IT" sz="1800" i="1">
+                              <a:latin typeface="Cambria Math" panose="02040503050406030204" pitchFamily="18" charset="0"/>
+                            </a:rPr>
+                            <m:t>′</m:t>
+                          </m:r>
+                        </m:sup>
+                      </m:sSup>
+                      <m:r>
+                        <a:rPr lang="it-IT" sz="1800" i="1">
+                          <a:latin typeface="Cambria Math" panose="02040503050406030204" pitchFamily="18" charset="0"/>
+                        </a:rPr>
+                        <m:t>1=1</m:t>
+                      </m:r>
+                    </m:oMath>
+                  </m:oMathPara>
+                </a14:m>
+                <a:endParaRPr lang="it-IT" sz="1800" dirty="0"/>
+              </a:p>
+              <a:p>
+                <a:pPr marL="0" indent="0">
+                  <a:buNone/>
+                </a:pPr>
+                <a:r>
+                  <a:rPr lang="it-IT" sz="1800" dirty="0"/>
+                  <a:t>dove </a:t>
+                </a:r>
+                <a:r>
+                  <a:rPr lang="it-IT" sz="1800" i="1" dirty="0"/>
+                  <a:t>ω</a:t>
+                </a:r>
+                <a:r>
+                  <a:rPr lang="it-IT" sz="1800" dirty="0"/>
+                  <a:t> è il vettore di pesi ottimali di portafoglio, </a:t>
+                </a:r>
+                <a:r>
+                  <a:rPr lang="it-IT" sz="1800" i="1" dirty="0"/>
+                  <a:t>µ</a:t>
+                </a:r>
+                <a:r>
+                  <a:rPr lang="it-IT" sz="1800" dirty="0"/>
+                  <a:t> è il rendimento atteso del portafoglio, </a:t>
+                </a:r>
+                <a:r>
+                  <a:rPr lang="it-IT" sz="1800" i="1" dirty="0"/>
+                  <a:t>Σ</a:t>
+                </a:r>
+                <a:r>
+                  <a:rPr lang="it-IT" sz="1800" dirty="0"/>
+                  <a:t> è la matrice di covarianza dei rendimenti e </a:t>
+                </a:r>
+                <a:r>
+                  <a:rPr lang="it-IT" sz="1800" i="1" dirty="0" err="1"/>
+                  <a:t>rf</a:t>
+                </a:r>
+                <a:r>
+                  <a:rPr lang="it-IT" sz="1800" dirty="0"/>
+                  <a:t> è il tasso privo di rischio.</a:t>
+                </a:r>
+              </a:p>
+              <a:p>
+                <a:endParaRPr lang="it-IT" sz="1900" i="1" dirty="0"/>
+              </a:p>
+            </p:txBody>
+          </p:sp>
+        </mc:Choice>
+        <mc:Fallback>
+          <p:sp>
+            <p:nvSpPr>
+              <p:cNvPr id="7" name="Segnaposto contenuto 6"/>
+              <p:cNvSpPr>
+                <a:spLocks noGrp="1" noRot="1" noChangeAspect="1" noMove="1" noResize="1" noEditPoints="1" noAdjustHandles="1" noChangeArrowheads="1" noChangeShapeType="1" noTextEdit="1"/>
+              </p:cNvSpPr>
+              <p:nvPr>
+                <p:ph idx="1"/>
+              </p:nvPr>
+            </p:nvSpPr>
+            <p:spPr>
+              <a:xfrm>
+                <a:off x="1015593" y="1010093"/>
+                <a:ext cx="9904044" cy="5546006"/>
+              </a:xfrm>
+              <a:blipFill>
+                <a:blip r:embed="rId2"/>
+                <a:stretch>
+                  <a:fillRect l="-513" r="-897"/>
+                </a:stretch>
+              </a:blipFill>
+            </p:spPr>
+            <p:txBody>
+              <a:bodyPr/>
+              <a:lstStyle/>
+              <a:p>
+                <a:r>
+                  <a:rPr lang="it-IT">
+                    <a:noFill/>
+                  </a:rPr>
+                  <a:t> </a:t>
+                </a:r>
+              </a:p>
+            </p:txBody>
+          </p:sp>
+        </mc:Fallback>
+      </mc:AlternateContent>
     </p:spTree>
     <p:extLst>
       <p:ext uri="{BB962C8B-B14F-4D97-AF65-F5344CB8AC3E}">
@@ -9046,13 +8776,6 @@
   <p:clrMapOvr>
     <a:masterClrMapping/>
   </p:clrMapOvr>
-  <p:timing>
-    <p:tnLst>
-      <p:par>
-        <p:cTn id="1" dur="indefinite" restart="never" nodeType="tmRoot"/>
-      </p:par>
-    </p:tnLst>
-  </p:timing>
 </p:sld>
 </file>
 
@@ -9096,492 +8819,225 @@
           <a:lstStyle/>
           <a:p>
             <a:r>
-              <a:rPr lang="it-IT" dirty="0" smtClean="0"/>
-              <a:t>Allocazione di portafoglio</a:t>
+              <a:rPr lang="it-IT" dirty="0"/>
+              <a:t>Sviluppo del lavoro</a:t>
+            </a:r>
+          </a:p>
+        </p:txBody>
+      </p:sp>
+      <p:sp>
+        <p:nvSpPr>
+          <p:cNvPr id="7" name="Segnaposto contenuto 6"/>
+          <p:cNvSpPr>
+            <a:spLocks noGrp="1"/>
+          </p:cNvSpPr>
+          <p:nvPr>
+            <p:ph idx="1"/>
+          </p:nvPr>
+        </p:nvSpPr>
+        <p:spPr>
+          <a:xfrm>
+            <a:off x="685984" y="1593568"/>
+            <a:ext cx="10403775" cy="4282299"/>
+          </a:xfrm>
+        </p:spPr>
+        <p:txBody>
+          <a:bodyPr>
+            <a:normAutofit/>
+          </a:bodyPr>
+          <a:lstStyle/>
+          <a:p>
+            <a:r>
+              <a:rPr lang="it-IT" dirty="0"/>
+              <a:t>Nell’allocazione statica, i pesi di portafoglio ottimali vengono mantenuti costanti durante tutto il </a:t>
+            </a:r>
+            <a:r>
+              <a:rPr lang="it-IT" i="1" dirty="0"/>
+              <a:t>test set</a:t>
+            </a:r>
+            <a:r>
+              <a:rPr lang="it-IT" dirty="0"/>
+              <a:t>, pari all’ultimo anno. </a:t>
+            </a:r>
+          </a:p>
+          <a:p>
+            <a:r>
+              <a:rPr lang="it-IT" dirty="0"/>
+              <a:t>Nell’allocazione </a:t>
+            </a:r>
+            <a:r>
+              <a:rPr lang="it-IT" i="1" dirty="0" err="1"/>
+              <a:t>rolling</a:t>
+            </a:r>
+            <a:r>
+              <a:rPr lang="it-IT" i="1" dirty="0"/>
+              <a:t>, </a:t>
+            </a:r>
+            <a:r>
+              <a:rPr lang="it-IT" dirty="0"/>
+              <a:t>i pesi di portafoglio sono calcolati su finestre </a:t>
+            </a:r>
+            <a:r>
+              <a:rPr lang="it-IT" i="1" dirty="0" err="1"/>
+              <a:t>rolling</a:t>
+            </a:r>
+            <a:r>
+              <a:rPr lang="it-IT" dirty="0"/>
+              <a:t> giornaliere di ampiezza annuale.</a:t>
+            </a:r>
+          </a:p>
+          <a:p>
+            <a:r>
+              <a:rPr lang="it-IT" dirty="0"/>
+              <a:t>Per ogni algoritmo di </a:t>
+            </a:r>
+            <a:r>
+              <a:rPr lang="it-IT" i="1" dirty="0" err="1"/>
+              <a:t>clustering</a:t>
+            </a:r>
+            <a:r>
+              <a:rPr lang="it-IT" dirty="0" err="1"/>
+              <a:t>,i</a:t>
+            </a:r>
+            <a:r>
+              <a:rPr lang="it-IT" dirty="0"/>
+              <a:t> risultati dell’allocazione statica e </a:t>
+            </a:r>
+            <a:r>
+              <a:rPr lang="it-IT" i="1" dirty="0" err="1"/>
+              <a:t>rolling</a:t>
+            </a:r>
+            <a:r>
+              <a:rPr lang="it-IT" i="1" dirty="0"/>
+              <a:t> </a:t>
+            </a:r>
+            <a:r>
+              <a:rPr lang="it-IT" dirty="0"/>
+              <a:t>sono confrontati al fine di calcolare l’</a:t>
+            </a:r>
+            <a:r>
+              <a:rPr lang="it-IT" dirty="0" err="1"/>
+              <a:t>extrarendimento</a:t>
+            </a:r>
+            <a:r>
+              <a:rPr lang="it-IT" dirty="0"/>
+              <a:t> dovuto al ribilanciamento. </a:t>
+            </a:r>
+          </a:p>
+          <a:p>
+            <a:r>
+              <a:rPr lang="it-IT" dirty="0"/>
+              <a:t>La </a:t>
+            </a:r>
+            <a:r>
+              <a:rPr lang="it-IT" dirty="0" err="1"/>
+              <a:t>bonta</a:t>
+            </a:r>
+            <a:r>
+              <a:rPr lang="it-IT" dirty="0"/>
+              <a:t>̀ di ogni algoritmo di </a:t>
+            </a:r>
+            <a:r>
+              <a:rPr lang="it-IT" i="1" dirty="0" err="1"/>
+              <a:t>clustering</a:t>
+            </a:r>
+            <a:r>
+              <a:rPr lang="it-IT" i="1" dirty="0"/>
+              <a:t> </a:t>
+            </a:r>
+            <a:r>
+              <a:rPr lang="it-IT" dirty="0"/>
+              <a:t>viene valutata in base alla correlazione infra-e intra-</a:t>
+            </a:r>
+            <a:r>
+              <a:rPr lang="it-IT" i="1" dirty="0"/>
+              <a:t>cluster </a:t>
+            </a:r>
+            <a:r>
+              <a:rPr lang="it-IT" dirty="0"/>
+              <a:t>e alla </a:t>
+            </a:r>
+            <a:r>
+              <a:rPr lang="it-IT" dirty="0" err="1"/>
+              <a:t>numerosita</a:t>
+            </a:r>
+            <a:r>
+              <a:rPr lang="it-IT" dirty="0"/>
+              <a:t>̀ dei </a:t>
+            </a:r>
+            <a:r>
+              <a:rPr lang="it-IT" i="1" dirty="0"/>
+              <a:t>cluster </a:t>
+            </a:r>
+            <a:r>
+              <a:rPr lang="it-IT" dirty="0"/>
+              <a:t>prodotti. </a:t>
+            </a:r>
+          </a:p>
+          <a:p>
+            <a:r>
+              <a:rPr lang="it-IT" dirty="0"/>
+              <a:t>La </a:t>
+            </a:r>
+            <a:r>
+              <a:rPr lang="it-IT" i="1" dirty="0"/>
+              <a:t>performance </a:t>
+            </a:r>
+            <a:r>
+              <a:rPr lang="it-IT" dirty="0"/>
+              <a:t>dei portafogli di </a:t>
+            </a:r>
+            <a:r>
+              <a:rPr lang="it-IT" i="1" dirty="0" err="1"/>
+              <a:t>clustering</a:t>
+            </a:r>
+            <a:r>
+              <a:rPr lang="it-IT" i="1" dirty="0"/>
+              <a:t> </a:t>
+            </a:r>
+            <a:r>
+              <a:rPr lang="it-IT" dirty="0"/>
+              <a:t>viene infine valutata rispetto a due portafogli </a:t>
+            </a:r>
+            <a:r>
+              <a:rPr lang="it-IT" i="1" dirty="0"/>
+              <a:t>benchmark:</a:t>
+            </a:r>
+            <a:r>
+              <a:rPr lang="it-IT" dirty="0"/>
+              <a:t> portafoglio </a:t>
+            </a:r>
+            <a:r>
+              <a:rPr lang="it-IT" i="1" dirty="0" err="1"/>
+              <a:t>equally</a:t>
+            </a:r>
+            <a:r>
+              <a:rPr lang="it-IT" i="1" dirty="0"/>
+              <a:t> </a:t>
+            </a:r>
+            <a:r>
+              <a:rPr lang="it-IT" i="1" dirty="0" err="1"/>
+              <a:t>weighted</a:t>
+            </a:r>
+            <a:r>
+              <a:rPr lang="it-IT" i="1" dirty="0"/>
+              <a:t> </a:t>
+            </a:r>
+            <a:r>
+              <a:rPr lang="it-IT" dirty="0"/>
+              <a:t>e portafoglio di tangenza </a:t>
+            </a:r>
+            <a:r>
+              <a:rPr lang="it-IT" i="1" dirty="0"/>
+              <a:t>. </a:t>
             </a:r>
             <a:endParaRPr lang="it-IT" dirty="0"/>
           </a:p>
-        </p:txBody>
-      </p:sp>
-      <mc:AlternateContent xmlns:mc="http://schemas.openxmlformats.org/markup-compatibility/2006" xmlns:a14="http://schemas.microsoft.com/office/drawing/2010/main">
-        <mc:Choice Requires="a14">
-          <p:sp>
-            <p:nvSpPr>
-              <p:cNvPr id="7" name="Segnaposto contenuto 6"/>
-              <p:cNvSpPr>
-                <a:spLocks noGrp="1"/>
-              </p:cNvSpPr>
-              <p:nvPr>
-                <p:ph idx="1"/>
-              </p:nvPr>
-            </p:nvSpPr>
-            <p:spPr>
-              <a:xfrm>
-                <a:off x="856104" y="1153301"/>
-                <a:ext cx="10403775" cy="5523947"/>
-              </a:xfrm>
-            </p:spPr>
-            <p:txBody>
-              <a:bodyPr>
-                <a:normAutofit/>
-              </a:bodyPr>
-              <a:lstStyle/>
-              <a:p>
-                <a:r>
-                  <a:rPr lang="it-IT" dirty="0" smtClean="0"/>
-                  <a:t>I </a:t>
-                </a:r>
-                <a:r>
-                  <a:rPr lang="it-IT" i="1" dirty="0"/>
-                  <a:t>cluster</a:t>
-                </a:r>
-                <a:r>
-                  <a:rPr lang="it-IT" dirty="0"/>
-                  <a:t> </a:t>
-                </a:r>
-                <a:r>
-                  <a:rPr lang="it-IT" dirty="0" smtClean="0"/>
-                  <a:t>prodotti da ciascun algoritmo </a:t>
-                </a:r>
-                <a:r>
-                  <a:rPr lang="it-IT" dirty="0"/>
-                  <a:t>vengono utilizzati per formare dei portafogli </a:t>
-                </a:r>
-                <a:r>
-                  <a:rPr lang="it-IT" i="1" dirty="0" err="1"/>
-                  <a:t>equally</a:t>
-                </a:r>
-                <a:r>
-                  <a:rPr lang="it-IT" i="1" dirty="0"/>
-                  <a:t> </a:t>
-                </a:r>
-                <a:r>
-                  <a:rPr lang="it-IT" i="1" dirty="0" err="1"/>
-                  <a:t>weighted</a:t>
-                </a:r>
-                <a:r>
-                  <a:rPr lang="it-IT" i="1" dirty="0"/>
-                  <a:t> </a:t>
-                </a:r>
-                <a:r>
-                  <a:rPr lang="it-IT" dirty="0" smtClean="0"/>
-                  <a:t>contenenti </a:t>
-                </a:r>
-                <a:r>
-                  <a:rPr lang="it-IT" dirty="0"/>
-                  <a:t>gli </a:t>
-                </a:r>
-                <a:r>
-                  <a:rPr lang="it-IT" i="1" dirty="0" err="1"/>
-                  <a:t>asset</a:t>
-                </a:r>
-                <a:r>
-                  <a:rPr lang="it-IT" dirty="0"/>
-                  <a:t> appartenenti ad ogni </a:t>
-                </a:r>
-                <a:r>
-                  <a:rPr lang="it-IT" i="1" dirty="0"/>
-                  <a:t>cluster</a:t>
-                </a:r>
-                <a:r>
-                  <a:rPr lang="it-IT" dirty="0" smtClean="0"/>
-                  <a:t>.</a:t>
-                </a:r>
-              </a:p>
-              <a:p>
-                <a:r>
-                  <a:rPr lang="it-IT" dirty="0" smtClean="0"/>
-                  <a:t>A questi portafogli si applica una strategia di allocazione in media-varianza al fine di ottenere un singolo </a:t>
-                </a:r>
-                <a:r>
-                  <a:rPr lang="it-IT" dirty="0"/>
-                  <a:t>portafoglio </a:t>
-                </a:r>
-                <a:r>
-                  <a:rPr lang="it-IT" dirty="0" smtClean="0"/>
-                  <a:t>che contiene tutti </a:t>
-                </a:r>
-                <a:r>
-                  <a:rPr lang="it-IT" dirty="0"/>
-                  <a:t>gli </a:t>
-                </a:r>
-                <a:r>
-                  <a:rPr lang="it-IT" i="1" dirty="0" err="1"/>
-                  <a:t>asset</a:t>
-                </a:r>
-                <a:r>
-                  <a:rPr lang="it-IT" dirty="0"/>
-                  <a:t> </a:t>
-                </a:r>
-                <a:r>
-                  <a:rPr lang="it-IT" dirty="0" smtClean="0"/>
-                  <a:t>disponibili.</a:t>
-                </a:r>
-                <a:endParaRPr lang="it-IT" dirty="0"/>
-              </a:p>
-              <a:p>
-                <a:r>
-                  <a:rPr lang="it-IT" dirty="0"/>
-                  <a:t>I pesi ottimali sono calcolati massimizzando la seguente funzione:</a:t>
-                </a:r>
-              </a:p>
-              <a:p>
-                <a:pPr marL="0" indent="0">
-                  <a:buNone/>
-                </a:pPr>
-                <a14:m>
-                  <m:oMathPara xmlns:m="http://schemas.openxmlformats.org/officeDocument/2006/math">
-                    <m:oMathParaPr>
-                      <m:jc m:val="centerGroup"/>
-                    </m:oMathParaPr>
-                    <m:oMath xmlns:m="http://schemas.openxmlformats.org/officeDocument/2006/math">
-                      <m:sSub>
-                        <m:sSubPr>
-                          <m:ctrlPr>
-                            <a:rPr lang="it-IT" i="1" smtClean="0">
-                              <a:latin typeface="Cambria Math" panose="02040503050406030204" pitchFamily="18" charset="0"/>
-                            </a:rPr>
-                          </m:ctrlPr>
-                        </m:sSubPr>
-                        <m:e>
-                          <m:r>
-                            <a:rPr lang="it-IT" b="0" i="1" smtClean="0">
-                              <a:latin typeface="Cambria Math" panose="02040503050406030204" pitchFamily="18" charset="0"/>
-                            </a:rPr>
-                            <m:t>𝑚𝑎𝑥</m:t>
-                          </m:r>
-                        </m:e>
-                        <m:sub>
-                          <m:r>
-                            <a:rPr lang="it-IT" b="0" i="1" smtClean="0">
-                              <a:latin typeface="Cambria Math" panose="02040503050406030204" pitchFamily="18" charset="0"/>
-                            </a:rPr>
-                            <m:t>𝜔</m:t>
-                          </m:r>
-                        </m:sub>
-                      </m:sSub>
-                      <m:r>
-                        <a:rPr lang="it-IT" b="0" i="1" smtClean="0">
-                          <a:latin typeface="Cambria Math" panose="02040503050406030204" pitchFamily="18" charset="0"/>
-                        </a:rPr>
-                        <m:t> </m:t>
-                      </m:r>
-                      <m:f>
-                        <m:fPr>
-                          <m:ctrlPr>
-                            <a:rPr lang="it-IT" b="0" i="1" smtClean="0">
-                              <a:latin typeface="Cambria Math" panose="02040503050406030204" pitchFamily="18" charset="0"/>
-                            </a:rPr>
-                          </m:ctrlPr>
-                        </m:fPr>
-                        <m:num>
-                          <m:sSup>
-                            <m:sSupPr>
-                              <m:ctrlPr>
-                                <a:rPr lang="it-IT" b="0" i="1" smtClean="0">
-                                  <a:latin typeface="Cambria Math" panose="02040503050406030204" pitchFamily="18" charset="0"/>
-                                </a:rPr>
-                              </m:ctrlPr>
-                            </m:sSupPr>
-                            <m:e>
-                              <m:r>
-                                <a:rPr lang="it-IT" b="0" i="1" smtClean="0">
-                                  <a:latin typeface="Cambria Math" panose="02040503050406030204" pitchFamily="18" charset="0"/>
-                                </a:rPr>
-                                <m:t>𝜔</m:t>
-                              </m:r>
-                            </m:e>
-                            <m:sup>
-                              <m:r>
-                                <a:rPr lang="it-IT" b="0" i="1" smtClean="0">
-                                  <a:latin typeface="Cambria Math" panose="02040503050406030204" pitchFamily="18" charset="0"/>
-                                </a:rPr>
-                                <m:t>′</m:t>
-                              </m:r>
-                            </m:sup>
-                          </m:sSup>
-                          <m:r>
-                            <a:rPr lang="it-IT" b="0" i="1" smtClean="0">
-                              <a:latin typeface="Cambria Math" panose="02040503050406030204" pitchFamily="18" charset="0"/>
-                            </a:rPr>
-                            <m:t>𝜇</m:t>
-                          </m:r>
-                          <m:r>
-                            <a:rPr lang="it-IT" b="0" i="1" smtClean="0">
-                              <a:latin typeface="Cambria Math" panose="02040503050406030204" pitchFamily="18" charset="0"/>
-                            </a:rPr>
-                            <m:t>−</m:t>
-                          </m:r>
-                          <m:r>
-                            <a:rPr lang="it-IT" b="0" i="1" smtClean="0">
-                              <a:latin typeface="Cambria Math" panose="02040503050406030204" pitchFamily="18" charset="0"/>
-                            </a:rPr>
-                            <m:t>𝑟𝑓</m:t>
-                          </m:r>
-                        </m:num>
-                        <m:den>
-                          <m:r>
-                            <a:rPr lang="it-IT" b="0" i="1" smtClean="0">
-                              <a:latin typeface="Cambria Math" panose="02040503050406030204" pitchFamily="18" charset="0"/>
-                            </a:rPr>
-                            <m:t>(</m:t>
-                          </m:r>
-                          <m:sSup>
-                            <m:sSupPr>
-                              <m:ctrlPr>
-                                <a:rPr lang="it-IT" b="0" i="1" smtClean="0">
-                                  <a:latin typeface="Cambria Math" panose="02040503050406030204" pitchFamily="18" charset="0"/>
-                                </a:rPr>
-                              </m:ctrlPr>
-                            </m:sSupPr>
-                            <m:e>
-                              <m:r>
-                                <a:rPr lang="it-IT" b="0" i="1" smtClean="0">
-                                  <a:latin typeface="Cambria Math" panose="02040503050406030204" pitchFamily="18" charset="0"/>
-                                </a:rPr>
-                                <m:t>𝜔</m:t>
-                              </m:r>
-                            </m:e>
-                            <m:sup>
-                              <m:r>
-                                <a:rPr lang="it-IT" b="0" i="1" smtClean="0">
-                                  <a:latin typeface="Cambria Math" panose="02040503050406030204" pitchFamily="18" charset="0"/>
-                                </a:rPr>
-                                <m:t>′</m:t>
-                              </m:r>
-                            </m:sup>
-                          </m:sSup>
-                          <m:r>
-                            <m:rPr>
-                              <m:sty m:val="p"/>
-                            </m:rPr>
-                            <a:rPr lang="it-IT" b="0" i="0" smtClean="0">
-                              <a:latin typeface="Cambria Math" panose="02040503050406030204" pitchFamily="18" charset="0"/>
-                            </a:rPr>
-                            <m:t>Σ</m:t>
-                          </m:r>
-                          <m:r>
-                            <a:rPr lang="it-IT" b="0" i="1" smtClean="0">
-                              <a:latin typeface="Cambria Math" panose="02040503050406030204" pitchFamily="18" charset="0"/>
-                            </a:rPr>
-                            <m:t>𝜔</m:t>
-                          </m:r>
-                          <m:r>
-                            <a:rPr lang="it-IT" b="0" i="1" smtClean="0">
-                              <a:latin typeface="Cambria Math" panose="02040503050406030204" pitchFamily="18" charset="0"/>
-                            </a:rPr>
-                            <m:t>)</m:t>
-                          </m:r>
-                        </m:den>
-                      </m:f>
-                      <m:r>
-                        <a:rPr lang="it-IT" b="0" i="1" smtClean="0">
-                          <a:latin typeface="Cambria Math" panose="02040503050406030204" pitchFamily="18" charset="0"/>
-                        </a:rPr>
-                        <m:t>, </m:t>
-                      </m:r>
-                      <m:r>
-                        <a:rPr lang="it-IT" b="0" i="1" smtClean="0">
-                          <a:latin typeface="Cambria Math" panose="02040503050406030204" pitchFamily="18" charset="0"/>
-                        </a:rPr>
-                        <m:t>𝑠</m:t>
-                      </m:r>
-                      <m:r>
-                        <a:rPr lang="it-IT" b="0" i="1" smtClean="0">
-                          <a:latin typeface="Cambria Math" panose="02040503050406030204" pitchFamily="18" charset="0"/>
-                        </a:rPr>
-                        <m:t>.</m:t>
-                      </m:r>
-                      <m:r>
-                        <a:rPr lang="it-IT" b="0" i="1" smtClean="0">
-                          <a:latin typeface="Cambria Math" panose="02040503050406030204" pitchFamily="18" charset="0"/>
-                        </a:rPr>
-                        <m:t>𝑡</m:t>
-                      </m:r>
-                      <m:r>
-                        <a:rPr lang="it-IT" b="0" i="1" smtClean="0">
-                          <a:latin typeface="Cambria Math" panose="02040503050406030204" pitchFamily="18" charset="0"/>
-                        </a:rPr>
-                        <m:t>. </m:t>
-                      </m:r>
-                      <m:sSup>
-                        <m:sSupPr>
-                          <m:ctrlPr>
-                            <a:rPr lang="it-IT" b="0" i="1" smtClean="0">
-                              <a:latin typeface="Cambria Math" panose="02040503050406030204" pitchFamily="18" charset="0"/>
-                            </a:rPr>
-                          </m:ctrlPr>
-                        </m:sSupPr>
-                        <m:e>
-                          <m:r>
-                            <a:rPr lang="it-IT" b="0" i="1" smtClean="0">
-                              <a:latin typeface="Cambria Math" panose="02040503050406030204" pitchFamily="18" charset="0"/>
-                            </a:rPr>
-                            <m:t>𝜔</m:t>
-                          </m:r>
-                        </m:e>
-                        <m:sup>
-                          <m:r>
-                            <a:rPr lang="it-IT" b="0" i="1" smtClean="0">
-                              <a:latin typeface="Cambria Math" panose="02040503050406030204" pitchFamily="18" charset="0"/>
-                            </a:rPr>
-                            <m:t>′</m:t>
-                          </m:r>
-                        </m:sup>
-                      </m:sSup>
-                      <m:r>
-                        <a:rPr lang="it-IT" b="0" i="1" smtClean="0">
-                          <a:latin typeface="Cambria Math" panose="02040503050406030204" pitchFamily="18" charset="0"/>
-                        </a:rPr>
-                        <m:t>1=1</m:t>
-                      </m:r>
-                    </m:oMath>
-                  </m:oMathPara>
-                </a14:m>
-                <a:endParaRPr lang="it-IT" dirty="0" smtClean="0"/>
-              </a:p>
-              <a:p>
-                <a:pPr marL="0" indent="0">
-                  <a:buNone/>
-                </a:pPr>
-                <a:r>
-                  <a:rPr lang="it-IT" dirty="0" smtClean="0"/>
-                  <a:t>dove </a:t>
-                </a:r>
-                <a:r>
-                  <a:rPr lang="it-IT" i="1" dirty="0"/>
-                  <a:t>ω</a:t>
-                </a:r>
-                <a:r>
-                  <a:rPr lang="it-IT" dirty="0"/>
-                  <a:t> è il vettore di pesi ottimali di portafoglio, </a:t>
-                </a:r>
-                <a:r>
-                  <a:rPr lang="it-IT" i="1" dirty="0"/>
-                  <a:t>µ</a:t>
-                </a:r>
-                <a:r>
-                  <a:rPr lang="it-IT" dirty="0"/>
-                  <a:t> è il rendimento atteso del portafoglio, </a:t>
-                </a:r>
-                <a:r>
-                  <a:rPr lang="it-IT" i="1" dirty="0"/>
-                  <a:t>Σ</a:t>
-                </a:r>
-                <a:r>
-                  <a:rPr lang="it-IT" dirty="0"/>
-                  <a:t> è la matrice </a:t>
-                </a:r>
-                <a:r>
-                  <a:rPr lang="it-IT" dirty="0" smtClean="0"/>
-                  <a:t>di covarianza </a:t>
-                </a:r>
-                <a:r>
-                  <a:rPr lang="it-IT" dirty="0"/>
-                  <a:t>dei rendimenti e </a:t>
-                </a:r>
-                <a:r>
-                  <a:rPr lang="it-IT" i="1" dirty="0" err="1"/>
-                  <a:t>rf</a:t>
-                </a:r>
-                <a:r>
-                  <a:rPr lang="it-IT" dirty="0"/>
-                  <a:t> è il tasso privo di rischio</a:t>
-                </a:r>
-                <a:r>
-                  <a:rPr lang="it-IT" dirty="0" smtClean="0"/>
-                  <a:t>.</a:t>
-                </a:r>
-              </a:p>
-              <a:p>
-                <a:r>
-                  <a:rPr lang="it-IT" dirty="0" smtClean="0"/>
-                  <a:t>Nell’allocazione statica, i pesi di portafoglio ottimali vengono mantenuti costanti durante tutto il </a:t>
-                </a:r>
-                <a:r>
-                  <a:rPr lang="it-IT" i="1" dirty="0" smtClean="0"/>
-                  <a:t>test set</a:t>
-                </a:r>
-                <a:r>
-                  <a:rPr lang="it-IT" dirty="0" smtClean="0"/>
-                  <a:t>, pari all’ultimo anno. </a:t>
-                </a:r>
-              </a:p>
-              <a:p>
-                <a:r>
-                  <a:rPr lang="it-IT" dirty="0"/>
-                  <a:t>Nell’allocazione </a:t>
-                </a:r>
-                <a:r>
-                  <a:rPr lang="it-IT" i="1" dirty="0" err="1"/>
-                  <a:t>rolling</a:t>
-                </a:r>
-                <a:r>
-                  <a:rPr lang="it-IT" i="1" dirty="0"/>
-                  <a:t>, </a:t>
-                </a:r>
-                <a:r>
-                  <a:rPr lang="it-IT" dirty="0"/>
-                  <a:t>i pesi di portafoglio sono calcolati su finestre </a:t>
-                </a:r>
-                <a:r>
-                  <a:rPr lang="it-IT" i="1" dirty="0" err="1"/>
-                  <a:t>rolling</a:t>
-                </a:r>
-                <a:r>
-                  <a:rPr lang="it-IT" dirty="0"/>
-                  <a:t> giornaliere di ampiezza </a:t>
-                </a:r>
-                <a:r>
-                  <a:rPr lang="it-IT" dirty="0" smtClean="0"/>
-                  <a:t>annuale.</a:t>
-                </a:r>
-                <a:endParaRPr lang="it-IT" dirty="0"/>
-              </a:p>
-              <a:p>
-                <a:endParaRPr lang="it-IT" dirty="0" smtClean="0"/>
-              </a:p>
-            </p:txBody>
-          </p:sp>
-        </mc:Choice>
-        <mc:Fallback xmlns="">
-          <p:sp>
-            <p:nvSpPr>
-              <p:cNvPr id="7" name="Segnaposto contenuto 6"/>
-              <p:cNvSpPr>
-                <a:spLocks noGrp="1" noRot="1" noChangeAspect="1" noMove="1" noResize="1" noEditPoints="1" noAdjustHandles="1" noChangeArrowheads="1" noChangeShapeType="1" noTextEdit="1"/>
-              </p:cNvSpPr>
-              <p:nvPr>
-                <p:ph idx="1"/>
-              </p:nvPr>
-            </p:nvSpPr>
-            <p:spPr>
-              <a:xfrm>
-                <a:off x="856104" y="1153301"/>
-                <a:ext cx="10403775" cy="5523947"/>
-              </a:xfrm>
-              <a:blipFill>
-                <a:blip r:embed="rId2"/>
-                <a:stretch>
-                  <a:fillRect l="-586" t="-883"/>
-                </a:stretch>
-              </a:blipFill>
-            </p:spPr>
-            <p:txBody>
-              <a:bodyPr/>
-              <a:lstStyle/>
-              <a:p>
-                <a:r>
-                  <a:rPr lang="it-IT">
-                    <a:noFill/>
-                  </a:rPr>
-                  <a:t> </a:t>
-                </a:r>
-              </a:p>
-            </p:txBody>
-          </p:sp>
-        </mc:Fallback>
-      </mc:AlternateContent>
+          <a:p>
+            <a:endParaRPr lang="it-IT" dirty="0"/>
+          </a:p>
+        </p:txBody>
+      </p:sp>
     </p:spTree>
     <p:extLst>
       <p:ext uri="{BB962C8B-B14F-4D97-AF65-F5344CB8AC3E}">
@@ -9592,13 +9048,6 @@
   <p:clrMapOvr>
     <a:masterClrMapping/>
   </p:clrMapOvr>
-  <p:timing>
-    <p:tnLst>
-      <p:par>
-        <p:cTn id="1" dur="indefinite" restart="never" nodeType="tmRoot"/>
-      </p:par>
-    </p:tnLst>
-  </p:timing>
 </p:sld>
 </file>
 
@@ -9642,10 +9091,9 @@
           <a:lstStyle/>
           <a:p>
             <a:r>
-              <a:rPr lang="it-IT" dirty="0" smtClean="0"/>
+              <a:rPr lang="it-IT" dirty="0"/>
               <a:t>Portafoglio di tangenza</a:t>
             </a:r>
-            <a:endParaRPr lang="it-IT" dirty="0"/>
           </a:p>
         </p:txBody>
       </p:sp>
@@ -9701,17 +9149,6 @@
           <a:lstStyle/>
           <a:p>
             <a:r>
-              <a:rPr lang="it-IT" sz="1900" spc="10" dirty="0" smtClean="0">
-                <a:solidFill>
-                  <a:schemeClr val="tx1">
-                    <a:lumMod val="65000"/>
-                    <a:lumOff val="35000"/>
-                  </a:schemeClr>
-                </a:solidFill>
-              </a:rPr>
-              <a:t>                      Pesi </a:t>
-            </a:r>
-            <a:r>
               <a:rPr lang="it-IT" sz="1900" spc="10" dirty="0">
                 <a:solidFill>
                   <a:schemeClr val="tx1">
@@ -9720,7 +9157,7 @@
                   </a:schemeClr>
                 </a:solidFill>
               </a:rPr>
-              <a:t>del portafoglio </a:t>
+              <a:t>                      Pesi del portafoglio </a:t>
             </a:r>
             <a:r>
               <a:rPr lang="it-IT" sz="1900" i="1" spc="10" dirty="0" err="1">
@@ -9754,13 +9191,6 @@
   <p:clrMapOvr>
     <a:masterClrMapping/>
   </p:clrMapOvr>
-  <p:timing>
-    <p:tnLst>
-      <p:par>
-        <p:cTn id="1" dur="indefinite" restart="never" nodeType="tmRoot"/>
-      </p:par>
-    </p:tnLst>
-  </p:timing>
 </p:sld>
 </file>
 
@@ -9802,11 +9232,11 @@
           <a:lstStyle/>
           <a:p>
             <a:r>
-              <a:rPr lang="it-IT" dirty="0" smtClean="0"/>
+              <a:rPr lang="it-IT" dirty="0"/>
               <a:t>K-</a:t>
             </a:r>
             <a:r>
-              <a:rPr lang="it-IT" dirty="0" err="1" smtClean="0"/>
+              <a:rPr lang="it-IT" dirty="0" err="1"/>
               <a:t>Means</a:t>
             </a:r>
             <a:endParaRPr lang="it-IT" dirty="0"/>
@@ -9838,69 +9268,69 @@
             <a:pPr marL="0" indent="0">
               <a:buNone/>
             </a:pPr>
-            <a:endParaRPr lang="it-IT" dirty="0" smtClean="0"/>
-          </a:p>
-          <a:p>
-            <a:r>
-              <a:rPr lang="it-IT" sz="1900" dirty="0" smtClean="0"/>
+            <a:endParaRPr lang="it-IT" dirty="0"/>
+          </a:p>
+          <a:p>
+            <a:r>
+              <a:rPr lang="it-IT" sz="1900" dirty="0"/>
               <a:t>Gli </a:t>
             </a:r>
             <a:r>
-              <a:rPr lang="it-IT" sz="1900" i="1" dirty="0" err="1" smtClean="0"/>
+              <a:rPr lang="it-IT" sz="1900" i="1" dirty="0" err="1"/>
               <a:t>outlier</a:t>
             </a:r>
             <a:r>
-              <a:rPr lang="it-IT" sz="1900" dirty="0" smtClean="0"/>
+              <a:rPr lang="it-IT" sz="1900" dirty="0"/>
               <a:t> presenti nei rendimenti azionari sono preventivamente eliminati al fine di evitare che </a:t>
             </a:r>
             <a:r>
-              <a:rPr lang="it-IT" sz="1900" i="1" dirty="0" smtClean="0"/>
+              <a:rPr lang="it-IT" sz="1900" i="1" dirty="0"/>
               <a:t>K-</a:t>
             </a:r>
             <a:r>
-              <a:rPr lang="it-IT" sz="1900" i="1" dirty="0" err="1" smtClean="0"/>
+              <a:rPr lang="it-IT" sz="1900" i="1" dirty="0" err="1"/>
               <a:t>Means</a:t>
             </a:r>
             <a:r>
-              <a:rPr lang="it-IT" sz="1900" dirty="0" smtClean="0"/>
+              <a:rPr lang="it-IT" sz="1900" dirty="0"/>
               <a:t> produca </a:t>
             </a:r>
             <a:r>
-              <a:rPr lang="it-IT" sz="1900" i="1" dirty="0" smtClean="0"/>
+              <a:rPr lang="it-IT" sz="1900" i="1" dirty="0"/>
               <a:t>cluster </a:t>
             </a:r>
             <a:r>
-              <a:rPr lang="it-IT" sz="1900" dirty="0" smtClean="0"/>
+              <a:rPr lang="it-IT" sz="1900" dirty="0"/>
               <a:t>contenenti </a:t>
             </a:r>
             <a:r>
-              <a:rPr lang="it-IT" sz="1900" i="1" dirty="0" err="1" smtClean="0"/>
+              <a:rPr lang="it-IT" sz="1900" i="1" dirty="0" err="1"/>
               <a:t>asset</a:t>
             </a:r>
             <a:r>
-              <a:rPr lang="it-IT" sz="1900" dirty="0" smtClean="0"/>
+              <a:rPr lang="it-IT" sz="1900" dirty="0"/>
               <a:t> singoli. </a:t>
             </a:r>
           </a:p>
           <a:p>
             <a:r>
-              <a:rPr lang="it-IT" sz="1900" dirty="0" smtClean="0"/>
+              <a:rPr lang="it-IT" sz="1900" dirty="0"/>
               <a:t>Gli </a:t>
             </a:r>
             <a:r>
-              <a:rPr lang="it-IT" sz="1900" i="1" dirty="0" err="1" smtClean="0"/>
+              <a:rPr lang="it-IT" sz="1900" i="1" dirty="0" err="1"/>
               <a:t>outlier</a:t>
             </a:r>
             <a:r>
-              <a:rPr lang="it-IT" sz="1900" dirty="0" smtClean="0"/>
+              <a:rPr lang="it-IT" sz="1900" dirty="0"/>
               <a:t> sono identificati mediante uno </a:t>
             </a:r>
             <a:r>
-              <a:rPr lang="it-IT" sz="1900" i="1" dirty="0" err="1" smtClean="0"/>
+              <a:rPr lang="it-IT" sz="1900" i="1" dirty="0" err="1"/>
               <a:t>scatterplot</a:t>
             </a:r>
             <a:r>
-              <a:rPr lang="it-IT" sz="1900" dirty="0" smtClean="0"/>
+              <a:rPr lang="it-IT" sz="1900" dirty="0"/>
               <a:t> della media e della volatilità dei rendimenti annualizzati. </a:t>
             </a:r>
           </a:p>
@@ -9976,13 +9406,6 @@
   <p:clrMapOvr>
     <a:masterClrMapping/>
   </p:clrMapOvr>
-  <p:timing>
-    <p:tnLst>
-      <p:par>
-        <p:cTn id="1" dur="indefinite" restart="never" nodeType="tmRoot"/>
-      </p:par>
-    </p:tnLst>
-  </p:timing>
 </p:sld>
 </file>
 
@@ -10024,19 +9447,19 @@
           <a:lstStyle/>
           <a:p>
             <a:r>
-              <a:rPr lang="it-IT" dirty="0" smtClean="0"/>
+              <a:rPr lang="it-IT" dirty="0"/>
               <a:t>K-</a:t>
             </a:r>
             <a:r>
-              <a:rPr lang="it-IT" dirty="0" err="1" smtClean="0"/>
+              <a:rPr lang="it-IT" dirty="0" err="1"/>
               <a:t>Means</a:t>
             </a:r>
             <a:endParaRPr lang="it-IT" dirty="0"/>
           </a:p>
         </p:txBody>
       </p:sp>
-      <mc:AlternateContent xmlns:mc="http://schemas.openxmlformats.org/markup-compatibility/2006">
-        <mc:Choice xmlns:a14="http://schemas.microsoft.com/office/drawing/2010/main" Requires="a14">
+      <mc:AlternateContent xmlns:mc="http://schemas.openxmlformats.org/markup-compatibility/2006" xmlns:a14="http://schemas.microsoft.com/office/drawing/2010/main">
+        <mc:Choice Requires="a14">
           <p:sp>
             <p:nvSpPr>
               <p:cNvPr id="7" name="Segnaposto contenuto 6"/>
@@ -10062,55 +9485,27 @@
                 <a:pPr marL="0" indent="0">
                   <a:buNone/>
                 </a:pPr>
-                <a:endParaRPr lang="it-IT" dirty="0" smtClean="0"/>
+                <a:endParaRPr lang="it-IT" dirty="0"/>
               </a:p>
               <a:p>
                 <a:r>
-                  <a:rPr lang="it-IT" altLang="it-IT" sz="1900" dirty="0" smtClean="0"/>
+                  <a:rPr lang="it-IT" altLang="it-IT" sz="1900" dirty="0"/>
                   <a:t>L'algoritmo </a:t>
                 </a:r>
                 <a:r>
-                  <a:rPr lang="it-IT" altLang="it-IT" sz="1900" i="1" dirty="0" smtClean="0"/>
+                  <a:rPr lang="it-IT" altLang="it-IT" sz="1900" i="1" dirty="0"/>
                   <a:t>K-</a:t>
                 </a:r>
                 <a:r>
-                  <a:rPr lang="it-IT" altLang="it-IT" sz="1900" i="1" dirty="0" err="1" smtClean="0"/>
+                  <a:rPr lang="it-IT" altLang="it-IT" sz="1900" i="1" dirty="0" err="1"/>
                   <a:t>Means</a:t>
                 </a:r>
                 <a:r>
-                  <a:rPr lang="it-IT" altLang="it-IT" sz="1900" dirty="0" smtClean="0"/>
-                  <a:t> </a:t>
-                </a:r>
-                <a:r>
-                  <a:rPr lang="it-IT" altLang="it-IT" sz="1900" dirty="0" smtClean="0"/>
-                  <a:t>divide un </a:t>
-                </a:r>
-                <a:r>
                   <a:rPr lang="it-IT" altLang="it-IT" sz="1900" dirty="0"/>
-                  <a:t>insieme di </a:t>
-                </a:r>
-                <a:r>
-                  <a:rPr lang="it-IT" altLang="it-IT" sz="1900" dirty="0" smtClean="0"/>
-                  <a:t>𝑁 </a:t>
-                </a:r>
-                <a:r>
-                  <a:rPr lang="it-IT" altLang="it-IT" sz="1900" dirty="0"/>
-                  <a:t>campioni </a:t>
-                </a:r>
-                <a:r>
-                  <a:rPr lang="it-IT" altLang="it-IT" sz="1900" dirty="0" smtClean="0"/>
-                  <a:t>𝑋 </a:t>
-                </a:r>
-                <a:r>
-                  <a:rPr lang="it-IT" altLang="it-IT" sz="1900" dirty="0"/>
-                  <a:t>in </a:t>
-                </a:r>
-                <a:r>
-                  <a:rPr lang="it-IT" altLang="it-IT" sz="1900" dirty="0" smtClean="0"/>
-                  <a:t>𝐶 </a:t>
-                </a:r>
-                <a:r>
-                  <a:rPr lang="it-IT" altLang="it-IT" sz="1900" i="1" dirty="0" smtClean="0"/>
+                  <a:t> divide un insieme di 𝑁 campioni 𝑋 in 𝐶 </a:t>
+                </a:r>
+                <a:r>
+                  <a:rPr lang="it-IT" altLang="it-IT" sz="1900" i="1" dirty="0"/>
                   <a:t>cluster </a:t>
                 </a:r>
                 <a:r>
@@ -10147,12 +9542,8 @@
                   </m:oMath>
                 </a14:m>
                 <a:r>
-                  <a:rPr lang="it-IT" altLang="it-IT" sz="1900" dirty="0" smtClean="0"/>
-                  <a:t> dei </a:t>
-                </a:r>
-                <a:r>
                   <a:rPr lang="it-IT" altLang="it-IT" sz="1900" dirty="0"/>
-                  <a:t>campioni nel </a:t>
+                  <a:t> dei campioni nel </a:t>
                 </a:r>
                 <a:r>
                   <a:rPr lang="it-IT" altLang="it-IT" sz="1900" i="1" dirty="0"/>
@@ -10170,46 +9561,21 @@
                   <a:rPr lang="it-IT" altLang="it-IT" sz="1900" dirty="0"/>
                   <a:t>). </a:t>
                 </a:r>
-                <a:endParaRPr lang="it-IT" altLang="it-IT" sz="1900" dirty="0" smtClean="0"/>
               </a:p>
               <a:p>
                 <a:r>
-                  <a:rPr lang="it-IT" altLang="it-IT" sz="1900" dirty="0" smtClean="0"/>
-                  <a:t>L'algoritmo </a:t>
-                </a:r>
-                <a:r>
                   <a:rPr lang="it-IT" altLang="it-IT" sz="1900" dirty="0"/>
-                  <a:t>mira a scegliere i </a:t>
-                </a:r>
-                <a:r>
-                  <a:rPr lang="it-IT" altLang="it-IT" sz="1900" dirty="0" err="1" smtClean="0"/>
+                  <a:t>L'algoritmo mira a scegliere i </a:t>
+                </a:r>
+                <a:r>
+                  <a:rPr lang="it-IT" altLang="it-IT" sz="1900" dirty="0" err="1"/>
                   <a:t>centroidi</a:t>
                 </a:r>
                 <a:r>
                   <a:rPr lang="it-IT" altLang="it-IT" sz="1900" dirty="0"/>
-                  <a:t> </a:t>
-                </a:r>
-                <a:r>
-                  <a:rPr lang="it-IT" altLang="it-IT" sz="1900" dirty="0" smtClean="0"/>
-                  <a:t>che </a:t>
-                </a:r>
-                <a:r>
-                  <a:rPr lang="it-IT" altLang="it-IT" sz="1900" dirty="0"/>
-                  <a:t>minimizzano la somma dei quadrati all'interno del </a:t>
-                </a:r>
-                <a:r>
-                  <a:rPr lang="it-IT" altLang="it-IT" sz="1900" dirty="0" smtClean="0"/>
-                  <a:t>cluster </a:t>
-                </a:r>
-                <a:r>
-                  <a:rPr lang="it-IT" altLang="it-IT" sz="1900" dirty="0" smtClean="0"/>
-                  <a:t>(</a:t>
-                </a:r>
-                <a:r>
-                  <a:rPr lang="it-IT" altLang="it-IT" sz="1900" dirty="0" smtClean="0"/>
-                  <a:t>SSE): </a:t>
-                </a:r>
-                <a:endParaRPr lang="it-IT" altLang="it-IT" sz="1900" i="1" dirty="0" smtClean="0">
+                  <a:t> che minimizzano la somma dei quadrati all'interno del cluster (SSE): </a:t>
+                </a:r>
+                <a:endParaRPr lang="it-IT" altLang="it-IT" sz="1900" i="1" dirty="0">
                   <a:latin typeface="Cambria Math" panose="02040503050406030204" pitchFamily="18" charset="0"/>
                 </a:endParaRPr>
               </a:p>
@@ -10394,50 +9760,50 @@
                     </m:oMath>
                   </m:oMathPara>
                 </a14:m>
-                <a:endParaRPr lang="it-IT" sz="1900" dirty="0" smtClean="0"/>
+                <a:endParaRPr lang="it-IT" sz="1900" dirty="0"/>
               </a:p>
               <a:p>
                 <a:r>
-                  <a:rPr lang="it-IT" sz="1900" dirty="0" smtClean="0"/>
+                  <a:rPr lang="it-IT" sz="1900" dirty="0"/>
                   <a:t>Il numero ottimale di </a:t>
                 </a:r>
                 <a:r>
-                  <a:rPr lang="it-IT" sz="1900" i="1" dirty="0" smtClean="0"/>
+                  <a:rPr lang="it-IT" sz="1900" i="1" dirty="0"/>
                   <a:t>cluster</a:t>
                 </a:r>
                 <a:r>
-                  <a:rPr lang="it-IT" sz="1900" dirty="0" smtClean="0"/>
+                  <a:rPr lang="it-IT" sz="1900" dirty="0"/>
                   <a:t> è selezionato come il punto in cui il tasso di decrescita del SSE rispetto al numero di </a:t>
                 </a:r>
                 <a:r>
-                  <a:rPr lang="it-IT" sz="1900" i="1" dirty="0" smtClean="0"/>
+                  <a:rPr lang="it-IT" sz="1900" i="1" dirty="0"/>
                   <a:t>cluster</a:t>
                 </a:r>
                 <a:r>
-                  <a:rPr lang="it-IT" sz="1900" dirty="0" smtClean="0"/>
+                  <a:rPr lang="it-IT" sz="1900" dirty="0"/>
                   <a:t> subisce un rallentamento significativo (</a:t>
                 </a:r>
                 <a:r>
-                  <a:rPr lang="it-IT" sz="1900" i="1" dirty="0" err="1" smtClean="0"/>
+                  <a:rPr lang="it-IT" sz="1900" i="1" dirty="0" err="1"/>
                   <a:t>elbow</a:t>
                 </a:r>
                 <a:r>
-                  <a:rPr lang="it-IT" sz="1900" i="1" dirty="0" smtClean="0"/>
+                  <a:rPr lang="it-IT" sz="1900" i="1" dirty="0"/>
                   <a:t> </a:t>
                 </a:r>
                 <a:r>
-                  <a:rPr lang="it-IT" sz="1900" i="1" dirty="0" err="1" smtClean="0"/>
+                  <a:rPr lang="it-IT" sz="1900" i="1" dirty="0" err="1"/>
                   <a:t>rule</a:t>
                 </a:r>
                 <a:r>
-                  <a:rPr lang="it-IT" sz="1900" i="1" dirty="0" smtClean="0"/>
+                  <a:rPr lang="it-IT" sz="1900" i="1" dirty="0"/>
                   <a:t>).</a:t>
                 </a:r>
               </a:p>
             </p:txBody>
           </p:sp>
         </mc:Choice>
-        <mc:Fallback>
+        <mc:Fallback xmlns="">
           <p:sp>
             <p:nvSpPr>
               <p:cNvPr id="7" name="Segnaposto contenuto 6"/>
@@ -10515,13 +9881,6 @@
   <p:clrMapOvr>
     <a:masterClrMapping/>
   </p:clrMapOvr>
-  <p:timing>
-    <p:tnLst>
-      <p:par>
-        <p:cTn id="1" dur="indefinite" restart="never" nodeType="tmRoot"/>
-      </p:par>
-    </p:tnLst>
-  </p:timing>
 </p:sld>
 </file>
 
@@ -10563,11 +9922,11 @@
           <a:lstStyle/>
           <a:p>
             <a:r>
-              <a:rPr lang="it-IT" dirty="0" smtClean="0"/>
+              <a:rPr lang="it-IT" dirty="0"/>
               <a:t>K-</a:t>
             </a:r>
             <a:r>
-              <a:rPr lang="it-IT" dirty="0" err="1" smtClean="0"/>
+              <a:rPr lang="it-IT" dirty="0" err="1"/>
               <a:t>Means</a:t>
             </a:r>
             <a:endParaRPr lang="it-IT" dirty="0"/>
@@ -10599,10 +9958,10 @@
             <a:pPr marL="0" indent="0">
               <a:buNone/>
             </a:pPr>
-            <a:endParaRPr lang="it-IT" dirty="0" smtClean="0"/>
-          </a:p>
-          <a:p>
-            <a:endParaRPr lang="it-IT" sz="1900" dirty="0" smtClean="0"/>
+            <a:endParaRPr lang="it-IT" dirty="0"/>
+          </a:p>
+          <a:p>
+            <a:endParaRPr lang="it-IT" sz="1900" dirty="0"/>
           </a:p>
         </p:txBody>
       </p:sp>
@@ -10727,7 +10086,7 @@
           <a:lstStyle/>
           <a:p>
             <a:r>
-              <a:rPr lang="it-IT" sz="1900" spc="10" dirty="0" smtClean="0">
+              <a:rPr lang="it-IT" sz="1900" spc="10" dirty="0">
                 <a:solidFill>
                   <a:schemeClr val="tx1">
                     <a:lumMod val="65000"/>
@@ -10737,14 +10096,6 @@
               </a:rPr>
               <a:t>                      Pesi del portafoglio statico</a:t>
             </a:r>
-            <a:endParaRPr lang="it-IT" sz="1900" spc="10" dirty="0">
-              <a:solidFill>
-                <a:schemeClr val="tx1">
-                  <a:lumMod val="65000"/>
-                  <a:lumOff val="35000"/>
-                </a:schemeClr>
-              </a:solidFill>
-            </a:endParaRPr>
           </a:p>
         </p:txBody>
       </p:sp>
@@ -10758,13 +10109,6 @@
   <p:clrMapOvr>
     <a:masterClrMapping/>
   </p:clrMapOvr>
-  <p:timing>
-    <p:tnLst>
-      <p:par>
-        <p:cTn id="1" dur="indefinite" restart="never" nodeType="tmRoot"/>
-      </p:par>
-    </p:tnLst>
-  </p:timing>
 </p:sld>
 </file>
 

--- a/presentazione.pptx
+++ b/presentazione.pptx
@@ -8352,12 +8352,12 @@
             <p:spPr>
               <a:xfrm>
                 <a:off x="1015593" y="1010093"/>
-                <a:ext cx="9904044" cy="5546006"/>
+                <a:ext cx="9904044" cy="5207827"/>
               </a:xfrm>
             </p:spPr>
             <p:txBody>
               <a:bodyPr>
-                <a:normAutofit fontScale="92500" lnSpcReduction="20000"/>
+                <a:normAutofit/>
               </a:bodyPr>
               <a:lstStyle/>
               <a:p>
@@ -8435,36 +8435,16 @@
                   <a:rPr lang="it-IT" sz="1900" i="1" dirty="0"/>
                   <a:t>.</a:t>
                 </a:r>
-                <a:br>
-                  <a:rPr lang="it-IT" sz="1900" i="1" dirty="0"/>
-                </a:br>
-                <a:br>
-                  <a:rPr lang="it-IT" sz="1900" i="1" dirty="0"/>
-                </a:br>
-                <a:r>
-                  <a:rPr lang="it-IT" sz="1900" b="1" i="1" dirty="0"/>
-                  <a:t>ALLOCAZIONE DI PORTAFOGLIO</a:t>
-                </a:r>
               </a:p>
               <a:p>
                 <a:r>
                   <a:rPr lang="it-IT" sz="1800" dirty="0"/>
-                  <a:t>A questi portafogli si applica una strategia di allocazione in media-varianza al fine di ottenere un singolo portafoglio che contiene tutti gli </a:t>
-                </a:r>
-                <a:r>
-                  <a:rPr lang="it-IT" sz="1800" i="1" dirty="0" err="1"/>
-                  <a:t>asset</a:t>
-                </a:r>
-                <a:r>
+                  <a:t>I pesi ottimali sono calcolati massimizzando la seguente funzione:</a:t>
+                </a:r>
+                <a:br>
                   <a:rPr lang="it-IT" sz="1800" dirty="0"/>
-                  <a:t> disponibili.</a:t>
-                </a:r>
-              </a:p>
-              <a:p>
-                <a:r>
-                  <a:rPr lang="it-IT" sz="1800" dirty="0"/>
-                  <a:t>I pesi ottimali sono calcolati massimizzando la seguente funzione:</a:t>
-                </a:r>
+                </a:br>
+                <a:endParaRPr lang="it-IT" sz="1800" dirty="0"/>
               </a:p>
               <a:p>
                 <a:pPr marL="0" indent="0">
@@ -8679,6 +8659,9 @@
                     </m:oMath>
                   </m:oMathPara>
                 </a14:m>
+                <a:br>
+                  <a:rPr lang="it-IT" sz="1800" dirty="0"/>
+                </a:br>
                 <a:endParaRPr lang="it-IT" sz="1800" dirty="0"/>
               </a:p>
               <a:p>
@@ -8703,10 +8686,10 @@
                 </a:r>
                 <a:r>
                   <a:rPr lang="it-IT" sz="1800" dirty="0"/>
-                  <a:t> è il rendimento atteso del portafoglio, </a:t>
-                </a:r>
-                <a:r>
-                  <a:rPr lang="it-IT" sz="1800" i="1" dirty="0"/>
+                  <a:t> è il rendimento atteso del portafoglio,    </a:t>
+                </a:r>
+                <a:r>
+                  <a:rPr lang="it-IT" sz="1800" i="1" dirty="0" err="1"/>
                   <a:t>Σ</a:t>
                 </a:r>
                 <a:r>
@@ -8742,12 +8725,12 @@
             <p:spPr>
               <a:xfrm>
                 <a:off x="1015593" y="1010093"/>
-                <a:ext cx="9904044" cy="5546006"/>
+                <a:ext cx="9904044" cy="5207827"/>
               </a:xfrm>
               <a:blipFill>
                 <a:blip r:embed="rId2"/>
                 <a:stretch>
-                  <a:fillRect l="-513" r="-897"/>
+                  <a:fillRect l="-641" r="-897"/>
                 </a:stretch>
               </a:blipFill>
             </p:spPr>
